--- a/Organisational/Dokumentation HHZ Rocket Project.pptx
+++ b/Organisational/Dokumentation HHZ Rocket Project.pptx
@@ -5,7 +5,7 @@
     <p:sldMasterId id="2147483648" r:id="rId1"/>
   </p:sldMasterIdLst>
   <p:notesMasterIdLst>
-    <p:notesMasterId r:id="rId22"/>
+    <p:notesMasterId r:id="rId28"/>
   </p:notesMasterIdLst>
   <p:sldIdLst>
     <p:sldId id="256" r:id="rId2"/>
@@ -26,8 +26,14 @@
     <p:sldId id="274" r:id="rId17"/>
     <p:sldId id="279" r:id="rId18"/>
     <p:sldId id="280" r:id="rId19"/>
-    <p:sldId id="278" r:id="rId20"/>
-    <p:sldId id="281" r:id="rId21"/>
+    <p:sldId id="285" r:id="rId20"/>
+    <p:sldId id="278" r:id="rId21"/>
+    <p:sldId id="281" r:id="rId22"/>
+    <p:sldId id="282" r:id="rId23"/>
+    <p:sldId id="283" r:id="rId24"/>
+    <p:sldId id="286" r:id="rId25"/>
+    <p:sldId id="287" r:id="rId26"/>
+    <p:sldId id="288" r:id="rId27"/>
   </p:sldIdLst>
   <p:sldSz cx="12192000" cy="6858000"/>
   <p:notesSz cx="6858000" cy="9144000"/>
@@ -132,6 +138,331 @@
     </p:ext>
   </p:extLst>
 </p:presentation>
+</file>
+
+<file path=ppt/revisionInfo.xml><?xml version="1.0" encoding="utf-8"?>
+<p1510:revInfo xmlns:a="http://schemas.openxmlformats.org/drawingml/2006/main" xmlns:r="http://schemas.openxmlformats.org/officeDocument/2006/relationships" xmlns:p1510="http://schemas.microsoft.com/office/powerpoint/2015/10/main">
+  <p1510:revLst>
+    <p1510:client id="{5635DA5A-61EB-4DA5-B93B-B0B2D991637B}" v="8" dt="2024-02-24T16:20:25.562"/>
+  </p1510:revLst>
+</p1510:revInfo>
+</file>
+
+<file path=ppt/changesInfos/changesInfo1.xml><?xml version="1.0" encoding="utf-8"?>
+<pc:chgInfo xmlns:a="http://schemas.openxmlformats.org/drawingml/2006/main" xmlns:r="http://schemas.openxmlformats.org/officeDocument/2006/relationships" xmlns:ac="http://schemas.microsoft.com/office/drawing/2013/main/command" xmlns:pc="http://schemas.microsoft.com/office/powerpoint/2013/main/command">
+  <pc:docChgLst>
+    <pc:chgData name="Betz, Daniel" userId="2ae60d0c-3264-419a-8fb5-5613884ee745" providerId="ADAL" clId="{5635DA5A-61EB-4DA5-B93B-B0B2D991637B}"/>
+    <pc:docChg chg="custSel addSld delSld modSld sldOrd">
+      <pc:chgData name="Betz, Daniel" userId="2ae60d0c-3264-419a-8fb5-5613884ee745" providerId="ADAL" clId="{5635DA5A-61EB-4DA5-B93B-B0B2D991637B}" dt="2024-02-24T16:20:28.660" v="624" actId="1076"/>
+      <pc:docMkLst>
+        <pc:docMk/>
+      </pc:docMkLst>
+      <pc:sldChg chg="ord">
+        <pc:chgData name="Betz, Daniel" userId="2ae60d0c-3264-419a-8fb5-5613884ee745" providerId="ADAL" clId="{5635DA5A-61EB-4DA5-B93B-B0B2D991637B}" dt="2024-02-24T16:15:31.111" v="532"/>
+        <pc:sldMkLst>
+          <pc:docMk/>
+          <pc:sldMk cId="1007533382" sldId="281"/>
+        </pc:sldMkLst>
+      </pc:sldChg>
+      <pc:sldChg chg="addSp delSp modSp new mod ord">
+        <pc:chgData name="Betz, Daniel" userId="2ae60d0c-3264-419a-8fb5-5613884ee745" providerId="ADAL" clId="{5635DA5A-61EB-4DA5-B93B-B0B2D991637B}" dt="2024-02-24T16:20:18.515" v="622" actId="1076"/>
+        <pc:sldMkLst>
+          <pc:docMk/>
+          <pc:sldMk cId="1949397748" sldId="282"/>
+        </pc:sldMkLst>
+        <pc:spChg chg="mod">
+          <ac:chgData name="Betz, Daniel" userId="2ae60d0c-3264-419a-8fb5-5613884ee745" providerId="ADAL" clId="{5635DA5A-61EB-4DA5-B93B-B0B2D991637B}" dt="2024-02-24T16:03:02.301" v="138" actId="20577"/>
+          <ac:spMkLst>
+            <pc:docMk/>
+            <pc:sldMk cId="1949397748" sldId="282"/>
+            <ac:spMk id="2" creationId="{799B8981-AB9A-B174-B50F-F0701587DD89}"/>
+          </ac:spMkLst>
+        </pc:spChg>
+        <pc:spChg chg="mod">
+          <ac:chgData name="Betz, Daniel" userId="2ae60d0c-3264-419a-8fb5-5613884ee745" providerId="ADAL" clId="{5635DA5A-61EB-4DA5-B93B-B0B2D991637B}" dt="2024-02-24T16:03:13.144" v="159" actId="20577"/>
+          <ac:spMkLst>
+            <pc:docMk/>
+            <pc:sldMk cId="1949397748" sldId="282"/>
+            <ac:spMk id="3" creationId="{15BCB922-35D4-FAE2-0B43-0F07D2541826}"/>
+          </ac:spMkLst>
+        </pc:spChg>
+        <pc:spChg chg="add del mod">
+          <ac:chgData name="Betz, Daniel" userId="2ae60d0c-3264-419a-8fb5-5613884ee745" providerId="ADAL" clId="{5635DA5A-61EB-4DA5-B93B-B0B2D991637B}" dt="2024-02-24T16:03:05.386" v="139" actId="478"/>
+          <ac:spMkLst>
+            <pc:docMk/>
+            <pc:sldMk cId="1949397748" sldId="282"/>
+            <ac:spMk id="4" creationId="{594C0643-771A-84CC-187E-D9409D58BC27}"/>
+          </ac:spMkLst>
+        </pc:spChg>
+        <pc:spChg chg="add mod">
+          <ac:chgData name="Betz, Daniel" userId="2ae60d0c-3264-419a-8fb5-5613884ee745" providerId="ADAL" clId="{5635DA5A-61EB-4DA5-B93B-B0B2D991637B}" dt="2024-02-24T16:19:36.873" v="610" actId="1076"/>
+          <ac:spMkLst>
+            <pc:docMk/>
+            <pc:sldMk cId="1949397748" sldId="282"/>
+            <ac:spMk id="10" creationId="{52B32AB0-7FDE-5C68-F848-BC9B57571242}"/>
+          </ac:spMkLst>
+        </pc:spChg>
+        <pc:spChg chg="add mod">
+          <ac:chgData name="Betz, Daniel" userId="2ae60d0c-3264-419a-8fb5-5613884ee745" providerId="ADAL" clId="{5635DA5A-61EB-4DA5-B93B-B0B2D991637B}" dt="2024-02-24T16:20:18.515" v="622" actId="1076"/>
+          <ac:spMkLst>
+            <pc:docMk/>
+            <pc:sldMk cId="1949397748" sldId="282"/>
+            <ac:spMk id="12" creationId="{5884137D-5FAD-5485-DC8D-DBC866B7F1E9}"/>
+          </ac:spMkLst>
+        </pc:spChg>
+        <pc:picChg chg="add mod">
+          <ac:chgData name="Betz, Daniel" userId="2ae60d0c-3264-419a-8fb5-5613884ee745" providerId="ADAL" clId="{5635DA5A-61EB-4DA5-B93B-B0B2D991637B}" dt="2024-02-24T16:03:22.986" v="163" actId="14100"/>
+          <ac:picMkLst>
+            <pc:docMk/>
+            <pc:sldMk cId="1949397748" sldId="282"/>
+            <ac:picMk id="6" creationId="{3E09A82B-F950-9154-A41D-0473FDD9BD26}"/>
+          </ac:picMkLst>
+        </pc:picChg>
+        <pc:picChg chg="add mod">
+          <ac:chgData name="Betz, Daniel" userId="2ae60d0c-3264-419a-8fb5-5613884ee745" providerId="ADAL" clId="{5635DA5A-61EB-4DA5-B93B-B0B2D991637B}" dt="2024-02-24T16:11:30.577" v="206" actId="14100"/>
+          <ac:picMkLst>
+            <pc:docMk/>
+            <pc:sldMk cId="1949397748" sldId="282"/>
+            <ac:picMk id="8" creationId="{7BDE6FC7-3454-7FAE-28D9-AB4E6437F158}"/>
+          </ac:picMkLst>
+        </pc:picChg>
+      </pc:sldChg>
+      <pc:sldChg chg="addSp delSp modSp add mod ord">
+        <pc:chgData name="Betz, Daniel" userId="2ae60d0c-3264-419a-8fb5-5613884ee745" providerId="ADAL" clId="{5635DA5A-61EB-4DA5-B93B-B0B2D991637B}" dt="2024-02-24T16:20:28.660" v="624" actId="1076"/>
+        <pc:sldMkLst>
+          <pc:docMk/>
+          <pc:sldMk cId="3263210723" sldId="283"/>
+        </pc:sldMkLst>
+        <pc:spChg chg="mod">
+          <ac:chgData name="Betz, Daniel" userId="2ae60d0c-3264-419a-8fb5-5613884ee745" providerId="ADAL" clId="{5635DA5A-61EB-4DA5-B93B-B0B2D991637B}" dt="2024-02-24T16:03:33.487" v="183" actId="20577"/>
+          <ac:spMkLst>
+            <pc:docMk/>
+            <pc:sldMk cId="3263210723" sldId="283"/>
+            <ac:spMk id="2" creationId="{2766203E-34A3-CA7E-9C73-28C60B82E6DB}"/>
+          </ac:spMkLst>
+        </pc:spChg>
+        <pc:spChg chg="add mod">
+          <ac:chgData name="Betz, Daniel" userId="2ae60d0c-3264-419a-8fb5-5613884ee745" providerId="ADAL" clId="{5635DA5A-61EB-4DA5-B93B-B0B2D991637B}" dt="2024-02-24T16:19:40.094" v="611"/>
+          <ac:spMkLst>
+            <pc:docMk/>
+            <pc:sldMk cId="3263210723" sldId="283"/>
+            <ac:spMk id="11" creationId="{30D637A9-C434-FB49-7FC7-DC35D7355B9F}"/>
+          </ac:spMkLst>
+        </pc:spChg>
+        <pc:spChg chg="add mod">
+          <ac:chgData name="Betz, Daniel" userId="2ae60d0c-3264-419a-8fb5-5613884ee745" providerId="ADAL" clId="{5635DA5A-61EB-4DA5-B93B-B0B2D991637B}" dt="2024-02-24T16:20:28.660" v="624" actId="1076"/>
+          <ac:spMkLst>
+            <pc:docMk/>
+            <pc:sldMk cId="3263210723" sldId="283"/>
+            <ac:spMk id="12" creationId="{2A173D40-E406-591E-8B84-3B5805010686}"/>
+          </ac:spMkLst>
+        </pc:spChg>
+        <pc:picChg chg="add mod">
+          <ac:chgData name="Betz, Daniel" userId="2ae60d0c-3264-419a-8fb5-5613884ee745" providerId="ADAL" clId="{5635DA5A-61EB-4DA5-B93B-B0B2D991637B}" dt="2024-02-24T16:19:45.279" v="613" actId="1076"/>
+          <ac:picMkLst>
+            <pc:docMk/>
+            <pc:sldMk cId="3263210723" sldId="283"/>
+            <ac:picMk id="5" creationId="{0043D8BD-70D5-35EA-B8BB-59A22B5BD60C}"/>
+          </ac:picMkLst>
+        </pc:picChg>
+        <pc:picChg chg="del">
+          <ac:chgData name="Betz, Daniel" userId="2ae60d0c-3264-419a-8fb5-5613884ee745" providerId="ADAL" clId="{5635DA5A-61EB-4DA5-B93B-B0B2D991637B}" dt="2024-02-24T16:04:27.315" v="191" actId="478"/>
+          <ac:picMkLst>
+            <pc:docMk/>
+            <pc:sldMk cId="3263210723" sldId="283"/>
+            <ac:picMk id="6" creationId="{4FB26247-C354-0BA7-DE8F-1A4A3CD8E71C}"/>
+          </ac:picMkLst>
+        </pc:picChg>
+        <pc:picChg chg="add del mod">
+          <ac:chgData name="Betz, Daniel" userId="2ae60d0c-3264-419a-8fb5-5613884ee745" providerId="ADAL" clId="{5635DA5A-61EB-4DA5-B93B-B0B2D991637B}" dt="2024-02-24T16:10:45.187" v="200" actId="478"/>
+          <ac:picMkLst>
+            <pc:docMk/>
+            <pc:sldMk cId="3263210723" sldId="283"/>
+            <ac:picMk id="8" creationId="{33B5B998-7F69-028E-3C72-796C85F7BA7B}"/>
+          </ac:picMkLst>
+        </pc:picChg>
+        <pc:picChg chg="add mod">
+          <ac:chgData name="Betz, Daniel" userId="2ae60d0c-3264-419a-8fb5-5613884ee745" providerId="ADAL" clId="{5635DA5A-61EB-4DA5-B93B-B0B2D991637B}" dt="2024-02-24T16:11:07.023" v="203" actId="14100"/>
+          <ac:picMkLst>
+            <pc:docMk/>
+            <pc:sldMk cId="3263210723" sldId="283"/>
+            <ac:picMk id="10" creationId="{E2CB8BF1-1CC5-8098-5103-D2BCC5657DCA}"/>
+          </ac:picMkLst>
+        </pc:picChg>
+      </pc:sldChg>
+      <pc:sldChg chg="addSp delSp modSp new del mod modClrScheme chgLayout">
+        <pc:chgData name="Betz, Daniel" userId="2ae60d0c-3264-419a-8fb5-5613884ee745" providerId="ADAL" clId="{5635DA5A-61EB-4DA5-B93B-B0B2D991637B}" dt="2024-02-24T16:12:50.326" v="248" actId="47"/>
+        <pc:sldMkLst>
+          <pc:docMk/>
+          <pc:sldMk cId="189405478" sldId="284"/>
+        </pc:sldMkLst>
+        <pc:spChg chg="del mod ord">
+          <ac:chgData name="Betz, Daniel" userId="2ae60d0c-3264-419a-8fb5-5613884ee745" providerId="ADAL" clId="{5635DA5A-61EB-4DA5-B93B-B0B2D991637B}" dt="2024-02-24T16:11:45.412" v="208" actId="700"/>
+          <ac:spMkLst>
+            <pc:docMk/>
+            <pc:sldMk cId="189405478" sldId="284"/>
+            <ac:spMk id="2" creationId="{08CC7334-DB36-929D-6FC9-E93F12F7ED3F}"/>
+          </ac:spMkLst>
+        </pc:spChg>
+        <pc:spChg chg="del mod ord">
+          <ac:chgData name="Betz, Daniel" userId="2ae60d0c-3264-419a-8fb5-5613884ee745" providerId="ADAL" clId="{5635DA5A-61EB-4DA5-B93B-B0B2D991637B}" dt="2024-02-24T16:11:45.412" v="208" actId="700"/>
+          <ac:spMkLst>
+            <pc:docMk/>
+            <pc:sldMk cId="189405478" sldId="284"/>
+            <ac:spMk id="3" creationId="{4408726E-3293-890E-6CBB-92DBDFBACEE5}"/>
+          </ac:spMkLst>
+        </pc:spChg>
+        <pc:spChg chg="add mod ord">
+          <ac:chgData name="Betz, Daniel" userId="2ae60d0c-3264-419a-8fb5-5613884ee745" providerId="ADAL" clId="{5635DA5A-61EB-4DA5-B93B-B0B2D991637B}" dt="2024-02-24T16:12:09.935" v="244" actId="20577"/>
+          <ac:spMkLst>
+            <pc:docMk/>
+            <pc:sldMk cId="189405478" sldId="284"/>
+            <ac:spMk id="4" creationId="{2488A4CA-84A1-219F-55B8-7302558CD66A}"/>
+          </ac:spMkLst>
+        </pc:spChg>
+        <pc:spChg chg="add mod ord">
+          <ac:chgData name="Betz, Daniel" userId="2ae60d0c-3264-419a-8fb5-5613884ee745" providerId="ADAL" clId="{5635DA5A-61EB-4DA5-B93B-B0B2D991637B}" dt="2024-02-24T16:11:45.412" v="208" actId="700"/>
+          <ac:spMkLst>
+            <pc:docMk/>
+            <pc:sldMk cId="189405478" sldId="284"/>
+            <ac:spMk id="5" creationId="{E57F7D6E-E51A-F8EF-0F29-C7A882E7E30E}"/>
+          </ac:spMkLst>
+        </pc:spChg>
+      </pc:sldChg>
+      <pc:sldChg chg="delSp modSp add del mod">
+        <pc:chgData name="Betz, Daniel" userId="2ae60d0c-3264-419a-8fb5-5613884ee745" providerId="ADAL" clId="{5635DA5A-61EB-4DA5-B93B-B0B2D991637B}" dt="2024-02-24T16:04:12.007" v="190" actId="47"/>
+        <pc:sldMkLst>
+          <pc:docMk/>
+          <pc:sldMk cId="1734928287" sldId="284"/>
+        </pc:sldMkLst>
+        <pc:spChg chg="mod">
+          <ac:chgData name="Betz, Daniel" userId="2ae60d0c-3264-419a-8fb5-5613884ee745" providerId="ADAL" clId="{5635DA5A-61EB-4DA5-B93B-B0B2D991637B}" dt="2024-02-24T16:04:08.808" v="189" actId="20577"/>
+          <ac:spMkLst>
+            <pc:docMk/>
+            <pc:sldMk cId="1734928287" sldId="284"/>
+            <ac:spMk id="2" creationId="{B32E1E5D-25D4-ACD1-A942-E5FC6D535F01}"/>
+          </ac:spMkLst>
+        </pc:spChg>
+        <pc:picChg chg="del">
+          <ac:chgData name="Betz, Daniel" userId="2ae60d0c-3264-419a-8fb5-5613884ee745" providerId="ADAL" clId="{5635DA5A-61EB-4DA5-B93B-B0B2D991637B}" dt="2024-02-24T16:03:55.907" v="185" actId="478"/>
+          <ac:picMkLst>
+            <pc:docMk/>
+            <pc:sldMk cId="1734928287" sldId="284"/>
+            <ac:picMk id="5" creationId="{90898B81-BCEF-87B6-A837-324B66C082FF}"/>
+          </ac:picMkLst>
+        </pc:picChg>
+      </pc:sldChg>
+      <pc:sldChg chg="addSp delSp modSp add mod">
+        <pc:chgData name="Betz, Daniel" userId="2ae60d0c-3264-419a-8fb5-5613884ee745" providerId="ADAL" clId="{5635DA5A-61EB-4DA5-B93B-B0B2D991637B}" dt="2024-02-24T16:17:49.073" v="605" actId="1076"/>
+        <pc:sldMkLst>
+          <pc:docMk/>
+          <pc:sldMk cId="4203657642" sldId="285"/>
+        </pc:sldMkLst>
+        <pc:spChg chg="mod">
+          <ac:chgData name="Betz, Daniel" userId="2ae60d0c-3264-419a-8fb5-5613884ee745" providerId="ADAL" clId="{5635DA5A-61EB-4DA5-B93B-B0B2D991637B}" dt="2024-02-24T16:13:01.892" v="276" actId="20577"/>
+          <ac:spMkLst>
+            <pc:docMk/>
+            <pc:sldMk cId="4203657642" sldId="285"/>
+            <ac:spMk id="2" creationId="{21F1DF0D-62D8-BC72-9910-FA045F90A6D7}"/>
+          </ac:spMkLst>
+        </pc:spChg>
+        <pc:spChg chg="mod">
+          <ac:chgData name="Betz, Daniel" userId="2ae60d0c-3264-419a-8fb5-5613884ee745" providerId="ADAL" clId="{5635DA5A-61EB-4DA5-B93B-B0B2D991637B}" dt="2024-02-24T16:14:14.500" v="523" actId="20577"/>
+          <ac:spMkLst>
+            <pc:docMk/>
+            <pc:sldMk cId="4203657642" sldId="285"/>
+            <ac:spMk id="3" creationId="{90B727C7-229B-178E-A665-AA19582799F6}"/>
+          </ac:spMkLst>
+        </pc:spChg>
+        <pc:spChg chg="add mod">
+          <ac:chgData name="Betz, Daniel" userId="2ae60d0c-3264-419a-8fb5-5613884ee745" providerId="ADAL" clId="{5635DA5A-61EB-4DA5-B93B-B0B2D991637B}" dt="2024-02-24T16:17:07.305" v="600" actId="1076"/>
+          <ac:spMkLst>
+            <pc:docMk/>
+            <pc:sldMk cId="4203657642" sldId="285"/>
+            <ac:spMk id="10" creationId="{5069E3CF-E2F1-EAB7-4EF5-315A067ECFD3}"/>
+          </ac:spMkLst>
+        </pc:spChg>
+        <pc:spChg chg="add mod">
+          <ac:chgData name="Betz, Daniel" userId="2ae60d0c-3264-419a-8fb5-5613884ee745" providerId="ADAL" clId="{5635DA5A-61EB-4DA5-B93B-B0B2D991637B}" dt="2024-02-24T16:17:49.073" v="605" actId="1076"/>
+          <ac:spMkLst>
+            <pc:docMk/>
+            <pc:sldMk cId="4203657642" sldId="285"/>
+            <ac:spMk id="12" creationId="{04E6BA57-AE8D-8D63-9D6D-5DE23950AE62}"/>
+          </ac:spMkLst>
+        </pc:spChg>
+        <pc:picChg chg="del">
+          <ac:chgData name="Betz, Daniel" userId="2ae60d0c-3264-419a-8fb5-5613884ee745" providerId="ADAL" clId="{5635DA5A-61EB-4DA5-B93B-B0B2D991637B}" dt="2024-02-24T16:13:05.419" v="277" actId="478"/>
+          <ac:picMkLst>
+            <pc:docMk/>
+            <pc:sldMk cId="4203657642" sldId="285"/>
+            <ac:picMk id="5" creationId="{BC0477C4-565D-9397-26FD-DA59377E6027}"/>
+          </ac:picMkLst>
+        </pc:picChg>
+        <pc:picChg chg="add mod">
+          <ac:chgData name="Betz, Daniel" userId="2ae60d0c-3264-419a-8fb5-5613884ee745" providerId="ADAL" clId="{5635DA5A-61EB-4DA5-B93B-B0B2D991637B}" dt="2024-02-24T16:15:15.139" v="530" actId="14100"/>
+          <ac:picMkLst>
+            <pc:docMk/>
+            <pc:sldMk cId="4203657642" sldId="285"/>
+            <ac:picMk id="6" creationId="{69576620-8E1E-72B4-ED33-723DE87A62D0}"/>
+          </ac:picMkLst>
+        </pc:picChg>
+        <pc:picChg chg="add mod">
+          <ac:chgData name="Betz, Daniel" userId="2ae60d0c-3264-419a-8fb5-5613884ee745" providerId="ADAL" clId="{5635DA5A-61EB-4DA5-B93B-B0B2D991637B}" dt="2024-02-24T16:17:09.621" v="601" actId="1076"/>
+          <ac:picMkLst>
+            <pc:docMk/>
+            <pc:sldMk cId="4203657642" sldId="285"/>
+            <ac:picMk id="8" creationId="{35178F4B-5A6E-4BAC-4CDE-D0D8392C6983}"/>
+          </ac:picMkLst>
+        </pc:picChg>
+      </pc:sldChg>
+      <pc:sldChg chg="modSp add mod ord">
+        <pc:chgData name="Betz, Daniel" userId="2ae60d0c-3264-419a-8fb5-5613884ee745" providerId="ADAL" clId="{5635DA5A-61EB-4DA5-B93B-B0B2D991637B}" dt="2024-02-24T16:15:52.491" v="547" actId="20577"/>
+        <pc:sldMkLst>
+          <pc:docMk/>
+          <pc:sldMk cId="3257267376" sldId="286"/>
+        </pc:sldMkLst>
+        <pc:spChg chg="mod">
+          <ac:chgData name="Betz, Daniel" userId="2ae60d0c-3264-419a-8fb5-5613884ee745" providerId="ADAL" clId="{5635DA5A-61EB-4DA5-B93B-B0B2D991637B}" dt="2024-02-24T16:15:52.491" v="547" actId="20577"/>
+          <ac:spMkLst>
+            <pc:docMk/>
+            <pc:sldMk cId="3257267376" sldId="286"/>
+            <ac:spMk id="2" creationId="{9C93A2E8-40E5-B7B3-E200-AA9CE9A81809}"/>
+          </ac:spMkLst>
+        </pc:spChg>
+      </pc:sldChg>
+      <pc:sldChg chg="modSp new mod">
+        <pc:chgData name="Betz, Daniel" userId="2ae60d0c-3264-419a-8fb5-5613884ee745" providerId="ADAL" clId="{5635DA5A-61EB-4DA5-B93B-B0B2D991637B}" dt="2024-02-24T16:16:02.206" v="566" actId="20577"/>
+        <pc:sldMkLst>
+          <pc:docMk/>
+          <pc:sldMk cId="1750454814" sldId="287"/>
+        </pc:sldMkLst>
+        <pc:spChg chg="mod">
+          <ac:chgData name="Betz, Daniel" userId="2ae60d0c-3264-419a-8fb5-5613884ee745" providerId="ADAL" clId="{5635DA5A-61EB-4DA5-B93B-B0B2D991637B}" dt="2024-02-24T16:16:02.206" v="566" actId="20577"/>
+          <ac:spMkLst>
+            <pc:docMk/>
+            <pc:sldMk cId="1750454814" sldId="287"/>
+            <ac:spMk id="2" creationId="{64BFFB9A-75D2-56E6-E8C2-10854B10B733}"/>
+          </ac:spMkLst>
+        </pc:spChg>
+      </pc:sldChg>
+      <pc:sldChg chg="modSp add mod">
+        <pc:chgData name="Betz, Daniel" userId="2ae60d0c-3264-419a-8fb5-5613884ee745" providerId="ADAL" clId="{5635DA5A-61EB-4DA5-B93B-B0B2D991637B}" dt="2024-02-24T16:16:17.481" v="590" actId="20577"/>
+        <pc:sldMkLst>
+          <pc:docMk/>
+          <pc:sldMk cId="1967836994" sldId="288"/>
+        </pc:sldMkLst>
+        <pc:spChg chg="mod">
+          <ac:chgData name="Betz, Daniel" userId="2ae60d0c-3264-419a-8fb5-5613884ee745" providerId="ADAL" clId="{5635DA5A-61EB-4DA5-B93B-B0B2D991637B}" dt="2024-02-24T16:16:17.481" v="590" actId="20577"/>
+          <ac:spMkLst>
+            <pc:docMk/>
+            <pc:sldMk cId="1967836994" sldId="288"/>
+            <ac:spMk id="2" creationId="{8E6B58A8-F99F-19E1-7107-8230BFA5BFBB}"/>
+          </ac:spMkLst>
+        </pc:spChg>
+      </pc:sldChg>
+    </pc:docChg>
+  </pc:docChgLst>
+</pc:chgInfo>
 </file>
 
 <file path=ppt/diagrams/colors1.xml><?xml version="1.0" encoding="utf-8"?>
@@ -9583,7 +9914,7 @@
           <a:p>
             <a:fld id="{C3E4802E-3A1F-476D-8C5F-FA8A5493684E}" type="datetimeFigureOut">
               <a:rPr lang="en-US" smtClean="0"/>
-              <a:t>2/14/2024</a:t>
+              <a:t>2/24/2024</a:t>
             </a:fld>
             <a:endParaRPr lang="en-US"/>
           </a:p>
@@ -10368,7 +10699,7 @@
           <a:p>
             <a:fld id="{18DEE92F-2343-460E-A87F-DC2FD6DE70C4}" type="datetimeFigureOut">
               <a:rPr lang="en-US" smtClean="0"/>
-              <a:t>2/14/2024</a:t>
+              <a:t>2/24/2024</a:t>
             </a:fld>
             <a:endParaRPr lang="en-US"/>
           </a:p>
@@ -10568,7 +10899,7 @@
           <a:p>
             <a:fld id="{18DEE92F-2343-460E-A87F-DC2FD6DE70C4}" type="datetimeFigureOut">
               <a:rPr lang="en-US" smtClean="0"/>
-              <a:t>2/14/2024</a:t>
+              <a:t>2/24/2024</a:t>
             </a:fld>
             <a:endParaRPr lang="en-US"/>
           </a:p>
@@ -10778,7 +11109,7 @@
           <a:p>
             <a:fld id="{18DEE92F-2343-460E-A87F-DC2FD6DE70C4}" type="datetimeFigureOut">
               <a:rPr lang="en-US" smtClean="0"/>
-              <a:t>2/14/2024</a:t>
+              <a:t>2/24/2024</a:t>
             </a:fld>
             <a:endParaRPr lang="en-US"/>
           </a:p>
@@ -10978,7 +11309,7 @@
           <a:p>
             <a:fld id="{18DEE92F-2343-460E-A87F-DC2FD6DE70C4}" type="datetimeFigureOut">
               <a:rPr lang="en-US" smtClean="0"/>
-              <a:t>2/14/2024</a:t>
+              <a:t>2/24/2024</a:t>
             </a:fld>
             <a:endParaRPr lang="en-US"/>
           </a:p>
@@ -11254,7 +11585,7 @@
           <a:p>
             <a:fld id="{18DEE92F-2343-460E-A87F-DC2FD6DE70C4}" type="datetimeFigureOut">
               <a:rPr lang="en-US" smtClean="0"/>
-              <a:t>2/14/2024</a:t>
+              <a:t>2/24/2024</a:t>
             </a:fld>
             <a:endParaRPr lang="en-US"/>
           </a:p>
@@ -11522,7 +11853,7 @@
           <a:p>
             <a:fld id="{18DEE92F-2343-460E-A87F-DC2FD6DE70C4}" type="datetimeFigureOut">
               <a:rPr lang="en-US" smtClean="0"/>
-              <a:t>2/14/2024</a:t>
+              <a:t>2/24/2024</a:t>
             </a:fld>
             <a:endParaRPr lang="en-US"/>
           </a:p>
@@ -11937,7 +12268,7 @@
           <a:p>
             <a:fld id="{18DEE92F-2343-460E-A87F-DC2FD6DE70C4}" type="datetimeFigureOut">
               <a:rPr lang="en-US" smtClean="0"/>
-              <a:t>2/14/2024</a:t>
+              <a:t>2/24/2024</a:t>
             </a:fld>
             <a:endParaRPr lang="en-US"/>
           </a:p>
@@ -12079,7 +12410,7 @@
           <a:p>
             <a:fld id="{18DEE92F-2343-460E-A87F-DC2FD6DE70C4}" type="datetimeFigureOut">
               <a:rPr lang="en-US" smtClean="0"/>
-              <a:t>2/14/2024</a:t>
+              <a:t>2/24/2024</a:t>
             </a:fld>
             <a:endParaRPr lang="en-US"/>
           </a:p>
@@ -12192,7 +12523,7 @@
           <a:p>
             <a:fld id="{18DEE92F-2343-460E-A87F-DC2FD6DE70C4}" type="datetimeFigureOut">
               <a:rPr lang="en-US" smtClean="0"/>
-              <a:t>2/14/2024</a:t>
+              <a:t>2/24/2024</a:t>
             </a:fld>
             <a:endParaRPr lang="en-US"/>
           </a:p>
@@ -12505,7 +12836,7 @@
           <a:p>
             <a:fld id="{18DEE92F-2343-460E-A87F-DC2FD6DE70C4}" type="datetimeFigureOut">
               <a:rPr lang="en-US" smtClean="0"/>
-              <a:t>2/14/2024</a:t>
+              <a:t>2/24/2024</a:t>
             </a:fld>
             <a:endParaRPr lang="en-US"/>
           </a:p>
@@ -12794,7 +13125,7 @@
           <a:p>
             <a:fld id="{18DEE92F-2343-460E-A87F-DC2FD6DE70C4}" type="datetimeFigureOut">
               <a:rPr lang="en-US" smtClean="0"/>
-              <a:t>2/14/2024</a:t>
+              <a:t>2/24/2024</a:t>
             </a:fld>
             <a:endParaRPr lang="en-US"/>
           </a:p>
@@ -13037,7 +13368,7 @@
           <a:p>
             <a:fld id="{18DEE92F-2343-460E-A87F-DC2FD6DE70C4}" type="datetimeFigureOut">
               <a:rPr lang="en-US" smtClean="0"/>
-              <a:t>2/14/2024</a:t>
+              <a:t>2/24/2024</a:t>
             </a:fld>
             <a:endParaRPr lang="en-US"/>
           </a:p>
@@ -15022,6 +15353,434 @@
         <p:cNvPr id="1" name="">
           <a:extLst>
             <a:ext uri="{FF2B5EF4-FFF2-40B4-BE49-F238E27FC236}">
+              <a16:creationId xmlns:a16="http://schemas.microsoft.com/office/drawing/2014/main" id="{BEDF1BBD-021D-0745-27BF-7F5B6BAD7D50}"/>
+            </a:ext>
+          </a:extLst>
+        </p:cNvPr>
+        <p:cNvGrpSpPr/>
+        <p:nvPr/>
+      </p:nvGrpSpPr>
+      <p:grpSpPr>
+        <a:xfrm>
+          <a:off x="0" y="0"/>
+          <a:ext cx="0" cy="0"/>
+          <a:chOff x="0" y="0"/>
+          <a:chExt cx="0" cy="0"/>
+        </a:xfrm>
+      </p:grpSpPr>
+      <p:sp>
+        <p:nvSpPr>
+          <p:cNvPr id="2" name="Titel 1">
+            <a:extLst>
+              <a:ext uri="{FF2B5EF4-FFF2-40B4-BE49-F238E27FC236}">
+                <a16:creationId xmlns:a16="http://schemas.microsoft.com/office/drawing/2014/main" id="{21F1DF0D-62D8-BC72-9910-FA045F90A6D7}"/>
+              </a:ext>
+            </a:extLst>
+          </p:cNvPr>
+          <p:cNvSpPr>
+            <a:spLocks noGrp="1"/>
+          </p:cNvSpPr>
+          <p:nvPr>
+            <p:ph type="title"/>
+          </p:nvPr>
+        </p:nvSpPr>
+        <p:spPr/>
+        <p:txBody>
+          <a:bodyPr/>
+          <a:lstStyle/>
+          <a:p>
+            <a:r>
+              <a:rPr lang="en-US" dirty="0"/>
+              <a:t>Modeling – Log </a:t>
+            </a:r>
+            <a:r>
+              <a:rPr lang="en-US" dirty="0" err="1"/>
+              <a:t>Daten</a:t>
+            </a:r>
+            <a:endParaRPr lang="en-US" dirty="0"/>
+          </a:p>
+        </p:txBody>
+      </p:sp>
+      <p:sp>
+        <p:nvSpPr>
+          <p:cNvPr id="3" name="Inhaltsplatzhalter 2">
+            <a:extLst>
+              <a:ext uri="{FF2B5EF4-FFF2-40B4-BE49-F238E27FC236}">
+                <a16:creationId xmlns:a16="http://schemas.microsoft.com/office/drawing/2014/main" id="{90B727C7-229B-178E-A665-AA19582799F6}"/>
+              </a:ext>
+            </a:extLst>
+          </p:cNvPr>
+          <p:cNvSpPr>
+            <a:spLocks noGrp="1"/>
+          </p:cNvSpPr>
+          <p:nvPr>
+            <p:ph idx="1"/>
+          </p:nvPr>
+        </p:nvSpPr>
+        <p:spPr/>
+        <p:txBody>
+          <a:bodyPr/>
+          <a:lstStyle/>
+          <a:p>
+            <a:pPr>
+              <a:buFont typeface="Wingdings" panose="05000000000000000000" pitchFamily="2" charset="2"/>
+              <a:buChar char="à"/>
+            </a:pPr>
+            <a:r>
+              <a:rPr lang="de-DE" dirty="0">
+                <a:sym typeface="Wingdings" panose="05000000000000000000" pitchFamily="2" charset="2"/>
+              </a:rPr>
+              <a:t>In den Log Daten soll eine </a:t>
+            </a:r>
+            <a:r>
+              <a:rPr lang="de-DE" dirty="0" err="1">
+                <a:sym typeface="Wingdings" panose="05000000000000000000" pitchFamily="2" charset="2"/>
+              </a:rPr>
+              <a:t>Prediction</a:t>
+            </a:r>
+            <a:r>
+              <a:rPr lang="de-DE" dirty="0">
+                <a:sym typeface="Wingdings" panose="05000000000000000000" pitchFamily="2" charset="2"/>
+              </a:rPr>
+              <a:t> gemacht werden zu den Log Daten und dem Service Status</a:t>
+            </a:r>
+          </a:p>
+          <a:p>
+            <a:pPr>
+              <a:buFont typeface="Wingdings" panose="05000000000000000000" pitchFamily="2" charset="2"/>
+              <a:buChar char="à"/>
+            </a:pPr>
+            <a:r>
+              <a:rPr lang="de-DE" dirty="0">
+                <a:sym typeface="Wingdings" panose="05000000000000000000" pitchFamily="2" charset="2"/>
+              </a:rPr>
+              <a:t>Service Status kann 0 oder 1 annehmen, daher Klassifikationsverfahren</a:t>
+            </a:r>
+          </a:p>
+          <a:p>
+            <a:pPr marL="0" indent="0">
+              <a:buNone/>
+            </a:pPr>
+            <a:endParaRPr lang="en-US" dirty="0"/>
+          </a:p>
+        </p:txBody>
+      </p:sp>
+      <p:pic>
+        <p:nvPicPr>
+          <p:cNvPr id="6" name="Grafik 5">
+            <a:extLst>
+              <a:ext uri="{FF2B5EF4-FFF2-40B4-BE49-F238E27FC236}">
+                <a16:creationId xmlns:a16="http://schemas.microsoft.com/office/drawing/2014/main" id="{69576620-8E1E-72B4-ED33-723DE87A62D0}"/>
+              </a:ext>
+            </a:extLst>
+          </p:cNvPr>
+          <p:cNvPicPr>
+            <a:picLocks noChangeAspect="1"/>
+          </p:cNvPicPr>
+          <p:nvPr/>
+        </p:nvPicPr>
+        <p:blipFill>
+          <a:blip r:embed="rId2"/>
+          <a:stretch>
+            <a:fillRect/>
+          </a:stretch>
+        </p:blipFill>
+        <p:spPr>
+          <a:xfrm>
+            <a:off x="936624" y="3581400"/>
+            <a:ext cx="6286473" cy="1335087"/>
+          </a:xfrm>
+          <a:prstGeom prst="rect">
+            <a:avLst/>
+          </a:prstGeom>
+        </p:spPr>
+      </p:pic>
+      <p:pic>
+        <p:nvPicPr>
+          <p:cNvPr id="8" name="Grafik 7">
+            <a:extLst>
+              <a:ext uri="{FF2B5EF4-FFF2-40B4-BE49-F238E27FC236}">
+                <a16:creationId xmlns:a16="http://schemas.microsoft.com/office/drawing/2014/main" id="{35178F4B-5A6E-4BAC-4CDE-D0D8392C6983}"/>
+              </a:ext>
+            </a:extLst>
+          </p:cNvPr>
+          <p:cNvPicPr>
+            <a:picLocks noChangeAspect="1"/>
+          </p:cNvPicPr>
+          <p:nvPr/>
+        </p:nvPicPr>
+        <p:blipFill>
+          <a:blip r:embed="rId3"/>
+          <a:stretch>
+            <a:fillRect/>
+          </a:stretch>
+        </p:blipFill>
+        <p:spPr>
+          <a:xfrm>
+            <a:off x="5268912" y="5103812"/>
+            <a:ext cx="5961813" cy="1360488"/>
+          </a:xfrm>
+          <a:prstGeom prst="rect">
+            <a:avLst/>
+          </a:prstGeom>
+        </p:spPr>
+      </p:pic>
+      <p:sp>
+        <p:nvSpPr>
+          <p:cNvPr id="10" name="Textfeld 9">
+            <a:extLst>
+              <a:ext uri="{FF2B5EF4-FFF2-40B4-BE49-F238E27FC236}">
+                <a16:creationId xmlns:a16="http://schemas.microsoft.com/office/drawing/2014/main" id="{5069E3CF-E2F1-EAB7-4EF5-315A067ECFD3}"/>
+              </a:ext>
+            </a:extLst>
+          </p:cNvPr>
+          <p:cNvSpPr txBox="1"/>
+          <p:nvPr/>
+        </p:nvSpPr>
+        <p:spPr>
+          <a:xfrm>
+            <a:off x="838200" y="4865985"/>
+            <a:ext cx="5168900" cy="246221"/>
+          </a:xfrm>
+          <a:prstGeom prst="rect">
+            <a:avLst/>
+          </a:prstGeom>
+          <a:noFill/>
+        </p:spPr>
+        <p:txBody>
+          <a:bodyPr wrap="square">
+            <a:spAutoFit/>
+          </a:bodyPr>
+          <a:lstStyle/>
+          <a:p>
+            <a:r>
+              <a:rPr lang="en-US" sz="1000" dirty="0"/>
+              <a:t>https://scikit-learn.org/stable/modules/generated/sklearn.neighbors.KNeighborsClassifier.html</a:t>
+            </a:r>
+          </a:p>
+        </p:txBody>
+      </p:sp>
+      <p:sp>
+        <p:nvSpPr>
+          <p:cNvPr id="12" name="Textfeld 11">
+            <a:extLst>
+              <a:ext uri="{FF2B5EF4-FFF2-40B4-BE49-F238E27FC236}">
+                <a16:creationId xmlns:a16="http://schemas.microsoft.com/office/drawing/2014/main" id="{04E6BA57-AE8D-8D63-9D6D-5DE23950AE62}"/>
+              </a:ext>
+            </a:extLst>
+          </p:cNvPr>
+          <p:cNvSpPr txBox="1"/>
+          <p:nvPr/>
+        </p:nvSpPr>
+        <p:spPr>
+          <a:xfrm>
+            <a:off x="5213350" y="6440785"/>
+            <a:ext cx="6096000" cy="246221"/>
+          </a:xfrm>
+          <a:prstGeom prst="rect">
+            <a:avLst/>
+          </a:prstGeom>
+          <a:noFill/>
+        </p:spPr>
+        <p:txBody>
+          <a:bodyPr wrap="square">
+            <a:spAutoFit/>
+          </a:bodyPr>
+          <a:lstStyle/>
+          <a:p>
+            <a:r>
+              <a:rPr lang="en-US" sz="1000" dirty="0"/>
+              <a:t>https://scikit-learn.org/stable/modules/generated/sklearn.ensemble.RandomForestClassifier.html</a:t>
+            </a:r>
+          </a:p>
+        </p:txBody>
+      </p:sp>
+    </p:spTree>
+    <p:extLst>
+      <p:ext uri="{BB962C8B-B14F-4D97-AF65-F5344CB8AC3E}">
+        <p14:creationId xmlns:p14="http://schemas.microsoft.com/office/powerpoint/2010/main" val="4203657642"/>
+      </p:ext>
+    </p:extLst>
+  </p:cSld>
+  <p:clrMapOvr>
+    <a:masterClrMapping/>
+  </p:clrMapOvr>
+</p:sld>
+</file>
+
+<file path=ppt/slides/slide2.xml><?xml version="1.0" encoding="utf-8"?>
+<p:sld xmlns:a="http://schemas.openxmlformats.org/drawingml/2006/main" xmlns:r="http://schemas.openxmlformats.org/officeDocument/2006/relationships" xmlns:p="http://schemas.openxmlformats.org/presentationml/2006/main">
+  <p:cSld>
+    <p:spTree>
+      <p:nvGrpSpPr>
+        <p:cNvPr id="1" name=""/>
+        <p:cNvGrpSpPr/>
+        <p:nvPr/>
+      </p:nvGrpSpPr>
+      <p:grpSpPr>
+        <a:xfrm>
+          <a:off x="0" y="0"/>
+          <a:ext cx="0" cy="0"/>
+          <a:chOff x="0" y="0"/>
+          <a:chExt cx="0" cy="0"/>
+        </a:xfrm>
+      </p:grpSpPr>
+      <p:sp>
+        <p:nvSpPr>
+          <p:cNvPr id="2" name="Titel 1">
+            <a:extLst>
+              <a:ext uri="{FF2B5EF4-FFF2-40B4-BE49-F238E27FC236}">
+                <a16:creationId xmlns:a16="http://schemas.microsoft.com/office/drawing/2014/main" id="{EF0A671E-3F0C-E208-A30F-3531121F5CAB}"/>
+              </a:ext>
+            </a:extLst>
+          </p:cNvPr>
+          <p:cNvSpPr>
+            <a:spLocks noGrp="1"/>
+          </p:cNvSpPr>
+          <p:nvPr>
+            <p:ph type="title"/>
+          </p:nvPr>
+        </p:nvSpPr>
+        <p:spPr/>
+        <p:txBody>
+          <a:bodyPr/>
+          <a:lstStyle/>
+          <a:p>
+            <a:r>
+              <a:rPr lang="de-DE" dirty="0"/>
+              <a:t>Business Understanding – Problem</a:t>
+            </a:r>
+            <a:endParaRPr lang="en-US" dirty="0"/>
+          </a:p>
+        </p:txBody>
+      </p:sp>
+      <p:sp>
+        <p:nvSpPr>
+          <p:cNvPr id="3" name="Inhaltsplatzhalter 2">
+            <a:extLst>
+              <a:ext uri="{FF2B5EF4-FFF2-40B4-BE49-F238E27FC236}">
+                <a16:creationId xmlns:a16="http://schemas.microsoft.com/office/drawing/2014/main" id="{FB693121-058C-0414-6A28-F2AF176FF0F7}"/>
+              </a:ext>
+            </a:extLst>
+          </p:cNvPr>
+          <p:cNvSpPr>
+            <a:spLocks noGrp="1"/>
+          </p:cNvSpPr>
+          <p:nvPr>
+            <p:ph idx="1"/>
+          </p:nvPr>
+        </p:nvSpPr>
+        <p:spPr/>
+        <p:txBody>
+          <a:bodyPr>
+            <a:normAutofit/>
+          </a:bodyPr>
+          <a:lstStyle/>
+          <a:p>
+            <a:pPr>
+              <a:buFont typeface="Wingdings" panose="05000000000000000000" pitchFamily="2" charset="2"/>
+              <a:buChar char="à"/>
+            </a:pPr>
+            <a:r>
+              <a:rPr lang="de-DE" dirty="0">
+                <a:sym typeface="Wingdings" panose="05000000000000000000" pitchFamily="2" charset="2"/>
+              </a:rPr>
+              <a:t>Auftraggeber ist ein Unternehmen, welches Raketen herstellt</a:t>
+            </a:r>
+          </a:p>
+          <a:p>
+            <a:pPr marL="0" indent="0">
+              <a:buNone/>
+            </a:pPr>
+            <a:endParaRPr lang="de-DE" dirty="0">
+              <a:sym typeface="Wingdings" panose="05000000000000000000" pitchFamily="2" charset="2"/>
+            </a:endParaRPr>
+          </a:p>
+          <a:p>
+            <a:pPr marL="0" indent="0">
+              <a:buNone/>
+            </a:pPr>
+            <a:r>
+              <a:rPr lang="de-DE" dirty="0">
+                <a:sym typeface="Wingdings" panose="05000000000000000000" pitchFamily="2" charset="2"/>
+              </a:rPr>
+              <a:t>Problem:</a:t>
+            </a:r>
+          </a:p>
+          <a:p>
+            <a:pPr marL="0" indent="0">
+              <a:buNone/>
+            </a:pPr>
+            <a:r>
+              <a:rPr lang="de-DE" dirty="0">
+                <a:sym typeface="Wingdings" panose="05000000000000000000" pitchFamily="2" charset="2"/>
+              </a:rPr>
+              <a:t>Häufige unvorhergesehene Produktionsausfälle</a:t>
+            </a:r>
+          </a:p>
+          <a:p>
+            <a:pPr marL="0" indent="0">
+              <a:buNone/>
+            </a:pPr>
+            <a:r>
+              <a:rPr lang="de-DE" dirty="0">
+                <a:sym typeface="Wingdings" panose="05000000000000000000" pitchFamily="2" charset="2"/>
+              </a:rPr>
+              <a:t>- Produktion verzögert sich</a:t>
+            </a:r>
+          </a:p>
+          <a:p>
+            <a:pPr marL="0" indent="0">
+              <a:buNone/>
+            </a:pPr>
+            <a:r>
+              <a:rPr lang="de-DE" dirty="0">
+                <a:sym typeface="Wingdings" panose="05000000000000000000" pitchFamily="2" charset="2"/>
+              </a:rPr>
+              <a:t>- Hohe Kosten entstehen</a:t>
+            </a:r>
+          </a:p>
+          <a:p>
+            <a:pPr marL="0" indent="0">
+              <a:buNone/>
+            </a:pPr>
+            <a:r>
+              <a:rPr lang="de-DE" dirty="0">
+                <a:sym typeface="Wingdings" panose="05000000000000000000" pitchFamily="2" charset="2"/>
+              </a:rPr>
+              <a:t>Kundenzufriedenheit ist durch die Produktionsausfälle gesunken</a:t>
+            </a:r>
+          </a:p>
+          <a:p>
+            <a:pPr>
+              <a:buFont typeface="Wingdings" panose="05000000000000000000" pitchFamily="2" charset="2"/>
+              <a:buChar char="à"/>
+            </a:pPr>
+            <a:endParaRPr lang="en-US" dirty="0"/>
+          </a:p>
+        </p:txBody>
+      </p:sp>
+    </p:spTree>
+    <p:extLst>
+      <p:ext uri="{BB962C8B-B14F-4D97-AF65-F5344CB8AC3E}">
+        <p14:creationId xmlns:p14="http://schemas.microsoft.com/office/powerpoint/2010/main" val="3479139215"/>
+      </p:ext>
+    </p:extLst>
+  </p:cSld>
+  <p:clrMapOvr>
+    <a:masterClrMapping/>
+  </p:clrMapOvr>
+</p:sld>
+</file>
+
+<file path=ppt/slides/slide20.xml><?xml version="1.0" encoding="utf-8"?>
+<p:sld xmlns:a="http://schemas.openxmlformats.org/drawingml/2006/main" xmlns:r="http://schemas.openxmlformats.org/officeDocument/2006/relationships" xmlns:p="http://schemas.openxmlformats.org/presentationml/2006/main">
+  <p:cSld>
+    <p:spTree>
+      <p:nvGrpSpPr>
+        <p:cNvPr id="1" name="">
+          <a:extLst>
+            <a:ext uri="{FF2B5EF4-FFF2-40B4-BE49-F238E27FC236}">
               <a16:creationId xmlns:a16="http://schemas.microsoft.com/office/drawing/2014/main" id="{809D1C5B-5FDE-5FB5-FF48-44EA6181E6BA}"/>
             </a:ext>
           </a:extLst>
@@ -15131,172 +15890,7 @@
 </p:sld>
 </file>
 
-<file path=ppt/slides/slide2.xml><?xml version="1.0" encoding="utf-8"?>
-<p:sld xmlns:a="http://schemas.openxmlformats.org/drawingml/2006/main" xmlns:r="http://schemas.openxmlformats.org/officeDocument/2006/relationships" xmlns:p="http://schemas.openxmlformats.org/presentationml/2006/main">
-  <p:cSld>
-    <p:spTree>
-      <p:nvGrpSpPr>
-        <p:cNvPr id="1" name=""/>
-        <p:cNvGrpSpPr/>
-        <p:nvPr/>
-      </p:nvGrpSpPr>
-      <p:grpSpPr>
-        <a:xfrm>
-          <a:off x="0" y="0"/>
-          <a:ext cx="0" cy="0"/>
-          <a:chOff x="0" y="0"/>
-          <a:chExt cx="0" cy="0"/>
-        </a:xfrm>
-      </p:grpSpPr>
-      <p:sp>
-        <p:nvSpPr>
-          <p:cNvPr id="2" name="Titel 1">
-            <a:extLst>
-              <a:ext uri="{FF2B5EF4-FFF2-40B4-BE49-F238E27FC236}">
-                <a16:creationId xmlns:a16="http://schemas.microsoft.com/office/drawing/2014/main" id="{EF0A671E-3F0C-E208-A30F-3531121F5CAB}"/>
-              </a:ext>
-            </a:extLst>
-          </p:cNvPr>
-          <p:cNvSpPr>
-            <a:spLocks noGrp="1"/>
-          </p:cNvSpPr>
-          <p:nvPr>
-            <p:ph type="title"/>
-          </p:nvPr>
-        </p:nvSpPr>
-        <p:spPr/>
-        <p:txBody>
-          <a:bodyPr/>
-          <a:lstStyle/>
-          <a:p>
-            <a:r>
-              <a:rPr lang="de-DE" dirty="0"/>
-              <a:t>Business Understanding – Problem</a:t>
-            </a:r>
-            <a:endParaRPr lang="en-US" dirty="0"/>
-          </a:p>
-        </p:txBody>
-      </p:sp>
-      <p:sp>
-        <p:nvSpPr>
-          <p:cNvPr id="3" name="Inhaltsplatzhalter 2">
-            <a:extLst>
-              <a:ext uri="{FF2B5EF4-FFF2-40B4-BE49-F238E27FC236}">
-                <a16:creationId xmlns:a16="http://schemas.microsoft.com/office/drawing/2014/main" id="{FB693121-058C-0414-6A28-F2AF176FF0F7}"/>
-              </a:ext>
-            </a:extLst>
-          </p:cNvPr>
-          <p:cNvSpPr>
-            <a:spLocks noGrp="1"/>
-          </p:cNvSpPr>
-          <p:nvPr>
-            <p:ph idx="1"/>
-          </p:nvPr>
-        </p:nvSpPr>
-        <p:spPr/>
-        <p:txBody>
-          <a:bodyPr>
-            <a:normAutofit/>
-          </a:bodyPr>
-          <a:lstStyle/>
-          <a:p>
-            <a:pPr>
-              <a:buFont typeface="Wingdings" panose="05000000000000000000" pitchFamily="2" charset="2"/>
-              <a:buChar char="à"/>
-            </a:pPr>
-            <a:r>
-              <a:rPr lang="de-DE" dirty="0">
-                <a:sym typeface="Wingdings" panose="05000000000000000000" pitchFamily="2" charset="2"/>
-              </a:rPr>
-              <a:t>Auftraggeber ist ein Unternehmen, welches Raketen herstellt</a:t>
-            </a:r>
-          </a:p>
-          <a:p>
-            <a:pPr marL="0" indent="0">
-              <a:buNone/>
-            </a:pPr>
-            <a:endParaRPr lang="de-DE" dirty="0">
-              <a:sym typeface="Wingdings" panose="05000000000000000000" pitchFamily="2" charset="2"/>
-            </a:endParaRPr>
-          </a:p>
-          <a:p>
-            <a:pPr marL="0" indent="0">
-              <a:buNone/>
-            </a:pPr>
-            <a:r>
-              <a:rPr lang="de-DE" dirty="0">
-                <a:sym typeface="Wingdings" panose="05000000000000000000" pitchFamily="2" charset="2"/>
-              </a:rPr>
-              <a:t>Problem:</a:t>
-            </a:r>
-          </a:p>
-          <a:p>
-            <a:pPr marL="0" indent="0">
-              <a:buNone/>
-            </a:pPr>
-            <a:r>
-              <a:rPr lang="de-DE" dirty="0">
-                <a:sym typeface="Wingdings" panose="05000000000000000000" pitchFamily="2" charset="2"/>
-              </a:rPr>
-              <a:t>Häufige unvorhergesehene Produktionsausfälle</a:t>
-            </a:r>
-          </a:p>
-          <a:p>
-            <a:pPr marL="0" indent="0">
-              <a:buNone/>
-            </a:pPr>
-            <a:r>
-              <a:rPr lang="de-DE" dirty="0">
-                <a:sym typeface="Wingdings" panose="05000000000000000000" pitchFamily="2" charset="2"/>
-              </a:rPr>
-              <a:t>- Produktion verzögert sich</a:t>
-            </a:r>
-          </a:p>
-          <a:p>
-            <a:pPr marL="0" indent="0">
-              <a:buNone/>
-            </a:pPr>
-            <a:r>
-              <a:rPr lang="de-DE" dirty="0">
-                <a:sym typeface="Wingdings" panose="05000000000000000000" pitchFamily="2" charset="2"/>
-              </a:rPr>
-              <a:t>- Hohe Kosten entstehen</a:t>
-            </a:r>
-          </a:p>
-          <a:p>
-            <a:pPr marL="0" indent="0">
-              <a:buNone/>
-            </a:pPr>
-            <a:r>
-              <a:rPr lang="de-DE" dirty="0">
-                <a:sym typeface="Wingdings" panose="05000000000000000000" pitchFamily="2" charset="2"/>
-              </a:rPr>
-              <a:t>Kundenzufriedenheit ist durch die Produktionsausfälle gesunken</a:t>
-            </a:r>
-          </a:p>
-          <a:p>
-            <a:pPr>
-              <a:buFont typeface="Wingdings" panose="05000000000000000000" pitchFamily="2" charset="2"/>
-              <a:buChar char="à"/>
-            </a:pPr>
-            <a:endParaRPr lang="en-US" dirty="0"/>
-          </a:p>
-        </p:txBody>
-      </p:sp>
-    </p:spTree>
-    <p:extLst>
-      <p:ext uri="{BB962C8B-B14F-4D97-AF65-F5344CB8AC3E}">
-        <p14:creationId xmlns:p14="http://schemas.microsoft.com/office/powerpoint/2010/main" val="3479139215"/>
-      </p:ext>
-    </p:extLst>
-  </p:cSld>
-  <p:clrMapOvr>
-    <a:masterClrMapping/>
-  </p:clrMapOvr>
-</p:sld>
-</file>
-
-<file path=ppt/slides/slide20.xml><?xml version="1.0" encoding="utf-8"?>
+<file path=ppt/slides/slide21.xml><?xml version="1.0" encoding="utf-8"?>
 <p:sld xmlns:a="http://schemas.openxmlformats.org/drawingml/2006/main" xmlns:r="http://schemas.openxmlformats.org/officeDocument/2006/relationships" xmlns:p="http://schemas.openxmlformats.org/presentationml/2006/main">
   <p:cSld>
     <p:spTree>
@@ -15378,6 +15972,773 @@
     <p:extLst>
       <p:ext uri="{BB962C8B-B14F-4D97-AF65-F5344CB8AC3E}">
         <p14:creationId xmlns:p14="http://schemas.microsoft.com/office/powerpoint/2010/main" val="1007533382"/>
+      </p:ext>
+    </p:extLst>
+  </p:cSld>
+  <p:clrMapOvr>
+    <a:masterClrMapping/>
+  </p:clrMapOvr>
+</p:sld>
+</file>
+
+<file path=ppt/slides/slide22.xml><?xml version="1.0" encoding="utf-8"?>
+<p:sld xmlns:a="http://schemas.openxmlformats.org/drawingml/2006/main" xmlns:r="http://schemas.openxmlformats.org/officeDocument/2006/relationships" xmlns:p="http://schemas.openxmlformats.org/presentationml/2006/main">
+  <p:cSld>
+    <p:spTree>
+      <p:nvGrpSpPr>
+        <p:cNvPr id="1" name=""/>
+        <p:cNvGrpSpPr/>
+        <p:nvPr/>
+      </p:nvGrpSpPr>
+      <p:grpSpPr>
+        <a:xfrm>
+          <a:off x="0" y="0"/>
+          <a:ext cx="0" cy="0"/>
+          <a:chOff x="0" y="0"/>
+          <a:chExt cx="0" cy="0"/>
+        </a:xfrm>
+      </p:grpSpPr>
+      <p:sp>
+        <p:nvSpPr>
+          <p:cNvPr id="2" name="Titel 1">
+            <a:extLst>
+              <a:ext uri="{FF2B5EF4-FFF2-40B4-BE49-F238E27FC236}">
+                <a16:creationId xmlns:a16="http://schemas.microsoft.com/office/drawing/2014/main" id="{799B8981-AB9A-B174-B50F-F0701587DD89}"/>
+              </a:ext>
+            </a:extLst>
+          </p:cNvPr>
+          <p:cNvSpPr>
+            <a:spLocks noGrp="1"/>
+          </p:cNvSpPr>
+          <p:nvPr>
+            <p:ph type="title"/>
+          </p:nvPr>
+        </p:nvSpPr>
+        <p:spPr/>
+        <p:txBody>
+          <a:bodyPr/>
+          <a:lstStyle/>
+          <a:p>
+            <a:r>
+              <a:rPr lang="de-DE" dirty="0"/>
+              <a:t>KNN für Log-Daten</a:t>
+            </a:r>
+            <a:endParaRPr lang="en-US" dirty="0"/>
+          </a:p>
+        </p:txBody>
+      </p:sp>
+      <p:sp>
+        <p:nvSpPr>
+          <p:cNvPr id="3" name="Inhaltsplatzhalter 2">
+            <a:extLst>
+              <a:ext uri="{FF2B5EF4-FFF2-40B4-BE49-F238E27FC236}">
+                <a16:creationId xmlns:a16="http://schemas.microsoft.com/office/drawing/2014/main" id="{15BCB922-35D4-FAE2-0B43-0F07D2541826}"/>
+              </a:ext>
+            </a:extLst>
+          </p:cNvPr>
+          <p:cNvSpPr>
+            <a:spLocks noGrp="1"/>
+          </p:cNvSpPr>
+          <p:nvPr>
+            <p:ph idx="1"/>
+          </p:nvPr>
+        </p:nvSpPr>
+        <p:spPr>
+          <a:xfrm>
+            <a:off x="838200" y="1825625"/>
+            <a:ext cx="4451350" cy="4213225"/>
+          </a:xfrm>
+        </p:spPr>
+        <p:txBody>
+          <a:bodyPr/>
+          <a:lstStyle/>
+          <a:p>
+            <a:pPr marL="0" indent="0">
+              <a:buNone/>
+            </a:pPr>
+            <a:r>
+              <a:rPr lang="de-DE" dirty="0" err="1"/>
+              <a:t>Klassifikations</a:t>
+            </a:r>
+            <a:r>
+              <a:rPr lang="de-DE" dirty="0"/>
+              <a:t> Report</a:t>
+            </a:r>
+          </a:p>
+          <a:p>
+            <a:pPr marL="0" indent="0">
+              <a:buNone/>
+            </a:pPr>
+            <a:endParaRPr lang="en-US" dirty="0"/>
+          </a:p>
+        </p:txBody>
+      </p:sp>
+      <p:pic>
+        <p:nvPicPr>
+          <p:cNvPr id="6" name="Grafik 5">
+            <a:extLst>
+              <a:ext uri="{FF2B5EF4-FFF2-40B4-BE49-F238E27FC236}">
+                <a16:creationId xmlns:a16="http://schemas.microsoft.com/office/drawing/2014/main" id="{3E09A82B-F950-9154-A41D-0473FDD9BD26}"/>
+              </a:ext>
+            </a:extLst>
+          </p:cNvPr>
+          <p:cNvPicPr>
+            <a:picLocks noChangeAspect="1"/>
+          </p:cNvPicPr>
+          <p:nvPr/>
+        </p:nvPicPr>
+        <p:blipFill>
+          <a:blip r:embed="rId2"/>
+          <a:stretch>
+            <a:fillRect/>
+          </a:stretch>
+        </p:blipFill>
+        <p:spPr>
+          <a:xfrm>
+            <a:off x="6483350" y="1632600"/>
+            <a:ext cx="4622800" cy="4791761"/>
+          </a:xfrm>
+          <a:prstGeom prst="rect">
+            <a:avLst/>
+          </a:prstGeom>
+        </p:spPr>
+      </p:pic>
+      <p:pic>
+        <p:nvPicPr>
+          <p:cNvPr id="8" name="Grafik 7">
+            <a:extLst>
+              <a:ext uri="{FF2B5EF4-FFF2-40B4-BE49-F238E27FC236}">
+                <a16:creationId xmlns:a16="http://schemas.microsoft.com/office/drawing/2014/main" id="{7BDE6FC7-3454-7FAE-28D9-AB4E6437F158}"/>
+              </a:ext>
+            </a:extLst>
+          </p:cNvPr>
+          <p:cNvPicPr>
+            <a:picLocks noChangeAspect="1"/>
+          </p:cNvPicPr>
+          <p:nvPr/>
+        </p:nvPicPr>
+        <p:blipFill>
+          <a:blip r:embed="rId3"/>
+          <a:stretch>
+            <a:fillRect/>
+          </a:stretch>
+        </p:blipFill>
+        <p:spPr>
+          <a:xfrm>
+            <a:off x="901699" y="2314574"/>
+            <a:ext cx="5427913" cy="2365375"/>
+          </a:xfrm>
+          <a:prstGeom prst="rect">
+            <a:avLst/>
+          </a:prstGeom>
+        </p:spPr>
+      </p:pic>
+      <p:sp>
+        <p:nvSpPr>
+          <p:cNvPr id="10" name="Textfeld 9">
+            <a:extLst>
+              <a:ext uri="{FF2B5EF4-FFF2-40B4-BE49-F238E27FC236}">
+                <a16:creationId xmlns:a16="http://schemas.microsoft.com/office/drawing/2014/main" id="{52B32AB0-7FDE-5C68-F848-BC9B57571242}"/>
+              </a:ext>
+            </a:extLst>
+          </p:cNvPr>
+          <p:cNvSpPr txBox="1"/>
+          <p:nvPr/>
+        </p:nvSpPr>
+        <p:spPr>
+          <a:xfrm>
+            <a:off x="7226300" y="6381234"/>
+            <a:ext cx="3473450" cy="246221"/>
+          </a:xfrm>
+          <a:prstGeom prst="rect">
+            <a:avLst/>
+          </a:prstGeom>
+          <a:noFill/>
+        </p:spPr>
+        <p:txBody>
+          <a:bodyPr wrap="square">
+            <a:spAutoFit/>
+          </a:bodyPr>
+          <a:lstStyle/>
+          <a:p>
+            <a:r>
+              <a:rPr lang="en-US" sz="1000" dirty="0"/>
+              <a:t>https://seaborn.pydata.org/generated/seaborn.heatmap.html</a:t>
+            </a:r>
+          </a:p>
+        </p:txBody>
+      </p:sp>
+      <p:sp>
+        <p:nvSpPr>
+          <p:cNvPr id="12" name="Textfeld 11">
+            <a:extLst>
+              <a:ext uri="{FF2B5EF4-FFF2-40B4-BE49-F238E27FC236}">
+                <a16:creationId xmlns:a16="http://schemas.microsoft.com/office/drawing/2014/main" id="{5884137D-5FAD-5485-DC8D-DBC866B7F1E9}"/>
+              </a:ext>
+            </a:extLst>
+          </p:cNvPr>
+          <p:cNvSpPr txBox="1"/>
+          <p:nvPr/>
+        </p:nvSpPr>
+        <p:spPr>
+          <a:xfrm>
+            <a:off x="831850" y="4662785"/>
+            <a:ext cx="5080000" cy="246221"/>
+          </a:xfrm>
+          <a:prstGeom prst="rect">
+            <a:avLst/>
+          </a:prstGeom>
+          <a:noFill/>
+        </p:spPr>
+        <p:txBody>
+          <a:bodyPr wrap="square">
+            <a:spAutoFit/>
+          </a:bodyPr>
+          <a:lstStyle/>
+          <a:p>
+            <a:r>
+              <a:rPr lang="en-US" sz="1000" dirty="0"/>
+              <a:t>https://scikit-learn.org/stable/modules/generated/sklearn.metrics.classification_report.html</a:t>
+            </a:r>
+          </a:p>
+        </p:txBody>
+      </p:sp>
+    </p:spTree>
+    <p:extLst>
+      <p:ext uri="{BB962C8B-B14F-4D97-AF65-F5344CB8AC3E}">
+        <p14:creationId xmlns:p14="http://schemas.microsoft.com/office/powerpoint/2010/main" val="1949397748"/>
+      </p:ext>
+    </p:extLst>
+  </p:cSld>
+  <p:clrMapOvr>
+    <a:masterClrMapping/>
+  </p:clrMapOvr>
+</p:sld>
+</file>
+
+<file path=ppt/slides/slide23.xml><?xml version="1.0" encoding="utf-8"?>
+<p:sld xmlns:a="http://schemas.openxmlformats.org/drawingml/2006/main" xmlns:r="http://schemas.openxmlformats.org/officeDocument/2006/relationships" xmlns:p="http://schemas.openxmlformats.org/presentationml/2006/main">
+  <p:cSld>
+    <p:spTree>
+      <p:nvGrpSpPr>
+        <p:cNvPr id="1" name="">
+          <a:extLst>
+            <a:ext uri="{FF2B5EF4-FFF2-40B4-BE49-F238E27FC236}">
+              <a16:creationId xmlns:a16="http://schemas.microsoft.com/office/drawing/2014/main" id="{FE463CE1-0492-DCC6-10D5-2B2EC5922489}"/>
+            </a:ext>
+          </a:extLst>
+        </p:cNvPr>
+        <p:cNvGrpSpPr/>
+        <p:nvPr/>
+      </p:nvGrpSpPr>
+      <p:grpSpPr>
+        <a:xfrm>
+          <a:off x="0" y="0"/>
+          <a:ext cx="0" cy="0"/>
+          <a:chOff x="0" y="0"/>
+          <a:chExt cx="0" cy="0"/>
+        </a:xfrm>
+      </p:grpSpPr>
+      <p:sp>
+        <p:nvSpPr>
+          <p:cNvPr id="2" name="Titel 1">
+            <a:extLst>
+              <a:ext uri="{FF2B5EF4-FFF2-40B4-BE49-F238E27FC236}">
+                <a16:creationId xmlns:a16="http://schemas.microsoft.com/office/drawing/2014/main" id="{2766203E-34A3-CA7E-9C73-28C60B82E6DB}"/>
+              </a:ext>
+            </a:extLst>
+          </p:cNvPr>
+          <p:cNvSpPr>
+            <a:spLocks noGrp="1"/>
+          </p:cNvSpPr>
+          <p:nvPr>
+            <p:ph type="title"/>
+          </p:nvPr>
+        </p:nvSpPr>
+        <p:spPr/>
+        <p:txBody>
+          <a:bodyPr/>
+          <a:lstStyle/>
+          <a:p>
+            <a:r>
+              <a:rPr lang="de-DE" dirty="0"/>
+              <a:t>Random Forrest für Log-Daten</a:t>
+            </a:r>
+            <a:endParaRPr lang="en-US" dirty="0"/>
+          </a:p>
+        </p:txBody>
+      </p:sp>
+      <p:sp>
+        <p:nvSpPr>
+          <p:cNvPr id="3" name="Inhaltsplatzhalter 2">
+            <a:extLst>
+              <a:ext uri="{FF2B5EF4-FFF2-40B4-BE49-F238E27FC236}">
+                <a16:creationId xmlns:a16="http://schemas.microsoft.com/office/drawing/2014/main" id="{DC4F95C3-FB29-B6A3-06EE-79051A074218}"/>
+              </a:ext>
+            </a:extLst>
+          </p:cNvPr>
+          <p:cNvSpPr>
+            <a:spLocks noGrp="1"/>
+          </p:cNvSpPr>
+          <p:nvPr>
+            <p:ph idx="1"/>
+          </p:nvPr>
+        </p:nvSpPr>
+        <p:spPr>
+          <a:xfrm>
+            <a:off x="838200" y="1825625"/>
+            <a:ext cx="4451350" cy="4213225"/>
+          </a:xfrm>
+        </p:spPr>
+        <p:txBody>
+          <a:bodyPr/>
+          <a:lstStyle/>
+          <a:p>
+            <a:pPr marL="0" indent="0">
+              <a:buNone/>
+            </a:pPr>
+            <a:r>
+              <a:rPr lang="de-DE" dirty="0" err="1"/>
+              <a:t>Klassifikations</a:t>
+            </a:r>
+            <a:r>
+              <a:rPr lang="de-DE" dirty="0"/>
+              <a:t> Report</a:t>
+            </a:r>
+          </a:p>
+          <a:p>
+            <a:pPr marL="0" indent="0">
+              <a:buNone/>
+            </a:pPr>
+            <a:endParaRPr lang="en-US" dirty="0"/>
+          </a:p>
+        </p:txBody>
+      </p:sp>
+      <p:pic>
+        <p:nvPicPr>
+          <p:cNvPr id="5" name="Grafik 4">
+            <a:extLst>
+              <a:ext uri="{FF2B5EF4-FFF2-40B4-BE49-F238E27FC236}">
+                <a16:creationId xmlns:a16="http://schemas.microsoft.com/office/drawing/2014/main" id="{0043D8BD-70D5-35EA-B8BB-59A22B5BD60C}"/>
+              </a:ext>
+            </a:extLst>
+          </p:cNvPr>
+          <p:cNvPicPr>
+            <a:picLocks noChangeAspect="1"/>
+          </p:cNvPicPr>
+          <p:nvPr/>
+        </p:nvPicPr>
+        <p:blipFill>
+          <a:blip r:embed="rId2"/>
+          <a:stretch>
+            <a:fillRect/>
+          </a:stretch>
+        </p:blipFill>
+        <p:spPr>
+          <a:xfrm>
+            <a:off x="6273800" y="1708150"/>
+            <a:ext cx="4527549" cy="4693029"/>
+          </a:xfrm>
+          <a:prstGeom prst="rect">
+            <a:avLst/>
+          </a:prstGeom>
+        </p:spPr>
+      </p:pic>
+      <p:pic>
+        <p:nvPicPr>
+          <p:cNvPr id="10" name="Grafik 9">
+            <a:extLst>
+              <a:ext uri="{FF2B5EF4-FFF2-40B4-BE49-F238E27FC236}">
+                <a16:creationId xmlns:a16="http://schemas.microsoft.com/office/drawing/2014/main" id="{E2CB8BF1-1CC5-8098-5103-D2BCC5657DCA}"/>
+              </a:ext>
+            </a:extLst>
+          </p:cNvPr>
+          <p:cNvPicPr>
+            <a:picLocks noChangeAspect="1"/>
+          </p:cNvPicPr>
+          <p:nvPr/>
+        </p:nvPicPr>
+        <p:blipFill>
+          <a:blip r:embed="rId3"/>
+          <a:stretch>
+            <a:fillRect/>
+          </a:stretch>
+        </p:blipFill>
+        <p:spPr>
+          <a:xfrm>
+            <a:off x="928687" y="2363787"/>
+            <a:ext cx="4901163" cy="2074863"/>
+          </a:xfrm>
+          <a:prstGeom prst="rect">
+            <a:avLst/>
+          </a:prstGeom>
+        </p:spPr>
+      </p:pic>
+      <p:sp>
+        <p:nvSpPr>
+          <p:cNvPr id="11" name="Textfeld 10">
+            <a:extLst>
+              <a:ext uri="{FF2B5EF4-FFF2-40B4-BE49-F238E27FC236}">
+                <a16:creationId xmlns:a16="http://schemas.microsoft.com/office/drawing/2014/main" id="{30D637A9-C434-FB49-7FC7-DC35D7355B9F}"/>
+              </a:ext>
+            </a:extLst>
+          </p:cNvPr>
+          <p:cNvSpPr txBox="1"/>
+          <p:nvPr/>
+        </p:nvSpPr>
+        <p:spPr>
+          <a:xfrm>
+            <a:off x="7226300" y="6381234"/>
+            <a:ext cx="3473450" cy="246221"/>
+          </a:xfrm>
+          <a:prstGeom prst="rect">
+            <a:avLst/>
+          </a:prstGeom>
+          <a:noFill/>
+        </p:spPr>
+        <p:txBody>
+          <a:bodyPr wrap="square">
+            <a:spAutoFit/>
+          </a:bodyPr>
+          <a:lstStyle/>
+          <a:p>
+            <a:r>
+              <a:rPr lang="en-US" sz="1000" dirty="0"/>
+              <a:t>https://seaborn.pydata.org/generated/seaborn.heatmap.html</a:t>
+            </a:r>
+          </a:p>
+        </p:txBody>
+      </p:sp>
+      <p:sp>
+        <p:nvSpPr>
+          <p:cNvPr id="12" name="Textfeld 11">
+            <a:extLst>
+              <a:ext uri="{FF2B5EF4-FFF2-40B4-BE49-F238E27FC236}">
+                <a16:creationId xmlns:a16="http://schemas.microsoft.com/office/drawing/2014/main" id="{2A173D40-E406-591E-8B84-3B5805010686}"/>
+              </a:ext>
+            </a:extLst>
+          </p:cNvPr>
+          <p:cNvSpPr txBox="1"/>
+          <p:nvPr/>
+        </p:nvSpPr>
+        <p:spPr>
+          <a:xfrm>
+            <a:off x="876300" y="4421485"/>
+            <a:ext cx="5080000" cy="246221"/>
+          </a:xfrm>
+          <a:prstGeom prst="rect">
+            <a:avLst/>
+          </a:prstGeom>
+          <a:noFill/>
+        </p:spPr>
+        <p:txBody>
+          <a:bodyPr wrap="square">
+            <a:spAutoFit/>
+          </a:bodyPr>
+          <a:lstStyle/>
+          <a:p>
+            <a:r>
+              <a:rPr lang="en-US" sz="1000" dirty="0"/>
+              <a:t>https://scikit-learn.org/stable/modules/generated/sklearn.metrics.classification_report.html</a:t>
+            </a:r>
+          </a:p>
+        </p:txBody>
+      </p:sp>
+    </p:spTree>
+    <p:extLst>
+      <p:ext uri="{BB962C8B-B14F-4D97-AF65-F5344CB8AC3E}">
+        <p14:creationId xmlns:p14="http://schemas.microsoft.com/office/powerpoint/2010/main" val="3263210723"/>
+      </p:ext>
+    </p:extLst>
+  </p:cSld>
+  <p:clrMapOvr>
+    <a:masterClrMapping/>
+  </p:clrMapOvr>
+</p:sld>
+</file>
+
+<file path=ppt/slides/slide24.xml><?xml version="1.0" encoding="utf-8"?>
+<p:sld xmlns:a="http://schemas.openxmlformats.org/drawingml/2006/main" xmlns:r="http://schemas.openxmlformats.org/officeDocument/2006/relationships" xmlns:p="http://schemas.openxmlformats.org/presentationml/2006/main">
+  <p:cSld>
+    <p:spTree>
+      <p:nvGrpSpPr>
+        <p:cNvPr id="1" name="">
+          <a:extLst>
+            <a:ext uri="{FF2B5EF4-FFF2-40B4-BE49-F238E27FC236}">
+              <a16:creationId xmlns:a16="http://schemas.microsoft.com/office/drawing/2014/main" id="{808CBCBC-422A-2488-0AF9-9C75C0645F8C}"/>
+            </a:ext>
+          </a:extLst>
+        </p:cNvPr>
+        <p:cNvGrpSpPr/>
+        <p:nvPr/>
+      </p:nvGrpSpPr>
+      <p:grpSpPr>
+        <a:xfrm>
+          <a:off x="0" y="0"/>
+          <a:ext cx="0" cy="0"/>
+          <a:chOff x="0" y="0"/>
+          <a:chExt cx="0" cy="0"/>
+        </a:xfrm>
+      </p:grpSpPr>
+      <p:sp>
+        <p:nvSpPr>
+          <p:cNvPr id="2" name="Titel 1">
+            <a:extLst>
+              <a:ext uri="{FF2B5EF4-FFF2-40B4-BE49-F238E27FC236}">
+                <a16:creationId xmlns:a16="http://schemas.microsoft.com/office/drawing/2014/main" id="{9C93A2E8-40E5-B7B3-E200-AA9CE9A81809}"/>
+              </a:ext>
+            </a:extLst>
+          </p:cNvPr>
+          <p:cNvSpPr>
+            <a:spLocks noGrp="1"/>
+          </p:cNvSpPr>
+          <p:nvPr>
+            <p:ph type="ctrTitle"/>
+          </p:nvPr>
+        </p:nvSpPr>
+        <p:spPr>
+          <a:xfrm>
+            <a:off x="1524000" y="3736350"/>
+            <a:ext cx="9144000" cy="2387600"/>
+          </a:xfrm>
+        </p:spPr>
+        <p:txBody>
+          <a:bodyPr/>
+          <a:lstStyle/>
+          <a:p>
+            <a:r>
+              <a:rPr lang="de-DE" dirty="0"/>
+              <a:t>Deployment</a:t>
+            </a:r>
+            <a:endParaRPr lang="en-US" dirty="0"/>
+          </a:p>
+        </p:txBody>
+      </p:sp>
+      <p:pic>
+        <p:nvPicPr>
+          <p:cNvPr id="3" name="Picture 2" descr="What is CRISP DM? - Data Science Process Alliance">
+            <a:extLst>
+              <a:ext uri="{FF2B5EF4-FFF2-40B4-BE49-F238E27FC236}">
+                <a16:creationId xmlns:a16="http://schemas.microsoft.com/office/drawing/2014/main" id="{D7787501-51DD-C19B-272C-CA71D4506F8A}"/>
+              </a:ext>
+            </a:extLst>
+          </p:cNvPr>
+          <p:cNvPicPr>
+            <a:picLocks noChangeAspect="1" noChangeArrowheads="1"/>
+          </p:cNvPicPr>
+          <p:nvPr/>
+        </p:nvPicPr>
+        <p:blipFill>
+          <a:blip r:embed="rId2">
+            <a:extLst>
+              <a:ext uri="{28A0092B-C50C-407E-A947-70E740481C1C}">
+                <a14:useLocalDpi xmlns:a14="http://schemas.microsoft.com/office/drawing/2010/main" val="0"/>
+              </a:ext>
+            </a:extLst>
+          </a:blip>
+          <a:srcRect/>
+          <a:stretch>
+            <a:fillRect/>
+          </a:stretch>
+        </p:blipFill>
+        <p:spPr bwMode="auto">
+          <a:xfrm>
+            <a:off x="2725217" y="0"/>
+            <a:ext cx="6381430" cy="5220182"/>
+          </a:xfrm>
+          <a:prstGeom prst="rect">
+            <a:avLst/>
+          </a:prstGeom>
+          <a:noFill/>
+          <a:extLst>
+            <a:ext uri="{909E8E84-426E-40DD-AFC4-6F175D3DCCD1}">
+              <a14:hiddenFill xmlns:a14="http://schemas.microsoft.com/office/drawing/2010/main">
+                <a:solidFill>
+                  <a:srgbClr val="FFFFFF"/>
+                </a:solidFill>
+              </a14:hiddenFill>
+            </a:ext>
+          </a:extLst>
+        </p:spPr>
+      </p:pic>
+    </p:spTree>
+    <p:extLst>
+      <p:ext uri="{BB962C8B-B14F-4D97-AF65-F5344CB8AC3E}">
+        <p14:creationId xmlns:p14="http://schemas.microsoft.com/office/powerpoint/2010/main" val="3257267376"/>
+      </p:ext>
+    </p:extLst>
+  </p:cSld>
+  <p:clrMapOvr>
+    <a:masterClrMapping/>
+  </p:clrMapOvr>
+</p:sld>
+</file>
+
+<file path=ppt/slides/slide25.xml><?xml version="1.0" encoding="utf-8"?>
+<p:sld xmlns:a="http://schemas.openxmlformats.org/drawingml/2006/main" xmlns:r="http://schemas.openxmlformats.org/officeDocument/2006/relationships" xmlns:p="http://schemas.openxmlformats.org/presentationml/2006/main">
+  <p:cSld>
+    <p:spTree>
+      <p:nvGrpSpPr>
+        <p:cNvPr id="1" name=""/>
+        <p:cNvGrpSpPr/>
+        <p:nvPr/>
+      </p:nvGrpSpPr>
+      <p:grpSpPr>
+        <a:xfrm>
+          <a:off x="0" y="0"/>
+          <a:ext cx="0" cy="0"/>
+          <a:chOff x="0" y="0"/>
+          <a:chExt cx="0" cy="0"/>
+        </a:xfrm>
+      </p:grpSpPr>
+      <p:sp>
+        <p:nvSpPr>
+          <p:cNvPr id="2" name="Titel 1">
+            <a:extLst>
+              <a:ext uri="{FF2B5EF4-FFF2-40B4-BE49-F238E27FC236}">
+                <a16:creationId xmlns:a16="http://schemas.microsoft.com/office/drawing/2014/main" id="{64BFFB9A-75D2-56E6-E8C2-10854B10B733}"/>
+              </a:ext>
+            </a:extLst>
+          </p:cNvPr>
+          <p:cNvSpPr>
+            <a:spLocks noGrp="1"/>
+          </p:cNvSpPr>
+          <p:nvPr>
+            <p:ph type="title"/>
+          </p:nvPr>
+        </p:nvSpPr>
+        <p:spPr/>
+        <p:txBody>
+          <a:bodyPr/>
+          <a:lstStyle/>
+          <a:p>
+            <a:r>
+              <a:rPr lang="de-DE" dirty="0"/>
+              <a:t>Parallelisierung</a:t>
+            </a:r>
+            <a:endParaRPr lang="en-US" dirty="0"/>
+          </a:p>
+        </p:txBody>
+      </p:sp>
+      <p:sp>
+        <p:nvSpPr>
+          <p:cNvPr id="3" name="Inhaltsplatzhalter 2">
+            <a:extLst>
+              <a:ext uri="{FF2B5EF4-FFF2-40B4-BE49-F238E27FC236}">
+                <a16:creationId xmlns:a16="http://schemas.microsoft.com/office/drawing/2014/main" id="{CEA0F552-59EE-BA80-877E-91E8A50AA07E}"/>
+              </a:ext>
+            </a:extLst>
+          </p:cNvPr>
+          <p:cNvSpPr>
+            <a:spLocks noGrp="1"/>
+          </p:cNvSpPr>
+          <p:nvPr>
+            <p:ph idx="1"/>
+          </p:nvPr>
+        </p:nvSpPr>
+        <p:spPr/>
+        <p:txBody>
+          <a:bodyPr/>
+          <a:lstStyle/>
+          <a:p>
+            <a:endParaRPr lang="en-US"/>
+          </a:p>
+        </p:txBody>
+      </p:sp>
+    </p:spTree>
+    <p:extLst>
+      <p:ext uri="{BB962C8B-B14F-4D97-AF65-F5344CB8AC3E}">
+        <p14:creationId xmlns:p14="http://schemas.microsoft.com/office/powerpoint/2010/main" val="1750454814"/>
+      </p:ext>
+    </p:extLst>
+  </p:cSld>
+  <p:clrMapOvr>
+    <a:masterClrMapping/>
+  </p:clrMapOvr>
+</p:sld>
+</file>
+
+<file path=ppt/slides/slide26.xml><?xml version="1.0" encoding="utf-8"?>
+<p:sld xmlns:a="http://schemas.openxmlformats.org/drawingml/2006/main" xmlns:r="http://schemas.openxmlformats.org/officeDocument/2006/relationships" xmlns:p="http://schemas.openxmlformats.org/presentationml/2006/main">
+  <p:cSld>
+    <p:spTree>
+      <p:nvGrpSpPr>
+        <p:cNvPr id="1" name="">
+          <a:extLst>
+            <a:ext uri="{FF2B5EF4-FFF2-40B4-BE49-F238E27FC236}">
+              <a16:creationId xmlns:a16="http://schemas.microsoft.com/office/drawing/2014/main" id="{AA586AA9-2389-9FDB-3272-8E3044E14D68}"/>
+            </a:ext>
+          </a:extLst>
+        </p:cNvPr>
+        <p:cNvGrpSpPr/>
+        <p:nvPr/>
+      </p:nvGrpSpPr>
+      <p:grpSpPr>
+        <a:xfrm>
+          <a:off x="0" y="0"/>
+          <a:ext cx="0" cy="0"/>
+          <a:chOff x="0" y="0"/>
+          <a:chExt cx="0" cy="0"/>
+        </a:xfrm>
+      </p:grpSpPr>
+      <p:sp>
+        <p:nvSpPr>
+          <p:cNvPr id="2" name="Titel 1">
+            <a:extLst>
+              <a:ext uri="{FF2B5EF4-FFF2-40B4-BE49-F238E27FC236}">
+                <a16:creationId xmlns:a16="http://schemas.microsoft.com/office/drawing/2014/main" id="{8E6B58A8-F99F-19E1-7107-8230BFA5BFBB}"/>
+              </a:ext>
+            </a:extLst>
+          </p:cNvPr>
+          <p:cNvSpPr>
+            <a:spLocks noGrp="1"/>
+          </p:cNvSpPr>
+          <p:nvPr>
+            <p:ph type="title"/>
+          </p:nvPr>
+        </p:nvSpPr>
+        <p:spPr/>
+        <p:txBody>
+          <a:bodyPr/>
+          <a:lstStyle/>
+          <a:p>
+            <a:r>
+              <a:rPr lang="de-DE" dirty="0"/>
+              <a:t>API Bereitstellung</a:t>
+            </a:r>
+            <a:endParaRPr lang="en-US" dirty="0"/>
+          </a:p>
+        </p:txBody>
+      </p:sp>
+      <p:sp>
+        <p:nvSpPr>
+          <p:cNvPr id="3" name="Inhaltsplatzhalter 2">
+            <a:extLst>
+              <a:ext uri="{FF2B5EF4-FFF2-40B4-BE49-F238E27FC236}">
+                <a16:creationId xmlns:a16="http://schemas.microsoft.com/office/drawing/2014/main" id="{3DCD2ED7-0854-0331-6664-1F5221B1AC88}"/>
+              </a:ext>
+            </a:extLst>
+          </p:cNvPr>
+          <p:cNvSpPr>
+            <a:spLocks noGrp="1"/>
+          </p:cNvSpPr>
+          <p:nvPr>
+            <p:ph idx="1"/>
+          </p:nvPr>
+        </p:nvSpPr>
+        <p:spPr/>
+        <p:txBody>
+          <a:bodyPr/>
+          <a:lstStyle/>
+          <a:p>
+            <a:endParaRPr lang="en-US"/>
+          </a:p>
+        </p:txBody>
+      </p:sp>
+    </p:spTree>
+    <p:extLst>
+      <p:ext uri="{BB962C8B-B14F-4D97-AF65-F5344CB8AC3E}">
+        <p14:creationId xmlns:p14="http://schemas.microsoft.com/office/powerpoint/2010/main" val="1967836994"/>
       </p:ext>
     </p:extLst>
   </p:cSld>

--- a/Organisational/Dokumentation HHZ Rocket Project.pptx
+++ b/Organisational/Dokumentation HHZ Rocket Project.pptx
@@ -5,35 +5,34 @@
     <p:sldMasterId id="2147483648" r:id="rId1"/>
   </p:sldMasterIdLst>
   <p:notesMasterIdLst>
-    <p:notesMasterId r:id="rId28"/>
+    <p:notesMasterId r:id="rId27"/>
   </p:notesMasterIdLst>
   <p:sldIdLst>
     <p:sldId id="256" r:id="rId2"/>
     <p:sldId id="257" r:id="rId3"/>
     <p:sldId id="269" r:id="rId4"/>
     <p:sldId id="259" r:id="rId5"/>
-    <p:sldId id="276" r:id="rId6"/>
-    <p:sldId id="260" r:id="rId7"/>
-    <p:sldId id="261" r:id="rId8"/>
-    <p:sldId id="262" r:id="rId9"/>
-    <p:sldId id="275" r:id="rId10"/>
-    <p:sldId id="270" r:id="rId11"/>
-    <p:sldId id="264" r:id="rId12"/>
-    <p:sldId id="271" r:id="rId13"/>
-    <p:sldId id="268" r:id="rId14"/>
-    <p:sldId id="273" r:id="rId15"/>
-    <p:sldId id="277" r:id="rId16"/>
-    <p:sldId id="274" r:id="rId17"/>
-    <p:sldId id="279" r:id="rId18"/>
-    <p:sldId id="280" r:id="rId19"/>
-    <p:sldId id="285" r:id="rId20"/>
-    <p:sldId id="278" r:id="rId21"/>
-    <p:sldId id="281" r:id="rId22"/>
-    <p:sldId id="282" r:id="rId23"/>
-    <p:sldId id="283" r:id="rId24"/>
-    <p:sldId id="286" r:id="rId25"/>
-    <p:sldId id="287" r:id="rId26"/>
-    <p:sldId id="288" r:id="rId27"/>
+    <p:sldId id="260" r:id="rId6"/>
+    <p:sldId id="261" r:id="rId7"/>
+    <p:sldId id="262" r:id="rId8"/>
+    <p:sldId id="275" r:id="rId9"/>
+    <p:sldId id="270" r:id="rId10"/>
+    <p:sldId id="264" r:id="rId11"/>
+    <p:sldId id="271" r:id="rId12"/>
+    <p:sldId id="268" r:id="rId13"/>
+    <p:sldId id="273" r:id="rId14"/>
+    <p:sldId id="277" r:id="rId15"/>
+    <p:sldId id="274" r:id="rId16"/>
+    <p:sldId id="279" r:id="rId17"/>
+    <p:sldId id="280" r:id="rId18"/>
+    <p:sldId id="285" r:id="rId19"/>
+    <p:sldId id="278" r:id="rId20"/>
+    <p:sldId id="281" r:id="rId21"/>
+    <p:sldId id="282" r:id="rId22"/>
+    <p:sldId id="283" r:id="rId23"/>
+    <p:sldId id="286" r:id="rId24"/>
+    <p:sldId id="287" r:id="rId25"/>
+    <p:sldId id="288" r:id="rId26"/>
   </p:sldIdLst>
   <p:sldSz cx="12192000" cy="6858000"/>
   <p:notesSz cx="6858000" cy="9144000"/>
@@ -1959,1052 +1958,7 @@
 </dgm:colorsDef>
 </file>
 
-<file path=ppt/diagrams/colors3.xml><?xml version="1.0" encoding="utf-8"?>
-<dgm:colorsDef xmlns:dgm="http://schemas.openxmlformats.org/drawingml/2006/diagram" xmlns:a="http://schemas.openxmlformats.org/drawingml/2006/main" uniqueId="urn:microsoft.com/office/officeart/2005/8/colors/accent1_2">
-  <dgm:title val=""/>
-  <dgm:desc val=""/>
-  <dgm:catLst>
-    <dgm:cat type="accent1" pri="11200"/>
-  </dgm:catLst>
-  <dgm:styleLbl name="node0">
-    <dgm:fillClrLst meth="repeat">
-      <a:schemeClr val="accent1"/>
-    </dgm:fillClrLst>
-    <dgm:linClrLst meth="repeat">
-      <a:schemeClr val="lt1"/>
-    </dgm:linClrLst>
-    <dgm:effectClrLst/>
-    <dgm:txLinClrLst/>
-    <dgm:txFillClrLst/>
-    <dgm:txEffectClrLst/>
-  </dgm:styleLbl>
-  <dgm:styleLbl name="alignNode1">
-    <dgm:fillClrLst meth="repeat">
-      <a:schemeClr val="accent1"/>
-    </dgm:fillClrLst>
-    <dgm:linClrLst meth="repeat">
-      <a:schemeClr val="accent1"/>
-    </dgm:linClrLst>
-    <dgm:effectClrLst/>
-    <dgm:txLinClrLst/>
-    <dgm:txFillClrLst/>
-    <dgm:txEffectClrLst/>
-  </dgm:styleLbl>
-  <dgm:styleLbl name="node1">
-    <dgm:fillClrLst meth="repeat">
-      <a:schemeClr val="accent1"/>
-    </dgm:fillClrLst>
-    <dgm:linClrLst meth="repeat">
-      <a:schemeClr val="lt1"/>
-    </dgm:linClrLst>
-    <dgm:effectClrLst/>
-    <dgm:txLinClrLst/>
-    <dgm:txFillClrLst/>
-    <dgm:txEffectClrLst/>
-  </dgm:styleLbl>
-  <dgm:styleLbl name="lnNode1">
-    <dgm:fillClrLst meth="repeat">
-      <a:schemeClr val="accent1"/>
-    </dgm:fillClrLst>
-    <dgm:linClrLst meth="repeat">
-      <a:schemeClr val="lt1"/>
-    </dgm:linClrLst>
-    <dgm:effectClrLst/>
-    <dgm:txLinClrLst/>
-    <dgm:txFillClrLst/>
-    <dgm:txEffectClrLst/>
-  </dgm:styleLbl>
-  <dgm:styleLbl name="vennNode1">
-    <dgm:fillClrLst meth="repeat">
-      <a:schemeClr val="accent1">
-        <a:alpha val="50000"/>
-      </a:schemeClr>
-    </dgm:fillClrLst>
-    <dgm:linClrLst meth="repeat">
-      <a:schemeClr val="lt1"/>
-    </dgm:linClrLst>
-    <dgm:effectClrLst/>
-    <dgm:txLinClrLst/>
-    <dgm:txFillClrLst/>
-    <dgm:txEffectClrLst/>
-  </dgm:styleLbl>
-  <dgm:styleLbl name="node2">
-    <dgm:fillClrLst meth="repeat">
-      <a:schemeClr val="accent1"/>
-    </dgm:fillClrLst>
-    <dgm:linClrLst meth="repeat">
-      <a:schemeClr val="lt1"/>
-    </dgm:linClrLst>
-    <dgm:effectClrLst/>
-    <dgm:txLinClrLst/>
-    <dgm:txFillClrLst/>
-    <dgm:txEffectClrLst/>
-  </dgm:styleLbl>
-  <dgm:styleLbl name="node3">
-    <dgm:fillClrLst meth="repeat">
-      <a:schemeClr val="accent1"/>
-    </dgm:fillClrLst>
-    <dgm:linClrLst meth="repeat">
-      <a:schemeClr val="lt1"/>
-    </dgm:linClrLst>
-    <dgm:effectClrLst/>
-    <dgm:txLinClrLst/>
-    <dgm:txFillClrLst/>
-    <dgm:txEffectClrLst/>
-  </dgm:styleLbl>
-  <dgm:styleLbl name="node4">
-    <dgm:fillClrLst meth="repeat">
-      <a:schemeClr val="accent1"/>
-    </dgm:fillClrLst>
-    <dgm:linClrLst meth="repeat">
-      <a:schemeClr val="lt1"/>
-    </dgm:linClrLst>
-    <dgm:effectClrLst/>
-    <dgm:txLinClrLst/>
-    <dgm:txFillClrLst/>
-    <dgm:txEffectClrLst/>
-  </dgm:styleLbl>
-  <dgm:styleLbl name="fgImgPlace1">
-    <dgm:fillClrLst meth="repeat">
-      <a:schemeClr val="accent1">
-        <a:tint val="50000"/>
-      </a:schemeClr>
-    </dgm:fillClrLst>
-    <dgm:linClrLst meth="repeat">
-      <a:schemeClr val="lt1"/>
-    </dgm:linClrLst>
-    <dgm:effectClrLst/>
-    <dgm:txLinClrLst/>
-    <dgm:txFillClrLst meth="repeat">
-      <a:schemeClr val="lt1"/>
-    </dgm:txFillClrLst>
-    <dgm:txEffectClrLst/>
-  </dgm:styleLbl>
-  <dgm:styleLbl name="alignImgPlace1">
-    <dgm:fillClrLst meth="repeat">
-      <a:schemeClr val="accent1">
-        <a:tint val="50000"/>
-      </a:schemeClr>
-    </dgm:fillClrLst>
-    <dgm:linClrLst meth="repeat">
-      <a:schemeClr val="lt1"/>
-    </dgm:linClrLst>
-    <dgm:effectClrLst/>
-    <dgm:txLinClrLst/>
-    <dgm:txFillClrLst meth="repeat">
-      <a:schemeClr val="lt1"/>
-    </dgm:txFillClrLst>
-    <dgm:txEffectClrLst/>
-  </dgm:styleLbl>
-  <dgm:styleLbl name="bgImgPlace1">
-    <dgm:fillClrLst meth="repeat">
-      <a:schemeClr val="accent1">
-        <a:tint val="50000"/>
-      </a:schemeClr>
-    </dgm:fillClrLst>
-    <dgm:linClrLst meth="repeat">
-      <a:schemeClr val="lt1"/>
-    </dgm:linClrLst>
-    <dgm:effectClrLst/>
-    <dgm:txLinClrLst/>
-    <dgm:txFillClrLst meth="repeat">
-      <a:schemeClr val="lt1"/>
-    </dgm:txFillClrLst>
-    <dgm:txEffectClrLst/>
-  </dgm:styleLbl>
-  <dgm:styleLbl name="sibTrans2D1">
-    <dgm:fillClrLst meth="repeat">
-      <a:schemeClr val="accent1">
-        <a:tint val="60000"/>
-      </a:schemeClr>
-    </dgm:fillClrLst>
-    <dgm:linClrLst meth="repeat">
-      <a:schemeClr val="accent1">
-        <a:tint val="60000"/>
-      </a:schemeClr>
-    </dgm:linClrLst>
-    <dgm:effectClrLst/>
-    <dgm:txLinClrLst/>
-    <dgm:txFillClrLst/>
-    <dgm:txEffectClrLst/>
-  </dgm:styleLbl>
-  <dgm:styleLbl name="fgSibTrans2D1">
-    <dgm:fillClrLst meth="repeat">
-      <a:schemeClr val="accent1">
-        <a:tint val="60000"/>
-      </a:schemeClr>
-    </dgm:fillClrLst>
-    <dgm:linClrLst meth="repeat">
-      <a:schemeClr val="accent1">
-        <a:tint val="60000"/>
-      </a:schemeClr>
-    </dgm:linClrLst>
-    <dgm:effectClrLst/>
-    <dgm:txLinClrLst/>
-    <dgm:txFillClrLst/>
-    <dgm:txEffectClrLst/>
-  </dgm:styleLbl>
-  <dgm:styleLbl name="bgSibTrans2D1">
-    <dgm:fillClrLst meth="repeat">
-      <a:schemeClr val="accent1">
-        <a:tint val="60000"/>
-      </a:schemeClr>
-    </dgm:fillClrLst>
-    <dgm:linClrLst meth="repeat">
-      <a:schemeClr val="accent1">
-        <a:tint val="60000"/>
-      </a:schemeClr>
-    </dgm:linClrLst>
-    <dgm:effectClrLst/>
-    <dgm:txLinClrLst/>
-    <dgm:txFillClrLst/>
-    <dgm:txEffectClrLst/>
-  </dgm:styleLbl>
-  <dgm:styleLbl name="sibTrans1D1">
-    <dgm:fillClrLst meth="repeat">
-      <a:schemeClr val="accent1"/>
-    </dgm:fillClrLst>
-    <dgm:linClrLst meth="repeat">
-      <a:schemeClr val="accent1"/>
-    </dgm:linClrLst>
-    <dgm:effectClrLst/>
-    <dgm:txLinClrLst/>
-    <dgm:txFillClrLst meth="repeat">
-      <a:schemeClr val="tx1"/>
-    </dgm:txFillClrLst>
-    <dgm:txEffectClrLst/>
-  </dgm:styleLbl>
-  <dgm:styleLbl name="callout">
-    <dgm:fillClrLst meth="repeat">
-      <a:schemeClr val="accent1"/>
-    </dgm:fillClrLst>
-    <dgm:linClrLst meth="repeat">
-      <a:schemeClr val="accent1">
-        <a:tint val="50000"/>
-      </a:schemeClr>
-    </dgm:linClrLst>
-    <dgm:effectClrLst/>
-    <dgm:txLinClrLst/>
-    <dgm:txFillClrLst meth="repeat">
-      <a:schemeClr val="tx1"/>
-    </dgm:txFillClrLst>
-    <dgm:txEffectClrLst/>
-  </dgm:styleLbl>
-  <dgm:styleLbl name="asst0">
-    <dgm:fillClrLst meth="repeat">
-      <a:schemeClr val="accent1"/>
-    </dgm:fillClrLst>
-    <dgm:linClrLst meth="repeat">
-      <a:schemeClr val="lt1"/>
-    </dgm:linClrLst>
-    <dgm:effectClrLst/>
-    <dgm:txLinClrLst/>
-    <dgm:txFillClrLst/>
-    <dgm:txEffectClrLst/>
-  </dgm:styleLbl>
-  <dgm:styleLbl name="asst1">
-    <dgm:fillClrLst meth="repeat">
-      <a:schemeClr val="accent1"/>
-    </dgm:fillClrLst>
-    <dgm:linClrLst meth="repeat">
-      <a:schemeClr val="lt1"/>
-    </dgm:linClrLst>
-    <dgm:effectClrLst/>
-    <dgm:txLinClrLst/>
-    <dgm:txFillClrLst/>
-    <dgm:txEffectClrLst/>
-  </dgm:styleLbl>
-  <dgm:styleLbl name="asst2">
-    <dgm:fillClrLst meth="repeat">
-      <a:schemeClr val="accent1"/>
-    </dgm:fillClrLst>
-    <dgm:linClrLst meth="repeat">
-      <a:schemeClr val="lt1"/>
-    </dgm:linClrLst>
-    <dgm:effectClrLst/>
-    <dgm:txLinClrLst/>
-    <dgm:txFillClrLst/>
-    <dgm:txEffectClrLst/>
-  </dgm:styleLbl>
-  <dgm:styleLbl name="asst3">
-    <dgm:fillClrLst meth="repeat">
-      <a:schemeClr val="accent1"/>
-    </dgm:fillClrLst>
-    <dgm:linClrLst meth="repeat">
-      <a:schemeClr val="lt1"/>
-    </dgm:linClrLst>
-    <dgm:effectClrLst/>
-    <dgm:txLinClrLst/>
-    <dgm:txFillClrLst/>
-    <dgm:txEffectClrLst/>
-  </dgm:styleLbl>
-  <dgm:styleLbl name="asst4">
-    <dgm:fillClrLst meth="repeat">
-      <a:schemeClr val="accent1"/>
-    </dgm:fillClrLst>
-    <dgm:linClrLst meth="repeat">
-      <a:schemeClr val="lt1"/>
-    </dgm:linClrLst>
-    <dgm:effectClrLst/>
-    <dgm:txLinClrLst/>
-    <dgm:txFillClrLst/>
-    <dgm:txEffectClrLst/>
-  </dgm:styleLbl>
-  <dgm:styleLbl name="parChTrans2D1">
-    <dgm:fillClrLst meth="repeat">
-      <a:schemeClr val="accent1">
-        <a:tint val="60000"/>
-      </a:schemeClr>
-    </dgm:fillClrLst>
-    <dgm:linClrLst meth="repeat">
-      <a:schemeClr val="accent1">
-        <a:tint val="60000"/>
-      </a:schemeClr>
-    </dgm:linClrLst>
-    <dgm:effectClrLst/>
-    <dgm:txLinClrLst/>
-    <dgm:txFillClrLst meth="repeat">
-      <a:schemeClr val="lt1"/>
-    </dgm:txFillClrLst>
-    <dgm:txEffectClrLst/>
-  </dgm:styleLbl>
-  <dgm:styleLbl name="parChTrans2D2">
-    <dgm:fillClrLst meth="repeat">
-      <a:schemeClr val="accent1"/>
-    </dgm:fillClrLst>
-    <dgm:linClrLst meth="repeat">
-      <a:schemeClr val="accent1"/>
-    </dgm:linClrLst>
-    <dgm:effectClrLst/>
-    <dgm:txLinClrLst/>
-    <dgm:txFillClrLst meth="repeat">
-      <a:schemeClr val="lt1"/>
-    </dgm:txFillClrLst>
-    <dgm:txEffectClrLst/>
-  </dgm:styleLbl>
-  <dgm:styleLbl name="parChTrans2D3">
-    <dgm:fillClrLst meth="repeat">
-      <a:schemeClr val="accent1"/>
-    </dgm:fillClrLst>
-    <dgm:linClrLst meth="repeat">
-      <a:schemeClr val="accent1"/>
-    </dgm:linClrLst>
-    <dgm:effectClrLst/>
-    <dgm:txLinClrLst/>
-    <dgm:txFillClrLst meth="repeat">
-      <a:schemeClr val="lt1"/>
-    </dgm:txFillClrLst>
-    <dgm:txEffectClrLst/>
-  </dgm:styleLbl>
-  <dgm:styleLbl name="parChTrans2D4">
-    <dgm:fillClrLst meth="repeat">
-      <a:schemeClr val="accent1"/>
-    </dgm:fillClrLst>
-    <dgm:linClrLst meth="repeat">
-      <a:schemeClr val="accent1"/>
-    </dgm:linClrLst>
-    <dgm:effectClrLst/>
-    <dgm:txLinClrLst/>
-    <dgm:txFillClrLst meth="repeat">
-      <a:schemeClr val="lt1"/>
-    </dgm:txFillClrLst>
-    <dgm:txEffectClrLst/>
-  </dgm:styleLbl>
-  <dgm:styleLbl name="parChTrans1D1">
-    <dgm:fillClrLst meth="repeat">
-      <a:schemeClr val="accent1"/>
-    </dgm:fillClrLst>
-    <dgm:linClrLst meth="repeat">
-      <a:schemeClr val="accent1">
-        <a:shade val="60000"/>
-      </a:schemeClr>
-    </dgm:linClrLst>
-    <dgm:effectClrLst/>
-    <dgm:txLinClrLst/>
-    <dgm:txFillClrLst meth="repeat">
-      <a:schemeClr val="tx1"/>
-    </dgm:txFillClrLst>
-    <dgm:txEffectClrLst/>
-  </dgm:styleLbl>
-  <dgm:styleLbl name="parChTrans1D2">
-    <dgm:fillClrLst meth="repeat">
-      <a:schemeClr val="accent1"/>
-    </dgm:fillClrLst>
-    <dgm:linClrLst meth="repeat">
-      <a:schemeClr val="accent1">
-        <a:shade val="60000"/>
-      </a:schemeClr>
-    </dgm:linClrLst>
-    <dgm:effectClrLst/>
-    <dgm:txLinClrLst/>
-    <dgm:txFillClrLst meth="repeat">
-      <a:schemeClr val="tx1"/>
-    </dgm:txFillClrLst>
-    <dgm:txEffectClrLst/>
-  </dgm:styleLbl>
-  <dgm:styleLbl name="parChTrans1D3">
-    <dgm:fillClrLst meth="repeat">
-      <a:schemeClr val="accent1"/>
-    </dgm:fillClrLst>
-    <dgm:linClrLst meth="repeat">
-      <a:schemeClr val="accent1">
-        <a:shade val="80000"/>
-      </a:schemeClr>
-    </dgm:linClrLst>
-    <dgm:effectClrLst/>
-    <dgm:txLinClrLst/>
-    <dgm:txFillClrLst meth="repeat">
-      <a:schemeClr val="tx1"/>
-    </dgm:txFillClrLst>
-    <dgm:txEffectClrLst/>
-  </dgm:styleLbl>
-  <dgm:styleLbl name="parChTrans1D4">
-    <dgm:fillClrLst meth="repeat">
-      <a:schemeClr val="accent1"/>
-    </dgm:fillClrLst>
-    <dgm:linClrLst meth="repeat">
-      <a:schemeClr val="accent1">
-        <a:shade val="80000"/>
-      </a:schemeClr>
-    </dgm:linClrLst>
-    <dgm:effectClrLst/>
-    <dgm:txLinClrLst/>
-    <dgm:txFillClrLst meth="repeat">
-      <a:schemeClr val="tx1"/>
-    </dgm:txFillClrLst>
-    <dgm:txEffectClrLst/>
-  </dgm:styleLbl>
-  <dgm:styleLbl name="fgAcc1">
-    <dgm:fillClrLst meth="repeat">
-      <a:schemeClr val="lt1">
-        <a:alpha val="90000"/>
-      </a:schemeClr>
-    </dgm:fillClrLst>
-    <dgm:linClrLst meth="repeat">
-      <a:schemeClr val="accent1"/>
-    </dgm:linClrLst>
-    <dgm:effectClrLst/>
-    <dgm:txLinClrLst/>
-    <dgm:txFillClrLst meth="repeat">
-      <a:schemeClr val="dk1"/>
-    </dgm:txFillClrLst>
-    <dgm:txEffectClrLst/>
-  </dgm:styleLbl>
-  <dgm:styleLbl name="conFgAcc1">
-    <dgm:fillClrLst meth="repeat">
-      <a:schemeClr val="lt1">
-        <a:alpha val="90000"/>
-      </a:schemeClr>
-    </dgm:fillClrLst>
-    <dgm:linClrLst meth="repeat">
-      <a:schemeClr val="accent1"/>
-    </dgm:linClrLst>
-    <dgm:effectClrLst/>
-    <dgm:txLinClrLst/>
-    <dgm:txFillClrLst meth="repeat">
-      <a:schemeClr val="dk1"/>
-    </dgm:txFillClrLst>
-    <dgm:txEffectClrLst/>
-  </dgm:styleLbl>
-  <dgm:styleLbl name="alignAcc1">
-    <dgm:fillClrLst meth="repeat">
-      <a:schemeClr val="lt1">
-        <a:alpha val="90000"/>
-      </a:schemeClr>
-    </dgm:fillClrLst>
-    <dgm:linClrLst meth="repeat">
-      <a:schemeClr val="accent1"/>
-    </dgm:linClrLst>
-    <dgm:effectClrLst/>
-    <dgm:txLinClrLst/>
-    <dgm:txFillClrLst meth="repeat">
-      <a:schemeClr val="dk1"/>
-    </dgm:txFillClrLst>
-    <dgm:txEffectClrLst/>
-  </dgm:styleLbl>
-  <dgm:styleLbl name="trAlignAcc1">
-    <dgm:fillClrLst meth="repeat">
-      <a:schemeClr val="lt1">
-        <a:alpha val="40000"/>
-      </a:schemeClr>
-    </dgm:fillClrLst>
-    <dgm:linClrLst meth="repeat">
-      <a:schemeClr val="accent1"/>
-    </dgm:linClrLst>
-    <dgm:effectClrLst/>
-    <dgm:txLinClrLst/>
-    <dgm:txFillClrLst meth="repeat">
-      <a:schemeClr val="dk1"/>
-    </dgm:txFillClrLst>
-    <dgm:txEffectClrLst/>
-  </dgm:styleLbl>
-  <dgm:styleLbl name="bgAcc1">
-    <dgm:fillClrLst meth="repeat">
-      <a:schemeClr val="lt1">
-        <a:alpha val="90000"/>
-      </a:schemeClr>
-    </dgm:fillClrLst>
-    <dgm:linClrLst meth="repeat">
-      <a:schemeClr val="accent1"/>
-    </dgm:linClrLst>
-    <dgm:effectClrLst/>
-    <dgm:txLinClrLst/>
-    <dgm:txFillClrLst meth="repeat">
-      <a:schemeClr val="dk1"/>
-    </dgm:txFillClrLst>
-    <dgm:txEffectClrLst/>
-  </dgm:styleLbl>
-  <dgm:styleLbl name="solidFgAcc1">
-    <dgm:fillClrLst meth="repeat">
-      <a:schemeClr val="lt1"/>
-    </dgm:fillClrLst>
-    <dgm:linClrLst meth="repeat">
-      <a:schemeClr val="accent1"/>
-    </dgm:linClrLst>
-    <dgm:effectClrLst/>
-    <dgm:txLinClrLst/>
-    <dgm:txFillClrLst meth="repeat">
-      <a:schemeClr val="dk1"/>
-    </dgm:txFillClrLst>
-    <dgm:txEffectClrLst/>
-  </dgm:styleLbl>
-  <dgm:styleLbl name="solidAlignAcc1">
-    <dgm:fillClrLst meth="repeat">
-      <a:schemeClr val="lt1"/>
-    </dgm:fillClrLst>
-    <dgm:linClrLst meth="repeat">
-      <a:schemeClr val="accent1"/>
-    </dgm:linClrLst>
-    <dgm:effectClrLst/>
-    <dgm:txLinClrLst/>
-    <dgm:txFillClrLst meth="repeat">
-      <a:schemeClr val="dk1"/>
-    </dgm:txFillClrLst>
-    <dgm:txEffectClrLst/>
-  </dgm:styleLbl>
-  <dgm:styleLbl name="solidBgAcc1">
-    <dgm:fillClrLst meth="repeat">
-      <a:schemeClr val="lt1"/>
-    </dgm:fillClrLst>
-    <dgm:linClrLst meth="repeat">
-      <a:schemeClr val="accent1"/>
-    </dgm:linClrLst>
-    <dgm:effectClrLst/>
-    <dgm:txLinClrLst/>
-    <dgm:txFillClrLst meth="repeat">
-      <a:schemeClr val="dk1"/>
-    </dgm:txFillClrLst>
-    <dgm:txEffectClrLst/>
-  </dgm:styleLbl>
-  <dgm:styleLbl name="fgAccFollowNode1">
-    <dgm:fillClrLst meth="repeat">
-      <a:schemeClr val="accent1">
-        <a:alpha val="90000"/>
-        <a:tint val="40000"/>
-      </a:schemeClr>
-    </dgm:fillClrLst>
-    <dgm:linClrLst meth="repeat">
-      <a:schemeClr val="accent1">
-        <a:alpha val="90000"/>
-        <a:tint val="40000"/>
-      </a:schemeClr>
-    </dgm:linClrLst>
-    <dgm:effectClrLst/>
-    <dgm:txLinClrLst/>
-    <dgm:txFillClrLst meth="repeat">
-      <a:schemeClr val="dk1"/>
-    </dgm:txFillClrLst>
-    <dgm:txEffectClrLst/>
-  </dgm:styleLbl>
-  <dgm:styleLbl name="alignAccFollowNode1">
-    <dgm:fillClrLst meth="repeat">
-      <a:schemeClr val="accent1">
-        <a:alpha val="90000"/>
-        <a:tint val="40000"/>
-      </a:schemeClr>
-    </dgm:fillClrLst>
-    <dgm:linClrLst meth="repeat">
-      <a:schemeClr val="accent1">
-        <a:alpha val="90000"/>
-        <a:tint val="40000"/>
-      </a:schemeClr>
-    </dgm:linClrLst>
-    <dgm:effectClrLst/>
-    <dgm:txLinClrLst/>
-    <dgm:txFillClrLst meth="repeat">
-      <a:schemeClr val="dk1"/>
-    </dgm:txFillClrLst>
-    <dgm:txEffectClrLst/>
-  </dgm:styleLbl>
-  <dgm:styleLbl name="bgAccFollowNode1">
-    <dgm:fillClrLst meth="repeat">
-      <a:schemeClr val="accent1">
-        <a:alpha val="90000"/>
-        <a:tint val="40000"/>
-      </a:schemeClr>
-    </dgm:fillClrLst>
-    <dgm:linClrLst meth="repeat">
-      <a:schemeClr val="accent1">
-        <a:alpha val="90000"/>
-        <a:tint val="40000"/>
-      </a:schemeClr>
-    </dgm:linClrLst>
-    <dgm:effectClrLst/>
-    <dgm:txLinClrLst/>
-    <dgm:txFillClrLst meth="repeat">
-      <a:schemeClr val="dk1"/>
-    </dgm:txFillClrLst>
-    <dgm:txEffectClrLst/>
-  </dgm:styleLbl>
-  <dgm:styleLbl name="fgAcc0">
-    <dgm:fillClrLst meth="repeat">
-      <a:schemeClr val="lt1">
-        <a:alpha val="90000"/>
-      </a:schemeClr>
-    </dgm:fillClrLst>
-    <dgm:linClrLst meth="repeat">
-      <a:schemeClr val="accent1"/>
-    </dgm:linClrLst>
-    <dgm:effectClrLst/>
-    <dgm:txLinClrLst/>
-    <dgm:txFillClrLst meth="repeat">
-      <a:schemeClr val="dk1"/>
-    </dgm:txFillClrLst>
-    <dgm:txEffectClrLst/>
-  </dgm:styleLbl>
-  <dgm:styleLbl name="fgAcc2">
-    <dgm:fillClrLst meth="repeat">
-      <a:schemeClr val="lt1">
-        <a:alpha val="90000"/>
-      </a:schemeClr>
-    </dgm:fillClrLst>
-    <dgm:linClrLst meth="repeat">
-      <a:schemeClr val="accent1"/>
-    </dgm:linClrLst>
-    <dgm:effectClrLst/>
-    <dgm:txLinClrLst/>
-    <dgm:txFillClrLst meth="repeat">
-      <a:schemeClr val="dk1"/>
-    </dgm:txFillClrLst>
-    <dgm:txEffectClrLst/>
-  </dgm:styleLbl>
-  <dgm:styleLbl name="fgAcc3">
-    <dgm:fillClrLst meth="repeat">
-      <a:schemeClr val="lt1">
-        <a:alpha val="90000"/>
-      </a:schemeClr>
-    </dgm:fillClrLst>
-    <dgm:linClrLst meth="repeat">
-      <a:schemeClr val="accent1"/>
-    </dgm:linClrLst>
-    <dgm:effectClrLst/>
-    <dgm:txLinClrLst/>
-    <dgm:txFillClrLst meth="repeat">
-      <a:schemeClr val="dk1"/>
-    </dgm:txFillClrLst>
-    <dgm:txEffectClrLst/>
-  </dgm:styleLbl>
-  <dgm:styleLbl name="fgAcc4">
-    <dgm:fillClrLst meth="repeat">
-      <a:schemeClr val="lt1">
-        <a:alpha val="90000"/>
-      </a:schemeClr>
-    </dgm:fillClrLst>
-    <dgm:linClrLst meth="repeat">
-      <a:schemeClr val="accent1"/>
-    </dgm:linClrLst>
-    <dgm:effectClrLst/>
-    <dgm:txLinClrLst/>
-    <dgm:txFillClrLst meth="repeat">
-      <a:schemeClr val="dk1"/>
-    </dgm:txFillClrLst>
-    <dgm:txEffectClrLst/>
-  </dgm:styleLbl>
-  <dgm:styleLbl name="bgShp">
-    <dgm:fillClrLst meth="repeat">
-      <a:schemeClr val="accent1">
-        <a:tint val="40000"/>
-      </a:schemeClr>
-    </dgm:fillClrLst>
-    <dgm:linClrLst meth="repeat">
-      <a:schemeClr val="accent1"/>
-    </dgm:linClrLst>
-    <dgm:effectClrLst/>
-    <dgm:txLinClrLst/>
-    <dgm:txFillClrLst meth="repeat">
-      <a:schemeClr val="dk1"/>
-    </dgm:txFillClrLst>
-    <dgm:txEffectClrLst/>
-  </dgm:styleLbl>
-  <dgm:styleLbl name="dkBgShp">
-    <dgm:fillClrLst meth="repeat">
-      <a:schemeClr val="accent1">
-        <a:shade val="80000"/>
-      </a:schemeClr>
-    </dgm:fillClrLst>
-    <dgm:linClrLst meth="repeat">
-      <a:schemeClr val="accent1"/>
-    </dgm:linClrLst>
-    <dgm:effectClrLst/>
-    <dgm:txLinClrLst/>
-    <dgm:txFillClrLst meth="repeat">
-      <a:schemeClr val="lt1"/>
-    </dgm:txFillClrLst>
-    <dgm:txEffectClrLst/>
-  </dgm:styleLbl>
-  <dgm:styleLbl name="trBgShp">
-    <dgm:fillClrLst meth="repeat">
-      <a:schemeClr val="accent1">
-        <a:tint val="50000"/>
-        <a:alpha val="40000"/>
-      </a:schemeClr>
-    </dgm:fillClrLst>
-    <dgm:linClrLst meth="repeat">
-      <a:schemeClr val="accent1"/>
-    </dgm:linClrLst>
-    <dgm:effectClrLst/>
-    <dgm:txLinClrLst/>
-    <dgm:txFillClrLst meth="repeat">
-      <a:schemeClr val="lt1"/>
-    </dgm:txFillClrLst>
-    <dgm:txEffectClrLst/>
-  </dgm:styleLbl>
-  <dgm:styleLbl name="fgShp">
-    <dgm:fillClrLst meth="repeat">
-      <a:schemeClr val="accent1">
-        <a:tint val="60000"/>
-      </a:schemeClr>
-    </dgm:fillClrLst>
-    <dgm:linClrLst meth="repeat">
-      <a:schemeClr val="lt1"/>
-    </dgm:linClrLst>
-    <dgm:effectClrLst/>
-    <dgm:txLinClrLst/>
-    <dgm:txFillClrLst meth="repeat">
-      <a:schemeClr val="dk1"/>
-    </dgm:txFillClrLst>
-    <dgm:txEffectClrLst/>
-  </dgm:styleLbl>
-  <dgm:styleLbl name="revTx">
-    <dgm:fillClrLst meth="repeat">
-      <a:schemeClr val="lt1">
-        <a:alpha val="0"/>
-      </a:schemeClr>
-    </dgm:fillClrLst>
-    <dgm:linClrLst meth="repeat">
-      <a:schemeClr val="dk1">
-        <a:alpha val="0"/>
-      </a:schemeClr>
-    </dgm:linClrLst>
-    <dgm:effectClrLst/>
-    <dgm:txLinClrLst/>
-    <dgm:txFillClrLst meth="repeat">
-      <a:schemeClr val="tx1"/>
-    </dgm:txFillClrLst>
-    <dgm:txEffectClrLst/>
-  </dgm:styleLbl>
-</dgm:colorsDef>
-</file>
-
 <file path=ppt/diagrams/data1.xml><?xml version="1.0" encoding="utf-8"?>
-<dgm:dataModel xmlns:dgm="http://schemas.openxmlformats.org/drawingml/2006/diagram" xmlns:a="http://schemas.openxmlformats.org/drawingml/2006/main">
-  <dgm:ptLst>
-    <dgm:pt modelId="{32B5D352-1E80-4ADC-8F34-2C7161DD8167}" type="doc">
-      <dgm:prSet loTypeId="urn:microsoft.com/office/officeart/2008/layout/LinedList" loCatId="list" qsTypeId="urn:microsoft.com/office/officeart/2005/8/quickstyle/simple1" qsCatId="simple" csTypeId="urn:microsoft.com/office/officeart/2005/8/colors/accent1_2" csCatId="accent1" phldr="1"/>
-      <dgm:spPr/>
-      <dgm:t>
-        <a:bodyPr/>
-        <a:lstStyle/>
-        <a:p>
-          <a:endParaRPr lang="en-US"/>
-        </a:p>
-      </dgm:t>
-    </dgm:pt>
-    <dgm:pt modelId="{71805F93-7F83-440E-B309-D34279A4B555}">
-      <dgm:prSet/>
-      <dgm:spPr/>
-      <dgm:t>
-        <a:bodyPr/>
-        <a:lstStyle/>
-        <a:p>
-          <a:r>
-            <a:rPr lang="de-DE" dirty="0">
-              <a:sym typeface="Wingdings" panose="05000000000000000000" pitchFamily="2" charset="2"/>
-            </a:rPr>
-            <a:t> </a:t>
-          </a:r>
-          <a:r>
-            <a:rPr lang="de-DE" dirty="0"/>
-            <a:t>Vorliegende Daten sind Maschinen Daten aus der Produktion</a:t>
-          </a:r>
-          <a:endParaRPr lang="en-US" dirty="0"/>
-        </a:p>
-      </dgm:t>
-    </dgm:pt>
-    <dgm:pt modelId="{D33B0420-9B5A-4B4C-9BF1-58F9E2BCEF28}" type="parTrans" cxnId="{29213BFC-A683-42B6-A00B-7206B21279C1}">
-      <dgm:prSet/>
-      <dgm:spPr/>
-      <dgm:t>
-        <a:bodyPr/>
-        <a:lstStyle/>
-        <a:p>
-          <a:endParaRPr lang="en-US"/>
-        </a:p>
-      </dgm:t>
-    </dgm:pt>
-    <dgm:pt modelId="{D6A24C5F-FDE7-4FAF-9557-65CF6EBD3A2D}" type="sibTrans" cxnId="{29213BFC-A683-42B6-A00B-7206B21279C1}">
-      <dgm:prSet/>
-      <dgm:spPr/>
-      <dgm:t>
-        <a:bodyPr/>
-        <a:lstStyle/>
-        <a:p>
-          <a:endParaRPr lang="en-US"/>
-        </a:p>
-      </dgm:t>
-    </dgm:pt>
-    <dgm:pt modelId="{90D088F7-F5C7-4618-8744-F81A17C3CC91}">
-      <dgm:prSet/>
-      <dgm:spPr/>
-      <dgm:t>
-        <a:bodyPr/>
-        <a:lstStyle/>
-        <a:p>
-          <a:r>
-            <a:rPr lang="de-DE" dirty="0">
-              <a:sym typeface="Wingdings" panose="05000000000000000000" pitchFamily="2" charset="2"/>
-            </a:rPr>
-            <a:t> </a:t>
-          </a:r>
-          <a:r>
-            <a:rPr lang="de-DE" dirty="0"/>
-            <a:t>Es sind Sensor Daten der Maschine vorhanden</a:t>
-          </a:r>
-          <a:endParaRPr lang="en-US" dirty="0"/>
-        </a:p>
-      </dgm:t>
-    </dgm:pt>
-    <dgm:pt modelId="{70311DEF-F328-417E-9BB4-524E6006E4A0}" type="parTrans" cxnId="{A649DD2F-097C-4AAF-8066-17BEF661AA55}">
-      <dgm:prSet/>
-      <dgm:spPr/>
-      <dgm:t>
-        <a:bodyPr/>
-        <a:lstStyle/>
-        <a:p>
-          <a:endParaRPr lang="en-US"/>
-        </a:p>
-      </dgm:t>
-    </dgm:pt>
-    <dgm:pt modelId="{A77D9DD8-81F0-4503-8850-627C25C0CCD6}" type="sibTrans" cxnId="{A649DD2F-097C-4AAF-8066-17BEF661AA55}">
-      <dgm:prSet/>
-      <dgm:spPr/>
-      <dgm:t>
-        <a:bodyPr/>
-        <a:lstStyle/>
-        <a:p>
-          <a:endParaRPr lang="en-US"/>
-        </a:p>
-      </dgm:t>
-    </dgm:pt>
-    <dgm:pt modelId="{2C5298F6-A493-4246-ACAB-D942090296F9}">
-      <dgm:prSet/>
-      <dgm:spPr/>
-      <dgm:t>
-        <a:bodyPr/>
-        <a:lstStyle/>
-        <a:p>
-          <a:r>
-            <a:rPr lang="de-DE" dirty="0">
-              <a:sym typeface="Wingdings" panose="05000000000000000000" pitchFamily="2" charset="2"/>
-            </a:rPr>
-            <a:t> </a:t>
-          </a:r>
-          <a:r>
-            <a:rPr lang="de-DE" dirty="0"/>
-            <a:t>Es sind Log Files vorhanden zu den Codes der Ausfälle</a:t>
-          </a:r>
-          <a:endParaRPr lang="en-US" dirty="0"/>
-        </a:p>
-      </dgm:t>
-    </dgm:pt>
-    <dgm:pt modelId="{43C432C7-5C48-4CFE-BAA0-68DC65637E4F}" type="parTrans" cxnId="{EB0CEC6D-E76B-4136-84BB-47D8B1FE6717}">
-      <dgm:prSet/>
-      <dgm:spPr/>
-      <dgm:t>
-        <a:bodyPr/>
-        <a:lstStyle/>
-        <a:p>
-          <a:endParaRPr lang="en-US"/>
-        </a:p>
-      </dgm:t>
-    </dgm:pt>
-    <dgm:pt modelId="{57B842D4-01E8-4DA7-AE2A-21D0118EB1D3}" type="sibTrans" cxnId="{EB0CEC6D-E76B-4136-84BB-47D8B1FE6717}">
-      <dgm:prSet/>
-      <dgm:spPr/>
-      <dgm:t>
-        <a:bodyPr/>
-        <a:lstStyle/>
-        <a:p>
-          <a:endParaRPr lang="en-US"/>
-        </a:p>
-      </dgm:t>
-    </dgm:pt>
-    <dgm:pt modelId="{879F0040-391C-4D5C-92FF-336E0B65604D}">
-      <dgm:prSet/>
-      <dgm:spPr/>
-      <dgm:t>
-        <a:bodyPr/>
-        <a:lstStyle/>
-        <a:p>
-          <a:r>
-            <a:rPr lang="de-DE" dirty="0">
-              <a:sym typeface="Wingdings" panose="05000000000000000000" pitchFamily="2" charset="2"/>
-            </a:rPr>
-            <a:t> </a:t>
-          </a:r>
-          <a:r>
-            <a:rPr lang="de-DE" dirty="0"/>
-            <a:t>Datenbankeinträge sind Momentaufnahmen und wiederholen sich 5 Minuten</a:t>
-          </a:r>
-          <a:endParaRPr lang="en-US" dirty="0"/>
-        </a:p>
-      </dgm:t>
-    </dgm:pt>
-    <dgm:pt modelId="{36839EA4-E336-44B9-BA42-8DFDD097167C}" type="parTrans" cxnId="{599A303E-AA0E-4709-BA73-333F3CDAEFA5}">
-      <dgm:prSet/>
-      <dgm:spPr/>
-      <dgm:t>
-        <a:bodyPr/>
-        <a:lstStyle/>
-        <a:p>
-          <a:endParaRPr lang="en-US"/>
-        </a:p>
-      </dgm:t>
-    </dgm:pt>
-    <dgm:pt modelId="{2C492082-E31E-4D5A-B4F4-166CE9CC5CD2}" type="sibTrans" cxnId="{599A303E-AA0E-4709-BA73-333F3CDAEFA5}">
-      <dgm:prSet/>
-      <dgm:spPr/>
-      <dgm:t>
-        <a:bodyPr/>
-        <a:lstStyle/>
-        <a:p>
-          <a:endParaRPr lang="en-US"/>
-        </a:p>
-      </dgm:t>
-    </dgm:pt>
-    <dgm:pt modelId="{AA4194FF-7B33-4304-8EE1-AA3992B92C19}" type="pres">
-      <dgm:prSet presAssocID="{32B5D352-1E80-4ADC-8F34-2C7161DD8167}" presName="vert0" presStyleCnt="0">
-        <dgm:presLayoutVars>
-          <dgm:dir/>
-          <dgm:animOne val="branch"/>
-          <dgm:animLvl val="lvl"/>
-        </dgm:presLayoutVars>
-      </dgm:prSet>
-      <dgm:spPr/>
-    </dgm:pt>
-    <dgm:pt modelId="{3B1956C2-D3BC-4B64-A547-FAAD60713C69}" type="pres">
-      <dgm:prSet presAssocID="{71805F93-7F83-440E-B309-D34279A4B555}" presName="thickLine" presStyleLbl="alignNode1" presStyleIdx="0" presStyleCnt="4"/>
-      <dgm:spPr/>
-    </dgm:pt>
-    <dgm:pt modelId="{D5A00DDD-DB7C-44FA-9BE4-9E0846C042E6}" type="pres">
-      <dgm:prSet presAssocID="{71805F93-7F83-440E-B309-D34279A4B555}" presName="horz1" presStyleCnt="0"/>
-      <dgm:spPr/>
-    </dgm:pt>
-    <dgm:pt modelId="{71D5278C-C71C-439B-9C94-D2EFC93CF49E}" type="pres">
-      <dgm:prSet presAssocID="{71805F93-7F83-440E-B309-D34279A4B555}" presName="tx1" presStyleLbl="revTx" presStyleIdx="0" presStyleCnt="4"/>
-      <dgm:spPr/>
-    </dgm:pt>
-    <dgm:pt modelId="{1583C4FA-4D04-48F6-A40A-40219B17840E}" type="pres">
-      <dgm:prSet presAssocID="{71805F93-7F83-440E-B309-D34279A4B555}" presName="vert1" presStyleCnt="0"/>
-      <dgm:spPr/>
-    </dgm:pt>
-    <dgm:pt modelId="{007EE07B-AD66-431E-87AE-111305FF36CC}" type="pres">
-      <dgm:prSet presAssocID="{879F0040-391C-4D5C-92FF-336E0B65604D}" presName="thickLine" presStyleLbl="alignNode1" presStyleIdx="1" presStyleCnt="4"/>
-      <dgm:spPr/>
-    </dgm:pt>
-    <dgm:pt modelId="{A79395F3-85FF-4887-B8AD-02B59CADBCB3}" type="pres">
-      <dgm:prSet presAssocID="{879F0040-391C-4D5C-92FF-336E0B65604D}" presName="horz1" presStyleCnt="0"/>
-      <dgm:spPr/>
-    </dgm:pt>
-    <dgm:pt modelId="{58743392-BD0E-483B-AF4E-A2CE3C99FB64}" type="pres">
-      <dgm:prSet presAssocID="{879F0040-391C-4D5C-92FF-336E0B65604D}" presName="tx1" presStyleLbl="revTx" presStyleIdx="1" presStyleCnt="4"/>
-      <dgm:spPr/>
-    </dgm:pt>
-    <dgm:pt modelId="{D0A501FC-5B75-492F-ADA1-CDDFC74F136F}" type="pres">
-      <dgm:prSet presAssocID="{879F0040-391C-4D5C-92FF-336E0B65604D}" presName="vert1" presStyleCnt="0"/>
-      <dgm:spPr/>
-    </dgm:pt>
-    <dgm:pt modelId="{142B6D18-19C5-467E-9728-F1D4B452A777}" type="pres">
-      <dgm:prSet presAssocID="{90D088F7-F5C7-4618-8744-F81A17C3CC91}" presName="thickLine" presStyleLbl="alignNode1" presStyleIdx="2" presStyleCnt="4"/>
-      <dgm:spPr/>
-    </dgm:pt>
-    <dgm:pt modelId="{DB983CAD-A9CE-4697-89F9-32890205DA42}" type="pres">
-      <dgm:prSet presAssocID="{90D088F7-F5C7-4618-8744-F81A17C3CC91}" presName="horz1" presStyleCnt="0"/>
-      <dgm:spPr/>
-    </dgm:pt>
-    <dgm:pt modelId="{C0A36620-F4CE-437A-A031-8E9BE4FF52FE}" type="pres">
-      <dgm:prSet presAssocID="{90D088F7-F5C7-4618-8744-F81A17C3CC91}" presName="tx1" presStyleLbl="revTx" presStyleIdx="2" presStyleCnt="4"/>
-      <dgm:spPr/>
-    </dgm:pt>
-    <dgm:pt modelId="{9ED5A53A-C4A6-495A-8818-3A33F1ED0CF9}" type="pres">
-      <dgm:prSet presAssocID="{90D088F7-F5C7-4618-8744-F81A17C3CC91}" presName="vert1" presStyleCnt="0"/>
-      <dgm:spPr/>
-    </dgm:pt>
-    <dgm:pt modelId="{4DDB9EC5-ADB2-4E47-9108-9700D557EC5E}" type="pres">
-      <dgm:prSet presAssocID="{2C5298F6-A493-4246-ACAB-D942090296F9}" presName="thickLine" presStyleLbl="alignNode1" presStyleIdx="3" presStyleCnt="4"/>
-      <dgm:spPr/>
-    </dgm:pt>
-    <dgm:pt modelId="{75C7550D-5241-4207-A42B-99774CC71780}" type="pres">
-      <dgm:prSet presAssocID="{2C5298F6-A493-4246-ACAB-D942090296F9}" presName="horz1" presStyleCnt="0"/>
-      <dgm:spPr/>
-    </dgm:pt>
-    <dgm:pt modelId="{D5FD4061-508C-4BF8-83B5-36E3FD7D3AFD}" type="pres">
-      <dgm:prSet presAssocID="{2C5298F6-A493-4246-ACAB-D942090296F9}" presName="tx1" presStyleLbl="revTx" presStyleIdx="3" presStyleCnt="4"/>
-      <dgm:spPr/>
-    </dgm:pt>
-    <dgm:pt modelId="{33062A29-B47A-489B-AA6D-D1F0CEA461E5}" type="pres">
-      <dgm:prSet presAssocID="{2C5298F6-A493-4246-ACAB-D942090296F9}" presName="vert1" presStyleCnt="0"/>
-      <dgm:spPr/>
-    </dgm:pt>
-  </dgm:ptLst>
-  <dgm:cxnLst>
-    <dgm:cxn modelId="{85BA841F-DD58-40AE-9698-4D2D0BB1DDA4}" type="presOf" srcId="{90D088F7-F5C7-4618-8744-F81A17C3CC91}" destId="{C0A36620-F4CE-437A-A031-8E9BE4FF52FE}" srcOrd="0" destOrd="0" presId="urn:microsoft.com/office/officeart/2008/layout/LinedList"/>
-    <dgm:cxn modelId="{A649DD2F-097C-4AAF-8066-17BEF661AA55}" srcId="{32B5D352-1E80-4ADC-8F34-2C7161DD8167}" destId="{90D088F7-F5C7-4618-8744-F81A17C3CC91}" srcOrd="2" destOrd="0" parTransId="{70311DEF-F328-417E-9BB4-524E6006E4A0}" sibTransId="{A77D9DD8-81F0-4503-8850-627C25C0CCD6}"/>
-    <dgm:cxn modelId="{599A303E-AA0E-4709-BA73-333F3CDAEFA5}" srcId="{32B5D352-1E80-4ADC-8F34-2C7161DD8167}" destId="{879F0040-391C-4D5C-92FF-336E0B65604D}" srcOrd="1" destOrd="0" parTransId="{36839EA4-E336-44B9-BA42-8DFDD097167C}" sibTransId="{2C492082-E31E-4D5A-B4F4-166CE9CC5CD2}"/>
-    <dgm:cxn modelId="{EB0CEC6D-E76B-4136-84BB-47D8B1FE6717}" srcId="{32B5D352-1E80-4ADC-8F34-2C7161DD8167}" destId="{2C5298F6-A493-4246-ACAB-D942090296F9}" srcOrd="3" destOrd="0" parTransId="{43C432C7-5C48-4CFE-BAA0-68DC65637E4F}" sibTransId="{57B842D4-01E8-4DA7-AE2A-21D0118EB1D3}"/>
-    <dgm:cxn modelId="{30916B59-3682-4BC2-ADF2-DD679E2828FA}" type="presOf" srcId="{879F0040-391C-4D5C-92FF-336E0B65604D}" destId="{58743392-BD0E-483B-AF4E-A2CE3C99FB64}" srcOrd="0" destOrd="0" presId="urn:microsoft.com/office/officeart/2008/layout/LinedList"/>
-    <dgm:cxn modelId="{2947379F-6650-48EC-9673-A23A9ED13785}" type="presOf" srcId="{71805F93-7F83-440E-B309-D34279A4B555}" destId="{71D5278C-C71C-439B-9C94-D2EFC93CF49E}" srcOrd="0" destOrd="0" presId="urn:microsoft.com/office/officeart/2008/layout/LinedList"/>
-    <dgm:cxn modelId="{683770CB-2F2D-4C95-A6D0-5D5F1CCA3856}" type="presOf" srcId="{32B5D352-1E80-4ADC-8F34-2C7161DD8167}" destId="{AA4194FF-7B33-4304-8EE1-AA3992B92C19}" srcOrd="0" destOrd="0" presId="urn:microsoft.com/office/officeart/2008/layout/LinedList"/>
-    <dgm:cxn modelId="{B27524E1-8068-4D07-8256-00F3055B8048}" type="presOf" srcId="{2C5298F6-A493-4246-ACAB-D942090296F9}" destId="{D5FD4061-508C-4BF8-83B5-36E3FD7D3AFD}" srcOrd="0" destOrd="0" presId="urn:microsoft.com/office/officeart/2008/layout/LinedList"/>
-    <dgm:cxn modelId="{29213BFC-A683-42B6-A00B-7206B21279C1}" srcId="{32B5D352-1E80-4ADC-8F34-2C7161DD8167}" destId="{71805F93-7F83-440E-B309-D34279A4B555}" srcOrd="0" destOrd="0" parTransId="{D33B0420-9B5A-4B4C-9BF1-58F9E2BCEF28}" sibTransId="{D6A24C5F-FDE7-4FAF-9557-65CF6EBD3A2D}"/>
-    <dgm:cxn modelId="{5627526D-CFD2-40F4-8272-60A7C68CF024}" type="presParOf" srcId="{AA4194FF-7B33-4304-8EE1-AA3992B92C19}" destId="{3B1956C2-D3BC-4B64-A547-FAAD60713C69}" srcOrd="0" destOrd="0" presId="urn:microsoft.com/office/officeart/2008/layout/LinedList"/>
-    <dgm:cxn modelId="{BF9EC0D2-0218-4928-A196-84EDC42C4518}" type="presParOf" srcId="{AA4194FF-7B33-4304-8EE1-AA3992B92C19}" destId="{D5A00DDD-DB7C-44FA-9BE4-9E0846C042E6}" srcOrd="1" destOrd="0" presId="urn:microsoft.com/office/officeart/2008/layout/LinedList"/>
-    <dgm:cxn modelId="{9D9E4031-DC96-4F00-9A92-D7337D55982C}" type="presParOf" srcId="{D5A00DDD-DB7C-44FA-9BE4-9E0846C042E6}" destId="{71D5278C-C71C-439B-9C94-D2EFC93CF49E}" srcOrd="0" destOrd="0" presId="urn:microsoft.com/office/officeart/2008/layout/LinedList"/>
-    <dgm:cxn modelId="{72D1F3D5-B373-4865-8AC2-07C6468C221F}" type="presParOf" srcId="{D5A00DDD-DB7C-44FA-9BE4-9E0846C042E6}" destId="{1583C4FA-4D04-48F6-A40A-40219B17840E}" srcOrd="1" destOrd="0" presId="urn:microsoft.com/office/officeart/2008/layout/LinedList"/>
-    <dgm:cxn modelId="{472921EE-CABE-43D3-8727-B2D1E9D5DFD6}" type="presParOf" srcId="{AA4194FF-7B33-4304-8EE1-AA3992B92C19}" destId="{007EE07B-AD66-431E-87AE-111305FF36CC}" srcOrd="2" destOrd="0" presId="urn:microsoft.com/office/officeart/2008/layout/LinedList"/>
-    <dgm:cxn modelId="{1DB6DED0-0121-4B4F-8884-280B33431CCC}" type="presParOf" srcId="{AA4194FF-7B33-4304-8EE1-AA3992B92C19}" destId="{A79395F3-85FF-4887-B8AD-02B59CADBCB3}" srcOrd="3" destOrd="0" presId="urn:microsoft.com/office/officeart/2008/layout/LinedList"/>
-    <dgm:cxn modelId="{34AE6A2B-3DA6-49C4-8303-0BF0446AE7D6}" type="presParOf" srcId="{A79395F3-85FF-4887-B8AD-02B59CADBCB3}" destId="{58743392-BD0E-483B-AF4E-A2CE3C99FB64}" srcOrd="0" destOrd="0" presId="urn:microsoft.com/office/officeart/2008/layout/LinedList"/>
-    <dgm:cxn modelId="{BD43AE03-7046-46D2-89AF-3C4D01F651CA}" type="presParOf" srcId="{A79395F3-85FF-4887-B8AD-02B59CADBCB3}" destId="{D0A501FC-5B75-492F-ADA1-CDDFC74F136F}" srcOrd="1" destOrd="0" presId="urn:microsoft.com/office/officeart/2008/layout/LinedList"/>
-    <dgm:cxn modelId="{98113063-CC77-474C-B386-6E8EB1B342FC}" type="presParOf" srcId="{AA4194FF-7B33-4304-8EE1-AA3992B92C19}" destId="{142B6D18-19C5-467E-9728-F1D4B452A777}" srcOrd="4" destOrd="0" presId="urn:microsoft.com/office/officeart/2008/layout/LinedList"/>
-    <dgm:cxn modelId="{50AD2144-886F-4D66-96CB-C71258A53619}" type="presParOf" srcId="{AA4194FF-7B33-4304-8EE1-AA3992B92C19}" destId="{DB983CAD-A9CE-4697-89F9-32890205DA42}" srcOrd="5" destOrd="0" presId="urn:microsoft.com/office/officeart/2008/layout/LinedList"/>
-    <dgm:cxn modelId="{CC5D5946-746B-40DC-B423-FC706951EB1D}" type="presParOf" srcId="{DB983CAD-A9CE-4697-89F9-32890205DA42}" destId="{C0A36620-F4CE-437A-A031-8E9BE4FF52FE}" srcOrd="0" destOrd="0" presId="urn:microsoft.com/office/officeart/2008/layout/LinedList"/>
-    <dgm:cxn modelId="{E90E057C-EA1A-4ABD-A6C5-C2F327E851EF}" type="presParOf" srcId="{DB983CAD-A9CE-4697-89F9-32890205DA42}" destId="{9ED5A53A-C4A6-495A-8818-3A33F1ED0CF9}" srcOrd="1" destOrd="0" presId="urn:microsoft.com/office/officeart/2008/layout/LinedList"/>
-    <dgm:cxn modelId="{E183E969-5E25-4E8C-8C7C-7142FE0681EA}" type="presParOf" srcId="{AA4194FF-7B33-4304-8EE1-AA3992B92C19}" destId="{4DDB9EC5-ADB2-4E47-9108-9700D557EC5E}" srcOrd="6" destOrd="0" presId="urn:microsoft.com/office/officeart/2008/layout/LinedList"/>
-    <dgm:cxn modelId="{4382583C-FA2C-4DAF-892B-02CD78F86AB0}" type="presParOf" srcId="{AA4194FF-7B33-4304-8EE1-AA3992B92C19}" destId="{75C7550D-5241-4207-A42B-99774CC71780}" srcOrd="7" destOrd="0" presId="urn:microsoft.com/office/officeart/2008/layout/LinedList"/>
-    <dgm:cxn modelId="{736A046A-2082-451B-9B25-1DB469BA7032}" type="presParOf" srcId="{75C7550D-5241-4207-A42B-99774CC71780}" destId="{D5FD4061-508C-4BF8-83B5-36E3FD7D3AFD}" srcOrd="0" destOrd="0" presId="urn:microsoft.com/office/officeart/2008/layout/LinedList"/>
-    <dgm:cxn modelId="{2A4C7D75-B6D5-4AC2-AD2A-D42DC73D7143}" type="presParOf" srcId="{75C7550D-5241-4207-A42B-99774CC71780}" destId="{33062A29-B47A-489B-AA6D-D1F0CEA461E5}" srcOrd="1" destOrd="0" presId="urn:microsoft.com/office/officeart/2008/layout/LinedList"/>
-  </dgm:cxnLst>
-  <dgm:bg/>
-  <dgm:whole/>
-  <dgm:extLst>
-    <a:ext uri="http://schemas.microsoft.com/office/drawing/2008/diagram">
-      <dsp:dataModelExt xmlns:dsp="http://schemas.microsoft.com/office/drawing/2008/diagram" relId="rId6" minVer="http://schemas.openxmlformats.org/drawingml/2006/diagram"/>
-    </a:ext>
-  </dgm:extLst>
-</dgm:dataModel>
-</file>
-
-<file path=ppt/diagrams/data2.xml><?xml version="1.0" encoding="utf-8"?>
 <dgm:dataModel xmlns:dgm="http://schemas.openxmlformats.org/drawingml/2006/diagram" xmlns:a="http://schemas.openxmlformats.org/drawingml/2006/main">
   <dgm:ptLst>
     <dgm:pt modelId="{32B5D352-1E80-4ADC-8F34-2C7161DD8167}" type="doc">
@@ -3341,7 +2295,7 @@
 </dgm:dataModel>
 </file>
 
-<file path=ppt/diagrams/data3.xml><?xml version="1.0" encoding="utf-8"?>
+<file path=ppt/diagrams/data2.xml><?xml version="1.0" encoding="utf-8"?>
 <dgm:dataModel xmlns:dgm="http://schemas.openxmlformats.org/drawingml/2006/diagram" xmlns:a="http://schemas.openxmlformats.org/drawingml/2006/main">
   <dgm:ptLst>
     <dgm:pt modelId="{32B5D352-1E80-4ADC-8F34-2C7161DD8167}" type="doc">
@@ -3695,486 +2649,6 @@
 </file>
 
 <file path=ppt/diagrams/drawing1.xml><?xml version="1.0" encoding="utf-8"?>
-<dsp:drawing xmlns:dgm="http://schemas.openxmlformats.org/drawingml/2006/diagram" xmlns:dsp="http://schemas.microsoft.com/office/drawing/2008/diagram" xmlns:a="http://schemas.openxmlformats.org/drawingml/2006/main">
-  <dsp:spTree>
-    <dsp:nvGrpSpPr>
-      <dsp:cNvPr id="0" name=""/>
-      <dsp:cNvGrpSpPr/>
-    </dsp:nvGrpSpPr>
-    <dsp:grpSpPr/>
-    <dsp:sp modelId="{3B1956C2-D3BC-4B64-A547-FAAD60713C69}">
-      <dsp:nvSpPr>
-        <dsp:cNvPr id="0" name=""/>
-        <dsp:cNvSpPr/>
-      </dsp:nvSpPr>
-      <dsp:spPr>
-        <a:xfrm>
-          <a:off x="0" y="0"/>
-          <a:ext cx="10515600" cy="0"/>
-        </a:xfrm>
-        <a:prstGeom prst="line">
-          <a:avLst/>
-        </a:prstGeom>
-        <a:solidFill>
-          <a:schemeClr val="accent1">
-            <a:hueOff val="0"/>
-            <a:satOff val="0"/>
-            <a:lumOff val="0"/>
-            <a:alphaOff val="0"/>
-          </a:schemeClr>
-        </a:solidFill>
-        <a:ln w="12700" cap="flat" cmpd="sng" algn="ctr">
-          <a:solidFill>
-            <a:schemeClr val="accent1">
-              <a:hueOff val="0"/>
-              <a:satOff val="0"/>
-              <a:lumOff val="0"/>
-              <a:alphaOff val="0"/>
-            </a:schemeClr>
-          </a:solidFill>
-          <a:prstDash val="solid"/>
-          <a:miter lim="800000"/>
-        </a:ln>
-        <a:effectLst/>
-      </dsp:spPr>
-      <dsp:style>
-        <a:lnRef idx="2">
-          <a:scrgbClr r="0" g="0" b="0"/>
-        </a:lnRef>
-        <a:fillRef idx="1">
-          <a:scrgbClr r="0" g="0" b="0"/>
-        </a:fillRef>
-        <a:effectRef idx="0">
-          <a:scrgbClr r="0" g="0" b="0"/>
-        </a:effectRef>
-        <a:fontRef idx="minor">
-          <a:schemeClr val="lt1"/>
-        </a:fontRef>
-      </dsp:style>
-    </dsp:sp>
-    <dsp:sp modelId="{71D5278C-C71C-439B-9C94-D2EFC93CF49E}">
-      <dsp:nvSpPr>
-        <dsp:cNvPr id="0" name=""/>
-        <dsp:cNvSpPr/>
-      </dsp:nvSpPr>
-      <dsp:spPr>
-        <a:xfrm>
-          <a:off x="0" y="0"/>
-          <a:ext cx="10515600" cy="776648"/>
-        </a:xfrm>
-        <a:prstGeom prst="rect">
-          <a:avLst/>
-        </a:prstGeom>
-        <a:noFill/>
-        <a:ln>
-          <a:noFill/>
-        </a:ln>
-        <a:effectLst/>
-      </dsp:spPr>
-      <dsp:style>
-        <a:lnRef idx="0">
-          <a:scrgbClr r="0" g="0" b="0"/>
-        </a:lnRef>
-        <a:fillRef idx="0">
-          <a:scrgbClr r="0" g="0" b="0"/>
-        </a:fillRef>
-        <a:effectRef idx="0">
-          <a:scrgbClr r="0" g="0" b="0"/>
-        </a:effectRef>
-        <a:fontRef idx="minor"/>
-      </dsp:style>
-      <dsp:txBody>
-        <a:bodyPr spcFirstLastPara="0" vert="horz" wrap="square" lIns="91440" tIns="91440" rIns="91440" bIns="91440" numCol="1" spcCol="1270" anchor="t" anchorCtr="0">
-          <a:noAutofit/>
-        </a:bodyPr>
-        <a:lstStyle/>
-        <a:p>
-          <a:pPr marL="0" lvl="0" indent="0" algn="l" defTabSz="1066800">
-            <a:lnSpc>
-              <a:spcPct val="90000"/>
-            </a:lnSpc>
-            <a:spcBef>
-              <a:spcPct val="0"/>
-            </a:spcBef>
-            <a:spcAft>
-              <a:spcPct val="35000"/>
-            </a:spcAft>
-            <a:buNone/>
-          </a:pPr>
-          <a:r>
-            <a:rPr lang="de-DE" sz="2400" kern="1200" dirty="0">
-              <a:sym typeface="Wingdings" panose="05000000000000000000" pitchFamily="2" charset="2"/>
-            </a:rPr>
-            <a:t> </a:t>
-          </a:r>
-          <a:r>
-            <a:rPr lang="de-DE" sz="2400" kern="1200" dirty="0"/>
-            <a:t>Vorliegende Daten sind Maschinen Daten aus der Produktion</a:t>
-          </a:r>
-          <a:endParaRPr lang="en-US" sz="2400" kern="1200" dirty="0"/>
-        </a:p>
-      </dsp:txBody>
-      <dsp:txXfrm>
-        <a:off x="0" y="0"/>
-        <a:ext cx="10515600" cy="776648"/>
-      </dsp:txXfrm>
-    </dsp:sp>
-    <dsp:sp modelId="{007EE07B-AD66-431E-87AE-111305FF36CC}">
-      <dsp:nvSpPr>
-        <dsp:cNvPr id="0" name=""/>
-        <dsp:cNvSpPr/>
-      </dsp:nvSpPr>
-      <dsp:spPr>
-        <a:xfrm>
-          <a:off x="0" y="776648"/>
-          <a:ext cx="10515600" cy="0"/>
-        </a:xfrm>
-        <a:prstGeom prst="line">
-          <a:avLst/>
-        </a:prstGeom>
-        <a:solidFill>
-          <a:schemeClr val="accent1">
-            <a:hueOff val="0"/>
-            <a:satOff val="0"/>
-            <a:lumOff val="0"/>
-            <a:alphaOff val="0"/>
-          </a:schemeClr>
-        </a:solidFill>
-        <a:ln w="12700" cap="flat" cmpd="sng" algn="ctr">
-          <a:solidFill>
-            <a:schemeClr val="accent1">
-              <a:hueOff val="0"/>
-              <a:satOff val="0"/>
-              <a:lumOff val="0"/>
-              <a:alphaOff val="0"/>
-            </a:schemeClr>
-          </a:solidFill>
-          <a:prstDash val="solid"/>
-          <a:miter lim="800000"/>
-        </a:ln>
-        <a:effectLst/>
-      </dsp:spPr>
-      <dsp:style>
-        <a:lnRef idx="2">
-          <a:scrgbClr r="0" g="0" b="0"/>
-        </a:lnRef>
-        <a:fillRef idx="1">
-          <a:scrgbClr r="0" g="0" b="0"/>
-        </a:fillRef>
-        <a:effectRef idx="0">
-          <a:scrgbClr r="0" g="0" b="0"/>
-        </a:effectRef>
-        <a:fontRef idx="minor">
-          <a:schemeClr val="lt1"/>
-        </a:fontRef>
-      </dsp:style>
-    </dsp:sp>
-    <dsp:sp modelId="{58743392-BD0E-483B-AF4E-A2CE3C99FB64}">
-      <dsp:nvSpPr>
-        <dsp:cNvPr id="0" name=""/>
-        <dsp:cNvSpPr/>
-      </dsp:nvSpPr>
-      <dsp:spPr>
-        <a:xfrm>
-          <a:off x="0" y="776648"/>
-          <a:ext cx="10515600" cy="776648"/>
-        </a:xfrm>
-        <a:prstGeom prst="rect">
-          <a:avLst/>
-        </a:prstGeom>
-        <a:noFill/>
-        <a:ln>
-          <a:noFill/>
-        </a:ln>
-        <a:effectLst/>
-      </dsp:spPr>
-      <dsp:style>
-        <a:lnRef idx="0">
-          <a:scrgbClr r="0" g="0" b="0"/>
-        </a:lnRef>
-        <a:fillRef idx="0">
-          <a:scrgbClr r="0" g="0" b="0"/>
-        </a:fillRef>
-        <a:effectRef idx="0">
-          <a:scrgbClr r="0" g="0" b="0"/>
-        </a:effectRef>
-        <a:fontRef idx="minor"/>
-      </dsp:style>
-      <dsp:txBody>
-        <a:bodyPr spcFirstLastPara="0" vert="horz" wrap="square" lIns="91440" tIns="91440" rIns="91440" bIns="91440" numCol="1" spcCol="1270" anchor="t" anchorCtr="0">
-          <a:noAutofit/>
-        </a:bodyPr>
-        <a:lstStyle/>
-        <a:p>
-          <a:pPr marL="0" lvl="0" indent="0" algn="l" defTabSz="1066800">
-            <a:lnSpc>
-              <a:spcPct val="90000"/>
-            </a:lnSpc>
-            <a:spcBef>
-              <a:spcPct val="0"/>
-            </a:spcBef>
-            <a:spcAft>
-              <a:spcPct val="35000"/>
-            </a:spcAft>
-            <a:buNone/>
-          </a:pPr>
-          <a:r>
-            <a:rPr lang="de-DE" sz="2400" kern="1200" dirty="0">
-              <a:sym typeface="Wingdings" panose="05000000000000000000" pitchFamily="2" charset="2"/>
-            </a:rPr>
-            <a:t> </a:t>
-          </a:r>
-          <a:r>
-            <a:rPr lang="de-DE" sz="2400" kern="1200" dirty="0"/>
-            <a:t>Datenbankeinträge sind Momentaufnahmen und wiederholen sich 5 Minuten</a:t>
-          </a:r>
-          <a:endParaRPr lang="en-US" sz="2400" kern="1200" dirty="0"/>
-        </a:p>
-      </dsp:txBody>
-      <dsp:txXfrm>
-        <a:off x="0" y="776648"/>
-        <a:ext cx="10515600" cy="776648"/>
-      </dsp:txXfrm>
-    </dsp:sp>
-    <dsp:sp modelId="{142B6D18-19C5-467E-9728-F1D4B452A777}">
-      <dsp:nvSpPr>
-        <dsp:cNvPr id="0" name=""/>
-        <dsp:cNvSpPr/>
-      </dsp:nvSpPr>
-      <dsp:spPr>
-        <a:xfrm>
-          <a:off x="0" y="1553296"/>
-          <a:ext cx="10515600" cy="0"/>
-        </a:xfrm>
-        <a:prstGeom prst="line">
-          <a:avLst/>
-        </a:prstGeom>
-        <a:solidFill>
-          <a:schemeClr val="accent1">
-            <a:hueOff val="0"/>
-            <a:satOff val="0"/>
-            <a:lumOff val="0"/>
-            <a:alphaOff val="0"/>
-          </a:schemeClr>
-        </a:solidFill>
-        <a:ln w="12700" cap="flat" cmpd="sng" algn="ctr">
-          <a:solidFill>
-            <a:schemeClr val="accent1">
-              <a:hueOff val="0"/>
-              <a:satOff val="0"/>
-              <a:lumOff val="0"/>
-              <a:alphaOff val="0"/>
-            </a:schemeClr>
-          </a:solidFill>
-          <a:prstDash val="solid"/>
-          <a:miter lim="800000"/>
-        </a:ln>
-        <a:effectLst/>
-      </dsp:spPr>
-      <dsp:style>
-        <a:lnRef idx="2">
-          <a:scrgbClr r="0" g="0" b="0"/>
-        </a:lnRef>
-        <a:fillRef idx="1">
-          <a:scrgbClr r="0" g="0" b="0"/>
-        </a:fillRef>
-        <a:effectRef idx="0">
-          <a:scrgbClr r="0" g="0" b="0"/>
-        </a:effectRef>
-        <a:fontRef idx="minor">
-          <a:schemeClr val="lt1"/>
-        </a:fontRef>
-      </dsp:style>
-    </dsp:sp>
-    <dsp:sp modelId="{C0A36620-F4CE-437A-A031-8E9BE4FF52FE}">
-      <dsp:nvSpPr>
-        <dsp:cNvPr id="0" name=""/>
-        <dsp:cNvSpPr/>
-      </dsp:nvSpPr>
-      <dsp:spPr>
-        <a:xfrm>
-          <a:off x="0" y="1553296"/>
-          <a:ext cx="10515600" cy="776648"/>
-        </a:xfrm>
-        <a:prstGeom prst="rect">
-          <a:avLst/>
-        </a:prstGeom>
-        <a:noFill/>
-        <a:ln>
-          <a:noFill/>
-        </a:ln>
-        <a:effectLst/>
-      </dsp:spPr>
-      <dsp:style>
-        <a:lnRef idx="0">
-          <a:scrgbClr r="0" g="0" b="0"/>
-        </a:lnRef>
-        <a:fillRef idx="0">
-          <a:scrgbClr r="0" g="0" b="0"/>
-        </a:fillRef>
-        <a:effectRef idx="0">
-          <a:scrgbClr r="0" g="0" b="0"/>
-        </a:effectRef>
-        <a:fontRef idx="minor"/>
-      </dsp:style>
-      <dsp:txBody>
-        <a:bodyPr spcFirstLastPara="0" vert="horz" wrap="square" lIns="91440" tIns="91440" rIns="91440" bIns="91440" numCol="1" spcCol="1270" anchor="t" anchorCtr="0">
-          <a:noAutofit/>
-        </a:bodyPr>
-        <a:lstStyle/>
-        <a:p>
-          <a:pPr marL="0" lvl="0" indent="0" algn="l" defTabSz="1066800">
-            <a:lnSpc>
-              <a:spcPct val="90000"/>
-            </a:lnSpc>
-            <a:spcBef>
-              <a:spcPct val="0"/>
-            </a:spcBef>
-            <a:spcAft>
-              <a:spcPct val="35000"/>
-            </a:spcAft>
-            <a:buNone/>
-          </a:pPr>
-          <a:r>
-            <a:rPr lang="de-DE" sz="2400" kern="1200" dirty="0">
-              <a:sym typeface="Wingdings" panose="05000000000000000000" pitchFamily="2" charset="2"/>
-            </a:rPr>
-            <a:t> </a:t>
-          </a:r>
-          <a:r>
-            <a:rPr lang="de-DE" sz="2400" kern="1200" dirty="0"/>
-            <a:t>Es sind Sensor Daten der Maschine vorhanden</a:t>
-          </a:r>
-          <a:endParaRPr lang="en-US" sz="2400" kern="1200" dirty="0"/>
-        </a:p>
-      </dsp:txBody>
-      <dsp:txXfrm>
-        <a:off x="0" y="1553296"/>
-        <a:ext cx="10515600" cy="776648"/>
-      </dsp:txXfrm>
-    </dsp:sp>
-    <dsp:sp modelId="{4DDB9EC5-ADB2-4E47-9108-9700D557EC5E}">
-      <dsp:nvSpPr>
-        <dsp:cNvPr id="0" name=""/>
-        <dsp:cNvSpPr/>
-      </dsp:nvSpPr>
-      <dsp:spPr>
-        <a:xfrm>
-          <a:off x="0" y="2329944"/>
-          <a:ext cx="10515600" cy="0"/>
-        </a:xfrm>
-        <a:prstGeom prst="line">
-          <a:avLst/>
-        </a:prstGeom>
-        <a:solidFill>
-          <a:schemeClr val="accent1">
-            <a:hueOff val="0"/>
-            <a:satOff val="0"/>
-            <a:lumOff val="0"/>
-            <a:alphaOff val="0"/>
-          </a:schemeClr>
-        </a:solidFill>
-        <a:ln w="12700" cap="flat" cmpd="sng" algn="ctr">
-          <a:solidFill>
-            <a:schemeClr val="accent1">
-              <a:hueOff val="0"/>
-              <a:satOff val="0"/>
-              <a:lumOff val="0"/>
-              <a:alphaOff val="0"/>
-            </a:schemeClr>
-          </a:solidFill>
-          <a:prstDash val="solid"/>
-          <a:miter lim="800000"/>
-        </a:ln>
-        <a:effectLst/>
-      </dsp:spPr>
-      <dsp:style>
-        <a:lnRef idx="2">
-          <a:scrgbClr r="0" g="0" b="0"/>
-        </a:lnRef>
-        <a:fillRef idx="1">
-          <a:scrgbClr r="0" g="0" b="0"/>
-        </a:fillRef>
-        <a:effectRef idx="0">
-          <a:scrgbClr r="0" g="0" b="0"/>
-        </a:effectRef>
-        <a:fontRef idx="minor">
-          <a:schemeClr val="lt1"/>
-        </a:fontRef>
-      </dsp:style>
-    </dsp:sp>
-    <dsp:sp modelId="{D5FD4061-508C-4BF8-83B5-36E3FD7D3AFD}">
-      <dsp:nvSpPr>
-        <dsp:cNvPr id="0" name=""/>
-        <dsp:cNvSpPr/>
-      </dsp:nvSpPr>
-      <dsp:spPr>
-        <a:xfrm>
-          <a:off x="0" y="2329944"/>
-          <a:ext cx="10515600" cy="776648"/>
-        </a:xfrm>
-        <a:prstGeom prst="rect">
-          <a:avLst/>
-        </a:prstGeom>
-        <a:noFill/>
-        <a:ln>
-          <a:noFill/>
-        </a:ln>
-        <a:effectLst/>
-      </dsp:spPr>
-      <dsp:style>
-        <a:lnRef idx="0">
-          <a:scrgbClr r="0" g="0" b="0"/>
-        </a:lnRef>
-        <a:fillRef idx="0">
-          <a:scrgbClr r="0" g="0" b="0"/>
-        </a:fillRef>
-        <a:effectRef idx="0">
-          <a:scrgbClr r="0" g="0" b="0"/>
-        </a:effectRef>
-        <a:fontRef idx="minor"/>
-      </dsp:style>
-      <dsp:txBody>
-        <a:bodyPr spcFirstLastPara="0" vert="horz" wrap="square" lIns="91440" tIns="91440" rIns="91440" bIns="91440" numCol="1" spcCol="1270" anchor="t" anchorCtr="0">
-          <a:noAutofit/>
-        </a:bodyPr>
-        <a:lstStyle/>
-        <a:p>
-          <a:pPr marL="0" lvl="0" indent="0" algn="l" defTabSz="1066800">
-            <a:lnSpc>
-              <a:spcPct val="90000"/>
-            </a:lnSpc>
-            <a:spcBef>
-              <a:spcPct val="0"/>
-            </a:spcBef>
-            <a:spcAft>
-              <a:spcPct val="35000"/>
-            </a:spcAft>
-            <a:buNone/>
-          </a:pPr>
-          <a:r>
-            <a:rPr lang="de-DE" sz="2400" kern="1200" dirty="0">
-              <a:sym typeface="Wingdings" panose="05000000000000000000" pitchFamily="2" charset="2"/>
-            </a:rPr>
-            <a:t> </a:t>
-          </a:r>
-          <a:r>
-            <a:rPr lang="de-DE" sz="2400" kern="1200" dirty="0"/>
-            <a:t>Es sind Log Files vorhanden zu den Codes der Ausfälle</a:t>
-          </a:r>
-          <a:endParaRPr lang="en-US" sz="2400" kern="1200" dirty="0"/>
-        </a:p>
-      </dsp:txBody>
-      <dsp:txXfrm>
-        <a:off x="0" y="2329944"/>
-        <a:ext cx="10515600" cy="776648"/>
-      </dsp:txXfrm>
-    </dsp:sp>
-  </dsp:spTree>
-</dsp:drawing>
-</file>
-
-<file path=ppt/diagrams/drawing2.xml><?xml version="1.0" encoding="utf-8"?>
 <dsp:drawing xmlns:dgm="http://schemas.openxmlformats.org/drawingml/2006/diagram" xmlns:dsp="http://schemas.microsoft.com/office/drawing/2008/diagram" xmlns:a="http://schemas.openxmlformats.org/drawingml/2006/main">
   <dsp:spTree>
     <dsp:nvGrpSpPr>
@@ -4745,7 +3219,7 @@
 </dsp:drawing>
 </file>
 
-<file path=ppt/diagrams/drawing3.xml><?xml version="1.0" encoding="utf-8"?>
+<file path=ppt/diagrams/drawing2.xml><?xml version="1.0" encoding="utf-8"?>
 <dsp:drawing xmlns:dgm="http://schemas.openxmlformats.org/drawingml/2006/diagram" xmlns:dsp="http://schemas.microsoft.com/office/drawing/2008/diagram" xmlns:a="http://schemas.openxmlformats.org/drawingml/2006/main">
   <dsp:spTree>
     <dsp:nvGrpSpPr>
@@ -6264,472 +4738,6 @@
 </dgm:layoutDef>
 </file>
 
-<file path=ppt/diagrams/layout3.xml><?xml version="1.0" encoding="utf-8"?>
-<dgm:layoutDef xmlns:dgm="http://schemas.openxmlformats.org/drawingml/2006/diagram" xmlns:a="http://schemas.openxmlformats.org/drawingml/2006/main" uniqueId="urn:microsoft.com/office/officeart/2008/layout/LinedList">
-  <dgm:title val=""/>
-  <dgm:desc val=""/>
-  <dgm:catLst>
-    <dgm:cat type="hierarchy" pri="8000"/>
-    <dgm:cat type="list" pri="2500"/>
-  </dgm:catLst>
-  <dgm:sampData>
-    <dgm:dataModel>
-      <dgm:ptLst>
-        <dgm:pt modelId="0" type="doc"/>
-        <dgm:pt modelId="1">
-          <dgm:prSet phldr="1"/>
-        </dgm:pt>
-        <dgm:pt modelId="11">
-          <dgm:prSet phldr="1"/>
-        </dgm:pt>
-        <dgm:pt modelId="12">
-          <dgm:prSet phldr="1"/>
-        </dgm:pt>
-        <dgm:pt modelId="13">
-          <dgm:prSet phldr="1"/>
-        </dgm:pt>
-      </dgm:ptLst>
-      <dgm:cxnLst>
-        <dgm:cxn modelId="2" srcId="0" destId="1" srcOrd="0" destOrd="0"/>
-        <dgm:cxn modelId="3" srcId="1" destId="11" srcOrd="0" destOrd="0"/>
-        <dgm:cxn modelId="4" srcId="1" destId="12" srcOrd="1" destOrd="0"/>
-        <dgm:cxn modelId="5" srcId="1" destId="13" srcOrd="2" destOrd="0"/>
-      </dgm:cxnLst>
-      <dgm:bg/>
-      <dgm:whole/>
-    </dgm:dataModel>
-  </dgm:sampData>
-  <dgm:styleData>
-    <dgm:dataModel>
-      <dgm:ptLst>
-        <dgm:pt modelId="0" type="doc"/>
-        <dgm:pt modelId="1">
-          <dgm:prSet phldr="1"/>
-        </dgm:pt>
-        <dgm:pt modelId="11">
-          <dgm:prSet phldr="1"/>
-        </dgm:pt>
-        <dgm:pt modelId="12">
-          <dgm:prSet phldr="1"/>
-        </dgm:pt>
-      </dgm:ptLst>
-      <dgm:cxnLst>
-        <dgm:cxn modelId="2" srcId="0" destId="1" srcOrd="0" destOrd="0"/>
-        <dgm:cxn modelId="3" srcId="1" destId="11" srcOrd="0" destOrd="0"/>
-        <dgm:cxn modelId="4" srcId="1" destId="12" srcOrd="1" destOrd="0"/>
-      </dgm:cxnLst>
-      <dgm:bg/>
-      <dgm:whole/>
-    </dgm:dataModel>
-  </dgm:styleData>
-  <dgm:clrData>
-    <dgm:dataModel>
-      <dgm:ptLst>
-        <dgm:pt modelId="0" type="doc"/>
-        <dgm:pt modelId="1">
-          <dgm:prSet phldr="1"/>
-        </dgm:pt>
-        <dgm:pt modelId="11">
-          <dgm:prSet phldr="1"/>
-        </dgm:pt>
-        <dgm:pt modelId="12">
-          <dgm:prSet phldr="1"/>
-        </dgm:pt>
-      </dgm:ptLst>
-      <dgm:cxnLst>
-        <dgm:cxn modelId="2" srcId="0" destId="1" srcOrd="0" destOrd="0"/>
-        <dgm:cxn modelId="3" srcId="1" destId="11" srcOrd="0" destOrd="0"/>
-        <dgm:cxn modelId="4" srcId="1" destId="12" srcOrd="1" destOrd="0"/>
-      </dgm:cxnLst>
-      <dgm:bg/>
-      <dgm:whole/>
-    </dgm:dataModel>
-  </dgm:clrData>
-  <dgm:layoutNode name="vert0">
-    <dgm:varLst>
-      <dgm:dir/>
-      <dgm:animOne val="branch"/>
-      <dgm:animLvl val="lvl"/>
-    </dgm:varLst>
-    <dgm:choose name="Name0">
-      <dgm:if name="Name1" func="var" arg="dir" op="equ" val="norm">
-        <dgm:alg type="lin">
-          <dgm:param type="linDir" val="fromT"/>
-          <dgm:param type="nodeHorzAlign" val="l"/>
-        </dgm:alg>
-      </dgm:if>
-      <dgm:else name="Name2">
-        <dgm:alg type="lin">
-          <dgm:param type="linDir" val="fromT"/>
-          <dgm:param type="nodeHorzAlign" val="r"/>
-        </dgm:alg>
-      </dgm:else>
-    </dgm:choose>
-    <dgm:shape xmlns:r="http://schemas.openxmlformats.org/officeDocument/2006/relationships" r:blip="">
-      <dgm:adjLst/>
-    </dgm:shape>
-    <dgm:presOf/>
-    <dgm:constrLst>
-      <dgm:constr type="w" for="ch" forName="horz1" refType="w"/>
-      <dgm:constr type="h" for="ch" forName="horz1" refType="h"/>
-      <dgm:constr type="h" for="des" forName="vert1" refType="h"/>
-      <dgm:constr type="h" for="des" forName="tx1" refType="h"/>
-      <dgm:constr type="h" for="des" forName="horz2" refType="h"/>
-      <dgm:constr type="h" for="des" forName="vert2" refType="h"/>
-      <dgm:constr type="h" for="des" forName="horz3" refType="h"/>
-      <dgm:constr type="h" for="des" forName="vert3" refType="h"/>
-      <dgm:constr type="h" for="des" forName="horz4" refType="h"/>
-      <dgm:constr type="h" for="des" ptType="node" refType="h"/>
-      <dgm:constr type="primFontSz" for="des" forName="tx1" op="equ" val="65"/>
-      <dgm:constr type="primFontSz" for="des" forName="tx2" op="equ" val="65"/>
-      <dgm:constr type="primFontSz" for="des" forName="tx3" op="equ" val="65"/>
-      <dgm:constr type="primFontSz" for="des" forName="tx4" op="equ" val="65"/>
-      <dgm:constr type="w" for="des" forName="thickLine" refType="w"/>
-      <dgm:constr type="h" for="des" forName="thickLine"/>
-      <dgm:constr type="h" for="des" forName="thinLine1"/>
-      <dgm:constr type="h" for="des" forName="thinLine2b"/>
-      <dgm:constr type="h" for="des" forName="thinLine3"/>
-      <dgm:constr type="h" for="des" forName="vertSpace2a" refType="h" fact="0.05"/>
-      <dgm:constr type="h" for="des" forName="vertSpace2b" refType="h" refFor="des" refForName="vertSpace2a"/>
-    </dgm:constrLst>
-    <dgm:forEach name="Name3" axis="ch" ptType="node">
-      <dgm:layoutNode name="thickLine" styleLbl="alignNode1">
-        <dgm:alg type="sp"/>
-        <dgm:shape xmlns:r="http://schemas.openxmlformats.org/officeDocument/2006/relationships" type="line" r:blip="">
-          <dgm:adjLst/>
-        </dgm:shape>
-        <dgm:presOf/>
-      </dgm:layoutNode>
-      <dgm:layoutNode name="horz1">
-        <dgm:choose name="Name4">
-          <dgm:if name="Name5" func="var" arg="dir" op="equ" val="norm">
-            <dgm:alg type="lin">
-              <dgm:param type="linDir" val="fromL"/>
-              <dgm:param type="nodeVertAlign" val="t"/>
-            </dgm:alg>
-          </dgm:if>
-          <dgm:else name="Name6">
-            <dgm:alg type="lin">
-              <dgm:param type="linDir" val="fromR"/>
-              <dgm:param type="nodeVertAlign" val="t"/>
-            </dgm:alg>
-          </dgm:else>
-        </dgm:choose>
-        <dgm:shape xmlns:r="http://schemas.openxmlformats.org/officeDocument/2006/relationships" r:blip="">
-          <dgm:adjLst/>
-        </dgm:shape>
-        <dgm:presOf/>
-        <dgm:choose name="Name7">
-          <dgm:if name="Name8" axis="root des" func="maxDepth" op="equ" val="1">
-            <dgm:constrLst>
-              <dgm:constr type="w" for="ch" forName="tx1" refType="w"/>
-            </dgm:constrLst>
-          </dgm:if>
-          <dgm:if name="Name9" axis="root des" func="maxDepth" op="equ" val="2">
-            <dgm:constrLst>
-              <dgm:constr type="w" for="ch" forName="tx1" refType="w" fact="0.2"/>
-              <dgm:constr type="w" for="des" forName="tx2" refType="w" fact="0.785"/>
-              <dgm:constr type="w" for="des" forName="horzSpace2" refType="w" fact="0.015"/>
-              <dgm:constr type="w" for="des" forName="thinLine2b" refType="w" fact="0.8"/>
-            </dgm:constrLst>
-          </dgm:if>
-          <dgm:if name="Name10" axis="root des" func="maxDepth" op="equ" val="3">
-            <dgm:constrLst>
-              <dgm:constr type="w" for="ch" forName="tx1" refType="w" fact="0.2"/>
-              <dgm:constr type="w" for="des" forName="tx2" refType="w" fact="0.385"/>
-              <dgm:constr type="w" for="des" forName="tx3" refType="w" fact="0.385"/>
-              <dgm:constr type="w" for="des" forName="horzSpace2" refType="w" fact="0.015"/>
-              <dgm:constr type="w" for="des" forName="horzSpace3" refType="w" fact="0.015"/>
-              <dgm:constr type="w" for="des" forName="thinLine2b" refType="w" fact="0.8"/>
-              <dgm:constr type="w" for="des" forName="thinLine3" refType="w" fact="0.385"/>
-            </dgm:constrLst>
-          </dgm:if>
-          <dgm:if name="Name11" axis="root des" func="maxDepth" op="gte" val="4">
-            <dgm:constrLst>
-              <dgm:constr type="w" for="ch" forName="tx1" refType="w" fact="0.2"/>
-              <dgm:constr type="w" for="des" forName="tx2" refType="w" fact="0.2516"/>
-              <dgm:constr type="w" for="des" forName="tx3" refType="w" fact="0.2516"/>
-              <dgm:constr type="w" for="des" forName="tx4" refType="w" fact="0.2516"/>
-              <dgm:constr type="w" for="des" forName="horzSpace2" refType="w" fact="0.015"/>
-              <dgm:constr type="w" for="des" forName="horzSpace3" refType="w" fact="0.015"/>
-              <dgm:constr type="w" for="des" forName="horzSpace4" refType="w" fact="0.015"/>
-              <dgm:constr type="w" for="des" forName="thinLine2b" refType="w" fact="0.8"/>
-              <dgm:constr type="w" for="des" forName="thinLine3" refType="w" fact="0.5332"/>
-            </dgm:constrLst>
-          </dgm:if>
-          <dgm:else name="Name12"/>
-        </dgm:choose>
-        <dgm:layoutNode name="tx1" styleLbl="revTx">
-          <dgm:alg type="tx">
-            <dgm:param type="parTxLTRAlign" val="l"/>
-            <dgm:param type="parTxRTLAlign" val="r"/>
-            <dgm:param type="txAnchorVert" val="t"/>
-          </dgm:alg>
-          <dgm:shape xmlns:r="http://schemas.openxmlformats.org/officeDocument/2006/relationships" type="rect" r:blip="">
-            <dgm:adjLst/>
-          </dgm:shape>
-          <dgm:presOf axis="self"/>
-          <dgm:constrLst>
-            <dgm:constr type="tMarg" refType="primFontSz" fact="0.3"/>
-            <dgm:constr type="bMarg" refType="primFontSz" fact="0.3"/>
-            <dgm:constr type="lMarg" refType="primFontSz" fact="0.3"/>
-            <dgm:constr type="rMarg" refType="primFontSz" fact="0.3"/>
-          </dgm:constrLst>
-          <dgm:ruleLst>
-            <dgm:rule type="primFontSz" val="5" fact="NaN" max="NaN"/>
-          </dgm:ruleLst>
-        </dgm:layoutNode>
-        <dgm:layoutNode name="vert1">
-          <dgm:choose name="Name13">
-            <dgm:if name="Name14" func="var" arg="dir" op="equ" val="norm">
-              <dgm:alg type="lin">
-                <dgm:param type="linDir" val="fromT"/>
-                <dgm:param type="nodeHorzAlign" val="l"/>
-              </dgm:alg>
-            </dgm:if>
-            <dgm:else name="Name15">
-              <dgm:alg type="lin">
-                <dgm:param type="linDir" val="fromT"/>
-                <dgm:param type="nodeHorzAlign" val="r"/>
-              </dgm:alg>
-            </dgm:else>
-          </dgm:choose>
-          <dgm:shape xmlns:r="http://schemas.openxmlformats.org/officeDocument/2006/relationships" r:blip="">
-            <dgm:adjLst/>
-          </dgm:shape>
-          <dgm:presOf/>
-          <dgm:forEach name="Name16" axis="ch" ptType="node">
-            <dgm:choose name="Name17">
-              <dgm:if name="Name18" axis="self" ptType="node" func="pos" op="equ" val="1">
-                <dgm:layoutNode name="vertSpace2a">
-                  <dgm:alg type="sp"/>
-                  <dgm:shape xmlns:r="http://schemas.openxmlformats.org/officeDocument/2006/relationships" r:blip="">
-                    <dgm:adjLst/>
-                  </dgm:shape>
-                  <dgm:presOf/>
-                </dgm:layoutNode>
-              </dgm:if>
-              <dgm:else name="Name19"/>
-            </dgm:choose>
-            <dgm:layoutNode name="horz2">
-              <dgm:choose name="Name20">
-                <dgm:if name="Name21" func="var" arg="dir" op="equ" val="norm">
-                  <dgm:alg type="lin">
-                    <dgm:param type="linDir" val="fromL"/>
-                    <dgm:param type="nodeVertAlign" val="t"/>
-                  </dgm:alg>
-                </dgm:if>
-                <dgm:else name="Name22">
-                  <dgm:alg type="lin">
-                    <dgm:param type="linDir" val="fromR"/>
-                    <dgm:param type="nodeVertAlign" val="t"/>
-                  </dgm:alg>
-                </dgm:else>
-              </dgm:choose>
-              <dgm:shape xmlns:r="http://schemas.openxmlformats.org/officeDocument/2006/relationships" r:blip="">
-                <dgm:adjLst/>
-              </dgm:shape>
-              <dgm:presOf/>
-              <dgm:layoutNode name="horzSpace2">
-                <dgm:alg type="sp"/>
-                <dgm:shape xmlns:r="http://schemas.openxmlformats.org/officeDocument/2006/relationships" r:blip="">
-                  <dgm:adjLst/>
-                </dgm:shape>
-                <dgm:presOf/>
-              </dgm:layoutNode>
-              <dgm:layoutNode name="tx2" styleLbl="revTx">
-                <dgm:alg type="tx">
-                  <dgm:param type="parTxLTRAlign" val="l"/>
-                  <dgm:param type="parTxRTLAlign" val="r"/>
-                  <dgm:param type="txAnchorVert" val="t"/>
-                </dgm:alg>
-                <dgm:shape xmlns:r="http://schemas.openxmlformats.org/officeDocument/2006/relationships" type="rect" r:blip="">
-                  <dgm:adjLst/>
-                </dgm:shape>
-                <dgm:presOf axis="self"/>
-                <dgm:constrLst>
-                  <dgm:constr type="tMarg" refType="primFontSz" fact="0.3"/>
-                  <dgm:constr type="bMarg" refType="primFontSz" fact="0.3"/>
-                  <dgm:constr type="lMarg" refType="primFontSz" fact="0.3"/>
-                  <dgm:constr type="rMarg" refType="primFontSz" fact="0.3"/>
-                </dgm:constrLst>
-                <dgm:ruleLst>
-                  <dgm:rule type="primFontSz" val="5" fact="NaN" max="NaN"/>
-                </dgm:ruleLst>
-              </dgm:layoutNode>
-              <dgm:layoutNode name="vert2">
-                <dgm:choose name="Name23">
-                  <dgm:if name="Name24" func="var" arg="dir" op="equ" val="norm">
-                    <dgm:alg type="lin">
-                      <dgm:param type="linDir" val="fromT"/>
-                      <dgm:param type="nodeHorzAlign" val="l"/>
-                    </dgm:alg>
-                  </dgm:if>
-                  <dgm:else name="Name25">
-                    <dgm:alg type="lin">
-                      <dgm:param type="linDir" val="fromT"/>
-                      <dgm:param type="nodeHorzAlign" val="r"/>
-                    </dgm:alg>
-                  </dgm:else>
-                </dgm:choose>
-                <dgm:shape xmlns:r="http://schemas.openxmlformats.org/officeDocument/2006/relationships" r:blip="">
-                  <dgm:adjLst/>
-                </dgm:shape>
-                <dgm:presOf/>
-                <dgm:forEach name="Name26" axis="ch" ptType="node">
-                  <dgm:layoutNode name="horz3">
-                    <dgm:choose name="Name27">
-                      <dgm:if name="Name28" func="var" arg="dir" op="equ" val="norm">
-                        <dgm:alg type="lin">
-                          <dgm:param type="linDir" val="fromL"/>
-                          <dgm:param type="nodeVertAlign" val="t"/>
-                        </dgm:alg>
-                      </dgm:if>
-                      <dgm:else name="Name29">
-                        <dgm:alg type="lin">
-                          <dgm:param type="linDir" val="fromR"/>
-                          <dgm:param type="nodeVertAlign" val="t"/>
-                        </dgm:alg>
-                      </dgm:else>
-                    </dgm:choose>
-                    <dgm:shape xmlns:r="http://schemas.openxmlformats.org/officeDocument/2006/relationships" r:blip="">
-                      <dgm:adjLst/>
-                    </dgm:shape>
-                    <dgm:presOf/>
-                    <dgm:layoutNode name="horzSpace3">
-                      <dgm:alg type="sp"/>
-                      <dgm:shape xmlns:r="http://schemas.openxmlformats.org/officeDocument/2006/relationships" r:blip="">
-                        <dgm:adjLst/>
-                      </dgm:shape>
-                      <dgm:presOf/>
-                    </dgm:layoutNode>
-                    <dgm:layoutNode name="tx3" styleLbl="revTx">
-                      <dgm:alg type="tx">
-                        <dgm:param type="parTxLTRAlign" val="l"/>
-                        <dgm:param type="parTxRTLAlign" val="r"/>
-                        <dgm:param type="txAnchorVert" val="t"/>
-                      </dgm:alg>
-                      <dgm:shape xmlns:r="http://schemas.openxmlformats.org/officeDocument/2006/relationships" type="rect" r:blip="">
-                        <dgm:adjLst/>
-                      </dgm:shape>
-                      <dgm:presOf axis="self"/>
-                      <dgm:constrLst>
-                        <dgm:constr type="tMarg" refType="primFontSz" fact="0.3"/>
-                        <dgm:constr type="bMarg" refType="primFontSz" fact="0.3"/>
-                        <dgm:constr type="lMarg" refType="primFontSz" fact="0.3"/>
-                        <dgm:constr type="rMarg" refType="primFontSz" fact="0.3"/>
-                      </dgm:constrLst>
-                      <dgm:ruleLst>
-                        <dgm:rule type="primFontSz" val="5" fact="NaN" max="NaN"/>
-                      </dgm:ruleLst>
-                    </dgm:layoutNode>
-                    <dgm:layoutNode name="vert3">
-                      <dgm:choose name="Name30">
-                        <dgm:if name="Name31" func="var" arg="dir" op="equ" val="norm">
-                          <dgm:alg type="lin">
-                            <dgm:param type="linDir" val="fromT"/>
-                            <dgm:param type="nodeHorzAlign" val="l"/>
-                          </dgm:alg>
-                        </dgm:if>
-                        <dgm:else name="Name32">
-                          <dgm:alg type="lin">
-                            <dgm:param type="linDir" val="fromT"/>
-                            <dgm:param type="nodeHorzAlign" val="r"/>
-                          </dgm:alg>
-                        </dgm:else>
-                      </dgm:choose>
-                      <dgm:shape xmlns:r="http://schemas.openxmlformats.org/officeDocument/2006/relationships" r:blip="">
-                        <dgm:adjLst/>
-                      </dgm:shape>
-                      <dgm:presOf/>
-                      <dgm:forEach name="Name33" axis="ch" ptType="node">
-                        <dgm:layoutNode name="horz4">
-                          <dgm:choose name="Name34">
-                            <dgm:if name="Name35" func="var" arg="dir" op="equ" val="norm">
-                              <dgm:alg type="lin">
-                                <dgm:param type="linDir" val="fromL"/>
-                                <dgm:param type="nodeVertAlign" val="t"/>
-                              </dgm:alg>
-                            </dgm:if>
-                            <dgm:else name="Name36">
-                              <dgm:alg type="lin">
-                                <dgm:param type="linDir" val="fromR"/>
-                                <dgm:param type="nodeVertAlign" val="t"/>
-                              </dgm:alg>
-                            </dgm:else>
-                          </dgm:choose>
-                          <dgm:shape xmlns:r="http://schemas.openxmlformats.org/officeDocument/2006/relationships" r:blip="">
-                            <dgm:adjLst/>
-                          </dgm:shape>
-                          <dgm:presOf/>
-                          <dgm:layoutNode name="horzSpace4">
-                            <dgm:alg type="sp"/>
-                            <dgm:shape xmlns:r="http://schemas.openxmlformats.org/officeDocument/2006/relationships" r:blip="">
-                              <dgm:adjLst/>
-                            </dgm:shape>
-                            <dgm:presOf/>
-                          </dgm:layoutNode>
-                          <dgm:layoutNode name="tx4" styleLbl="revTx">
-                            <dgm:varLst>
-                              <dgm:bulletEnabled val="1"/>
-                            </dgm:varLst>
-                            <dgm:alg type="tx">
-                              <dgm:param type="parTxLTRAlign" val="l"/>
-                              <dgm:param type="parTxRTLAlign" val="r"/>
-                              <dgm:param type="txAnchorVert" val="t"/>
-                            </dgm:alg>
-                            <dgm:shape xmlns:r="http://schemas.openxmlformats.org/officeDocument/2006/relationships" type="rect" r:blip="">
-                              <dgm:adjLst/>
-                            </dgm:shape>
-                            <dgm:presOf axis="desOrSelf" ptType="node"/>
-                            <dgm:constrLst>
-                              <dgm:constr type="tMarg" refType="primFontSz" fact="0.3"/>
-                              <dgm:constr type="bMarg" refType="primFontSz" fact="0.3"/>
-                              <dgm:constr type="lMarg" refType="primFontSz" fact="0.3"/>
-                              <dgm:constr type="rMarg" refType="primFontSz" fact="0.3"/>
-                            </dgm:constrLst>
-                            <dgm:ruleLst>
-                              <dgm:rule type="primFontSz" val="5" fact="NaN" max="NaN"/>
-                            </dgm:ruleLst>
-                          </dgm:layoutNode>
-                        </dgm:layoutNode>
-                      </dgm:forEach>
-                    </dgm:layoutNode>
-                  </dgm:layoutNode>
-                  <dgm:forEach name="Name37" axis="followSib" ptType="sibTrans" cnt="1">
-                    <dgm:layoutNode name="thinLine3" styleLbl="callout">
-                      <dgm:alg type="sp"/>
-                      <dgm:shape xmlns:r="http://schemas.openxmlformats.org/officeDocument/2006/relationships" type="line" r:blip="">
-                        <dgm:adjLst/>
-                      </dgm:shape>
-                      <dgm:presOf/>
-                    </dgm:layoutNode>
-                  </dgm:forEach>
-                </dgm:forEach>
-              </dgm:layoutNode>
-            </dgm:layoutNode>
-            <dgm:layoutNode name="thinLine2b" styleLbl="callout">
-              <dgm:alg type="sp"/>
-              <dgm:shape xmlns:r="http://schemas.openxmlformats.org/officeDocument/2006/relationships" type="line" r:blip="">
-                <dgm:adjLst/>
-              </dgm:shape>
-              <dgm:presOf/>
-            </dgm:layoutNode>
-            <dgm:layoutNode name="vertSpace2b">
-              <dgm:alg type="sp"/>
-              <dgm:shape xmlns:r="http://schemas.openxmlformats.org/officeDocument/2006/relationships" r:blip="">
-                <dgm:adjLst/>
-              </dgm:shape>
-              <dgm:presOf/>
-            </dgm:layoutNode>
-          </dgm:forEach>
-        </dgm:layoutNode>
-      </dgm:layoutNode>
-    </dgm:forEach>
-  </dgm:layoutNode>
-</dgm:layoutDef>
-</file>
-
 <file path=ppt/diagrams/quickStyle1.xml><?xml version="1.0" encoding="utf-8"?>
 <dgm:styleDef xmlns:dgm="http://schemas.openxmlformats.org/drawingml/2006/diagram" xmlns:a="http://schemas.openxmlformats.org/drawingml/2006/main" uniqueId="urn:microsoft.com/office/officeart/2005/8/quickstyle/simple1">
   <dgm:title val=""/>
@@ -7765,1040 +5773,6 @@
 </file>
 
 <file path=ppt/diagrams/quickStyle2.xml><?xml version="1.0" encoding="utf-8"?>
-<dgm:styleDef xmlns:dgm="http://schemas.openxmlformats.org/drawingml/2006/diagram" xmlns:a="http://schemas.openxmlformats.org/drawingml/2006/main" uniqueId="urn:microsoft.com/office/officeart/2005/8/quickstyle/simple1">
-  <dgm:title val=""/>
-  <dgm:desc val=""/>
-  <dgm:catLst>
-    <dgm:cat type="simple" pri="10100"/>
-  </dgm:catLst>
-  <dgm:scene3d>
-    <a:camera prst="orthographicFront"/>
-    <a:lightRig rig="threePt" dir="t"/>
-  </dgm:scene3d>
-  <dgm:styleLbl name="node0">
-    <dgm:scene3d>
-      <a:camera prst="orthographicFront"/>
-      <a:lightRig rig="threePt" dir="t"/>
-    </dgm:scene3d>
-    <dgm:sp3d/>
-    <dgm:txPr/>
-    <dgm:style>
-      <a:lnRef idx="2">
-        <a:scrgbClr r="0" g="0" b="0"/>
-      </a:lnRef>
-      <a:fillRef idx="1">
-        <a:scrgbClr r="0" g="0" b="0"/>
-      </a:fillRef>
-      <a:effectRef idx="0">
-        <a:scrgbClr r="0" g="0" b="0"/>
-      </a:effectRef>
-      <a:fontRef idx="minor">
-        <a:schemeClr val="lt1"/>
-      </a:fontRef>
-    </dgm:style>
-  </dgm:styleLbl>
-  <dgm:styleLbl name="lnNode1">
-    <dgm:scene3d>
-      <a:camera prst="orthographicFront"/>
-      <a:lightRig rig="threePt" dir="t"/>
-    </dgm:scene3d>
-    <dgm:sp3d/>
-    <dgm:txPr/>
-    <dgm:style>
-      <a:lnRef idx="2">
-        <a:scrgbClr r="0" g="0" b="0"/>
-      </a:lnRef>
-      <a:fillRef idx="1">
-        <a:scrgbClr r="0" g="0" b="0"/>
-      </a:fillRef>
-      <a:effectRef idx="0">
-        <a:scrgbClr r="0" g="0" b="0"/>
-      </a:effectRef>
-      <a:fontRef idx="minor">
-        <a:schemeClr val="lt1"/>
-      </a:fontRef>
-    </dgm:style>
-  </dgm:styleLbl>
-  <dgm:styleLbl name="vennNode1">
-    <dgm:scene3d>
-      <a:camera prst="orthographicFront"/>
-      <a:lightRig rig="threePt" dir="t"/>
-    </dgm:scene3d>
-    <dgm:sp3d/>
-    <dgm:txPr/>
-    <dgm:style>
-      <a:lnRef idx="2">
-        <a:scrgbClr r="0" g="0" b="0"/>
-      </a:lnRef>
-      <a:fillRef idx="1">
-        <a:scrgbClr r="0" g="0" b="0"/>
-      </a:fillRef>
-      <a:effectRef idx="0">
-        <a:scrgbClr r="0" g="0" b="0"/>
-      </a:effectRef>
-      <a:fontRef idx="minor">
-        <a:schemeClr val="tx1"/>
-      </a:fontRef>
-    </dgm:style>
-  </dgm:styleLbl>
-  <dgm:styleLbl name="alignNode1">
-    <dgm:scene3d>
-      <a:camera prst="orthographicFront"/>
-      <a:lightRig rig="threePt" dir="t"/>
-    </dgm:scene3d>
-    <dgm:sp3d/>
-    <dgm:txPr/>
-    <dgm:style>
-      <a:lnRef idx="2">
-        <a:scrgbClr r="0" g="0" b="0"/>
-      </a:lnRef>
-      <a:fillRef idx="1">
-        <a:scrgbClr r="0" g="0" b="0"/>
-      </a:fillRef>
-      <a:effectRef idx="0">
-        <a:scrgbClr r="0" g="0" b="0"/>
-      </a:effectRef>
-      <a:fontRef idx="minor">
-        <a:schemeClr val="lt1"/>
-      </a:fontRef>
-    </dgm:style>
-  </dgm:styleLbl>
-  <dgm:styleLbl name="node1">
-    <dgm:scene3d>
-      <a:camera prst="orthographicFront"/>
-      <a:lightRig rig="threePt" dir="t"/>
-    </dgm:scene3d>
-    <dgm:sp3d/>
-    <dgm:txPr/>
-    <dgm:style>
-      <a:lnRef idx="2">
-        <a:scrgbClr r="0" g="0" b="0"/>
-      </a:lnRef>
-      <a:fillRef idx="1">
-        <a:scrgbClr r="0" g="0" b="0"/>
-      </a:fillRef>
-      <a:effectRef idx="0">
-        <a:scrgbClr r="0" g="0" b="0"/>
-      </a:effectRef>
-      <a:fontRef idx="minor">
-        <a:schemeClr val="lt1"/>
-      </a:fontRef>
-    </dgm:style>
-  </dgm:styleLbl>
-  <dgm:styleLbl name="node2">
-    <dgm:scene3d>
-      <a:camera prst="orthographicFront"/>
-      <a:lightRig rig="threePt" dir="t"/>
-    </dgm:scene3d>
-    <dgm:sp3d/>
-    <dgm:txPr/>
-    <dgm:style>
-      <a:lnRef idx="2">
-        <a:scrgbClr r="0" g="0" b="0"/>
-      </a:lnRef>
-      <a:fillRef idx="1">
-        <a:scrgbClr r="0" g="0" b="0"/>
-      </a:fillRef>
-      <a:effectRef idx="0">
-        <a:scrgbClr r="0" g="0" b="0"/>
-      </a:effectRef>
-      <a:fontRef idx="minor">
-        <a:schemeClr val="lt1"/>
-      </a:fontRef>
-    </dgm:style>
-  </dgm:styleLbl>
-  <dgm:styleLbl name="node3">
-    <dgm:scene3d>
-      <a:camera prst="orthographicFront"/>
-      <a:lightRig rig="threePt" dir="t"/>
-    </dgm:scene3d>
-    <dgm:sp3d/>
-    <dgm:txPr/>
-    <dgm:style>
-      <a:lnRef idx="2">
-        <a:scrgbClr r="0" g="0" b="0"/>
-      </a:lnRef>
-      <a:fillRef idx="1">
-        <a:scrgbClr r="0" g="0" b="0"/>
-      </a:fillRef>
-      <a:effectRef idx="0">
-        <a:scrgbClr r="0" g="0" b="0"/>
-      </a:effectRef>
-      <a:fontRef idx="minor">
-        <a:schemeClr val="lt1"/>
-      </a:fontRef>
-    </dgm:style>
-  </dgm:styleLbl>
-  <dgm:styleLbl name="node4">
-    <dgm:scene3d>
-      <a:camera prst="orthographicFront"/>
-      <a:lightRig rig="threePt" dir="t"/>
-    </dgm:scene3d>
-    <dgm:sp3d/>
-    <dgm:txPr/>
-    <dgm:style>
-      <a:lnRef idx="2">
-        <a:scrgbClr r="0" g="0" b="0"/>
-      </a:lnRef>
-      <a:fillRef idx="1">
-        <a:scrgbClr r="0" g="0" b="0"/>
-      </a:fillRef>
-      <a:effectRef idx="0">
-        <a:scrgbClr r="0" g="0" b="0"/>
-      </a:effectRef>
-      <a:fontRef idx="minor">
-        <a:schemeClr val="lt1"/>
-      </a:fontRef>
-    </dgm:style>
-  </dgm:styleLbl>
-  <dgm:styleLbl name="fgImgPlace1">
-    <dgm:scene3d>
-      <a:camera prst="orthographicFront"/>
-      <a:lightRig rig="threePt" dir="t"/>
-    </dgm:scene3d>
-    <dgm:sp3d/>
-    <dgm:txPr/>
-    <dgm:style>
-      <a:lnRef idx="2">
-        <a:scrgbClr r="0" g="0" b="0"/>
-      </a:lnRef>
-      <a:fillRef idx="1">
-        <a:scrgbClr r="0" g="0" b="0"/>
-      </a:fillRef>
-      <a:effectRef idx="0">
-        <a:scrgbClr r="0" g="0" b="0"/>
-      </a:effectRef>
-      <a:fontRef idx="minor"/>
-    </dgm:style>
-  </dgm:styleLbl>
-  <dgm:styleLbl name="alignImgPlace1">
-    <dgm:scene3d>
-      <a:camera prst="orthographicFront"/>
-      <a:lightRig rig="threePt" dir="t"/>
-    </dgm:scene3d>
-    <dgm:sp3d/>
-    <dgm:txPr/>
-    <dgm:style>
-      <a:lnRef idx="2">
-        <a:scrgbClr r="0" g="0" b="0"/>
-      </a:lnRef>
-      <a:fillRef idx="1">
-        <a:scrgbClr r="0" g="0" b="0"/>
-      </a:fillRef>
-      <a:effectRef idx="0">
-        <a:scrgbClr r="0" g="0" b="0"/>
-      </a:effectRef>
-      <a:fontRef idx="minor"/>
-    </dgm:style>
-  </dgm:styleLbl>
-  <dgm:styleLbl name="bgImgPlace1">
-    <dgm:scene3d>
-      <a:camera prst="orthographicFront"/>
-      <a:lightRig rig="threePt" dir="t"/>
-    </dgm:scene3d>
-    <dgm:sp3d/>
-    <dgm:txPr/>
-    <dgm:style>
-      <a:lnRef idx="2">
-        <a:scrgbClr r="0" g="0" b="0"/>
-      </a:lnRef>
-      <a:fillRef idx="1">
-        <a:scrgbClr r="0" g="0" b="0"/>
-      </a:fillRef>
-      <a:effectRef idx="0">
-        <a:scrgbClr r="0" g="0" b="0"/>
-      </a:effectRef>
-      <a:fontRef idx="minor"/>
-    </dgm:style>
-  </dgm:styleLbl>
-  <dgm:styleLbl name="sibTrans2D1">
-    <dgm:scene3d>
-      <a:camera prst="orthographicFront"/>
-      <a:lightRig rig="threePt" dir="t"/>
-    </dgm:scene3d>
-    <dgm:sp3d/>
-    <dgm:txPr/>
-    <dgm:style>
-      <a:lnRef idx="0">
-        <a:scrgbClr r="0" g="0" b="0"/>
-      </a:lnRef>
-      <a:fillRef idx="1">
-        <a:scrgbClr r="0" g="0" b="0"/>
-      </a:fillRef>
-      <a:effectRef idx="0">
-        <a:scrgbClr r="0" g="0" b="0"/>
-      </a:effectRef>
-      <a:fontRef idx="minor">
-        <a:schemeClr val="lt1"/>
-      </a:fontRef>
-    </dgm:style>
-  </dgm:styleLbl>
-  <dgm:styleLbl name="fgSibTrans2D1">
-    <dgm:scene3d>
-      <a:camera prst="orthographicFront"/>
-      <a:lightRig rig="threePt" dir="t"/>
-    </dgm:scene3d>
-    <dgm:sp3d/>
-    <dgm:txPr/>
-    <dgm:style>
-      <a:lnRef idx="0">
-        <a:scrgbClr r="0" g="0" b="0"/>
-      </a:lnRef>
-      <a:fillRef idx="1">
-        <a:scrgbClr r="0" g="0" b="0"/>
-      </a:fillRef>
-      <a:effectRef idx="0">
-        <a:scrgbClr r="0" g="0" b="0"/>
-      </a:effectRef>
-      <a:fontRef idx="minor">
-        <a:schemeClr val="lt1"/>
-      </a:fontRef>
-    </dgm:style>
-  </dgm:styleLbl>
-  <dgm:styleLbl name="bgSibTrans2D1">
-    <dgm:scene3d>
-      <a:camera prst="orthographicFront"/>
-      <a:lightRig rig="threePt" dir="t"/>
-    </dgm:scene3d>
-    <dgm:sp3d/>
-    <dgm:txPr/>
-    <dgm:style>
-      <a:lnRef idx="0">
-        <a:scrgbClr r="0" g="0" b="0"/>
-      </a:lnRef>
-      <a:fillRef idx="1">
-        <a:scrgbClr r="0" g="0" b="0"/>
-      </a:fillRef>
-      <a:effectRef idx="0">
-        <a:scrgbClr r="0" g="0" b="0"/>
-      </a:effectRef>
-      <a:fontRef idx="minor">
-        <a:schemeClr val="lt1"/>
-      </a:fontRef>
-    </dgm:style>
-  </dgm:styleLbl>
-  <dgm:styleLbl name="sibTrans1D1">
-    <dgm:scene3d>
-      <a:camera prst="orthographicFront"/>
-      <a:lightRig rig="threePt" dir="t"/>
-    </dgm:scene3d>
-    <dgm:sp3d/>
-    <dgm:txPr/>
-    <dgm:style>
-      <a:lnRef idx="1">
-        <a:scrgbClr r="0" g="0" b="0"/>
-      </a:lnRef>
-      <a:fillRef idx="0">
-        <a:scrgbClr r="0" g="0" b="0"/>
-      </a:fillRef>
-      <a:effectRef idx="0">
-        <a:scrgbClr r="0" g="0" b="0"/>
-      </a:effectRef>
-      <a:fontRef idx="minor"/>
-    </dgm:style>
-  </dgm:styleLbl>
-  <dgm:styleLbl name="callout">
-    <dgm:scene3d>
-      <a:camera prst="orthographicFront"/>
-      <a:lightRig rig="threePt" dir="t"/>
-    </dgm:scene3d>
-    <dgm:sp3d/>
-    <dgm:txPr/>
-    <dgm:style>
-      <a:lnRef idx="2">
-        <a:scrgbClr r="0" g="0" b="0"/>
-      </a:lnRef>
-      <a:fillRef idx="1">
-        <a:scrgbClr r="0" g="0" b="0"/>
-      </a:fillRef>
-      <a:effectRef idx="0">
-        <a:scrgbClr r="0" g="0" b="0"/>
-      </a:effectRef>
-      <a:fontRef idx="minor"/>
-    </dgm:style>
-  </dgm:styleLbl>
-  <dgm:styleLbl name="asst0">
-    <dgm:scene3d>
-      <a:camera prst="orthographicFront"/>
-      <a:lightRig rig="threePt" dir="t"/>
-    </dgm:scene3d>
-    <dgm:sp3d/>
-    <dgm:txPr/>
-    <dgm:style>
-      <a:lnRef idx="2">
-        <a:scrgbClr r="0" g="0" b="0"/>
-      </a:lnRef>
-      <a:fillRef idx="1">
-        <a:scrgbClr r="0" g="0" b="0"/>
-      </a:fillRef>
-      <a:effectRef idx="0">
-        <a:scrgbClr r="0" g="0" b="0"/>
-      </a:effectRef>
-      <a:fontRef idx="minor">
-        <a:schemeClr val="lt1"/>
-      </a:fontRef>
-    </dgm:style>
-  </dgm:styleLbl>
-  <dgm:styleLbl name="asst1">
-    <dgm:scene3d>
-      <a:camera prst="orthographicFront"/>
-      <a:lightRig rig="threePt" dir="t"/>
-    </dgm:scene3d>
-    <dgm:sp3d/>
-    <dgm:txPr/>
-    <dgm:style>
-      <a:lnRef idx="2">
-        <a:scrgbClr r="0" g="0" b="0"/>
-      </a:lnRef>
-      <a:fillRef idx="1">
-        <a:scrgbClr r="0" g="0" b="0"/>
-      </a:fillRef>
-      <a:effectRef idx="0">
-        <a:scrgbClr r="0" g="0" b="0"/>
-      </a:effectRef>
-      <a:fontRef idx="minor">
-        <a:schemeClr val="lt1"/>
-      </a:fontRef>
-    </dgm:style>
-  </dgm:styleLbl>
-  <dgm:styleLbl name="asst2">
-    <dgm:scene3d>
-      <a:camera prst="orthographicFront"/>
-      <a:lightRig rig="threePt" dir="t"/>
-    </dgm:scene3d>
-    <dgm:sp3d/>
-    <dgm:txPr/>
-    <dgm:style>
-      <a:lnRef idx="2">
-        <a:scrgbClr r="0" g="0" b="0"/>
-      </a:lnRef>
-      <a:fillRef idx="1">
-        <a:scrgbClr r="0" g="0" b="0"/>
-      </a:fillRef>
-      <a:effectRef idx="0">
-        <a:scrgbClr r="0" g="0" b="0"/>
-      </a:effectRef>
-      <a:fontRef idx="minor">
-        <a:schemeClr val="lt1"/>
-      </a:fontRef>
-    </dgm:style>
-  </dgm:styleLbl>
-  <dgm:styleLbl name="asst3">
-    <dgm:scene3d>
-      <a:camera prst="orthographicFront"/>
-      <a:lightRig rig="threePt" dir="t"/>
-    </dgm:scene3d>
-    <dgm:sp3d/>
-    <dgm:txPr/>
-    <dgm:style>
-      <a:lnRef idx="2">
-        <a:scrgbClr r="0" g="0" b="0"/>
-      </a:lnRef>
-      <a:fillRef idx="1">
-        <a:scrgbClr r="0" g="0" b="0"/>
-      </a:fillRef>
-      <a:effectRef idx="0">
-        <a:scrgbClr r="0" g="0" b="0"/>
-      </a:effectRef>
-      <a:fontRef idx="minor">
-        <a:schemeClr val="lt1"/>
-      </a:fontRef>
-    </dgm:style>
-  </dgm:styleLbl>
-  <dgm:styleLbl name="asst4">
-    <dgm:scene3d>
-      <a:camera prst="orthographicFront"/>
-      <a:lightRig rig="threePt" dir="t"/>
-    </dgm:scene3d>
-    <dgm:sp3d/>
-    <dgm:txPr/>
-    <dgm:style>
-      <a:lnRef idx="2">
-        <a:scrgbClr r="0" g="0" b="0"/>
-      </a:lnRef>
-      <a:fillRef idx="1">
-        <a:scrgbClr r="0" g="0" b="0"/>
-      </a:fillRef>
-      <a:effectRef idx="0">
-        <a:scrgbClr r="0" g="0" b="0"/>
-      </a:effectRef>
-      <a:fontRef idx="minor">
-        <a:schemeClr val="lt1"/>
-      </a:fontRef>
-    </dgm:style>
-  </dgm:styleLbl>
-  <dgm:styleLbl name="parChTrans2D1">
-    <dgm:scene3d>
-      <a:camera prst="orthographicFront"/>
-      <a:lightRig rig="threePt" dir="t"/>
-    </dgm:scene3d>
-    <dgm:sp3d/>
-    <dgm:txPr/>
-    <dgm:style>
-      <a:lnRef idx="2">
-        <a:scrgbClr r="0" g="0" b="0"/>
-      </a:lnRef>
-      <a:fillRef idx="1">
-        <a:scrgbClr r="0" g="0" b="0"/>
-      </a:fillRef>
-      <a:effectRef idx="0">
-        <a:scrgbClr r="0" g="0" b="0"/>
-      </a:effectRef>
-      <a:fontRef idx="minor">
-        <a:schemeClr val="lt1"/>
-      </a:fontRef>
-    </dgm:style>
-  </dgm:styleLbl>
-  <dgm:styleLbl name="parChTrans2D2">
-    <dgm:scene3d>
-      <a:camera prst="orthographicFront"/>
-      <a:lightRig rig="threePt" dir="t"/>
-    </dgm:scene3d>
-    <dgm:sp3d/>
-    <dgm:txPr/>
-    <dgm:style>
-      <a:lnRef idx="2">
-        <a:scrgbClr r="0" g="0" b="0"/>
-      </a:lnRef>
-      <a:fillRef idx="1">
-        <a:scrgbClr r="0" g="0" b="0"/>
-      </a:fillRef>
-      <a:effectRef idx="0">
-        <a:scrgbClr r="0" g="0" b="0"/>
-      </a:effectRef>
-      <a:fontRef idx="minor">
-        <a:schemeClr val="lt1"/>
-      </a:fontRef>
-    </dgm:style>
-  </dgm:styleLbl>
-  <dgm:styleLbl name="parChTrans2D3">
-    <dgm:scene3d>
-      <a:camera prst="orthographicFront"/>
-      <a:lightRig rig="threePt" dir="t"/>
-    </dgm:scene3d>
-    <dgm:sp3d/>
-    <dgm:txPr/>
-    <dgm:style>
-      <a:lnRef idx="2">
-        <a:scrgbClr r="0" g="0" b="0"/>
-      </a:lnRef>
-      <a:fillRef idx="1">
-        <a:scrgbClr r="0" g="0" b="0"/>
-      </a:fillRef>
-      <a:effectRef idx="0">
-        <a:scrgbClr r="0" g="0" b="0"/>
-      </a:effectRef>
-      <a:fontRef idx="minor">
-        <a:schemeClr val="lt1"/>
-      </a:fontRef>
-    </dgm:style>
-  </dgm:styleLbl>
-  <dgm:styleLbl name="parChTrans2D4">
-    <dgm:scene3d>
-      <a:camera prst="orthographicFront"/>
-      <a:lightRig rig="threePt" dir="t"/>
-    </dgm:scene3d>
-    <dgm:sp3d/>
-    <dgm:txPr/>
-    <dgm:style>
-      <a:lnRef idx="2">
-        <a:scrgbClr r="0" g="0" b="0"/>
-      </a:lnRef>
-      <a:fillRef idx="1">
-        <a:scrgbClr r="0" g="0" b="0"/>
-      </a:fillRef>
-      <a:effectRef idx="0">
-        <a:scrgbClr r="0" g="0" b="0"/>
-      </a:effectRef>
-      <a:fontRef idx="minor">
-        <a:schemeClr val="lt1"/>
-      </a:fontRef>
-    </dgm:style>
-  </dgm:styleLbl>
-  <dgm:styleLbl name="parChTrans1D1">
-    <dgm:scene3d>
-      <a:camera prst="orthographicFront"/>
-      <a:lightRig rig="threePt" dir="t"/>
-    </dgm:scene3d>
-    <dgm:sp3d/>
-    <dgm:txPr/>
-    <dgm:style>
-      <a:lnRef idx="2">
-        <a:scrgbClr r="0" g="0" b="0"/>
-      </a:lnRef>
-      <a:fillRef idx="0">
-        <a:scrgbClr r="0" g="0" b="0"/>
-      </a:fillRef>
-      <a:effectRef idx="0">
-        <a:scrgbClr r="0" g="0" b="0"/>
-      </a:effectRef>
-      <a:fontRef idx="minor"/>
-    </dgm:style>
-  </dgm:styleLbl>
-  <dgm:styleLbl name="parChTrans1D2">
-    <dgm:scene3d>
-      <a:camera prst="orthographicFront"/>
-      <a:lightRig rig="threePt" dir="t"/>
-    </dgm:scene3d>
-    <dgm:sp3d/>
-    <dgm:txPr/>
-    <dgm:style>
-      <a:lnRef idx="2">
-        <a:scrgbClr r="0" g="0" b="0"/>
-      </a:lnRef>
-      <a:fillRef idx="0">
-        <a:scrgbClr r="0" g="0" b="0"/>
-      </a:fillRef>
-      <a:effectRef idx="0">
-        <a:scrgbClr r="0" g="0" b="0"/>
-      </a:effectRef>
-      <a:fontRef idx="minor"/>
-    </dgm:style>
-  </dgm:styleLbl>
-  <dgm:styleLbl name="parChTrans1D3">
-    <dgm:scene3d>
-      <a:camera prst="orthographicFront"/>
-      <a:lightRig rig="threePt" dir="t"/>
-    </dgm:scene3d>
-    <dgm:sp3d/>
-    <dgm:txPr/>
-    <dgm:style>
-      <a:lnRef idx="2">
-        <a:scrgbClr r="0" g="0" b="0"/>
-      </a:lnRef>
-      <a:fillRef idx="0">
-        <a:scrgbClr r="0" g="0" b="0"/>
-      </a:fillRef>
-      <a:effectRef idx="0">
-        <a:scrgbClr r="0" g="0" b="0"/>
-      </a:effectRef>
-      <a:fontRef idx="minor"/>
-    </dgm:style>
-  </dgm:styleLbl>
-  <dgm:styleLbl name="parChTrans1D4">
-    <dgm:scene3d>
-      <a:camera prst="orthographicFront"/>
-      <a:lightRig rig="threePt" dir="t"/>
-    </dgm:scene3d>
-    <dgm:sp3d/>
-    <dgm:txPr/>
-    <dgm:style>
-      <a:lnRef idx="2">
-        <a:scrgbClr r="0" g="0" b="0"/>
-      </a:lnRef>
-      <a:fillRef idx="0">
-        <a:scrgbClr r="0" g="0" b="0"/>
-      </a:fillRef>
-      <a:effectRef idx="0">
-        <a:scrgbClr r="0" g="0" b="0"/>
-      </a:effectRef>
-      <a:fontRef idx="minor"/>
-    </dgm:style>
-  </dgm:styleLbl>
-  <dgm:styleLbl name="fgAcc1">
-    <dgm:scene3d>
-      <a:camera prst="orthographicFront"/>
-      <a:lightRig rig="threePt" dir="t"/>
-    </dgm:scene3d>
-    <dgm:sp3d/>
-    <dgm:txPr/>
-    <dgm:style>
-      <a:lnRef idx="2">
-        <a:scrgbClr r="0" g="0" b="0"/>
-      </a:lnRef>
-      <a:fillRef idx="1">
-        <a:scrgbClr r="0" g="0" b="0"/>
-      </a:fillRef>
-      <a:effectRef idx="0">
-        <a:scrgbClr r="0" g="0" b="0"/>
-      </a:effectRef>
-      <a:fontRef idx="minor"/>
-    </dgm:style>
-  </dgm:styleLbl>
-  <dgm:styleLbl name="conFgAcc1">
-    <dgm:scene3d>
-      <a:camera prst="orthographicFront"/>
-      <a:lightRig rig="threePt" dir="t"/>
-    </dgm:scene3d>
-    <dgm:sp3d/>
-    <dgm:txPr/>
-    <dgm:style>
-      <a:lnRef idx="2">
-        <a:scrgbClr r="0" g="0" b="0"/>
-      </a:lnRef>
-      <a:fillRef idx="1">
-        <a:scrgbClr r="0" g="0" b="0"/>
-      </a:fillRef>
-      <a:effectRef idx="0">
-        <a:scrgbClr r="0" g="0" b="0"/>
-      </a:effectRef>
-      <a:fontRef idx="minor"/>
-    </dgm:style>
-  </dgm:styleLbl>
-  <dgm:styleLbl name="alignAcc1">
-    <dgm:scene3d>
-      <a:camera prst="orthographicFront"/>
-      <a:lightRig rig="threePt" dir="t"/>
-    </dgm:scene3d>
-    <dgm:sp3d/>
-    <dgm:txPr/>
-    <dgm:style>
-      <a:lnRef idx="2">
-        <a:scrgbClr r="0" g="0" b="0"/>
-      </a:lnRef>
-      <a:fillRef idx="1">
-        <a:scrgbClr r="0" g="0" b="0"/>
-      </a:fillRef>
-      <a:effectRef idx="0">
-        <a:scrgbClr r="0" g="0" b="0"/>
-      </a:effectRef>
-      <a:fontRef idx="minor"/>
-    </dgm:style>
-  </dgm:styleLbl>
-  <dgm:styleLbl name="trAlignAcc1">
-    <dgm:scene3d>
-      <a:camera prst="orthographicFront"/>
-      <a:lightRig rig="threePt" dir="t"/>
-    </dgm:scene3d>
-    <dgm:sp3d/>
-    <dgm:txPr/>
-    <dgm:style>
-      <a:lnRef idx="1">
-        <a:scrgbClr r="0" g="0" b="0"/>
-      </a:lnRef>
-      <a:fillRef idx="1">
-        <a:scrgbClr r="0" g="0" b="0"/>
-      </a:fillRef>
-      <a:effectRef idx="0">
-        <a:scrgbClr r="0" g="0" b="0"/>
-      </a:effectRef>
-      <a:fontRef idx="minor"/>
-    </dgm:style>
-  </dgm:styleLbl>
-  <dgm:styleLbl name="bgAcc1">
-    <dgm:scene3d>
-      <a:camera prst="orthographicFront"/>
-      <a:lightRig rig="threePt" dir="t"/>
-    </dgm:scene3d>
-    <dgm:sp3d/>
-    <dgm:txPr/>
-    <dgm:style>
-      <a:lnRef idx="2">
-        <a:scrgbClr r="0" g="0" b="0"/>
-      </a:lnRef>
-      <a:fillRef idx="1">
-        <a:scrgbClr r="0" g="0" b="0"/>
-      </a:fillRef>
-      <a:effectRef idx="0">
-        <a:scrgbClr r="0" g="0" b="0"/>
-      </a:effectRef>
-      <a:fontRef idx="minor"/>
-    </dgm:style>
-  </dgm:styleLbl>
-  <dgm:styleLbl name="solidFgAcc1">
-    <dgm:scene3d>
-      <a:camera prst="orthographicFront"/>
-      <a:lightRig rig="threePt" dir="t"/>
-    </dgm:scene3d>
-    <dgm:sp3d/>
-    <dgm:txPr/>
-    <dgm:style>
-      <a:lnRef idx="2">
-        <a:scrgbClr r="0" g="0" b="0"/>
-      </a:lnRef>
-      <a:fillRef idx="1">
-        <a:scrgbClr r="0" g="0" b="0"/>
-      </a:fillRef>
-      <a:effectRef idx="0">
-        <a:scrgbClr r="0" g="0" b="0"/>
-      </a:effectRef>
-      <a:fontRef idx="minor"/>
-    </dgm:style>
-  </dgm:styleLbl>
-  <dgm:styleLbl name="solidAlignAcc1">
-    <dgm:scene3d>
-      <a:camera prst="orthographicFront"/>
-      <a:lightRig rig="threePt" dir="t"/>
-    </dgm:scene3d>
-    <dgm:sp3d/>
-    <dgm:txPr/>
-    <dgm:style>
-      <a:lnRef idx="2">
-        <a:scrgbClr r="0" g="0" b="0"/>
-      </a:lnRef>
-      <a:fillRef idx="1">
-        <a:scrgbClr r="0" g="0" b="0"/>
-      </a:fillRef>
-      <a:effectRef idx="0">
-        <a:scrgbClr r="0" g="0" b="0"/>
-      </a:effectRef>
-      <a:fontRef idx="minor"/>
-    </dgm:style>
-  </dgm:styleLbl>
-  <dgm:styleLbl name="solidBgAcc1">
-    <dgm:scene3d>
-      <a:camera prst="orthographicFront"/>
-      <a:lightRig rig="threePt" dir="t"/>
-    </dgm:scene3d>
-    <dgm:sp3d/>
-    <dgm:txPr/>
-    <dgm:style>
-      <a:lnRef idx="2">
-        <a:scrgbClr r="0" g="0" b="0"/>
-      </a:lnRef>
-      <a:fillRef idx="1">
-        <a:scrgbClr r="0" g="0" b="0"/>
-      </a:fillRef>
-      <a:effectRef idx="0">
-        <a:scrgbClr r="0" g="0" b="0"/>
-      </a:effectRef>
-      <a:fontRef idx="minor"/>
-    </dgm:style>
-  </dgm:styleLbl>
-  <dgm:styleLbl name="fgAccFollowNode1">
-    <dgm:scene3d>
-      <a:camera prst="orthographicFront"/>
-      <a:lightRig rig="threePt" dir="t"/>
-    </dgm:scene3d>
-    <dgm:sp3d/>
-    <dgm:txPr/>
-    <dgm:style>
-      <a:lnRef idx="2">
-        <a:scrgbClr r="0" g="0" b="0"/>
-      </a:lnRef>
-      <a:fillRef idx="1">
-        <a:scrgbClr r="0" g="0" b="0"/>
-      </a:fillRef>
-      <a:effectRef idx="0">
-        <a:scrgbClr r="0" g="0" b="0"/>
-      </a:effectRef>
-      <a:fontRef idx="minor"/>
-    </dgm:style>
-  </dgm:styleLbl>
-  <dgm:styleLbl name="alignAccFollowNode1">
-    <dgm:scene3d>
-      <a:camera prst="orthographicFront"/>
-      <a:lightRig rig="threePt" dir="t"/>
-    </dgm:scene3d>
-    <dgm:sp3d/>
-    <dgm:txPr/>
-    <dgm:style>
-      <a:lnRef idx="2">
-        <a:scrgbClr r="0" g="0" b="0"/>
-      </a:lnRef>
-      <a:fillRef idx="1">
-        <a:scrgbClr r="0" g="0" b="0"/>
-      </a:fillRef>
-      <a:effectRef idx="0">
-        <a:scrgbClr r="0" g="0" b="0"/>
-      </a:effectRef>
-      <a:fontRef idx="minor"/>
-    </dgm:style>
-  </dgm:styleLbl>
-  <dgm:styleLbl name="bgAccFollowNode1">
-    <dgm:scene3d>
-      <a:camera prst="orthographicFront"/>
-      <a:lightRig rig="threePt" dir="t"/>
-    </dgm:scene3d>
-    <dgm:sp3d/>
-    <dgm:txPr/>
-    <dgm:style>
-      <a:lnRef idx="2">
-        <a:scrgbClr r="0" g="0" b="0"/>
-      </a:lnRef>
-      <a:fillRef idx="1">
-        <a:scrgbClr r="0" g="0" b="0"/>
-      </a:fillRef>
-      <a:effectRef idx="0">
-        <a:scrgbClr r="0" g="0" b="0"/>
-      </a:effectRef>
-      <a:fontRef idx="minor"/>
-    </dgm:style>
-  </dgm:styleLbl>
-  <dgm:styleLbl name="fgAcc0">
-    <dgm:scene3d>
-      <a:camera prst="orthographicFront"/>
-      <a:lightRig rig="threePt" dir="t"/>
-    </dgm:scene3d>
-    <dgm:sp3d/>
-    <dgm:txPr/>
-    <dgm:style>
-      <a:lnRef idx="2">
-        <a:scrgbClr r="0" g="0" b="0"/>
-      </a:lnRef>
-      <a:fillRef idx="1">
-        <a:scrgbClr r="0" g="0" b="0"/>
-      </a:fillRef>
-      <a:effectRef idx="0">
-        <a:scrgbClr r="0" g="0" b="0"/>
-      </a:effectRef>
-      <a:fontRef idx="minor"/>
-    </dgm:style>
-  </dgm:styleLbl>
-  <dgm:styleLbl name="fgAcc2">
-    <dgm:scene3d>
-      <a:camera prst="orthographicFront"/>
-      <a:lightRig rig="threePt" dir="t"/>
-    </dgm:scene3d>
-    <dgm:sp3d/>
-    <dgm:txPr/>
-    <dgm:style>
-      <a:lnRef idx="2">
-        <a:scrgbClr r="0" g="0" b="0"/>
-      </a:lnRef>
-      <a:fillRef idx="1">
-        <a:scrgbClr r="0" g="0" b="0"/>
-      </a:fillRef>
-      <a:effectRef idx="0">
-        <a:scrgbClr r="0" g="0" b="0"/>
-      </a:effectRef>
-      <a:fontRef idx="minor"/>
-    </dgm:style>
-  </dgm:styleLbl>
-  <dgm:styleLbl name="fgAcc3">
-    <dgm:scene3d>
-      <a:camera prst="orthographicFront"/>
-      <a:lightRig rig="threePt" dir="t"/>
-    </dgm:scene3d>
-    <dgm:sp3d/>
-    <dgm:txPr/>
-    <dgm:style>
-      <a:lnRef idx="2">
-        <a:scrgbClr r="0" g="0" b="0"/>
-      </a:lnRef>
-      <a:fillRef idx="1">
-        <a:scrgbClr r="0" g="0" b="0"/>
-      </a:fillRef>
-      <a:effectRef idx="0">
-        <a:scrgbClr r="0" g="0" b="0"/>
-      </a:effectRef>
-      <a:fontRef idx="minor"/>
-    </dgm:style>
-  </dgm:styleLbl>
-  <dgm:styleLbl name="fgAcc4">
-    <dgm:scene3d>
-      <a:camera prst="orthographicFront"/>
-      <a:lightRig rig="threePt" dir="t"/>
-    </dgm:scene3d>
-    <dgm:sp3d/>
-    <dgm:txPr/>
-    <dgm:style>
-      <a:lnRef idx="2">
-        <a:scrgbClr r="0" g="0" b="0"/>
-      </a:lnRef>
-      <a:fillRef idx="1">
-        <a:scrgbClr r="0" g="0" b="0"/>
-      </a:fillRef>
-      <a:effectRef idx="0">
-        <a:scrgbClr r="0" g="0" b="0"/>
-      </a:effectRef>
-      <a:fontRef idx="minor"/>
-    </dgm:style>
-  </dgm:styleLbl>
-  <dgm:styleLbl name="bgShp">
-    <dgm:scene3d>
-      <a:camera prst="orthographicFront"/>
-      <a:lightRig rig="threePt" dir="t"/>
-    </dgm:scene3d>
-    <dgm:sp3d/>
-    <dgm:txPr/>
-    <dgm:style>
-      <a:lnRef idx="0">
-        <a:scrgbClr r="0" g="0" b="0"/>
-      </a:lnRef>
-      <a:fillRef idx="1">
-        <a:scrgbClr r="0" g="0" b="0"/>
-      </a:fillRef>
-      <a:effectRef idx="0">
-        <a:scrgbClr r="0" g="0" b="0"/>
-      </a:effectRef>
-      <a:fontRef idx="minor"/>
-    </dgm:style>
-  </dgm:styleLbl>
-  <dgm:styleLbl name="dkBgShp">
-    <dgm:scene3d>
-      <a:camera prst="orthographicFront"/>
-      <a:lightRig rig="threePt" dir="t"/>
-    </dgm:scene3d>
-    <dgm:sp3d/>
-    <dgm:txPr/>
-    <dgm:style>
-      <a:lnRef idx="0">
-        <a:scrgbClr r="0" g="0" b="0"/>
-      </a:lnRef>
-      <a:fillRef idx="1">
-        <a:scrgbClr r="0" g="0" b="0"/>
-      </a:fillRef>
-      <a:effectRef idx="0">
-        <a:scrgbClr r="0" g="0" b="0"/>
-      </a:effectRef>
-      <a:fontRef idx="minor"/>
-    </dgm:style>
-  </dgm:styleLbl>
-  <dgm:styleLbl name="trBgShp">
-    <dgm:scene3d>
-      <a:camera prst="orthographicFront"/>
-      <a:lightRig rig="threePt" dir="t"/>
-    </dgm:scene3d>
-    <dgm:sp3d/>
-    <dgm:txPr/>
-    <dgm:style>
-      <a:lnRef idx="0">
-        <a:scrgbClr r="0" g="0" b="0"/>
-      </a:lnRef>
-      <a:fillRef idx="1">
-        <a:scrgbClr r="0" g="0" b="0"/>
-      </a:fillRef>
-      <a:effectRef idx="0">
-        <a:scrgbClr r="0" g="0" b="0"/>
-      </a:effectRef>
-      <a:fontRef idx="minor"/>
-    </dgm:style>
-  </dgm:styleLbl>
-  <dgm:styleLbl name="fgShp">
-    <dgm:scene3d>
-      <a:camera prst="orthographicFront"/>
-      <a:lightRig rig="threePt" dir="t"/>
-    </dgm:scene3d>
-    <dgm:sp3d/>
-    <dgm:txPr/>
-    <dgm:style>
-      <a:lnRef idx="2">
-        <a:scrgbClr r="0" g="0" b="0"/>
-      </a:lnRef>
-      <a:fillRef idx="1">
-        <a:scrgbClr r="0" g="0" b="0"/>
-      </a:fillRef>
-      <a:effectRef idx="0">
-        <a:scrgbClr r="0" g="0" b="0"/>
-      </a:effectRef>
-      <a:fontRef idx="minor"/>
-    </dgm:style>
-  </dgm:styleLbl>
-  <dgm:styleLbl name="revTx">
-    <dgm:scene3d>
-      <a:camera prst="orthographicFront"/>
-      <a:lightRig rig="threePt" dir="t"/>
-    </dgm:scene3d>
-    <dgm:sp3d/>
-    <dgm:txPr/>
-    <dgm:style>
-      <a:lnRef idx="0">
-        <a:scrgbClr r="0" g="0" b="0"/>
-      </a:lnRef>
-      <a:fillRef idx="0">
-        <a:scrgbClr r="0" g="0" b="0"/>
-      </a:fillRef>
-      <a:effectRef idx="0">
-        <a:scrgbClr r="0" g="0" b="0"/>
-      </a:effectRef>
-      <a:fontRef idx="minor"/>
-    </dgm:style>
-  </dgm:styleLbl>
-</dgm:styleDef>
-</file>
-
-<file path=ppt/diagrams/quickStyle3.xml><?xml version="1.0" encoding="utf-8"?>
 <dgm:styleDef xmlns:dgm="http://schemas.openxmlformats.org/drawingml/2006/diagram" xmlns:a="http://schemas.openxmlformats.org/drawingml/2006/main" uniqueId="urn:microsoft.com/office/officeart/2005/8/quickstyle/simple1">
   <dgm:title val=""/>
   <dgm:desc val=""/>
@@ -9914,7 +6888,7 @@
           <a:p>
             <a:fld id="{C3E4802E-3A1F-476D-8C5F-FA8A5493684E}" type="datetimeFigureOut">
               <a:rPr lang="en-US" smtClean="0"/>
-              <a:t>2/24/2024</a:t>
+              <a:t>2/25/2024</a:t>
             </a:fld>
             <a:endParaRPr lang="en-US"/>
           </a:p>
@@ -10347,7 +7321,7 @@
           <a:p>
             <a:fld id="{D9DD7745-79BD-4570-92F6-045CD7F1EEDB}" type="slidenum">
               <a:rPr lang="en-US" smtClean="0"/>
-              <a:t>7</a:t>
+              <a:t>6</a:t>
             </a:fld>
             <a:endParaRPr lang="en-US"/>
           </a:p>
@@ -10531,7 +7505,7 @@
           <a:p>
             <a:fld id="{D9DD7745-79BD-4570-92F6-045CD7F1EEDB}" type="slidenum">
               <a:rPr lang="en-US" smtClean="0"/>
-              <a:t>12</a:t>
+              <a:t>11</a:t>
             </a:fld>
             <a:endParaRPr lang="en-US"/>
           </a:p>
@@ -10699,7 +7673,7 @@
           <a:p>
             <a:fld id="{18DEE92F-2343-460E-A87F-DC2FD6DE70C4}" type="datetimeFigureOut">
               <a:rPr lang="en-US" smtClean="0"/>
-              <a:t>2/24/2024</a:t>
+              <a:t>2/25/2024</a:t>
             </a:fld>
             <a:endParaRPr lang="en-US"/>
           </a:p>
@@ -10899,7 +7873,7 @@
           <a:p>
             <a:fld id="{18DEE92F-2343-460E-A87F-DC2FD6DE70C4}" type="datetimeFigureOut">
               <a:rPr lang="en-US" smtClean="0"/>
-              <a:t>2/24/2024</a:t>
+              <a:t>2/25/2024</a:t>
             </a:fld>
             <a:endParaRPr lang="en-US"/>
           </a:p>
@@ -11109,7 +8083,7 @@
           <a:p>
             <a:fld id="{18DEE92F-2343-460E-A87F-DC2FD6DE70C4}" type="datetimeFigureOut">
               <a:rPr lang="en-US" smtClean="0"/>
-              <a:t>2/24/2024</a:t>
+              <a:t>2/25/2024</a:t>
             </a:fld>
             <a:endParaRPr lang="en-US"/>
           </a:p>
@@ -11309,7 +8283,7 @@
           <a:p>
             <a:fld id="{18DEE92F-2343-460E-A87F-DC2FD6DE70C4}" type="datetimeFigureOut">
               <a:rPr lang="en-US" smtClean="0"/>
-              <a:t>2/24/2024</a:t>
+              <a:t>2/25/2024</a:t>
             </a:fld>
             <a:endParaRPr lang="en-US"/>
           </a:p>
@@ -11585,7 +8559,7 @@
           <a:p>
             <a:fld id="{18DEE92F-2343-460E-A87F-DC2FD6DE70C4}" type="datetimeFigureOut">
               <a:rPr lang="en-US" smtClean="0"/>
-              <a:t>2/24/2024</a:t>
+              <a:t>2/25/2024</a:t>
             </a:fld>
             <a:endParaRPr lang="en-US"/>
           </a:p>
@@ -11853,7 +8827,7 @@
           <a:p>
             <a:fld id="{18DEE92F-2343-460E-A87F-DC2FD6DE70C4}" type="datetimeFigureOut">
               <a:rPr lang="en-US" smtClean="0"/>
-              <a:t>2/24/2024</a:t>
+              <a:t>2/25/2024</a:t>
             </a:fld>
             <a:endParaRPr lang="en-US"/>
           </a:p>
@@ -12268,7 +9242,7 @@
           <a:p>
             <a:fld id="{18DEE92F-2343-460E-A87F-DC2FD6DE70C4}" type="datetimeFigureOut">
               <a:rPr lang="en-US" smtClean="0"/>
-              <a:t>2/24/2024</a:t>
+              <a:t>2/25/2024</a:t>
             </a:fld>
             <a:endParaRPr lang="en-US"/>
           </a:p>
@@ -12410,7 +9384,7 @@
           <a:p>
             <a:fld id="{18DEE92F-2343-460E-A87F-DC2FD6DE70C4}" type="datetimeFigureOut">
               <a:rPr lang="en-US" smtClean="0"/>
-              <a:t>2/24/2024</a:t>
+              <a:t>2/25/2024</a:t>
             </a:fld>
             <a:endParaRPr lang="en-US"/>
           </a:p>
@@ -12523,7 +9497,7 @@
           <a:p>
             <a:fld id="{18DEE92F-2343-460E-A87F-DC2FD6DE70C4}" type="datetimeFigureOut">
               <a:rPr lang="en-US" smtClean="0"/>
-              <a:t>2/24/2024</a:t>
+              <a:t>2/25/2024</a:t>
             </a:fld>
             <a:endParaRPr lang="en-US"/>
           </a:p>
@@ -12836,7 +9810,7 @@
           <a:p>
             <a:fld id="{18DEE92F-2343-460E-A87F-DC2FD6DE70C4}" type="datetimeFigureOut">
               <a:rPr lang="en-US" smtClean="0"/>
-              <a:t>2/24/2024</a:t>
+              <a:t>2/25/2024</a:t>
             </a:fld>
             <a:endParaRPr lang="en-US"/>
           </a:p>
@@ -13125,7 +10099,7 @@
           <a:p>
             <a:fld id="{18DEE92F-2343-460E-A87F-DC2FD6DE70C4}" type="datetimeFigureOut">
               <a:rPr lang="en-US" smtClean="0"/>
-              <a:t>2/24/2024</a:t>
+              <a:t>2/25/2024</a:t>
             </a:fld>
             <a:endParaRPr lang="en-US"/>
           </a:p>
@@ -13368,7 +10342,7 @@
           <a:p>
             <a:fld id="{18DEE92F-2343-460E-A87F-DC2FD6DE70C4}" type="datetimeFigureOut">
               <a:rPr lang="en-US" smtClean="0"/>
-              <a:t>2/24/2024</a:t>
+              <a:t>2/25/2024</a:t>
             </a:fld>
             <a:endParaRPr lang="en-US"/>
           </a:p>
@@ -13896,136 +10870,6 @@
           <a:chExt cx="0" cy="0"/>
         </a:xfrm>
       </p:grpSpPr>
-      <p:sp>
-        <p:nvSpPr>
-          <p:cNvPr id="2" name="Titel 1">
-            <a:extLst>
-              <a:ext uri="{FF2B5EF4-FFF2-40B4-BE49-F238E27FC236}">
-                <a16:creationId xmlns:a16="http://schemas.microsoft.com/office/drawing/2014/main" id="{3D12C5CA-E520-8343-6B63-F98E42E089BC}"/>
-              </a:ext>
-            </a:extLst>
-          </p:cNvPr>
-          <p:cNvSpPr>
-            <a:spLocks noGrp="1"/>
-          </p:cNvSpPr>
-          <p:nvPr>
-            <p:ph type="title"/>
-          </p:nvPr>
-        </p:nvSpPr>
-        <p:spPr/>
-        <p:txBody>
-          <a:bodyPr/>
-          <a:lstStyle/>
-          <a:p>
-            <a:r>
-              <a:rPr lang="de-DE" dirty="0"/>
-              <a:t>Strukturierte Daten – Zugriffverfahren</a:t>
-            </a:r>
-            <a:endParaRPr lang="en-US" dirty="0"/>
-          </a:p>
-        </p:txBody>
-      </p:sp>
-      <p:sp>
-        <p:nvSpPr>
-          <p:cNvPr id="3" name="Inhaltsplatzhalter 2">
-            <a:extLst>
-              <a:ext uri="{FF2B5EF4-FFF2-40B4-BE49-F238E27FC236}">
-                <a16:creationId xmlns:a16="http://schemas.microsoft.com/office/drawing/2014/main" id="{B42A4488-4288-36D2-8D40-F4E607B2120E}"/>
-              </a:ext>
-            </a:extLst>
-          </p:cNvPr>
-          <p:cNvSpPr>
-            <a:spLocks noGrp="1"/>
-          </p:cNvSpPr>
-          <p:nvPr>
-            <p:ph idx="1"/>
-          </p:nvPr>
-        </p:nvSpPr>
-        <p:spPr/>
-        <p:txBody>
-          <a:bodyPr/>
-          <a:lstStyle/>
-          <a:p>
-            <a:r>
-              <a:rPr lang="de-DE" dirty="0"/>
-              <a:t>Da die Log Daten strukturiert sind, werden diese in einer relationalen Datenbank gespeichert</a:t>
-            </a:r>
-          </a:p>
-          <a:p>
-            <a:r>
-              <a:rPr lang="de-DE" dirty="0"/>
-              <a:t>Aufgrund der angegebenen Kundenwünsche wurde ein SQL Server für die Datenbank genutzt</a:t>
-            </a:r>
-          </a:p>
-          <a:p>
-            <a:r>
-              <a:rPr lang="de-DE" dirty="0"/>
-              <a:t>Zugriff erfolgt über einen Datenbankzugriff</a:t>
-            </a:r>
-            <a:endParaRPr lang="en-US" dirty="0"/>
-          </a:p>
-        </p:txBody>
-      </p:sp>
-      <p:pic>
-        <p:nvPicPr>
-          <p:cNvPr id="5" name="Grafik 4">
-            <a:extLst>
-              <a:ext uri="{FF2B5EF4-FFF2-40B4-BE49-F238E27FC236}">
-                <a16:creationId xmlns:a16="http://schemas.microsoft.com/office/drawing/2014/main" id="{44C2FE6A-9AE6-A20D-4FFC-F598C74F9E3B}"/>
-              </a:ext>
-            </a:extLst>
-          </p:cNvPr>
-          <p:cNvPicPr>
-            <a:picLocks noChangeAspect="1"/>
-          </p:cNvPicPr>
-          <p:nvPr/>
-        </p:nvPicPr>
-        <p:blipFill>
-          <a:blip r:embed="rId2"/>
-          <a:stretch>
-            <a:fillRect/>
-          </a:stretch>
-        </p:blipFill>
-        <p:spPr>
-          <a:xfrm>
-            <a:off x="1262101" y="4184373"/>
-            <a:ext cx="2436018" cy="2466756"/>
-          </a:xfrm>
-          <a:prstGeom prst="rect">
-            <a:avLst/>
-          </a:prstGeom>
-        </p:spPr>
-      </p:pic>
-    </p:spTree>
-    <p:extLst>
-      <p:ext uri="{BB962C8B-B14F-4D97-AF65-F5344CB8AC3E}">
-        <p14:creationId xmlns:p14="http://schemas.microsoft.com/office/powerpoint/2010/main" val="2018274000"/>
-      </p:ext>
-    </p:extLst>
-  </p:cSld>
-  <p:clrMapOvr>
-    <a:masterClrMapping/>
-  </p:clrMapOvr>
-</p:sld>
-</file>
-
-<file path=ppt/slides/slide11.xml><?xml version="1.0" encoding="utf-8"?>
-<p:sld xmlns:a="http://schemas.openxmlformats.org/drawingml/2006/main" xmlns:r="http://schemas.openxmlformats.org/officeDocument/2006/relationships" xmlns:p="http://schemas.openxmlformats.org/presentationml/2006/main">
-  <p:cSld>
-    <p:spTree>
-      <p:nvGrpSpPr>
-        <p:cNvPr id="1" name=""/>
-        <p:cNvGrpSpPr/>
-        <p:nvPr/>
-      </p:nvGrpSpPr>
-      <p:grpSpPr>
-        <a:xfrm>
-          <a:off x="0" y="0"/>
-          <a:ext cx="0" cy="0"/>
-          <a:chOff x="0" y="0"/>
-          <a:chExt cx="0" cy="0"/>
-        </a:xfrm>
-      </p:grpSpPr>
       <p:graphicFrame>
         <p:nvGraphicFramePr>
           <p:cNvPr id="7" name="Inhaltsplatzhalter 2">
@@ -14103,7 +10947,7 @@
 </p:sld>
 </file>
 
-<file path=ppt/slides/slide12.xml><?xml version="1.0" encoding="utf-8"?>
+<file path=ppt/slides/slide11.xml><?xml version="1.0" encoding="utf-8"?>
 <p:sld xmlns:a="http://schemas.openxmlformats.org/drawingml/2006/main" xmlns:r="http://schemas.openxmlformats.org/officeDocument/2006/relationships" xmlns:p="http://schemas.openxmlformats.org/presentationml/2006/main">
   <p:cSld>
     <p:spTree>
@@ -14344,7 +11188,7 @@
 </p:sld>
 </file>
 
-<file path=ppt/slides/slide13.xml><?xml version="1.0" encoding="utf-8"?>
+<file path=ppt/slides/slide12.xml><?xml version="1.0" encoding="utf-8"?>
 <p:sld xmlns:a="http://schemas.openxmlformats.org/drawingml/2006/main" xmlns:r="http://schemas.openxmlformats.org/officeDocument/2006/relationships" xmlns:p="http://schemas.openxmlformats.org/presentationml/2006/main">
   <p:cSld>
     <p:spTree>
@@ -14483,7 +11327,7 @@
 </p:sld>
 </file>
 
-<file path=ppt/slides/slide14.xml><?xml version="1.0" encoding="utf-8"?>
+<file path=ppt/slides/slide13.xml><?xml version="1.0" encoding="utf-8"?>
 <p:sld xmlns:a="http://schemas.openxmlformats.org/drawingml/2006/main" xmlns:r="http://schemas.openxmlformats.org/officeDocument/2006/relationships" xmlns:p="http://schemas.openxmlformats.org/presentationml/2006/main">
   <p:cSld>
     <p:spTree>
@@ -14642,7 +11486,7 @@
 </p:sld>
 </file>
 
-<file path=ppt/slides/slide15.xml><?xml version="1.0" encoding="utf-8"?>
+<file path=ppt/slides/slide14.xml><?xml version="1.0" encoding="utf-8"?>
 <p:sld xmlns:a="http://schemas.openxmlformats.org/drawingml/2006/main" xmlns:r="http://schemas.openxmlformats.org/officeDocument/2006/relationships" xmlns:p="http://schemas.openxmlformats.org/presentationml/2006/main">
   <p:cSld>
     <p:spTree>
@@ -14759,7 +11603,7 @@
 </p:sld>
 </file>
 
-<file path=ppt/slides/slide16.xml><?xml version="1.0" encoding="utf-8"?>
+<file path=ppt/slides/slide15.xml><?xml version="1.0" encoding="utf-8"?>
 <p:sld xmlns:a="http://schemas.openxmlformats.org/drawingml/2006/main" xmlns:r="http://schemas.openxmlformats.org/officeDocument/2006/relationships" xmlns:p="http://schemas.openxmlformats.org/presentationml/2006/main">
   <p:cSld>
     <p:spTree>
@@ -14919,7 +11763,7 @@
 </p:sld>
 </file>
 
-<file path=ppt/slides/slide17.xml><?xml version="1.0" encoding="utf-8"?>
+<file path=ppt/slides/slide16.xml><?xml version="1.0" encoding="utf-8"?>
 <p:sld xmlns:a="http://schemas.openxmlformats.org/drawingml/2006/main" xmlns:r="http://schemas.openxmlformats.org/officeDocument/2006/relationships" xmlns:p="http://schemas.openxmlformats.org/presentationml/2006/main">
   <p:cSld>
     <p:spTree>
@@ -15214,7 +12058,7 @@
 </p:sld>
 </file>
 
-<file path=ppt/slides/slide18.xml><?xml version="1.0" encoding="utf-8"?>
+<file path=ppt/slides/slide17.xml><?xml version="1.0" encoding="utf-8"?>
 <p:sld xmlns:a="http://schemas.openxmlformats.org/drawingml/2006/main" xmlns:r="http://schemas.openxmlformats.org/officeDocument/2006/relationships" xmlns:p="http://schemas.openxmlformats.org/presentationml/2006/main">
   <p:cSld>
     <p:spTree>
@@ -15345,7 +12189,7 @@
 </p:sld>
 </file>
 
-<file path=ppt/slides/slide19.xml><?xml version="1.0" encoding="utf-8"?>
+<file path=ppt/slides/slide18.xml><?xml version="1.0" encoding="utf-8"?>
 <p:sld xmlns:a="http://schemas.openxmlformats.org/drawingml/2006/main" xmlns:r="http://schemas.openxmlformats.org/officeDocument/2006/relationships" xmlns:p="http://schemas.openxmlformats.org/presentationml/2006/main">
   <p:cSld>
     <p:spTree>
@@ -15608,172 +12452,7 @@
 </p:sld>
 </file>
 
-<file path=ppt/slides/slide2.xml><?xml version="1.0" encoding="utf-8"?>
-<p:sld xmlns:a="http://schemas.openxmlformats.org/drawingml/2006/main" xmlns:r="http://schemas.openxmlformats.org/officeDocument/2006/relationships" xmlns:p="http://schemas.openxmlformats.org/presentationml/2006/main">
-  <p:cSld>
-    <p:spTree>
-      <p:nvGrpSpPr>
-        <p:cNvPr id="1" name=""/>
-        <p:cNvGrpSpPr/>
-        <p:nvPr/>
-      </p:nvGrpSpPr>
-      <p:grpSpPr>
-        <a:xfrm>
-          <a:off x="0" y="0"/>
-          <a:ext cx="0" cy="0"/>
-          <a:chOff x="0" y="0"/>
-          <a:chExt cx="0" cy="0"/>
-        </a:xfrm>
-      </p:grpSpPr>
-      <p:sp>
-        <p:nvSpPr>
-          <p:cNvPr id="2" name="Titel 1">
-            <a:extLst>
-              <a:ext uri="{FF2B5EF4-FFF2-40B4-BE49-F238E27FC236}">
-                <a16:creationId xmlns:a16="http://schemas.microsoft.com/office/drawing/2014/main" id="{EF0A671E-3F0C-E208-A30F-3531121F5CAB}"/>
-              </a:ext>
-            </a:extLst>
-          </p:cNvPr>
-          <p:cNvSpPr>
-            <a:spLocks noGrp="1"/>
-          </p:cNvSpPr>
-          <p:nvPr>
-            <p:ph type="title"/>
-          </p:nvPr>
-        </p:nvSpPr>
-        <p:spPr/>
-        <p:txBody>
-          <a:bodyPr/>
-          <a:lstStyle/>
-          <a:p>
-            <a:r>
-              <a:rPr lang="de-DE" dirty="0"/>
-              <a:t>Business Understanding – Problem</a:t>
-            </a:r>
-            <a:endParaRPr lang="en-US" dirty="0"/>
-          </a:p>
-        </p:txBody>
-      </p:sp>
-      <p:sp>
-        <p:nvSpPr>
-          <p:cNvPr id="3" name="Inhaltsplatzhalter 2">
-            <a:extLst>
-              <a:ext uri="{FF2B5EF4-FFF2-40B4-BE49-F238E27FC236}">
-                <a16:creationId xmlns:a16="http://schemas.microsoft.com/office/drawing/2014/main" id="{FB693121-058C-0414-6A28-F2AF176FF0F7}"/>
-              </a:ext>
-            </a:extLst>
-          </p:cNvPr>
-          <p:cNvSpPr>
-            <a:spLocks noGrp="1"/>
-          </p:cNvSpPr>
-          <p:nvPr>
-            <p:ph idx="1"/>
-          </p:nvPr>
-        </p:nvSpPr>
-        <p:spPr/>
-        <p:txBody>
-          <a:bodyPr>
-            <a:normAutofit/>
-          </a:bodyPr>
-          <a:lstStyle/>
-          <a:p>
-            <a:pPr>
-              <a:buFont typeface="Wingdings" panose="05000000000000000000" pitchFamily="2" charset="2"/>
-              <a:buChar char="à"/>
-            </a:pPr>
-            <a:r>
-              <a:rPr lang="de-DE" dirty="0">
-                <a:sym typeface="Wingdings" panose="05000000000000000000" pitchFamily="2" charset="2"/>
-              </a:rPr>
-              <a:t>Auftraggeber ist ein Unternehmen, welches Raketen herstellt</a:t>
-            </a:r>
-          </a:p>
-          <a:p>
-            <a:pPr marL="0" indent="0">
-              <a:buNone/>
-            </a:pPr>
-            <a:endParaRPr lang="de-DE" dirty="0">
-              <a:sym typeface="Wingdings" panose="05000000000000000000" pitchFamily="2" charset="2"/>
-            </a:endParaRPr>
-          </a:p>
-          <a:p>
-            <a:pPr marL="0" indent="0">
-              <a:buNone/>
-            </a:pPr>
-            <a:r>
-              <a:rPr lang="de-DE" dirty="0">
-                <a:sym typeface="Wingdings" panose="05000000000000000000" pitchFamily="2" charset="2"/>
-              </a:rPr>
-              <a:t>Problem:</a:t>
-            </a:r>
-          </a:p>
-          <a:p>
-            <a:pPr marL="0" indent="0">
-              <a:buNone/>
-            </a:pPr>
-            <a:r>
-              <a:rPr lang="de-DE" dirty="0">
-                <a:sym typeface="Wingdings" panose="05000000000000000000" pitchFamily="2" charset="2"/>
-              </a:rPr>
-              <a:t>Häufige unvorhergesehene Produktionsausfälle</a:t>
-            </a:r>
-          </a:p>
-          <a:p>
-            <a:pPr marL="0" indent="0">
-              <a:buNone/>
-            </a:pPr>
-            <a:r>
-              <a:rPr lang="de-DE" dirty="0">
-                <a:sym typeface="Wingdings" panose="05000000000000000000" pitchFamily="2" charset="2"/>
-              </a:rPr>
-              <a:t>- Produktion verzögert sich</a:t>
-            </a:r>
-          </a:p>
-          <a:p>
-            <a:pPr marL="0" indent="0">
-              <a:buNone/>
-            </a:pPr>
-            <a:r>
-              <a:rPr lang="de-DE" dirty="0">
-                <a:sym typeface="Wingdings" panose="05000000000000000000" pitchFamily="2" charset="2"/>
-              </a:rPr>
-              <a:t>- Hohe Kosten entstehen</a:t>
-            </a:r>
-          </a:p>
-          <a:p>
-            <a:pPr marL="0" indent="0">
-              <a:buNone/>
-            </a:pPr>
-            <a:r>
-              <a:rPr lang="de-DE" dirty="0">
-                <a:sym typeface="Wingdings" panose="05000000000000000000" pitchFamily="2" charset="2"/>
-              </a:rPr>
-              <a:t>Kundenzufriedenheit ist durch die Produktionsausfälle gesunken</a:t>
-            </a:r>
-          </a:p>
-          <a:p>
-            <a:pPr>
-              <a:buFont typeface="Wingdings" panose="05000000000000000000" pitchFamily="2" charset="2"/>
-              <a:buChar char="à"/>
-            </a:pPr>
-            <a:endParaRPr lang="en-US" dirty="0"/>
-          </a:p>
-        </p:txBody>
-      </p:sp>
-    </p:spTree>
-    <p:extLst>
-      <p:ext uri="{BB962C8B-B14F-4D97-AF65-F5344CB8AC3E}">
-        <p14:creationId xmlns:p14="http://schemas.microsoft.com/office/powerpoint/2010/main" val="3479139215"/>
-      </p:ext>
-    </p:extLst>
-  </p:cSld>
-  <p:clrMapOvr>
-    <a:masterClrMapping/>
-  </p:clrMapOvr>
-</p:sld>
-</file>
-
-<file path=ppt/slides/slide20.xml><?xml version="1.0" encoding="utf-8"?>
+<file path=ppt/slides/slide19.xml><?xml version="1.0" encoding="utf-8"?>
 <p:sld xmlns:a="http://schemas.openxmlformats.org/drawingml/2006/main" xmlns:r="http://schemas.openxmlformats.org/officeDocument/2006/relationships" xmlns:p="http://schemas.openxmlformats.org/presentationml/2006/main">
   <p:cSld>
     <p:spTree>
@@ -15890,7 +12569,172 @@
 </p:sld>
 </file>
 
-<file path=ppt/slides/slide21.xml><?xml version="1.0" encoding="utf-8"?>
+<file path=ppt/slides/slide2.xml><?xml version="1.0" encoding="utf-8"?>
+<p:sld xmlns:a="http://schemas.openxmlformats.org/drawingml/2006/main" xmlns:r="http://schemas.openxmlformats.org/officeDocument/2006/relationships" xmlns:p="http://schemas.openxmlformats.org/presentationml/2006/main">
+  <p:cSld>
+    <p:spTree>
+      <p:nvGrpSpPr>
+        <p:cNvPr id="1" name=""/>
+        <p:cNvGrpSpPr/>
+        <p:nvPr/>
+      </p:nvGrpSpPr>
+      <p:grpSpPr>
+        <a:xfrm>
+          <a:off x="0" y="0"/>
+          <a:ext cx="0" cy="0"/>
+          <a:chOff x="0" y="0"/>
+          <a:chExt cx="0" cy="0"/>
+        </a:xfrm>
+      </p:grpSpPr>
+      <p:sp>
+        <p:nvSpPr>
+          <p:cNvPr id="2" name="Titel 1">
+            <a:extLst>
+              <a:ext uri="{FF2B5EF4-FFF2-40B4-BE49-F238E27FC236}">
+                <a16:creationId xmlns:a16="http://schemas.microsoft.com/office/drawing/2014/main" id="{EF0A671E-3F0C-E208-A30F-3531121F5CAB}"/>
+              </a:ext>
+            </a:extLst>
+          </p:cNvPr>
+          <p:cNvSpPr>
+            <a:spLocks noGrp="1"/>
+          </p:cNvSpPr>
+          <p:nvPr>
+            <p:ph type="title"/>
+          </p:nvPr>
+        </p:nvSpPr>
+        <p:spPr/>
+        <p:txBody>
+          <a:bodyPr/>
+          <a:lstStyle/>
+          <a:p>
+            <a:r>
+              <a:rPr lang="de-DE" dirty="0"/>
+              <a:t>Business Understanding – Problem</a:t>
+            </a:r>
+            <a:endParaRPr lang="en-US" dirty="0"/>
+          </a:p>
+        </p:txBody>
+      </p:sp>
+      <p:sp>
+        <p:nvSpPr>
+          <p:cNvPr id="3" name="Inhaltsplatzhalter 2">
+            <a:extLst>
+              <a:ext uri="{FF2B5EF4-FFF2-40B4-BE49-F238E27FC236}">
+                <a16:creationId xmlns:a16="http://schemas.microsoft.com/office/drawing/2014/main" id="{FB693121-058C-0414-6A28-F2AF176FF0F7}"/>
+              </a:ext>
+            </a:extLst>
+          </p:cNvPr>
+          <p:cNvSpPr>
+            <a:spLocks noGrp="1"/>
+          </p:cNvSpPr>
+          <p:nvPr>
+            <p:ph idx="1"/>
+          </p:nvPr>
+        </p:nvSpPr>
+        <p:spPr/>
+        <p:txBody>
+          <a:bodyPr>
+            <a:normAutofit/>
+          </a:bodyPr>
+          <a:lstStyle/>
+          <a:p>
+            <a:pPr>
+              <a:buFont typeface="Wingdings" panose="05000000000000000000" pitchFamily="2" charset="2"/>
+              <a:buChar char="à"/>
+            </a:pPr>
+            <a:r>
+              <a:rPr lang="de-DE" dirty="0">
+                <a:sym typeface="Wingdings" panose="05000000000000000000" pitchFamily="2" charset="2"/>
+              </a:rPr>
+              <a:t>Auftraggeber ist ein Unternehmen, welches Raketen herstellt</a:t>
+            </a:r>
+          </a:p>
+          <a:p>
+            <a:pPr marL="0" indent="0">
+              <a:buNone/>
+            </a:pPr>
+            <a:endParaRPr lang="de-DE" dirty="0">
+              <a:sym typeface="Wingdings" panose="05000000000000000000" pitchFamily="2" charset="2"/>
+            </a:endParaRPr>
+          </a:p>
+          <a:p>
+            <a:pPr marL="0" indent="0">
+              <a:buNone/>
+            </a:pPr>
+            <a:r>
+              <a:rPr lang="de-DE" dirty="0">
+                <a:sym typeface="Wingdings" panose="05000000000000000000" pitchFamily="2" charset="2"/>
+              </a:rPr>
+              <a:t>Problem:</a:t>
+            </a:r>
+          </a:p>
+          <a:p>
+            <a:pPr marL="0" indent="0">
+              <a:buNone/>
+            </a:pPr>
+            <a:r>
+              <a:rPr lang="de-DE" dirty="0">
+                <a:sym typeface="Wingdings" panose="05000000000000000000" pitchFamily="2" charset="2"/>
+              </a:rPr>
+              <a:t>Häufige unvorhergesehene Produktionsausfälle</a:t>
+            </a:r>
+          </a:p>
+          <a:p>
+            <a:pPr marL="0" indent="0">
+              <a:buNone/>
+            </a:pPr>
+            <a:r>
+              <a:rPr lang="de-DE" dirty="0">
+                <a:sym typeface="Wingdings" panose="05000000000000000000" pitchFamily="2" charset="2"/>
+              </a:rPr>
+              <a:t>- Produktion verzögert sich</a:t>
+            </a:r>
+          </a:p>
+          <a:p>
+            <a:pPr marL="0" indent="0">
+              <a:buNone/>
+            </a:pPr>
+            <a:r>
+              <a:rPr lang="de-DE" dirty="0">
+                <a:sym typeface="Wingdings" panose="05000000000000000000" pitchFamily="2" charset="2"/>
+              </a:rPr>
+              <a:t>- Hohe Kosten entstehen</a:t>
+            </a:r>
+          </a:p>
+          <a:p>
+            <a:pPr marL="0" indent="0">
+              <a:buNone/>
+            </a:pPr>
+            <a:r>
+              <a:rPr lang="de-DE" dirty="0">
+                <a:sym typeface="Wingdings" panose="05000000000000000000" pitchFamily="2" charset="2"/>
+              </a:rPr>
+              <a:t>Kundenzufriedenheit ist durch die Produktionsausfälle gesunken</a:t>
+            </a:r>
+          </a:p>
+          <a:p>
+            <a:pPr>
+              <a:buFont typeface="Wingdings" panose="05000000000000000000" pitchFamily="2" charset="2"/>
+              <a:buChar char="à"/>
+            </a:pPr>
+            <a:endParaRPr lang="en-US" dirty="0"/>
+          </a:p>
+        </p:txBody>
+      </p:sp>
+    </p:spTree>
+    <p:extLst>
+      <p:ext uri="{BB962C8B-B14F-4D97-AF65-F5344CB8AC3E}">
+        <p14:creationId xmlns:p14="http://schemas.microsoft.com/office/powerpoint/2010/main" val="3479139215"/>
+      </p:ext>
+    </p:extLst>
+  </p:cSld>
+  <p:clrMapOvr>
+    <a:masterClrMapping/>
+  </p:clrMapOvr>
+</p:sld>
+</file>
+
+<file path=ppt/slides/slide20.xml><?xml version="1.0" encoding="utf-8"?>
 <p:sld xmlns:a="http://schemas.openxmlformats.org/drawingml/2006/main" xmlns:r="http://schemas.openxmlformats.org/officeDocument/2006/relationships" xmlns:p="http://schemas.openxmlformats.org/presentationml/2006/main">
   <p:cSld>
     <p:spTree>
@@ -15981,7 +12825,7 @@
 </p:sld>
 </file>
 
-<file path=ppt/slides/slide22.xml><?xml version="1.0" encoding="utf-8"?>
+<file path=ppt/slides/slide21.xml><?xml version="1.0" encoding="utf-8"?>
 <p:sld xmlns:a="http://schemas.openxmlformats.org/drawingml/2006/main" xmlns:r="http://schemas.openxmlformats.org/officeDocument/2006/relationships" xmlns:p="http://schemas.openxmlformats.org/presentationml/2006/main">
   <p:cSld>
     <p:spTree>
@@ -16216,7 +13060,7 @@
 </p:sld>
 </file>
 
-<file path=ppt/slides/slide23.xml><?xml version="1.0" encoding="utf-8"?>
+<file path=ppt/slides/slide22.xml><?xml version="1.0" encoding="utf-8"?>
 <p:sld xmlns:a="http://schemas.openxmlformats.org/drawingml/2006/main" xmlns:r="http://schemas.openxmlformats.org/officeDocument/2006/relationships" xmlns:p="http://schemas.openxmlformats.org/presentationml/2006/main">
   <p:cSld>
     <p:spTree>
@@ -16457,7 +13301,7 @@
 </p:sld>
 </file>
 
-<file path=ppt/slides/slide24.xml><?xml version="1.0" encoding="utf-8"?>
+<file path=ppt/slides/slide23.xml><?xml version="1.0" encoding="utf-8"?>
 <p:sld xmlns:a="http://schemas.openxmlformats.org/drawingml/2006/main" xmlns:r="http://schemas.openxmlformats.org/officeDocument/2006/relationships" xmlns:p="http://schemas.openxmlformats.org/presentationml/2006/main">
   <p:cSld>
     <p:spTree>
@@ -16574,7 +13418,7 @@
 </p:sld>
 </file>
 
-<file path=ppt/slides/slide25.xml><?xml version="1.0" encoding="utf-8"?>
+<file path=ppt/slides/slide24.xml><?xml version="1.0" encoding="utf-8"?>
 <p:sld xmlns:a="http://schemas.openxmlformats.org/drawingml/2006/main" xmlns:r="http://schemas.openxmlformats.org/officeDocument/2006/relationships" xmlns:p="http://schemas.openxmlformats.org/presentationml/2006/main">
   <p:cSld>
     <p:spTree>
@@ -16658,7 +13502,7 @@
 </p:sld>
 </file>
 
-<file path=ppt/slides/slide26.xml><?xml version="1.0" encoding="utf-8"?>
+<file path=ppt/slides/slide25.xml><?xml version="1.0" encoding="utf-8"?>
 <p:sld xmlns:a="http://schemas.openxmlformats.org/drawingml/2006/main" xmlns:r="http://schemas.openxmlformats.org/officeDocument/2006/relationships" xmlns:p="http://schemas.openxmlformats.org/presentationml/2006/main">
   <p:cSld>
     <p:spTree>
@@ -16813,7 +13657,7 @@
         <p:spPr/>
         <p:txBody>
           <a:bodyPr>
-            <a:normAutofit lnSpcReduction="10000"/>
+            <a:normAutofit fontScale="92500" lnSpcReduction="20000"/>
           </a:bodyPr>
           <a:lstStyle/>
           <a:p>
@@ -16825,7 +13669,7 @@
               <a:rPr lang="de-DE" dirty="0">
                 <a:sym typeface="Wingdings" panose="05000000000000000000" pitchFamily="2" charset="2"/>
               </a:rPr>
-              <a:t>Die Maschinen geben während ihres Betriebs Statusmeldungen ab</a:t>
+              <a:t>Die Maschinen geben während ihres Betriebs Statusmeldungen ab, welche in Log Files gespeichert werden. Zudem wird alle 5 Minuten der Zustand der Maschine übermittelt. Unteranderem Sensordaten</a:t>
             </a:r>
           </a:p>
           <a:p>
@@ -17038,106 +13882,6 @@
   <p:cSld>
     <p:spTree>
       <p:nvGrpSpPr>
-        <p:cNvPr id="1" name="">
-          <a:extLst>
-            <a:ext uri="{FF2B5EF4-FFF2-40B4-BE49-F238E27FC236}">
-              <a16:creationId xmlns:a16="http://schemas.microsoft.com/office/drawing/2014/main" id="{775E2F6D-ED3F-3C4A-5FAD-1369EAFB1F92}"/>
-            </a:ext>
-          </a:extLst>
-        </p:cNvPr>
-        <p:cNvGrpSpPr/>
-        <p:nvPr/>
-      </p:nvGrpSpPr>
-      <p:grpSpPr>
-        <a:xfrm>
-          <a:off x="0" y="0"/>
-          <a:ext cx="0" cy="0"/>
-          <a:chOff x="0" y="0"/>
-          <a:chExt cx="0" cy="0"/>
-        </a:xfrm>
-      </p:grpSpPr>
-      <p:graphicFrame>
-        <p:nvGraphicFramePr>
-          <p:cNvPr id="7" name="Inhaltsplatzhalter 2">
-            <a:extLst>
-              <a:ext uri="{FF2B5EF4-FFF2-40B4-BE49-F238E27FC236}">
-                <a16:creationId xmlns:a16="http://schemas.microsoft.com/office/drawing/2014/main" id="{F48F296B-68D5-1188-1C23-3BBAD0B30934}"/>
-              </a:ext>
-            </a:extLst>
-          </p:cNvPr>
-          <p:cNvGraphicFramePr>
-            <a:graphicFrameLocks noGrp="1"/>
-          </p:cNvGraphicFramePr>
-          <p:nvPr>
-            <p:ph idx="1"/>
-            <p:extLst>
-              <p:ext uri="{D42A27DB-BD31-4B8C-83A1-F6EECF244321}">
-                <p14:modId xmlns:p14="http://schemas.microsoft.com/office/powerpoint/2010/main" val="2897188105"/>
-              </p:ext>
-            </p:extLst>
-          </p:nvPr>
-        </p:nvGraphicFramePr>
-        <p:xfrm>
-          <a:off x="838200" y="1825625"/>
-          <a:ext cx="10515600" cy="3106593"/>
-        </p:xfrm>
-        <a:graphic>
-          <a:graphicData uri="http://schemas.openxmlformats.org/drawingml/2006/diagram">
-            <dgm:relIds xmlns:dgm="http://schemas.openxmlformats.org/drawingml/2006/diagram" xmlns:r="http://schemas.openxmlformats.org/officeDocument/2006/relationships" r:dm="rId2" r:lo="rId3" r:qs="rId4" r:cs="rId5"/>
-          </a:graphicData>
-        </a:graphic>
-      </p:graphicFrame>
-      <p:sp>
-        <p:nvSpPr>
-          <p:cNvPr id="2" name="Titel 1">
-            <a:extLst>
-              <a:ext uri="{FF2B5EF4-FFF2-40B4-BE49-F238E27FC236}">
-                <a16:creationId xmlns:a16="http://schemas.microsoft.com/office/drawing/2014/main" id="{E19A55E7-A7CE-FA2A-901A-2F2036F352E3}"/>
-              </a:ext>
-            </a:extLst>
-          </p:cNvPr>
-          <p:cNvSpPr>
-            <a:spLocks noGrp="1"/>
-          </p:cNvSpPr>
-          <p:nvPr>
-            <p:ph type="title"/>
-          </p:nvPr>
-        </p:nvSpPr>
-        <p:spPr/>
-        <p:txBody>
-          <a:bodyPr/>
-          <a:lstStyle/>
-          <a:p>
-            <a:r>
-              <a:rPr lang="de-DE" dirty="0"/>
-              <a:t>Strukturierte Daten – </a:t>
-            </a:r>
-            <a:r>
-              <a:rPr lang="de-DE" dirty="0" err="1"/>
-              <a:t>Preparation</a:t>
-            </a:r>
-            <a:endParaRPr lang="en-US" dirty="0"/>
-          </a:p>
-        </p:txBody>
-      </p:sp>
-    </p:spTree>
-    <p:extLst>
-      <p:ext uri="{BB962C8B-B14F-4D97-AF65-F5344CB8AC3E}">
-        <p14:creationId xmlns:p14="http://schemas.microsoft.com/office/powerpoint/2010/main" val="1746363379"/>
-      </p:ext>
-    </p:extLst>
-  </p:cSld>
-  <p:clrMapOvr>
-    <a:masterClrMapping/>
-  </p:clrMapOvr>
-</p:sld>
-</file>
-
-<file path=ppt/slides/slide6.xml><?xml version="1.0" encoding="utf-8"?>
-<p:sld xmlns:a="http://schemas.openxmlformats.org/drawingml/2006/main" xmlns:r="http://schemas.openxmlformats.org/officeDocument/2006/relationships" xmlns:p="http://schemas.openxmlformats.org/presentationml/2006/main">
-  <p:cSld>
-    <p:spTree>
-      <p:nvGrpSpPr>
         <p:cNvPr id="1" name=""/>
         <p:cNvGrpSpPr/>
         <p:nvPr/>
@@ -17173,7 +13917,7 @@
           <a:p>
             <a:r>
               <a:rPr lang="de-DE" dirty="0"/>
-              <a:t>Data Understanding – Sensor Daten</a:t>
+              <a:t>Data Understanding – Strukturierte Daten</a:t>
             </a:r>
             <a:endParaRPr lang="en-US" dirty="0"/>
           </a:p>
@@ -17198,7 +13942,7 @@
         <p:spPr/>
         <p:txBody>
           <a:bodyPr>
-            <a:normAutofit fontScale="92500" lnSpcReduction="20000"/>
+            <a:normAutofit fontScale="77500" lnSpcReduction="20000"/>
           </a:bodyPr>
           <a:lstStyle/>
           <a:p>
@@ -17336,7 +14080,13 @@
           <a:p>
             <a:r>
               <a:rPr lang="de-DE" dirty="0"/>
-              <a:t>Fallen alle Sensoren aus, ist von einem Ausfall der Maschine auszugehen</a:t>
+              <a:t>Wenn alle Sensoren keinen Wert liefern, ist die Maschine ausgefallen</a:t>
+            </a:r>
+          </a:p>
+          <a:p>
+            <a:r>
+              <a:rPr lang="de-DE" dirty="0"/>
+              <a:t>Man müsste einen vorhersagen können, wann eine Maschine ausfällt, im Grunde bei welchem Sensorwert in den nächsten 5 Minuten die Maschine ausfällt</a:t>
             </a:r>
             <a:endParaRPr lang="en-US" dirty="0"/>
           </a:p>
@@ -17355,7 +14105,7 @@
 </p:sld>
 </file>
 
-<file path=ppt/slides/slide7.xml><?xml version="1.0" encoding="utf-8"?>
+<file path=ppt/slides/slide6.xml><?xml version="1.0" encoding="utf-8"?>
 <p:sld xmlns:a="http://schemas.openxmlformats.org/drawingml/2006/main" xmlns:r="http://schemas.openxmlformats.org/officeDocument/2006/relationships" xmlns:p="http://schemas.openxmlformats.org/presentationml/2006/main">
   <p:cSld>
     <p:spTree>
@@ -17395,7 +14145,7 @@
           <a:p>
             <a:r>
               <a:rPr lang="de-DE" dirty="0"/>
-              <a:t>Data Understanding – Log Daten	</a:t>
+              <a:t>Data Understanding – Unstrukturierte Daten	</a:t>
             </a:r>
             <a:endParaRPr lang="en-US" dirty="0"/>
           </a:p>
@@ -17824,7 +14574,7 @@
 </p:sld>
 </file>
 
-<file path=ppt/slides/slide8.xml><?xml version="1.0" encoding="utf-8"?>
+<file path=ppt/slides/slide7.xml><?xml version="1.0" encoding="utf-8"?>
 <p:sld xmlns:a="http://schemas.openxmlformats.org/drawingml/2006/main" xmlns:r="http://schemas.openxmlformats.org/officeDocument/2006/relationships" xmlns:p="http://schemas.openxmlformats.org/presentationml/2006/main">
   <p:cSld>
     <p:spTree>
@@ -17939,7 +14689,7 @@
 </p:sld>
 </file>
 
-<file path=ppt/slides/slide9.xml><?xml version="1.0" encoding="utf-8"?>
+<file path=ppt/slides/slide8.xml><?xml version="1.0" encoding="utf-8"?>
 <p:sld xmlns:a="http://schemas.openxmlformats.org/drawingml/2006/main" xmlns:r="http://schemas.openxmlformats.org/officeDocument/2006/relationships" xmlns:p="http://schemas.openxmlformats.org/presentationml/2006/main">
   <p:cSld>
     <p:spTree>
@@ -18030,6 +14780,178 @@
     <p:extLst>
       <p:ext uri="{BB962C8B-B14F-4D97-AF65-F5344CB8AC3E}">
         <p14:creationId xmlns:p14="http://schemas.microsoft.com/office/powerpoint/2010/main" val="2764976056"/>
+      </p:ext>
+    </p:extLst>
+  </p:cSld>
+  <p:clrMapOvr>
+    <a:masterClrMapping/>
+  </p:clrMapOvr>
+</p:sld>
+</file>
+
+<file path=ppt/slides/slide9.xml><?xml version="1.0" encoding="utf-8"?>
+<p:sld xmlns:a="http://schemas.openxmlformats.org/drawingml/2006/main" xmlns:r="http://schemas.openxmlformats.org/officeDocument/2006/relationships" xmlns:p="http://schemas.openxmlformats.org/presentationml/2006/main">
+  <p:cSld>
+    <p:spTree>
+      <p:nvGrpSpPr>
+        <p:cNvPr id="1" name=""/>
+        <p:cNvGrpSpPr/>
+        <p:nvPr/>
+      </p:nvGrpSpPr>
+      <p:grpSpPr>
+        <a:xfrm>
+          <a:off x="0" y="0"/>
+          <a:ext cx="0" cy="0"/>
+          <a:chOff x="0" y="0"/>
+          <a:chExt cx="0" cy="0"/>
+        </a:xfrm>
+      </p:grpSpPr>
+      <p:sp>
+        <p:nvSpPr>
+          <p:cNvPr id="2" name="Titel 1">
+            <a:extLst>
+              <a:ext uri="{FF2B5EF4-FFF2-40B4-BE49-F238E27FC236}">
+                <a16:creationId xmlns:a16="http://schemas.microsoft.com/office/drawing/2014/main" id="{3D12C5CA-E520-8343-6B63-F98E42E089BC}"/>
+              </a:ext>
+            </a:extLst>
+          </p:cNvPr>
+          <p:cNvSpPr>
+            <a:spLocks noGrp="1"/>
+          </p:cNvSpPr>
+          <p:nvPr>
+            <p:ph type="title"/>
+          </p:nvPr>
+        </p:nvSpPr>
+        <p:spPr/>
+        <p:txBody>
+          <a:bodyPr/>
+          <a:lstStyle/>
+          <a:p>
+            <a:r>
+              <a:rPr lang="de-DE" dirty="0"/>
+              <a:t>Strukturierte Daten – Zugriffverfahren</a:t>
+            </a:r>
+            <a:endParaRPr lang="en-US" dirty="0"/>
+          </a:p>
+        </p:txBody>
+      </p:sp>
+      <p:sp>
+        <p:nvSpPr>
+          <p:cNvPr id="3" name="Inhaltsplatzhalter 2">
+            <a:extLst>
+              <a:ext uri="{FF2B5EF4-FFF2-40B4-BE49-F238E27FC236}">
+                <a16:creationId xmlns:a16="http://schemas.microsoft.com/office/drawing/2014/main" id="{B42A4488-4288-36D2-8D40-F4E607B2120E}"/>
+              </a:ext>
+            </a:extLst>
+          </p:cNvPr>
+          <p:cNvSpPr>
+            <a:spLocks noGrp="1"/>
+          </p:cNvSpPr>
+          <p:nvPr>
+            <p:ph idx="1"/>
+          </p:nvPr>
+        </p:nvSpPr>
+        <p:spPr/>
+        <p:txBody>
+          <a:bodyPr/>
+          <a:lstStyle/>
+          <a:p>
+            <a:r>
+              <a:rPr lang="de-DE" dirty="0"/>
+              <a:t>Da die Log Daten strukturiert sind, werden diese in einer relationalen Datenbank gespeichert</a:t>
+            </a:r>
+          </a:p>
+          <a:p>
+            <a:r>
+              <a:rPr lang="de-DE" dirty="0"/>
+              <a:t>Aufgrund der angegebenen Kundenwünsche wurde ein SQL Server für die Datenbank genutzt</a:t>
+            </a:r>
+          </a:p>
+          <a:p>
+            <a:r>
+              <a:rPr lang="de-DE" dirty="0"/>
+              <a:t>Zugriff erfolgt über einen Datenbankzugriff</a:t>
+            </a:r>
+          </a:p>
+          <a:p>
+            <a:r>
+              <a:rPr lang="de-DE" dirty="0"/>
+              <a:t>CSV wurde importiert und dann direkt ins richtige				Format überführt</a:t>
+            </a:r>
+            <a:endParaRPr lang="en-US" dirty="0"/>
+          </a:p>
+        </p:txBody>
+      </p:sp>
+      <p:pic>
+        <p:nvPicPr>
+          <p:cNvPr id="6" name="Grafik 5">
+            <a:extLst>
+              <a:ext uri="{FF2B5EF4-FFF2-40B4-BE49-F238E27FC236}">
+                <a16:creationId xmlns:a16="http://schemas.microsoft.com/office/drawing/2014/main" id="{9B934F3E-7A72-9A30-5895-6E42CEB3C080}"/>
+              </a:ext>
+            </a:extLst>
+          </p:cNvPr>
+          <p:cNvPicPr>
+            <a:picLocks noChangeAspect="1"/>
+          </p:cNvPicPr>
+          <p:nvPr/>
+        </p:nvPicPr>
+        <p:blipFill>
+          <a:blip r:embed="rId2"/>
+          <a:stretch>
+            <a:fillRect/>
+          </a:stretch>
+        </p:blipFill>
+        <p:spPr>
+          <a:xfrm>
+            <a:off x="9156598" y="3808041"/>
+            <a:ext cx="3035402" cy="2684834"/>
+          </a:xfrm>
+          <a:prstGeom prst="rect">
+            <a:avLst/>
+          </a:prstGeom>
+        </p:spPr>
+      </p:pic>
+      <p:pic>
+        <p:nvPicPr>
+          <p:cNvPr id="10" name="Grafik 9" descr="Ein Bild, das Text, Schrift, Screenshot, Reihe enthält.&#10;&#10;Automatisch generierte Beschreibung">
+            <a:extLst>
+              <a:ext uri="{FF2B5EF4-FFF2-40B4-BE49-F238E27FC236}">
+                <a16:creationId xmlns:a16="http://schemas.microsoft.com/office/drawing/2014/main" id="{2B7AA795-6BE3-8AC3-E8AC-54767CD25FAB}"/>
+              </a:ext>
+            </a:extLst>
+          </p:cNvPr>
+          <p:cNvPicPr>
+            <a:picLocks noChangeAspect="1"/>
+          </p:cNvPicPr>
+          <p:nvPr/>
+        </p:nvPicPr>
+        <p:blipFill>
+          <a:blip r:embed="rId3">
+            <a:extLst>
+              <a:ext uri="{28A0092B-C50C-407E-A947-70E740481C1C}">
+                <a14:useLocalDpi xmlns:a14="http://schemas.microsoft.com/office/drawing/2010/main" val="0"/>
+              </a:ext>
+            </a:extLst>
+          </a:blip>
+          <a:stretch>
+            <a:fillRect/>
+          </a:stretch>
+        </p:blipFill>
+        <p:spPr>
+          <a:xfrm>
+            <a:off x="1003570" y="5150458"/>
+            <a:ext cx="3610479" cy="628738"/>
+          </a:xfrm>
+          <a:prstGeom prst="rect">
+            <a:avLst/>
+          </a:prstGeom>
+        </p:spPr>
+      </p:pic>
+    </p:spTree>
+    <p:extLst>
+      <p:ext uri="{BB962C8B-B14F-4D97-AF65-F5344CB8AC3E}">
+        <p14:creationId xmlns:p14="http://schemas.microsoft.com/office/powerpoint/2010/main" val="2018274000"/>
       </p:ext>
     </p:extLst>
   </p:cSld>

--- a/Organisational/Dokumentation HHZ Rocket Project.pptx
+++ b/Organisational/Dokumentation HHZ Rocket Project.pptx
@@ -5,7 +5,7 @@
     <p:sldMasterId id="2147483648" r:id="rId1"/>
   </p:sldMasterIdLst>
   <p:notesMasterIdLst>
-    <p:notesMasterId r:id="rId27"/>
+    <p:notesMasterId r:id="rId29"/>
   </p:notesMasterIdLst>
   <p:sldIdLst>
     <p:sldId id="256" r:id="rId2"/>
@@ -21,18 +21,20 @@
     <p:sldId id="271" r:id="rId12"/>
     <p:sldId id="268" r:id="rId13"/>
     <p:sldId id="273" r:id="rId14"/>
-    <p:sldId id="277" r:id="rId15"/>
-    <p:sldId id="274" r:id="rId16"/>
-    <p:sldId id="279" r:id="rId17"/>
-    <p:sldId id="280" r:id="rId18"/>
-    <p:sldId id="285" r:id="rId19"/>
-    <p:sldId id="278" r:id="rId20"/>
-    <p:sldId id="281" r:id="rId21"/>
-    <p:sldId id="282" r:id="rId22"/>
-    <p:sldId id="283" r:id="rId23"/>
-    <p:sldId id="286" r:id="rId24"/>
-    <p:sldId id="287" r:id="rId25"/>
-    <p:sldId id="288" r:id="rId26"/>
+    <p:sldId id="289" r:id="rId15"/>
+    <p:sldId id="277" r:id="rId16"/>
+    <p:sldId id="274" r:id="rId17"/>
+    <p:sldId id="279" r:id="rId18"/>
+    <p:sldId id="280" r:id="rId19"/>
+    <p:sldId id="281" r:id="rId20"/>
+    <p:sldId id="285" r:id="rId21"/>
+    <p:sldId id="278" r:id="rId22"/>
+    <p:sldId id="282" r:id="rId23"/>
+    <p:sldId id="283" r:id="rId24"/>
+    <p:sldId id="290" r:id="rId25"/>
+    <p:sldId id="286" r:id="rId26"/>
+    <p:sldId id="287" r:id="rId27"/>
+    <p:sldId id="288" r:id="rId28"/>
   </p:sldIdLst>
   <p:sldSz cx="12192000" cy="6858000"/>
   <p:notesSz cx="6858000" cy="9144000"/>
@@ -142,7 +144,7 @@
 <file path=ppt/revisionInfo.xml><?xml version="1.0" encoding="utf-8"?>
 <p1510:revInfo xmlns:a="http://schemas.openxmlformats.org/drawingml/2006/main" xmlns:r="http://schemas.openxmlformats.org/officeDocument/2006/relationships" xmlns:p1510="http://schemas.microsoft.com/office/powerpoint/2015/10/main">
   <p1510:revLst>
-    <p1510:client id="{5635DA5A-61EB-4DA5-B93B-B0B2D991637B}" v="8" dt="2024-02-24T16:20:25.562"/>
+    <p1510:client id="{5635DA5A-61EB-4DA5-B93B-B0B2D991637B}" v="66" dt="2024-02-25T12:45:37.006"/>
   </p1510:revLst>
 </p1510:revInfo>
 </file>
@@ -151,20 +153,135 @@
 <pc:chgInfo xmlns:a="http://schemas.openxmlformats.org/drawingml/2006/main" xmlns:r="http://schemas.openxmlformats.org/officeDocument/2006/relationships" xmlns:ac="http://schemas.microsoft.com/office/drawing/2013/main/command" xmlns:pc="http://schemas.microsoft.com/office/powerpoint/2013/main/command">
   <pc:docChgLst>
     <pc:chgData name="Betz, Daniel" userId="2ae60d0c-3264-419a-8fb5-5613884ee745" providerId="ADAL" clId="{5635DA5A-61EB-4DA5-B93B-B0B2D991637B}"/>
-    <pc:docChg chg="custSel addSld delSld modSld sldOrd">
-      <pc:chgData name="Betz, Daniel" userId="2ae60d0c-3264-419a-8fb5-5613884ee745" providerId="ADAL" clId="{5635DA5A-61EB-4DA5-B93B-B0B2D991637B}" dt="2024-02-24T16:20:28.660" v="624" actId="1076"/>
+    <pc:docChg chg="undo custSel addSld delSld modSld sldOrd">
+      <pc:chgData name="Betz, Daniel" userId="2ae60d0c-3264-419a-8fb5-5613884ee745" providerId="ADAL" clId="{5635DA5A-61EB-4DA5-B93B-B0B2D991637B}" dt="2024-02-25T12:47:00.036" v="4325" actId="14100"/>
       <pc:docMkLst>
         <pc:docMk/>
       </pc:docMkLst>
-      <pc:sldChg chg="ord">
-        <pc:chgData name="Betz, Daniel" userId="2ae60d0c-3264-419a-8fb5-5613884ee745" providerId="ADAL" clId="{5635DA5A-61EB-4DA5-B93B-B0B2D991637B}" dt="2024-02-24T16:15:31.111" v="532"/>
+      <pc:sldChg chg="modSp mod">
+        <pc:chgData name="Betz, Daniel" userId="2ae60d0c-3264-419a-8fb5-5613884ee745" providerId="ADAL" clId="{5635DA5A-61EB-4DA5-B93B-B0B2D991637B}" dt="2024-02-25T10:08:40.765" v="787" actId="20577"/>
+        <pc:sldMkLst>
+          <pc:docMk/>
+          <pc:sldMk cId="1727471641" sldId="261"/>
+        </pc:sldMkLst>
+        <pc:spChg chg="mod">
+          <ac:chgData name="Betz, Daniel" userId="2ae60d0c-3264-419a-8fb5-5613884ee745" providerId="ADAL" clId="{5635DA5A-61EB-4DA5-B93B-B0B2D991637B}" dt="2024-02-25T10:08:40.765" v="787" actId="20577"/>
+          <ac:spMkLst>
+            <pc:docMk/>
+            <pc:sldMk cId="1727471641" sldId="261"/>
+            <ac:spMk id="3" creationId="{6C3850A4-35DC-2356-DAB8-91704D667AA0}"/>
+          </ac:spMkLst>
+        </pc:spChg>
+      </pc:sldChg>
+      <pc:sldChg chg="modSp">
+        <pc:chgData name="Betz, Daniel" userId="2ae60d0c-3264-419a-8fb5-5613884ee745" providerId="ADAL" clId="{5635DA5A-61EB-4DA5-B93B-B0B2D991637B}" dt="2024-02-25T10:09:33.620" v="844" actId="20577"/>
+        <pc:sldMkLst>
+          <pc:docMk/>
+          <pc:sldMk cId="650092607" sldId="264"/>
+        </pc:sldMkLst>
+        <pc:graphicFrameChg chg="mod">
+          <ac:chgData name="Betz, Daniel" userId="2ae60d0c-3264-419a-8fb5-5613884ee745" providerId="ADAL" clId="{5635DA5A-61EB-4DA5-B93B-B0B2D991637B}" dt="2024-02-25T10:09:33.620" v="844" actId="20577"/>
+          <ac:graphicFrameMkLst>
+            <pc:docMk/>
+            <pc:sldMk cId="650092607" sldId="264"/>
+            <ac:graphicFrameMk id="7" creationId="{ABC3E223-12AA-B681-2055-F57E33ED6901}"/>
+          </ac:graphicFrameMkLst>
+        </pc:graphicFrameChg>
+      </pc:sldChg>
+      <pc:sldChg chg="addSp modSp mod">
+        <pc:chgData name="Betz, Daniel" userId="2ae60d0c-3264-419a-8fb5-5613884ee745" providerId="ADAL" clId="{5635DA5A-61EB-4DA5-B93B-B0B2D991637B}" dt="2024-02-25T12:45:47.994" v="4313" actId="1076"/>
+        <pc:sldMkLst>
+          <pc:docMk/>
+          <pc:sldMk cId="1699782304" sldId="268"/>
+        </pc:sldMkLst>
+        <pc:spChg chg="mod">
+          <ac:chgData name="Betz, Daniel" userId="2ae60d0c-3264-419a-8fb5-5613884ee745" providerId="ADAL" clId="{5635DA5A-61EB-4DA5-B93B-B0B2D991637B}" dt="2024-02-25T10:13:55.023" v="1308" actId="790"/>
+          <ac:spMkLst>
+            <pc:docMk/>
+            <pc:sldMk cId="1699782304" sldId="268"/>
+            <ac:spMk id="2" creationId="{3D12C5CA-E520-8343-6B63-F98E42E089BC}"/>
+          </ac:spMkLst>
+        </pc:spChg>
+        <pc:spChg chg="add mod">
+          <ac:chgData name="Betz, Daniel" userId="2ae60d0c-3264-419a-8fb5-5613884ee745" providerId="ADAL" clId="{5635DA5A-61EB-4DA5-B93B-B0B2D991637B}" dt="2024-02-25T12:45:47.994" v="4313" actId="1076"/>
+          <ac:spMkLst>
+            <pc:docMk/>
+            <pc:sldMk cId="1699782304" sldId="268"/>
+            <ac:spMk id="7" creationId="{1978FCCC-8A7C-A54E-6783-77D1D0B12A62}"/>
+          </ac:spMkLst>
+        </pc:spChg>
+      </pc:sldChg>
+      <pc:sldChg chg="addSp modSp mod">
+        <pc:chgData name="Betz, Daniel" userId="2ae60d0c-3264-419a-8fb5-5613884ee745" providerId="ADAL" clId="{5635DA5A-61EB-4DA5-B93B-B0B2D991637B}" dt="2024-02-25T12:47:00.036" v="4325" actId="14100"/>
+        <pc:sldMkLst>
+          <pc:docMk/>
+          <pc:sldMk cId="1897635200" sldId="271"/>
+        </pc:sldMkLst>
+        <pc:spChg chg="add mod">
+          <ac:chgData name="Betz, Daniel" userId="2ae60d0c-3264-419a-8fb5-5613884ee745" providerId="ADAL" clId="{5635DA5A-61EB-4DA5-B93B-B0B2D991637B}" dt="2024-02-25T12:47:00.036" v="4325" actId="14100"/>
+          <ac:spMkLst>
+            <pc:docMk/>
+            <pc:sldMk cId="1897635200" sldId="271"/>
+            <ac:spMk id="5" creationId="{6826E7FF-C9A1-579A-F49D-A5FFA01A404A}"/>
+          </ac:spMkLst>
+        </pc:spChg>
+      </pc:sldChg>
+      <pc:sldChg chg="addSp delSp modSp mod">
+        <pc:chgData name="Betz, Daniel" userId="2ae60d0c-3264-419a-8fb5-5613884ee745" providerId="ADAL" clId="{5635DA5A-61EB-4DA5-B93B-B0B2D991637B}" dt="2024-02-25T12:46:15.914" v="4318" actId="1076"/>
+        <pc:sldMkLst>
+          <pc:docMk/>
+          <pc:sldMk cId="3098822626" sldId="273"/>
+        </pc:sldMkLst>
+        <pc:spChg chg="mod">
+          <ac:chgData name="Betz, Daniel" userId="2ae60d0c-3264-419a-8fb5-5613884ee745" providerId="ADAL" clId="{5635DA5A-61EB-4DA5-B93B-B0B2D991637B}" dt="2024-02-25T10:13:48.982" v="1307" actId="790"/>
+          <ac:spMkLst>
+            <pc:docMk/>
+            <pc:sldMk cId="3098822626" sldId="273"/>
+            <ac:spMk id="2" creationId="{8BA5D1DF-74B4-2D18-5BCF-0636DE8A0193}"/>
+          </ac:spMkLst>
+        </pc:spChg>
+        <pc:spChg chg="add mod">
+          <ac:chgData name="Betz, Daniel" userId="2ae60d0c-3264-419a-8fb5-5613884ee745" providerId="ADAL" clId="{5635DA5A-61EB-4DA5-B93B-B0B2D991637B}" dt="2024-02-25T12:45:10.869" v="4301" actId="14100"/>
+          <ac:spMkLst>
+            <pc:docMk/>
+            <pc:sldMk cId="3098822626" sldId="273"/>
+            <ac:spMk id="5" creationId="{DF743BD2-D508-8EAE-04E2-12638464D8B7}"/>
+          </ac:spMkLst>
+        </pc:spChg>
+        <pc:spChg chg="add del mod">
+          <ac:chgData name="Betz, Daniel" userId="2ae60d0c-3264-419a-8fb5-5613884ee745" providerId="ADAL" clId="{5635DA5A-61EB-4DA5-B93B-B0B2D991637B}" dt="2024-02-25T12:45:34.638" v="4304" actId="21"/>
+          <ac:spMkLst>
+            <pc:docMk/>
+            <pc:sldMk cId="3098822626" sldId="273"/>
+            <ac:spMk id="7" creationId="{1978FCCC-8A7C-A54E-6783-77D1D0B12A62}"/>
+          </ac:spMkLst>
+        </pc:spChg>
+        <pc:spChg chg="add mod">
+          <ac:chgData name="Betz, Daniel" userId="2ae60d0c-3264-419a-8fb5-5613884ee745" providerId="ADAL" clId="{5635DA5A-61EB-4DA5-B93B-B0B2D991637B}" dt="2024-02-25T12:46:15.914" v="4318" actId="1076"/>
+          <ac:spMkLst>
+            <pc:docMk/>
+            <pc:sldMk cId="3098822626" sldId="273"/>
+            <ac:spMk id="9" creationId="{3C0905C7-8F8B-2699-8329-7627B836D55F}"/>
+          </ac:spMkLst>
+        </pc:spChg>
+      </pc:sldChg>
+      <pc:sldChg chg="modSp mod ord">
+        <pc:chgData name="Betz, Daniel" userId="2ae60d0c-3264-419a-8fb5-5613884ee745" providerId="ADAL" clId="{5635DA5A-61EB-4DA5-B93B-B0B2D991637B}" dt="2024-02-25T10:19:40.602" v="1339"/>
         <pc:sldMkLst>
           <pc:docMk/>
           <pc:sldMk cId="1007533382" sldId="281"/>
         </pc:sldMkLst>
+        <pc:spChg chg="mod">
+          <ac:chgData name="Betz, Daniel" userId="2ae60d0c-3264-419a-8fb5-5613884ee745" providerId="ADAL" clId="{5635DA5A-61EB-4DA5-B93B-B0B2D991637B}" dt="2024-02-25T10:19:08.794" v="1335" actId="20577"/>
+          <ac:spMkLst>
+            <pc:docMk/>
+            <pc:sldMk cId="1007533382" sldId="281"/>
+            <ac:spMk id="2" creationId="{65CB0C3E-037F-A156-2883-28F2C9582A29}"/>
+          </ac:spMkLst>
+        </pc:spChg>
       </pc:sldChg>
       <pc:sldChg chg="addSp delSp modSp new mod ord">
-        <pc:chgData name="Betz, Daniel" userId="2ae60d0c-3264-419a-8fb5-5613884ee745" providerId="ADAL" clId="{5635DA5A-61EB-4DA5-B93B-B0B2D991637B}" dt="2024-02-24T16:20:18.515" v="622" actId="1076"/>
+        <pc:chgData name="Betz, Daniel" userId="2ae60d0c-3264-419a-8fb5-5613884ee745" providerId="ADAL" clId="{5635DA5A-61EB-4DA5-B93B-B0B2D991637B}" dt="2024-02-25T12:41:10.651" v="4292" actId="14100"/>
         <pc:sldMkLst>
           <pc:docMk/>
           <pc:sldMk cId="1949397748" sldId="282"/>
@@ -210,24 +327,40 @@
           </ac:spMkLst>
         </pc:spChg>
         <pc:picChg chg="add mod">
-          <ac:chgData name="Betz, Daniel" userId="2ae60d0c-3264-419a-8fb5-5613884ee745" providerId="ADAL" clId="{5635DA5A-61EB-4DA5-B93B-B0B2D991637B}" dt="2024-02-24T16:03:22.986" v="163" actId="14100"/>
+          <ac:chgData name="Betz, Daniel" userId="2ae60d0c-3264-419a-8fb5-5613884ee745" providerId="ADAL" clId="{5635DA5A-61EB-4DA5-B93B-B0B2D991637B}" dt="2024-02-25T12:40:50.297" v="4288" actId="14100"/>
+          <ac:picMkLst>
+            <pc:docMk/>
+            <pc:sldMk cId="1949397748" sldId="282"/>
+            <ac:picMk id="5" creationId="{972BD781-2F00-66EE-AD4F-20D3BEEC926A}"/>
+          </ac:picMkLst>
+        </pc:picChg>
+        <pc:picChg chg="add del mod">
+          <ac:chgData name="Betz, Daniel" userId="2ae60d0c-3264-419a-8fb5-5613884ee745" providerId="ADAL" clId="{5635DA5A-61EB-4DA5-B93B-B0B2D991637B}" dt="2024-02-25T12:40:42.975" v="4284" actId="478"/>
           <ac:picMkLst>
             <pc:docMk/>
             <pc:sldMk cId="1949397748" sldId="282"/>
             <ac:picMk id="6" creationId="{3E09A82B-F950-9154-A41D-0473FDD9BD26}"/>
           </ac:picMkLst>
         </pc:picChg>
-        <pc:picChg chg="add mod">
-          <ac:chgData name="Betz, Daniel" userId="2ae60d0c-3264-419a-8fb5-5613884ee745" providerId="ADAL" clId="{5635DA5A-61EB-4DA5-B93B-B0B2D991637B}" dt="2024-02-24T16:11:30.577" v="206" actId="14100"/>
+        <pc:picChg chg="add del mod">
+          <ac:chgData name="Betz, Daniel" userId="2ae60d0c-3264-419a-8fb5-5613884ee745" providerId="ADAL" clId="{5635DA5A-61EB-4DA5-B93B-B0B2D991637B}" dt="2024-02-25T12:41:05.085" v="4289" actId="478"/>
           <ac:picMkLst>
             <pc:docMk/>
             <pc:sldMk cId="1949397748" sldId="282"/>
             <ac:picMk id="8" creationId="{7BDE6FC7-3454-7FAE-28D9-AB4E6437F158}"/>
           </ac:picMkLst>
         </pc:picChg>
+        <pc:picChg chg="add mod">
+          <ac:chgData name="Betz, Daniel" userId="2ae60d0c-3264-419a-8fb5-5613884ee745" providerId="ADAL" clId="{5635DA5A-61EB-4DA5-B93B-B0B2D991637B}" dt="2024-02-25T12:41:10.651" v="4292" actId="14100"/>
+          <ac:picMkLst>
+            <pc:docMk/>
+            <pc:sldMk cId="1949397748" sldId="282"/>
+            <ac:picMk id="9" creationId="{79A8189B-F834-E49E-5EB0-AF10625C2F71}"/>
+          </ac:picMkLst>
+        </pc:picChg>
       </pc:sldChg>
       <pc:sldChg chg="addSp delSp modSp add mod ord">
-        <pc:chgData name="Betz, Daniel" userId="2ae60d0c-3264-419a-8fb5-5613884ee745" providerId="ADAL" clId="{5635DA5A-61EB-4DA5-B93B-B0B2D991637B}" dt="2024-02-24T16:20:28.660" v="624" actId="1076"/>
+        <pc:chgData name="Betz, Daniel" userId="2ae60d0c-3264-419a-8fb5-5613884ee745" providerId="ADAL" clId="{5635DA5A-61EB-4DA5-B93B-B0B2D991637B}" dt="2024-02-25T12:40:27.972" v="4283" actId="1076"/>
         <pc:sldMkLst>
           <pc:docMk/>
           <pc:sldMk cId="3263210723" sldId="283"/>
@@ -256,8 +389,8 @@
             <ac:spMk id="12" creationId="{2A173D40-E406-591E-8B84-3B5805010686}"/>
           </ac:spMkLst>
         </pc:spChg>
-        <pc:picChg chg="add mod">
-          <ac:chgData name="Betz, Daniel" userId="2ae60d0c-3264-419a-8fb5-5613884ee745" providerId="ADAL" clId="{5635DA5A-61EB-4DA5-B93B-B0B2D991637B}" dt="2024-02-24T16:19:45.279" v="613" actId="1076"/>
+        <pc:picChg chg="add del mod">
+          <ac:chgData name="Betz, Daniel" userId="2ae60d0c-3264-419a-8fb5-5613884ee745" providerId="ADAL" clId="{5635DA5A-61EB-4DA5-B93B-B0B2D991637B}" dt="2024-02-25T12:40:03.421" v="4277" actId="478"/>
           <ac:picMkLst>
             <pc:docMk/>
             <pc:sldMk cId="3263210723" sldId="283"/>
@@ -273,6 +406,14 @@
           </ac:picMkLst>
         </pc:picChg>
         <pc:picChg chg="add del mod">
+          <ac:chgData name="Betz, Daniel" userId="2ae60d0c-3264-419a-8fb5-5613884ee745" providerId="ADAL" clId="{5635DA5A-61EB-4DA5-B93B-B0B2D991637B}" dt="2024-02-25T12:39:51.880" v="4273" actId="478"/>
+          <ac:picMkLst>
+            <pc:docMk/>
+            <pc:sldMk cId="3263210723" sldId="283"/>
+            <ac:picMk id="6" creationId="{DD389645-7EE5-D3DA-6B09-8C1F89136F0B}"/>
+          </ac:picMkLst>
+        </pc:picChg>
+        <pc:picChg chg="add del mod">
           <ac:chgData name="Betz, Daniel" userId="2ae60d0c-3264-419a-8fb5-5613884ee745" providerId="ADAL" clId="{5635DA5A-61EB-4DA5-B93B-B0B2D991637B}" dt="2024-02-24T16:10:45.187" v="200" actId="478"/>
           <ac:picMkLst>
             <pc:docMk/>
@@ -281,11 +422,27 @@
           </ac:picMkLst>
         </pc:picChg>
         <pc:picChg chg="add mod">
-          <ac:chgData name="Betz, Daniel" userId="2ae60d0c-3264-419a-8fb5-5613884ee745" providerId="ADAL" clId="{5635DA5A-61EB-4DA5-B93B-B0B2D991637B}" dt="2024-02-24T16:11:07.023" v="203" actId="14100"/>
+          <ac:chgData name="Betz, Daniel" userId="2ae60d0c-3264-419a-8fb5-5613884ee745" providerId="ADAL" clId="{5635DA5A-61EB-4DA5-B93B-B0B2D991637B}" dt="2024-02-25T12:40:06.544" v="4278" actId="1076"/>
+          <ac:picMkLst>
+            <pc:docMk/>
+            <pc:sldMk cId="3263210723" sldId="283"/>
+            <ac:picMk id="8" creationId="{5A90CB8C-D699-F983-7645-004020A1F92F}"/>
+          </ac:picMkLst>
+        </pc:picChg>
+        <pc:picChg chg="add del mod">
+          <ac:chgData name="Betz, Daniel" userId="2ae60d0c-3264-419a-8fb5-5613884ee745" providerId="ADAL" clId="{5635DA5A-61EB-4DA5-B93B-B0B2D991637B}" dt="2024-02-25T12:40:18.703" v="4279" actId="478"/>
           <ac:picMkLst>
             <pc:docMk/>
             <pc:sldMk cId="3263210723" sldId="283"/>
             <ac:picMk id="10" creationId="{E2CB8BF1-1CC5-8098-5103-D2BCC5657DCA}"/>
+          </ac:picMkLst>
+        </pc:picChg>
+        <pc:picChg chg="add mod">
+          <ac:chgData name="Betz, Daniel" userId="2ae60d0c-3264-419a-8fb5-5613884ee745" providerId="ADAL" clId="{5635DA5A-61EB-4DA5-B93B-B0B2D991637B}" dt="2024-02-25T12:40:27.972" v="4283" actId="1076"/>
+          <ac:picMkLst>
+            <pc:docMk/>
+            <pc:sldMk cId="3263210723" sldId="283"/>
+            <ac:picMk id="13" creationId="{A7B85A60-886D-0FE0-C4F9-5328074A9FFD}"/>
           </ac:picMkLst>
         </pc:picChg>
       </pc:sldChg>
@@ -456,6 +613,76 @@
             <pc:docMk/>
             <pc:sldMk cId="1967836994" sldId="288"/>
             <ac:spMk id="2" creationId="{8E6B58A8-F99F-19E1-7107-8230BFA5BFBB}"/>
+          </ac:spMkLst>
+        </pc:spChg>
+      </pc:sldChg>
+      <pc:sldChg chg="addSp modSp new mod">
+        <pc:chgData name="Betz, Daniel" userId="2ae60d0c-3264-419a-8fb5-5613884ee745" providerId="ADAL" clId="{5635DA5A-61EB-4DA5-B93B-B0B2D991637B}" dt="2024-02-25T12:29:32.537" v="3372" actId="1076"/>
+        <pc:sldMkLst>
+          <pc:docMk/>
+          <pc:sldMk cId="916573319" sldId="289"/>
+        </pc:sldMkLst>
+        <pc:spChg chg="mod">
+          <ac:chgData name="Betz, Daniel" userId="2ae60d0c-3264-419a-8fb5-5613884ee745" providerId="ADAL" clId="{5635DA5A-61EB-4DA5-B93B-B0B2D991637B}" dt="2024-02-25T10:13:42.329" v="1306" actId="790"/>
+          <ac:spMkLst>
+            <pc:docMk/>
+            <pc:sldMk cId="916573319" sldId="289"/>
+            <ac:spMk id="2" creationId="{C3FED323-3D69-342F-E829-D64987B7031B}"/>
+          </ac:spMkLst>
+        </pc:spChg>
+        <pc:spChg chg="mod">
+          <ac:chgData name="Betz, Daniel" userId="2ae60d0c-3264-419a-8fb5-5613884ee745" providerId="ADAL" clId="{5635DA5A-61EB-4DA5-B93B-B0B2D991637B}" dt="2024-02-25T12:28:45.804" v="3363" actId="20577"/>
+          <ac:spMkLst>
+            <pc:docMk/>
+            <pc:sldMk cId="916573319" sldId="289"/>
+            <ac:spMk id="3" creationId="{8A15403E-8717-A7BD-3FDF-A663923B7D88}"/>
+          </ac:spMkLst>
+        </pc:spChg>
+        <pc:spChg chg="add mod">
+          <ac:chgData name="Betz, Daniel" userId="2ae60d0c-3264-419a-8fb5-5613884ee745" providerId="ADAL" clId="{5635DA5A-61EB-4DA5-B93B-B0B2D991637B}" dt="2024-02-25T12:29:32.537" v="3372" actId="1076"/>
+          <ac:spMkLst>
+            <pc:docMk/>
+            <pc:sldMk cId="916573319" sldId="289"/>
+            <ac:spMk id="9" creationId="{9C32954B-0F11-3BC8-0AEA-DB1C2B489F92}"/>
+          </ac:spMkLst>
+        </pc:spChg>
+        <pc:picChg chg="add mod">
+          <ac:chgData name="Betz, Daniel" userId="2ae60d0c-3264-419a-8fb5-5613884ee745" providerId="ADAL" clId="{5635DA5A-61EB-4DA5-B93B-B0B2D991637B}" dt="2024-02-25T10:47:13.028" v="1509" actId="1076"/>
+          <ac:picMkLst>
+            <pc:docMk/>
+            <pc:sldMk cId="916573319" sldId="289"/>
+            <ac:picMk id="5" creationId="{C0E85B62-3686-953B-8DEB-1F46C805A5CA}"/>
+          </ac:picMkLst>
+        </pc:picChg>
+        <pc:picChg chg="add mod">
+          <ac:chgData name="Betz, Daniel" userId="2ae60d0c-3264-419a-8fb5-5613884ee745" providerId="ADAL" clId="{5635DA5A-61EB-4DA5-B93B-B0B2D991637B}" dt="2024-02-25T10:48:03.101" v="1515" actId="1076"/>
+          <ac:picMkLst>
+            <pc:docMk/>
+            <pc:sldMk cId="916573319" sldId="289"/>
+            <ac:picMk id="7" creationId="{688F84F9-E796-B64F-0C3D-D1472B5502ED}"/>
+          </ac:picMkLst>
+        </pc:picChg>
+      </pc:sldChg>
+      <pc:sldChg chg="modSp new mod">
+        <pc:chgData name="Betz, Daniel" userId="2ae60d0c-3264-419a-8fb5-5613884ee745" providerId="ADAL" clId="{5635DA5A-61EB-4DA5-B93B-B0B2D991637B}" dt="2024-02-25T12:38:51.798" v="4268" actId="313"/>
+        <pc:sldMkLst>
+          <pc:docMk/>
+          <pc:sldMk cId="4021444989" sldId="290"/>
+        </pc:sldMkLst>
+        <pc:spChg chg="mod">
+          <ac:chgData name="Betz, Daniel" userId="2ae60d0c-3264-419a-8fb5-5613884ee745" providerId="ADAL" clId="{5635DA5A-61EB-4DA5-B93B-B0B2D991637B}" dt="2024-02-25T11:40:31.987" v="1649" actId="20577"/>
+          <ac:spMkLst>
+            <pc:docMk/>
+            <pc:sldMk cId="4021444989" sldId="290"/>
+            <ac:spMk id="2" creationId="{8EBA753B-FC0A-2CFE-752F-19DBAB0B5406}"/>
+          </ac:spMkLst>
+        </pc:spChg>
+        <pc:spChg chg="mod">
+          <ac:chgData name="Betz, Daniel" userId="2ae60d0c-3264-419a-8fb5-5613884ee745" providerId="ADAL" clId="{5635DA5A-61EB-4DA5-B93B-B0B2D991637B}" dt="2024-02-25T12:38:51.798" v="4268" actId="313"/>
+          <ac:spMkLst>
+            <pc:docMk/>
+            <pc:sldMk cId="4021444989" sldId="290"/>
+            <ac:spMk id="3" creationId="{DAC1F10F-876F-B3E2-6EF6-659735F33008}"/>
           </ac:spMkLst>
         </pc:spChg>
       </pc:sldChg>
@@ -2486,9 +2713,8 @@
           </a:r>
           <a:r>
             <a:rPr lang="de-DE" dirty="0"/>
-            <a:t> überarbeiten</a:t>
+            <a:t> ü</a:t>
           </a:r>
-          <a:endParaRPr lang="en-US" dirty="0"/>
         </a:p>
       </dgm:t>
     </dgm:pt>
@@ -2514,6 +2740,42 @@
         </a:p>
       </dgm:t>
     </dgm:pt>
+    <dgm:pt modelId="{F3FAD382-26DA-4008-B5F6-23BC3F3DF1CC}">
+      <dgm:prSet/>
+      <dgm:spPr/>
+      <dgm:t>
+        <a:bodyPr/>
+        <a:lstStyle/>
+        <a:p>
+          <a:r>
+            <a:rPr lang="de-DE" dirty="0"/>
+            <a:t>6. Daten Bereinigen</a:t>
+          </a:r>
+        </a:p>
+      </dgm:t>
+    </dgm:pt>
+    <dgm:pt modelId="{4AE80825-7BD4-402A-ACFF-2F1051C27907}" type="parTrans" cxnId="{5BB16F44-A4DF-4E68-A03B-1C9C3BC67112}">
+      <dgm:prSet/>
+      <dgm:spPr/>
+      <dgm:t>
+        <a:bodyPr/>
+        <a:lstStyle/>
+        <a:p>
+          <a:endParaRPr lang="en-US"/>
+        </a:p>
+      </dgm:t>
+    </dgm:pt>
+    <dgm:pt modelId="{BC6E3B6C-E730-4D29-9088-8715B7DF788F}" type="sibTrans" cxnId="{5BB16F44-A4DF-4E68-A03B-1C9C3BC67112}">
+      <dgm:prSet/>
+      <dgm:spPr/>
+      <dgm:t>
+        <a:bodyPr/>
+        <a:lstStyle/>
+        <a:p>
+          <a:endParaRPr lang="en-US"/>
+        </a:p>
+      </dgm:t>
+    </dgm:pt>
     <dgm:pt modelId="{AA4194FF-7B33-4304-8EE1-AA3992B92C19}" type="pres">
       <dgm:prSet presAssocID="{32B5D352-1E80-4ADC-8F34-2C7161DD8167}" presName="vert0" presStyleCnt="0">
         <dgm:presLayoutVars>
@@ -2525,7 +2787,7 @@
       <dgm:spPr/>
     </dgm:pt>
     <dgm:pt modelId="{3B1956C2-D3BC-4B64-A547-FAAD60713C69}" type="pres">
-      <dgm:prSet presAssocID="{71805F93-7F83-440E-B309-D34279A4B555}" presName="thickLine" presStyleLbl="alignNode1" presStyleIdx="0" presStyleCnt="5"/>
+      <dgm:prSet presAssocID="{71805F93-7F83-440E-B309-D34279A4B555}" presName="thickLine" presStyleLbl="alignNode1" presStyleIdx="0" presStyleCnt="6"/>
       <dgm:spPr/>
     </dgm:pt>
     <dgm:pt modelId="{D5A00DDD-DB7C-44FA-9BE4-9E0846C042E6}" type="pres">
@@ -2533,7 +2795,7 @@
       <dgm:spPr/>
     </dgm:pt>
     <dgm:pt modelId="{71D5278C-C71C-439B-9C94-D2EFC93CF49E}" type="pres">
-      <dgm:prSet presAssocID="{71805F93-7F83-440E-B309-D34279A4B555}" presName="tx1" presStyleLbl="revTx" presStyleIdx="0" presStyleCnt="5"/>
+      <dgm:prSet presAssocID="{71805F93-7F83-440E-B309-D34279A4B555}" presName="tx1" presStyleLbl="revTx" presStyleIdx="0" presStyleCnt="6"/>
       <dgm:spPr/>
     </dgm:pt>
     <dgm:pt modelId="{1583C4FA-4D04-48F6-A40A-40219B17840E}" type="pres">
@@ -2541,7 +2803,7 @@
       <dgm:spPr/>
     </dgm:pt>
     <dgm:pt modelId="{CEA212EF-0056-4C8B-A976-162F2CA0DE20}" type="pres">
-      <dgm:prSet presAssocID="{66A1F5FF-7A59-4786-84EE-193516FE6546}" presName="thickLine" presStyleLbl="alignNode1" presStyleIdx="1" presStyleCnt="5"/>
+      <dgm:prSet presAssocID="{66A1F5FF-7A59-4786-84EE-193516FE6546}" presName="thickLine" presStyleLbl="alignNode1" presStyleIdx="1" presStyleCnt="6"/>
       <dgm:spPr/>
     </dgm:pt>
     <dgm:pt modelId="{B40CA86E-2058-4AF1-810B-C5F20D0E562A}" type="pres">
@@ -2549,7 +2811,7 @@
       <dgm:spPr/>
     </dgm:pt>
     <dgm:pt modelId="{4CC02FEC-F940-4797-AC15-196C2A5C31B8}" type="pres">
-      <dgm:prSet presAssocID="{66A1F5FF-7A59-4786-84EE-193516FE6546}" presName="tx1" presStyleLbl="revTx" presStyleIdx="1" presStyleCnt="5"/>
+      <dgm:prSet presAssocID="{66A1F5FF-7A59-4786-84EE-193516FE6546}" presName="tx1" presStyleLbl="revTx" presStyleIdx="1" presStyleCnt="6"/>
       <dgm:spPr/>
     </dgm:pt>
     <dgm:pt modelId="{B9433B86-FA63-4FE6-A958-518C0D06F441}" type="pres">
@@ -2557,7 +2819,7 @@
       <dgm:spPr/>
     </dgm:pt>
     <dgm:pt modelId="{4AF42601-9F90-40E1-AC5B-C1D98AD0D0AE}" type="pres">
-      <dgm:prSet presAssocID="{ED73B545-D622-43FB-93FB-F38B9DDAE81A}" presName="thickLine" presStyleLbl="alignNode1" presStyleIdx="2" presStyleCnt="5"/>
+      <dgm:prSet presAssocID="{ED73B545-D622-43FB-93FB-F38B9DDAE81A}" presName="thickLine" presStyleLbl="alignNode1" presStyleIdx="2" presStyleCnt="6"/>
       <dgm:spPr/>
     </dgm:pt>
     <dgm:pt modelId="{5B70A791-BB78-4872-A8B7-3759B71001DC}" type="pres">
@@ -2565,7 +2827,7 @@
       <dgm:spPr/>
     </dgm:pt>
     <dgm:pt modelId="{1BCB1CAC-82C0-4F93-8EB2-C556D0E69138}" type="pres">
-      <dgm:prSet presAssocID="{ED73B545-D622-43FB-93FB-F38B9DDAE81A}" presName="tx1" presStyleLbl="revTx" presStyleIdx="2" presStyleCnt="5"/>
+      <dgm:prSet presAssocID="{ED73B545-D622-43FB-93FB-F38B9DDAE81A}" presName="tx1" presStyleLbl="revTx" presStyleIdx="2" presStyleCnt="6"/>
       <dgm:spPr/>
     </dgm:pt>
     <dgm:pt modelId="{4DF29D2D-FCC5-4978-B93A-30B480E43555}" type="pres">
@@ -2573,7 +2835,7 @@
       <dgm:spPr/>
     </dgm:pt>
     <dgm:pt modelId="{142B6D18-19C5-467E-9728-F1D4B452A777}" type="pres">
-      <dgm:prSet presAssocID="{90D088F7-F5C7-4618-8744-F81A17C3CC91}" presName="thickLine" presStyleLbl="alignNode1" presStyleIdx="3" presStyleCnt="5"/>
+      <dgm:prSet presAssocID="{90D088F7-F5C7-4618-8744-F81A17C3CC91}" presName="thickLine" presStyleLbl="alignNode1" presStyleIdx="3" presStyleCnt="6"/>
       <dgm:spPr/>
     </dgm:pt>
     <dgm:pt modelId="{DB983CAD-A9CE-4697-89F9-32890205DA42}" type="pres">
@@ -2581,7 +2843,7 @@
       <dgm:spPr/>
     </dgm:pt>
     <dgm:pt modelId="{C0A36620-F4CE-437A-A031-8E9BE4FF52FE}" type="pres">
-      <dgm:prSet presAssocID="{90D088F7-F5C7-4618-8744-F81A17C3CC91}" presName="tx1" presStyleLbl="revTx" presStyleIdx="3" presStyleCnt="5"/>
+      <dgm:prSet presAssocID="{90D088F7-F5C7-4618-8744-F81A17C3CC91}" presName="tx1" presStyleLbl="revTx" presStyleIdx="3" presStyleCnt="6"/>
       <dgm:spPr/>
     </dgm:pt>
     <dgm:pt modelId="{9ED5A53A-C4A6-495A-8818-3A33F1ED0CF9}" type="pres">
@@ -2589,7 +2851,7 @@
       <dgm:spPr/>
     </dgm:pt>
     <dgm:pt modelId="{4DDB9EC5-ADB2-4E47-9108-9700D557EC5E}" type="pres">
-      <dgm:prSet presAssocID="{2C5298F6-A493-4246-ACAB-D942090296F9}" presName="thickLine" presStyleLbl="alignNode1" presStyleIdx="4" presStyleCnt="5"/>
+      <dgm:prSet presAssocID="{2C5298F6-A493-4246-ACAB-D942090296F9}" presName="thickLine" presStyleLbl="alignNode1" presStyleIdx="4" presStyleCnt="6"/>
       <dgm:spPr/>
     </dgm:pt>
     <dgm:pt modelId="{75C7550D-5241-4207-A42B-99774CC71780}" type="pres">
@@ -2597,11 +2859,27 @@
       <dgm:spPr/>
     </dgm:pt>
     <dgm:pt modelId="{D5FD4061-508C-4BF8-83B5-36E3FD7D3AFD}" type="pres">
-      <dgm:prSet presAssocID="{2C5298F6-A493-4246-ACAB-D942090296F9}" presName="tx1" presStyleLbl="revTx" presStyleIdx="4" presStyleCnt="5"/>
+      <dgm:prSet presAssocID="{2C5298F6-A493-4246-ACAB-D942090296F9}" presName="tx1" presStyleLbl="revTx" presStyleIdx="4" presStyleCnt="6"/>
       <dgm:spPr/>
     </dgm:pt>
     <dgm:pt modelId="{33062A29-B47A-489B-AA6D-D1F0CEA461E5}" type="pres">
       <dgm:prSet presAssocID="{2C5298F6-A493-4246-ACAB-D942090296F9}" presName="vert1" presStyleCnt="0"/>
+      <dgm:spPr/>
+    </dgm:pt>
+    <dgm:pt modelId="{B6E3AE86-D8E3-4304-92E1-7CC57DF2C8CA}" type="pres">
+      <dgm:prSet presAssocID="{F3FAD382-26DA-4008-B5F6-23BC3F3DF1CC}" presName="thickLine" presStyleLbl="alignNode1" presStyleIdx="5" presStyleCnt="6"/>
+      <dgm:spPr/>
+    </dgm:pt>
+    <dgm:pt modelId="{9FD3E9D9-FD0D-4521-91DE-B24CAA2748C2}" type="pres">
+      <dgm:prSet presAssocID="{F3FAD382-26DA-4008-B5F6-23BC3F3DF1CC}" presName="horz1" presStyleCnt="0"/>
+      <dgm:spPr/>
+    </dgm:pt>
+    <dgm:pt modelId="{DF9080AE-C644-47B9-A96E-A60CD004680A}" type="pres">
+      <dgm:prSet presAssocID="{F3FAD382-26DA-4008-B5F6-23BC3F3DF1CC}" presName="tx1" presStyleLbl="revTx" presStyleIdx="5" presStyleCnt="6"/>
+      <dgm:spPr/>
+    </dgm:pt>
+    <dgm:pt modelId="{C4EF29DB-7423-4C7B-9116-4A10752BC64B}" type="pres">
+      <dgm:prSet presAssocID="{F3FAD382-26DA-4008-B5F6-23BC3F3DF1CC}" presName="vert1" presStyleCnt="0"/>
       <dgm:spPr/>
     </dgm:pt>
   </dgm:ptLst>
@@ -2609,6 +2887,7 @@
     <dgm:cxn modelId="{6378AA02-A301-4B72-A8F4-094311FAF60A}" srcId="{32B5D352-1E80-4ADC-8F34-2C7161DD8167}" destId="{66A1F5FF-7A59-4786-84EE-193516FE6546}" srcOrd="1" destOrd="0" parTransId="{F3E29084-798A-41E3-9195-F28F7B496600}" sibTransId="{C2373003-4654-4C34-BE98-0CF4010DBD23}"/>
     <dgm:cxn modelId="{85BA841F-DD58-40AE-9698-4D2D0BB1DDA4}" type="presOf" srcId="{90D088F7-F5C7-4618-8744-F81A17C3CC91}" destId="{C0A36620-F4CE-437A-A031-8E9BE4FF52FE}" srcOrd="0" destOrd="0" presId="urn:microsoft.com/office/officeart/2008/layout/LinedList"/>
     <dgm:cxn modelId="{A649DD2F-097C-4AAF-8066-17BEF661AA55}" srcId="{32B5D352-1E80-4ADC-8F34-2C7161DD8167}" destId="{90D088F7-F5C7-4618-8744-F81A17C3CC91}" srcOrd="3" destOrd="0" parTransId="{70311DEF-F328-417E-9BB4-524E6006E4A0}" sibTransId="{A77D9DD8-81F0-4503-8850-627C25C0CCD6}"/>
+    <dgm:cxn modelId="{5BB16F44-A4DF-4E68-A03B-1C9C3BC67112}" srcId="{32B5D352-1E80-4ADC-8F34-2C7161DD8167}" destId="{F3FAD382-26DA-4008-B5F6-23BC3F3DF1CC}" srcOrd="5" destOrd="0" parTransId="{4AE80825-7BD4-402A-ACFF-2F1051C27907}" sibTransId="{BC6E3B6C-E730-4D29-9088-8715B7DF788F}"/>
     <dgm:cxn modelId="{FBCD006B-63F8-47C7-A13D-718F319BC40D}" type="presOf" srcId="{ED73B545-D622-43FB-93FB-F38B9DDAE81A}" destId="{1BCB1CAC-82C0-4F93-8EB2-C556D0E69138}" srcOrd="0" destOrd="0" presId="urn:microsoft.com/office/officeart/2008/layout/LinedList"/>
     <dgm:cxn modelId="{EB0CEC6D-E76B-4136-84BB-47D8B1FE6717}" srcId="{32B5D352-1E80-4ADC-8F34-2C7161DD8167}" destId="{2C5298F6-A493-4246-ACAB-D942090296F9}" srcOrd="4" destOrd="0" parTransId="{43C432C7-5C48-4CFE-BAA0-68DC65637E4F}" sibTransId="{57B842D4-01E8-4DA7-AE2A-21D0118EB1D3}"/>
     <dgm:cxn modelId="{2947379F-6650-48EC-9673-A23A9ED13785}" type="presOf" srcId="{71805F93-7F83-440E-B309-D34279A4B555}" destId="{71D5278C-C71C-439B-9C94-D2EFC93CF49E}" srcOrd="0" destOrd="0" presId="urn:microsoft.com/office/officeart/2008/layout/LinedList"/>
@@ -2616,6 +2895,7 @@
     <dgm:cxn modelId="{63C532B1-A687-475D-82EB-2FE4CDDEB8BC}" type="presOf" srcId="{66A1F5FF-7A59-4786-84EE-193516FE6546}" destId="{4CC02FEC-F940-4797-AC15-196C2A5C31B8}" srcOrd="0" destOrd="0" presId="urn:microsoft.com/office/officeart/2008/layout/LinedList"/>
     <dgm:cxn modelId="{683770CB-2F2D-4C95-A6D0-5D5F1CCA3856}" type="presOf" srcId="{32B5D352-1E80-4ADC-8F34-2C7161DD8167}" destId="{AA4194FF-7B33-4304-8EE1-AA3992B92C19}" srcOrd="0" destOrd="0" presId="urn:microsoft.com/office/officeart/2008/layout/LinedList"/>
     <dgm:cxn modelId="{B27524E1-8068-4D07-8256-00F3055B8048}" type="presOf" srcId="{2C5298F6-A493-4246-ACAB-D942090296F9}" destId="{D5FD4061-508C-4BF8-83B5-36E3FD7D3AFD}" srcOrd="0" destOrd="0" presId="urn:microsoft.com/office/officeart/2008/layout/LinedList"/>
+    <dgm:cxn modelId="{DAD59EF9-9E07-43BD-8A09-1B7597D440F5}" type="presOf" srcId="{F3FAD382-26DA-4008-B5F6-23BC3F3DF1CC}" destId="{DF9080AE-C644-47B9-A96E-A60CD004680A}" srcOrd="0" destOrd="0" presId="urn:microsoft.com/office/officeart/2008/layout/LinedList"/>
     <dgm:cxn modelId="{29213BFC-A683-42B6-A00B-7206B21279C1}" srcId="{32B5D352-1E80-4ADC-8F34-2C7161DD8167}" destId="{71805F93-7F83-440E-B309-D34279A4B555}" srcOrd="0" destOrd="0" parTransId="{D33B0420-9B5A-4B4C-9BF1-58F9E2BCEF28}" sibTransId="{D6A24C5F-FDE7-4FAF-9557-65CF6EBD3A2D}"/>
     <dgm:cxn modelId="{5627526D-CFD2-40F4-8272-60A7C68CF024}" type="presParOf" srcId="{AA4194FF-7B33-4304-8EE1-AA3992B92C19}" destId="{3B1956C2-D3BC-4B64-A547-FAAD60713C69}" srcOrd="0" destOrd="0" presId="urn:microsoft.com/office/officeart/2008/layout/LinedList"/>
     <dgm:cxn modelId="{BF9EC0D2-0218-4928-A196-84EDC42C4518}" type="presParOf" srcId="{AA4194FF-7B33-4304-8EE1-AA3992B92C19}" destId="{D5A00DDD-DB7C-44FA-9BE4-9E0846C042E6}" srcOrd="1" destOrd="0" presId="urn:microsoft.com/office/officeart/2008/layout/LinedList"/>
@@ -2637,6 +2917,10 @@
     <dgm:cxn modelId="{4382583C-FA2C-4DAF-892B-02CD78F86AB0}" type="presParOf" srcId="{AA4194FF-7B33-4304-8EE1-AA3992B92C19}" destId="{75C7550D-5241-4207-A42B-99774CC71780}" srcOrd="9" destOrd="0" presId="urn:microsoft.com/office/officeart/2008/layout/LinedList"/>
     <dgm:cxn modelId="{736A046A-2082-451B-9B25-1DB469BA7032}" type="presParOf" srcId="{75C7550D-5241-4207-A42B-99774CC71780}" destId="{D5FD4061-508C-4BF8-83B5-36E3FD7D3AFD}" srcOrd="0" destOrd="0" presId="urn:microsoft.com/office/officeart/2008/layout/LinedList"/>
     <dgm:cxn modelId="{2A4C7D75-B6D5-4AC2-AD2A-D42DC73D7143}" type="presParOf" srcId="{75C7550D-5241-4207-A42B-99774CC71780}" destId="{33062A29-B47A-489B-AA6D-D1F0CEA461E5}" srcOrd="1" destOrd="0" presId="urn:microsoft.com/office/officeart/2008/layout/LinedList"/>
+    <dgm:cxn modelId="{287C4BA5-26F9-4ED4-8473-91D40E9A44AB}" type="presParOf" srcId="{AA4194FF-7B33-4304-8EE1-AA3992B92C19}" destId="{B6E3AE86-D8E3-4304-92E1-7CC57DF2C8CA}" srcOrd="10" destOrd="0" presId="urn:microsoft.com/office/officeart/2008/layout/LinedList"/>
+    <dgm:cxn modelId="{BE57A04B-0B57-4D21-8488-A328FC18C425}" type="presParOf" srcId="{AA4194FF-7B33-4304-8EE1-AA3992B92C19}" destId="{9FD3E9D9-FD0D-4521-91DE-B24CAA2748C2}" srcOrd="11" destOrd="0" presId="urn:microsoft.com/office/officeart/2008/layout/LinedList"/>
+    <dgm:cxn modelId="{0BF51B65-F260-48A8-BDDC-9897E1A10764}" type="presParOf" srcId="{9FD3E9D9-FD0D-4521-91DE-B24CAA2748C2}" destId="{DF9080AE-C644-47B9-A96E-A60CD004680A}" srcOrd="0" destOrd="0" presId="urn:microsoft.com/office/officeart/2008/layout/LinedList"/>
+    <dgm:cxn modelId="{EEB96F4D-A098-431D-BAEA-7A1191522E92}" type="presParOf" srcId="{9FD3E9D9-FD0D-4521-91DE-B24CAA2748C2}" destId="{C4EF29DB-7423-4C7B-9116-4A10752BC64B}" srcOrd="1" destOrd="0" presId="urn:microsoft.com/office/officeart/2008/layout/LinedList"/>
   </dgm:cxnLst>
   <dgm:bg/>
   <dgm:whole/>
@@ -3234,7 +3518,7 @@
       </dsp:nvSpPr>
       <dsp:spPr>
         <a:xfrm>
-          <a:off x="0" y="379"/>
+          <a:off x="0" y="1516"/>
           <a:ext cx="10515600" cy="0"/>
         </a:xfrm>
         <a:prstGeom prst="line">
@@ -3284,8 +3568,8 @@
       </dsp:nvSpPr>
       <dsp:spPr>
         <a:xfrm>
-          <a:off x="0" y="379"/>
-          <a:ext cx="10515600" cy="621166"/>
+          <a:off x="0" y="1516"/>
+          <a:ext cx="10515600" cy="517259"/>
         </a:xfrm>
         <a:prstGeom prst="rect">
           <a:avLst/>
@@ -3309,12 +3593,12 @@
         <a:fontRef idx="minor"/>
       </dsp:style>
       <dsp:txBody>
-        <a:bodyPr spcFirstLastPara="0" vert="horz" wrap="square" lIns="106680" tIns="106680" rIns="106680" bIns="106680" numCol="1" spcCol="1270" anchor="t" anchorCtr="0">
+        <a:bodyPr spcFirstLastPara="0" vert="horz" wrap="square" lIns="87630" tIns="87630" rIns="87630" bIns="87630" numCol="1" spcCol="1270" anchor="t" anchorCtr="0">
           <a:noAutofit/>
         </a:bodyPr>
         <a:lstStyle/>
         <a:p>
-          <a:pPr marL="0" lvl="0" indent="0" algn="l" defTabSz="1244600">
+          <a:pPr marL="0" lvl="0" indent="0" algn="l" defTabSz="1022350">
             <a:lnSpc>
               <a:spcPct val="90000"/>
             </a:lnSpc>
@@ -3327,15 +3611,15 @@
             <a:buNone/>
           </a:pPr>
           <a:r>
-            <a:rPr lang="de-DE" sz="2800" kern="1200" dirty="0"/>
+            <a:rPr lang="de-DE" sz="2300" kern="1200" dirty="0"/>
             <a:t>1. Daten Zugriff erstellen</a:t>
           </a:r>
-          <a:endParaRPr lang="en-US" sz="2800" kern="1200" dirty="0"/>
+          <a:endParaRPr lang="en-US" sz="2300" kern="1200" dirty="0"/>
         </a:p>
       </dsp:txBody>
       <dsp:txXfrm>
-        <a:off x="0" y="379"/>
-        <a:ext cx="10515600" cy="621166"/>
+        <a:off x="0" y="1516"/>
+        <a:ext cx="10515600" cy="517259"/>
       </dsp:txXfrm>
     </dsp:sp>
     <dsp:sp modelId="{CEA212EF-0056-4C8B-A976-162F2CA0DE20}">
@@ -3345,7 +3629,7 @@
       </dsp:nvSpPr>
       <dsp:spPr>
         <a:xfrm>
-          <a:off x="0" y="621546"/>
+          <a:off x="0" y="518776"/>
           <a:ext cx="10515600" cy="0"/>
         </a:xfrm>
         <a:prstGeom prst="line">
@@ -3395,8 +3679,8 @@
       </dsp:nvSpPr>
       <dsp:spPr>
         <a:xfrm>
-          <a:off x="0" y="621546"/>
-          <a:ext cx="10515600" cy="621166"/>
+          <a:off x="0" y="518776"/>
+          <a:ext cx="10515600" cy="517259"/>
         </a:xfrm>
         <a:prstGeom prst="rect">
           <a:avLst/>
@@ -3420,12 +3704,12 @@
         <a:fontRef idx="minor"/>
       </dsp:style>
       <dsp:txBody>
-        <a:bodyPr spcFirstLastPara="0" vert="horz" wrap="square" lIns="106680" tIns="106680" rIns="106680" bIns="106680" numCol="1" spcCol="1270" anchor="t" anchorCtr="0">
+        <a:bodyPr spcFirstLastPara="0" vert="horz" wrap="square" lIns="87630" tIns="87630" rIns="87630" bIns="87630" numCol="1" spcCol="1270" anchor="t" anchorCtr="0">
           <a:noAutofit/>
         </a:bodyPr>
         <a:lstStyle/>
         <a:p>
-          <a:pPr marL="0" lvl="0" indent="0" algn="l" defTabSz="1244600">
+          <a:pPr marL="0" lvl="0" indent="0" algn="l" defTabSz="1022350">
             <a:lnSpc>
               <a:spcPct val="90000"/>
             </a:lnSpc>
@@ -3438,15 +3722,15 @@
             <a:buNone/>
           </a:pPr>
           <a:r>
-            <a:rPr lang="de-DE" sz="2800" kern="1200" dirty="0"/>
+            <a:rPr lang="de-DE" sz="2300" kern="1200" dirty="0"/>
             <a:t>2. Texte der Log Einträge herausfiltern</a:t>
           </a:r>
-          <a:endParaRPr lang="en-US" sz="2800" kern="1200" dirty="0"/>
+          <a:endParaRPr lang="en-US" sz="2300" kern="1200" dirty="0"/>
         </a:p>
       </dsp:txBody>
       <dsp:txXfrm>
-        <a:off x="0" y="621546"/>
-        <a:ext cx="10515600" cy="621166"/>
+        <a:off x="0" y="518776"/>
+        <a:ext cx="10515600" cy="517259"/>
       </dsp:txXfrm>
     </dsp:sp>
     <dsp:sp modelId="{4AF42601-9F90-40E1-AC5B-C1D98AD0D0AE}">
@@ -3456,7 +3740,7 @@
       </dsp:nvSpPr>
       <dsp:spPr>
         <a:xfrm>
-          <a:off x="0" y="1242713"/>
+          <a:off x="0" y="1036036"/>
           <a:ext cx="10515600" cy="0"/>
         </a:xfrm>
         <a:prstGeom prst="line">
@@ -3506,8 +3790,8 @@
       </dsp:nvSpPr>
       <dsp:spPr>
         <a:xfrm>
-          <a:off x="0" y="1242713"/>
-          <a:ext cx="10515600" cy="621166"/>
+          <a:off x="0" y="1036036"/>
+          <a:ext cx="10515600" cy="517259"/>
         </a:xfrm>
         <a:prstGeom prst="rect">
           <a:avLst/>
@@ -3531,12 +3815,12 @@
         <a:fontRef idx="minor"/>
       </dsp:style>
       <dsp:txBody>
-        <a:bodyPr spcFirstLastPara="0" vert="horz" wrap="square" lIns="106680" tIns="106680" rIns="106680" bIns="106680" numCol="1" spcCol="1270" anchor="t" anchorCtr="0">
+        <a:bodyPr spcFirstLastPara="0" vert="horz" wrap="square" lIns="87630" tIns="87630" rIns="87630" bIns="87630" numCol="1" spcCol="1270" anchor="t" anchorCtr="0">
           <a:noAutofit/>
         </a:bodyPr>
         <a:lstStyle/>
         <a:p>
-          <a:pPr marL="0" lvl="0" indent="0" algn="l" defTabSz="1244600">
+          <a:pPr marL="0" lvl="0" indent="0" algn="l" defTabSz="1022350">
             <a:lnSpc>
               <a:spcPct val="90000"/>
             </a:lnSpc>
@@ -3549,19 +3833,19 @@
             <a:buNone/>
           </a:pPr>
           <a:r>
-            <a:rPr lang="de-DE" sz="2800" kern="1200" dirty="0"/>
+            <a:rPr lang="de-DE" sz="2300" kern="1200" dirty="0"/>
             <a:t>3. Texte in Grundform bringen mit </a:t>
           </a:r>
           <a:r>
-            <a:rPr lang="de-DE" sz="2800" kern="1200" dirty="0" err="1"/>
+            <a:rPr lang="de-DE" sz="2300" kern="1200" dirty="0" err="1"/>
             <a:t>Lemmatization</a:t>
           </a:r>
-          <a:endParaRPr lang="en-US" sz="2800" kern="1200" dirty="0"/>
+          <a:endParaRPr lang="en-US" sz="2300" kern="1200" dirty="0"/>
         </a:p>
       </dsp:txBody>
       <dsp:txXfrm>
-        <a:off x="0" y="1242713"/>
-        <a:ext cx="10515600" cy="621166"/>
+        <a:off x="0" y="1036036"/>
+        <a:ext cx="10515600" cy="517259"/>
       </dsp:txXfrm>
     </dsp:sp>
     <dsp:sp modelId="{142B6D18-19C5-467E-9728-F1D4B452A777}">
@@ -3571,7 +3855,7 @@
       </dsp:nvSpPr>
       <dsp:spPr>
         <a:xfrm>
-          <a:off x="0" y="1863879"/>
+          <a:off x="0" y="1553296"/>
           <a:ext cx="10515600" cy="0"/>
         </a:xfrm>
         <a:prstGeom prst="line">
@@ -3621,8 +3905,8 @@
       </dsp:nvSpPr>
       <dsp:spPr>
         <a:xfrm>
-          <a:off x="0" y="1863879"/>
-          <a:ext cx="10515600" cy="621166"/>
+          <a:off x="0" y="1553296"/>
+          <a:ext cx="10515600" cy="517259"/>
         </a:xfrm>
         <a:prstGeom prst="rect">
           <a:avLst/>
@@ -3646,12 +3930,12 @@
         <a:fontRef idx="minor"/>
       </dsp:style>
       <dsp:txBody>
-        <a:bodyPr spcFirstLastPara="0" vert="horz" wrap="square" lIns="106680" tIns="106680" rIns="106680" bIns="106680" numCol="1" spcCol="1270" anchor="t" anchorCtr="0">
+        <a:bodyPr spcFirstLastPara="0" vert="horz" wrap="square" lIns="87630" tIns="87630" rIns="87630" bIns="87630" numCol="1" spcCol="1270" anchor="t" anchorCtr="0">
           <a:noAutofit/>
         </a:bodyPr>
         <a:lstStyle/>
         <a:p>
-          <a:pPr marL="0" lvl="0" indent="0" algn="l" defTabSz="1244600">
+          <a:pPr marL="0" lvl="0" indent="0" algn="l" defTabSz="1022350">
             <a:lnSpc>
               <a:spcPct val="90000"/>
             </a:lnSpc>
@@ -3664,23 +3948,23 @@
             <a:buNone/>
           </a:pPr>
           <a:r>
-            <a:rPr lang="de-DE" sz="2800" kern="1200" dirty="0"/>
+            <a:rPr lang="de-DE" sz="2300" kern="1200" dirty="0"/>
             <a:t>4. </a:t>
           </a:r>
           <a:r>
-            <a:rPr lang="de-DE" sz="2800" kern="1200" dirty="0" err="1"/>
+            <a:rPr lang="de-DE" sz="2300" kern="1200" dirty="0" err="1"/>
             <a:t>Lemmatizierten</a:t>
           </a:r>
           <a:r>
-            <a:rPr lang="de-DE" sz="2800" kern="1200" dirty="0"/>
+            <a:rPr lang="de-DE" sz="2300" kern="1200" dirty="0"/>
             <a:t> Text in Wörter zerlegen</a:t>
           </a:r>
-          <a:endParaRPr lang="en-US" sz="2800" kern="1200" dirty="0"/>
+          <a:endParaRPr lang="en-US" sz="2300" kern="1200" dirty="0"/>
         </a:p>
       </dsp:txBody>
       <dsp:txXfrm>
-        <a:off x="0" y="1863879"/>
-        <a:ext cx="10515600" cy="621166"/>
+        <a:off x="0" y="1553296"/>
+        <a:ext cx="10515600" cy="517259"/>
       </dsp:txXfrm>
     </dsp:sp>
     <dsp:sp modelId="{4DDB9EC5-ADB2-4E47-9108-9700D557EC5E}">
@@ -3690,7 +3974,7 @@
       </dsp:nvSpPr>
       <dsp:spPr>
         <a:xfrm>
-          <a:off x="0" y="2485046"/>
+          <a:off x="0" y="2070556"/>
           <a:ext cx="10515600" cy="0"/>
         </a:xfrm>
         <a:prstGeom prst="line">
@@ -3740,8 +4024,8 @@
       </dsp:nvSpPr>
       <dsp:spPr>
         <a:xfrm>
-          <a:off x="0" y="2485046"/>
-          <a:ext cx="10515600" cy="621166"/>
+          <a:off x="0" y="2070556"/>
+          <a:ext cx="10515600" cy="517259"/>
         </a:xfrm>
         <a:prstGeom prst="rect">
           <a:avLst/>
@@ -3765,12 +4049,12 @@
         <a:fontRef idx="minor"/>
       </dsp:style>
       <dsp:txBody>
-        <a:bodyPr spcFirstLastPara="0" vert="horz" wrap="square" lIns="106680" tIns="106680" rIns="106680" bIns="106680" numCol="1" spcCol="1270" anchor="t" anchorCtr="0">
+        <a:bodyPr spcFirstLastPara="0" vert="horz" wrap="square" lIns="87630" tIns="87630" rIns="87630" bIns="87630" numCol="1" spcCol="1270" anchor="t" anchorCtr="0">
           <a:noAutofit/>
         </a:bodyPr>
         <a:lstStyle/>
         <a:p>
-          <a:pPr marL="0" lvl="0" indent="0" algn="l" defTabSz="1244600">
+          <a:pPr marL="0" lvl="0" indent="0" algn="l" defTabSz="1022350">
             <a:lnSpc>
               <a:spcPct val="90000"/>
             </a:lnSpc>
@@ -3783,23 +4067,132 @@
             <a:buNone/>
           </a:pPr>
           <a:r>
-            <a:rPr lang="de-DE" sz="2800" kern="1200" dirty="0"/>
+            <a:rPr lang="de-DE" sz="2300" kern="1200" dirty="0"/>
             <a:t>5. Zerlegten Text mit </a:t>
           </a:r>
           <a:r>
-            <a:rPr lang="de-DE" sz="2800" kern="1200" dirty="0" err="1"/>
+            <a:rPr lang="de-DE" sz="2300" kern="1200" dirty="0" err="1"/>
             <a:t>Stemming</a:t>
           </a:r>
           <a:r>
-            <a:rPr lang="de-DE" sz="2800" kern="1200" dirty="0"/>
-            <a:t> überarbeiten</a:t>
+            <a:rPr lang="de-DE" sz="2300" kern="1200" dirty="0"/>
+            <a:t> ü</a:t>
           </a:r>
-          <a:endParaRPr lang="en-US" sz="2800" kern="1200" dirty="0"/>
         </a:p>
       </dsp:txBody>
       <dsp:txXfrm>
-        <a:off x="0" y="2485046"/>
-        <a:ext cx="10515600" cy="621166"/>
+        <a:off x="0" y="2070556"/>
+        <a:ext cx="10515600" cy="517259"/>
+      </dsp:txXfrm>
+    </dsp:sp>
+    <dsp:sp modelId="{B6E3AE86-D8E3-4304-92E1-7CC57DF2C8CA}">
+      <dsp:nvSpPr>
+        <dsp:cNvPr id="0" name=""/>
+        <dsp:cNvSpPr/>
+      </dsp:nvSpPr>
+      <dsp:spPr>
+        <a:xfrm>
+          <a:off x="0" y="2587816"/>
+          <a:ext cx="10515600" cy="0"/>
+        </a:xfrm>
+        <a:prstGeom prst="line">
+          <a:avLst/>
+        </a:prstGeom>
+        <a:solidFill>
+          <a:schemeClr val="accent1">
+            <a:hueOff val="0"/>
+            <a:satOff val="0"/>
+            <a:lumOff val="0"/>
+            <a:alphaOff val="0"/>
+          </a:schemeClr>
+        </a:solidFill>
+        <a:ln w="12700" cap="flat" cmpd="sng" algn="ctr">
+          <a:solidFill>
+            <a:schemeClr val="accent1">
+              <a:hueOff val="0"/>
+              <a:satOff val="0"/>
+              <a:lumOff val="0"/>
+              <a:alphaOff val="0"/>
+            </a:schemeClr>
+          </a:solidFill>
+          <a:prstDash val="solid"/>
+          <a:miter lim="800000"/>
+        </a:ln>
+        <a:effectLst/>
+      </dsp:spPr>
+      <dsp:style>
+        <a:lnRef idx="2">
+          <a:scrgbClr r="0" g="0" b="0"/>
+        </a:lnRef>
+        <a:fillRef idx="1">
+          <a:scrgbClr r="0" g="0" b="0"/>
+        </a:fillRef>
+        <a:effectRef idx="0">
+          <a:scrgbClr r="0" g="0" b="0"/>
+        </a:effectRef>
+        <a:fontRef idx="minor">
+          <a:schemeClr val="lt1"/>
+        </a:fontRef>
+      </dsp:style>
+    </dsp:sp>
+    <dsp:sp modelId="{DF9080AE-C644-47B9-A96E-A60CD004680A}">
+      <dsp:nvSpPr>
+        <dsp:cNvPr id="0" name=""/>
+        <dsp:cNvSpPr/>
+      </dsp:nvSpPr>
+      <dsp:spPr>
+        <a:xfrm>
+          <a:off x="0" y="2587816"/>
+          <a:ext cx="10515600" cy="517259"/>
+        </a:xfrm>
+        <a:prstGeom prst="rect">
+          <a:avLst/>
+        </a:prstGeom>
+        <a:noFill/>
+        <a:ln>
+          <a:noFill/>
+        </a:ln>
+        <a:effectLst/>
+      </dsp:spPr>
+      <dsp:style>
+        <a:lnRef idx="0">
+          <a:scrgbClr r="0" g="0" b="0"/>
+        </a:lnRef>
+        <a:fillRef idx="0">
+          <a:scrgbClr r="0" g="0" b="0"/>
+        </a:fillRef>
+        <a:effectRef idx="0">
+          <a:scrgbClr r="0" g="0" b="0"/>
+        </a:effectRef>
+        <a:fontRef idx="minor"/>
+      </dsp:style>
+      <dsp:txBody>
+        <a:bodyPr spcFirstLastPara="0" vert="horz" wrap="square" lIns="87630" tIns="87630" rIns="87630" bIns="87630" numCol="1" spcCol="1270" anchor="t" anchorCtr="0">
+          <a:noAutofit/>
+        </a:bodyPr>
+        <a:lstStyle/>
+        <a:p>
+          <a:pPr marL="0" lvl="0" indent="0" algn="l" defTabSz="1022350">
+            <a:lnSpc>
+              <a:spcPct val="90000"/>
+            </a:lnSpc>
+            <a:spcBef>
+              <a:spcPct val="0"/>
+            </a:spcBef>
+            <a:spcAft>
+              <a:spcPct val="35000"/>
+            </a:spcAft>
+            <a:buNone/>
+          </a:pPr>
+          <a:r>
+            <a:rPr lang="de-DE" sz="2300" kern="1200" dirty="0"/>
+            <a:t>6. Daten Bereinigen</a:t>
+          </a:r>
+        </a:p>
+      </dsp:txBody>
+      <dsp:txXfrm>
+        <a:off x="0" y="2587816"/>
+        <a:ext cx="10515600" cy="517259"/>
       </dsp:txXfrm>
     </dsp:sp>
   </dsp:spTree>
@@ -10886,7 +11279,7 @@
             <p:ph idx="1"/>
             <p:extLst>
               <p:ext uri="{D42A27DB-BD31-4B8C-83A1-F6EECF244321}">
-                <p14:modId xmlns:p14="http://schemas.microsoft.com/office/powerpoint/2010/main" val="3772943836"/>
+                <p14:modId xmlns:p14="http://schemas.microsoft.com/office/powerpoint/2010/main" val="3452347931"/>
               </p:ext>
             </p:extLst>
           </p:nvPr>
@@ -11175,6 +11568,41 @@
           </a:prstGeom>
         </p:spPr>
       </p:pic>
+      <p:sp>
+        <p:nvSpPr>
+          <p:cNvPr id="5" name="Textfeld 4">
+            <a:extLst>
+              <a:ext uri="{FF2B5EF4-FFF2-40B4-BE49-F238E27FC236}">
+                <a16:creationId xmlns:a16="http://schemas.microsoft.com/office/drawing/2014/main" id="{6826E7FF-C9A1-579A-F49D-A5FFA01A404A}"/>
+              </a:ext>
+            </a:extLst>
+          </p:cNvPr>
+          <p:cNvSpPr txBox="1"/>
+          <p:nvPr/>
+        </p:nvSpPr>
+        <p:spPr>
+          <a:xfrm>
+            <a:off x="1876425" y="6640354"/>
+            <a:ext cx="3600450" cy="246221"/>
+          </a:xfrm>
+          <a:prstGeom prst="rect">
+            <a:avLst/>
+          </a:prstGeom>
+          <a:noFill/>
+        </p:spPr>
+        <p:txBody>
+          <a:bodyPr wrap="square">
+            <a:spAutoFit/>
+          </a:bodyPr>
+          <a:lstStyle/>
+          <a:p>
+            <a:r>
+              <a:rPr lang="en-US" sz="1000" dirty="0"/>
+              <a:t>https://www.mongodb.com/docs/atlas/app-services/data-api/</a:t>
+            </a:r>
+          </a:p>
+        </p:txBody>
+      </p:sp>
     </p:spTree>
     <p:extLst>
       <p:ext uri="{BB962C8B-B14F-4D97-AF65-F5344CB8AC3E}">
@@ -11227,16 +11655,12 @@
           <a:lstStyle/>
           <a:p>
             <a:r>
+              <a:rPr lang="en-US" dirty="0"/>
+              <a:t>Data Preparation </a:t>
+            </a:r>
+            <a:r>
               <a:rPr lang="de-DE" dirty="0"/>
-              <a:t>Data </a:t>
-            </a:r>
-            <a:r>
-              <a:rPr lang="de-DE" dirty="0" err="1"/>
-              <a:t>Preparation</a:t>
-            </a:r>
-            <a:r>
-              <a:rPr lang="de-DE" dirty="0"/>
-              <a:t> – Text aufbereiten</a:t>
+              <a:t>– Text aufbereiten</a:t>
             </a:r>
             <a:endParaRPr lang="en-US" dirty="0"/>
           </a:p>
@@ -11310,6 +11734,41 @@
             <a:r>
               <a:rPr lang="de-DE" dirty="0"/>
               <a:t> schneidet hierbei die Endungen von Wörtern ab und ermöglicht die Reduzierung von eindeutigen Wörtern</a:t>
+            </a:r>
+          </a:p>
+        </p:txBody>
+      </p:sp>
+      <p:sp>
+        <p:nvSpPr>
+          <p:cNvPr id="7" name="Textfeld 6">
+            <a:extLst>
+              <a:ext uri="{FF2B5EF4-FFF2-40B4-BE49-F238E27FC236}">
+                <a16:creationId xmlns:a16="http://schemas.microsoft.com/office/drawing/2014/main" id="{1978FCCC-8A7C-A54E-6783-77D1D0B12A62}"/>
+              </a:ext>
+            </a:extLst>
+          </p:cNvPr>
+          <p:cNvSpPr txBox="1"/>
+          <p:nvPr/>
+        </p:nvSpPr>
+        <p:spPr>
+          <a:xfrm>
+            <a:off x="4819650" y="6507718"/>
+            <a:ext cx="2695575" cy="261610"/>
+          </a:xfrm>
+          <a:prstGeom prst="rect">
+            <a:avLst/>
+          </a:prstGeom>
+          <a:noFill/>
+        </p:spPr>
+        <p:txBody>
+          <a:bodyPr wrap="square">
+            <a:spAutoFit/>
+          </a:bodyPr>
+          <a:lstStyle/>
+          <a:p>
+            <a:r>
+              <a:rPr lang="en-US" sz="1050" dirty="0"/>
+              <a:t>https://www.nltk.org/api/nltk.stem.html</a:t>
             </a:r>
           </a:p>
         </p:txBody>
@@ -11372,16 +11831,12 @@
           <a:lstStyle/>
           <a:p>
             <a:r>
+              <a:rPr lang="en-US" dirty="0"/>
+              <a:t>Data Preparation </a:t>
+            </a:r>
+            <a:r>
               <a:rPr lang="de-DE" dirty="0"/>
-              <a:t>Data </a:t>
-            </a:r>
-            <a:r>
-              <a:rPr lang="de-DE" dirty="0" err="1"/>
-              <a:t>Preparation</a:t>
-            </a:r>
-            <a:r>
-              <a:rPr lang="de-DE" dirty="0"/>
-              <a:t> – Text aufbereiten</a:t>
+              <a:t>– Text aufbereiten</a:t>
             </a:r>
             <a:endParaRPr lang="en-US" dirty="0"/>
           </a:p>
@@ -11473,6 +11928,76 @@
           </a:p>
         </p:txBody>
       </p:sp>
+      <p:sp>
+        <p:nvSpPr>
+          <p:cNvPr id="5" name="Textfeld 4">
+            <a:extLst>
+              <a:ext uri="{FF2B5EF4-FFF2-40B4-BE49-F238E27FC236}">
+                <a16:creationId xmlns:a16="http://schemas.microsoft.com/office/drawing/2014/main" id="{DF743BD2-D508-8EAE-04E2-12638464D8B7}"/>
+              </a:ext>
+            </a:extLst>
+          </p:cNvPr>
+          <p:cNvSpPr txBox="1"/>
+          <p:nvPr/>
+        </p:nvSpPr>
+        <p:spPr>
+          <a:xfrm>
+            <a:off x="3371850" y="6406634"/>
+            <a:ext cx="2781300" cy="253916"/>
+          </a:xfrm>
+          <a:prstGeom prst="rect">
+            <a:avLst/>
+          </a:prstGeom>
+          <a:noFill/>
+        </p:spPr>
+        <p:txBody>
+          <a:bodyPr wrap="square">
+            <a:spAutoFit/>
+          </a:bodyPr>
+          <a:lstStyle/>
+          <a:p>
+            <a:r>
+              <a:rPr lang="en-US" sz="1050" dirty="0"/>
+              <a:t>https://www.nltk.org/api/nltk.tokenize.html</a:t>
+            </a:r>
+          </a:p>
+        </p:txBody>
+      </p:sp>
+      <p:sp>
+        <p:nvSpPr>
+          <p:cNvPr id="9" name="Textfeld 8">
+            <a:extLst>
+              <a:ext uri="{FF2B5EF4-FFF2-40B4-BE49-F238E27FC236}">
+                <a16:creationId xmlns:a16="http://schemas.microsoft.com/office/drawing/2014/main" id="{3C0905C7-8F8B-2699-8329-7627B836D55F}"/>
+              </a:ext>
+            </a:extLst>
+          </p:cNvPr>
+          <p:cNvSpPr txBox="1"/>
+          <p:nvPr/>
+        </p:nvSpPr>
+        <p:spPr>
+          <a:xfrm>
+            <a:off x="6286500" y="6416159"/>
+            <a:ext cx="2828925" cy="246221"/>
+          </a:xfrm>
+          <a:prstGeom prst="rect">
+            <a:avLst/>
+          </a:prstGeom>
+          <a:noFill/>
+        </p:spPr>
+        <p:txBody>
+          <a:bodyPr wrap="square">
+            <a:spAutoFit/>
+          </a:bodyPr>
+          <a:lstStyle/>
+          <a:p>
+            <a:r>
+              <a:rPr lang="en-US" sz="1000" dirty="0"/>
+              <a:t>https://www.nltk.org/api/nltk.stem.wordnet.html</a:t>
+            </a:r>
+          </a:p>
+        </p:txBody>
+      </p:sp>
     </p:spTree>
     <p:extLst>
       <p:ext uri="{BB962C8B-B14F-4D97-AF65-F5344CB8AC3E}">
@@ -11487,6 +12012,255 @@
 </file>
 
 <file path=ppt/slides/slide14.xml><?xml version="1.0" encoding="utf-8"?>
+<p:sld xmlns:a="http://schemas.openxmlformats.org/drawingml/2006/main" xmlns:r="http://schemas.openxmlformats.org/officeDocument/2006/relationships" xmlns:p="http://schemas.openxmlformats.org/presentationml/2006/main">
+  <p:cSld>
+    <p:spTree>
+      <p:nvGrpSpPr>
+        <p:cNvPr id="1" name=""/>
+        <p:cNvGrpSpPr/>
+        <p:nvPr/>
+      </p:nvGrpSpPr>
+      <p:grpSpPr>
+        <a:xfrm>
+          <a:off x="0" y="0"/>
+          <a:ext cx="0" cy="0"/>
+          <a:chOff x="0" y="0"/>
+          <a:chExt cx="0" cy="0"/>
+        </a:xfrm>
+      </p:grpSpPr>
+      <p:sp>
+        <p:nvSpPr>
+          <p:cNvPr id="2" name="Titel 1">
+            <a:extLst>
+              <a:ext uri="{FF2B5EF4-FFF2-40B4-BE49-F238E27FC236}">
+                <a16:creationId xmlns:a16="http://schemas.microsoft.com/office/drawing/2014/main" id="{C3FED323-3D69-342F-E829-D64987B7031B}"/>
+              </a:ext>
+            </a:extLst>
+          </p:cNvPr>
+          <p:cNvSpPr>
+            <a:spLocks noGrp="1"/>
+          </p:cNvSpPr>
+          <p:nvPr>
+            <p:ph type="title"/>
+          </p:nvPr>
+        </p:nvSpPr>
+        <p:spPr/>
+        <p:txBody>
+          <a:bodyPr/>
+          <a:lstStyle/>
+          <a:p>
+            <a:r>
+              <a:rPr lang="en-US" dirty="0"/>
+              <a:t>Data Preparation </a:t>
+            </a:r>
+            <a:r>
+              <a:rPr lang="de-DE" dirty="0"/>
+              <a:t>– Daten bereinigen</a:t>
+            </a:r>
+            <a:endParaRPr lang="en-US" dirty="0"/>
+          </a:p>
+        </p:txBody>
+      </p:sp>
+      <p:sp>
+        <p:nvSpPr>
+          <p:cNvPr id="3" name="Inhaltsplatzhalter 2">
+            <a:extLst>
+              <a:ext uri="{FF2B5EF4-FFF2-40B4-BE49-F238E27FC236}">
+                <a16:creationId xmlns:a16="http://schemas.microsoft.com/office/drawing/2014/main" id="{8A15403E-8717-A7BD-3FDF-A663923B7D88}"/>
+              </a:ext>
+            </a:extLst>
+          </p:cNvPr>
+          <p:cNvSpPr>
+            <a:spLocks noGrp="1"/>
+          </p:cNvSpPr>
+          <p:nvPr>
+            <p:ph idx="1"/>
+          </p:nvPr>
+        </p:nvSpPr>
+        <p:spPr/>
+        <p:txBody>
+          <a:bodyPr>
+            <a:normAutofit/>
+          </a:bodyPr>
+          <a:lstStyle/>
+          <a:p>
+            <a:r>
+              <a:rPr lang="de-DE" dirty="0"/>
+              <a:t>In den Daten sind Errors ohne eine </a:t>
+            </a:r>
+            <a:r>
+              <a:rPr lang="de-DE" dirty="0" err="1"/>
+              <a:t>LogMessage</a:t>
+            </a:r>
+            <a:r>
+              <a:rPr lang="de-DE" dirty="0"/>
+              <a:t> vorhanden. Unter der Annahme, dass dies bei Maschinen Logs nicht normal ist, werden diese Daten entfernt:</a:t>
+            </a:r>
+          </a:p>
+          <a:p>
+            <a:endParaRPr lang="de-DE" dirty="0"/>
+          </a:p>
+          <a:p>
+            <a:r>
+              <a:rPr lang="de-DE" dirty="0"/>
+              <a:t>Verhältnis zwischen </a:t>
+            </a:r>
+            <a:r>
+              <a:rPr lang="de-DE" dirty="0" err="1"/>
+              <a:t>ServiceOK</a:t>
+            </a:r>
+            <a:r>
+              <a:rPr lang="de-DE" dirty="0"/>
+              <a:t> = 1 und </a:t>
+            </a:r>
+            <a:r>
+              <a:rPr lang="de-DE" dirty="0" err="1"/>
+              <a:t>ServiceOK</a:t>
+            </a:r>
+            <a:r>
+              <a:rPr lang="de-DE" dirty="0"/>
+              <a:t> = 0</a:t>
+            </a:r>
+          </a:p>
+          <a:p>
+            <a:r>
+              <a:rPr lang="de-DE" dirty="0">
+                <a:sym typeface="Wingdings" panose="05000000000000000000" pitchFamily="2" charset="2"/>
+              </a:rPr>
+              <a:t>Aufgrund des stark ungleichen Verhältnisses waren die</a:t>
+            </a:r>
+          </a:p>
+          <a:p>
+            <a:pPr marL="0" indent="0">
+              <a:buNone/>
+            </a:pPr>
+            <a:r>
+              <a:rPr lang="de-DE" dirty="0">
+                <a:sym typeface="Wingdings" panose="05000000000000000000" pitchFamily="2" charset="2"/>
+              </a:rPr>
+              <a:t>Ergebnisse immer bei 1.00</a:t>
+            </a:r>
+          </a:p>
+          <a:p>
+            <a:r>
+              <a:rPr lang="de-DE" dirty="0">
+                <a:sym typeface="Wingdings" panose="05000000000000000000" pitchFamily="2" charset="2"/>
+              </a:rPr>
+              <a:t>Durch Sampling mittels SMOTE wird das Verhältnis durch künstliche Daten ausgeglichen werden</a:t>
+            </a:r>
+            <a:endParaRPr lang="en-US" dirty="0"/>
+          </a:p>
+        </p:txBody>
+      </p:sp>
+      <p:pic>
+        <p:nvPicPr>
+          <p:cNvPr id="5" name="Grafik 4">
+            <a:extLst>
+              <a:ext uri="{FF2B5EF4-FFF2-40B4-BE49-F238E27FC236}">
+                <a16:creationId xmlns:a16="http://schemas.microsoft.com/office/drawing/2014/main" id="{C0E85B62-3686-953B-8DEB-1F46C805A5CA}"/>
+              </a:ext>
+            </a:extLst>
+          </p:cNvPr>
+          <p:cNvPicPr>
+            <a:picLocks noChangeAspect="1"/>
+          </p:cNvPicPr>
+          <p:nvPr/>
+        </p:nvPicPr>
+        <p:blipFill>
+          <a:blip r:embed="rId2"/>
+          <a:stretch>
+            <a:fillRect/>
+          </a:stretch>
+        </p:blipFill>
+        <p:spPr>
+          <a:xfrm>
+            <a:off x="1149390" y="3041791"/>
+            <a:ext cx="6705600" cy="523875"/>
+          </a:xfrm>
+          <a:prstGeom prst="rect">
+            <a:avLst/>
+          </a:prstGeom>
+        </p:spPr>
+      </p:pic>
+      <p:pic>
+        <p:nvPicPr>
+          <p:cNvPr id="7" name="Grafik 6">
+            <a:extLst>
+              <a:ext uri="{FF2B5EF4-FFF2-40B4-BE49-F238E27FC236}">
+                <a16:creationId xmlns:a16="http://schemas.microsoft.com/office/drawing/2014/main" id="{688F84F9-E796-B64F-0C3D-D1472B5502ED}"/>
+              </a:ext>
+            </a:extLst>
+          </p:cNvPr>
+          <p:cNvPicPr>
+            <a:picLocks noChangeAspect="1"/>
+          </p:cNvPicPr>
+          <p:nvPr/>
+        </p:nvPicPr>
+        <p:blipFill>
+          <a:blip r:embed="rId3"/>
+          <a:stretch>
+            <a:fillRect/>
+          </a:stretch>
+        </p:blipFill>
+        <p:spPr>
+          <a:xfrm>
+            <a:off x="9411423" y="3547700"/>
+            <a:ext cx="1399331" cy="1082816"/>
+          </a:xfrm>
+          <a:prstGeom prst="rect">
+            <a:avLst/>
+          </a:prstGeom>
+        </p:spPr>
+      </p:pic>
+      <p:sp>
+        <p:nvSpPr>
+          <p:cNvPr id="9" name="Textfeld 8">
+            <a:extLst>
+              <a:ext uri="{FF2B5EF4-FFF2-40B4-BE49-F238E27FC236}">
+                <a16:creationId xmlns:a16="http://schemas.microsoft.com/office/drawing/2014/main" id="{9C32954B-0F11-3BC8-0AEA-DB1C2B489F92}"/>
+              </a:ext>
+            </a:extLst>
+          </p:cNvPr>
+          <p:cNvSpPr txBox="1"/>
+          <p:nvPr/>
+        </p:nvSpPr>
+        <p:spPr>
+          <a:xfrm>
+            <a:off x="3008936" y="6523053"/>
+            <a:ext cx="6094070" cy="261610"/>
+          </a:xfrm>
+          <a:prstGeom prst="rect">
+            <a:avLst/>
+          </a:prstGeom>
+          <a:noFill/>
+        </p:spPr>
+        <p:txBody>
+          <a:bodyPr wrap="square">
+            <a:spAutoFit/>
+          </a:bodyPr>
+          <a:lstStyle/>
+          <a:p>
+            <a:r>
+              <a:rPr lang="en-US" sz="1100" dirty="0"/>
+              <a:t>https://imbalanced-learn.org/stable/references/generated/imblearn.over_sampling.SMOTE.html</a:t>
+            </a:r>
+          </a:p>
+        </p:txBody>
+      </p:sp>
+    </p:spTree>
+    <p:extLst>
+      <p:ext uri="{BB962C8B-B14F-4D97-AF65-F5344CB8AC3E}">
+        <p14:creationId xmlns:p14="http://schemas.microsoft.com/office/powerpoint/2010/main" val="916573319"/>
+      </p:ext>
+    </p:extLst>
+  </p:cSld>
+  <p:clrMapOvr>
+    <a:masterClrMapping/>
+  </p:clrMapOvr>
+</p:sld>
+</file>
+
+<file path=ppt/slides/slide15.xml><?xml version="1.0" encoding="utf-8"?>
 <p:sld xmlns:a="http://schemas.openxmlformats.org/drawingml/2006/main" xmlns:r="http://schemas.openxmlformats.org/officeDocument/2006/relationships" xmlns:p="http://schemas.openxmlformats.org/presentationml/2006/main">
   <p:cSld>
     <p:spTree>
@@ -11603,7 +12377,7 @@
 </p:sld>
 </file>
 
-<file path=ppt/slides/slide15.xml><?xml version="1.0" encoding="utf-8"?>
+<file path=ppt/slides/slide16.xml><?xml version="1.0" encoding="utf-8"?>
 <p:sld xmlns:a="http://schemas.openxmlformats.org/drawingml/2006/main" xmlns:r="http://schemas.openxmlformats.org/officeDocument/2006/relationships" xmlns:p="http://schemas.openxmlformats.org/presentationml/2006/main">
   <p:cSld>
     <p:spTree>
@@ -11763,7 +12537,7 @@
 </p:sld>
 </file>
 
-<file path=ppt/slides/slide16.xml><?xml version="1.0" encoding="utf-8"?>
+<file path=ppt/slides/slide17.xml><?xml version="1.0" encoding="utf-8"?>
 <p:sld xmlns:a="http://schemas.openxmlformats.org/drawingml/2006/main" xmlns:r="http://schemas.openxmlformats.org/officeDocument/2006/relationships" xmlns:p="http://schemas.openxmlformats.org/presentationml/2006/main">
   <p:cSld>
     <p:spTree>
@@ -12058,7 +12832,7 @@
 </p:sld>
 </file>
 
-<file path=ppt/slides/slide17.xml><?xml version="1.0" encoding="utf-8"?>
+<file path=ppt/slides/slide18.xml><?xml version="1.0" encoding="utf-8"?>
 <p:sld xmlns:a="http://schemas.openxmlformats.org/drawingml/2006/main" xmlns:r="http://schemas.openxmlformats.org/officeDocument/2006/relationships" xmlns:p="http://schemas.openxmlformats.org/presentationml/2006/main">
   <p:cSld>
     <p:spTree>
@@ -12189,7 +12963,262 @@
 </p:sld>
 </file>
 
-<file path=ppt/slides/slide18.xml><?xml version="1.0" encoding="utf-8"?>
+<file path=ppt/slides/slide19.xml><?xml version="1.0" encoding="utf-8"?>
+<p:sld xmlns:a="http://schemas.openxmlformats.org/drawingml/2006/main" xmlns:r="http://schemas.openxmlformats.org/officeDocument/2006/relationships" xmlns:p="http://schemas.openxmlformats.org/presentationml/2006/main">
+  <p:cSld>
+    <p:spTree>
+      <p:nvGrpSpPr>
+        <p:cNvPr id="1" name=""/>
+        <p:cNvGrpSpPr/>
+        <p:nvPr/>
+      </p:nvGrpSpPr>
+      <p:grpSpPr>
+        <a:xfrm>
+          <a:off x="0" y="0"/>
+          <a:ext cx="0" cy="0"/>
+          <a:chOff x="0" y="0"/>
+          <a:chExt cx="0" cy="0"/>
+        </a:xfrm>
+      </p:grpSpPr>
+      <p:sp>
+        <p:nvSpPr>
+          <p:cNvPr id="2" name="Titel 1">
+            <a:extLst>
+              <a:ext uri="{FF2B5EF4-FFF2-40B4-BE49-F238E27FC236}">
+                <a16:creationId xmlns:a16="http://schemas.microsoft.com/office/drawing/2014/main" id="{65CB0C3E-037F-A156-2883-28F2C9582A29}"/>
+              </a:ext>
+            </a:extLst>
+          </p:cNvPr>
+          <p:cNvSpPr>
+            <a:spLocks noGrp="1"/>
+          </p:cNvSpPr>
+          <p:nvPr>
+            <p:ph type="title"/>
+          </p:nvPr>
+        </p:nvSpPr>
+        <p:spPr/>
+        <p:txBody>
+          <a:bodyPr/>
+          <a:lstStyle/>
+          <a:p>
+            <a:r>
+              <a:rPr lang="de-DE" dirty="0"/>
+              <a:t>Log Daten Split</a:t>
+            </a:r>
+          </a:p>
+        </p:txBody>
+      </p:sp>
+      <p:sp>
+        <p:nvSpPr>
+          <p:cNvPr id="3" name="Inhaltsplatzhalter 2">
+            <a:extLst>
+              <a:ext uri="{FF2B5EF4-FFF2-40B4-BE49-F238E27FC236}">
+                <a16:creationId xmlns:a16="http://schemas.microsoft.com/office/drawing/2014/main" id="{C7DD3096-BA73-2A02-748F-FC2E6D867B53}"/>
+              </a:ext>
+            </a:extLst>
+          </p:cNvPr>
+          <p:cNvSpPr>
+            <a:spLocks noGrp="1"/>
+          </p:cNvSpPr>
+          <p:nvPr>
+            <p:ph idx="1"/>
+          </p:nvPr>
+        </p:nvSpPr>
+        <p:spPr/>
+        <p:txBody>
+          <a:bodyPr/>
+          <a:lstStyle/>
+          <a:p>
+            <a:r>
+              <a:rPr lang="de-DE" dirty="0" err="1"/>
+              <a:t>Warscheinlichkeiten</a:t>
+            </a:r>
+            <a:r>
+              <a:rPr lang="de-DE" dirty="0"/>
+              <a:t> etc. Übersicht</a:t>
+            </a:r>
+          </a:p>
+        </p:txBody>
+      </p:sp>
+    </p:spTree>
+    <p:extLst>
+      <p:ext uri="{BB962C8B-B14F-4D97-AF65-F5344CB8AC3E}">
+        <p14:creationId xmlns:p14="http://schemas.microsoft.com/office/powerpoint/2010/main" val="1007533382"/>
+      </p:ext>
+    </p:extLst>
+  </p:cSld>
+  <p:clrMapOvr>
+    <a:masterClrMapping/>
+  </p:clrMapOvr>
+</p:sld>
+</file>
+
+<file path=ppt/slides/slide2.xml><?xml version="1.0" encoding="utf-8"?>
+<p:sld xmlns:a="http://schemas.openxmlformats.org/drawingml/2006/main" xmlns:r="http://schemas.openxmlformats.org/officeDocument/2006/relationships" xmlns:p="http://schemas.openxmlformats.org/presentationml/2006/main">
+  <p:cSld>
+    <p:spTree>
+      <p:nvGrpSpPr>
+        <p:cNvPr id="1" name=""/>
+        <p:cNvGrpSpPr/>
+        <p:nvPr/>
+      </p:nvGrpSpPr>
+      <p:grpSpPr>
+        <a:xfrm>
+          <a:off x="0" y="0"/>
+          <a:ext cx="0" cy="0"/>
+          <a:chOff x="0" y="0"/>
+          <a:chExt cx="0" cy="0"/>
+        </a:xfrm>
+      </p:grpSpPr>
+      <p:sp>
+        <p:nvSpPr>
+          <p:cNvPr id="2" name="Titel 1">
+            <a:extLst>
+              <a:ext uri="{FF2B5EF4-FFF2-40B4-BE49-F238E27FC236}">
+                <a16:creationId xmlns:a16="http://schemas.microsoft.com/office/drawing/2014/main" id="{EF0A671E-3F0C-E208-A30F-3531121F5CAB}"/>
+              </a:ext>
+            </a:extLst>
+          </p:cNvPr>
+          <p:cNvSpPr>
+            <a:spLocks noGrp="1"/>
+          </p:cNvSpPr>
+          <p:nvPr>
+            <p:ph type="title"/>
+          </p:nvPr>
+        </p:nvSpPr>
+        <p:spPr/>
+        <p:txBody>
+          <a:bodyPr/>
+          <a:lstStyle/>
+          <a:p>
+            <a:r>
+              <a:rPr lang="de-DE" dirty="0"/>
+              <a:t>Business Understanding – Problem</a:t>
+            </a:r>
+            <a:endParaRPr lang="en-US" dirty="0"/>
+          </a:p>
+        </p:txBody>
+      </p:sp>
+      <p:sp>
+        <p:nvSpPr>
+          <p:cNvPr id="3" name="Inhaltsplatzhalter 2">
+            <a:extLst>
+              <a:ext uri="{FF2B5EF4-FFF2-40B4-BE49-F238E27FC236}">
+                <a16:creationId xmlns:a16="http://schemas.microsoft.com/office/drawing/2014/main" id="{FB693121-058C-0414-6A28-F2AF176FF0F7}"/>
+              </a:ext>
+            </a:extLst>
+          </p:cNvPr>
+          <p:cNvSpPr>
+            <a:spLocks noGrp="1"/>
+          </p:cNvSpPr>
+          <p:nvPr>
+            <p:ph idx="1"/>
+          </p:nvPr>
+        </p:nvSpPr>
+        <p:spPr/>
+        <p:txBody>
+          <a:bodyPr>
+            <a:normAutofit/>
+          </a:bodyPr>
+          <a:lstStyle/>
+          <a:p>
+            <a:pPr>
+              <a:buFont typeface="Wingdings" panose="05000000000000000000" pitchFamily="2" charset="2"/>
+              <a:buChar char="à"/>
+            </a:pPr>
+            <a:r>
+              <a:rPr lang="de-DE" dirty="0">
+                <a:sym typeface="Wingdings" panose="05000000000000000000" pitchFamily="2" charset="2"/>
+              </a:rPr>
+              <a:t>Auftraggeber ist ein Unternehmen, welches Raketen herstellt</a:t>
+            </a:r>
+          </a:p>
+          <a:p>
+            <a:pPr marL="0" indent="0">
+              <a:buNone/>
+            </a:pPr>
+            <a:endParaRPr lang="de-DE" dirty="0">
+              <a:sym typeface="Wingdings" panose="05000000000000000000" pitchFamily="2" charset="2"/>
+            </a:endParaRPr>
+          </a:p>
+          <a:p>
+            <a:pPr marL="0" indent="0">
+              <a:buNone/>
+            </a:pPr>
+            <a:r>
+              <a:rPr lang="de-DE" dirty="0">
+                <a:sym typeface="Wingdings" panose="05000000000000000000" pitchFamily="2" charset="2"/>
+              </a:rPr>
+              <a:t>Problem:</a:t>
+            </a:r>
+          </a:p>
+          <a:p>
+            <a:pPr marL="0" indent="0">
+              <a:buNone/>
+            </a:pPr>
+            <a:r>
+              <a:rPr lang="de-DE" dirty="0">
+                <a:sym typeface="Wingdings" panose="05000000000000000000" pitchFamily="2" charset="2"/>
+              </a:rPr>
+              <a:t>Häufige unvorhergesehene Produktionsausfälle</a:t>
+            </a:r>
+          </a:p>
+          <a:p>
+            <a:pPr marL="0" indent="0">
+              <a:buNone/>
+            </a:pPr>
+            <a:r>
+              <a:rPr lang="de-DE" dirty="0">
+                <a:sym typeface="Wingdings" panose="05000000000000000000" pitchFamily="2" charset="2"/>
+              </a:rPr>
+              <a:t>- Produktion verzögert sich</a:t>
+            </a:r>
+          </a:p>
+          <a:p>
+            <a:pPr marL="0" indent="0">
+              <a:buNone/>
+            </a:pPr>
+            <a:r>
+              <a:rPr lang="de-DE" dirty="0">
+                <a:sym typeface="Wingdings" panose="05000000000000000000" pitchFamily="2" charset="2"/>
+              </a:rPr>
+              <a:t>- Hohe Kosten entstehen</a:t>
+            </a:r>
+          </a:p>
+          <a:p>
+            <a:pPr marL="0" indent="0">
+              <a:buNone/>
+            </a:pPr>
+            <a:r>
+              <a:rPr lang="de-DE" dirty="0">
+                <a:sym typeface="Wingdings" panose="05000000000000000000" pitchFamily="2" charset="2"/>
+              </a:rPr>
+              <a:t>Kundenzufriedenheit ist durch die Produktionsausfälle gesunken</a:t>
+            </a:r>
+          </a:p>
+          <a:p>
+            <a:pPr>
+              <a:buFont typeface="Wingdings" panose="05000000000000000000" pitchFamily="2" charset="2"/>
+              <a:buChar char="à"/>
+            </a:pPr>
+            <a:endParaRPr lang="en-US" dirty="0"/>
+          </a:p>
+        </p:txBody>
+      </p:sp>
+    </p:spTree>
+    <p:extLst>
+      <p:ext uri="{BB962C8B-B14F-4D97-AF65-F5344CB8AC3E}">
+        <p14:creationId xmlns:p14="http://schemas.microsoft.com/office/powerpoint/2010/main" val="3479139215"/>
+      </p:ext>
+    </p:extLst>
+  </p:cSld>
+  <p:clrMapOvr>
+    <a:masterClrMapping/>
+  </p:clrMapOvr>
+</p:sld>
+</file>
+
+<file path=ppt/slides/slide20.xml><?xml version="1.0" encoding="utf-8"?>
 <p:sld xmlns:a="http://schemas.openxmlformats.org/drawingml/2006/main" xmlns:r="http://schemas.openxmlformats.org/officeDocument/2006/relationships" xmlns:p="http://schemas.openxmlformats.org/presentationml/2006/main">
   <p:cSld>
     <p:spTree>
@@ -12452,7 +13481,7 @@
 </p:sld>
 </file>
 
-<file path=ppt/slides/slide19.xml><?xml version="1.0" encoding="utf-8"?>
+<file path=ppt/slides/slide21.xml><?xml version="1.0" encoding="utf-8"?>
 <p:sld xmlns:a="http://schemas.openxmlformats.org/drawingml/2006/main" xmlns:r="http://schemas.openxmlformats.org/officeDocument/2006/relationships" xmlns:p="http://schemas.openxmlformats.org/presentationml/2006/main">
   <p:cSld>
     <p:spTree>
@@ -12569,263 +13598,7 @@
 </p:sld>
 </file>
 
-<file path=ppt/slides/slide2.xml><?xml version="1.0" encoding="utf-8"?>
-<p:sld xmlns:a="http://schemas.openxmlformats.org/drawingml/2006/main" xmlns:r="http://schemas.openxmlformats.org/officeDocument/2006/relationships" xmlns:p="http://schemas.openxmlformats.org/presentationml/2006/main">
-  <p:cSld>
-    <p:spTree>
-      <p:nvGrpSpPr>
-        <p:cNvPr id="1" name=""/>
-        <p:cNvGrpSpPr/>
-        <p:nvPr/>
-      </p:nvGrpSpPr>
-      <p:grpSpPr>
-        <a:xfrm>
-          <a:off x="0" y="0"/>
-          <a:ext cx="0" cy="0"/>
-          <a:chOff x="0" y="0"/>
-          <a:chExt cx="0" cy="0"/>
-        </a:xfrm>
-      </p:grpSpPr>
-      <p:sp>
-        <p:nvSpPr>
-          <p:cNvPr id="2" name="Titel 1">
-            <a:extLst>
-              <a:ext uri="{FF2B5EF4-FFF2-40B4-BE49-F238E27FC236}">
-                <a16:creationId xmlns:a16="http://schemas.microsoft.com/office/drawing/2014/main" id="{EF0A671E-3F0C-E208-A30F-3531121F5CAB}"/>
-              </a:ext>
-            </a:extLst>
-          </p:cNvPr>
-          <p:cNvSpPr>
-            <a:spLocks noGrp="1"/>
-          </p:cNvSpPr>
-          <p:nvPr>
-            <p:ph type="title"/>
-          </p:nvPr>
-        </p:nvSpPr>
-        <p:spPr/>
-        <p:txBody>
-          <a:bodyPr/>
-          <a:lstStyle/>
-          <a:p>
-            <a:r>
-              <a:rPr lang="de-DE" dirty="0"/>
-              <a:t>Business Understanding – Problem</a:t>
-            </a:r>
-            <a:endParaRPr lang="en-US" dirty="0"/>
-          </a:p>
-        </p:txBody>
-      </p:sp>
-      <p:sp>
-        <p:nvSpPr>
-          <p:cNvPr id="3" name="Inhaltsplatzhalter 2">
-            <a:extLst>
-              <a:ext uri="{FF2B5EF4-FFF2-40B4-BE49-F238E27FC236}">
-                <a16:creationId xmlns:a16="http://schemas.microsoft.com/office/drawing/2014/main" id="{FB693121-058C-0414-6A28-F2AF176FF0F7}"/>
-              </a:ext>
-            </a:extLst>
-          </p:cNvPr>
-          <p:cNvSpPr>
-            <a:spLocks noGrp="1"/>
-          </p:cNvSpPr>
-          <p:nvPr>
-            <p:ph idx="1"/>
-          </p:nvPr>
-        </p:nvSpPr>
-        <p:spPr/>
-        <p:txBody>
-          <a:bodyPr>
-            <a:normAutofit/>
-          </a:bodyPr>
-          <a:lstStyle/>
-          <a:p>
-            <a:pPr>
-              <a:buFont typeface="Wingdings" panose="05000000000000000000" pitchFamily="2" charset="2"/>
-              <a:buChar char="à"/>
-            </a:pPr>
-            <a:r>
-              <a:rPr lang="de-DE" dirty="0">
-                <a:sym typeface="Wingdings" panose="05000000000000000000" pitchFamily="2" charset="2"/>
-              </a:rPr>
-              <a:t>Auftraggeber ist ein Unternehmen, welches Raketen herstellt</a:t>
-            </a:r>
-          </a:p>
-          <a:p>
-            <a:pPr marL="0" indent="0">
-              <a:buNone/>
-            </a:pPr>
-            <a:endParaRPr lang="de-DE" dirty="0">
-              <a:sym typeface="Wingdings" panose="05000000000000000000" pitchFamily="2" charset="2"/>
-            </a:endParaRPr>
-          </a:p>
-          <a:p>
-            <a:pPr marL="0" indent="0">
-              <a:buNone/>
-            </a:pPr>
-            <a:r>
-              <a:rPr lang="de-DE" dirty="0">
-                <a:sym typeface="Wingdings" panose="05000000000000000000" pitchFamily="2" charset="2"/>
-              </a:rPr>
-              <a:t>Problem:</a:t>
-            </a:r>
-          </a:p>
-          <a:p>
-            <a:pPr marL="0" indent="0">
-              <a:buNone/>
-            </a:pPr>
-            <a:r>
-              <a:rPr lang="de-DE" dirty="0">
-                <a:sym typeface="Wingdings" panose="05000000000000000000" pitchFamily="2" charset="2"/>
-              </a:rPr>
-              <a:t>Häufige unvorhergesehene Produktionsausfälle</a:t>
-            </a:r>
-          </a:p>
-          <a:p>
-            <a:pPr marL="0" indent="0">
-              <a:buNone/>
-            </a:pPr>
-            <a:r>
-              <a:rPr lang="de-DE" dirty="0">
-                <a:sym typeface="Wingdings" panose="05000000000000000000" pitchFamily="2" charset="2"/>
-              </a:rPr>
-              <a:t>- Produktion verzögert sich</a:t>
-            </a:r>
-          </a:p>
-          <a:p>
-            <a:pPr marL="0" indent="0">
-              <a:buNone/>
-            </a:pPr>
-            <a:r>
-              <a:rPr lang="de-DE" dirty="0">
-                <a:sym typeface="Wingdings" panose="05000000000000000000" pitchFamily="2" charset="2"/>
-              </a:rPr>
-              <a:t>- Hohe Kosten entstehen</a:t>
-            </a:r>
-          </a:p>
-          <a:p>
-            <a:pPr marL="0" indent="0">
-              <a:buNone/>
-            </a:pPr>
-            <a:r>
-              <a:rPr lang="de-DE" dirty="0">
-                <a:sym typeface="Wingdings" panose="05000000000000000000" pitchFamily="2" charset="2"/>
-              </a:rPr>
-              <a:t>Kundenzufriedenheit ist durch die Produktionsausfälle gesunken</a:t>
-            </a:r>
-          </a:p>
-          <a:p>
-            <a:pPr>
-              <a:buFont typeface="Wingdings" panose="05000000000000000000" pitchFamily="2" charset="2"/>
-              <a:buChar char="à"/>
-            </a:pPr>
-            <a:endParaRPr lang="en-US" dirty="0"/>
-          </a:p>
-        </p:txBody>
-      </p:sp>
-    </p:spTree>
-    <p:extLst>
-      <p:ext uri="{BB962C8B-B14F-4D97-AF65-F5344CB8AC3E}">
-        <p14:creationId xmlns:p14="http://schemas.microsoft.com/office/powerpoint/2010/main" val="3479139215"/>
-      </p:ext>
-    </p:extLst>
-  </p:cSld>
-  <p:clrMapOvr>
-    <a:masterClrMapping/>
-  </p:clrMapOvr>
-</p:sld>
-</file>
-
-<file path=ppt/slides/slide20.xml><?xml version="1.0" encoding="utf-8"?>
-<p:sld xmlns:a="http://schemas.openxmlformats.org/drawingml/2006/main" xmlns:r="http://schemas.openxmlformats.org/officeDocument/2006/relationships" xmlns:p="http://schemas.openxmlformats.org/presentationml/2006/main">
-  <p:cSld>
-    <p:spTree>
-      <p:nvGrpSpPr>
-        <p:cNvPr id="1" name=""/>
-        <p:cNvGrpSpPr/>
-        <p:nvPr/>
-      </p:nvGrpSpPr>
-      <p:grpSpPr>
-        <a:xfrm>
-          <a:off x="0" y="0"/>
-          <a:ext cx="0" cy="0"/>
-          <a:chOff x="0" y="0"/>
-          <a:chExt cx="0" cy="0"/>
-        </a:xfrm>
-      </p:grpSpPr>
-      <p:sp>
-        <p:nvSpPr>
-          <p:cNvPr id="2" name="Titel 1">
-            <a:extLst>
-              <a:ext uri="{FF2B5EF4-FFF2-40B4-BE49-F238E27FC236}">
-                <a16:creationId xmlns:a16="http://schemas.microsoft.com/office/drawing/2014/main" id="{65CB0C3E-037F-A156-2883-28F2C9582A29}"/>
-              </a:ext>
-            </a:extLst>
-          </p:cNvPr>
-          <p:cNvSpPr>
-            <a:spLocks noGrp="1"/>
-          </p:cNvSpPr>
-          <p:nvPr>
-            <p:ph type="title"/>
-          </p:nvPr>
-        </p:nvSpPr>
-        <p:spPr/>
-        <p:txBody>
-          <a:bodyPr/>
-          <a:lstStyle/>
-          <a:p>
-            <a:r>
-              <a:rPr lang="de-DE"/>
-              <a:t>Evaluation</a:t>
-            </a:r>
-            <a:endParaRPr lang="de-DE" dirty="0"/>
-          </a:p>
-        </p:txBody>
-      </p:sp>
-      <p:sp>
-        <p:nvSpPr>
-          <p:cNvPr id="3" name="Inhaltsplatzhalter 2">
-            <a:extLst>
-              <a:ext uri="{FF2B5EF4-FFF2-40B4-BE49-F238E27FC236}">
-                <a16:creationId xmlns:a16="http://schemas.microsoft.com/office/drawing/2014/main" id="{C7DD3096-BA73-2A02-748F-FC2E6D867B53}"/>
-              </a:ext>
-            </a:extLst>
-          </p:cNvPr>
-          <p:cNvSpPr>
-            <a:spLocks noGrp="1"/>
-          </p:cNvSpPr>
-          <p:nvPr>
-            <p:ph idx="1"/>
-          </p:nvPr>
-        </p:nvSpPr>
-        <p:spPr/>
-        <p:txBody>
-          <a:bodyPr/>
-          <a:lstStyle/>
-          <a:p>
-            <a:r>
-              <a:rPr lang="de-DE" dirty="0" err="1"/>
-              <a:t>Warscheinlichkeiten</a:t>
-            </a:r>
-            <a:r>
-              <a:rPr lang="de-DE" dirty="0"/>
-              <a:t> etc. Übersicht</a:t>
-            </a:r>
-          </a:p>
-        </p:txBody>
-      </p:sp>
-    </p:spTree>
-    <p:extLst>
-      <p:ext uri="{BB962C8B-B14F-4D97-AF65-F5344CB8AC3E}">
-        <p14:creationId xmlns:p14="http://schemas.microsoft.com/office/powerpoint/2010/main" val="1007533382"/>
-      </p:ext>
-    </p:extLst>
-  </p:cSld>
-  <p:clrMapOvr>
-    <a:masterClrMapping/>
-  </p:clrMapOvr>
-</p:sld>
-</file>
-
-<file path=ppt/slides/slide21.xml><?xml version="1.0" encoding="utf-8"?>
+<file path=ppt/slides/slide22.xml><?xml version="1.0" encoding="utf-8"?>
 <p:sld xmlns:a="http://schemas.openxmlformats.org/drawingml/2006/main" xmlns:r="http://schemas.openxmlformats.org/officeDocument/2006/relationships" xmlns:p="http://schemas.openxmlformats.org/presentationml/2006/main">
   <p:cSld>
     <p:spTree>
@@ -12917,66 +13690,6 @@
           </a:p>
         </p:txBody>
       </p:sp>
-      <p:pic>
-        <p:nvPicPr>
-          <p:cNvPr id="6" name="Grafik 5">
-            <a:extLst>
-              <a:ext uri="{FF2B5EF4-FFF2-40B4-BE49-F238E27FC236}">
-                <a16:creationId xmlns:a16="http://schemas.microsoft.com/office/drawing/2014/main" id="{3E09A82B-F950-9154-A41D-0473FDD9BD26}"/>
-              </a:ext>
-            </a:extLst>
-          </p:cNvPr>
-          <p:cNvPicPr>
-            <a:picLocks noChangeAspect="1"/>
-          </p:cNvPicPr>
-          <p:nvPr/>
-        </p:nvPicPr>
-        <p:blipFill>
-          <a:blip r:embed="rId2"/>
-          <a:stretch>
-            <a:fillRect/>
-          </a:stretch>
-        </p:blipFill>
-        <p:spPr>
-          <a:xfrm>
-            <a:off x="6483350" y="1632600"/>
-            <a:ext cx="4622800" cy="4791761"/>
-          </a:xfrm>
-          <a:prstGeom prst="rect">
-            <a:avLst/>
-          </a:prstGeom>
-        </p:spPr>
-      </p:pic>
-      <p:pic>
-        <p:nvPicPr>
-          <p:cNvPr id="8" name="Grafik 7">
-            <a:extLst>
-              <a:ext uri="{FF2B5EF4-FFF2-40B4-BE49-F238E27FC236}">
-                <a16:creationId xmlns:a16="http://schemas.microsoft.com/office/drawing/2014/main" id="{7BDE6FC7-3454-7FAE-28D9-AB4E6437F158}"/>
-              </a:ext>
-            </a:extLst>
-          </p:cNvPr>
-          <p:cNvPicPr>
-            <a:picLocks noChangeAspect="1"/>
-          </p:cNvPicPr>
-          <p:nvPr/>
-        </p:nvPicPr>
-        <p:blipFill>
-          <a:blip r:embed="rId3"/>
-          <a:stretch>
-            <a:fillRect/>
-          </a:stretch>
-        </p:blipFill>
-        <p:spPr>
-          <a:xfrm>
-            <a:off x="901699" y="2314574"/>
-            <a:ext cx="5427913" cy="2365375"/>
-          </a:xfrm>
-          <a:prstGeom prst="rect">
-            <a:avLst/>
-          </a:prstGeom>
-        </p:spPr>
-      </p:pic>
       <p:sp>
         <p:nvSpPr>
           <p:cNvPr id="10" name="Textfeld 9">
@@ -13047,6 +13760,66 @@
           </a:p>
         </p:txBody>
       </p:sp>
+      <p:pic>
+        <p:nvPicPr>
+          <p:cNvPr id="5" name="Grafik 4">
+            <a:extLst>
+              <a:ext uri="{FF2B5EF4-FFF2-40B4-BE49-F238E27FC236}">
+                <a16:creationId xmlns:a16="http://schemas.microsoft.com/office/drawing/2014/main" id="{972BD781-2F00-66EE-AD4F-20D3BEEC926A}"/>
+              </a:ext>
+            </a:extLst>
+          </p:cNvPr>
+          <p:cNvPicPr>
+            <a:picLocks noChangeAspect="1"/>
+          </p:cNvPicPr>
+          <p:nvPr/>
+        </p:nvPicPr>
+        <p:blipFill>
+          <a:blip r:embed="rId2"/>
+          <a:stretch>
+            <a:fillRect/>
+          </a:stretch>
+        </p:blipFill>
+        <p:spPr>
+          <a:xfrm>
+            <a:off x="6139420" y="1200150"/>
+            <a:ext cx="4966730" cy="5148262"/>
+          </a:xfrm>
+          <a:prstGeom prst="rect">
+            <a:avLst/>
+          </a:prstGeom>
+        </p:spPr>
+      </p:pic>
+      <p:pic>
+        <p:nvPicPr>
+          <p:cNvPr id="9" name="Grafik 8">
+            <a:extLst>
+              <a:ext uri="{FF2B5EF4-FFF2-40B4-BE49-F238E27FC236}">
+                <a16:creationId xmlns:a16="http://schemas.microsoft.com/office/drawing/2014/main" id="{79A8189B-F834-E49E-5EB0-AF10625C2F71}"/>
+              </a:ext>
+            </a:extLst>
+          </p:cNvPr>
+          <p:cNvPicPr>
+            <a:picLocks noChangeAspect="1"/>
+          </p:cNvPicPr>
+          <p:nvPr/>
+        </p:nvPicPr>
+        <p:blipFill>
+          <a:blip r:embed="rId3"/>
+          <a:stretch>
+            <a:fillRect/>
+          </a:stretch>
+        </p:blipFill>
+        <p:spPr>
+          <a:xfrm>
+            <a:off x="876300" y="2452687"/>
+            <a:ext cx="4995082" cy="2195513"/>
+          </a:xfrm>
+          <a:prstGeom prst="rect">
+            <a:avLst/>
+          </a:prstGeom>
+        </p:spPr>
+      </p:pic>
     </p:spTree>
     <p:extLst>
       <p:ext uri="{BB962C8B-B14F-4D97-AF65-F5344CB8AC3E}">
@@ -13060,7 +13833,7 @@
 </p:sld>
 </file>
 
-<file path=ppt/slides/slide22.xml><?xml version="1.0" encoding="utf-8"?>
+<file path=ppt/slides/slide23.xml><?xml version="1.0" encoding="utf-8"?>
 <p:sld xmlns:a="http://schemas.openxmlformats.org/drawingml/2006/main" xmlns:r="http://schemas.openxmlformats.org/officeDocument/2006/relationships" xmlns:p="http://schemas.openxmlformats.org/presentationml/2006/main">
   <p:cSld>
     <p:spTree>
@@ -13158,66 +13931,6 @@
           </a:p>
         </p:txBody>
       </p:sp>
-      <p:pic>
-        <p:nvPicPr>
-          <p:cNvPr id="5" name="Grafik 4">
-            <a:extLst>
-              <a:ext uri="{FF2B5EF4-FFF2-40B4-BE49-F238E27FC236}">
-                <a16:creationId xmlns:a16="http://schemas.microsoft.com/office/drawing/2014/main" id="{0043D8BD-70D5-35EA-B8BB-59A22B5BD60C}"/>
-              </a:ext>
-            </a:extLst>
-          </p:cNvPr>
-          <p:cNvPicPr>
-            <a:picLocks noChangeAspect="1"/>
-          </p:cNvPicPr>
-          <p:nvPr/>
-        </p:nvPicPr>
-        <p:blipFill>
-          <a:blip r:embed="rId2"/>
-          <a:stretch>
-            <a:fillRect/>
-          </a:stretch>
-        </p:blipFill>
-        <p:spPr>
-          <a:xfrm>
-            <a:off x="6273800" y="1708150"/>
-            <a:ext cx="4527549" cy="4693029"/>
-          </a:xfrm>
-          <a:prstGeom prst="rect">
-            <a:avLst/>
-          </a:prstGeom>
-        </p:spPr>
-      </p:pic>
-      <p:pic>
-        <p:nvPicPr>
-          <p:cNvPr id="10" name="Grafik 9">
-            <a:extLst>
-              <a:ext uri="{FF2B5EF4-FFF2-40B4-BE49-F238E27FC236}">
-                <a16:creationId xmlns:a16="http://schemas.microsoft.com/office/drawing/2014/main" id="{E2CB8BF1-1CC5-8098-5103-D2BCC5657DCA}"/>
-              </a:ext>
-            </a:extLst>
-          </p:cNvPr>
-          <p:cNvPicPr>
-            <a:picLocks noChangeAspect="1"/>
-          </p:cNvPicPr>
-          <p:nvPr/>
-        </p:nvPicPr>
-        <p:blipFill>
-          <a:blip r:embed="rId3"/>
-          <a:stretch>
-            <a:fillRect/>
-          </a:stretch>
-        </p:blipFill>
-        <p:spPr>
-          <a:xfrm>
-            <a:off x="928687" y="2363787"/>
-            <a:ext cx="4901163" cy="2074863"/>
-          </a:xfrm>
-          <a:prstGeom prst="rect">
-            <a:avLst/>
-          </a:prstGeom>
-        </p:spPr>
-      </p:pic>
       <p:sp>
         <p:nvSpPr>
           <p:cNvPr id="11" name="Textfeld 10">
@@ -13288,6 +14001,66 @@
           </a:p>
         </p:txBody>
       </p:sp>
+      <p:pic>
+        <p:nvPicPr>
+          <p:cNvPr id="8" name="Grafik 7">
+            <a:extLst>
+              <a:ext uri="{FF2B5EF4-FFF2-40B4-BE49-F238E27FC236}">
+                <a16:creationId xmlns:a16="http://schemas.microsoft.com/office/drawing/2014/main" id="{5A90CB8C-D699-F983-7645-004020A1F92F}"/>
+              </a:ext>
+            </a:extLst>
+          </p:cNvPr>
+          <p:cNvPicPr>
+            <a:picLocks noChangeAspect="1"/>
+          </p:cNvPicPr>
+          <p:nvPr/>
+        </p:nvPicPr>
+        <p:blipFill>
+          <a:blip r:embed="rId2"/>
+          <a:stretch>
+            <a:fillRect/>
+          </a:stretch>
+        </p:blipFill>
+        <p:spPr>
+          <a:xfrm>
+            <a:off x="6385296" y="1752600"/>
+            <a:ext cx="4397003" cy="4557712"/>
+          </a:xfrm>
+          <a:prstGeom prst="rect">
+            <a:avLst/>
+          </a:prstGeom>
+        </p:spPr>
+      </p:pic>
+      <p:pic>
+        <p:nvPicPr>
+          <p:cNvPr id="13" name="Grafik 12">
+            <a:extLst>
+              <a:ext uri="{FF2B5EF4-FFF2-40B4-BE49-F238E27FC236}">
+                <a16:creationId xmlns:a16="http://schemas.microsoft.com/office/drawing/2014/main" id="{A7B85A60-886D-0FE0-C4F9-5328074A9FFD}"/>
+              </a:ext>
+            </a:extLst>
+          </p:cNvPr>
+          <p:cNvPicPr>
+            <a:picLocks noChangeAspect="1"/>
+          </p:cNvPicPr>
+          <p:nvPr/>
+        </p:nvPicPr>
+        <p:blipFill>
+          <a:blip r:embed="rId3"/>
+          <a:stretch>
+            <a:fillRect/>
+          </a:stretch>
+        </p:blipFill>
+        <p:spPr>
+          <a:xfrm>
+            <a:off x="942974" y="2409825"/>
+            <a:ext cx="4791075" cy="2016154"/>
+          </a:xfrm>
+          <a:prstGeom prst="rect">
+            <a:avLst/>
+          </a:prstGeom>
+        </p:spPr>
+      </p:pic>
     </p:spTree>
     <p:extLst>
       <p:ext uri="{BB962C8B-B14F-4D97-AF65-F5344CB8AC3E}">
@@ -13301,7 +14074,157 @@
 </p:sld>
 </file>
 
-<file path=ppt/slides/slide23.xml><?xml version="1.0" encoding="utf-8"?>
+<file path=ppt/slides/slide24.xml><?xml version="1.0" encoding="utf-8"?>
+<p:sld xmlns:a="http://schemas.openxmlformats.org/drawingml/2006/main" xmlns:r="http://schemas.openxmlformats.org/officeDocument/2006/relationships" xmlns:p="http://schemas.openxmlformats.org/presentationml/2006/main">
+  <p:cSld>
+    <p:spTree>
+      <p:nvGrpSpPr>
+        <p:cNvPr id="1" name=""/>
+        <p:cNvGrpSpPr/>
+        <p:nvPr/>
+      </p:nvGrpSpPr>
+      <p:grpSpPr>
+        <a:xfrm>
+          <a:off x="0" y="0"/>
+          <a:ext cx="0" cy="0"/>
+          <a:chOff x="0" y="0"/>
+          <a:chExt cx="0" cy="0"/>
+        </a:xfrm>
+      </p:grpSpPr>
+      <p:sp>
+        <p:nvSpPr>
+          <p:cNvPr id="2" name="Titel 1">
+            <a:extLst>
+              <a:ext uri="{FF2B5EF4-FFF2-40B4-BE49-F238E27FC236}">
+                <a16:creationId xmlns:a16="http://schemas.microsoft.com/office/drawing/2014/main" id="{8EBA753B-FC0A-2CFE-752F-19DBAB0B5406}"/>
+              </a:ext>
+            </a:extLst>
+          </p:cNvPr>
+          <p:cNvSpPr>
+            <a:spLocks noGrp="1"/>
+          </p:cNvSpPr>
+          <p:nvPr>
+            <p:ph type="title"/>
+          </p:nvPr>
+        </p:nvSpPr>
+        <p:spPr/>
+        <p:txBody>
+          <a:bodyPr/>
+          <a:lstStyle/>
+          <a:p>
+            <a:r>
+              <a:rPr lang="de-DE" dirty="0"/>
+              <a:t>Ergebnis Log-Daten</a:t>
+            </a:r>
+            <a:endParaRPr lang="en-US" dirty="0"/>
+          </a:p>
+        </p:txBody>
+      </p:sp>
+      <p:sp>
+        <p:nvSpPr>
+          <p:cNvPr id="3" name="Inhaltsplatzhalter 2">
+            <a:extLst>
+              <a:ext uri="{FF2B5EF4-FFF2-40B4-BE49-F238E27FC236}">
+                <a16:creationId xmlns:a16="http://schemas.microsoft.com/office/drawing/2014/main" id="{DAC1F10F-876F-B3E2-6EF6-659735F33008}"/>
+              </a:ext>
+            </a:extLst>
+          </p:cNvPr>
+          <p:cNvSpPr>
+            <a:spLocks noGrp="1"/>
+          </p:cNvSpPr>
+          <p:nvPr>
+            <p:ph idx="1"/>
+          </p:nvPr>
+        </p:nvSpPr>
+        <p:spPr/>
+        <p:txBody>
+          <a:bodyPr>
+            <a:normAutofit lnSpcReduction="10000"/>
+          </a:bodyPr>
+          <a:lstStyle/>
+          <a:p>
+            <a:pPr>
+              <a:buFont typeface="Wingdings" panose="05000000000000000000" pitchFamily="2" charset="2"/>
+              <a:buChar char="à"/>
+            </a:pPr>
+            <a:r>
+              <a:rPr lang="de-DE" dirty="0">
+                <a:sym typeface="Wingdings" panose="05000000000000000000" pitchFamily="2" charset="2"/>
+              </a:rPr>
+              <a:t>Aus den Ergebnissen ist eine hohe Treffsicherheit des Modells erkennbar</a:t>
+            </a:r>
+          </a:p>
+          <a:p>
+            <a:r>
+              <a:rPr lang="de-DE" dirty="0">
+                <a:sym typeface="Wingdings" panose="05000000000000000000" pitchFamily="2" charset="2"/>
+              </a:rPr>
+              <a:t>Beide Modelle performen genau gleich</a:t>
+            </a:r>
+          </a:p>
+          <a:p>
+            <a:r>
+              <a:rPr lang="de-DE" dirty="0">
+                <a:sym typeface="Wingdings" panose="05000000000000000000" pitchFamily="2" charset="2"/>
+              </a:rPr>
+              <a:t>Die Abhängigkeit zwischen den Texten und der Variable </a:t>
+            </a:r>
+            <a:r>
+              <a:rPr lang="de-DE" dirty="0" err="1">
+                <a:sym typeface="Wingdings" panose="05000000000000000000" pitchFamily="2" charset="2"/>
+              </a:rPr>
+              <a:t>ServiceOK</a:t>
+            </a:r>
+            <a:r>
+              <a:rPr lang="de-DE" dirty="0">
+                <a:sym typeface="Wingdings" panose="05000000000000000000" pitchFamily="2" charset="2"/>
+              </a:rPr>
+              <a:t> ist sehr groß, weshalb die Ergebnisse so gut ausfallen</a:t>
+            </a:r>
+            <a:endParaRPr lang="en-US" dirty="0">
+              <a:sym typeface="Wingdings" panose="05000000000000000000" pitchFamily="2" charset="2"/>
+            </a:endParaRPr>
+          </a:p>
+          <a:p>
+            <a:pPr>
+              <a:buFont typeface="Wingdings" panose="05000000000000000000" pitchFamily="2" charset="2"/>
+              <a:buChar char="à"/>
+            </a:pPr>
+            <a:r>
+              <a:rPr lang="de-DE" dirty="0">
+                <a:sym typeface="Wingdings" panose="05000000000000000000" pitchFamily="2" charset="2"/>
+              </a:rPr>
+              <a:t> Hohe Korrelation zwischen Text in der Log Message und einem Ausfall haben großen Einfluss in die Analyse</a:t>
+            </a:r>
+          </a:p>
+          <a:p>
+            <a:pPr>
+              <a:buFont typeface="Wingdings" panose="05000000000000000000" pitchFamily="2" charset="2"/>
+              <a:buChar char="à"/>
+            </a:pPr>
+            <a:r>
+              <a:rPr lang="de-DE" dirty="0">
+                <a:sym typeface="Wingdings" panose="05000000000000000000" pitchFamily="2" charset="2"/>
+              </a:rPr>
+              <a:t> Für eine umfangreichere Analyse sollten die Log- und Wartungsdaten verknüpft werden, damit weitere Analysen vorgenommen werden können</a:t>
+            </a:r>
+          </a:p>
+        </p:txBody>
+      </p:sp>
+    </p:spTree>
+    <p:extLst>
+      <p:ext uri="{BB962C8B-B14F-4D97-AF65-F5344CB8AC3E}">
+        <p14:creationId xmlns:p14="http://schemas.microsoft.com/office/powerpoint/2010/main" val="4021444989"/>
+      </p:ext>
+    </p:extLst>
+  </p:cSld>
+  <p:clrMapOvr>
+    <a:masterClrMapping/>
+  </p:clrMapOvr>
+</p:sld>
+</file>
+
+<file path=ppt/slides/slide25.xml><?xml version="1.0" encoding="utf-8"?>
 <p:sld xmlns:a="http://schemas.openxmlformats.org/drawingml/2006/main" xmlns:r="http://schemas.openxmlformats.org/officeDocument/2006/relationships" xmlns:p="http://schemas.openxmlformats.org/presentationml/2006/main">
   <p:cSld>
     <p:spTree>
@@ -13418,7 +14341,7 @@
 </p:sld>
 </file>
 
-<file path=ppt/slides/slide24.xml><?xml version="1.0" encoding="utf-8"?>
+<file path=ppt/slides/slide26.xml><?xml version="1.0" encoding="utf-8"?>
 <p:sld xmlns:a="http://schemas.openxmlformats.org/drawingml/2006/main" xmlns:r="http://schemas.openxmlformats.org/officeDocument/2006/relationships" xmlns:p="http://schemas.openxmlformats.org/presentationml/2006/main">
   <p:cSld>
     <p:spTree>
@@ -13502,7 +14425,7 @@
 </p:sld>
 </file>
 
-<file path=ppt/slides/slide25.xml><?xml version="1.0" encoding="utf-8"?>
+<file path=ppt/slides/slide27.xml><?xml version="1.0" encoding="utf-8"?>
 <p:sld xmlns:a="http://schemas.openxmlformats.org/drawingml/2006/main" xmlns:r="http://schemas.openxmlformats.org/officeDocument/2006/relationships" xmlns:p="http://schemas.openxmlformats.org/presentationml/2006/main">
   <p:cSld>
     <p:spTree>
@@ -14170,7 +15093,7 @@
         <p:spPr/>
         <p:txBody>
           <a:bodyPr>
-            <a:normAutofit lnSpcReduction="10000"/>
+            <a:normAutofit fontScale="92500"/>
           </a:bodyPr>
           <a:lstStyle/>
           <a:p>
@@ -14368,11 +15291,30 @@
             </a:r>
             <a:r>
               <a:rPr lang="en-US" dirty="0"/>
-              <a:t>: Status, </a:t>
+              <a:t>: Status </a:t>
             </a:r>
             <a:r>
               <a:rPr lang="en-US" dirty="0" err="1"/>
-              <a:t>ob</a:t>
+              <a:t>unterteilt</a:t>
+            </a:r>
+            <a:r>
+              <a:rPr lang="en-US" dirty="0"/>
+              <a:t> in “Info”, “Warning”, “Error”</a:t>
+            </a:r>
+          </a:p>
+          <a:p>
+            <a:pPr lvl="1"/>
+            <a:r>
+              <a:rPr lang="en-US" dirty="0" err="1"/>
+              <a:t>LogMessage</a:t>
+            </a:r>
+            <a:r>
+              <a:rPr lang="en-US" dirty="0"/>
+              <a:t>: Bei Error und Warning </a:t>
+            </a:r>
+            <a:r>
+              <a:rPr lang="en-US" dirty="0" err="1"/>
+              <a:t>wird</a:t>
             </a:r>
             <a:r>
               <a:rPr lang="en-US" dirty="0"/>
@@ -14380,23 +15322,7 @@
             </a:r>
             <a:r>
               <a:rPr lang="en-US" dirty="0" err="1"/>
-              <a:t>alles</a:t>
-            </a:r>
-            <a:r>
-              <a:rPr lang="en-US" dirty="0"/>
-              <a:t> gut </a:t>
-            </a:r>
-            <a:r>
-              <a:rPr lang="en-US" dirty="0" err="1"/>
-              <a:t>ist</a:t>
-            </a:r>
-            <a:r>
-              <a:rPr lang="en-US" dirty="0"/>
-              <a:t>, </a:t>
-            </a:r>
-            <a:r>
-              <a:rPr lang="en-US" dirty="0" err="1"/>
-              <a:t>oder</a:t>
+              <a:t>hier</a:t>
             </a:r>
             <a:r>
               <a:rPr lang="en-US" dirty="0"/>
@@ -14404,31 +15330,7 @@
             </a:r>
             <a:r>
               <a:rPr lang="en-US" dirty="0" err="1"/>
-              <a:t>ein</a:t>
-            </a:r>
-            <a:r>
-              <a:rPr lang="en-US" dirty="0"/>
-              <a:t> Error </a:t>
-            </a:r>
-            <a:r>
-              <a:rPr lang="en-US" dirty="0" err="1"/>
-              <a:t>vorliegt</a:t>
-            </a:r>
-            <a:endParaRPr lang="en-US" dirty="0"/>
-          </a:p>
-          <a:p>
-            <a:pPr lvl="1"/>
-            <a:r>
-              <a:rPr lang="en-US" dirty="0" err="1"/>
-              <a:t>LogMessage</a:t>
-            </a:r>
-            <a:r>
-              <a:rPr lang="en-US" dirty="0"/>
-              <a:t>: </a:t>
-            </a:r>
-            <a:r>
-              <a:rPr lang="en-US" dirty="0" err="1"/>
-              <a:t>Wenn</a:t>
+              <a:t>eine</a:t>
             </a:r>
             <a:r>
               <a:rPr lang="en-US" dirty="0"/>
@@ -14436,51 +15338,11 @@
             </a:r>
             <a:r>
               <a:rPr lang="en-US" dirty="0" err="1"/>
-              <a:t>ein</a:t>
+              <a:t>detailierte</a:t>
             </a:r>
             <a:r>
               <a:rPr lang="en-US" dirty="0"/>
-              <a:t> Error </a:t>
-            </a:r>
-            <a:r>
-              <a:rPr lang="en-US" dirty="0" err="1"/>
-              <a:t>vorhanden</a:t>
-            </a:r>
-            <a:r>
-              <a:rPr lang="en-US" dirty="0"/>
-              <a:t> </a:t>
-            </a:r>
-            <a:r>
-              <a:rPr lang="en-US" dirty="0" err="1"/>
-              <a:t>ist</a:t>
-            </a:r>
-            <a:r>
-              <a:rPr lang="en-US" dirty="0"/>
-              <a:t>, </a:t>
-            </a:r>
-            <a:r>
-              <a:rPr lang="en-US" dirty="0" err="1"/>
-              <a:t>wird</a:t>
-            </a:r>
-            <a:r>
-              <a:rPr lang="en-US" dirty="0"/>
-              <a:t> </a:t>
-            </a:r>
-            <a:r>
-              <a:rPr lang="en-US" dirty="0" err="1"/>
-              <a:t>dieser</a:t>
-            </a:r>
-            <a:r>
-              <a:rPr lang="en-US" dirty="0"/>
-              <a:t> </a:t>
-            </a:r>
-            <a:r>
-              <a:rPr lang="en-US" dirty="0" err="1"/>
-              <a:t>hier</a:t>
-            </a:r>
-            <a:r>
-              <a:rPr lang="en-US" dirty="0"/>
-              <a:t> </a:t>
+              <a:t> Message </a:t>
             </a:r>
             <a:r>
               <a:rPr lang="en-US" dirty="0" err="1"/>

--- a/Organisational/Dokumentation HHZ Rocket Project.pptx
+++ b/Organisational/Dokumentation HHZ Rocket Project.pptx
@@ -5,7 +5,7 @@
     <p:sldMasterId id="2147483648" r:id="rId1"/>
   </p:sldMasterIdLst>
   <p:notesMasterIdLst>
-    <p:notesMasterId r:id="rId29"/>
+    <p:notesMasterId r:id="rId30"/>
   </p:notesMasterIdLst>
   <p:sldIdLst>
     <p:sldId id="256" r:id="rId2"/>
@@ -35,6 +35,7 @@
     <p:sldId id="286" r:id="rId26"/>
     <p:sldId id="287" r:id="rId27"/>
     <p:sldId id="288" r:id="rId28"/>
+    <p:sldId id="291" r:id="rId29"/>
   </p:sldIdLst>
   <p:sldSz cx="12192000" cy="6858000"/>
   <p:notesSz cx="6858000" cy="9144000"/>
@@ -144,7 +145,7 @@
 <file path=ppt/revisionInfo.xml><?xml version="1.0" encoding="utf-8"?>
 <p1510:revInfo xmlns:a="http://schemas.openxmlformats.org/drawingml/2006/main" xmlns:r="http://schemas.openxmlformats.org/officeDocument/2006/relationships" xmlns:p1510="http://schemas.microsoft.com/office/powerpoint/2015/10/main">
   <p1510:revLst>
-    <p1510:client id="{5635DA5A-61EB-4DA5-B93B-B0B2D991637B}" v="66" dt="2024-02-25T12:45:37.006"/>
+    <p1510:client id="{5635DA5A-61EB-4DA5-B93B-B0B2D991637B}" v="73" dt="2024-02-25T15:04:19.846"/>
   </p1510:revLst>
 </p1510:revInfo>
 </file>
@@ -154,10 +155,40 @@
   <pc:docChgLst>
     <pc:chgData name="Betz, Daniel" userId="2ae60d0c-3264-419a-8fb5-5613884ee745" providerId="ADAL" clId="{5635DA5A-61EB-4DA5-B93B-B0B2D991637B}"/>
     <pc:docChg chg="undo custSel addSld delSld modSld sldOrd">
-      <pc:chgData name="Betz, Daniel" userId="2ae60d0c-3264-419a-8fb5-5613884ee745" providerId="ADAL" clId="{5635DA5A-61EB-4DA5-B93B-B0B2D991637B}" dt="2024-02-25T12:47:00.036" v="4325" actId="14100"/>
+      <pc:chgData name="Betz, Daniel" userId="2ae60d0c-3264-419a-8fb5-5613884ee745" providerId="ADAL" clId="{5635DA5A-61EB-4DA5-B93B-B0B2D991637B}" dt="2024-02-25T15:04:19.846" v="4995"/>
       <pc:docMkLst>
         <pc:docMk/>
       </pc:docMkLst>
+      <pc:sldChg chg="addSp modSp">
+        <pc:chgData name="Betz, Daniel" userId="2ae60d0c-3264-419a-8fb5-5613884ee745" providerId="ADAL" clId="{5635DA5A-61EB-4DA5-B93B-B0B2D991637B}" dt="2024-02-25T15:04:16.236" v="4994"/>
+        <pc:sldMkLst>
+          <pc:docMk/>
+          <pc:sldMk cId="364164187" sldId="256"/>
+        </pc:sldMkLst>
+        <pc:spChg chg="add mod">
+          <ac:chgData name="Betz, Daniel" userId="2ae60d0c-3264-419a-8fb5-5613884ee745" providerId="ADAL" clId="{5635DA5A-61EB-4DA5-B93B-B0B2D991637B}" dt="2024-02-25T15:04:16.236" v="4994"/>
+          <ac:spMkLst>
+            <pc:docMk/>
+            <pc:sldMk cId="364164187" sldId="256"/>
+            <ac:spMk id="4" creationId="{E040CA9F-D9FD-1E1E-5106-8E4398B91415}"/>
+          </ac:spMkLst>
+        </pc:spChg>
+      </pc:sldChg>
+      <pc:sldChg chg="addSp modSp">
+        <pc:chgData name="Betz, Daniel" userId="2ae60d0c-3264-419a-8fb5-5613884ee745" providerId="ADAL" clId="{5635DA5A-61EB-4DA5-B93B-B0B2D991637B}" dt="2024-02-25T15:04:13.390" v="4993"/>
+        <pc:sldMkLst>
+          <pc:docMk/>
+          <pc:sldMk cId="4118760493" sldId="259"/>
+        </pc:sldMkLst>
+        <pc:spChg chg="add mod">
+          <ac:chgData name="Betz, Daniel" userId="2ae60d0c-3264-419a-8fb5-5613884ee745" providerId="ADAL" clId="{5635DA5A-61EB-4DA5-B93B-B0B2D991637B}" dt="2024-02-25T15:04:13.390" v="4993"/>
+          <ac:spMkLst>
+            <pc:docMk/>
+            <pc:sldMk cId="4118760493" sldId="259"/>
+            <ac:spMk id="3" creationId="{54D1070C-282F-9236-14A8-0A7A32EC49BD}"/>
+          </ac:spMkLst>
+        </pc:spChg>
+      </pc:sldChg>
       <pc:sldChg chg="modSp mod">
         <pc:chgData name="Betz, Daniel" userId="2ae60d0c-3264-419a-8fb5-5613884ee745" providerId="ADAL" clId="{5635DA5A-61EB-4DA5-B93B-B0B2D991637B}" dt="2024-02-25T10:08:40.765" v="787" actId="20577"/>
         <pc:sldMkLst>
@@ -173,14 +204,29 @@
           </ac:spMkLst>
         </pc:spChg>
       </pc:sldChg>
+      <pc:sldChg chg="addSp modSp">
+        <pc:chgData name="Betz, Daniel" userId="2ae60d0c-3264-419a-8fb5-5613884ee745" providerId="ADAL" clId="{5635DA5A-61EB-4DA5-B93B-B0B2D991637B}" dt="2024-02-25T15:04:11.235" v="4992"/>
+        <pc:sldMkLst>
+          <pc:docMk/>
+          <pc:sldMk cId="3715185485" sldId="262"/>
+        </pc:sldMkLst>
+        <pc:spChg chg="add mod">
+          <ac:chgData name="Betz, Daniel" userId="2ae60d0c-3264-419a-8fb5-5613884ee745" providerId="ADAL" clId="{5635DA5A-61EB-4DA5-B93B-B0B2D991637B}" dt="2024-02-25T15:04:11.235" v="4992"/>
+          <ac:spMkLst>
+            <pc:docMk/>
+            <pc:sldMk cId="3715185485" sldId="262"/>
+            <ac:spMk id="4" creationId="{90F45A30-2608-C39E-E0DD-844FC993ADCF}"/>
+          </ac:spMkLst>
+        </pc:spChg>
+      </pc:sldChg>
       <pc:sldChg chg="modSp">
-        <pc:chgData name="Betz, Daniel" userId="2ae60d0c-3264-419a-8fb5-5613884ee745" providerId="ADAL" clId="{5635DA5A-61EB-4DA5-B93B-B0B2D991637B}" dt="2024-02-25T10:09:33.620" v="844" actId="20577"/>
+        <pc:chgData name="Betz, Daniel" userId="2ae60d0c-3264-419a-8fb5-5613884ee745" providerId="ADAL" clId="{5635DA5A-61EB-4DA5-B93B-B0B2D991637B}" dt="2024-02-25T14:47:11.658" v="4327" actId="20577"/>
         <pc:sldMkLst>
           <pc:docMk/>
           <pc:sldMk cId="650092607" sldId="264"/>
         </pc:sldMkLst>
         <pc:graphicFrameChg chg="mod">
-          <ac:chgData name="Betz, Daniel" userId="2ae60d0c-3264-419a-8fb5-5613884ee745" providerId="ADAL" clId="{5635DA5A-61EB-4DA5-B93B-B0B2D991637B}" dt="2024-02-25T10:09:33.620" v="844" actId="20577"/>
+          <ac:chgData name="Betz, Daniel" userId="2ae60d0c-3264-419a-8fb5-5613884ee745" providerId="ADAL" clId="{5635DA5A-61EB-4DA5-B93B-B0B2D991637B}" dt="2024-02-25T14:47:11.658" v="4327" actId="20577"/>
           <ac:graphicFrameMkLst>
             <pc:docMk/>
             <pc:sldMk cId="650092607" sldId="264"/>
@@ -265,8 +311,38 @@
           </ac:spMkLst>
         </pc:spChg>
       </pc:sldChg>
-      <pc:sldChg chg="modSp mod ord">
-        <pc:chgData name="Betz, Daniel" userId="2ae60d0c-3264-419a-8fb5-5613884ee745" providerId="ADAL" clId="{5635DA5A-61EB-4DA5-B93B-B0B2D991637B}" dt="2024-02-25T10:19:40.602" v="1339"/>
+      <pc:sldChg chg="addSp modSp">
+        <pc:chgData name="Betz, Daniel" userId="2ae60d0c-3264-419a-8fb5-5613884ee745" providerId="ADAL" clId="{5635DA5A-61EB-4DA5-B93B-B0B2D991637B}" dt="2024-02-25T15:04:07.825" v="4991"/>
+        <pc:sldMkLst>
+          <pc:docMk/>
+          <pc:sldMk cId="3079551421" sldId="277"/>
+        </pc:sldMkLst>
+        <pc:spChg chg="add mod">
+          <ac:chgData name="Betz, Daniel" userId="2ae60d0c-3264-419a-8fb5-5613884ee745" providerId="ADAL" clId="{5635DA5A-61EB-4DA5-B93B-B0B2D991637B}" dt="2024-02-25T15:04:07.825" v="4991"/>
+          <ac:spMkLst>
+            <pc:docMk/>
+            <pc:sldMk cId="3079551421" sldId="277"/>
+            <ac:spMk id="4" creationId="{C942B774-0C3F-D3C2-3A3C-06BB142E9972}"/>
+          </ac:spMkLst>
+        </pc:spChg>
+      </pc:sldChg>
+      <pc:sldChg chg="addSp modSp mod">
+        <pc:chgData name="Betz, Daniel" userId="2ae60d0c-3264-419a-8fb5-5613884ee745" providerId="ADAL" clId="{5635DA5A-61EB-4DA5-B93B-B0B2D991637B}" dt="2024-02-25T15:00:31.914" v="4935" actId="1076"/>
+        <pc:sldMkLst>
+          <pc:docMk/>
+          <pc:sldMk cId="2529020300" sldId="278"/>
+        </pc:sldMkLst>
+        <pc:spChg chg="add mod">
+          <ac:chgData name="Betz, Daniel" userId="2ae60d0c-3264-419a-8fb5-5613884ee745" providerId="ADAL" clId="{5635DA5A-61EB-4DA5-B93B-B0B2D991637B}" dt="2024-02-25T15:00:31.914" v="4935" actId="1076"/>
+          <ac:spMkLst>
+            <pc:docMk/>
+            <pc:sldMk cId="2529020300" sldId="278"/>
+            <ac:spMk id="5" creationId="{407E7490-5DCA-CB78-7D1A-988E58AFC298}"/>
+          </ac:spMkLst>
+        </pc:spChg>
+      </pc:sldChg>
+      <pc:sldChg chg="addSp delSp modSp mod ord">
+        <pc:chgData name="Betz, Daniel" userId="2ae60d0c-3264-419a-8fb5-5613884ee745" providerId="ADAL" clId="{5635DA5A-61EB-4DA5-B93B-B0B2D991637B}" dt="2024-02-25T14:56:38.780" v="4909" actId="1076"/>
         <pc:sldMkLst>
           <pc:docMk/>
           <pc:sldMk cId="1007533382" sldId="281"/>
@@ -279,6 +355,54 @@
             <ac:spMk id="2" creationId="{65CB0C3E-037F-A156-2883-28F2C9582A29}"/>
           </ac:spMkLst>
         </pc:spChg>
+        <pc:spChg chg="mod">
+          <ac:chgData name="Betz, Daniel" userId="2ae60d0c-3264-419a-8fb5-5613884ee745" providerId="ADAL" clId="{5635DA5A-61EB-4DA5-B93B-B0B2D991637B}" dt="2024-02-25T14:55:24.981" v="4896" actId="20577"/>
+          <ac:spMkLst>
+            <pc:docMk/>
+            <pc:sldMk cId="1007533382" sldId="281"/>
+            <ac:spMk id="3" creationId="{C7DD3096-BA73-2A02-748F-FC2E6D867B53}"/>
+          </ac:spMkLst>
+        </pc:spChg>
+        <pc:spChg chg="add del mod">
+          <ac:chgData name="Betz, Daniel" userId="2ae60d0c-3264-419a-8fb5-5613884ee745" providerId="ADAL" clId="{5635DA5A-61EB-4DA5-B93B-B0B2D991637B}" dt="2024-02-25T14:54:11.302" v="4728" actId="478"/>
+          <ac:spMkLst>
+            <pc:docMk/>
+            <pc:sldMk cId="1007533382" sldId="281"/>
+            <ac:spMk id="5" creationId="{465C8B2C-56A6-4547-93EB-719E1C82AA67}"/>
+          </ac:spMkLst>
+        </pc:spChg>
+        <pc:spChg chg="add mod">
+          <ac:chgData name="Betz, Daniel" userId="2ae60d0c-3264-419a-8fb5-5613884ee745" providerId="ADAL" clId="{5635DA5A-61EB-4DA5-B93B-B0B2D991637B}" dt="2024-02-25T14:55:30.324" v="4897" actId="1076"/>
+          <ac:spMkLst>
+            <pc:docMk/>
+            <pc:sldMk cId="1007533382" sldId="281"/>
+            <ac:spMk id="9" creationId="{76CDECC2-996D-0C44-1C6B-B001555582C6}"/>
+          </ac:spMkLst>
+        </pc:spChg>
+        <pc:spChg chg="add mod">
+          <ac:chgData name="Betz, Daniel" userId="2ae60d0c-3264-419a-8fb5-5613884ee745" providerId="ADAL" clId="{5635DA5A-61EB-4DA5-B93B-B0B2D991637B}" dt="2024-02-25T14:56:38.780" v="4909" actId="1076"/>
+          <ac:spMkLst>
+            <pc:docMk/>
+            <pc:sldMk cId="1007533382" sldId="281"/>
+            <ac:spMk id="13" creationId="{D760C95C-937A-D060-2B42-135595507850}"/>
+          </ac:spMkLst>
+        </pc:spChg>
+        <pc:picChg chg="add mod">
+          <ac:chgData name="Betz, Daniel" userId="2ae60d0c-3264-419a-8fb5-5613884ee745" providerId="ADAL" clId="{5635DA5A-61EB-4DA5-B93B-B0B2D991637B}" dt="2024-02-25T14:55:30.324" v="4897" actId="1076"/>
+          <ac:picMkLst>
+            <pc:docMk/>
+            <pc:sldMk cId="1007533382" sldId="281"/>
+            <ac:picMk id="7" creationId="{61ACF681-92AA-33FA-CBB9-88E87BE60C80}"/>
+          </ac:picMkLst>
+        </pc:picChg>
+        <pc:picChg chg="add mod">
+          <ac:chgData name="Betz, Daniel" userId="2ae60d0c-3264-419a-8fb5-5613884ee745" providerId="ADAL" clId="{5635DA5A-61EB-4DA5-B93B-B0B2D991637B}" dt="2024-02-25T14:55:59.709" v="4900" actId="14100"/>
+          <ac:picMkLst>
+            <pc:docMk/>
+            <pc:sldMk cId="1007533382" sldId="281"/>
+            <ac:picMk id="11" creationId="{A0B2382A-F34A-47F1-F6B4-7D7D8EC6F1F4}"/>
+          </ac:picMkLst>
+        </pc:picChg>
       </pc:sldChg>
       <pc:sldChg chg="addSp delSp modSp new mod ord">
         <pc:chgData name="Betz, Daniel" userId="2ae60d0c-3264-419a-8fb5-5613884ee745" providerId="ADAL" clId="{5635DA5A-61EB-4DA5-B93B-B0B2D991637B}" dt="2024-02-25T12:41:10.651" v="4292" actId="14100"/>
@@ -571,8 +695,8 @@
           </ac:picMkLst>
         </pc:picChg>
       </pc:sldChg>
-      <pc:sldChg chg="modSp add mod ord">
-        <pc:chgData name="Betz, Daniel" userId="2ae60d0c-3264-419a-8fb5-5613884ee745" providerId="ADAL" clId="{5635DA5A-61EB-4DA5-B93B-B0B2D991637B}" dt="2024-02-24T16:15:52.491" v="547" actId="20577"/>
+      <pc:sldChg chg="addSp modSp add mod ord">
+        <pc:chgData name="Betz, Daniel" userId="2ae60d0c-3264-419a-8fb5-5613884ee745" providerId="ADAL" clId="{5635DA5A-61EB-4DA5-B93B-B0B2D991637B}" dt="2024-02-25T15:04:19.846" v="4995"/>
         <pc:sldMkLst>
           <pc:docMk/>
           <pc:sldMk cId="3257267376" sldId="286"/>
@@ -583,6 +707,14 @@
             <pc:docMk/>
             <pc:sldMk cId="3257267376" sldId="286"/>
             <ac:spMk id="2" creationId="{9C93A2E8-40E5-B7B3-E200-AA9CE9A81809}"/>
+          </ac:spMkLst>
+        </pc:spChg>
+        <pc:spChg chg="add mod">
+          <ac:chgData name="Betz, Daniel" userId="2ae60d0c-3264-419a-8fb5-5613884ee745" providerId="ADAL" clId="{5635DA5A-61EB-4DA5-B93B-B0B2D991637B}" dt="2024-02-25T15:04:19.846" v="4995"/>
+          <ac:spMkLst>
+            <pc:docMk/>
+            <pc:sldMk cId="3257267376" sldId="286"/>
+            <ac:spMk id="4" creationId="{B5C731B6-D5D8-C76F-A911-2B13708E2EF5}"/>
           </ac:spMkLst>
         </pc:spChg>
       </pc:sldChg>
@@ -683,6 +815,29 @@
             <pc:docMk/>
             <pc:sldMk cId="4021444989" sldId="290"/>
             <ac:spMk id="3" creationId="{DAC1F10F-876F-B3E2-6EF6-659735F33008}"/>
+          </ac:spMkLst>
+        </pc:spChg>
+      </pc:sldChg>
+      <pc:sldChg chg="modSp new mod">
+        <pc:chgData name="Betz, Daniel" userId="2ae60d0c-3264-419a-8fb5-5613884ee745" providerId="ADAL" clId="{5635DA5A-61EB-4DA5-B93B-B0B2D991637B}" dt="2024-02-25T15:03:39.778" v="4990" actId="20577"/>
+        <pc:sldMkLst>
+          <pc:docMk/>
+          <pc:sldMk cId="3202789402" sldId="291"/>
+        </pc:sldMkLst>
+        <pc:spChg chg="mod">
+          <ac:chgData name="Betz, Daniel" userId="2ae60d0c-3264-419a-8fb5-5613884ee745" providerId="ADAL" clId="{5635DA5A-61EB-4DA5-B93B-B0B2D991637B}" dt="2024-02-25T15:00:41.176" v="4947" actId="20577"/>
+          <ac:spMkLst>
+            <pc:docMk/>
+            <pc:sldMk cId="3202789402" sldId="291"/>
+            <ac:spMk id="2" creationId="{BF2165E2-614A-B872-ABC1-8FBD64B11060}"/>
+          </ac:spMkLst>
+        </pc:spChg>
+        <pc:spChg chg="mod">
+          <ac:chgData name="Betz, Daniel" userId="2ae60d0c-3264-419a-8fb5-5613884ee745" providerId="ADAL" clId="{5635DA5A-61EB-4DA5-B93B-B0B2D991637B}" dt="2024-02-25T15:03:39.778" v="4990" actId="20577"/>
+          <ac:spMkLst>
+            <pc:docMk/>
+            <pc:sldMk cId="3202789402" sldId="291"/>
+            <ac:spMk id="3" creationId="{85CDDB84-6F68-5541-3E56-187B5277AF47}"/>
           </ac:spMkLst>
         </pc:spChg>
       </pc:sldChg>
@@ -2711,10 +2866,7 @@
             <a:rPr lang="de-DE" dirty="0" err="1"/>
             <a:t>Stemming</a:t>
           </a:r>
-          <a:r>
-            <a:rPr lang="de-DE" dirty="0"/>
-            <a:t> ü</a:t>
-          </a:r>
+          <a:endParaRPr lang="de-DE" dirty="0"/>
         </a:p>
       </dgm:t>
     </dgm:pt>
@@ -4074,10 +4226,7 @@
             <a:rPr lang="de-DE" sz="2300" kern="1200" dirty="0" err="1"/>
             <a:t>Stemming</a:t>
           </a:r>
-          <a:r>
-            <a:rPr lang="de-DE" sz="2300" kern="1200" dirty="0"/>
-            <a:t> ü</a:t>
-          </a:r>
+          <a:endParaRPr lang="de-DE" sz="2300" kern="1200" dirty="0"/>
         </a:p>
       </dsp:txBody>
       <dsp:txXfrm>
@@ -11233,6 +11382,45 @@
           </a:extLst>
         </p:spPr>
       </p:pic>
+      <p:sp>
+        <p:nvSpPr>
+          <p:cNvPr id="4" name="Textfeld 3">
+            <a:extLst>
+              <a:ext uri="{FF2B5EF4-FFF2-40B4-BE49-F238E27FC236}">
+                <a16:creationId xmlns:a16="http://schemas.microsoft.com/office/drawing/2014/main" id="{E040CA9F-D9FD-1E1E-5106-8E4398B91415}"/>
+              </a:ext>
+            </a:extLst>
+          </p:cNvPr>
+          <p:cNvSpPr txBox="1"/>
+          <p:nvPr/>
+        </p:nvSpPr>
+        <p:spPr>
+          <a:xfrm>
+            <a:off x="4857750" y="5991910"/>
+            <a:ext cx="2324100" cy="369332"/>
+          </a:xfrm>
+          <a:prstGeom prst="rect">
+            <a:avLst/>
+          </a:prstGeom>
+          <a:noFill/>
+        </p:spPr>
+        <p:txBody>
+          <a:bodyPr wrap="square">
+            <a:spAutoFit/>
+          </a:bodyPr>
+          <a:lstStyle/>
+          <a:p>
+            <a:r>
+              <a:rPr lang="en-US" dirty="0" err="1"/>
+              <a:t>Champman</a:t>
+            </a:r>
+            <a:r>
+              <a:rPr lang="en-US" dirty="0"/>
+              <a:t> et al. 2000</a:t>
+            </a:r>
+          </a:p>
+        </p:txBody>
+      </p:sp>
     </p:spTree>
     <p:extLst>
       <p:ext uri="{BB962C8B-B14F-4D97-AF65-F5344CB8AC3E}">
@@ -11279,7 +11467,7 @@
             <p:ph idx="1"/>
             <p:extLst>
               <p:ext uri="{D42A27DB-BD31-4B8C-83A1-F6EECF244321}">
-                <p14:modId xmlns:p14="http://schemas.microsoft.com/office/powerpoint/2010/main" val="3452347931"/>
+                <p14:modId xmlns:p14="http://schemas.microsoft.com/office/powerpoint/2010/main" val="488679964"/>
               </p:ext>
             </p:extLst>
           </p:nvPr>
@@ -12364,6 +12552,45 @@
           </a:extLst>
         </p:spPr>
       </p:pic>
+      <p:sp>
+        <p:nvSpPr>
+          <p:cNvPr id="4" name="Textfeld 3">
+            <a:extLst>
+              <a:ext uri="{FF2B5EF4-FFF2-40B4-BE49-F238E27FC236}">
+                <a16:creationId xmlns:a16="http://schemas.microsoft.com/office/drawing/2014/main" id="{C942B774-0C3F-D3C2-3A3C-06BB142E9972}"/>
+              </a:ext>
+            </a:extLst>
+          </p:cNvPr>
+          <p:cNvSpPr txBox="1"/>
+          <p:nvPr/>
+        </p:nvSpPr>
+        <p:spPr>
+          <a:xfrm>
+            <a:off x="4857750" y="5991910"/>
+            <a:ext cx="2324100" cy="369332"/>
+          </a:xfrm>
+          <a:prstGeom prst="rect">
+            <a:avLst/>
+          </a:prstGeom>
+          <a:noFill/>
+        </p:spPr>
+        <p:txBody>
+          <a:bodyPr wrap="square">
+            <a:spAutoFit/>
+          </a:bodyPr>
+          <a:lstStyle/>
+          <a:p>
+            <a:r>
+              <a:rPr lang="en-US" dirty="0" err="1"/>
+              <a:t>Champman</a:t>
+            </a:r>
+            <a:r>
+              <a:rPr lang="en-US" dirty="0"/>
+              <a:t> et al. 2000</a:t>
+            </a:r>
+          </a:p>
+        </p:txBody>
+      </p:sp>
     </p:spTree>
     <p:extLst>
       <p:ext uri="{BB962C8B-B14F-4D97-AF65-F5344CB8AC3E}">
@@ -13030,12 +13257,189 @@
           <a:lstStyle/>
           <a:p>
             <a:r>
+              <a:rPr lang="de-DE" dirty="0"/>
+              <a:t>Die Daten wurden in Trainings- und </a:t>
+            </a:r>
+            <a:r>
               <a:rPr lang="de-DE" dirty="0" err="1"/>
-              <a:t>Warscheinlichkeiten</a:t>
+              <a:t>Testsdaten</a:t>
             </a:r>
             <a:r>
               <a:rPr lang="de-DE" dirty="0"/>
-              <a:t> etc. Übersicht</a:t>
+              <a:t> im Verhältnis 80:20 geteilt</a:t>
+            </a:r>
+          </a:p>
+          <a:p>
+            <a:endParaRPr lang="de-DE" dirty="0"/>
+          </a:p>
+          <a:p>
+            <a:endParaRPr lang="de-DE" dirty="0"/>
+          </a:p>
+          <a:p>
+            <a:endParaRPr lang="de-DE" dirty="0"/>
+          </a:p>
+          <a:p>
+            <a:r>
+              <a:rPr lang="de-DE" dirty="0"/>
+              <a:t>Anschließend werden die Werte der </a:t>
+            </a:r>
+            <a:r>
+              <a:rPr lang="de-DE" dirty="0" err="1"/>
+              <a:t>Stem</a:t>
+            </a:r>
+            <a:r>
+              <a:rPr lang="de-DE" dirty="0"/>
+              <a:t> Spalte Vektorisiert, damit sie in der Analyse </a:t>
+            </a:r>
+            <a:r>
+              <a:rPr lang="de-DE" dirty="0" err="1"/>
+              <a:t>gneutzt</a:t>
+            </a:r>
+            <a:r>
+              <a:rPr lang="de-DE" dirty="0"/>
+              <a:t> werden können</a:t>
+            </a:r>
+          </a:p>
+          <a:p>
+            <a:pPr marL="0" indent="0">
+              <a:buNone/>
+            </a:pPr>
+            <a:endParaRPr lang="de-DE" dirty="0"/>
+          </a:p>
+          <a:p>
+            <a:endParaRPr lang="de-DE" dirty="0"/>
+          </a:p>
+          <a:p>
+            <a:endParaRPr lang="de-DE" dirty="0"/>
+          </a:p>
+        </p:txBody>
+      </p:sp>
+      <p:pic>
+        <p:nvPicPr>
+          <p:cNvPr id="7" name="Grafik 6">
+            <a:extLst>
+              <a:ext uri="{FF2B5EF4-FFF2-40B4-BE49-F238E27FC236}">
+                <a16:creationId xmlns:a16="http://schemas.microsoft.com/office/drawing/2014/main" id="{61ACF681-92AA-33FA-CBB9-88E87BE60C80}"/>
+              </a:ext>
+            </a:extLst>
+          </p:cNvPr>
+          <p:cNvPicPr>
+            <a:picLocks noChangeAspect="1"/>
+          </p:cNvPicPr>
+          <p:nvPr/>
+        </p:nvPicPr>
+        <p:blipFill>
+          <a:blip r:embed="rId2"/>
+          <a:stretch>
+            <a:fillRect/>
+          </a:stretch>
+        </p:blipFill>
+        <p:spPr>
+          <a:xfrm>
+            <a:off x="1095375" y="5048249"/>
+            <a:ext cx="5229225" cy="1445477"/>
+          </a:xfrm>
+          <a:prstGeom prst="rect">
+            <a:avLst/>
+          </a:prstGeom>
+        </p:spPr>
+      </p:pic>
+      <p:sp>
+        <p:nvSpPr>
+          <p:cNvPr id="9" name="Textfeld 8">
+            <a:extLst>
+              <a:ext uri="{FF2B5EF4-FFF2-40B4-BE49-F238E27FC236}">
+                <a16:creationId xmlns:a16="http://schemas.microsoft.com/office/drawing/2014/main" id="{76CDECC2-996D-0C44-1C6B-B001555582C6}"/>
+              </a:ext>
+            </a:extLst>
+          </p:cNvPr>
+          <p:cNvSpPr txBox="1"/>
+          <p:nvPr/>
+        </p:nvSpPr>
+        <p:spPr>
+          <a:xfrm>
+            <a:off x="1038225" y="6510635"/>
+            <a:ext cx="6096000" cy="246221"/>
+          </a:xfrm>
+          <a:prstGeom prst="rect">
+            <a:avLst/>
+          </a:prstGeom>
+          <a:noFill/>
+        </p:spPr>
+        <p:txBody>
+          <a:bodyPr wrap="square">
+            <a:spAutoFit/>
+          </a:bodyPr>
+          <a:lstStyle/>
+          <a:p>
+            <a:r>
+              <a:rPr lang="en-US" sz="1000" dirty="0"/>
+              <a:t>https://scikit-learn.org/stable/modules/generated/sklearn.feature_extraction.text.TfidfVectorizer.html</a:t>
+            </a:r>
+          </a:p>
+        </p:txBody>
+      </p:sp>
+      <p:pic>
+        <p:nvPicPr>
+          <p:cNvPr id="11" name="Grafik 10">
+            <a:extLst>
+              <a:ext uri="{FF2B5EF4-FFF2-40B4-BE49-F238E27FC236}">
+                <a16:creationId xmlns:a16="http://schemas.microsoft.com/office/drawing/2014/main" id="{A0B2382A-F34A-47F1-F6B4-7D7D8EC6F1F4}"/>
+              </a:ext>
+            </a:extLst>
+          </p:cNvPr>
+          <p:cNvPicPr>
+            <a:picLocks noChangeAspect="1"/>
+          </p:cNvPicPr>
+          <p:nvPr/>
+        </p:nvPicPr>
+        <p:blipFill>
+          <a:blip r:embed="rId3"/>
+          <a:stretch>
+            <a:fillRect/>
+          </a:stretch>
+        </p:blipFill>
+        <p:spPr>
+          <a:xfrm>
+            <a:off x="1128712" y="2733674"/>
+            <a:ext cx="6840872" cy="1247775"/>
+          </a:xfrm>
+          <a:prstGeom prst="rect">
+            <a:avLst/>
+          </a:prstGeom>
+        </p:spPr>
+      </p:pic>
+      <p:sp>
+        <p:nvSpPr>
+          <p:cNvPr id="13" name="Textfeld 12">
+            <a:extLst>
+              <a:ext uri="{FF2B5EF4-FFF2-40B4-BE49-F238E27FC236}">
+                <a16:creationId xmlns:a16="http://schemas.microsoft.com/office/drawing/2014/main" id="{D760C95C-937A-D060-2B42-135595507850}"/>
+              </a:ext>
+            </a:extLst>
+          </p:cNvPr>
+          <p:cNvSpPr txBox="1"/>
+          <p:nvPr/>
+        </p:nvSpPr>
+        <p:spPr>
+          <a:xfrm>
+            <a:off x="1200150" y="3968234"/>
+            <a:ext cx="6096000" cy="246221"/>
+          </a:xfrm>
+          <a:prstGeom prst="rect">
+            <a:avLst/>
+          </a:prstGeom>
+          <a:noFill/>
+        </p:spPr>
+        <p:txBody>
+          <a:bodyPr wrap="square">
+            <a:spAutoFit/>
+          </a:bodyPr>
+          <a:lstStyle/>
+          <a:p>
+            <a:r>
+              <a:rPr lang="en-US" sz="1000" dirty="0"/>
+              <a:t>https://scikit-learn.org/stable/model_selection.html</a:t>
             </a:r>
           </a:p>
         </p:txBody>
@@ -13585,6 +13989,45 @@
           </a:extLst>
         </p:spPr>
       </p:pic>
+      <p:sp>
+        <p:nvSpPr>
+          <p:cNvPr id="5" name="Textfeld 4">
+            <a:extLst>
+              <a:ext uri="{FF2B5EF4-FFF2-40B4-BE49-F238E27FC236}">
+                <a16:creationId xmlns:a16="http://schemas.microsoft.com/office/drawing/2014/main" id="{407E7490-5DCA-CB78-7D1A-988E58AFC298}"/>
+              </a:ext>
+            </a:extLst>
+          </p:cNvPr>
+          <p:cNvSpPr txBox="1"/>
+          <p:nvPr/>
+        </p:nvSpPr>
+        <p:spPr>
+          <a:xfrm>
+            <a:off x="4857750" y="5991910"/>
+            <a:ext cx="2324100" cy="369332"/>
+          </a:xfrm>
+          <a:prstGeom prst="rect">
+            <a:avLst/>
+          </a:prstGeom>
+          <a:noFill/>
+        </p:spPr>
+        <p:txBody>
+          <a:bodyPr wrap="square">
+            <a:spAutoFit/>
+          </a:bodyPr>
+          <a:lstStyle/>
+          <a:p>
+            <a:r>
+              <a:rPr lang="en-US" dirty="0" err="1"/>
+              <a:t>Champman</a:t>
+            </a:r>
+            <a:r>
+              <a:rPr lang="en-US" dirty="0"/>
+              <a:t> et al. 2000</a:t>
+            </a:r>
+          </a:p>
+        </p:txBody>
+      </p:sp>
     </p:spTree>
     <p:extLst>
       <p:ext uri="{BB962C8B-B14F-4D97-AF65-F5344CB8AC3E}">
@@ -14328,6 +14771,45 @@
           </a:extLst>
         </p:spPr>
       </p:pic>
+      <p:sp>
+        <p:nvSpPr>
+          <p:cNvPr id="4" name="Textfeld 3">
+            <a:extLst>
+              <a:ext uri="{FF2B5EF4-FFF2-40B4-BE49-F238E27FC236}">
+                <a16:creationId xmlns:a16="http://schemas.microsoft.com/office/drawing/2014/main" id="{B5C731B6-D5D8-C76F-A911-2B13708E2EF5}"/>
+              </a:ext>
+            </a:extLst>
+          </p:cNvPr>
+          <p:cNvSpPr txBox="1"/>
+          <p:nvPr/>
+        </p:nvSpPr>
+        <p:spPr>
+          <a:xfrm>
+            <a:off x="4857750" y="5991910"/>
+            <a:ext cx="2324100" cy="369332"/>
+          </a:xfrm>
+          <a:prstGeom prst="rect">
+            <a:avLst/>
+          </a:prstGeom>
+          <a:noFill/>
+        </p:spPr>
+        <p:txBody>
+          <a:bodyPr wrap="square">
+            <a:spAutoFit/>
+          </a:bodyPr>
+          <a:lstStyle/>
+          <a:p>
+            <a:r>
+              <a:rPr lang="en-US" dirty="0" err="1"/>
+              <a:t>Champman</a:t>
+            </a:r>
+            <a:r>
+              <a:rPr lang="en-US" dirty="0"/>
+              <a:t> et al. 2000</a:t>
+            </a:r>
+          </a:p>
+        </p:txBody>
+      </p:sp>
     </p:spTree>
     <p:extLst>
       <p:ext uri="{BB962C8B-B14F-4D97-AF65-F5344CB8AC3E}">
@@ -14515,6 +14997,118 @@
 </p:sld>
 </file>
 
+<file path=ppt/slides/slide28.xml><?xml version="1.0" encoding="utf-8"?>
+<p:sld xmlns:a="http://schemas.openxmlformats.org/drawingml/2006/main" xmlns:r="http://schemas.openxmlformats.org/officeDocument/2006/relationships" xmlns:p="http://schemas.openxmlformats.org/presentationml/2006/main">
+  <p:cSld>
+    <p:spTree>
+      <p:nvGrpSpPr>
+        <p:cNvPr id="1" name=""/>
+        <p:cNvGrpSpPr/>
+        <p:nvPr/>
+      </p:nvGrpSpPr>
+      <p:grpSpPr>
+        <a:xfrm>
+          <a:off x="0" y="0"/>
+          <a:ext cx="0" cy="0"/>
+          <a:chOff x="0" y="0"/>
+          <a:chExt cx="0" cy="0"/>
+        </a:xfrm>
+      </p:grpSpPr>
+      <p:sp>
+        <p:nvSpPr>
+          <p:cNvPr id="2" name="Titel 1">
+            <a:extLst>
+              <a:ext uri="{FF2B5EF4-FFF2-40B4-BE49-F238E27FC236}">
+                <a16:creationId xmlns:a16="http://schemas.microsoft.com/office/drawing/2014/main" id="{BF2165E2-614A-B872-ABC1-8FBD64B11060}"/>
+              </a:ext>
+            </a:extLst>
+          </p:cNvPr>
+          <p:cNvSpPr>
+            <a:spLocks noGrp="1"/>
+          </p:cNvSpPr>
+          <p:nvPr>
+            <p:ph type="title"/>
+          </p:nvPr>
+        </p:nvSpPr>
+        <p:spPr/>
+        <p:txBody>
+          <a:bodyPr/>
+          <a:lstStyle/>
+          <a:p>
+            <a:r>
+              <a:rPr lang="de-DE" dirty="0"/>
+              <a:t>Literatur</a:t>
+            </a:r>
+            <a:endParaRPr lang="en-US" dirty="0"/>
+          </a:p>
+        </p:txBody>
+      </p:sp>
+      <p:sp>
+        <p:nvSpPr>
+          <p:cNvPr id="3" name="Inhaltsplatzhalter 2">
+            <a:extLst>
+              <a:ext uri="{FF2B5EF4-FFF2-40B4-BE49-F238E27FC236}">
+                <a16:creationId xmlns:a16="http://schemas.microsoft.com/office/drawing/2014/main" id="{85CDDB84-6F68-5541-3E56-187B5277AF47}"/>
+              </a:ext>
+            </a:extLst>
+          </p:cNvPr>
+          <p:cNvSpPr>
+            <a:spLocks noGrp="1"/>
+          </p:cNvSpPr>
+          <p:nvPr>
+            <p:ph idx="1"/>
+          </p:nvPr>
+        </p:nvSpPr>
+        <p:spPr/>
+        <p:txBody>
+          <a:bodyPr/>
+          <a:lstStyle/>
+          <a:p>
+            <a:pPr marL="0" indent="0">
+              <a:buNone/>
+            </a:pPr>
+            <a:r>
+              <a:rPr lang="de-DE" dirty="0" err="1"/>
+              <a:t>Champman</a:t>
+            </a:r>
+            <a:r>
+              <a:rPr lang="de-DE" dirty="0"/>
+              <a:t> et al.: </a:t>
+            </a:r>
+            <a:r>
+              <a:rPr lang="en-US" dirty="0"/>
+              <a:t>Step-</a:t>
+            </a:r>
+            <a:r>
+              <a:rPr lang="en-US" dirty="0" err="1"/>
+              <a:t>bystep</a:t>
+            </a:r>
+            <a:r>
+              <a:rPr lang="en-US" dirty="0"/>
+              <a:t> data mining guide. SPSS inc. 78, 1–78 (2000)</a:t>
+            </a:r>
+          </a:p>
+          <a:p>
+            <a:pPr marL="0" indent="0">
+              <a:buNone/>
+            </a:pPr>
+            <a:endParaRPr lang="en-US" dirty="0"/>
+          </a:p>
+        </p:txBody>
+      </p:sp>
+    </p:spTree>
+    <p:extLst>
+      <p:ext uri="{BB962C8B-B14F-4D97-AF65-F5344CB8AC3E}">
+        <p14:creationId xmlns:p14="http://schemas.microsoft.com/office/powerpoint/2010/main" val="3202789402"/>
+      </p:ext>
+    </p:extLst>
+  </p:cSld>
+  <p:clrMapOvr>
+    <a:masterClrMapping/>
+  </p:clrMapOvr>
+</p:sld>
+</file>
+
 <file path=ppt/slides/slide3.xml><?xml version="1.0" encoding="utf-8"?>
 <p:sld xmlns:a="http://schemas.openxmlformats.org/drawingml/2006/main" xmlns:r="http://schemas.openxmlformats.org/officeDocument/2006/relationships" xmlns:p="http://schemas.openxmlformats.org/presentationml/2006/main">
   <p:cSld>
@@ -14787,6 +15381,45 @@
           </a:extLst>
         </p:spPr>
       </p:pic>
+      <p:sp>
+        <p:nvSpPr>
+          <p:cNvPr id="3" name="Textfeld 2">
+            <a:extLst>
+              <a:ext uri="{FF2B5EF4-FFF2-40B4-BE49-F238E27FC236}">
+                <a16:creationId xmlns:a16="http://schemas.microsoft.com/office/drawing/2014/main" id="{54D1070C-282F-9236-14A8-0A7A32EC49BD}"/>
+              </a:ext>
+            </a:extLst>
+          </p:cNvPr>
+          <p:cNvSpPr txBox="1"/>
+          <p:nvPr/>
+        </p:nvSpPr>
+        <p:spPr>
+          <a:xfrm>
+            <a:off x="4857750" y="5991910"/>
+            <a:ext cx="2324100" cy="369332"/>
+          </a:xfrm>
+          <a:prstGeom prst="rect">
+            <a:avLst/>
+          </a:prstGeom>
+          <a:noFill/>
+        </p:spPr>
+        <p:txBody>
+          <a:bodyPr wrap="square">
+            <a:spAutoFit/>
+          </a:bodyPr>
+          <a:lstStyle/>
+          <a:p>
+            <a:r>
+              <a:rPr lang="en-US" dirty="0" err="1"/>
+              <a:t>Champman</a:t>
+            </a:r>
+            <a:r>
+              <a:rPr lang="en-US" dirty="0"/>
+              <a:t> et al. 2000</a:t>
+            </a:r>
+          </a:p>
+        </p:txBody>
+      </p:sp>
     </p:spTree>
     <p:extLst>
       <p:ext uri="{BB962C8B-B14F-4D97-AF65-F5344CB8AC3E}">
@@ -15538,6 +16171,45 @@
           </a:extLst>
         </p:spPr>
       </p:pic>
+      <p:sp>
+        <p:nvSpPr>
+          <p:cNvPr id="4" name="Textfeld 3">
+            <a:extLst>
+              <a:ext uri="{FF2B5EF4-FFF2-40B4-BE49-F238E27FC236}">
+                <a16:creationId xmlns:a16="http://schemas.microsoft.com/office/drawing/2014/main" id="{90F45A30-2608-C39E-E0DD-844FC993ADCF}"/>
+              </a:ext>
+            </a:extLst>
+          </p:cNvPr>
+          <p:cNvSpPr txBox="1"/>
+          <p:nvPr/>
+        </p:nvSpPr>
+        <p:spPr>
+          <a:xfrm>
+            <a:off x="4857750" y="5991910"/>
+            <a:ext cx="2324100" cy="369332"/>
+          </a:xfrm>
+          <a:prstGeom prst="rect">
+            <a:avLst/>
+          </a:prstGeom>
+          <a:noFill/>
+        </p:spPr>
+        <p:txBody>
+          <a:bodyPr wrap="square">
+            <a:spAutoFit/>
+          </a:bodyPr>
+          <a:lstStyle/>
+          <a:p>
+            <a:r>
+              <a:rPr lang="en-US" dirty="0" err="1"/>
+              <a:t>Champman</a:t>
+            </a:r>
+            <a:r>
+              <a:rPr lang="en-US" dirty="0"/>
+              <a:t> et al. 2000</a:t>
+            </a:r>
+          </a:p>
+        </p:txBody>
+      </p:sp>
     </p:spTree>
     <p:extLst>
       <p:ext uri="{BB962C8B-B14F-4D97-AF65-F5344CB8AC3E}">

--- a/Organisational/Dokumentation HHZ Rocket Project.pptx
+++ b/Organisational/Dokumentation HHZ Rocket Project.pptx
@@ -136,7 +136,18 @@
   </p:defaultTextStyle>
   <p:extLst>
     <p:ext uri="{EFAFB233-063F-42B5-8137-9DF3F51BA10A}">
-      <p15:sldGuideLst xmlns:p15="http://schemas.microsoft.com/office/powerpoint/2012/main"/>
+      <p15:sldGuideLst xmlns:p15="http://schemas.microsoft.com/office/powerpoint/2012/main">
+        <p15:guide id="1" orient="horz" pos="2160" userDrawn="1">
+          <p15:clr>
+            <a:srgbClr val="A4A3A4"/>
+          </p15:clr>
+        </p15:guide>
+        <p15:guide id="2" pos="3840" userDrawn="1">
+          <p15:clr>
+            <a:srgbClr val="A4A3A4"/>
+          </p15:clr>
+        </p15:guide>
+      </p15:sldGuideLst>
     </p:ext>
   </p:extLst>
 </p:presentation>
@@ -2363,7 +2374,7 @@
         <a:p>
           <a:r>
             <a:rPr lang="de-DE" dirty="0"/>
-            <a:t>1. Daten Zugriff erstellen</a:t>
+            <a:t>1. Datenanbindung erstellen</a:t>
           </a:r>
           <a:endParaRPr lang="en-US" dirty="0"/>
         </a:p>
@@ -2400,7 +2411,11 @@
         <a:p>
           <a:r>
             <a:rPr lang="de-DE" dirty="0"/>
-            <a:t>2. Fehlerhafte Daten werden entfernt</a:t>
+            <a:t>2. Fehlerhafte Daten </a:t>
+          </a:r>
+          <a:r>
+            <a:rPr lang="de-DE" dirty="0" err="1"/>
+            <a:t>enfernen</a:t>
           </a:r>
           <a:endParaRPr lang="en-US" dirty="0"/>
         </a:p>
@@ -2437,7 +2452,7 @@
         <a:p>
           <a:r>
             <a:rPr lang="de-DE" dirty="0"/>
-            <a:t>3. Neue Feature hinzufügen (Zielvariable)</a:t>
+            <a:t>3. Neues Feature hinzufügen (Zielvariable)</a:t>
           </a:r>
           <a:endParaRPr lang="en-US" dirty="0"/>
         </a:p>
@@ -2474,7 +2489,11 @@
         <a:p>
           <a:r>
             <a:rPr lang="de-DE" dirty="0"/>
-            <a:t>4. Nicht relevante Feature werden aus dem Datensatz entfernt</a:t>
+            <a:t>4. Nicht relevante Features aus dem Datensatz </a:t>
+          </a:r>
+          <a:r>
+            <a:rPr lang="de-DE" dirty="0" err="1"/>
+            <a:t>enfernen</a:t>
           </a:r>
           <a:endParaRPr lang="en-US" dirty="0"/>
         </a:p>
@@ -2511,11 +2530,7 @@
         <a:p>
           <a:r>
             <a:rPr lang="de-DE" dirty="0"/>
-            <a:t>5. Daten für lineare Regression </a:t>
-          </a:r>
-          <a:r>
-            <a:rPr lang="de-DE" dirty="0" err="1"/>
-            <a:t>normaisieren</a:t>
+            <a:t>5. Daten für lineare Regression normalisieren</a:t>
           </a:r>
           <a:endParaRPr lang="en-US" dirty="0"/>
         </a:p>
@@ -2815,15 +2830,7 @@
         <a:p>
           <a:r>
             <a:rPr lang="de-DE" dirty="0"/>
-            <a:t>4. </a:t>
-          </a:r>
-          <a:r>
-            <a:rPr lang="de-DE" dirty="0" err="1"/>
-            <a:t>Lemmatizierten</a:t>
-          </a:r>
-          <a:r>
-            <a:rPr lang="de-DE" dirty="0"/>
-            <a:t> Text in Wörter zerlegen</a:t>
+            <a:t>4. Lemmatisierten Text in Wörter zerlegen</a:t>
           </a:r>
           <a:endParaRPr lang="en-US" dirty="0"/>
         </a:p>
@@ -2866,7 +2873,10 @@
             <a:rPr lang="de-DE" dirty="0" err="1"/>
             <a:t>Stemming</a:t>
           </a:r>
-          <a:endParaRPr lang="de-DE" dirty="0"/>
+          <a:r>
+            <a:rPr lang="de-DE" dirty="0"/>
+            <a:t> auf die Stammform zurückführen</a:t>
+          </a:r>
         </a:p>
       </dgm:t>
     </dgm:pt>
@@ -2901,7 +2911,7 @@
         <a:p>
           <a:r>
             <a:rPr lang="de-DE" dirty="0"/>
-            <a:t>6. Daten Bereinigen</a:t>
+            <a:t>6. Daten bereinigen</a:t>
           </a:r>
         </a:p>
       </dgm:t>
@@ -3193,7 +3203,7 @@
           </a:pPr>
           <a:r>
             <a:rPr lang="de-DE" sz="2800" kern="1200" dirty="0"/>
-            <a:t>1. Daten Zugriff erstellen</a:t>
+            <a:t>1. Datenanbindung erstellen</a:t>
           </a:r>
           <a:endParaRPr lang="en-US" sz="2800" kern="1200" dirty="0"/>
         </a:p>
@@ -3304,7 +3314,11 @@
           </a:pPr>
           <a:r>
             <a:rPr lang="de-DE" sz="2800" kern="1200" dirty="0"/>
-            <a:t>2. Fehlerhafte Daten werden entfernt</a:t>
+            <a:t>2. Fehlerhafte Daten </a:t>
+          </a:r>
+          <a:r>
+            <a:rPr lang="de-DE" sz="2800" kern="1200" dirty="0" err="1"/>
+            <a:t>enfernen</a:t>
           </a:r>
           <a:endParaRPr lang="en-US" sz="2800" kern="1200" dirty="0"/>
         </a:p>
@@ -3415,7 +3429,7 @@
           </a:pPr>
           <a:r>
             <a:rPr lang="de-DE" sz="2800" kern="1200" dirty="0"/>
-            <a:t>3. Neue Feature hinzufügen (Zielvariable)</a:t>
+            <a:t>3. Neues Feature hinzufügen (Zielvariable)</a:t>
           </a:r>
           <a:endParaRPr lang="en-US" sz="2800" kern="1200" dirty="0"/>
         </a:p>
@@ -3526,7 +3540,11 @@
           </a:pPr>
           <a:r>
             <a:rPr lang="de-DE" sz="2800" kern="1200" dirty="0"/>
-            <a:t>4. Nicht relevante Feature werden aus dem Datensatz entfernt</a:t>
+            <a:t>4. Nicht relevante Features aus dem Datensatz </a:t>
+          </a:r>
+          <a:r>
+            <a:rPr lang="de-DE" sz="2800" kern="1200" dirty="0" err="1"/>
+            <a:t>enfernen</a:t>
           </a:r>
           <a:endParaRPr lang="en-US" sz="2800" kern="1200" dirty="0"/>
         </a:p>
@@ -3637,11 +3655,7 @@
           </a:pPr>
           <a:r>
             <a:rPr lang="de-DE" sz="2800" kern="1200" dirty="0"/>
-            <a:t>5. Daten für lineare Regression </a:t>
-          </a:r>
-          <a:r>
-            <a:rPr lang="de-DE" sz="2800" kern="1200" dirty="0" err="1"/>
-            <a:t>normaisieren</a:t>
+            <a:t>5. Daten für lineare Regression normalisieren</a:t>
           </a:r>
           <a:endParaRPr lang="en-US" sz="2800" kern="1200" dirty="0"/>
         </a:p>
@@ -4101,15 +4115,7 @@
           </a:pPr>
           <a:r>
             <a:rPr lang="de-DE" sz="2300" kern="1200" dirty="0"/>
-            <a:t>4. </a:t>
-          </a:r>
-          <a:r>
-            <a:rPr lang="de-DE" sz="2300" kern="1200" dirty="0" err="1"/>
-            <a:t>Lemmatizierten</a:t>
-          </a:r>
-          <a:r>
-            <a:rPr lang="de-DE" sz="2300" kern="1200" dirty="0"/>
-            <a:t> Text in Wörter zerlegen</a:t>
+            <a:t>4. Lemmatisierten Text in Wörter zerlegen</a:t>
           </a:r>
           <a:endParaRPr lang="en-US" sz="2300" kern="1200" dirty="0"/>
         </a:p>
@@ -4226,7 +4232,10 @@
             <a:rPr lang="de-DE" sz="2300" kern="1200" dirty="0" err="1"/>
             <a:t>Stemming</a:t>
           </a:r>
-          <a:endParaRPr lang="de-DE" sz="2300" kern="1200" dirty="0"/>
+          <a:r>
+            <a:rPr lang="de-DE" sz="2300" kern="1200" dirty="0"/>
+            <a:t> auf die Stammform zurückführen</a:t>
+          </a:r>
         </a:p>
       </dsp:txBody>
       <dsp:txXfrm>
@@ -4335,7 +4344,7 @@
           </a:pPr>
           <a:r>
             <a:rPr lang="de-DE" sz="2300" kern="1200" dirty="0"/>
-            <a:t>6. Daten Bereinigen</a:t>
+            <a:t>6. Daten bereinigen</a:t>
           </a:r>
         </a:p>
       </dsp:txBody>
@@ -8213,7 +8222,7 @@
           <a:bodyPr/>
           <a:lstStyle/>
           <a:p>
-            <a:fld id="{18DEE92F-2343-460E-A87F-DC2FD6DE70C4}" type="datetimeFigureOut">
+            <a:fld id="{2258A11F-C8B8-4099-A9F8-8EBF58F4F28C}" type="datetime1">
               <a:rPr lang="en-US" smtClean="0"/>
               <a:t>2/25/2024</a:t>
             </a:fld>
@@ -8413,7 +8422,7 @@
           <a:bodyPr/>
           <a:lstStyle/>
           <a:p>
-            <a:fld id="{18DEE92F-2343-460E-A87F-DC2FD6DE70C4}" type="datetimeFigureOut">
+            <a:fld id="{C40EACF8-48C0-4C3C-81F5-6152879A660F}" type="datetime1">
               <a:rPr lang="en-US" smtClean="0"/>
               <a:t>2/25/2024</a:t>
             </a:fld>
@@ -8623,7 +8632,7 @@
           <a:bodyPr/>
           <a:lstStyle/>
           <a:p>
-            <a:fld id="{18DEE92F-2343-460E-A87F-DC2FD6DE70C4}" type="datetimeFigureOut">
+            <a:fld id="{225D6196-BFCE-4966-9461-A33B978E565D}" type="datetime1">
               <a:rPr lang="en-US" smtClean="0"/>
               <a:t>2/25/2024</a:t>
             </a:fld>
@@ -8823,7 +8832,7 @@
           <a:bodyPr/>
           <a:lstStyle/>
           <a:p>
-            <a:fld id="{18DEE92F-2343-460E-A87F-DC2FD6DE70C4}" type="datetimeFigureOut">
+            <a:fld id="{B87F7D86-E18B-4994-AE1A-D01713F0510C}" type="datetime1">
               <a:rPr lang="en-US" smtClean="0"/>
               <a:t>2/25/2024</a:t>
             </a:fld>
@@ -9099,7 +9108,7 @@
           <a:bodyPr/>
           <a:lstStyle/>
           <a:p>
-            <a:fld id="{18DEE92F-2343-460E-A87F-DC2FD6DE70C4}" type="datetimeFigureOut">
+            <a:fld id="{3EE006C1-9D2E-4BB5-9784-63B743DDC398}" type="datetime1">
               <a:rPr lang="en-US" smtClean="0"/>
               <a:t>2/25/2024</a:t>
             </a:fld>
@@ -9367,7 +9376,7 @@
           <a:bodyPr/>
           <a:lstStyle/>
           <a:p>
-            <a:fld id="{18DEE92F-2343-460E-A87F-DC2FD6DE70C4}" type="datetimeFigureOut">
+            <a:fld id="{B5061CEC-2BFF-48B1-91F2-61529F069499}" type="datetime1">
               <a:rPr lang="en-US" smtClean="0"/>
               <a:t>2/25/2024</a:t>
             </a:fld>
@@ -9782,7 +9791,7 @@
           <a:bodyPr/>
           <a:lstStyle/>
           <a:p>
-            <a:fld id="{18DEE92F-2343-460E-A87F-DC2FD6DE70C4}" type="datetimeFigureOut">
+            <a:fld id="{425B98AC-04E8-417C-BBF7-270D753953E3}" type="datetime1">
               <a:rPr lang="en-US" smtClean="0"/>
               <a:t>2/25/2024</a:t>
             </a:fld>
@@ -9924,7 +9933,7 @@
           <a:bodyPr/>
           <a:lstStyle/>
           <a:p>
-            <a:fld id="{18DEE92F-2343-460E-A87F-DC2FD6DE70C4}" type="datetimeFigureOut">
+            <a:fld id="{B3426883-7F32-4892-83D8-D690E3BFCAAB}" type="datetime1">
               <a:rPr lang="en-US" smtClean="0"/>
               <a:t>2/25/2024</a:t>
             </a:fld>
@@ -10037,7 +10046,7 @@
           <a:bodyPr/>
           <a:lstStyle/>
           <a:p>
-            <a:fld id="{18DEE92F-2343-460E-A87F-DC2FD6DE70C4}" type="datetimeFigureOut">
+            <a:fld id="{D4D23C29-2A19-40B5-A1DB-20680F8509AD}" type="datetime1">
               <a:rPr lang="en-US" smtClean="0"/>
               <a:t>2/25/2024</a:t>
             </a:fld>
@@ -10350,7 +10359,7 @@
           <a:bodyPr/>
           <a:lstStyle/>
           <a:p>
-            <a:fld id="{18DEE92F-2343-460E-A87F-DC2FD6DE70C4}" type="datetimeFigureOut">
+            <a:fld id="{BECB5B08-F6FD-4E8A-9F39-BCF09497659C}" type="datetime1">
               <a:rPr lang="en-US" smtClean="0"/>
               <a:t>2/25/2024</a:t>
             </a:fld>
@@ -10639,7 +10648,7 @@
           <a:bodyPr/>
           <a:lstStyle/>
           <a:p>
-            <a:fld id="{18DEE92F-2343-460E-A87F-DC2FD6DE70C4}" type="datetimeFigureOut">
+            <a:fld id="{420FE01E-2375-4774-907F-6D73247A6B70}" type="datetime1">
               <a:rPr lang="en-US" smtClean="0"/>
               <a:t>2/25/2024</a:t>
             </a:fld>
@@ -10882,7 +10891,7 @@
             </a:lvl1pPr>
           </a:lstStyle>
           <a:p>
-            <a:fld id="{18DEE92F-2343-460E-A87F-DC2FD6DE70C4}" type="datetimeFigureOut">
+            <a:fld id="{82A9A4E4-D4D9-4AF9-BCC6-922A6D45415F}" type="datetime1">
               <a:rPr lang="en-US" smtClean="0"/>
               <a:t>2/25/2024</a:t>
             </a:fld>
@@ -11001,6 +11010,7 @@
     <p:sldLayoutId id="2147483658" r:id="rId10"/>
     <p:sldLayoutId id="2147483659" r:id="rId11"/>
   </p:sldLayoutIdLst>
+  <p:hf hdr="0" ftr="0" dt="0"/>
   <p:txStyles>
     <p:titleStyle>
       <a:lvl1pPr algn="l" defTabSz="914400" rtl="0" eaLnBrk="1" latinLnBrk="0" hangingPunct="1">
@@ -11328,8 +11338,12 @@
           <a:lstStyle/>
           <a:p>
             <a:r>
+              <a:rPr lang="de-DE" b="1" dirty="0"/>
+              <a:t>Business</a:t>
+            </a:r>
+            <a:r>
               <a:rPr lang="de-DE" dirty="0"/>
-              <a:t>Business Understanding</a:t>
+              <a:t> Understanding</a:t>
             </a:r>
             <a:endParaRPr lang="en-US" dirty="0"/>
           </a:p>
@@ -11418,6 +11432,35 @@
               <a:rPr lang="en-US" dirty="0"/>
               <a:t> et al. 2000</a:t>
             </a:r>
+          </a:p>
+        </p:txBody>
+      </p:sp>
+      <p:sp>
+        <p:nvSpPr>
+          <p:cNvPr id="5" name="Foliennummernplatzhalter 4">
+            <a:extLst>
+              <a:ext uri="{FF2B5EF4-FFF2-40B4-BE49-F238E27FC236}">
+                <a16:creationId xmlns:a16="http://schemas.microsoft.com/office/drawing/2014/main" id="{71777500-41C4-DBD3-F6CD-938632C54B1C}"/>
+              </a:ext>
+            </a:extLst>
+          </p:cNvPr>
+          <p:cNvSpPr>
+            <a:spLocks noGrp="1"/>
+          </p:cNvSpPr>
+          <p:nvPr>
+            <p:ph type="sldNum" sz="quarter" idx="12"/>
+          </p:nvPr>
+        </p:nvSpPr>
+        <p:spPr/>
+        <p:txBody>
+          <a:bodyPr/>
+          <a:lstStyle/>
+          <a:p>
+            <a:fld id="{C921D49C-F2C9-4773-B40D-55A32CD1AF58}" type="slidenum">
+              <a:rPr lang="en-US" smtClean="0"/>
+              <a:t>1</a:t>
+            </a:fld>
+            <a:endParaRPr lang="en-US"/>
           </a:p>
         </p:txBody>
       </p:sp>
@@ -11467,7 +11510,7 @@
             <p:ph idx="1"/>
             <p:extLst>
               <p:ext uri="{D42A27DB-BD31-4B8C-83A1-F6EECF244321}">
-                <p14:modId xmlns:p14="http://schemas.microsoft.com/office/powerpoint/2010/main" val="488679964"/>
+                <p14:modId xmlns:p14="http://schemas.microsoft.com/office/powerpoint/2010/main" val="105408525"/>
               </p:ext>
             </p:extLst>
           </p:nvPr>
@@ -11512,6 +11555,35 @@
               <a:t>Preparation</a:t>
             </a:r>
             <a:endParaRPr lang="en-US" dirty="0"/>
+          </a:p>
+        </p:txBody>
+      </p:sp>
+      <p:sp>
+        <p:nvSpPr>
+          <p:cNvPr id="3" name="Foliennummernplatzhalter 2">
+            <a:extLst>
+              <a:ext uri="{FF2B5EF4-FFF2-40B4-BE49-F238E27FC236}">
+                <a16:creationId xmlns:a16="http://schemas.microsoft.com/office/drawing/2014/main" id="{66E82FF0-7C33-EB61-21BC-FE1AE8AC619F}"/>
+              </a:ext>
+            </a:extLst>
+          </p:cNvPr>
+          <p:cNvSpPr>
+            <a:spLocks noGrp="1"/>
+          </p:cNvSpPr>
+          <p:nvPr>
+            <p:ph type="sldNum" sz="quarter" idx="12"/>
+          </p:nvPr>
+        </p:nvSpPr>
+        <p:spPr/>
+        <p:txBody>
+          <a:bodyPr/>
+          <a:lstStyle/>
+          <a:p>
+            <a:fld id="{C921D49C-F2C9-4773-B40D-55A32CD1AF58}" type="slidenum">
+              <a:rPr lang="en-US" smtClean="0"/>
+              <a:t>10</a:t>
+            </a:fld>
+            <a:endParaRPr lang="en-US"/>
           </a:p>
         </p:txBody>
       </p:sp>
@@ -11748,8 +11820,8 @@
         </p:blipFill>
         <p:spPr>
           <a:xfrm>
-            <a:off x="1168641" y="4212927"/>
-            <a:ext cx="7413379" cy="2469094"/>
+            <a:off x="1265767" y="4149854"/>
+            <a:ext cx="7312020" cy="2435335"/>
           </a:xfrm>
           <a:prstGeom prst="rect">
             <a:avLst/>
@@ -11770,8 +11842,8 @@
         </p:nvSpPr>
         <p:spPr>
           <a:xfrm>
-            <a:off x="1876425" y="6640354"/>
-            <a:ext cx="3600450" cy="246221"/>
+            <a:off x="4876799" y="6585189"/>
+            <a:ext cx="4033308" cy="246221"/>
           </a:xfrm>
           <a:prstGeom prst="rect">
             <a:avLst/>
@@ -11786,7 +11858,71 @@
           <a:p>
             <a:r>
               <a:rPr lang="en-US" sz="1000" dirty="0"/>
-              <a:t>https://www.mongodb.com/docs/atlas/app-services/data-api/</a:t>
+              <a:t>Quelle: https://www.mongodb.com/docs/atlas/app-services/data-api/</a:t>
+            </a:r>
+          </a:p>
+        </p:txBody>
+      </p:sp>
+      <p:sp>
+        <p:nvSpPr>
+          <p:cNvPr id="4" name="Foliennummernplatzhalter 3">
+            <a:extLst>
+              <a:ext uri="{FF2B5EF4-FFF2-40B4-BE49-F238E27FC236}">
+                <a16:creationId xmlns:a16="http://schemas.microsoft.com/office/drawing/2014/main" id="{B7D0C8AF-75DC-DBF4-3593-B329ACAB56F0}"/>
+              </a:ext>
+            </a:extLst>
+          </p:cNvPr>
+          <p:cNvSpPr>
+            <a:spLocks noGrp="1"/>
+          </p:cNvSpPr>
+          <p:nvPr>
+            <p:ph type="sldNum" sz="quarter" idx="12"/>
+          </p:nvPr>
+        </p:nvSpPr>
+        <p:spPr/>
+        <p:txBody>
+          <a:bodyPr/>
+          <a:lstStyle/>
+          <a:p>
+            <a:fld id="{C921D49C-F2C9-4773-B40D-55A32CD1AF58}" type="slidenum">
+              <a:rPr lang="en-US" smtClean="0"/>
+              <a:t>11</a:t>
+            </a:fld>
+            <a:endParaRPr lang="en-US"/>
+          </a:p>
+        </p:txBody>
+      </p:sp>
+      <p:sp>
+        <p:nvSpPr>
+          <p:cNvPr id="7" name="Textfeld 6">
+            <a:extLst>
+              <a:ext uri="{FF2B5EF4-FFF2-40B4-BE49-F238E27FC236}">
+                <a16:creationId xmlns:a16="http://schemas.microsoft.com/office/drawing/2014/main" id="{AA4919D2-0332-CD35-C986-3D7F30501815}"/>
+              </a:ext>
+            </a:extLst>
+          </p:cNvPr>
+          <p:cNvSpPr txBox="1"/>
+          <p:nvPr/>
+        </p:nvSpPr>
+        <p:spPr>
+          <a:xfrm>
+            <a:off x="1232953" y="6567851"/>
+            <a:ext cx="3216279" cy="276999"/>
+          </a:xfrm>
+          <a:prstGeom prst="rect">
+            <a:avLst/>
+          </a:prstGeom>
+          <a:noFill/>
+        </p:spPr>
+        <p:txBody>
+          <a:bodyPr wrap="square" rtlCol="0">
+            <a:spAutoFit/>
+          </a:bodyPr>
+          <a:lstStyle/>
+          <a:p>
+            <a:r>
+              <a:rPr lang="de-DE" sz="1200" i="1" dirty="0"/>
+              <a:t>Implementierung Datenbankzugriff MongoDB</a:t>
             </a:r>
           </a:p>
         </p:txBody>
@@ -11879,15 +12015,7 @@
           <a:p>
             <a:r>
               <a:rPr lang="de-DE" dirty="0"/>
-              <a:t>Die Log Daten werden als JSON </a:t>
-            </a:r>
-            <a:r>
-              <a:rPr lang="de-DE" dirty="0" err="1"/>
-              <a:t>Object</a:t>
-            </a:r>
-            <a:r>
-              <a:rPr lang="de-DE" dirty="0"/>
-              <a:t> über die API zur Verfügung gestellt</a:t>
+              <a:t>Die Log Daten werden als JSON Objekt über die API zur Verfügung gestellt</a:t>
             </a:r>
           </a:p>
           <a:p>
@@ -11899,7 +12027,7 @@
           <a:p>
             <a:r>
               <a:rPr lang="de-DE" dirty="0"/>
-              <a:t>Der Dataframe muss anschließend in Kleinschreibung überführt werden für die Nutzung von Normalisierungsverfahren</a:t>
+              <a:t>Das Dataframe muss anschließend in Kleinschreibung überführt werden für die anschließende Nutzung von Normalisierungsverfahren</a:t>
             </a:r>
           </a:p>
           <a:p>
@@ -11921,7 +12049,7 @@
             </a:r>
             <a:r>
               <a:rPr lang="de-DE" dirty="0"/>
-              <a:t> schneidet hierbei die Endungen von Wörtern ab und ermöglicht die Reduzierung von eindeutigen Wörtern</a:t>
+              <a:t> schneidet hierbei die Endungen von Wörtern ab und ermöglicht die Reduzierung auf eindeutige Wörter</a:t>
             </a:r>
           </a:p>
         </p:txBody>
@@ -11958,6 +12086,35 @@
               <a:rPr lang="en-US" sz="1050" dirty="0"/>
               <a:t>https://www.nltk.org/api/nltk.stem.html</a:t>
             </a:r>
+          </a:p>
+        </p:txBody>
+      </p:sp>
+      <p:sp>
+        <p:nvSpPr>
+          <p:cNvPr id="4" name="Foliennummernplatzhalter 3">
+            <a:extLst>
+              <a:ext uri="{FF2B5EF4-FFF2-40B4-BE49-F238E27FC236}">
+                <a16:creationId xmlns:a16="http://schemas.microsoft.com/office/drawing/2014/main" id="{DDEE13F7-A8D9-C724-7305-702096AA1558}"/>
+              </a:ext>
+            </a:extLst>
+          </p:cNvPr>
+          <p:cNvSpPr>
+            <a:spLocks noGrp="1"/>
+          </p:cNvSpPr>
+          <p:nvPr>
+            <p:ph type="sldNum" sz="quarter" idx="12"/>
+          </p:nvPr>
+        </p:nvSpPr>
+        <p:spPr/>
+        <p:txBody>
+          <a:bodyPr/>
+          <a:lstStyle/>
+          <a:p>
+            <a:fld id="{C921D49C-F2C9-4773-B40D-55A32CD1AF58}" type="slidenum">
+              <a:rPr lang="en-US" smtClean="0"/>
+              <a:t>12</a:t>
+            </a:fld>
+            <a:endParaRPr lang="en-US"/>
           </a:p>
         </p:txBody>
       </p:sp>
@@ -12063,7 +12220,7 @@
             </a:r>
             <a:r>
               <a:rPr lang="de-DE" dirty="0"/>
-              <a:t> in einzelne Token zerteilt werden</a:t>
+              <a:t> in einzelne Tokens zerteilt werden</a:t>
             </a:r>
           </a:p>
           <a:p>
@@ -12075,7 +12232,7 @@
           <a:p>
             <a:r>
               <a:rPr lang="de-DE" dirty="0"/>
-              <a:t>Die Token werden anschließend mithilfe von </a:t>
+              <a:t>Die Tokens werden anschließend mithilfe von </a:t>
             </a:r>
             <a:r>
               <a:rPr lang="de-DE" dirty="0" err="1"/>
@@ -12183,6 +12340,35 @@
               <a:rPr lang="en-US" sz="1000" dirty="0"/>
               <a:t>https://www.nltk.org/api/nltk.stem.wordnet.html</a:t>
             </a:r>
+          </a:p>
+        </p:txBody>
+      </p:sp>
+      <p:sp>
+        <p:nvSpPr>
+          <p:cNvPr id="4" name="Foliennummernplatzhalter 3">
+            <a:extLst>
+              <a:ext uri="{FF2B5EF4-FFF2-40B4-BE49-F238E27FC236}">
+                <a16:creationId xmlns:a16="http://schemas.microsoft.com/office/drawing/2014/main" id="{6A929438-8586-95FA-DBC4-8016C008A1CD}"/>
+              </a:ext>
+            </a:extLst>
+          </p:cNvPr>
+          <p:cNvSpPr>
+            <a:spLocks noGrp="1"/>
+          </p:cNvSpPr>
+          <p:nvPr>
+            <p:ph type="sldNum" sz="quarter" idx="12"/>
+          </p:nvPr>
+        </p:nvSpPr>
+        <p:spPr/>
+        <p:txBody>
+          <a:bodyPr/>
+          <a:lstStyle/>
+          <a:p>
+            <a:fld id="{C921D49C-F2C9-4773-B40D-55A32CD1AF58}" type="slidenum">
+              <a:rPr lang="en-US" smtClean="0"/>
+              <a:t>13</a:t>
+            </a:fld>
+            <a:endParaRPr lang="en-US"/>
           </a:p>
         </p:txBody>
       </p:sp>
@@ -12362,7 +12548,7 @@
         </p:blipFill>
         <p:spPr>
           <a:xfrm>
-            <a:off x="1149390" y="3041791"/>
+            <a:off x="1145156" y="3033325"/>
             <a:ext cx="6705600" cy="523875"/>
           </a:xfrm>
           <a:prstGeom prst="rect">
@@ -12392,7 +12578,7 @@
         </p:blipFill>
         <p:spPr>
           <a:xfrm>
-            <a:off x="9411423" y="3547700"/>
+            <a:off x="9538423" y="3183633"/>
             <a:ext cx="1399331" cy="1082816"/>
           </a:xfrm>
           <a:prstGeom prst="rect">
@@ -12414,8 +12600,8 @@
         </p:nvSpPr>
         <p:spPr>
           <a:xfrm>
-            <a:off x="3008936" y="6523053"/>
-            <a:ext cx="6094070" cy="261610"/>
+            <a:off x="3008935" y="6523053"/>
+            <a:ext cx="6634597" cy="261610"/>
           </a:xfrm>
           <a:prstGeom prst="rect">
             <a:avLst/>
@@ -12430,8 +12616,37 @@
           <a:p>
             <a:r>
               <a:rPr lang="en-US" sz="1100" dirty="0"/>
-              <a:t>https://imbalanced-learn.org/stable/references/generated/imblearn.over_sampling.SMOTE.html</a:t>
-            </a:r>
+              <a:t>Quelle: https://imbalanced-learn.org/stable/references/generated/imblearn.over_sampling.SMOTE.html</a:t>
+            </a:r>
+          </a:p>
+        </p:txBody>
+      </p:sp>
+      <p:sp>
+        <p:nvSpPr>
+          <p:cNvPr id="4" name="Foliennummernplatzhalter 3">
+            <a:extLst>
+              <a:ext uri="{FF2B5EF4-FFF2-40B4-BE49-F238E27FC236}">
+                <a16:creationId xmlns:a16="http://schemas.microsoft.com/office/drawing/2014/main" id="{D9967BA5-3D54-6B6C-49BD-DB80A3459021}"/>
+              </a:ext>
+            </a:extLst>
+          </p:cNvPr>
+          <p:cNvSpPr>
+            <a:spLocks noGrp="1"/>
+          </p:cNvSpPr>
+          <p:nvPr>
+            <p:ph type="sldNum" sz="quarter" idx="12"/>
+          </p:nvPr>
+        </p:nvSpPr>
+        <p:spPr/>
+        <p:txBody>
+          <a:bodyPr/>
+          <a:lstStyle/>
+          <a:p>
+            <a:fld id="{C921D49C-F2C9-4773-B40D-55A32CD1AF58}" type="slidenum">
+              <a:rPr lang="en-US" smtClean="0"/>
+              <a:t>14</a:t>
+            </a:fld>
+            <a:endParaRPr lang="en-US"/>
           </a:p>
         </p:txBody>
       </p:sp>
@@ -12498,10 +12713,10 @@
           <a:lstStyle/>
           <a:p>
             <a:r>
-              <a:rPr lang="de-DE" dirty="0"/>
+              <a:rPr lang="de-DE" b="1" dirty="0"/>
               <a:t>Modeling</a:t>
             </a:r>
-            <a:endParaRPr lang="en-US" dirty="0"/>
+            <a:endParaRPr lang="en-US" b="1" dirty="0"/>
           </a:p>
         </p:txBody>
       </p:sp>
@@ -12588,6 +12803,35 @@
               <a:rPr lang="en-US" dirty="0"/>
               <a:t> et al. 2000</a:t>
             </a:r>
+          </a:p>
+        </p:txBody>
+      </p:sp>
+      <p:sp>
+        <p:nvSpPr>
+          <p:cNvPr id="5" name="Foliennummernplatzhalter 4">
+            <a:extLst>
+              <a:ext uri="{FF2B5EF4-FFF2-40B4-BE49-F238E27FC236}">
+                <a16:creationId xmlns:a16="http://schemas.microsoft.com/office/drawing/2014/main" id="{C9E3FECB-2C3B-54BB-7C73-DD1272B4665B}"/>
+              </a:ext>
+            </a:extLst>
+          </p:cNvPr>
+          <p:cNvSpPr>
+            <a:spLocks noGrp="1"/>
+          </p:cNvSpPr>
+          <p:nvPr>
+            <p:ph type="sldNum" sz="quarter" idx="12"/>
+          </p:nvPr>
+        </p:nvSpPr>
+        <p:spPr/>
+        <p:txBody>
+          <a:bodyPr/>
+          <a:lstStyle/>
+          <a:p>
+            <a:fld id="{C921D49C-F2C9-4773-B40D-55A32CD1AF58}" type="slidenum">
+              <a:rPr lang="en-US" smtClean="0"/>
+              <a:t>15</a:t>
+            </a:fld>
+            <a:endParaRPr lang="en-US"/>
           </a:p>
         </p:txBody>
       </p:sp>
@@ -12748,6 +12992,35 @@
               <a:t>precision recall f1-score support 0 0.91 0.90 0.91 175 1 0.55 0.58 0.57 36 accuracy 0.85 211 macro avg 0.73 0.74 0.74 211 weighted avg 0.85 0.85 0.85 211</a:t>
             </a:r>
             <a:endParaRPr lang="de-DE" dirty="0"/>
+          </a:p>
+        </p:txBody>
+      </p:sp>
+      <p:sp>
+        <p:nvSpPr>
+          <p:cNvPr id="4" name="Foliennummernplatzhalter 3">
+            <a:extLst>
+              <a:ext uri="{FF2B5EF4-FFF2-40B4-BE49-F238E27FC236}">
+                <a16:creationId xmlns:a16="http://schemas.microsoft.com/office/drawing/2014/main" id="{954A0D9F-62F1-0915-E630-7FE424BB5DBF}"/>
+              </a:ext>
+            </a:extLst>
+          </p:cNvPr>
+          <p:cNvSpPr>
+            <a:spLocks noGrp="1"/>
+          </p:cNvSpPr>
+          <p:nvPr>
+            <p:ph type="sldNum" sz="quarter" idx="12"/>
+          </p:nvPr>
+        </p:nvSpPr>
+        <p:spPr/>
+        <p:txBody>
+          <a:bodyPr/>
+          <a:lstStyle/>
+          <a:p>
+            <a:fld id="{C921D49C-F2C9-4773-B40D-55A32CD1AF58}" type="slidenum">
+              <a:rPr lang="en-US" smtClean="0"/>
+              <a:t>16</a:t>
+            </a:fld>
+            <a:endParaRPr lang="en-US"/>
           </a:p>
         </p:txBody>
       </p:sp>
@@ -13046,6 +13319,35 @@
           </a:p>
         </p:txBody>
       </p:sp>
+      <p:sp>
+        <p:nvSpPr>
+          <p:cNvPr id="6" name="Foliennummernplatzhalter 5">
+            <a:extLst>
+              <a:ext uri="{FF2B5EF4-FFF2-40B4-BE49-F238E27FC236}">
+                <a16:creationId xmlns:a16="http://schemas.microsoft.com/office/drawing/2014/main" id="{840C7200-B540-06A1-BD7F-B7F82D830487}"/>
+              </a:ext>
+            </a:extLst>
+          </p:cNvPr>
+          <p:cNvSpPr>
+            <a:spLocks noGrp="1"/>
+          </p:cNvSpPr>
+          <p:nvPr>
+            <p:ph type="sldNum" sz="quarter" idx="12"/>
+          </p:nvPr>
+        </p:nvSpPr>
+        <p:spPr/>
+        <p:txBody>
+          <a:bodyPr/>
+          <a:lstStyle/>
+          <a:p>
+            <a:fld id="{C921D49C-F2C9-4773-B40D-55A32CD1AF58}" type="slidenum">
+              <a:rPr lang="en-US" smtClean="0"/>
+              <a:t>17</a:t>
+            </a:fld>
+            <a:endParaRPr lang="en-US"/>
+          </a:p>
+        </p:txBody>
+      </p:sp>
     </p:spTree>
     <p:extLst>
       <p:ext uri="{BB962C8B-B14F-4D97-AF65-F5344CB8AC3E}">
@@ -13169,7 +13471,7 @@
         </p:blipFill>
         <p:spPr>
           <a:xfrm>
-            <a:off x="1824228" y="2415639"/>
+            <a:off x="2378794" y="2525684"/>
             <a:ext cx="6918600" cy="4013228"/>
           </a:xfrm>
           <a:prstGeom prst="rect">
@@ -13177,6 +13479,35 @@
           </a:prstGeom>
         </p:spPr>
       </p:pic>
+      <p:sp>
+        <p:nvSpPr>
+          <p:cNvPr id="4" name="Foliennummernplatzhalter 3">
+            <a:extLst>
+              <a:ext uri="{FF2B5EF4-FFF2-40B4-BE49-F238E27FC236}">
+                <a16:creationId xmlns:a16="http://schemas.microsoft.com/office/drawing/2014/main" id="{1E5DF504-98E4-CCF4-0877-321D98D2E2A7}"/>
+              </a:ext>
+            </a:extLst>
+          </p:cNvPr>
+          <p:cNvSpPr>
+            <a:spLocks noGrp="1"/>
+          </p:cNvSpPr>
+          <p:nvPr>
+            <p:ph type="sldNum" sz="quarter" idx="12"/>
+          </p:nvPr>
+        </p:nvSpPr>
+        <p:spPr/>
+        <p:txBody>
+          <a:bodyPr/>
+          <a:lstStyle/>
+          <a:p>
+            <a:fld id="{C921D49C-F2C9-4773-B40D-55A32CD1AF58}" type="slidenum">
+              <a:rPr lang="en-US" smtClean="0"/>
+              <a:t>18</a:t>
+            </a:fld>
+            <a:endParaRPr lang="en-US"/>
+          </a:p>
+        </p:txBody>
+      </p:sp>
     </p:spTree>
     <p:extLst>
       <p:ext uri="{BB962C8B-B14F-4D97-AF65-F5344CB8AC3E}">
@@ -13358,7 +13689,7 @@
         </p:nvSpPr>
         <p:spPr>
           <a:xfrm>
-            <a:off x="1038225" y="6510635"/>
+            <a:off x="1038225" y="6492875"/>
             <a:ext cx="6096000" cy="246221"/>
           </a:xfrm>
           <a:prstGeom prst="rect">
@@ -13374,7 +13705,7 @@
           <a:p>
             <a:r>
               <a:rPr lang="en-US" sz="1000" dirty="0"/>
-              <a:t>https://scikit-learn.org/stable/modules/generated/sklearn.feature_extraction.text.TfidfVectorizer.html</a:t>
+              <a:t>Quelle: https://scikit-learn.org/stable/modules/generated/sklearn.feature_extraction.text.TfidfVectorizer.html</a:t>
             </a:r>
           </a:p>
         </p:txBody>
@@ -13423,7 +13754,7 @@
         </p:nvSpPr>
         <p:spPr>
           <a:xfrm>
-            <a:off x="1200150" y="3968234"/>
+            <a:off x="1095375" y="3981449"/>
             <a:ext cx="6096000" cy="246221"/>
           </a:xfrm>
           <a:prstGeom prst="rect">
@@ -13439,8 +13770,37 @@
           <a:p>
             <a:r>
               <a:rPr lang="en-US" sz="1000" dirty="0"/>
-              <a:t>https://scikit-learn.org/stable/model_selection.html</a:t>
-            </a:r>
+              <a:t>Quelle: https://scikit-learn.org/stable/model_selection.html</a:t>
+            </a:r>
+          </a:p>
+        </p:txBody>
+      </p:sp>
+      <p:sp>
+        <p:nvSpPr>
+          <p:cNvPr id="4" name="Foliennummernplatzhalter 3">
+            <a:extLst>
+              <a:ext uri="{FF2B5EF4-FFF2-40B4-BE49-F238E27FC236}">
+                <a16:creationId xmlns:a16="http://schemas.microsoft.com/office/drawing/2014/main" id="{ED329164-7915-4576-7A41-B2F1F5C3A953}"/>
+              </a:ext>
+            </a:extLst>
+          </p:cNvPr>
+          <p:cNvSpPr>
+            <a:spLocks noGrp="1"/>
+          </p:cNvSpPr>
+          <p:nvPr>
+            <p:ph type="sldNum" sz="quarter" idx="12"/>
+          </p:nvPr>
+        </p:nvSpPr>
+        <p:spPr/>
+        <p:txBody>
+          <a:bodyPr/>
+          <a:lstStyle/>
+          <a:p>
+            <a:fld id="{C921D49C-F2C9-4773-B40D-55A32CD1AF58}" type="slidenum">
+              <a:rPr lang="en-US" smtClean="0"/>
+              <a:t>19</a:t>
+            </a:fld>
+            <a:endParaRPr lang="en-US"/>
           </a:p>
         </p:txBody>
       </p:sp>
@@ -13526,31 +13886,22 @@
           </a:bodyPr>
           <a:lstStyle/>
           <a:p>
-            <a:pPr>
-              <a:buFont typeface="Wingdings" panose="05000000000000000000" pitchFamily="2" charset="2"/>
-              <a:buChar char="à"/>
+            <a:pPr marL="0" indent="0">
+              <a:buNone/>
             </a:pPr>
             <a:r>
               <a:rPr lang="de-DE" dirty="0">
                 <a:sym typeface="Wingdings" panose="05000000000000000000" pitchFamily="2" charset="2"/>
               </a:rPr>
-              <a:t>Auftraggeber ist ein Unternehmen, welches Raketen herstellt</a:t>
+              <a:t>Der Auftraggeber ist ein produzierendes Unternehmen, welches Raketen herstellt.</a:t>
             </a:r>
           </a:p>
           <a:p>
             <a:pPr marL="0" indent="0">
               <a:buNone/>
             </a:pPr>
-            <a:endParaRPr lang="de-DE" dirty="0">
-              <a:sym typeface="Wingdings" panose="05000000000000000000" pitchFamily="2" charset="2"/>
-            </a:endParaRPr>
-          </a:p>
-          <a:p>
-            <a:pPr marL="0" indent="0">
-              <a:buNone/>
-            </a:pPr>
-            <a:r>
-              <a:rPr lang="de-DE" dirty="0">
+            <a:r>
+              <a:rPr lang="de-DE" b="1" dirty="0">
                 <a:sym typeface="Wingdings" panose="05000000000000000000" pitchFamily="2" charset="2"/>
               </a:rPr>
               <a:t>Problem:</a:t>
@@ -13568,25 +13919,19 @@
             </a:r>
           </a:p>
           <a:p>
-            <a:pPr marL="0" indent="0">
-              <a:buNone/>
-            </a:pPr>
             <a:r>
               <a:rPr lang="de-DE" dirty="0">
                 <a:sym typeface="Wingdings" panose="05000000000000000000" pitchFamily="2" charset="2"/>
               </a:rPr>
-              <a:t>- Produktion verzögert sich</a:t>
-            </a:r>
-          </a:p>
-          <a:p>
-            <a:pPr marL="0" indent="0">
-              <a:buNone/>
-            </a:pPr>
+              <a:t>Produktion verzögert sich</a:t>
+            </a:r>
+          </a:p>
+          <a:p>
             <a:r>
               <a:rPr lang="de-DE" dirty="0">
                 <a:sym typeface="Wingdings" panose="05000000000000000000" pitchFamily="2" charset="2"/>
               </a:rPr>
-              <a:t>- Hohe Kosten entstehen</a:t>
+              <a:t>Hohe Kosten entstehen</a:t>
             </a:r>
           </a:p>
           <a:p>
@@ -13606,6 +13951,35 @@
               <a:buChar char="à"/>
             </a:pPr>
             <a:endParaRPr lang="en-US" dirty="0"/>
+          </a:p>
+        </p:txBody>
+      </p:sp>
+      <p:sp>
+        <p:nvSpPr>
+          <p:cNvPr id="4" name="Foliennummernplatzhalter 3">
+            <a:extLst>
+              <a:ext uri="{FF2B5EF4-FFF2-40B4-BE49-F238E27FC236}">
+                <a16:creationId xmlns:a16="http://schemas.microsoft.com/office/drawing/2014/main" id="{206A1533-8CC1-D703-D284-898279776981}"/>
+              </a:ext>
+            </a:extLst>
+          </p:cNvPr>
+          <p:cNvSpPr>
+            <a:spLocks noGrp="1"/>
+          </p:cNvSpPr>
+          <p:nvPr>
+            <p:ph type="sldNum" sz="quarter" idx="12"/>
+          </p:nvPr>
+        </p:nvSpPr>
+        <p:spPr/>
+        <p:txBody>
+          <a:bodyPr/>
+          <a:lstStyle/>
+          <a:p>
+            <a:fld id="{C921D49C-F2C9-4773-B40D-55A32CD1AF58}" type="slidenum">
+              <a:rPr lang="en-US" smtClean="0"/>
+              <a:t>2</a:t>
+            </a:fld>
+            <a:endParaRPr lang="en-US"/>
           </a:p>
         </p:txBody>
       </p:sp>
@@ -13764,7 +14138,7 @@
         </p:blipFill>
         <p:spPr>
           <a:xfrm>
-            <a:off x="936624" y="3581400"/>
+            <a:off x="1139824" y="3530898"/>
             <a:ext cx="6286473" cy="1335087"/>
           </a:xfrm>
           <a:prstGeom prst="rect">
@@ -13794,7 +14168,7 @@
         </p:blipFill>
         <p:spPr>
           <a:xfrm>
-            <a:off x="5268912" y="5103812"/>
+            <a:off x="1139824" y="5086805"/>
             <a:ext cx="5961813" cy="1360488"/>
           </a:xfrm>
           <a:prstGeom prst="rect">
@@ -13816,8 +14190,8 @@
         </p:nvSpPr>
         <p:spPr>
           <a:xfrm>
-            <a:off x="838200" y="4865985"/>
-            <a:ext cx="5168900" cy="246221"/>
+            <a:off x="1084764" y="4867911"/>
+            <a:ext cx="6341533" cy="246221"/>
           </a:xfrm>
           <a:prstGeom prst="rect">
             <a:avLst/>
@@ -13832,7 +14206,7 @@
           <a:p>
             <a:r>
               <a:rPr lang="en-US" sz="1000" dirty="0"/>
-              <a:t>https://scikit-learn.org/stable/modules/generated/sklearn.neighbors.KNeighborsClassifier.html</a:t>
+              <a:t>Quelle: https://scikit-learn.org/stable/modules/generated/sklearn.neighbors.KNeighborsClassifier.html</a:t>
             </a:r>
           </a:p>
         </p:txBody>
@@ -13851,7 +14225,7 @@
         </p:nvSpPr>
         <p:spPr>
           <a:xfrm>
-            <a:off x="5213350" y="6440785"/>
+            <a:off x="1083732" y="6475254"/>
             <a:ext cx="6096000" cy="246221"/>
           </a:xfrm>
           <a:prstGeom prst="rect">
@@ -13867,8 +14241,37 @@
           <a:p>
             <a:r>
               <a:rPr lang="en-US" sz="1000" dirty="0"/>
-              <a:t>https://scikit-learn.org/stable/modules/generated/sklearn.ensemble.RandomForestClassifier.html</a:t>
-            </a:r>
+              <a:t>Quelle: https://scikit-learn.org/stable/modules/generated/sklearn.ensemble.RandomForestClassifier.html</a:t>
+            </a:r>
+          </a:p>
+        </p:txBody>
+      </p:sp>
+      <p:sp>
+        <p:nvSpPr>
+          <p:cNvPr id="4" name="Foliennummernplatzhalter 3">
+            <a:extLst>
+              <a:ext uri="{FF2B5EF4-FFF2-40B4-BE49-F238E27FC236}">
+                <a16:creationId xmlns:a16="http://schemas.microsoft.com/office/drawing/2014/main" id="{81012612-9382-378D-7FFA-589143C07491}"/>
+              </a:ext>
+            </a:extLst>
+          </p:cNvPr>
+          <p:cNvSpPr>
+            <a:spLocks noGrp="1"/>
+          </p:cNvSpPr>
+          <p:nvPr>
+            <p:ph type="sldNum" sz="quarter" idx="12"/>
+          </p:nvPr>
+        </p:nvSpPr>
+        <p:spPr/>
+        <p:txBody>
+          <a:bodyPr/>
+          <a:lstStyle/>
+          <a:p>
+            <a:fld id="{C921D49C-F2C9-4773-B40D-55A32CD1AF58}" type="slidenum">
+              <a:rPr lang="en-US" smtClean="0"/>
+              <a:t>20</a:t>
+            </a:fld>
+            <a:endParaRPr lang="en-US"/>
           </a:p>
         </p:txBody>
       </p:sp>
@@ -13935,10 +14338,10 @@
           <a:lstStyle/>
           <a:p>
             <a:r>
-              <a:rPr lang="de-DE" dirty="0"/>
+              <a:rPr lang="de-DE" b="1" dirty="0"/>
               <a:t>Evaluation</a:t>
             </a:r>
-            <a:endParaRPr lang="en-US" dirty="0"/>
+            <a:endParaRPr lang="en-US" b="1" dirty="0"/>
           </a:p>
         </p:txBody>
       </p:sp>
@@ -14025,6 +14428,35 @@
               <a:rPr lang="en-US" dirty="0"/>
               <a:t> et al. 2000</a:t>
             </a:r>
+          </a:p>
+        </p:txBody>
+      </p:sp>
+      <p:sp>
+        <p:nvSpPr>
+          <p:cNvPr id="4" name="Foliennummernplatzhalter 3">
+            <a:extLst>
+              <a:ext uri="{FF2B5EF4-FFF2-40B4-BE49-F238E27FC236}">
+                <a16:creationId xmlns:a16="http://schemas.microsoft.com/office/drawing/2014/main" id="{E6137A49-B02F-54E5-5DF3-3A1C13F5AC12}"/>
+              </a:ext>
+            </a:extLst>
+          </p:cNvPr>
+          <p:cNvSpPr>
+            <a:spLocks noGrp="1"/>
+          </p:cNvSpPr>
+          <p:nvPr>
+            <p:ph type="sldNum" sz="quarter" idx="12"/>
+          </p:nvPr>
+        </p:nvSpPr>
+        <p:spPr/>
+        <p:txBody>
+          <a:bodyPr/>
+          <a:lstStyle/>
+          <a:p>
+            <a:fld id="{C921D49C-F2C9-4773-B40D-55A32CD1AF58}" type="slidenum">
+              <a:rPr lang="en-US" smtClean="0"/>
+              <a:t>21</a:t>
+            </a:fld>
+            <a:endParaRPr lang="en-US"/>
           </a:p>
         </p:txBody>
       </p:sp>
@@ -14148,7 +14580,7 @@
         <p:spPr>
           <a:xfrm>
             <a:off x="7226300" y="6381234"/>
-            <a:ext cx="3473450" cy="246221"/>
+            <a:ext cx="3473450" cy="400110"/>
           </a:xfrm>
           <a:prstGeom prst="rect">
             <a:avLst/>
@@ -14163,7 +14595,7 @@
           <a:p>
             <a:r>
               <a:rPr lang="en-US" sz="1000" dirty="0"/>
-              <a:t>https://seaborn.pydata.org/generated/seaborn.heatmap.html</a:t>
+              <a:t>Quelle: https://seaborn.pydata.org/generated/seaborn.heatmap.html</a:t>
             </a:r>
           </a:p>
         </p:txBody>
@@ -14183,7 +14615,7 @@
         <p:spPr>
           <a:xfrm>
             <a:off x="831850" y="4662785"/>
-            <a:ext cx="5080000" cy="246221"/>
+            <a:ext cx="5080000" cy="400110"/>
           </a:xfrm>
           <a:prstGeom prst="rect">
             <a:avLst/>
@@ -14198,7 +14630,7 @@
           <a:p>
             <a:r>
               <a:rPr lang="en-US" sz="1000" dirty="0"/>
-              <a:t>https://scikit-learn.org/stable/modules/generated/sklearn.metrics.classification_report.html</a:t>
+              <a:t>Quelle: https://scikit-learn.org/stable/modules/generated/sklearn.metrics.classification_report.html</a:t>
             </a:r>
           </a:p>
         </p:txBody>
@@ -14263,6 +14695,35 @@
           </a:prstGeom>
         </p:spPr>
       </p:pic>
+      <p:sp>
+        <p:nvSpPr>
+          <p:cNvPr id="4" name="Foliennummernplatzhalter 3">
+            <a:extLst>
+              <a:ext uri="{FF2B5EF4-FFF2-40B4-BE49-F238E27FC236}">
+                <a16:creationId xmlns:a16="http://schemas.microsoft.com/office/drawing/2014/main" id="{C84265AA-4507-7964-CDFF-FE23A9EF78D4}"/>
+              </a:ext>
+            </a:extLst>
+          </p:cNvPr>
+          <p:cNvSpPr>
+            <a:spLocks noGrp="1"/>
+          </p:cNvSpPr>
+          <p:nvPr>
+            <p:ph type="sldNum" sz="quarter" idx="12"/>
+          </p:nvPr>
+        </p:nvSpPr>
+        <p:spPr/>
+        <p:txBody>
+          <a:bodyPr/>
+          <a:lstStyle/>
+          <a:p>
+            <a:fld id="{C921D49C-F2C9-4773-B40D-55A32CD1AF58}" type="slidenum">
+              <a:rPr lang="en-US" smtClean="0"/>
+              <a:t>22</a:t>
+            </a:fld>
+            <a:endParaRPr lang="en-US"/>
+          </a:p>
+        </p:txBody>
+      </p:sp>
     </p:spTree>
     <p:extLst>
       <p:ext uri="{BB962C8B-B14F-4D97-AF65-F5344CB8AC3E}">
@@ -14389,7 +14850,7 @@
         <p:spPr>
           <a:xfrm>
             <a:off x="7226300" y="6381234"/>
-            <a:ext cx="3473450" cy="246221"/>
+            <a:ext cx="3473450" cy="400110"/>
           </a:xfrm>
           <a:prstGeom prst="rect">
             <a:avLst/>
@@ -14403,8 +14864,12 @@
           <a:lstStyle/>
           <a:p>
             <a:r>
+              <a:rPr lang="en-US" sz="1000"/>
+              <a:t>Quelle: https</a:t>
+            </a:r>
+            <a:r>
               <a:rPr lang="en-US" sz="1000" dirty="0"/>
-              <a:t>https://seaborn.pydata.org/generated/seaborn.heatmap.html</a:t>
+              <a:t>://seaborn.pydata.org/generated/seaborn.heatmap.html</a:t>
             </a:r>
           </a:p>
         </p:txBody>
@@ -14424,7 +14889,7 @@
         <p:spPr>
           <a:xfrm>
             <a:off x="876300" y="4421485"/>
-            <a:ext cx="5080000" cy="246221"/>
+            <a:ext cx="5080000" cy="400110"/>
           </a:xfrm>
           <a:prstGeom prst="rect">
             <a:avLst/>
@@ -14439,7 +14904,7 @@
           <a:p>
             <a:r>
               <a:rPr lang="en-US" sz="1000" dirty="0"/>
-              <a:t>https://scikit-learn.org/stable/modules/generated/sklearn.metrics.classification_report.html</a:t>
+              <a:t>Quelle: https://scikit-learn.org/stable/modules/generated/sklearn.metrics.classification_report.html</a:t>
             </a:r>
           </a:p>
         </p:txBody>
@@ -14504,6 +14969,35 @@
           </a:prstGeom>
         </p:spPr>
       </p:pic>
+      <p:sp>
+        <p:nvSpPr>
+          <p:cNvPr id="4" name="Foliennummernplatzhalter 3">
+            <a:extLst>
+              <a:ext uri="{FF2B5EF4-FFF2-40B4-BE49-F238E27FC236}">
+                <a16:creationId xmlns:a16="http://schemas.microsoft.com/office/drawing/2014/main" id="{A992D602-438F-BB16-CA3C-5F6213658BFD}"/>
+              </a:ext>
+            </a:extLst>
+          </p:cNvPr>
+          <p:cNvSpPr>
+            <a:spLocks noGrp="1"/>
+          </p:cNvSpPr>
+          <p:nvPr>
+            <p:ph type="sldNum" sz="quarter" idx="12"/>
+          </p:nvPr>
+        </p:nvSpPr>
+        <p:spPr/>
+        <p:txBody>
+          <a:bodyPr/>
+          <a:lstStyle/>
+          <a:p>
+            <a:fld id="{C921D49C-F2C9-4773-B40D-55A32CD1AF58}" type="slidenum">
+              <a:rPr lang="en-US" smtClean="0"/>
+              <a:t>23</a:t>
+            </a:fld>
+            <a:endParaRPr lang="en-US"/>
+          </a:p>
+        </p:txBody>
+      </p:sp>
     </p:spTree>
     <p:extLst>
       <p:ext uri="{BB962C8B-B14F-4D97-AF65-F5344CB8AC3E}">
@@ -14651,6 +15145,35 @@
               </a:rPr>
               <a:t> Für eine umfangreichere Analyse sollten die Log- und Wartungsdaten verknüpft werden, damit weitere Analysen vorgenommen werden können</a:t>
             </a:r>
+          </a:p>
+        </p:txBody>
+      </p:sp>
+      <p:sp>
+        <p:nvSpPr>
+          <p:cNvPr id="4" name="Foliennummernplatzhalter 3">
+            <a:extLst>
+              <a:ext uri="{FF2B5EF4-FFF2-40B4-BE49-F238E27FC236}">
+                <a16:creationId xmlns:a16="http://schemas.microsoft.com/office/drawing/2014/main" id="{AF407F52-02AB-F5FF-19F5-468F1C8BF9AE}"/>
+              </a:ext>
+            </a:extLst>
+          </p:cNvPr>
+          <p:cNvSpPr>
+            <a:spLocks noGrp="1"/>
+          </p:cNvSpPr>
+          <p:nvPr>
+            <p:ph type="sldNum" sz="quarter" idx="12"/>
+          </p:nvPr>
+        </p:nvSpPr>
+        <p:spPr/>
+        <p:txBody>
+          <a:bodyPr/>
+          <a:lstStyle/>
+          <a:p>
+            <a:fld id="{C921D49C-F2C9-4773-B40D-55A32CD1AF58}" type="slidenum">
+              <a:rPr lang="en-US" smtClean="0"/>
+              <a:t>24</a:t>
+            </a:fld>
+            <a:endParaRPr lang="en-US"/>
           </a:p>
         </p:txBody>
       </p:sp>
@@ -14717,10 +15240,10 @@
           <a:lstStyle/>
           <a:p>
             <a:r>
-              <a:rPr lang="de-DE" dirty="0"/>
+              <a:rPr lang="de-DE" b="1" dirty="0"/>
               <a:t>Deployment</a:t>
             </a:r>
-            <a:endParaRPr lang="en-US" dirty="0"/>
+            <a:endParaRPr lang="en-US" b="1" dirty="0"/>
           </a:p>
         </p:txBody>
       </p:sp>
@@ -14807,6 +15330,35 @@
               <a:rPr lang="en-US" dirty="0"/>
               <a:t> et al. 2000</a:t>
             </a:r>
+          </a:p>
+        </p:txBody>
+      </p:sp>
+      <p:sp>
+        <p:nvSpPr>
+          <p:cNvPr id="5" name="Foliennummernplatzhalter 4">
+            <a:extLst>
+              <a:ext uri="{FF2B5EF4-FFF2-40B4-BE49-F238E27FC236}">
+                <a16:creationId xmlns:a16="http://schemas.microsoft.com/office/drawing/2014/main" id="{0D477DE3-EEBA-BAE1-E341-895E998C501B}"/>
+              </a:ext>
+            </a:extLst>
+          </p:cNvPr>
+          <p:cNvSpPr>
+            <a:spLocks noGrp="1"/>
+          </p:cNvSpPr>
+          <p:nvPr>
+            <p:ph type="sldNum" sz="quarter" idx="12"/>
+          </p:nvPr>
+        </p:nvSpPr>
+        <p:spPr/>
+        <p:txBody>
+          <a:bodyPr/>
+          <a:lstStyle/>
+          <a:p>
+            <a:fld id="{C921D49C-F2C9-4773-B40D-55A32CD1AF58}" type="slidenum">
+              <a:rPr lang="en-US" smtClean="0"/>
+              <a:t>25</a:t>
+            </a:fld>
+            <a:endParaRPr lang="en-US"/>
           </a:p>
         </p:txBody>
       </p:sp>
@@ -14890,6 +15442,35 @@
           <a:bodyPr/>
           <a:lstStyle/>
           <a:p>
+            <a:endParaRPr lang="en-US"/>
+          </a:p>
+        </p:txBody>
+      </p:sp>
+      <p:sp>
+        <p:nvSpPr>
+          <p:cNvPr id="4" name="Foliennummernplatzhalter 3">
+            <a:extLst>
+              <a:ext uri="{FF2B5EF4-FFF2-40B4-BE49-F238E27FC236}">
+                <a16:creationId xmlns:a16="http://schemas.microsoft.com/office/drawing/2014/main" id="{27CA22F9-0B4F-BB36-7A77-78EAE7E59BC7}"/>
+              </a:ext>
+            </a:extLst>
+          </p:cNvPr>
+          <p:cNvSpPr>
+            <a:spLocks noGrp="1"/>
+          </p:cNvSpPr>
+          <p:nvPr>
+            <p:ph type="sldNum" sz="quarter" idx="12"/>
+          </p:nvPr>
+        </p:nvSpPr>
+        <p:spPr/>
+        <p:txBody>
+          <a:bodyPr/>
+          <a:lstStyle/>
+          <a:p>
+            <a:fld id="{C921D49C-F2C9-4773-B40D-55A32CD1AF58}" type="slidenum">
+              <a:rPr lang="en-US" smtClean="0"/>
+              <a:t>26</a:t>
+            </a:fld>
             <a:endParaRPr lang="en-US"/>
           </a:p>
         </p:txBody>
@@ -14984,6 +15565,35 @@
           </a:p>
         </p:txBody>
       </p:sp>
+      <p:sp>
+        <p:nvSpPr>
+          <p:cNvPr id="4" name="Foliennummernplatzhalter 3">
+            <a:extLst>
+              <a:ext uri="{FF2B5EF4-FFF2-40B4-BE49-F238E27FC236}">
+                <a16:creationId xmlns:a16="http://schemas.microsoft.com/office/drawing/2014/main" id="{8E46A484-D226-737B-D50C-AEE61DA5874E}"/>
+              </a:ext>
+            </a:extLst>
+          </p:cNvPr>
+          <p:cNvSpPr>
+            <a:spLocks noGrp="1"/>
+          </p:cNvSpPr>
+          <p:nvPr>
+            <p:ph type="sldNum" sz="quarter" idx="12"/>
+          </p:nvPr>
+        </p:nvSpPr>
+        <p:spPr/>
+        <p:txBody>
+          <a:bodyPr/>
+          <a:lstStyle/>
+          <a:p>
+            <a:fld id="{C921D49C-F2C9-4773-B40D-55A32CD1AF58}" type="slidenum">
+              <a:rPr lang="en-US" smtClean="0"/>
+              <a:t>27</a:t>
+            </a:fld>
+            <a:endParaRPr lang="en-US"/>
+          </a:p>
+        </p:txBody>
+      </p:sp>
     </p:spTree>
     <p:extLst>
       <p:ext uri="{BB962C8B-B14F-4D97-AF65-F5344CB8AC3E}">
@@ -15093,6 +15703,35 @@
               <a:buNone/>
             </a:pPr>
             <a:endParaRPr lang="en-US" dirty="0"/>
+          </a:p>
+        </p:txBody>
+      </p:sp>
+      <p:sp>
+        <p:nvSpPr>
+          <p:cNvPr id="4" name="Foliennummernplatzhalter 3">
+            <a:extLst>
+              <a:ext uri="{FF2B5EF4-FFF2-40B4-BE49-F238E27FC236}">
+                <a16:creationId xmlns:a16="http://schemas.microsoft.com/office/drawing/2014/main" id="{2C33EF69-815B-B584-8A85-1B82D89CAFD9}"/>
+              </a:ext>
+            </a:extLst>
+          </p:cNvPr>
+          <p:cNvSpPr>
+            <a:spLocks noGrp="1"/>
+          </p:cNvSpPr>
+          <p:nvPr>
+            <p:ph type="sldNum" sz="quarter" idx="12"/>
+          </p:nvPr>
+        </p:nvSpPr>
+        <p:spPr/>
+        <p:txBody>
+          <a:bodyPr/>
+          <a:lstStyle/>
+          <a:p>
+            <a:fld id="{C921D49C-F2C9-4773-B40D-55A32CD1AF58}" type="slidenum">
+              <a:rPr lang="en-US" smtClean="0"/>
+              <a:t>28</a:t>
+            </a:fld>
+            <a:endParaRPr lang="en-US"/>
           </a:p>
         </p:txBody>
       </p:sp>
@@ -15178,15 +15817,11 @@
           </a:bodyPr>
           <a:lstStyle/>
           <a:p>
-            <a:pPr>
-              <a:buFont typeface="Wingdings" panose="05000000000000000000" pitchFamily="2" charset="2"/>
-              <a:buChar char="à"/>
-            </a:pPr>
             <a:r>
               <a:rPr lang="de-DE" dirty="0">
                 <a:sym typeface="Wingdings" panose="05000000000000000000" pitchFamily="2" charset="2"/>
               </a:rPr>
-              <a:t>Die Maschinen geben während ihres Betriebs Statusmeldungen ab, welche in Log Files gespeichert werden. Zudem wird alle 5 Minuten der Zustand der Maschine übermittelt. Unteranderem Sensordaten</a:t>
+              <a:t>Die Maschinen geben während des Betriebs Statusmeldungen ab, welche in Log Files gespeichert werden. Zudem wird alle 5 Minuten der Zustand der Maschine übermittelt. Unter anderem verschiedene Sensordaten.</a:t>
             </a:r>
           </a:p>
           <a:p>
@@ -15199,22 +15834,15 @@
             </a:endParaRPr>
           </a:p>
           <a:p>
-            <a:pPr>
-              <a:buFont typeface="Wingdings" panose="05000000000000000000" pitchFamily="2" charset="2"/>
-              <a:buChar char="à"/>
-            </a:pPr>
             <a:r>
               <a:rPr lang="de-DE" dirty="0">
                 <a:sym typeface="Wingdings" panose="05000000000000000000" pitchFamily="2" charset="2"/>
               </a:rPr>
-              <a:t>Meldungen werden in zwei Datenbanken abgespeichert:</a:t>
-            </a:r>
-          </a:p>
-          <a:p>
-            <a:pPr lvl="1">
-              <a:buFont typeface="Wingdings" panose="05000000000000000000" pitchFamily="2" charset="2"/>
-              <a:buChar char="à"/>
-            </a:pPr>
+              <a:t>Meldungen und Sensorwerte werden in zwei Datenbanken abgespeichert:</a:t>
+            </a:r>
+          </a:p>
+          <a:p>
+            <a:pPr lvl="1"/>
             <a:r>
               <a:rPr lang="de-DE" dirty="0">
                 <a:sym typeface="Wingdings" panose="05000000000000000000" pitchFamily="2" charset="2"/>
@@ -15223,10 +15851,7 @@
             </a:r>
           </a:p>
           <a:p>
-            <a:pPr lvl="1">
-              <a:buFont typeface="Wingdings" panose="05000000000000000000" pitchFamily="2" charset="2"/>
-              <a:buChar char="à"/>
-            </a:pPr>
+            <a:pPr lvl="1"/>
             <a:r>
               <a:rPr lang="de-DE" dirty="0">
                 <a:sym typeface="Wingdings" panose="05000000000000000000" pitchFamily="2" charset="2"/>
@@ -15244,15 +15869,11 @@
             </a:endParaRPr>
           </a:p>
           <a:p>
-            <a:pPr>
-              <a:buFont typeface="Wingdings" panose="05000000000000000000" pitchFamily="2" charset="2"/>
-              <a:buChar char="à"/>
-            </a:pPr>
             <a:r>
               <a:rPr lang="de-DE" dirty="0">
                 <a:sym typeface="Wingdings" panose="05000000000000000000" pitchFamily="2" charset="2"/>
               </a:rPr>
-              <a:t>Es gibt eine ganzen Menge an Maschinen Daten der Vergangenheit. Diese sollen genutzt werden, damit ein </a:t>
+              <a:t>Es gibt eine große Menge an Maschinendaten der Vergangenheit. Diese sollen genutzt werden, damit ein </a:t>
             </a:r>
             <a:r>
               <a:rPr lang="de-DE" dirty="0" err="1">
@@ -15264,9 +15885,38 @@
               <a:rPr lang="de-DE" dirty="0">
                 <a:sym typeface="Wingdings" panose="05000000000000000000" pitchFamily="2" charset="2"/>
               </a:rPr>
-              <a:t> System entwickelt werden kann, sodass Ausfälle vorhergesagt werden können und präventiv verhindert werden können</a:t>
+              <a:t> System entwickelt werden kann. Mit diesem sollen Ausfälle vorhergesagt werden und präventiv verhindert werden können.</a:t>
             </a:r>
             <a:endParaRPr lang="en-US" dirty="0"/>
+          </a:p>
+        </p:txBody>
+      </p:sp>
+      <p:sp>
+        <p:nvSpPr>
+          <p:cNvPr id="4" name="Foliennummernplatzhalter 3">
+            <a:extLst>
+              <a:ext uri="{FF2B5EF4-FFF2-40B4-BE49-F238E27FC236}">
+                <a16:creationId xmlns:a16="http://schemas.microsoft.com/office/drawing/2014/main" id="{C4AF8D50-4E87-F238-2F36-F4EEEA4F90FD}"/>
+              </a:ext>
+            </a:extLst>
+          </p:cNvPr>
+          <p:cNvSpPr>
+            <a:spLocks noGrp="1"/>
+          </p:cNvSpPr>
+          <p:nvPr>
+            <p:ph type="sldNum" sz="quarter" idx="12"/>
+          </p:nvPr>
+        </p:nvSpPr>
+        <p:spPr/>
+        <p:txBody>
+          <a:bodyPr/>
+          <a:lstStyle/>
+          <a:p>
+            <a:fld id="{C921D49C-F2C9-4773-B40D-55A32CD1AF58}" type="slidenum">
+              <a:rPr lang="en-US" smtClean="0"/>
+              <a:t>3</a:t>
+            </a:fld>
+            <a:endParaRPr lang="en-US"/>
           </a:p>
         </p:txBody>
       </p:sp>
@@ -15327,8 +15977,12 @@
           <a:lstStyle/>
           <a:p>
             <a:r>
+              <a:rPr lang="de-DE" b="1" dirty="0"/>
+              <a:t>Data</a:t>
+            </a:r>
+            <a:r>
               <a:rPr lang="de-DE" dirty="0"/>
-              <a:t>Data Understanding</a:t>
+              <a:t> Understanding</a:t>
             </a:r>
             <a:endParaRPr lang="en-US" dirty="0"/>
           </a:p>
@@ -15417,6 +16071,35 @@
               <a:rPr lang="en-US" dirty="0"/>
               <a:t> et al. 2000</a:t>
             </a:r>
+          </a:p>
+        </p:txBody>
+      </p:sp>
+      <p:sp>
+        <p:nvSpPr>
+          <p:cNvPr id="4" name="Foliennummernplatzhalter 3">
+            <a:extLst>
+              <a:ext uri="{FF2B5EF4-FFF2-40B4-BE49-F238E27FC236}">
+                <a16:creationId xmlns:a16="http://schemas.microsoft.com/office/drawing/2014/main" id="{2586E862-FDEE-0A9A-F3FB-A9C83E3EE653}"/>
+              </a:ext>
+            </a:extLst>
+          </p:cNvPr>
+          <p:cNvSpPr>
+            <a:spLocks noGrp="1"/>
+          </p:cNvSpPr>
+          <p:nvPr>
+            <p:ph type="sldNum" sz="quarter" idx="12"/>
+          </p:nvPr>
+        </p:nvSpPr>
+        <p:spPr/>
+        <p:txBody>
+          <a:bodyPr/>
+          <a:lstStyle/>
+          <a:p>
+            <a:fld id="{C921D49C-F2C9-4773-B40D-55A32CD1AF58}" type="slidenum">
+              <a:rPr lang="en-US" smtClean="0"/>
+              <a:t>4</a:t>
+            </a:fld>
+            <a:endParaRPr lang="en-US"/>
           </a:p>
         </p:txBody>
       </p:sp>
@@ -15504,13 +16187,13 @@
           <a:p>
             <a:r>
               <a:rPr lang="de-DE" dirty="0"/>
-              <a:t>Strukturierte Daten über die Sensoren in einer Maschine</a:t>
+              <a:t>Strukturierte Daten der Sensoren in einer Maschine</a:t>
             </a:r>
           </a:p>
           <a:p>
             <a:r>
               <a:rPr lang="de-DE" dirty="0"/>
-              <a:t>Zu jeder Zeitaufnahme gibt es folgende Werte:</a:t>
+              <a:t>Zu jedem Zeitpunkt gibt es folgende Werte:</a:t>
             </a:r>
           </a:p>
           <a:p>
@@ -15636,15 +16319,44 @@
           <a:p>
             <a:r>
               <a:rPr lang="de-DE" dirty="0"/>
-              <a:t>Wenn alle Sensoren keinen Wert liefern, ist die Maschine ausgefallen</a:t>
+              <a:t>Wenn alle Sensoren keinen Wert liefern, ist die Maschine ausgefallen.</a:t>
             </a:r>
           </a:p>
           <a:p>
             <a:r>
               <a:rPr lang="de-DE" dirty="0"/>
-              <a:t>Man müsste einen vorhersagen können, wann eine Maschine ausfällt, im Grunde bei welchem Sensorwert in den nächsten 5 Minuten die Maschine ausfällt</a:t>
+              <a:t>Man müsste vorhersagen können bei welchem Sensorwert bzw. Werten in den nächsten 5 Minuten die Maschine ausfällt.</a:t>
             </a:r>
             <a:endParaRPr lang="en-US" dirty="0"/>
+          </a:p>
+        </p:txBody>
+      </p:sp>
+      <p:sp>
+        <p:nvSpPr>
+          <p:cNvPr id="4" name="Foliennummernplatzhalter 3">
+            <a:extLst>
+              <a:ext uri="{FF2B5EF4-FFF2-40B4-BE49-F238E27FC236}">
+                <a16:creationId xmlns:a16="http://schemas.microsoft.com/office/drawing/2014/main" id="{F28180A7-8751-1020-0704-3A488335BCA0}"/>
+              </a:ext>
+            </a:extLst>
+          </p:cNvPr>
+          <p:cNvSpPr>
+            <a:spLocks noGrp="1"/>
+          </p:cNvSpPr>
+          <p:nvPr>
+            <p:ph type="sldNum" sz="quarter" idx="12"/>
+          </p:nvPr>
+        </p:nvSpPr>
+        <p:spPr/>
+        <p:txBody>
+          <a:bodyPr/>
+          <a:lstStyle/>
+          <a:p>
+            <a:fld id="{C921D49C-F2C9-4773-B40D-55A32CD1AF58}" type="slidenum">
+              <a:rPr lang="en-US" smtClean="0"/>
+              <a:t>5</a:t>
+            </a:fld>
+            <a:endParaRPr lang="en-US"/>
           </a:p>
         </p:txBody>
       </p:sp>
@@ -15732,7 +16444,7 @@
           <a:p>
             <a:r>
               <a:rPr lang="de-DE" dirty="0"/>
-              <a:t>Log Daten sind als </a:t>
+              <a:t>Log Daten liegen als </a:t>
             </a:r>
             <a:r>
               <a:rPr lang="en-US" dirty="0"/>
@@ -15748,7 +16460,7 @@
             </a:r>
             <a:r>
               <a:rPr lang="en-US" dirty="0" err="1"/>
-              <a:t>vorliegend</a:t>
+              <a:t>vor</a:t>
             </a:r>
             <a:r>
               <a:rPr lang="en-US" dirty="0"/>
@@ -15756,7 +16468,15 @@
             </a:r>
             <a:r>
               <a:rPr lang="en-US" dirty="0" err="1"/>
-              <a:t>unstrukturiert</a:t>
+              <a:t>unstrukturierte</a:t>
+            </a:r>
+            <a:r>
+              <a:rPr lang="en-US" dirty="0"/>
+              <a:t> </a:t>
+            </a:r>
+            <a:r>
+              <a:rPr lang="en-US" dirty="0" err="1"/>
+              <a:t>Daten</a:t>
             </a:r>
             <a:r>
               <a:rPr lang="en-US" dirty="0"/>
@@ -15818,15 +16538,15 @@
             </a:r>
             <a:r>
               <a:rPr lang="en-US" dirty="0" err="1"/>
-              <a:t>beschrieben</a:t>
+              <a:t>beschreiben</a:t>
             </a:r>
             <a:r>
               <a:rPr lang="en-US" dirty="0"/>
-              <a:t>. </a:t>
+              <a:t>. Die </a:t>
             </a:r>
             <a:r>
               <a:rPr lang="en-US" dirty="0" err="1"/>
-              <a:t>Wichtigste</a:t>
+              <a:t>wichtigsten</a:t>
             </a:r>
             <a:r>
               <a:rPr lang="en-US" dirty="0"/>
@@ -16053,6 +16773,35 @@
           <a:p>
             <a:pPr lvl="1"/>
             <a:endParaRPr lang="de-DE" dirty="0"/>
+          </a:p>
+        </p:txBody>
+      </p:sp>
+      <p:sp>
+        <p:nvSpPr>
+          <p:cNvPr id="4" name="Foliennummernplatzhalter 3">
+            <a:extLst>
+              <a:ext uri="{FF2B5EF4-FFF2-40B4-BE49-F238E27FC236}">
+                <a16:creationId xmlns:a16="http://schemas.microsoft.com/office/drawing/2014/main" id="{AFA03D42-33D5-5A0F-ED75-BEF300AF38D5}"/>
+              </a:ext>
+            </a:extLst>
+          </p:cNvPr>
+          <p:cNvSpPr>
+            <a:spLocks noGrp="1"/>
+          </p:cNvSpPr>
+          <p:nvPr>
+            <p:ph type="sldNum" sz="quarter" idx="12"/>
+          </p:nvPr>
+        </p:nvSpPr>
+        <p:spPr/>
+        <p:txBody>
+          <a:bodyPr/>
+          <a:lstStyle/>
+          <a:p>
+            <a:fld id="{C921D49C-F2C9-4773-B40D-55A32CD1AF58}" type="slidenum">
+              <a:rPr lang="en-US" smtClean="0"/>
+              <a:t>6</a:t>
+            </a:fld>
+            <a:endParaRPr lang="en-US"/>
           </a:p>
         </p:txBody>
       </p:sp>
@@ -16113,8 +16862,12 @@
           <a:lstStyle/>
           <a:p>
             <a:r>
+              <a:rPr lang="de-DE" b="1" dirty="0"/>
+              <a:t>Data</a:t>
+            </a:r>
+            <a:r>
               <a:rPr lang="de-DE" dirty="0"/>
-              <a:t>Data </a:t>
+              <a:t> </a:t>
             </a:r>
             <a:r>
               <a:rPr lang="de-DE" dirty="0" err="1"/>
@@ -16207,6 +16960,35 @@
               <a:rPr lang="en-US" dirty="0"/>
               <a:t> et al. 2000</a:t>
             </a:r>
+          </a:p>
+        </p:txBody>
+      </p:sp>
+      <p:sp>
+        <p:nvSpPr>
+          <p:cNvPr id="5" name="Foliennummernplatzhalter 4">
+            <a:extLst>
+              <a:ext uri="{FF2B5EF4-FFF2-40B4-BE49-F238E27FC236}">
+                <a16:creationId xmlns:a16="http://schemas.microsoft.com/office/drawing/2014/main" id="{802274E3-C1C4-96CD-1642-98F8BB0A31BC}"/>
+              </a:ext>
+            </a:extLst>
+          </p:cNvPr>
+          <p:cNvSpPr>
+            <a:spLocks noGrp="1"/>
+          </p:cNvSpPr>
+          <p:nvPr>
+            <p:ph type="sldNum" sz="quarter" idx="12"/>
+          </p:nvPr>
+        </p:nvSpPr>
+        <p:spPr/>
+        <p:txBody>
+          <a:bodyPr/>
+          <a:lstStyle/>
+          <a:p>
+            <a:fld id="{C921D49C-F2C9-4773-B40D-55A32CD1AF58}" type="slidenum">
+              <a:rPr lang="en-US" smtClean="0"/>
+              <a:t>7</a:t>
+            </a:fld>
+            <a:endParaRPr lang="en-US"/>
           </a:p>
         </p:txBody>
       </p:sp>
@@ -16262,7 +17044,7 @@
             <p:ph idx="1"/>
             <p:extLst>
               <p:ext uri="{D42A27DB-BD31-4B8C-83A1-F6EECF244321}">
-                <p14:modId xmlns:p14="http://schemas.microsoft.com/office/powerpoint/2010/main" val="3089325006"/>
+                <p14:modId xmlns:p14="http://schemas.microsoft.com/office/powerpoint/2010/main" val="1987059720"/>
               </p:ext>
             </p:extLst>
           </p:nvPr>
@@ -16307,6 +17089,35 @@
               <a:t>Preparation</a:t>
             </a:r>
             <a:endParaRPr lang="en-US" dirty="0"/>
+          </a:p>
+        </p:txBody>
+      </p:sp>
+      <p:sp>
+        <p:nvSpPr>
+          <p:cNvPr id="3" name="Foliennummernplatzhalter 2">
+            <a:extLst>
+              <a:ext uri="{FF2B5EF4-FFF2-40B4-BE49-F238E27FC236}">
+                <a16:creationId xmlns:a16="http://schemas.microsoft.com/office/drawing/2014/main" id="{2086696D-358B-A3A8-F759-DA7398194796}"/>
+              </a:ext>
+            </a:extLst>
+          </p:cNvPr>
+          <p:cNvSpPr>
+            <a:spLocks noGrp="1"/>
+          </p:cNvSpPr>
+          <p:nvPr>
+            <p:ph type="sldNum" sz="quarter" idx="12"/>
+          </p:nvPr>
+        </p:nvSpPr>
+        <p:spPr/>
+        <p:txBody>
+          <a:bodyPr/>
+          <a:lstStyle/>
+          <a:p>
+            <a:fld id="{C921D49C-F2C9-4773-B40D-55A32CD1AF58}" type="slidenum">
+              <a:rPr lang="en-US" smtClean="0"/>
+              <a:t>8</a:t>
+            </a:fld>
+            <a:endParaRPr lang="en-US"/>
           </a:p>
         </p:txBody>
       </p:sp>
@@ -16410,7 +17221,24 @@
           <a:p>
             <a:r>
               <a:rPr lang="de-DE" dirty="0"/>
-              <a:t>CSV wurde importiert und dann direkt ins richtige				Format überführt</a:t>
+              <a:t>CSV Datei wurde importiert und dann direkt </a:t>
+            </a:r>
+          </a:p>
+          <a:p>
+            <a:pPr marL="0" indent="0">
+              <a:buNone/>
+            </a:pPr>
+            <a:r>
+              <a:rPr lang="de-DE" dirty="0"/>
+              <a:t>   in das </a:t>
+            </a:r>
+            <a:r>
+              <a:rPr lang="de-DE" dirty="0" err="1"/>
+              <a:t>richtigeFormat</a:t>
+            </a:r>
+            <a:r>
+              <a:rPr lang="de-DE" dirty="0"/>
+              <a:t> überführt</a:t>
             </a:r>
             <a:endParaRPr lang="en-US" dirty="0"/>
           </a:p>
@@ -16438,7 +17266,7 @@
         </p:blipFill>
         <p:spPr>
           <a:xfrm>
-            <a:off x="9156598" y="3808041"/>
+            <a:off x="8610498" y="3627066"/>
             <a:ext cx="3035402" cy="2684834"/>
           </a:xfrm>
           <a:prstGeom prst="rect">
@@ -16482,6 +17310,70 @@
           </a:prstGeom>
         </p:spPr>
       </p:pic>
+      <p:sp>
+        <p:nvSpPr>
+          <p:cNvPr id="4" name="Textfeld 3">
+            <a:extLst>
+              <a:ext uri="{FF2B5EF4-FFF2-40B4-BE49-F238E27FC236}">
+                <a16:creationId xmlns:a16="http://schemas.microsoft.com/office/drawing/2014/main" id="{5F48EAA7-CA1F-0694-D99D-2123CE2369E9}"/>
+              </a:ext>
+            </a:extLst>
+          </p:cNvPr>
+          <p:cNvSpPr txBox="1"/>
+          <p:nvPr/>
+        </p:nvSpPr>
+        <p:spPr>
+          <a:xfrm>
+            <a:off x="8593620" y="6339946"/>
+            <a:ext cx="2933700" cy="276999"/>
+          </a:xfrm>
+          <a:prstGeom prst="rect">
+            <a:avLst/>
+          </a:prstGeom>
+          <a:noFill/>
+        </p:spPr>
+        <p:txBody>
+          <a:bodyPr wrap="square" rtlCol="0">
+            <a:spAutoFit/>
+          </a:bodyPr>
+          <a:lstStyle/>
+          <a:p>
+            <a:r>
+              <a:rPr lang="de-DE" sz="1200" i="1" dirty="0"/>
+              <a:t>Implementierung Datenbankzugriff SQL</a:t>
+            </a:r>
+          </a:p>
+        </p:txBody>
+      </p:sp>
+      <p:sp>
+        <p:nvSpPr>
+          <p:cNvPr id="5" name="Foliennummernplatzhalter 4">
+            <a:extLst>
+              <a:ext uri="{FF2B5EF4-FFF2-40B4-BE49-F238E27FC236}">
+                <a16:creationId xmlns:a16="http://schemas.microsoft.com/office/drawing/2014/main" id="{D315BDCB-3768-1073-50A6-BF7B41ED87C4}"/>
+              </a:ext>
+            </a:extLst>
+          </p:cNvPr>
+          <p:cNvSpPr>
+            <a:spLocks noGrp="1"/>
+          </p:cNvSpPr>
+          <p:nvPr>
+            <p:ph type="sldNum" sz="quarter" idx="12"/>
+          </p:nvPr>
+        </p:nvSpPr>
+        <p:spPr/>
+        <p:txBody>
+          <a:bodyPr/>
+          <a:lstStyle/>
+          <a:p>
+            <a:fld id="{C921D49C-F2C9-4773-B40D-55A32CD1AF58}" type="slidenum">
+              <a:rPr lang="en-US" smtClean="0"/>
+              <a:t>9</a:t>
+            </a:fld>
+            <a:endParaRPr lang="en-US" dirty="0"/>
+          </a:p>
+        </p:txBody>
+      </p:sp>
     </p:spTree>
     <p:extLst>
       <p:ext uri="{BB962C8B-B14F-4D97-AF65-F5344CB8AC3E}">

--- a/Organisational/Dokumentation HHZ Rocket Project.pptx
+++ b/Organisational/Dokumentation HHZ Rocket Project.pptx
@@ -5,7 +5,7 @@
     <p:sldMasterId id="2147483648" r:id="rId1"/>
   </p:sldMasterIdLst>
   <p:notesMasterIdLst>
-    <p:notesMasterId r:id="rId30"/>
+    <p:notesMasterId r:id="rId32"/>
   </p:notesMasterIdLst>
   <p:sldIdLst>
     <p:sldId id="256" r:id="rId2"/>
@@ -24,18 +24,20 @@
     <p:sldId id="289" r:id="rId15"/>
     <p:sldId id="277" r:id="rId16"/>
     <p:sldId id="274" r:id="rId17"/>
-    <p:sldId id="279" r:id="rId18"/>
-    <p:sldId id="280" r:id="rId19"/>
-    <p:sldId id="281" r:id="rId20"/>
-    <p:sldId id="285" r:id="rId21"/>
-    <p:sldId id="278" r:id="rId22"/>
-    <p:sldId id="282" r:id="rId23"/>
-    <p:sldId id="283" r:id="rId24"/>
-    <p:sldId id="290" r:id="rId25"/>
-    <p:sldId id="286" r:id="rId26"/>
-    <p:sldId id="287" r:id="rId27"/>
-    <p:sldId id="288" r:id="rId28"/>
-    <p:sldId id="291" r:id="rId29"/>
+    <p:sldId id="293" r:id="rId18"/>
+    <p:sldId id="279" r:id="rId19"/>
+    <p:sldId id="292" r:id="rId20"/>
+    <p:sldId id="280" r:id="rId21"/>
+    <p:sldId id="281" r:id="rId22"/>
+    <p:sldId id="285" r:id="rId23"/>
+    <p:sldId id="278" r:id="rId24"/>
+    <p:sldId id="282" r:id="rId25"/>
+    <p:sldId id="283" r:id="rId26"/>
+    <p:sldId id="290" r:id="rId27"/>
+    <p:sldId id="286" r:id="rId28"/>
+    <p:sldId id="287" r:id="rId29"/>
+    <p:sldId id="288" r:id="rId30"/>
+    <p:sldId id="291" r:id="rId31"/>
   </p:sldIdLst>
   <p:sldSz cx="12192000" cy="6858000"/>
   <p:notesSz cx="6858000" cy="9144000"/>
@@ -12888,7 +12890,23 @@
           <a:p>
             <a:r>
               <a:rPr lang="en-US" dirty="0"/>
-              <a:t>Modeling - </a:t>
+              <a:t>Modeling – </a:t>
+            </a:r>
+            <a:r>
+              <a:rPr lang="en-US" dirty="0" err="1"/>
+              <a:t>Strukt</a:t>
+            </a:r>
+            <a:r>
+              <a:rPr lang="en-US" dirty="0"/>
+              <a:t>. </a:t>
+            </a:r>
+            <a:r>
+              <a:rPr lang="en-US" dirty="0" err="1"/>
+              <a:t>Daten</a:t>
+            </a:r>
+            <a:r>
+              <a:rPr lang="en-US" dirty="0"/>
+              <a:t> </a:t>
             </a:r>
             <a:r>
               <a:rPr lang="en-US" dirty="0" err="1"/>
@@ -12955,10 +12973,233 @@
       </p:sp>
       <p:sp>
         <p:nvSpPr>
+          <p:cNvPr id="4" name="Foliennummernplatzhalter 3">
+            <a:extLst>
+              <a:ext uri="{FF2B5EF4-FFF2-40B4-BE49-F238E27FC236}">
+                <a16:creationId xmlns:a16="http://schemas.microsoft.com/office/drawing/2014/main" id="{954A0D9F-62F1-0915-E630-7FE424BB5DBF}"/>
+              </a:ext>
+            </a:extLst>
+          </p:cNvPr>
+          <p:cNvSpPr>
+            <a:spLocks noGrp="1"/>
+          </p:cNvSpPr>
+          <p:nvPr>
+            <p:ph type="sldNum" sz="quarter" idx="12"/>
+          </p:nvPr>
+        </p:nvSpPr>
+        <p:spPr/>
+        <p:txBody>
+          <a:bodyPr/>
+          <a:lstStyle/>
+          <a:p>
+            <a:fld id="{C921D49C-F2C9-4773-B40D-55A32CD1AF58}" type="slidenum">
+              <a:rPr lang="en-US" smtClean="0"/>
+              <a:t>16</a:t>
+            </a:fld>
+            <a:endParaRPr lang="en-US"/>
+          </a:p>
+        </p:txBody>
+      </p:sp>
+      <p:pic>
+        <p:nvPicPr>
+          <p:cNvPr id="7" name="Grafik 6">
+            <a:extLst>
+              <a:ext uri="{FF2B5EF4-FFF2-40B4-BE49-F238E27FC236}">
+                <a16:creationId xmlns:a16="http://schemas.microsoft.com/office/drawing/2014/main" id="{AC8D75F3-3C81-7B4C-2FDF-DA993B0B7AEB}"/>
+              </a:ext>
+            </a:extLst>
+          </p:cNvPr>
+          <p:cNvPicPr>
+            <a:picLocks noChangeAspect="1"/>
+          </p:cNvPicPr>
+          <p:nvPr/>
+        </p:nvPicPr>
+        <p:blipFill>
+          <a:blip r:embed="rId2"/>
+          <a:stretch>
+            <a:fillRect/>
+          </a:stretch>
+        </p:blipFill>
+        <p:spPr>
+          <a:xfrm>
+            <a:off x="1991275" y="3028590"/>
+            <a:ext cx="7734300" cy="2867025"/>
+          </a:xfrm>
+          <a:prstGeom prst="rect">
+            <a:avLst/>
+          </a:prstGeom>
+          <a:ln>
+            <a:solidFill>
+              <a:schemeClr val="tx1"/>
+            </a:solidFill>
+          </a:ln>
+        </p:spPr>
+      </p:pic>
+      <p:sp>
+        <p:nvSpPr>
+          <p:cNvPr id="8" name="Textfeld 7">
+            <a:extLst>
+              <a:ext uri="{FF2B5EF4-FFF2-40B4-BE49-F238E27FC236}">
+                <a16:creationId xmlns:a16="http://schemas.microsoft.com/office/drawing/2014/main" id="{6120FE39-AE56-C45C-0597-8D65A1A8CA03}"/>
+              </a:ext>
+            </a:extLst>
+          </p:cNvPr>
+          <p:cNvSpPr txBox="1"/>
+          <p:nvPr/>
+        </p:nvSpPr>
+        <p:spPr>
+          <a:xfrm>
+            <a:off x="1946779" y="5899964"/>
+            <a:ext cx="2933700" cy="276999"/>
+          </a:xfrm>
+          <a:prstGeom prst="rect">
+            <a:avLst/>
+          </a:prstGeom>
+          <a:noFill/>
+        </p:spPr>
+        <p:txBody>
+          <a:bodyPr wrap="square" rtlCol="0">
+            <a:spAutoFit/>
+          </a:bodyPr>
+          <a:lstStyle/>
+          <a:p>
+            <a:r>
+              <a:rPr lang="de-DE" sz="1200" i="1" dirty="0"/>
+              <a:t>Kennzahlen Logistische Regression</a:t>
+            </a:r>
+          </a:p>
+        </p:txBody>
+      </p:sp>
+    </p:spTree>
+    <p:extLst>
+      <p:ext uri="{BB962C8B-B14F-4D97-AF65-F5344CB8AC3E}">
+        <p14:creationId xmlns:p14="http://schemas.microsoft.com/office/powerpoint/2010/main" val="2314895977"/>
+      </p:ext>
+    </p:extLst>
+  </p:cSld>
+  <p:clrMapOvr>
+    <a:masterClrMapping/>
+  </p:clrMapOvr>
+</p:sld>
+</file>
+
+<file path=ppt/slides/slide17.xml><?xml version="1.0" encoding="utf-8"?>
+<p:sld xmlns:a="http://schemas.openxmlformats.org/drawingml/2006/main" xmlns:r="http://schemas.openxmlformats.org/officeDocument/2006/relationships" xmlns:p="http://schemas.openxmlformats.org/presentationml/2006/main" show="0">
+  <p:cSld>
+    <p:spTree>
+      <p:nvGrpSpPr>
+        <p:cNvPr id="1" name="">
+          <a:extLst>
+            <a:ext uri="{FF2B5EF4-FFF2-40B4-BE49-F238E27FC236}">
+              <a16:creationId xmlns:a16="http://schemas.microsoft.com/office/drawing/2014/main" id="{BD14CDF3-43B3-E1E7-15DD-67DD046AC4D3}"/>
+            </a:ext>
+          </a:extLst>
+        </p:cNvPr>
+        <p:cNvGrpSpPr/>
+        <p:nvPr/>
+      </p:nvGrpSpPr>
+      <p:grpSpPr>
+        <a:xfrm>
+          <a:off x="0" y="0"/>
+          <a:ext cx="0" cy="0"/>
+          <a:chOff x="0" y="0"/>
+          <a:chExt cx="0" cy="0"/>
+        </a:xfrm>
+      </p:grpSpPr>
+      <p:sp>
+        <p:nvSpPr>
+          <p:cNvPr id="2" name="Titel 1">
+            <a:extLst>
+              <a:ext uri="{FF2B5EF4-FFF2-40B4-BE49-F238E27FC236}">
+                <a16:creationId xmlns:a16="http://schemas.microsoft.com/office/drawing/2014/main" id="{F948E9D2-82FD-5C80-DDB5-790D84D06D5F}"/>
+              </a:ext>
+            </a:extLst>
+          </p:cNvPr>
+          <p:cNvSpPr>
+            <a:spLocks noGrp="1"/>
+          </p:cNvSpPr>
+          <p:nvPr>
+            <p:ph type="title"/>
+          </p:nvPr>
+        </p:nvSpPr>
+        <p:spPr/>
+        <p:txBody>
+          <a:bodyPr/>
+          <a:lstStyle/>
+          <a:p>
+            <a:r>
+              <a:rPr lang="en-US" dirty="0"/>
+              <a:t>Modeling - </a:t>
+            </a:r>
+            <a:r>
+              <a:rPr lang="en-US" dirty="0" err="1"/>
+              <a:t>Modellauswahl</a:t>
+            </a:r>
+            <a:endParaRPr lang="en-US" dirty="0"/>
+          </a:p>
+        </p:txBody>
+      </p:sp>
+      <p:sp>
+        <p:nvSpPr>
+          <p:cNvPr id="3" name="Inhaltsplatzhalter 2">
+            <a:extLst>
+              <a:ext uri="{FF2B5EF4-FFF2-40B4-BE49-F238E27FC236}">
+                <a16:creationId xmlns:a16="http://schemas.microsoft.com/office/drawing/2014/main" id="{316DEE4D-89D8-FC00-4C61-45B506BDC2DA}"/>
+              </a:ext>
+            </a:extLst>
+          </p:cNvPr>
+          <p:cNvSpPr>
+            <a:spLocks noGrp="1"/>
+          </p:cNvSpPr>
+          <p:nvPr>
+            <p:ph idx="1"/>
+          </p:nvPr>
+        </p:nvSpPr>
+        <p:spPr/>
+        <p:txBody>
+          <a:bodyPr/>
+          <a:lstStyle/>
+          <a:p>
+            <a:r>
+              <a:rPr lang="en-US" dirty="0" err="1"/>
+              <a:t>Erstellen</a:t>
+            </a:r>
+            <a:r>
+              <a:rPr lang="en-US" dirty="0"/>
+              <a:t> von </a:t>
+            </a:r>
+            <a:r>
+              <a:rPr lang="en-US" dirty="0" err="1"/>
+              <a:t>rollenden</a:t>
+            </a:r>
+            <a:r>
+              <a:rPr lang="en-US" dirty="0"/>
+              <a:t> </a:t>
+            </a:r>
+            <a:r>
+              <a:rPr lang="en-US" dirty="0" err="1"/>
+              <a:t>Mittelwerten</a:t>
+            </a:r>
+            <a:endParaRPr lang="en-US" dirty="0"/>
+          </a:p>
+          <a:p>
+            <a:r>
+              <a:rPr lang="en-US" dirty="0" err="1"/>
+              <a:t>Logistische</a:t>
+            </a:r>
+            <a:r>
+              <a:rPr lang="en-US" dirty="0"/>
+              <a:t> Regression</a:t>
+            </a:r>
+          </a:p>
+        </p:txBody>
+      </p:sp>
+      <p:sp>
+        <p:nvSpPr>
           <p:cNvPr id="5" name="Textfeld 4">
             <a:extLst>
               <a:ext uri="{FF2B5EF4-FFF2-40B4-BE49-F238E27FC236}">
-                <a16:creationId xmlns:a16="http://schemas.microsoft.com/office/drawing/2014/main" id="{C0D797B1-5B1C-6B0E-FFFC-DE261542EA99}"/>
+                <a16:creationId xmlns:a16="http://schemas.microsoft.com/office/drawing/2014/main" id="{340C760D-5730-7A23-AF12-EC17A0F8B41C}"/>
               </a:ext>
             </a:extLst>
           </p:cNvPr>
@@ -13000,7 +13241,7 @@
           <p:cNvPr id="4" name="Foliennummernplatzhalter 3">
             <a:extLst>
               <a:ext uri="{FF2B5EF4-FFF2-40B4-BE49-F238E27FC236}">
-                <a16:creationId xmlns:a16="http://schemas.microsoft.com/office/drawing/2014/main" id="{954A0D9F-62F1-0915-E630-7FE424BB5DBF}"/>
+                <a16:creationId xmlns:a16="http://schemas.microsoft.com/office/drawing/2014/main" id="{B33F3E7F-A059-F529-D712-EFEF12768228}"/>
               </a:ext>
             </a:extLst>
           </p:cNvPr>
@@ -13018,7 +13259,7 @@
           <a:p>
             <a:fld id="{C921D49C-F2C9-4773-B40D-55A32CD1AF58}" type="slidenum">
               <a:rPr lang="en-US" smtClean="0"/>
-              <a:t>16</a:t>
+              <a:t>17</a:t>
             </a:fld>
             <a:endParaRPr lang="en-US"/>
           </a:p>
@@ -13027,7 +13268,7 @@
     </p:spTree>
     <p:extLst>
       <p:ext uri="{BB962C8B-B14F-4D97-AF65-F5344CB8AC3E}">
-        <p14:creationId xmlns:p14="http://schemas.microsoft.com/office/powerpoint/2010/main" val="2314895977"/>
+        <p14:creationId xmlns:p14="http://schemas.microsoft.com/office/powerpoint/2010/main" val="401174690"/>
       </p:ext>
     </p:extLst>
   </p:cSld>
@@ -13037,7 +13278,7 @@
 </p:sld>
 </file>
 
-<file path=ppt/slides/slide17.xml><?xml version="1.0" encoding="utf-8"?>
+<file path=ppt/slides/slide18.xml><?xml version="1.0" encoding="utf-8"?>
 <p:sld xmlns:a="http://schemas.openxmlformats.org/drawingml/2006/main" xmlns:r="http://schemas.openxmlformats.org/officeDocument/2006/relationships" xmlns:p="http://schemas.openxmlformats.org/presentationml/2006/main">
   <p:cSld>
     <p:spTree>
@@ -13087,6 +13328,22 @@
             </a:r>
             <a:r>
               <a:rPr lang="en-US" dirty="0" err="1"/>
+              <a:t>Strukt</a:t>
+            </a:r>
+            <a:r>
+              <a:rPr lang="en-US" dirty="0"/>
+              <a:t>. </a:t>
+            </a:r>
+            <a:r>
+              <a:rPr lang="en-US" dirty="0" err="1"/>
+              <a:t>Daten</a:t>
+            </a:r>
+            <a:r>
+              <a:rPr lang="en-US" dirty="0"/>
+              <a:t> </a:t>
+            </a:r>
+            <a:r>
+              <a:rPr lang="en-US" dirty="0" err="1"/>
               <a:t>Modellauswahl</a:t>
             </a:r>
             <a:endParaRPr lang="en-US" dirty="0"/>
@@ -13147,10 +13404,230 @@
       </p:sp>
       <p:sp>
         <p:nvSpPr>
+          <p:cNvPr id="6" name="Foliennummernplatzhalter 5">
+            <a:extLst>
+              <a:ext uri="{FF2B5EF4-FFF2-40B4-BE49-F238E27FC236}">
+                <a16:creationId xmlns:a16="http://schemas.microsoft.com/office/drawing/2014/main" id="{840C7200-B540-06A1-BD7F-B7F82D830487}"/>
+              </a:ext>
+            </a:extLst>
+          </p:cNvPr>
+          <p:cNvSpPr>
+            <a:spLocks noGrp="1"/>
+          </p:cNvSpPr>
+          <p:nvPr>
+            <p:ph type="sldNum" sz="quarter" idx="12"/>
+          </p:nvPr>
+        </p:nvSpPr>
+        <p:spPr/>
+        <p:txBody>
+          <a:bodyPr/>
+          <a:lstStyle/>
+          <a:p>
+            <a:fld id="{C921D49C-F2C9-4773-B40D-55A32CD1AF58}" type="slidenum">
+              <a:rPr lang="en-US" smtClean="0"/>
+              <a:t>18</a:t>
+            </a:fld>
+            <a:endParaRPr lang="en-US"/>
+          </a:p>
+        </p:txBody>
+      </p:sp>
+      <p:pic>
+        <p:nvPicPr>
+          <p:cNvPr id="8" name="Grafik 7">
+            <a:extLst>
+              <a:ext uri="{FF2B5EF4-FFF2-40B4-BE49-F238E27FC236}">
+                <a16:creationId xmlns:a16="http://schemas.microsoft.com/office/drawing/2014/main" id="{F3D1582A-FD8B-FCF1-1AF1-3E270579D066}"/>
+              </a:ext>
+            </a:extLst>
+          </p:cNvPr>
+          <p:cNvPicPr>
+            <a:picLocks noChangeAspect="1"/>
+          </p:cNvPicPr>
+          <p:nvPr/>
+        </p:nvPicPr>
+        <p:blipFill>
+          <a:blip r:embed="rId2"/>
+          <a:stretch>
+            <a:fillRect/>
+          </a:stretch>
+        </p:blipFill>
+        <p:spPr>
+          <a:xfrm>
+            <a:off x="2271712" y="2802306"/>
+            <a:ext cx="7648575" cy="2990850"/>
+          </a:xfrm>
+          <a:prstGeom prst="rect">
+            <a:avLst/>
+          </a:prstGeom>
+          <a:ln w="19050">
+            <a:solidFill>
+              <a:schemeClr val="tx1"/>
+            </a:solidFill>
+          </a:ln>
+        </p:spPr>
+      </p:pic>
+      <p:sp>
+        <p:nvSpPr>
+          <p:cNvPr id="9" name="Textfeld 8">
+            <a:extLst>
+              <a:ext uri="{FF2B5EF4-FFF2-40B4-BE49-F238E27FC236}">
+                <a16:creationId xmlns:a16="http://schemas.microsoft.com/office/drawing/2014/main" id="{222F6B2E-3F7B-8265-F30C-D1003CFD72A6}"/>
+              </a:ext>
+            </a:extLst>
+          </p:cNvPr>
+          <p:cNvSpPr txBox="1"/>
+          <p:nvPr/>
+        </p:nvSpPr>
+        <p:spPr>
+          <a:xfrm>
+            <a:off x="2234645" y="5797753"/>
+            <a:ext cx="2933700" cy="276999"/>
+          </a:xfrm>
+          <a:prstGeom prst="rect">
+            <a:avLst/>
+          </a:prstGeom>
+          <a:noFill/>
+        </p:spPr>
+        <p:txBody>
+          <a:bodyPr wrap="square" rtlCol="0">
+            <a:spAutoFit/>
+          </a:bodyPr>
+          <a:lstStyle/>
+          <a:p>
+            <a:r>
+              <a:rPr lang="de-DE" sz="1200" i="1" dirty="0"/>
+              <a:t>Kennzahlen Random Forrest</a:t>
+            </a:r>
+          </a:p>
+        </p:txBody>
+      </p:sp>
+    </p:spTree>
+    <p:extLst>
+      <p:ext uri="{BB962C8B-B14F-4D97-AF65-F5344CB8AC3E}">
+        <p14:creationId xmlns:p14="http://schemas.microsoft.com/office/powerpoint/2010/main" val="1049719407"/>
+      </p:ext>
+    </p:extLst>
+  </p:cSld>
+  <p:clrMapOvr>
+    <a:masterClrMapping/>
+  </p:clrMapOvr>
+</p:sld>
+</file>
+
+<file path=ppt/slides/slide19.xml><?xml version="1.0" encoding="utf-8"?>
+<p:sld xmlns:a="http://schemas.openxmlformats.org/drawingml/2006/main" xmlns:r="http://schemas.openxmlformats.org/officeDocument/2006/relationships" xmlns:p="http://schemas.openxmlformats.org/presentationml/2006/main" show="0">
+  <p:cSld>
+    <p:spTree>
+      <p:nvGrpSpPr>
+        <p:cNvPr id="1" name="">
+          <a:extLst>
+            <a:ext uri="{FF2B5EF4-FFF2-40B4-BE49-F238E27FC236}">
+              <a16:creationId xmlns:a16="http://schemas.microsoft.com/office/drawing/2014/main" id="{104382DE-6EF6-5126-530C-8F359233CD4A}"/>
+            </a:ext>
+          </a:extLst>
+        </p:cNvPr>
+        <p:cNvGrpSpPr/>
+        <p:nvPr/>
+      </p:nvGrpSpPr>
+      <p:grpSpPr>
+        <a:xfrm>
+          <a:off x="0" y="0"/>
+          <a:ext cx="0" cy="0"/>
+          <a:chOff x="0" y="0"/>
+          <a:chExt cx="0" cy="0"/>
+        </a:xfrm>
+      </p:grpSpPr>
+      <p:sp>
+        <p:nvSpPr>
+          <p:cNvPr id="2" name="Titel 1">
+            <a:extLst>
+              <a:ext uri="{FF2B5EF4-FFF2-40B4-BE49-F238E27FC236}">
+                <a16:creationId xmlns:a16="http://schemas.microsoft.com/office/drawing/2014/main" id="{A94CDB2C-165F-F7AF-DDBE-6912F84FF8A4}"/>
+              </a:ext>
+            </a:extLst>
+          </p:cNvPr>
+          <p:cNvSpPr>
+            <a:spLocks noGrp="1"/>
+          </p:cNvSpPr>
+          <p:nvPr>
+            <p:ph type="title"/>
+          </p:nvPr>
+        </p:nvSpPr>
+        <p:spPr/>
+        <p:txBody>
+          <a:bodyPr/>
+          <a:lstStyle/>
+          <a:p>
+            <a:r>
+              <a:rPr lang="en-US" dirty="0"/>
+              <a:t>Modeling - </a:t>
+            </a:r>
+            <a:r>
+              <a:rPr lang="en-US" dirty="0" err="1"/>
+              <a:t>Modellauswahl</a:t>
+            </a:r>
+            <a:endParaRPr lang="en-US" dirty="0"/>
+          </a:p>
+        </p:txBody>
+      </p:sp>
+      <p:sp>
+        <p:nvSpPr>
+          <p:cNvPr id="3" name="Inhaltsplatzhalter 2">
+            <a:extLst>
+              <a:ext uri="{FF2B5EF4-FFF2-40B4-BE49-F238E27FC236}">
+                <a16:creationId xmlns:a16="http://schemas.microsoft.com/office/drawing/2014/main" id="{569B1049-97BE-2BD6-BC3C-F8A4995C1AA1}"/>
+              </a:ext>
+            </a:extLst>
+          </p:cNvPr>
+          <p:cNvSpPr>
+            <a:spLocks noGrp="1"/>
+          </p:cNvSpPr>
+          <p:nvPr>
+            <p:ph idx="1"/>
+          </p:nvPr>
+        </p:nvSpPr>
+        <p:spPr>
+          <a:xfrm>
+            <a:off x="838200" y="1825625"/>
+            <a:ext cx="4957233" cy="540808"/>
+          </a:xfrm>
+        </p:spPr>
+        <p:txBody>
+          <a:bodyPr/>
+          <a:lstStyle/>
+          <a:p>
+            <a:r>
+              <a:rPr lang="en-US" dirty="0"/>
+              <a:t>Random </a:t>
+            </a:r>
+            <a:r>
+              <a:rPr lang="en-US" dirty="0" err="1"/>
+              <a:t>forrest</a:t>
+            </a:r>
+            <a:r>
+              <a:rPr lang="en-US" dirty="0"/>
+              <a:t> </a:t>
+            </a:r>
+            <a:r>
+              <a:rPr lang="en-US" dirty="0" err="1"/>
+              <a:t>Algorithmus</a:t>
+            </a:r>
+            <a:endParaRPr lang="en-US" dirty="0"/>
+          </a:p>
+          <a:p>
+            <a:endParaRPr lang="en-US" dirty="0"/>
+          </a:p>
+          <a:p>
+            <a:endParaRPr lang="en-US" dirty="0"/>
+          </a:p>
+        </p:txBody>
+      </p:sp>
+      <p:sp>
+        <p:nvSpPr>
           <p:cNvPr id="4" name="Textfeld 3">
             <a:extLst>
               <a:ext uri="{FF2B5EF4-FFF2-40B4-BE49-F238E27FC236}">
-                <a16:creationId xmlns:a16="http://schemas.microsoft.com/office/drawing/2014/main" id="{DED72066-3C5A-EC0B-AB5E-6798169CDDE1}"/>
+                <a16:creationId xmlns:a16="http://schemas.microsoft.com/office/drawing/2014/main" id="{B854E459-D954-FA16-BAEF-C46F765247FA}"/>
               </a:ext>
             </a:extLst>
           </p:cNvPr>
@@ -13192,7 +13669,7 @@
           <p:cNvPr id="5" name="Textfeld 4">
             <a:extLst>
               <a:ext uri="{FF2B5EF4-FFF2-40B4-BE49-F238E27FC236}">
-                <a16:creationId xmlns:a16="http://schemas.microsoft.com/office/drawing/2014/main" id="{838E6478-7E67-5616-7DAB-2D1591654DF3}"/>
+                <a16:creationId xmlns:a16="http://schemas.microsoft.com/office/drawing/2014/main" id="{51CAA80C-E2F3-FC13-CCE3-3EC2451A5D8D}"/>
               </a:ext>
             </a:extLst>
           </p:cNvPr>
@@ -13324,7 +13801,7 @@
           <p:cNvPr id="6" name="Foliennummernplatzhalter 5">
             <a:extLst>
               <a:ext uri="{FF2B5EF4-FFF2-40B4-BE49-F238E27FC236}">
-                <a16:creationId xmlns:a16="http://schemas.microsoft.com/office/drawing/2014/main" id="{840C7200-B540-06A1-BD7F-B7F82D830487}"/>
+                <a16:creationId xmlns:a16="http://schemas.microsoft.com/office/drawing/2014/main" id="{A900E2F4-4609-3415-1737-AED5BB5A8B59}"/>
               </a:ext>
             </a:extLst>
           </p:cNvPr>
@@ -13342,7 +13819,7 @@
           <a:p>
             <a:fld id="{C921D49C-F2C9-4773-B40D-55A32CD1AF58}" type="slidenum">
               <a:rPr lang="en-US" smtClean="0"/>
-              <a:t>17</a:t>
+              <a:t>19</a:t>
             </a:fld>
             <a:endParaRPr lang="en-US"/>
           </a:p>
@@ -13351,463 +13828,7 @@
     </p:spTree>
     <p:extLst>
       <p:ext uri="{BB962C8B-B14F-4D97-AF65-F5344CB8AC3E}">
-        <p14:creationId xmlns:p14="http://schemas.microsoft.com/office/powerpoint/2010/main" val="1049719407"/>
-      </p:ext>
-    </p:extLst>
-  </p:cSld>
-  <p:clrMapOvr>
-    <a:masterClrMapping/>
-  </p:clrMapOvr>
-</p:sld>
-</file>
-
-<file path=ppt/slides/slide18.xml><?xml version="1.0" encoding="utf-8"?>
-<p:sld xmlns:a="http://schemas.openxmlformats.org/drawingml/2006/main" xmlns:r="http://schemas.openxmlformats.org/officeDocument/2006/relationships" xmlns:p="http://schemas.openxmlformats.org/presentationml/2006/main">
-  <p:cSld>
-    <p:spTree>
-      <p:nvGrpSpPr>
-        <p:cNvPr id="1" name="">
-          <a:extLst>
-            <a:ext uri="{FF2B5EF4-FFF2-40B4-BE49-F238E27FC236}">
-              <a16:creationId xmlns:a16="http://schemas.microsoft.com/office/drawing/2014/main" id="{0897E241-2815-C2AE-A134-2FEE5BC18A97}"/>
-            </a:ext>
-          </a:extLst>
-        </p:cNvPr>
-        <p:cNvGrpSpPr/>
-        <p:nvPr/>
-      </p:nvGrpSpPr>
-      <p:grpSpPr>
-        <a:xfrm>
-          <a:off x="0" y="0"/>
-          <a:ext cx="0" cy="0"/>
-          <a:chOff x="0" y="0"/>
-          <a:chExt cx="0" cy="0"/>
-        </a:xfrm>
-      </p:grpSpPr>
-      <p:sp>
-        <p:nvSpPr>
-          <p:cNvPr id="2" name="Titel 1">
-            <a:extLst>
-              <a:ext uri="{FF2B5EF4-FFF2-40B4-BE49-F238E27FC236}">
-                <a16:creationId xmlns:a16="http://schemas.microsoft.com/office/drawing/2014/main" id="{1B5EB2B8-4D6D-4A9B-0BFC-C37F3888FBD4}"/>
-              </a:ext>
-            </a:extLst>
-          </p:cNvPr>
-          <p:cNvSpPr>
-            <a:spLocks noGrp="1"/>
-          </p:cNvSpPr>
-          <p:nvPr>
-            <p:ph type="title"/>
-          </p:nvPr>
-        </p:nvSpPr>
-        <p:spPr/>
-        <p:txBody>
-          <a:bodyPr/>
-          <a:lstStyle/>
-          <a:p>
-            <a:r>
-              <a:rPr lang="en-US" dirty="0"/>
-              <a:t>Modeling - </a:t>
-            </a:r>
-            <a:r>
-              <a:rPr lang="en-US" dirty="0" err="1"/>
-              <a:t>Modellauswahl</a:t>
-            </a:r>
-            <a:endParaRPr lang="en-US" dirty="0"/>
-          </a:p>
-        </p:txBody>
-      </p:sp>
-      <p:sp>
-        <p:nvSpPr>
-          <p:cNvPr id="3" name="Inhaltsplatzhalter 2">
-            <a:extLst>
-              <a:ext uri="{FF2B5EF4-FFF2-40B4-BE49-F238E27FC236}">
-                <a16:creationId xmlns:a16="http://schemas.microsoft.com/office/drawing/2014/main" id="{B40A32BF-9525-3420-3DF6-4D31BC0E08F1}"/>
-              </a:ext>
-            </a:extLst>
-          </p:cNvPr>
-          <p:cNvSpPr>
-            <a:spLocks noGrp="1"/>
-          </p:cNvSpPr>
-          <p:nvPr>
-            <p:ph idx="1"/>
-          </p:nvPr>
-        </p:nvSpPr>
-        <p:spPr/>
-        <p:txBody>
-          <a:bodyPr/>
-          <a:lstStyle/>
-          <a:p>
-            <a:r>
-              <a:rPr lang="en-US" dirty="0" err="1"/>
-              <a:t>Betrachtung</a:t>
-            </a:r>
-            <a:r>
-              <a:rPr lang="en-US" dirty="0"/>
-              <a:t> der Feature Importance</a:t>
-            </a:r>
-          </a:p>
-        </p:txBody>
-      </p:sp>
-      <p:pic>
-        <p:nvPicPr>
-          <p:cNvPr id="5" name="Grafik 4">
-            <a:extLst>
-              <a:ext uri="{FF2B5EF4-FFF2-40B4-BE49-F238E27FC236}">
-                <a16:creationId xmlns:a16="http://schemas.microsoft.com/office/drawing/2014/main" id="{DF5C88B5-AB86-5056-D2A9-431074548A00}"/>
-              </a:ext>
-            </a:extLst>
-          </p:cNvPr>
-          <p:cNvPicPr>
-            <a:picLocks noChangeAspect="1"/>
-          </p:cNvPicPr>
-          <p:nvPr/>
-        </p:nvPicPr>
-        <p:blipFill>
-          <a:blip r:embed="rId2"/>
-          <a:stretch>
-            <a:fillRect/>
-          </a:stretch>
-        </p:blipFill>
-        <p:spPr>
-          <a:xfrm>
-            <a:off x="2378794" y="2525684"/>
-            <a:ext cx="6918600" cy="4013228"/>
-          </a:xfrm>
-          <a:prstGeom prst="rect">
-            <a:avLst/>
-          </a:prstGeom>
-        </p:spPr>
-      </p:pic>
-      <p:sp>
-        <p:nvSpPr>
-          <p:cNvPr id="4" name="Foliennummernplatzhalter 3">
-            <a:extLst>
-              <a:ext uri="{FF2B5EF4-FFF2-40B4-BE49-F238E27FC236}">
-                <a16:creationId xmlns:a16="http://schemas.microsoft.com/office/drawing/2014/main" id="{1E5DF504-98E4-CCF4-0877-321D98D2E2A7}"/>
-              </a:ext>
-            </a:extLst>
-          </p:cNvPr>
-          <p:cNvSpPr>
-            <a:spLocks noGrp="1"/>
-          </p:cNvSpPr>
-          <p:nvPr>
-            <p:ph type="sldNum" sz="quarter" idx="12"/>
-          </p:nvPr>
-        </p:nvSpPr>
-        <p:spPr/>
-        <p:txBody>
-          <a:bodyPr/>
-          <a:lstStyle/>
-          <a:p>
-            <a:fld id="{C921D49C-F2C9-4773-B40D-55A32CD1AF58}" type="slidenum">
-              <a:rPr lang="en-US" smtClean="0"/>
-              <a:t>18</a:t>
-            </a:fld>
-            <a:endParaRPr lang="en-US"/>
-          </a:p>
-        </p:txBody>
-      </p:sp>
-    </p:spTree>
-    <p:extLst>
-      <p:ext uri="{BB962C8B-B14F-4D97-AF65-F5344CB8AC3E}">
-        <p14:creationId xmlns:p14="http://schemas.microsoft.com/office/powerpoint/2010/main" val="82302342"/>
-      </p:ext>
-    </p:extLst>
-  </p:cSld>
-  <p:clrMapOvr>
-    <a:masterClrMapping/>
-  </p:clrMapOvr>
-</p:sld>
-</file>
-
-<file path=ppt/slides/slide19.xml><?xml version="1.0" encoding="utf-8"?>
-<p:sld xmlns:a="http://schemas.openxmlformats.org/drawingml/2006/main" xmlns:r="http://schemas.openxmlformats.org/officeDocument/2006/relationships" xmlns:p="http://schemas.openxmlformats.org/presentationml/2006/main">
-  <p:cSld>
-    <p:spTree>
-      <p:nvGrpSpPr>
-        <p:cNvPr id="1" name=""/>
-        <p:cNvGrpSpPr/>
-        <p:nvPr/>
-      </p:nvGrpSpPr>
-      <p:grpSpPr>
-        <a:xfrm>
-          <a:off x="0" y="0"/>
-          <a:ext cx="0" cy="0"/>
-          <a:chOff x="0" y="0"/>
-          <a:chExt cx="0" cy="0"/>
-        </a:xfrm>
-      </p:grpSpPr>
-      <p:sp>
-        <p:nvSpPr>
-          <p:cNvPr id="2" name="Titel 1">
-            <a:extLst>
-              <a:ext uri="{FF2B5EF4-FFF2-40B4-BE49-F238E27FC236}">
-                <a16:creationId xmlns:a16="http://schemas.microsoft.com/office/drawing/2014/main" id="{65CB0C3E-037F-A156-2883-28F2C9582A29}"/>
-              </a:ext>
-            </a:extLst>
-          </p:cNvPr>
-          <p:cNvSpPr>
-            <a:spLocks noGrp="1"/>
-          </p:cNvSpPr>
-          <p:nvPr>
-            <p:ph type="title"/>
-          </p:nvPr>
-        </p:nvSpPr>
-        <p:spPr/>
-        <p:txBody>
-          <a:bodyPr/>
-          <a:lstStyle/>
-          <a:p>
-            <a:r>
-              <a:rPr lang="de-DE" dirty="0"/>
-              <a:t>Log Daten Split</a:t>
-            </a:r>
-          </a:p>
-        </p:txBody>
-      </p:sp>
-      <p:sp>
-        <p:nvSpPr>
-          <p:cNvPr id="3" name="Inhaltsplatzhalter 2">
-            <a:extLst>
-              <a:ext uri="{FF2B5EF4-FFF2-40B4-BE49-F238E27FC236}">
-                <a16:creationId xmlns:a16="http://schemas.microsoft.com/office/drawing/2014/main" id="{C7DD3096-BA73-2A02-748F-FC2E6D867B53}"/>
-              </a:ext>
-            </a:extLst>
-          </p:cNvPr>
-          <p:cNvSpPr>
-            <a:spLocks noGrp="1"/>
-          </p:cNvSpPr>
-          <p:nvPr>
-            <p:ph idx="1"/>
-          </p:nvPr>
-        </p:nvSpPr>
-        <p:spPr/>
-        <p:txBody>
-          <a:bodyPr/>
-          <a:lstStyle/>
-          <a:p>
-            <a:r>
-              <a:rPr lang="de-DE" dirty="0"/>
-              <a:t>Die Daten wurden in Trainings- und </a:t>
-            </a:r>
-            <a:r>
-              <a:rPr lang="de-DE" dirty="0" err="1"/>
-              <a:t>Testsdaten</a:t>
-            </a:r>
-            <a:r>
-              <a:rPr lang="de-DE" dirty="0"/>
-              <a:t> im Verhältnis 80:20 geteilt</a:t>
-            </a:r>
-          </a:p>
-          <a:p>
-            <a:endParaRPr lang="de-DE" dirty="0"/>
-          </a:p>
-          <a:p>
-            <a:endParaRPr lang="de-DE" dirty="0"/>
-          </a:p>
-          <a:p>
-            <a:endParaRPr lang="de-DE" dirty="0"/>
-          </a:p>
-          <a:p>
-            <a:r>
-              <a:rPr lang="de-DE" dirty="0"/>
-              <a:t>Anschließend werden die Werte der </a:t>
-            </a:r>
-            <a:r>
-              <a:rPr lang="de-DE" dirty="0" err="1"/>
-              <a:t>Stem</a:t>
-            </a:r>
-            <a:r>
-              <a:rPr lang="de-DE" dirty="0"/>
-              <a:t> Spalte Vektorisiert, damit sie in der Analyse </a:t>
-            </a:r>
-            <a:r>
-              <a:rPr lang="de-DE" dirty="0" err="1"/>
-              <a:t>gneutzt</a:t>
-            </a:r>
-            <a:r>
-              <a:rPr lang="de-DE" dirty="0"/>
-              <a:t> werden können</a:t>
-            </a:r>
-          </a:p>
-          <a:p>
-            <a:pPr marL="0" indent="0">
-              <a:buNone/>
-            </a:pPr>
-            <a:endParaRPr lang="de-DE" dirty="0"/>
-          </a:p>
-          <a:p>
-            <a:endParaRPr lang="de-DE" dirty="0"/>
-          </a:p>
-          <a:p>
-            <a:endParaRPr lang="de-DE" dirty="0"/>
-          </a:p>
-        </p:txBody>
-      </p:sp>
-      <p:pic>
-        <p:nvPicPr>
-          <p:cNvPr id="7" name="Grafik 6">
-            <a:extLst>
-              <a:ext uri="{FF2B5EF4-FFF2-40B4-BE49-F238E27FC236}">
-                <a16:creationId xmlns:a16="http://schemas.microsoft.com/office/drawing/2014/main" id="{61ACF681-92AA-33FA-CBB9-88E87BE60C80}"/>
-              </a:ext>
-            </a:extLst>
-          </p:cNvPr>
-          <p:cNvPicPr>
-            <a:picLocks noChangeAspect="1"/>
-          </p:cNvPicPr>
-          <p:nvPr/>
-        </p:nvPicPr>
-        <p:blipFill>
-          <a:blip r:embed="rId2"/>
-          <a:stretch>
-            <a:fillRect/>
-          </a:stretch>
-        </p:blipFill>
-        <p:spPr>
-          <a:xfrm>
-            <a:off x="1095375" y="5048249"/>
-            <a:ext cx="5229225" cy="1445477"/>
-          </a:xfrm>
-          <a:prstGeom prst="rect">
-            <a:avLst/>
-          </a:prstGeom>
-        </p:spPr>
-      </p:pic>
-      <p:sp>
-        <p:nvSpPr>
-          <p:cNvPr id="9" name="Textfeld 8">
-            <a:extLst>
-              <a:ext uri="{FF2B5EF4-FFF2-40B4-BE49-F238E27FC236}">
-                <a16:creationId xmlns:a16="http://schemas.microsoft.com/office/drawing/2014/main" id="{76CDECC2-996D-0C44-1C6B-B001555582C6}"/>
-              </a:ext>
-            </a:extLst>
-          </p:cNvPr>
-          <p:cNvSpPr txBox="1"/>
-          <p:nvPr/>
-        </p:nvSpPr>
-        <p:spPr>
-          <a:xfrm>
-            <a:off x="1038225" y="6492875"/>
-            <a:ext cx="6096000" cy="246221"/>
-          </a:xfrm>
-          <a:prstGeom prst="rect">
-            <a:avLst/>
-          </a:prstGeom>
-          <a:noFill/>
-        </p:spPr>
-        <p:txBody>
-          <a:bodyPr wrap="square">
-            <a:spAutoFit/>
-          </a:bodyPr>
-          <a:lstStyle/>
-          <a:p>
-            <a:r>
-              <a:rPr lang="en-US" sz="1000" dirty="0"/>
-              <a:t>Quelle: https://scikit-learn.org/stable/modules/generated/sklearn.feature_extraction.text.TfidfVectorizer.html</a:t>
-            </a:r>
-          </a:p>
-        </p:txBody>
-      </p:sp>
-      <p:pic>
-        <p:nvPicPr>
-          <p:cNvPr id="11" name="Grafik 10">
-            <a:extLst>
-              <a:ext uri="{FF2B5EF4-FFF2-40B4-BE49-F238E27FC236}">
-                <a16:creationId xmlns:a16="http://schemas.microsoft.com/office/drawing/2014/main" id="{A0B2382A-F34A-47F1-F6B4-7D7D8EC6F1F4}"/>
-              </a:ext>
-            </a:extLst>
-          </p:cNvPr>
-          <p:cNvPicPr>
-            <a:picLocks noChangeAspect="1"/>
-          </p:cNvPicPr>
-          <p:nvPr/>
-        </p:nvPicPr>
-        <p:blipFill>
-          <a:blip r:embed="rId3"/>
-          <a:stretch>
-            <a:fillRect/>
-          </a:stretch>
-        </p:blipFill>
-        <p:spPr>
-          <a:xfrm>
-            <a:off x="1128712" y="2733674"/>
-            <a:ext cx="6840872" cy="1247775"/>
-          </a:xfrm>
-          <a:prstGeom prst="rect">
-            <a:avLst/>
-          </a:prstGeom>
-        </p:spPr>
-      </p:pic>
-      <p:sp>
-        <p:nvSpPr>
-          <p:cNvPr id="13" name="Textfeld 12">
-            <a:extLst>
-              <a:ext uri="{FF2B5EF4-FFF2-40B4-BE49-F238E27FC236}">
-                <a16:creationId xmlns:a16="http://schemas.microsoft.com/office/drawing/2014/main" id="{D760C95C-937A-D060-2B42-135595507850}"/>
-              </a:ext>
-            </a:extLst>
-          </p:cNvPr>
-          <p:cNvSpPr txBox="1"/>
-          <p:nvPr/>
-        </p:nvSpPr>
-        <p:spPr>
-          <a:xfrm>
-            <a:off x="1095375" y="3981449"/>
-            <a:ext cx="6096000" cy="246221"/>
-          </a:xfrm>
-          <a:prstGeom prst="rect">
-            <a:avLst/>
-          </a:prstGeom>
-          <a:noFill/>
-        </p:spPr>
-        <p:txBody>
-          <a:bodyPr wrap="square">
-            <a:spAutoFit/>
-          </a:bodyPr>
-          <a:lstStyle/>
-          <a:p>
-            <a:r>
-              <a:rPr lang="en-US" sz="1000" dirty="0"/>
-              <a:t>Quelle: https://scikit-learn.org/stable/model_selection.html</a:t>
-            </a:r>
-          </a:p>
-        </p:txBody>
-      </p:sp>
-      <p:sp>
-        <p:nvSpPr>
-          <p:cNvPr id="4" name="Foliennummernplatzhalter 3">
-            <a:extLst>
-              <a:ext uri="{FF2B5EF4-FFF2-40B4-BE49-F238E27FC236}">
-                <a16:creationId xmlns:a16="http://schemas.microsoft.com/office/drawing/2014/main" id="{ED329164-7915-4576-7A41-B2F1F5C3A953}"/>
-              </a:ext>
-            </a:extLst>
-          </p:cNvPr>
-          <p:cNvSpPr>
-            <a:spLocks noGrp="1"/>
-          </p:cNvSpPr>
-          <p:nvPr>
-            <p:ph type="sldNum" sz="quarter" idx="12"/>
-          </p:nvPr>
-        </p:nvSpPr>
-        <p:spPr/>
-        <p:txBody>
-          <a:bodyPr/>
-          <a:lstStyle/>
-          <a:p>
-            <a:fld id="{C921D49C-F2C9-4773-B40D-55A32CD1AF58}" type="slidenum">
-              <a:rPr lang="en-US" smtClean="0"/>
-              <a:t>19</a:t>
-            </a:fld>
-            <a:endParaRPr lang="en-US"/>
-          </a:p>
-        </p:txBody>
-      </p:sp>
-    </p:spTree>
-    <p:extLst>
-      <p:ext uri="{BB962C8B-B14F-4D97-AF65-F5344CB8AC3E}">
-        <p14:creationId xmlns:p14="http://schemas.microsoft.com/office/powerpoint/2010/main" val="1007533382"/>
+        <p14:creationId xmlns:p14="http://schemas.microsoft.com/office/powerpoint/2010/main" val="355018428"/>
       </p:ext>
     </p:extLst>
   </p:cSld>
@@ -14004,6 +14025,799 @@
         <p:cNvPr id="1" name="">
           <a:extLst>
             <a:ext uri="{FF2B5EF4-FFF2-40B4-BE49-F238E27FC236}">
+              <a16:creationId xmlns:a16="http://schemas.microsoft.com/office/drawing/2014/main" id="{0897E241-2815-C2AE-A134-2FEE5BC18A97}"/>
+            </a:ext>
+          </a:extLst>
+        </p:cNvPr>
+        <p:cNvGrpSpPr/>
+        <p:nvPr/>
+      </p:nvGrpSpPr>
+      <p:grpSpPr>
+        <a:xfrm>
+          <a:off x="0" y="0"/>
+          <a:ext cx="0" cy="0"/>
+          <a:chOff x="0" y="0"/>
+          <a:chExt cx="0" cy="0"/>
+        </a:xfrm>
+      </p:grpSpPr>
+      <p:sp>
+        <p:nvSpPr>
+          <p:cNvPr id="2" name="Titel 1">
+            <a:extLst>
+              <a:ext uri="{FF2B5EF4-FFF2-40B4-BE49-F238E27FC236}">
+                <a16:creationId xmlns:a16="http://schemas.microsoft.com/office/drawing/2014/main" id="{1B5EB2B8-4D6D-4A9B-0BFC-C37F3888FBD4}"/>
+              </a:ext>
+            </a:extLst>
+          </p:cNvPr>
+          <p:cNvSpPr>
+            <a:spLocks noGrp="1"/>
+          </p:cNvSpPr>
+          <p:nvPr>
+            <p:ph type="title"/>
+          </p:nvPr>
+        </p:nvSpPr>
+        <p:spPr/>
+        <p:txBody>
+          <a:bodyPr/>
+          <a:lstStyle/>
+          <a:p>
+            <a:r>
+              <a:rPr lang="en-US" dirty="0"/>
+              <a:t>Modeling - </a:t>
+            </a:r>
+            <a:r>
+              <a:rPr lang="en-US" dirty="0" err="1"/>
+              <a:t>Strukt</a:t>
+            </a:r>
+            <a:r>
+              <a:rPr lang="en-US" dirty="0"/>
+              <a:t>. </a:t>
+            </a:r>
+            <a:r>
+              <a:rPr lang="en-US" dirty="0" err="1"/>
+              <a:t>Daten</a:t>
+            </a:r>
+            <a:r>
+              <a:rPr lang="en-US" dirty="0"/>
+              <a:t> </a:t>
+            </a:r>
+            <a:r>
+              <a:rPr lang="en-US" dirty="0" err="1"/>
+              <a:t>Modellauswahl</a:t>
+            </a:r>
+            <a:endParaRPr lang="en-US" dirty="0"/>
+          </a:p>
+        </p:txBody>
+      </p:sp>
+      <p:sp>
+        <p:nvSpPr>
+          <p:cNvPr id="3" name="Inhaltsplatzhalter 2">
+            <a:extLst>
+              <a:ext uri="{FF2B5EF4-FFF2-40B4-BE49-F238E27FC236}">
+                <a16:creationId xmlns:a16="http://schemas.microsoft.com/office/drawing/2014/main" id="{B40A32BF-9525-3420-3DF6-4D31BC0E08F1}"/>
+              </a:ext>
+            </a:extLst>
+          </p:cNvPr>
+          <p:cNvSpPr>
+            <a:spLocks noGrp="1"/>
+          </p:cNvSpPr>
+          <p:nvPr>
+            <p:ph idx="1"/>
+          </p:nvPr>
+        </p:nvSpPr>
+        <p:spPr>
+          <a:xfrm>
+            <a:off x="838200" y="1825625"/>
+            <a:ext cx="10515600" cy="436230"/>
+          </a:xfrm>
+        </p:spPr>
+        <p:txBody>
+          <a:bodyPr>
+            <a:normAutofit fontScale="92500" lnSpcReduction="10000"/>
+          </a:bodyPr>
+          <a:lstStyle/>
+          <a:p>
+            <a:pPr marL="0" indent="0">
+              <a:buNone/>
+            </a:pPr>
+            <a:r>
+              <a:rPr lang="en-US" dirty="0" err="1"/>
+              <a:t>Betrachtung</a:t>
+            </a:r>
+            <a:r>
+              <a:rPr lang="en-US" dirty="0"/>
+              <a:t> der Feature Importance:</a:t>
+            </a:r>
+          </a:p>
+        </p:txBody>
+      </p:sp>
+      <p:sp>
+        <p:nvSpPr>
+          <p:cNvPr id="4" name="Foliennummernplatzhalter 3">
+            <a:extLst>
+              <a:ext uri="{FF2B5EF4-FFF2-40B4-BE49-F238E27FC236}">
+                <a16:creationId xmlns:a16="http://schemas.microsoft.com/office/drawing/2014/main" id="{1E5DF504-98E4-CCF4-0877-321D98D2E2A7}"/>
+              </a:ext>
+            </a:extLst>
+          </p:cNvPr>
+          <p:cNvSpPr>
+            <a:spLocks noGrp="1"/>
+          </p:cNvSpPr>
+          <p:nvPr>
+            <p:ph type="sldNum" sz="quarter" idx="12"/>
+          </p:nvPr>
+        </p:nvSpPr>
+        <p:spPr/>
+        <p:txBody>
+          <a:bodyPr/>
+          <a:lstStyle/>
+          <a:p>
+            <a:fld id="{C921D49C-F2C9-4773-B40D-55A32CD1AF58}" type="slidenum">
+              <a:rPr lang="en-US" smtClean="0"/>
+              <a:t>20</a:t>
+            </a:fld>
+            <a:endParaRPr lang="en-US"/>
+          </a:p>
+        </p:txBody>
+      </p:sp>
+      <p:pic>
+        <p:nvPicPr>
+          <p:cNvPr id="7" name="Grafik 6">
+            <a:extLst>
+              <a:ext uri="{FF2B5EF4-FFF2-40B4-BE49-F238E27FC236}">
+                <a16:creationId xmlns:a16="http://schemas.microsoft.com/office/drawing/2014/main" id="{02C9BF1E-48E0-0380-41BC-EFADF3F4B626}"/>
+              </a:ext>
+            </a:extLst>
+          </p:cNvPr>
+          <p:cNvPicPr>
+            <a:picLocks noChangeAspect="1"/>
+          </p:cNvPicPr>
+          <p:nvPr/>
+        </p:nvPicPr>
+        <p:blipFill>
+          <a:blip r:embed="rId2"/>
+          <a:stretch>
+            <a:fillRect/>
+          </a:stretch>
+        </p:blipFill>
+        <p:spPr>
+          <a:xfrm>
+            <a:off x="2700866" y="2261855"/>
+            <a:ext cx="5751653" cy="3478878"/>
+          </a:xfrm>
+          <a:prstGeom prst="rect">
+            <a:avLst/>
+          </a:prstGeom>
+        </p:spPr>
+      </p:pic>
+      <p:sp>
+        <p:nvSpPr>
+          <p:cNvPr id="8" name="Textfeld 7">
+            <a:extLst>
+              <a:ext uri="{FF2B5EF4-FFF2-40B4-BE49-F238E27FC236}">
+                <a16:creationId xmlns:a16="http://schemas.microsoft.com/office/drawing/2014/main" id="{6E9EA181-C938-F3F0-0A84-5711F27F4A9B}"/>
+              </a:ext>
+            </a:extLst>
+          </p:cNvPr>
+          <p:cNvSpPr txBox="1"/>
+          <p:nvPr/>
+        </p:nvSpPr>
+        <p:spPr>
+          <a:xfrm>
+            <a:off x="2785533" y="5691927"/>
+            <a:ext cx="2933700" cy="276999"/>
+          </a:xfrm>
+          <a:prstGeom prst="rect">
+            <a:avLst/>
+          </a:prstGeom>
+          <a:noFill/>
+        </p:spPr>
+        <p:txBody>
+          <a:bodyPr wrap="square" rtlCol="0">
+            <a:spAutoFit/>
+          </a:bodyPr>
+          <a:lstStyle/>
+          <a:p>
+            <a:r>
+              <a:rPr lang="de-DE" sz="1200" i="1" dirty="0"/>
+              <a:t>Feature </a:t>
+            </a:r>
+            <a:r>
+              <a:rPr lang="de-DE" sz="1200" i="1" dirty="0" err="1"/>
+              <a:t>Importance</a:t>
+            </a:r>
+            <a:r>
+              <a:rPr lang="de-DE" sz="1200" i="1" dirty="0"/>
+              <a:t> Random Forrest</a:t>
+            </a:r>
+          </a:p>
+        </p:txBody>
+      </p:sp>
+      <p:sp>
+        <p:nvSpPr>
+          <p:cNvPr id="9" name="Inhaltsplatzhalter 2">
+            <a:extLst>
+              <a:ext uri="{FF2B5EF4-FFF2-40B4-BE49-F238E27FC236}">
+                <a16:creationId xmlns:a16="http://schemas.microsoft.com/office/drawing/2014/main" id="{9A1A05C3-A270-FEFB-AEA1-CE7FC80C3BD7}"/>
+              </a:ext>
+            </a:extLst>
+          </p:cNvPr>
+          <p:cNvSpPr txBox="1">
+            <a:spLocks/>
+          </p:cNvSpPr>
+          <p:nvPr/>
+        </p:nvSpPr>
+        <p:spPr>
+          <a:xfrm>
+            <a:off x="838200" y="6176963"/>
+            <a:ext cx="10515600" cy="436230"/>
+          </a:xfrm>
+          <a:prstGeom prst="rect">
+            <a:avLst/>
+          </a:prstGeom>
+        </p:spPr>
+        <p:txBody>
+          <a:bodyPr vert="horz" lIns="91440" tIns="45720" rIns="91440" bIns="45720" rtlCol="0">
+            <a:normAutofit fontScale="92500" lnSpcReduction="10000"/>
+          </a:bodyPr>
+          <a:lstStyle>
+            <a:lvl1pPr marL="228600" indent="-228600" algn="l" defTabSz="914400" rtl="0" eaLnBrk="1" latinLnBrk="0" hangingPunct="1">
+              <a:lnSpc>
+                <a:spcPct val="90000"/>
+              </a:lnSpc>
+              <a:spcBef>
+                <a:spcPts val="1000"/>
+              </a:spcBef>
+              <a:buFont typeface="Arial" panose="020B0604020202020204" pitchFamily="34" charset="0"/>
+              <a:buChar char="•"/>
+              <a:defRPr sz="2800" kern="1200">
+                <a:solidFill>
+                  <a:schemeClr val="tx1"/>
+                </a:solidFill>
+                <a:latin typeface="+mn-lt"/>
+                <a:ea typeface="+mn-ea"/>
+                <a:cs typeface="+mn-cs"/>
+              </a:defRPr>
+            </a:lvl1pPr>
+            <a:lvl2pPr marL="685800" indent="-228600" algn="l" defTabSz="914400" rtl="0" eaLnBrk="1" latinLnBrk="0" hangingPunct="1">
+              <a:lnSpc>
+                <a:spcPct val="90000"/>
+              </a:lnSpc>
+              <a:spcBef>
+                <a:spcPts val="500"/>
+              </a:spcBef>
+              <a:buFont typeface="Arial" panose="020B0604020202020204" pitchFamily="34" charset="0"/>
+              <a:buChar char="•"/>
+              <a:defRPr sz="2400" kern="1200">
+                <a:solidFill>
+                  <a:schemeClr val="tx1"/>
+                </a:solidFill>
+                <a:latin typeface="+mn-lt"/>
+                <a:ea typeface="+mn-ea"/>
+                <a:cs typeface="+mn-cs"/>
+              </a:defRPr>
+            </a:lvl2pPr>
+            <a:lvl3pPr marL="1143000" indent="-228600" algn="l" defTabSz="914400" rtl="0" eaLnBrk="1" latinLnBrk="0" hangingPunct="1">
+              <a:lnSpc>
+                <a:spcPct val="90000"/>
+              </a:lnSpc>
+              <a:spcBef>
+                <a:spcPts val="500"/>
+              </a:spcBef>
+              <a:buFont typeface="Arial" panose="020B0604020202020204" pitchFamily="34" charset="0"/>
+              <a:buChar char="•"/>
+              <a:defRPr sz="2000" kern="1200">
+                <a:solidFill>
+                  <a:schemeClr val="tx1"/>
+                </a:solidFill>
+                <a:latin typeface="+mn-lt"/>
+                <a:ea typeface="+mn-ea"/>
+                <a:cs typeface="+mn-cs"/>
+              </a:defRPr>
+            </a:lvl3pPr>
+            <a:lvl4pPr marL="1600200" indent="-228600" algn="l" defTabSz="914400" rtl="0" eaLnBrk="1" latinLnBrk="0" hangingPunct="1">
+              <a:lnSpc>
+                <a:spcPct val="90000"/>
+              </a:lnSpc>
+              <a:spcBef>
+                <a:spcPts val="500"/>
+              </a:spcBef>
+              <a:buFont typeface="Arial" panose="020B0604020202020204" pitchFamily="34" charset="0"/>
+              <a:buChar char="•"/>
+              <a:defRPr sz="1800" kern="1200">
+                <a:solidFill>
+                  <a:schemeClr val="tx1"/>
+                </a:solidFill>
+                <a:latin typeface="+mn-lt"/>
+                <a:ea typeface="+mn-ea"/>
+                <a:cs typeface="+mn-cs"/>
+              </a:defRPr>
+            </a:lvl4pPr>
+            <a:lvl5pPr marL="2057400" indent="-228600" algn="l" defTabSz="914400" rtl="0" eaLnBrk="1" latinLnBrk="0" hangingPunct="1">
+              <a:lnSpc>
+                <a:spcPct val="90000"/>
+              </a:lnSpc>
+              <a:spcBef>
+                <a:spcPts val="500"/>
+              </a:spcBef>
+              <a:buFont typeface="Arial" panose="020B0604020202020204" pitchFamily="34" charset="0"/>
+              <a:buChar char="•"/>
+              <a:defRPr sz="1800" kern="1200">
+                <a:solidFill>
+                  <a:schemeClr val="tx1"/>
+                </a:solidFill>
+                <a:latin typeface="+mn-lt"/>
+                <a:ea typeface="+mn-ea"/>
+                <a:cs typeface="+mn-cs"/>
+              </a:defRPr>
+            </a:lvl5pPr>
+            <a:lvl6pPr marL="2514600" indent="-228600" algn="l" defTabSz="914400" rtl="0" eaLnBrk="1" latinLnBrk="0" hangingPunct="1">
+              <a:lnSpc>
+                <a:spcPct val="90000"/>
+              </a:lnSpc>
+              <a:spcBef>
+                <a:spcPts val="500"/>
+              </a:spcBef>
+              <a:buFont typeface="Arial" panose="020B0604020202020204" pitchFamily="34" charset="0"/>
+              <a:buChar char="•"/>
+              <a:defRPr sz="1800" kern="1200">
+                <a:solidFill>
+                  <a:schemeClr val="tx1"/>
+                </a:solidFill>
+                <a:latin typeface="+mn-lt"/>
+                <a:ea typeface="+mn-ea"/>
+                <a:cs typeface="+mn-cs"/>
+              </a:defRPr>
+            </a:lvl6pPr>
+            <a:lvl7pPr marL="2971800" indent="-228600" algn="l" defTabSz="914400" rtl="0" eaLnBrk="1" latinLnBrk="0" hangingPunct="1">
+              <a:lnSpc>
+                <a:spcPct val="90000"/>
+              </a:lnSpc>
+              <a:spcBef>
+                <a:spcPts val="500"/>
+              </a:spcBef>
+              <a:buFont typeface="Arial" panose="020B0604020202020204" pitchFamily="34" charset="0"/>
+              <a:buChar char="•"/>
+              <a:defRPr sz="1800" kern="1200">
+                <a:solidFill>
+                  <a:schemeClr val="tx1"/>
+                </a:solidFill>
+                <a:latin typeface="+mn-lt"/>
+                <a:ea typeface="+mn-ea"/>
+                <a:cs typeface="+mn-cs"/>
+              </a:defRPr>
+            </a:lvl7pPr>
+            <a:lvl8pPr marL="3429000" indent="-228600" algn="l" defTabSz="914400" rtl="0" eaLnBrk="1" latinLnBrk="0" hangingPunct="1">
+              <a:lnSpc>
+                <a:spcPct val="90000"/>
+              </a:lnSpc>
+              <a:spcBef>
+                <a:spcPts val="500"/>
+              </a:spcBef>
+              <a:buFont typeface="Arial" panose="020B0604020202020204" pitchFamily="34" charset="0"/>
+              <a:buChar char="•"/>
+              <a:defRPr sz="1800" kern="1200">
+                <a:solidFill>
+                  <a:schemeClr val="tx1"/>
+                </a:solidFill>
+                <a:latin typeface="+mn-lt"/>
+                <a:ea typeface="+mn-ea"/>
+                <a:cs typeface="+mn-cs"/>
+              </a:defRPr>
+            </a:lvl8pPr>
+            <a:lvl9pPr marL="3886200" indent="-228600" algn="l" defTabSz="914400" rtl="0" eaLnBrk="1" latinLnBrk="0" hangingPunct="1">
+              <a:lnSpc>
+                <a:spcPct val="90000"/>
+              </a:lnSpc>
+              <a:spcBef>
+                <a:spcPts val="500"/>
+              </a:spcBef>
+              <a:buFont typeface="Arial" panose="020B0604020202020204" pitchFamily="34" charset="0"/>
+              <a:buChar char="•"/>
+              <a:defRPr sz="1800" kern="1200">
+                <a:solidFill>
+                  <a:schemeClr val="tx1"/>
+                </a:solidFill>
+                <a:latin typeface="+mn-lt"/>
+                <a:ea typeface="+mn-ea"/>
+                <a:cs typeface="+mn-cs"/>
+              </a:defRPr>
+            </a:lvl9pPr>
+          </a:lstStyle>
+          <a:p>
+            <a:pPr marL="0" indent="0">
+              <a:buFont typeface="Arial" panose="020B0604020202020204" pitchFamily="34" charset="0"/>
+              <a:buNone/>
+            </a:pPr>
+            <a:r>
+              <a:rPr lang="en-US" dirty="0"/>
+              <a:t>Die </a:t>
+            </a:r>
+            <a:r>
+              <a:rPr lang="en-US" dirty="0" err="1"/>
+              <a:t>genutzten</a:t>
+            </a:r>
+            <a:r>
+              <a:rPr lang="en-US" dirty="0"/>
+              <a:t> Features </a:t>
+            </a:r>
+            <a:r>
+              <a:rPr lang="en-US" dirty="0" err="1"/>
+              <a:t>sind</a:t>
+            </a:r>
+            <a:r>
+              <a:rPr lang="en-US" dirty="0"/>
+              <a:t> </a:t>
+            </a:r>
+            <a:r>
+              <a:rPr lang="en-US" dirty="0" err="1"/>
+              <a:t>ähnlich</a:t>
+            </a:r>
+            <a:r>
+              <a:rPr lang="en-US" dirty="0"/>
+              <a:t> </a:t>
+            </a:r>
+            <a:r>
+              <a:rPr lang="en-US" dirty="0" err="1"/>
+              <a:t>wichtig</a:t>
+            </a:r>
+            <a:r>
+              <a:rPr lang="en-US" dirty="0"/>
+              <a:t> -&gt; </a:t>
+            </a:r>
+            <a:r>
+              <a:rPr lang="en-US" dirty="0" err="1"/>
+              <a:t>Werden</a:t>
+            </a:r>
+            <a:r>
+              <a:rPr lang="en-US" dirty="0"/>
+              <a:t> alle </a:t>
+            </a:r>
+            <a:r>
+              <a:rPr lang="en-US" dirty="0" err="1"/>
+              <a:t>berücksichtigt</a:t>
+            </a:r>
+            <a:endParaRPr lang="en-US" dirty="0"/>
+          </a:p>
+        </p:txBody>
+      </p:sp>
+    </p:spTree>
+    <p:extLst>
+      <p:ext uri="{BB962C8B-B14F-4D97-AF65-F5344CB8AC3E}">
+        <p14:creationId xmlns:p14="http://schemas.microsoft.com/office/powerpoint/2010/main" val="82302342"/>
+      </p:ext>
+    </p:extLst>
+  </p:cSld>
+  <p:clrMapOvr>
+    <a:masterClrMapping/>
+  </p:clrMapOvr>
+</p:sld>
+</file>
+
+<file path=ppt/slides/slide21.xml><?xml version="1.0" encoding="utf-8"?>
+<p:sld xmlns:a="http://schemas.openxmlformats.org/drawingml/2006/main" xmlns:r="http://schemas.openxmlformats.org/officeDocument/2006/relationships" xmlns:p="http://schemas.openxmlformats.org/presentationml/2006/main">
+  <p:cSld>
+    <p:spTree>
+      <p:nvGrpSpPr>
+        <p:cNvPr id="1" name=""/>
+        <p:cNvGrpSpPr/>
+        <p:nvPr/>
+      </p:nvGrpSpPr>
+      <p:grpSpPr>
+        <a:xfrm>
+          <a:off x="0" y="0"/>
+          <a:ext cx="0" cy="0"/>
+          <a:chOff x="0" y="0"/>
+          <a:chExt cx="0" cy="0"/>
+        </a:xfrm>
+      </p:grpSpPr>
+      <p:sp>
+        <p:nvSpPr>
+          <p:cNvPr id="2" name="Titel 1">
+            <a:extLst>
+              <a:ext uri="{FF2B5EF4-FFF2-40B4-BE49-F238E27FC236}">
+                <a16:creationId xmlns:a16="http://schemas.microsoft.com/office/drawing/2014/main" id="{65CB0C3E-037F-A156-2883-28F2C9582A29}"/>
+              </a:ext>
+            </a:extLst>
+          </p:cNvPr>
+          <p:cNvSpPr>
+            <a:spLocks noGrp="1"/>
+          </p:cNvSpPr>
+          <p:nvPr>
+            <p:ph type="title"/>
+          </p:nvPr>
+        </p:nvSpPr>
+        <p:spPr/>
+        <p:txBody>
+          <a:bodyPr/>
+          <a:lstStyle/>
+          <a:p>
+            <a:r>
+              <a:rPr lang="de-DE" dirty="0"/>
+              <a:t>Modeling - </a:t>
+            </a:r>
+            <a:r>
+              <a:rPr lang="en-US" dirty="0" err="1"/>
+              <a:t>Unstrukt</a:t>
+            </a:r>
+            <a:r>
+              <a:rPr lang="en-US" dirty="0"/>
+              <a:t>. </a:t>
+            </a:r>
+            <a:r>
+              <a:rPr lang="en-US" dirty="0" err="1"/>
+              <a:t>Daten</a:t>
+            </a:r>
+            <a:r>
+              <a:rPr lang="en-US" dirty="0"/>
+              <a:t> </a:t>
+            </a:r>
+            <a:r>
+              <a:rPr lang="de-DE" dirty="0"/>
+              <a:t>Log Daten Split</a:t>
+            </a:r>
+          </a:p>
+        </p:txBody>
+      </p:sp>
+      <p:sp>
+        <p:nvSpPr>
+          <p:cNvPr id="3" name="Inhaltsplatzhalter 2">
+            <a:extLst>
+              <a:ext uri="{FF2B5EF4-FFF2-40B4-BE49-F238E27FC236}">
+                <a16:creationId xmlns:a16="http://schemas.microsoft.com/office/drawing/2014/main" id="{C7DD3096-BA73-2A02-748F-FC2E6D867B53}"/>
+              </a:ext>
+            </a:extLst>
+          </p:cNvPr>
+          <p:cNvSpPr>
+            <a:spLocks noGrp="1"/>
+          </p:cNvSpPr>
+          <p:nvPr>
+            <p:ph idx="1"/>
+          </p:nvPr>
+        </p:nvSpPr>
+        <p:spPr/>
+        <p:txBody>
+          <a:bodyPr/>
+          <a:lstStyle/>
+          <a:p>
+            <a:r>
+              <a:rPr lang="de-DE" dirty="0"/>
+              <a:t>Die Daten wurden in Trainings- und </a:t>
+            </a:r>
+            <a:r>
+              <a:rPr lang="de-DE" dirty="0" err="1"/>
+              <a:t>Testsdaten</a:t>
+            </a:r>
+            <a:r>
+              <a:rPr lang="de-DE" dirty="0"/>
+              <a:t> im Verhältnis 80:20 geteilt</a:t>
+            </a:r>
+          </a:p>
+          <a:p>
+            <a:endParaRPr lang="de-DE" dirty="0"/>
+          </a:p>
+          <a:p>
+            <a:endParaRPr lang="de-DE" dirty="0"/>
+          </a:p>
+          <a:p>
+            <a:endParaRPr lang="de-DE" dirty="0"/>
+          </a:p>
+          <a:p>
+            <a:r>
+              <a:rPr lang="de-DE" dirty="0"/>
+              <a:t>Anschließend werden die Werte der </a:t>
+            </a:r>
+            <a:r>
+              <a:rPr lang="de-DE" dirty="0" err="1"/>
+              <a:t>Stem</a:t>
+            </a:r>
+            <a:r>
+              <a:rPr lang="de-DE" dirty="0"/>
+              <a:t> Spalte Vektorisiert, damit sie in der Analyse </a:t>
+            </a:r>
+            <a:r>
+              <a:rPr lang="de-DE" dirty="0" err="1"/>
+              <a:t>gnutzt</a:t>
+            </a:r>
+            <a:r>
+              <a:rPr lang="de-DE" dirty="0"/>
+              <a:t> werden können</a:t>
+            </a:r>
+          </a:p>
+          <a:p>
+            <a:pPr marL="0" indent="0">
+              <a:buNone/>
+            </a:pPr>
+            <a:endParaRPr lang="de-DE" dirty="0"/>
+          </a:p>
+          <a:p>
+            <a:endParaRPr lang="de-DE" dirty="0"/>
+          </a:p>
+          <a:p>
+            <a:endParaRPr lang="de-DE" dirty="0"/>
+          </a:p>
+        </p:txBody>
+      </p:sp>
+      <p:pic>
+        <p:nvPicPr>
+          <p:cNvPr id="7" name="Grafik 6">
+            <a:extLst>
+              <a:ext uri="{FF2B5EF4-FFF2-40B4-BE49-F238E27FC236}">
+                <a16:creationId xmlns:a16="http://schemas.microsoft.com/office/drawing/2014/main" id="{61ACF681-92AA-33FA-CBB9-88E87BE60C80}"/>
+              </a:ext>
+            </a:extLst>
+          </p:cNvPr>
+          <p:cNvPicPr>
+            <a:picLocks noChangeAspect="1"/>
+          </p:cNvPicPr>
+          <p:nvPr/>
+        </p:nvPicPr>
+        <p:blipFill>
+          <a:blip r:embed="rId2"/>
+          <a:stretch>
+            <a:fillRect/>
+          </a:stretch>
+        </p:blipFill>
+        <p:spPr>
+          <a:xfrm>
+            <a:off x="1095375" y="5048249"/>
+            <a:ext cx="5229225" cy="1445477"/>
+          </a:xfrm>
+          <a:prstGeom prst="rect">
+            <a:avLst/>
+          </a:prstGeom>
+        </p:spPr>
+      </p:pic>
+      <p:sp>
+        <p:nvSpPr>
+          <p:cNvPr id="9" name="Textfeld 8">
+            <a:extLst>
+              <a:ext uri="{FF2B5EF4-FFF2-40B4-BE49-F238E27FC236}">
+                <a16:creationId xmlns:a16="http://schemas.microsoft.com/office/drawing/2014/main" id="{76CDECC2-996D-0C44-1C6B-B001555582C6}"/>
+              </a:ext>
+            </a:extLst>
+          </p:cNvPr>
+          <p:cNvSpPr txBox="1"/>
+          <p:nvPr/>
+        </p:nvSpPr>
+        <p:spPr>
+          <a:xfrm>
+            <a:off x="1038225" y="6492875"/>
+            <a:ext cx="6096000" cy="246221"/>
+          </a:xfrm>
+          <a:prstGeom prst="rect">
+            <a:avLst/>
+          </a:prstGeom>
+          <a:noFill/>
+        </p:spPr>
+        <p:txBody>
+          <a:bodyPr wrap="square">
+            <a:spAutoFit/>
+          </a:bodyPr>
+          <a:lstStyle/>
+          <a:p>
+            <a:r>
+              <a:rPr lang="en-US" sz="1000" dirty="0"/>
+              <a:t>Quelle: https://scikit-learn.org/stable/modules/generated/sklearn.feature_extraction.text.TfidfVectorizer.html</a:t>
+            </a:r>
+          </a:p>
+        </p:txBody>
+      </p:sp>
+      <p:pic>
+        <p:nvPicPr>
+          <p:cNvPr id="11" name="Grafik 10">
+            <a:extLst>
+              <a:ext uri="{FF2B5EF4-FFF2-40B4-BE49-F238E27FC236}">
+                <a16:creationId xmlns:a16="http://schemas.microsoft.com/office/drawing/2014/main" id="{A0B2382A-F34A-47F1-F6B4-7D7D8EC6F1F4}"/>
+              </a:ext>
+            </a:extLst>
+          </p:cNvPr>
+          <p:cNvPicPr>
+            <a:picLocks noChangeAspect="1"/>
+          </p:cNvPicPr>
+          <p:nvPr/>
+        </p:nvPicPr>
+        <p:blipFill>
+          <a:blip r:embed="rId3"/>
+          <a:stretch>
+            <a:fillRect/>
+          </a:stretch>
+        </p:blipFill>
+        <p:spPr>
+          <a:xfrm>
+            <a:off x="1128712" y="2733674"/>
+            <a:ext cx="6840872" cy="1247775"/>
+          </a:xfrm>
+          <a:prstGeom prst="rect">
+            <a:avLst/>
+          </a:prstGeom>
+        </p:spPr>
+      </p:pic>
+      <p:sp>
+        <p:nvSpPr>
+          <p:cNvPr id="13" name="Textfeld 12">
+            <a:extLst>
+              <a:ext uri="{FF2B5EF4-FFF2-40B4-BE49-F238E27FC236}">
+                <a16:creationId xmlns:a16="http://schemas.microsoft.com/office/drawing/2014/main" id="{D760C95C-937A-D060-2B42-135595507850}"/>
+              </a:ext>
+            </a:extLst>
+          </p:cNvPr>
+          <p:cNvSpPr txBox="1"/>
+          <p:nvPr/>
+        </p:nvSpPr>
+        <p:spPr>
+          <a:xfrm>
+            <a:off x="1095375" y="3981449"/>
+            <a:ext cx="6096000" cy="246221"/>
+          </a:xfrm>
+          <a:prstGeom prst="rect">
+            <a:avLst/>
+          </a:prstGeom>
+          <a:noFill/>
+        </p:spPr>
+        <p:txBody>
+          <a:bodyPr wrap="square">
+            <a:spAutoFit/>
+          </a:bodyPr>
+          <a:lstStyle/>
+          <a:p>
+            <a:r>
+              <a:rPr lang="en-US" sz="1000" dirty="0"/>
+              <a:t>Quelle: https://scikit-learn.org/stable/model_selection.html</a:t>
+            </a:r>
+          </a:p>
+        </p:txBody>
+      </p:sp>
+      <p:sp>
+        <p:nvSpPr>
+          <p:cNvPr id="4" name="Foliennummernplatzhalter 3">
+            <a:extLst>
+              <a:ext uri="{FF2B5EF4-FFF2-40B4-BE49-F238E27FC236}">
+                <a16:creationId xmlns:a16="http://schemas.microsoft.com/office/drawing/2014/main" id="{ED329164-7915-4576-7A41-B2F1F5C3A953}"/>
+              </a:ext>
+            </a:extLst>
+          </p:cNvPr>
+          <p:cNvSpPr>
+            <a:spLocks noGrp="1"/>
+          </p:cNvSpPr>
+          <p:nvPr>
+            <p:ph type="sldNum" sz="quarter" idx="12"/>
+          </p:nvPr>
+        </p:nvSpPr>
+        <p:spPr/>
+        <p:txBody>
+          <a:bodyPr/>
+          <a:lstStyle/>
+          <a:p>
+            <a:fld id="{C921D49C-F2C9-4773-B40D-55A32CD1AF58}" type="slidenum">
+              <a:rPr lang="en-US" smtClean="0"/>
+              <a:t>21</a:t>
+            </a:fld>
+            <a:endParaRPr lang="en-US"/>
+          </a:p>
+        </p:txBody>
+      </p:sp>
+    </p:spTree>
+    <p:extLst>
+      <p:ext uri="{BB962C8B-B14F-4D97-AF65-F5344CB8AC3E}">
+        <p14:creationId xmlns:p14="http://schemas.microsoft.com/office/powerpoint/2010/main" val="1007533382"/>
+      </p:ext>
+    </p:extLst>
+  </p:cSld>
+  <p:clrMapOvr>
+    <a:masterClrMapping/>
+  </p:clrMapOvr>
+</p:sld>
+</file>
+
+<file path=ppt/slides/slide22.xml><?xml version="1.0" encoding="utf-8"?>
+<p:sld xmlns:a="http://schemas.openxmlformats.org/drawingml/2006/main" xmlns:r="http://schemas.openxmlformats.org/officeDocument/2006/relationships" xmlns:p="http://schemas.openxmlformats.org/presentationml/2006/main">
+  <p:cSld>
+    <p:spTree>
+      <p:nvGrpSpPr>
+        <p:cNvPr id="1" name="">
+          <a:extLst>
+            <a:ext uri="{FF2B5EF4-FFF2-40B4-BE49-F238E27FC236}">
               <a16:creationId xmlns:a16="http://schemas.microsoft.com/office/drawing/2014/main" id="{BEDF1BBD-021D-0745-27BF-7F5B6BAD7D50}"/>
             </a:ext>
           </a:extLst>
@@ -14042,13 +14856,24 @@
           <a:p>
             <a:r>
               <a:rPr lang="en-US" dirty="0"/>
-              <a:t>Modeling – Log </a:t>
+              <a:t>Modeling - </a:t>
+            </a:r>
+            <a:r>
+              <a:rPr lang="en-US" dirty="0" err="1"/>
+              <a:t>Unstrukt</a:t>
+            </a:r>
+            <a:r>
+              <a:rPr lang="en-US" dirty="0"/>
+              <a:t>. </a:t>
             </a:r>
             <a:r>
               <a:rPr lang="en-US" dirty="0" err="1"/>
               <a:t>Daten</a:t>
             </a:r>
-            <a:endParaRPr lang="en-US" dirty="0"/>
+            <a:r>
+              <a:rPr lang="en-US" dirty="0"/>
+              <a:t> Modell</a:t>
+            </a:r>
           </a:p>
         </p:txBody>
       </p:sp>
@@ -14073,34 +14898,14 @@
           <a:bodyPr/>
           <a:lstStyle/>
           <a:p>
-            <a:pPr>
-              <a:buFont typeface="Wingdings" panose="05000000000000000000" pitchFamily="2" charset="2"/>
-              <a:buChar char="à"/>
-            </a:pPr>
             <a:r>
               <a:rPr lang="de-DE" dirty="0">
                 <a:sym typeface="Wingdings" panose="05000000000000000000" pitchFamily="2" charset="2"/>
               </a:rPr>
-              <a:t>In den Log Daten soll eine </a:t>
-            </a:r>
-            <a:r>
-              <a:rPr lang="de-DE" dirty="0" err="1">
-                <a:sym typeface="Wingdings" panose="05000000000000000000" pitchFamily="2" charset="2"/>
-              </a:rPr>
-              <a:t>Prediction</a:t>
-            </a:r>
-            <a:r>
-              <a:rPr lang="de-DE" dirty="0">
-                <a:sym typeface="Wingdings" panose="05000000000000000000" pitchFamily="2" charset="2"/>
-              </a:rPr>
-              <a:t> gemacht werden zu den Log Daten und dem Service Status</a:t>
-            </a:r>
-          </a:p>
-          <a:p>
-            <a:pPr>
-              <a:buFont typeface="Wingdings" panose="05000000000000000000" pitchFamily="2" charset="2"/>
-              <a:buChar char="à"/>
-            </a:pPr>
+              <a:t>Mit den Log Daten soll eine Vorhersage erfolgen zu den Log Daten und dem Service Status</a:t>
+            </a:r>
+          </a:p>
+          <a:p>
             <a:r>
               <a:rPr lang="de-DE" dirty="0">
                 <a:sym typeface="Wingdings" panose="05000000000000000000" pitchFamily="2" charset="2"/>
@@ -14269,7 +15074,7 @@
           <a:p>
             <a:fld id="{C921D49C-F2C9-4773-B40D-55A32CD1AF58}" type="slidenum">
               <a:rPr lang="en-US" smtClean="0"/>
-              <a:t>20</a:t>
+              <a:t>22</a:t>
             </a:fld>
             <a:endParaRPr lang="en-US"/>
           </a:p>
@@ -14288,7 +15093,7 @@
 </p:sld>
 </file>
 
-<file path=ppt/slides/slide21.xml><?xml version="1.0" encoding="utf-8"?>
+<file path=ppt/slides/slide23.xml><?xml version="1.0" encoding="utf-8"?>
 <p:sld xmlns:a="http://schemas.openxmlformats.org/drawingml/2006/main" xmlns:r="http://schemas.openxmlformats.org/officeDocument/2006/relationships" xmlns:p="http://schemas.openxmlformats.org/presentationml/2006/main">
   <p:cSld>
     <p:spTree>
@@ -14454,7 +15259,7 @@
           <a:p>
             <a:fld id="{C921D49C-F2C9-4773-B40D-55A32CD1AF58}" type="slidenum">
               <a:rPr lang="en-US" smtClean="0"/>
-              <a:t>21</a:t>
+              <a:t>23</a:t>
             </a:fld>
             <a:endParaRPr lang="en-US"/>
           </a:p>
@@ -14464,544 +15269,6 @@
     <p:extLst>
       <p:ext uri="{BB962C8B-B14F-4D97-AF65-F5344CB8AC3E}">
         <p14:creationId xmlns:p14="http://schemas.microsoft.com/office/powerpoint/2010/main" val="2529020300"/>
-      </p:ext>
-    </p:extLst>
-  </p:cSld>
-  <p:clrMapOvr>
-    <a:masterClrMapping/>
-  </p:clrMapOvr>
-</p:sld>
-</file>
-
-<file path=ppt/slides/slide22.xml><?xml version="1.0" encoding="utf-8"?>
-<p:sld xmlns:a="http://schemas.openxmlformats.org/drawingml/2006/main" xmlns:r="http://schemas.openxmlformats.org/officeDocument/2006/relationships" xmlns:p="http://schemas.openxmlformats.org/presentationml/2006/main">
-  <p:cSld>
-    <p:spTree>
-      <p:nvGrpSpPr>
-        <p:cNvPr id="1" name=""/>
-        <p:cNvGrpSpPr/>
-        <p:nvPr/>
-      </p:nvGrpSpPr>
-      <p:grpSpPr>
-        <a:xfrm>
-          <a:off x="0" y="0"/>
-          <a:ext cx="0" cy="0"/>
-          <a:chOff x="0" y="0"/>
-          <a:chExt cx="0" cy="0"/>
-        </a:xfrm>
-      </p:grpSpPr>
-      <p:sp>
-        <p:nvSpPr>
-          <p:cNvPr id="2" name="Titel 1">
-            <a:extLst>
-              <a:ext uri="{FF2B5EF4-FFF2-40B4-BE49-F238E27FC236}">
-                <a16:creationId xmlns:a16="http://schemas.microsoft.com/office/drawing/2014/main" id="{799B8981-AB9A-B174-B50F-F0701587DD89}"/>
-              </a:ext>
-            </a:extLst>
-          </p:cNvPr>
-          <p:cNvSpPr>
-            <a:spLocks noGrp="1"/>
-          </p:cNvSpPr>
-          <p:nvPr>
-            <p:ph type="title"/>
-          </p:nvPr>
-        </p:nvSpPr>
-        <p:spPr/>
-        <p:txBody>
-          <a:bodyPr/>
-          <a:lstStyle/>
-          <a:p>
-            <a:r>
-              <a:rPr lang="de-DE" dirty="0"/>
-              <a:t>KNN für Log-Daten</a:t>
-            </a:r>
-            <a:endParaRPr lang="en-US" dirty="0"/>
-          </a:p>
-        </p:txBody>
-      </p:sp>
-      <p:sp>
-        <p:nvSpPr>
-          <p:cNvPr id="3" name="Inhaltsplatzhalter 2">
-            <a:extLst>
-              <a:ext uri="{FF2B5EF4-FFF2-40B4-BE49-F238E27FC236}">
-                <a16:creationId xmlns:a16="http://schemas.microsoft.com/office/drawing/2014/main" id="{15BCB922-35D4-FAE2-0B43-0F07D2541826}"/>
-              </a:ext>
-            </a:extLst>
-          </p:cNvPr>
-          <p:cNvSpPr>
-            <a:spLocks noGrp="1"/>
-          </p:cNvSpPr>
-          <p:nvPr>
-            <p:ph idx="1"/>
-          </p:nvPr>
-        </p:nvSpPr>
-        <p:spPr>
-          <a:xfrm>
-            <a:off x="838200" y="1825625"/>
-            <a:ext cx="4451350" cy="4213225"/>
-          </a:xfrm>
-        </p:spPr>
-        <p:txBody>
-          <a:bodyPr/>
-          <a:lstStyle/>
-          <a:p>
-            <a:pPr marL="0" indent="0">
-              <a:buNone/>
-            </a:pPr>
-            <a:r>
-              <a:rPr lang="de-DE" dirty="0" err="1"/>
-              <a:t>Klassifikations</a:t>
-            </a:r>
-            <a:r>
-              <a:rPr lang="de-DE" dirty="0"/>
-              <a:t> Report</a:t>
-            </a:r>
-          </a:p>
-          <a:p>
-            <a:pPr marL="0" indent="0">
-              <a:buNone/>
-            </a:pPr>
-            <a:endParaRPr lang="en-US" dirty="0"/>
-          </a:p>
-        </p:txBody>
-      </p:sp>
-      <p:sp>
-        <p:nvSpPr>
-          <p:cNvPr id="10" name="Textfeld 9">
-            <a:extLst>
-              <a:ext uri="{FF2B5EF4-FFF2-40B4-BE49-F238E27FC236}">
-                <a16:creationId xmlns:a16="http://schemas.microsoft.com/office/drawing/2014/main" id="{52B32AB0-7FDE-5C68-F848-BC9B57571242}"/>
-              </a:ext>
-            </a:extLst>
-          </p:cNvPr>
-          <p:cNvSpPr txBox="1"/>
-          <p:nvPr/>
-        </p:nvSpPr>
-        <p:spPr>
-          <a:xfrm>
-            <a:off x="7226300" y="6381234"/>
-            <a:ext cx="3473450" cy="400110"/>
-          </a:xfrm>
-          <a:prstGeom prst="rect">
-            <a:avLst/>
-          </a:prstGeom>
-          <a:noFill/>
-        </p:spPr>
-        <p:txBody>
-          <a:bodyPr wrap="square">
-            <a:spAutoFit/>
-          </a:bodyPr>
-          <a:lstStyle/>
-          <a:p>
-            <a:r>
-              <a:rPr lang="en-US" sz="1000" dirty="0"/>
-              <a:t>Quelle: https://seaborn.pydata.org/generated/seaborn.heatmap.html</a:t>
-            </a:r>
-          </a:p>
-        </p:txBody>
-      </p:sp>
-      <p:sp>
-        <p:nvSpPr>
-          <p:cNvPr id="12" name="Textfeld 11">
-            <a:extLst>
-              <a:ext uri="{FF2B5EF4-FFF2-40B4-BE49-F238E27FC236}">
-                <a16:creationId xmlns:a16="http://schemas.microsoft.com/office/drawing/2014/main" id="{5884137D-5FAD-5485-DC8D-DBC866B7F1E9}"/>
-              </a:ext>
-            </a:extLst>
-          </p:cNvPr>
-          <p:cNvSpPr txBox="1"/>
-          <p:nvPr/>
-        </p:nvSpPr>
-        <p:spPr>
-          <a:xfrm>
-            <a:off x="831850" y="4662785"/>
-            <a:ext cx="5080000" cy="400110"/>
-          </a:xfrm>
-          <a:prstGeom prst="rect">
-            <a:avLst/>
-          </a:prstGeom>
-          <a:noFill/>
-        </p:spPr>
-        <p:txBody>
-          <a:bodyPr wrap="square">
-            <a:spAutoFit/>
-          </a:bodyPr>
-          <a:lstStyle/>
-          <a:p>
-            <a:r>
-              <a:rPr lang="en-US" sz="1000" dirty="0"/>
-              <a:t>Quelle: https://scikit-learn.org/stable/modules/generated/sklearn.metrics.classification_report.html</a:t>
-            </a:r>
-          </a:p>
-        </p:txBody>
-      </p:sp>
-      <p:pic>
-        <p:nvPicPr>
-          <p:cNvPr id="5" name="Grafik 4">
-            <a:extLst>
-              <a:ext uri="{FF2B5EF4-FFF2-40B4-BE49-F238E27FC236}">
-                <a16:creationId xmlns:a16="http://schemas.microsoft.com/office/drawing/2014/main" id="{972BD781-2F00-66EE-AD4F-20D3BEEC926A}"/>
-              </a:ext>
-            </a:extLst>
-          </p:cNvPr>
-          <p:cNvPicPr>
-            <a:picLocks noChangeAspect="1"/>
-          </p:cNvPicPr>
-          <p:nvPr/>
-        </p:nvPicPr>
-        <p:blipFill>
-          <a:blip r:embed="rId2"/>
-          <a:stretch>
-            <a:fillRect/>
-          </a:stretch>
-        </p:blipFill>
-        <p:spPr>
-          <a:xfrm>
-            <a:off x="6139420" y="1200150"/>
-            <a:ext cx="4966730" cy="5148262"/>
-          </a:xfrm>
-          <a:prstGeom prst="rect">
-            <a:avLst/>
-          </a:prstGeom>
-        </p:spPr>
-      </p:pic>
-      <p:pic>
-        <p:nvPicPr>
-          <p:cNvPr id="9" name="Grafik 8">
-            <a:extLst>
-              <a:ext uri="{FF2B5EF4-FFF2-40B4-BE49-F238E27FC236}">
-                <a16:creationId xmlns:a16="http://schemas.microsoft.com/office/drawing/2014/main" id="{79A8189B-F834-E49E-5EB0-AF10625C2F71}"/>
-              </a:ext>
-            </a:extLst>
-          </p:cNvPr>
-          <p:cNvPicPr>
-            <a:picLocks noChangeAspect="1"/>
-          </p:cNvPicPr>
-          <p:nvPr/>
-        </p:nvPicPr>
-        <p:blipFill>
-          <a:blip r:embed="rId3"/>
-          <a:stretch>
-            <a:fillRect/>
-          </a:stretch>
-        </p:blipFill>
-        <p:spPr>
-          <a:xfrm>
-            <a:off x="876300" y="2452687"/>
-            <a:ext cx="4995082" cy="2195513"/>
-          </a:xfrm>
-          <a:prstGeom prst="rect">
-            <a:avLst/>
-          </a:prstGeom>
-        </p:spPr>
-      </p:pic>
-      <p:sp>
-        <p:nvSpPr>
-          <p:cNvPr id="4" name="Foliennummernplatzhalter 3">
-            <a:extLst>
-              <a:ext uri="{FF2B5EF4-FFF2-40B4-BE49-F238E27FC236}">
-                <a16:creationId xmlns:a16="http://schemas.microsoft.com/office/drawing/2014/main" id="{C84265AA-4507-7964-CDFF-FE23A9EF78D4}"/>
-              </a:ext>
-            </a:extLst>
-          </p:cNvPr>
-          <p:cNvSpPr>
-            <a:spLocks noGrp="1"/>
-          </p:cNvSpPr>
-          <p:nvPr>
-            <p:ph type="sldNum" sz="quarter" idx="12"/>
-          </p:nvPr>
-        </p:nvSpPr>
-        <p:spPr/>
-        <p:txBody>
-          <a:bodyPr/>
-          <a:lstStyle/>
-          <a:p>
-            <a:fld id="{C921D49C-F2C9-4773-B40D-55A32CD1AF58}" type="slidenum">
-              <a:rPr lang="en-US" smtClean="0"/>
-              <a:t>22</a:t>
-            </a:fld>
-            <a:endParaRPr lang="en-US"/>
-          </a:p>
-        </p:txBody>
-      </p:sp>
-    </p:spTree>
-    <p:extLst>
-      <p:ext uri="{BB962C8B-B14F-4D97-AF65-F5344CB8AC3E}">
-        <p14:creationId xmlns:p14="http://schemas.microsoft.com/office/powerpoint/2010/main" val="1949397748"/>
-      </p:ext>
-    </p:extLst>
-  </p:cSld>
-  <p:clrMapOvr>
-    <a:masterClrMapping/>
-  </p:clrMapOvr>
-</p:sld>
-</file>
-
-<file path=ppt/slides/slide23.xml><?xml version="1.0" encoding="utf-8"?>
-<p:sld xmlns:a="http://schemas.openxmlformats.org/drawingml/2006/main" xmlns:r="http://schemas.openxmlformats.org/officeDocument/2006/relationships" xmlns:p="http://schemas.openxmlformats.org/presentationml/2006/main">
-  <p:cSld>
-    <p:spTree>
-      <p:nvGrpSpPr>
-        <p:cNvPr id="1" name="">
-          <a:extLst>
-            <a:ext uri="{FF2B5EF4-FFF2-40B4-BE49-F238E27FC236}">
-              <a16:creationId xmlns:a16="http://schemas.microsoft.com/office/drawing/2014/main" id="{FE463CE1-0492-DCC6-10D5-2B2EC5922489}"/>
-            </a:ext>
-          </a:extLst>
-        </p:cNvPr>
-        <p:cNvGrpSpPr/>
-        <p:nvPr/>
-      </p:nvGrpSpPr>
-      <p:grpSpPr>
-        <a:xfrm>
-          <a:off x="0" y="0"/>
-          <a:ext cx="0" cy="0"/>
-          <a:chOff x="0" y="0"/>
-          <a:chExt cx="0" cy="0"/>
-        </a:xfrm>
-      </p:grpSpPr>
-      <p:sp>
-        <p:nvSpPr>
-          <p:cNvPr id="2" name="Titel 1">
-            <a:extLst>
-              <a:ext uri="{FF2B5EF4-FFF2-40B4-BE49-F238E27FC236}">
-                <a16:creationId xmlns:a16="http://schemas.microsoft.com/office/drawing/2014/main" id="{2766203E-34A3-CA7E-9C73-28C60B82E6DB}"/>
-              </a:ext>
-            </a:extLst>
-          </p:cNvPr>
-          <p:cNvSpPr>
-            <a:spLocks noGrp="1"/>
-          </p:cNvSpPr>
-          <p:nvPr>
-            <p:ph type="title"/>
-          </p:nvPr>
-        </p:nvSpPr>
-        <p:spPr/>
-        <p:txBody>
-          <a:bodyPr/>
-          <a:lstStyle/>
-          <a:p>
-            <a:r>
-              <a:rPr lang="de-DE" dirty="0"/>
-              <a:t>Random Forrest für Log-Daten</a:t>
-            </a:r>
-            <a:endParaRPr lang="en-US" dirty="0"/>
-          </a:p>
-        </p:txBody>
-      </p:sp>
-      <p:sp>
-        <p:nvSpPr>
-          <p:cNvPr id="3" name="Inhaltsplatzhalter 2">
-            <a:extLst>
-              <a:ext uri="{FF2B5EF4-FFF2-40B4-BE49-F238E27FC236}">
-                <a16:creationId xmlns:a16="http://schemas.microsoft.com/office/drawing/2014/main" id="{DC4F95C3-FB29-B6A3-06EE-79051A074218}"/>
-              </a:ext>
-            </a:extLst>
-          </p:cNvPr>
-          <p:cNvSpPr>
-            <a:spLocks noGrp="1"/>
-          </p:cNvSpPr>
-          <p:nvPr>
-            <p:ph idx="1"/>
-          </p:nvPr>
-        </p:nvSpPr>
-        <p:spPr>
-          <a:xfrm>
-            <a:off x="838200" y="1825625"/>
-            <a:ext cx="4451350" cy="4213225"/>
-          </a:xfrm>
-        </p:spPr>
-        <p:txBody>
-          <a:bodyPr/>
-          <a:lstStyle/>
-          <a:p>
-            <a:pPr marL="0" indent="0">
-              <a:buNone/>
-            </a:pPr>
-            <a:r>
-              <a:rPr lang="de-DE" dirty="0" err="1"/>
-              <a:t>Klassifikations</a:t>
-            </a:r>
-            <a:r>
-              <a:rPr lang="de-DE" dirty="0"/>
-              <a:t> Report</a:t>
-            </a:r>
-          </a:p>
-          <a:p>
-            <a:pPr marL="0" indent="0">
-              <a:buNone/>
-            </a:pPr>
-            <a:endParaRPr lang="en-US" dirty="0"/>
-          </a:p>
-        </p:txBody>
-      </p:sp>
-      <p:sp>
-        <p:nvSpPr>
-          <p:cNvPr id="11" name="Textfeld 10">
-            <a:extLst>
-              <a:ext uri="{FF2B5EF4-FFF2-40B4-BE49-F238E27FC236}">
-                <a16:creationId xmlns:a16="http://schemas.microsoft.com/office/drawing/2014/main" id="{30D637A9-C434-FB49-7FC7-DC35D7355B9F}"/>
-              </a:ext>
-            </a:extLst>
-          </p:cNvPr>
-          <p:cNvSpPr txBox="1"/>
-          <p:nvPr/>
-        </p:nvSpPr>
-        <p:spPr>
-          <a:xfrm>
-            <a:off x="7226300" y="6381234"/>
-            <a:ext cx="3473450" cy="400110"/>
-          </a:xfrm>
-          <a:prstGeom prst="rect">
-            <a:avLst/>
-          </a:prstGeom>
-          <a:noFill/>
-        </p:spPr>
-        <p:txBody>
-          <a:bodyPr wrap="square">
-            <a:spAutoFit/>
-          </a:bodyPr>
-          <a:lstStyle/>
-          <a:p>
-            <a:r>
-              <a:rPr lang="en-US" sz="1000"/>
-              <a:t>Quelle: https</a:t>
-            </a:r>
-            <a:r>
-              <a:rPr lang="en-US" sz="1000" dirty="0"/>
-              <a:t>://seaborn.pydata.org/generated/seaborn.heatmap.html</a:t>
-            </a:r>
-          </a:p>
-        </p:txBody>
-      </p:sp>
-      <p:sp>
-        <p:nvSpPr>
-          <p:cNvPr id="12" name="Textfeld 11">
-            <a:extLst>
-              <a:ext uri="{FF2B5EF4-FFF2-40B4-BE49-F238E27FC236}">
-                <a16:creationId xmlns:a16="http://schemas.microsoft.com/office/drawing/2014/main" id="{2A173D40-E406-591E-8B84-3B5805010686}"/>
-              </a:ext>
-            </a:extLst>
-          </p:cNvPr>
-          <p:cNvSpPr txBox="1"/>
-          <p:nvPr/>
-        </p:nvSpPr>
-        <p:spPr>
-          <a:xfrm>
-            <a:off x="876300" y="4421485"/>
-            <a:ext cx="5080000" cy="400110"/>
-          </a:xfrm>
-          <a:prstGeom prst="rect">
-            <a:avLst/>
-          </a:prstGeom>
-          <a:noFill/>
-        </p:spPr>
-        <p:txBody>
-          <a:bodyPr wrap="square">
-            <a:spAutoFit/>
-          </a:bodyPr>
-          <a:lstStyle/>
-          <a:p>
-            <a:r>
-              <a:rPr lang="en-US" sz="1000" dirty="0"/>
-              <a:t>Quelle: https://scikit-learn.org/stable/modules/generated/sklearn.metrics.classification_report.html</a:t>
-            </a:r>
-          </a:p>
-        </p:txBody>
-      </p:sp>
-      <p:pic>
-        <p:nvPicPr>
-          <p:cNvPr id="8" name="Grafik 7">
-            <a:extLst>
-              <a:ext uri="{FF2B5EF4-FFF2-40B4-BE49-F238E27FC236}">
-                <a16:creationId xmlns:a16="http://schemas.microsoft.com/office/drawing/2014/main" id="{5A90CB8C-D699-F983-7645-004020A1F92F}"/>
-              </a:ext>
-            </a:extLst>
-          </p:cNvPr>
-          <p:cNvPicPr>
-            <a:picLocks noChangeAspect="1"/>
-          </p:cNvPicPr>
-          <p:nvPr/>
-        </p:nvPicPr>
-        <p:blipFill>
-          <a:blip r:embed="rId2"/>
-          <a:stretch>
-            <a:fillRect/>
-          </a:stretch>
-        </p:blipFill>
-        <p:spPr>
-          <a:xfrm>
-            <a:off x="6385296" y="1752600"/>
-            <a:ext cx="4397003" cy="4557712"/>
-          </a:xfrm>
-          <a:prstGeom prst="rect">
-            <a:avLst/>
-          </a:prstGeom>
-        </p:spPr>
-      </p:pic>
-      <p:pic>
-        <p:nvPicPr>
-          <p:cNvPr id="13" name="Grafik 12">
-            <a:extLst>
-              <a:ext uri="{FF2B5EF4-FFF2-40B4-BE49-F238E27FC236}">
-                <a16:creationId xmlns:a16="http://schemas.microsoft.com/office/drawing/2014/main" id="{A7B85A60-886D-0FE0-C4F9-5328074A9FFD}"/>
-              </a:ext>
-            </a:extLst>
-          </p:cNvPr>
-          <p:cNvPicPr>
-            <a:picLocks noChangeAspect="1"/>
-          </p:cNvPicPr>
-          <p:nvPr/>
-        </p:nvPicPr>
-        <p:blipFill>
-          <a:blip r:embed="rId3"/>
-          <a:stretch>
-            <a:fillRect/>
-          </a:stretch>
-        </p:blipFill>
-        <p:spPr>
-          <a:xfrm>
-            <a:off x="942974" y="2409825"/>
-            <a:ext cx="4791075" cy="2016154"/>
-          </a:xfrm>
-          <a:prstGeom prst="rect">
-            <a:avLst/>
-          </a:prstGeom>
-        </p:spPr>
-      </p:pic>
-      <p:sp>
-        <p:nvSpPr>
-          <p:cNvPr id="4" name="Foliennummernplatzhalter 3">
-            <a:extLst>
-              <a:ext uri="{FF2B5EF4-FFF2-40B4-BE49-F238E27FC236}">
-                <a16:creationId xmlns:a16="http://schemas.microsoft.com/office/drawing/2014/main" id="{A992D602-438F-BB16-CA3C-5F6213658BFD}"/>
-              </a:ext>
-            </a:extLst>
-          </p:cNvPr>
-          <p:cNvSpPr>
-            <a:spLocks noGrp="1"/>
-          </p:cNvSpPr>
-          <p:nvPr>
-            <p:ph type="sldNum" sz="quarter" idx="12"/>
-          </p:nvPr>
-        </p:nvSpPr>
-        <p:spPr/>
-        <p:txBody>
-          <a:bodyPr/>
-          <a:lstStyle/>
-          <a:p>
-            <a:fld id="{C921D49C-F2C9-4773-B40D-55A32CD1AF58}" type="slidenum">
-              <a:rPr lang="en-US" smtClean="0"/>
-              <a:t>23</a:t>
-            </a:fld>
-            <a:endParaRPr lang="en-US"/>
-          </a:p>
-        </p:txBody>
-      </p:sp>
-    </p:spTree>
-    <p:extLst>
-      <p:ext uri="{BB962C8B-B14F-4D97-AF65-F5344CB8AC3E}">
-        <p14:creationId xmlns:p14="http://schemas.microsoft.com/office/powerpoint/2010/main" val="3263210723"/>
       </p:ext>
     </p:extLst>
   </p:cSld>
@@ -15033,7 +15300,7 @@
           <p:cNvPr id="2" name="Titel 1">
             <a:extLst>
               <a:ext uri="{FF2B5EF4-FFF2-40B4-BE49-F238E27FC236}">
-                <a16:creationId xmlns:a16="http://schemas.microsoft.com/office/drawing/2014/main" id="{8EBA753B-FC0A-2CFE-752F-19DBAB0B5406}"/>
+                <a16:creationId xmlns:a16="http://schemas.microsoft.com/office/drawing/2014/main" id="{799B8981-AB9A-B174-B50F-F0701587DD89}"/>
               </a:ext>
             </a:extLst>
           </p:cNvPr>
@@ -15051,7 +15318,623 @@
           <a:p>
             <a:r>
               <a:rPr lang="de-DE" dirty="0"/>
-              <a:t>Ergebnis Log-Daten</a:t>
+              <a:t>Evaluation-</a:t>
+            </a:r>
+            <a:r>
+              <a:rPr lang="en-US" dirty="0" err="1"/>
+              <a:t>Unstrukt</a:t>
+            </a:r>
+            <a:r>
+              <a:rPr lang="en-US" dirty="0"/>
+              <a:t>. </a:t>
+            </a:r>
+            <a:r>
+              <a:rPr lang="en-US" dirty="0" err="1"/>
+              <a:t>Daten</a:t>
+            </a:r>
+            <a:r>
+              <a:rPr lang="en-US" dirty="0"/>
+              <a:t> </a:t>
+            </a:r>
+            <a:br>
+              <a:rPr lang="en-US" dirty="0"/>
+            </a:br>
+            <a:r>
+              <a:rPr lang="de-DE" dirty="0"/>
+              <a:t>KNN für Log-Daten</a:t>
+            </a:r>
+            <a:endParaRPr lang="en-US" dirty="0"/>
+          </a:p>
+        </p:txBody>
+      </p:sp>
+      <p:sp>
+        <p:nvSpPr>
+          <p:cNvPr id="3" name="Inhaltsplatzhalter 2">
+            <a:extLst>
+              <a:ext uri="{FF2B5EF4-FFF2-40B4-BE49-F238E27FC236}">
+                <a16:creationId xmlns:a16="http://schemas.microsoft.com/office/drawing/2014/main" id="{15BCB922-35D4-FAE2-0B43-0F07D2541826}"/>
+              </a:ext>
+            </a:extLst>
+          </p:cNvPr>
+          <p:cNvSpPr>
+            <a:spLocks noGrp="1"/>
+          </p:cNvSpPr>
+          <p:nvPr>
+            <p:ph idx="1"/>
+          </p:nvPr>
+        </p:nvSpPr>
+        <p:spPr>
+          <a:xfrm>
+            <a:off x="838200" y="1825625"/>
+            <a:ext cx="4451350" cy="4213225"/>
+          </a:xfrm>
+        </p:spPr>
+        <p:txBody>
+          <a:bodyPr/>
+          <a:lstStyle/>
+          <a:p>
+            <a:pPr marL="0" indent="0">
+              <a:buNone/>
+            </a:pPr>
+            <a:r>
+              <a:rPr lang="de-DE" dirty="0" err="1"/>
+              <a:t>Klassifikations</a:t>
+            </a:r>
+            <a:r>
+              <a:rPr lang="de-DE" dirty="0"/>
+              <a:t> Report</a:t>
+            </a:r>
+          </a:p>
+          <a:p>
+            <a:pPr marL="0" indent="0">
+              <a:buNone/>
+            </a:pPr>
+            <a:endParaRPr lang="en-US" dirty="0"/>
+          </a:p>
+        </p:txBody>
+      </p:sp>
+      <p:sp>
+        <p:nvSpPr>
+          <p:cNvPr id="10" name="Textfeld 9">
+            <a:extLst>
+              <a:ext uri="{FF2B5EF4-FFF2-40B4-BE49-F238E27FC236}">
+                <a16:creationId xmlns:a16="http://schemas.microsoft.com/office/drawing/2014/main" id="{52B32AB0-7FDE-5C68-F848-BC9B57571242}"/>
+              </a:ext>
+            </a:extLst>
+          </p:cNvPr>
+          <p:cNvSpPr txBox="1"/>
+          <p:nvPr/>
+        </p:nvSpPr>
+        <p:spPr>
+          <a:xfrm>
+            <a:off x="6515100" y="6348412"/>
+            <a:ext cx="3994150" cy="246221"/>
+          </a:xfrm>
+          <a:prstGeom prst="rect">
+            <a:avLst/>
+          </a:prstGeom>
+          <a:noFill/>
+        </p:spPr>
+        <p:txBody>
+          <a:bodyPr wrap="square">
+            <a:spAutoFit/>
+          </a:bodyPr>
+          <a:lstStyle/>
+          <a:p>
+            <a:r>
+              <a:rPr lang="en-US" sz="1000" dirty="0"/>
+              <a:t>Quelle: https://seaborn.pydata.org/generated/seaborn.heatmap.html</a:t>
+            </a:r>
+          </a:p>
+        </p:txBody>
+      </p:sp>
+      <p:sp>
+        <p:nvSpPr>
+          <p:cNvPr id="12" name="Textfeld 11">
+            <a:extLst>
+              <a:ext uri="{FF2B5EF4-FFF2-40B4-BE49-F238E27FC236}">
+                <a16:creationId xmlns:a16="http://schemas.microsoft.com/office/drawing/2014/main" id="{5884137D-5FAD-5485-DC8D-DBC866B7F1E9}"/>
+              </a:ext>
+            </a:extLst>
+          </p:cNvPr>
+          <p:cNvSpPr txBox="1"/>
+          <p:nvPr/>
+        </p:nvSpPr>
+        <p:spPr>
+          <a:xfrm>
+            <a:off x="793750" y="4660026"/>
+            <a:ext cx="5594350" cy="246221"/>
+          </a:xfrm>
+          <a:prstGeom prst="rect">
+            <a:avLst/>
+          </a:prstGeom>
+          <a:noFill/>
+        </p:spPr>
+        <p:txBody>
+          <a:bodyPr wrap="square">
+            <a:spAutoFit/>
+          </a:bodyPr>
+          <a:lstStyle/>
+          <a:p>
+            <a:r>
+              <a:rPr lang="en-US" sz="1000" dirty="0"/>
+              <a:t>Quelle: https://scikit-learn.org/stable/modules/generated/sklearn.metrics.classification_report.html</a:t>
+            </a:r>
+          </a:p>
+        </p:txBody>
+      </p:sp>
+      <p:pic>
+        <p:nvPicPr>
+          <p:cNvPr id="5" name="Grafik 4">
+            <a:extLst>
+              <a:ext uri="{FF2B5EF4-FFF2-40B4-BE49-F238E27FC236}">
+                <a16:creationId xmlns:a16="http://schemas.microsoft.com/office/drawing/2014/main" id="{972BD781-2F00-66EE-AD4F-20D3BEEC926A}"/>
+              </a:ext>
+            </a:extLst>
+          </p:cNvPr>
+          <p:cNvPicPr>
+            <a:picLocks noChangeAspect="1"/>
+          </p:cNvPicPr>
+          <p:nvPr/>
+        </p:nvPicPr>
+        <p:blipFill>
+          <a:blip r:embed="rId2"/>
+          <a:stretch>
+            <a:fillRect/>
+          </a:stretch>
+        </p:blipFill>
+        <p:spPr>
+          <a:xfrm>
+            <a:off x="6139420" y="1200150"/>
+            <a:ext cx="4966730" cy="5148262"/>
+          </a:xfrm>
+          <a:prstGeom prst="rect">
+            <a:avLst/>
+          </a:prstGeom>
+        </p:spPr>
+      </p:pic>
+      <p:pic>
+        <p:nvPicPr>
+          <p:cNvPr id="9" name="Grafik 8">
+            <a:extLst>
+              <a:ext uri="{FF2B5EF4-FFF2-40B4-BE49-F238E27FC236}">
+                <a16:creationId xmlns:a16="http://schemas.microsoft.com/office/drawing/2014/main" id="{79A8189B-F834-E49E-5EB0-AF10625C2F71}"/>
+              </a:ext>
+            </a:extLst>
+          </p:cNvPr>
+          <p:cNvPicPr>
+            <a:picLocks noChangeAspect="1"/>
+          </p:cNvPicPr>
+          <p:nvPr/>
+        </p:nvPicPr>
+        <p:blipFill>
+          <a:blip r:embed="rId3"/>
+          <a:stretch>
+            <a:fillRect/>
+          </a:stretch>
+        </p:blipFill>
+        <p:spPr>
+          <a:xfrm>
+            <a:off x="876300" y="2452687"/>
+            <a:ext cx="4995082" cy="2195513"/>
+          </a:xfrm>
+          <a:prstGeom prst="rect">
+            <a:avLst/>
+          </a:prstGeom>
+        </p:spPr>
+      </p:pic>
+      <p:sp>
+        <p:nvSpPr>
+          <p:cNvPr id="4" name="Foliennummernplatzhalter 3">
+            <a:extLst>
+              <a:ext uri="{FF2B5EF4-FFF2-40B4-BE49-F238E27FC236}">
+                <a16:creationId xmlns:a16="http://schemas.microsoft.com/office/drawing/2014/main" id="{C84265AA-4507-7964-CDFF-FE23A9EF78D4}"/>
+              </a:ext>
+            </a:extLst>
+          </p:cNvPr>
+          <p:cNvSpPr>
+            <a:spLocks noGrp="1"/>
+          </p:cNvSpPr>
+          <p:nvPr>
+            <p:ph type="sldNum" sz="quarter" idx="12"/>
+          </p:nvPr>
+        </p:nvSpPr>
+        <p:spPr/>
+        <p:txBody>
+          <a:bodyPr/>
+          <a:lstStyle/>
+          <a:p>
+            <a:fld id="{C921D49C-F2C9-4773-B40D-55A32CD1AF58}" type="slidenum">
+              <a:rPr lang="en-US" smtClean="0"/>
+              <a:t>24</a:t>
+            </a:fld>
+            <a:endParaRPr lang="en-US"/>
+          </a:p>
+        </p:txBody>
+      </p:sp>
+    </p:spTree>
+    <p:extLst>
+      <p:ext uri="{BB962C8B-B14F-4D97-AF65-F5344CB8AC3E}">
+        <p14:creationId xmlns:p14="http://schemas.microsoft.com/office/powerpoint/2010/main" val="1949397748"/>
+      </p:ext>
+    </p:extLst>
+  </p:cSld>
+  <p:clrMapOvr>
+    <a:masterClrMapping/>
+  </p:clrMapOvr>
+</p:sld>
+</file>
+
+<file path=ppt/slides/slide25.xml><?xml version="1.0" encoding="utf-8"?>
+<p:sld xmlns:a="http://schemas.openxmlformats.org/drawingml/2006/main" xmlns:r="http://schemas.openxmlformats.org/officeDocument/2006/relationships" xmlns:p="http://schemas.openxmlformats.org/presentationml/2006/main">
+  <p:cSld>
+    <p:spTree>
+      <p:nvGrpSpPr>
+        <p:cNvPr id="1" name="">
+          <a:extLst>
+            <a:ext uri="{FF2B5EF4-FFF2-40B4-BE49-F238E27FC236}">
+              <a16:creationId xmlns:a16="http://schemas.microsoft.com/office/drawing/2014/main" id="{FE463CE1-0492-DCC6-10D5-2B2EC5922489}"/>
+            </a:ext>
+          </a:extLst>
+        </p:cNvPr>
+        <p:cNvGrpSpPr/>
+        <p:nvPr/>
+      </p:nvGrpSpPr>
+      <p:grpSpPr>
+        <a:xfrm>
+          <a:off x="0" y="0"/>
+          <a:ext cx="0" cy="0"/>
+          <a:chOff x="0" y="0"/>
+          <a:chExt cx="0" cy="0"/>
+        </a:xfrm>
+      </p:grpSpPr>
+      <p:sp>
+        <p:nvSpPr>
+          <p:cNvPr id="2" name="Titel 1">
+            <a:extLst>
+              <a:ext uri="{FF2B5EF4-FFF2-40B4-BE49-F238E27FC236}">
+                <a16:creationId xmlns:a16="http://schemas.microsoft.com/office/drawing/2014/main" id="{2766203E-34A3-CA7E-9C73-28C60B82E6DB}"/>
+              </a:ext>
+            </a:extLst>
+          </p:cNvPr>
+          <p:cNvSpPr>
+            <a:spLocks noGrp="1"/>
+          </p:cNvSpPr>
+          <p:nvPr>
+            <p:ph type="title"/>
+          </p:nvPr>
+        </p:nvSpPr>
+        <p:spPr/>
+        <p:txBody>
+          <a:bodyPr/>
+          <a:lstStyle/>
+          <a:p>
+            <a:r>
+              <a:rPr lang="de-DE" dirty="0"/>
+              <a:t>Evaluation-</a:t>
+            </a:r>
+            <a:r>
+              <a:rPr lang="en-US" dirty="0"/>
+              <a:t> </a:t>
+            </a:r>
+            <a:r>
+              <a:rPr lang="en-US" dirty="0" err="1"/>
+              <a:t>Unstrukt</a:t>
+            </a:r>
+            <a:r>
+              <a:rPr lang="en-US" dirty="0"/>
+              <a:t>. </a:t>
+            </a:r>
+            <a:r>
+              <a:rPr lang="en-US" dirty="0" err="1"/>
+              <a:t>Daten</a:t>
+            </a:r>
+            <a:r>
+              <a:rPr lang="en-US" dirty="0"/>
+              <a:t> </a:t>
+            </a:r>
+            <a:br>
+              <a:rPr lang="en-US" dirty="0"/>
+            </a:br>
+            <a:r>
+              <a:rPr lang="de-DE" dirty="0"/>
+              <a:t>Random Forrest für Log-Daten</a:t>
+            </a:r>
+            <a:endParaRPr lang="en-US" dirty="0"/>
+          </a:p>
+        </p:txBody>
+      </p:sp>
+      <p:sp>
+        <p:nvSpPr>
+          <p:cNvPr id="3" name="Inhaltsplatzhalter 2">
+            <a:extLst>
+              <a:ext uri="{FF2B5EF4-FFF2-40B4-BE49-F238E27FC236}">
+                <a16:creationId xmlns:a16="http://schemas.microsoft.com/office/drawing/2014/main" id="{DC4F95C3-FB29-B6A3-06EE-79051A074218}"/>
+              </a:ext>
+            </a:extLst>
+          </p:cNvPr>
+          <p:cNvSpPr>
+            <a:spLocks noGrp="1"/>
+          </p:cNvSpPr>
+          <p:nvPr>
+            <p:ph idx="1"/>
+          </p:nvPr>
+        </p:nvSpPr>
+        <p:spPr>
+          <a:xfrm>
+            <a:off x="838200" y="1825625"/>
+            <a:ext cx="4451350" cy="4213225"/>
+          </a:xfrm>
+        </p:spPr>
+        <p:txBody>
+          <a:bodyPr/>
+          <a:lstStyle/>
+          <a:p>
+            <a:pPr marL="0" indent="0">
+              <a:buNone/>
+            </a:pPr>
+            <a:r>
+              <a:rPr lang="de-DE" dirty="0" err="1"/>
+              <a:t>Klassifikations</a:t>
+            </a:r>
+            <a:r>
+              <a:rPr lang="de-DE" dirty="0"/>
+              <a:t> Report</a:t>
+            </a:r>
+          </a:p>
+          <a:p>
+            <a:pPr marL="0" indent="0">
+              <a:buNone/>
+            </a:pPr>
+            <a:endParaRPr lang="en-US" dirty="0"/>
+          </a:p>
+        </p:txBody>
+      </p:sp>
+      <p:sp>
+        <p:nvSpPr>
+          <p:cNvPr id="11" name="Textfeld 10">
+            <a:extLst>
+              <a:ext uri="{FF2B5EF4-FFF2-40B4-BE49-F238E27FC236}">
+                <a16:creationId xmlns:a16="http://schemas.microsoft.com/office/drawing/2014/main" id="{30D637A9-C434-FB49-7FC7-DC35D7355B9F}"/>
+              </a:ext>
+            </a:extLst>
+          </p:cNvPr>
+          <p:cNvSpPr txBox="1"/>
+          <p:nvPr/>
+        </p:nvSpPr>
+        <p:spPr>
+          <a:xfrm>
+            <a:off x="6773334" y="6310312"/>
+            <a:ext cx="3807883" cy="246221"/>
+          </a:xfrm>
+          <a:prstGeom prst="rect">
+            <a:avLst/>
+          </a:prstGeom>
+          <a:noFill/>
+        </p:spPr>
+        <p:txBody>
+          <a:bodyPr wrap="square">
+            <a:spAutoFit/>
+          </a:bodyPr>
+          <a:lstStyle/>
+          <a:p>
+            <a:r>
+              <a:rPr lang="en-US" sz="1000" dirty="0"/>
+              <a:t>Quelle: https://seaborn.pydata.org/generated/seaborn.heatmap.html</a:t>
+            </a:r>
+          </a:p>
+        </p:txBody>
+      </p:sp>
+      <p:sp>
+        <p:nvSpPr>
+          <p:cNvPr id="12" name="Textfeld 11">
+            <a:extLst>
+              <a:ext uri="{FF2B5EF4-FFF2-40B4-BE49-F238E27FC236}">
+                <a16:creationId xmlns:a16="http://schemas.microsoft.com/office/drawing/2014/main" id="{2A173D40-E406-591E-8B84-3B5805010686}"/>
+              </a:ext>
+            </a:extLst>
+          </p:cNvPr>
+          <p:cNvSpPr txBox="1"/>
+          <p:nvPr/>
+        </p:nvSpPr>
+        <p:spPr>
+          <a:xfrm>
+            <a:off x="888999" y="4425979"/>
+            <a:ext cx="6087533" cy="246221"/>
+          </a:xfrm>
+          <a:prstGeom prst="rect">
+            <a:avLst/>
+          </a:prstGeom>
+          <a:noFill/>
+        </p:spPr>
+        <p:txBody>
+          <a:bodyPr wrap="square">
+            <a:spAutoFit/>
+          </a:bodyPr>
+          <a:lstStyle/>
+          <a:p>
+            <a:r>
+              <a:rPr lang="en-US" sz="1000" dirty="0"/>
+              <a:t>Quelle: https://scikit-learn.org/stable/modules/generated/sklearn.metrics.classification_report.html</a:t>
+            </a:r>
+          </a:p>
+        </p:txBody>
+      </p:sp>
+      <p:pic>
+        <p:nvPicPr>
+          <p:cNvPr id="8" name="Grafik 7">
+            <a:extLst>
+              <a:ext uri="{FF2B5EF4-FFF2-40B4-BE49-F238E27FC236}">
+                <a16:creationId xmlns:a16="http://schemas.microsoft.com/office/drawing/2014/main" id="{5A90CB8C-D699-F983-7645-004020A1F92F}"/>
+              </a:ext>
+            </a:extLst>
+          </p:cNvPr>
+          <p:cNvPicPr>
+            <a:picLocks noChangeAspect="1"/>
+          </p:cNvPicPr>
+          <p:nvPr/>
+        </p:nvPicPr>
+        <p:blipFill>
+          <a:blip r:embed="rId2"/>
+          <a:stretch>
+            <a:fillRect/>
+          </a:stretch>
+        </p:blipFill>
+        <p:spPr>
+          <a:xfrm>
+            <a:off x="6385296" y="1752600"/>
+            <a:ext cx="4397003" cy="4557712"/>
+          </a:xfrm>
+          <a:prstGeom prst="rect">
+            <a:avLst/>
+          </a:prstGeom>
+        </p:spPr>
+      </p:pic>
+      <p:pic>
+        <p:nvPicPr>
+          <p:cNvPr id="13" name="Grafik 12">
+            <a:extLst>
+              <a:ext uri="{FF2B5EF4-FFF2-40B4-BE49-F238E27FC236}">
+                <a16:creationId xmlns:a16="http://schemas.microsoft.com/office/drawing/2014/main" id="{A7B85A60-886D-0FE0-C4F9-5328074A9FFD}"/>
+              </a:ext>
+            </a:extLst>
+          </p:cNvPr>
+          <p:cNvPicPr>
+            <a:picLocks noChangeAspect="1"/>
+          </p:cNvPicPr>
+          <p:nvPr/>
+        </p:nvPicPr>
+        <p:blipFill>
+          <a:blip r:embed="rId3"/>
+          <a:stretch>
+            <a:fillRect/>
+          </a:stretch>
+        </p:blipFill>
+        <p:spPr>
+          <a:xfrm>
+            <a:off x="942974" y="2409825"/>
+            <a:ext cx="4791075" cy="2016154"/>
+          </a:xfrm>
+          <a:prstGeom prst="rect">
+            <a:avLst/>
+          </a:prstGeom>
+        </p:spPr>
+      </p:pic>
+      <p:sp>
+        <p:nvSpPr>
+          <p:cNvPr id="4" name="Foliennummernplatzhalter 3">
+            <a:extLst>
+              <a:ext uri="{FF2B5EF4-FFF2-40B4-BE49-F238E27FC236}">
+                <a16:creationId xmlns:a16="http://schemas.microsoft.com/office/drawing/2014/main" id="{A992D602-438F-BB16-CA3C-5F6213658BFD}"/>
+              </a:ext>
+            </a:extLst>
+          </p:cNvPr>
+          <p:cNvSpPr>
+            <a:spLocks noGrp="1"/>
+          </p:cNvSpPr>
+          <p:nvPr>
+            <p:ph type="sldNum" sz="quarter" idx="12"/>
+          </p:nvPr>
+        </p:nvSpPr>
+        <p:spPr/>
+        <p:txBody>
+          <a:bodyPr/>
+          <a:lstStyle/>
+          <a:p>
+            <a:fld id="{C921D49C-F2C9-4773-B40D-55A32CD1AF58}" type="slidenum">
+              <a:rPr lang="en-US" smtClean="0"/>
+              <a:t>25</a:t>
+            </a:fld>
+            <a:endParaRPr lang="en-US"/>
+          </a:p>
+        </p:txBody>
+      </p:sp>
+    </p:spTree>
+    <p:extLst>
+      <p:ext uri="{BB962C8B-B14F-4D97-AF65-F5344CB8AC3E}">
+        <p14:creationId xmlns:p14="http://schemas.microsoft.com/office/powerpoint/2010/main" val="3263210723"/>
+      </p:ext>
+    </p:extLst>
+  </p:cSld>
+  <p:clrMapOvr>
+    <a:masterClrMapping/>
+  </p:clrMapOvr>
+</p:sld>
+</file>
+
+<file path=ppt/slides/slide26.xml><?xml version="1.0" encoding="utf-8"?>
+<p:sld xmlns:a="http://schemas.openxmlformats.org/drawingml/2006/main" xmlns:r="http://schemas.openxmlformats.org/officeDocument/2006/relationships" xmlns:p="http://schemas.openxmlformats.org/presentationml/2006/main">
+  <p:cSld>
+    <p:spTree>
+      <p:nvGrpSpPr>
+        <p:cNvPr id="1" name=""/>
+        <p:cNvGrpSpPr/>
+        <p:nvPr/>
+      </p:nvGrpSpPr>
+      <p:grpSpPr>
+        <a:xfrm>
+          <a:off x="0" y="0"/>
+          <a:ext cx="0" cy="0"/>
+          <a:chOff x="0" y="0"/>
+          <a:chExt cx="0" cy="0"/>
+        </a:xfrm>
+      </p:grpSpPr>
+      <p:sp>
+        <p:nvSpPr>
+          <p:cNvPr id="2" name="Titel 1">
+            <a:extLst>
+              <a:ext uri="{FF2B5EF4-FFF2-40B4-BE49-F238E27FC236}">
+                <a16:creationId xmlns:a16="http://schemas.microsoft.com/office/drawing/2014/main" id="{8EBA753B-FC0A-2CFE-752F-19DBAB0B5406}"/>
+              </a:ext>
+            </a:extLst>
+          </p:cNvPr>
+          <p:cNvSpPr>
+            <a:spLocks noGrp="1"/>
+          </p:cNvSpPr>
+          <p:nvPr>
+            <p:ph type="title"/>
+          </p:nvPr>
+        </p:nvSpPr>
+        <p:spPr/>
+        <p:txBody>
+          <a:bodyPr/>
+          <a:lstStyle/>
+          <a:p>
+            <a:r>
+              <a:rPr lang="de-DE" dirty="0" err="1"/>
+              <a:t>Evalutation</a:t>
+            </a:r>
+            <a:r>
+              <a:rPr lang="de-DE" dirty="0"/>
+              <a:t>-</a:t>
+            </a:r>
+            <a:r>
+              <a:rPr lang="en-US" dirty="0"/>
+              <a:t> </a:t>
+            </a:r>
+            <a:r>
+              <a:rPr lang="en-US" dirty="0" err="1"/>
+              <a:t>Unstrukt</a:t>
+            </a:r>
+            <a:r>
+              <a:rPr lang="en-US" dirty="0"/>
+              <a:t>. </a:t>
+            </a:r>
+            <a:r>
+              <a:rPr lang="en-US" dirty="0" err="1"/>
+              <a:t>Daten</a:t>
+            </a:r>
+            <a:r>
+              <a:rPr lang="en-US"/>
+              <a:t> </a:t>
+            </a:r>
+            <a:r>
+              <a:rPr lang="de-DE"/>
+              <a:t>Ergebnis </a:t>
+            </a:r>
+            <a:r>
+              <a:rPr lang="de-DE" dirty="0"/>
+              <a:t>Log-Daten</a:t>
             </a:r>
             <a:endParaRPr lang="en-US" dirty="0"/>
           </a:p>
@@ -15171,7 +16054,7 @@
           <a:p>
             <a:fld id="{C921D49C-F2C9-4773-B40D-55A32CD1AF58}" type="slidenum">
               <a:rPr lang="en-US" smtClean="0"/>
-              <a:t>24</a:t>
+              <a:t>26</a:t>
             </a:fld>
             <a:endParaRPr lang="en-US"/>
           </a:p>
@@ -15190,7 +16073,7 @@
 </p:sld>
 </file>
 
-<file path=ppt/slides/slide25.xml><?xml version="1.0" encoding="utf-8"?>
+<file path=ppt/slides/slide27.xml><?xml version="1.0" encoding="utf-8"?>
 <p:sld xmlns:a="http://schemas.openxmlformats.org/drawingml/2006/main" xmlns:r="http://schemas.openxmlformats.org/officeDocument/2006/relationships" xmlns:p="http://schemas.openxmlformats.org/presentationml/2006/main">
   <p:cSld>
     <p:spTree>
@@ -15356,7 +16239,7 @@
           <a:p>
             <a:fld id="{C921D49C-F2C9-4773-B40D-55A32CD1AF58}" type="slidenum">
               <a:rPr lang="en-US" smtClean="0"/>
-              <a:t>25</a:t>
+              <a:t>27</a:t>
             </a:fld>
             <a:endParaRPr lang="en-US"/>
           </a:p>
@@ -15366,238 +16249,6 @@
     <p:extLst>
       <p:ext uri="{BB962C8B-B14F-4D97-AF65-F5344CB8AC3E}">
         <p14:creationId xmlns:p14="http://schemas.microsoft.com/office/powerpoint/2010/main" val="3257267376"/>
-      </p:ext>
-    </p:extLst>
-  </p:cSld>
-  <p:clrMapOvr>
-    <a:masterClrMapping/>
-  </p:clrMapOvr>
-</p:sld>
-</file>
-
-<file path=ppt/slides/slide26.xml><?xml version="1.0" encoding="utf-8"?>
-<p:sld xmlns:a="http://schemas.openxmlformats.org/drawingml/2006/main" xmlns:r="http://schemas.openxmlformats.org/officeDocument/2006/relationships" xmlns:p="http://schemas.openxmlformats.org/presentationml/2006/main">
-  <p:cSld>
-    <p:spTree>
-      <p:nvGrpSpPr>
-        <p:cNvPr id="1" name=""/>
-        <p:cNvGrpSpPr/>
-        <p:nvPr/>
-      </p:nvGrpSpPr>
-      <p:grpSpPr>
-        <a:xfrm>
-          <a:off x="0" y="0"/>
-          <a:ext cx="0" cy="0"/>
-          <a:chOff x="0" y="0"/>
-          <a:chExt cx="0" cy="0"/>
-        </a:xfrm>
-      </p:grpSpPr>
-      <p:sp>
-        <p:nvSpPr>
-          <p:cNvPr id="2" name="Titel 1">
-            <a:extLst>
-              <a:ext uri="{FF2B5EF4-FFF2-40B4-BE49-F238E27FC236}">
-                <a16:creationId xmlns:a16="http://schemas.microsoft.com/office/drawing/2014/main" id="{64BFFB9A-75D2-56E6-E8C2-10854B10B733}"/>
-              </a:ext>
-            </a:extLst>
-          </p:cNvPr>
-          <p:cNvSpPr>
-            <a:spLocks noGrp="1"/>
-          </p:cNvSpPr>
-          <p:nvPr>
-            <p:ph type="title"/>
-          </p:nvPr>
-        </p:nvSpPr>
-        <p:spPr/>
-        <p:txBody>
-          <a:bodyPr/>
-          <a:lstStyle/>
-          <a:p>
-            <a:r>
-              <a:rPr lang="de-DE" dirty="0"/>
-              <a:t>Parallelisierung</a:t>
-            </a:r>
-            <a:endParaRPr lang="en-US" dirty="0"/>
-          </a:p>
-        </p:txBody>
-      </p:sp>
-      <p:sp>
-        <p:nvSpPr>
-          <p:cNvPr id="3" name="Inhaltsplatzhalter 2">
-            <a:extLst>
-              <a:ext uri="{FF2B5EF4-FFF2-40B4-BE49-F238E27FC236}">
-                <a16:creationId xmlns:a16="http://schemas.microsoft.com/office/drawing/2014/main" id="{CEA0F552-59EE-BA80-877E-91E8A50AA07E}"/>
-              </a:ext>
-            </a:extLst>
-          </p:cNvPr>
-          <p:cNvSpPr>
-            <a:spLocks noGrp="1"/>
-          </p:cNvSpPr>
-          <p:nvPr>
-            <p:ph idx="1"/>
-          </p:nvPr>
-        </p:nvSpPr>
-        <p:spPr/>
-        <p:txBody>
-          <a:bodyPr/>
-          <a:lstStyle/>
-          <a:p>
-            <a:endParaRPr lang="en-US"/>
-          </a:p>
-        </p:txBody>
-      </p:sp>
-      <p:sp>
-        <p:nvSpPr>
-          <p:cNvPr id="4" name="Foliennummernplatzhalter 3">
-            <a:extLst>
-              <a:ext uri="{FF2B5EF4-FFF2-40B4-BE49-F238E27FC236}">
-                <a16:creationId xmlns:a16="http://schemas.microsoft.com/office/drawing/2014/main" id="{27CA22F9-0B4F-BB36-7A77-78EAE7E59BC7}"/>
-              </a:ext>
-            </a:extLst>
-          </p:cNvPr>
-          <p:cNvSpPr>
-            <a:spLocks noGrp="1"/>
-          </p:cNvSpPr>
-          <p:nvPr>
-            <p:ph type="sldNum" sz="quarter" idx="12"/>
-          </p:nvPr>
-        </p:nvSpPr>
-        <p:spPr/>
-        <p:txBody>
-          <a:bodyPr/>
-          <a:lstStyle/>
-          <a:p>
-            <a:fld id="{C921D49C-F2C9-4773-B40D-55A32CD1AF58}" type="slidenum">
-              <a:rPr lang="en-US" smtClean="0"/>
-              <a:t>26</a:t>
-            </a:fld>
-            <a:endParaRPr lang="en-US"/>
-          </a:p>
-        </p:txBody>
-      </p:sp>
-    </p:spTree>
-    <p:extLst>
-      <p:ext uri="{BB962C8B-B14F-4D97-AF65-F5344CB8AC3E}">
-        <p14:creationId xmlns:p14="http://schemas.microsoft.com/office/powerpoint/2010/main" val="1750454814"/>
-      </p:ext>
-    </p:extLst>
-  </p:cSld>
-  <p:clrMapOvr>
-    <a:masterClrMapping/>
-  </p:clrMapOvr>
-</p:sld>
-</file>
-
-<file path=ppt/slides/slide27.xml><?xml version="1.0" encoding="utf-8"?>
-<p:sld xmlns:a="http://schemas.openxmlformats.org/drawingml/2006/main" xmlns:r="http://schemas.openxmlformats.org/officeDocument/2006/relationships" xmlns:p="http://schemas.openxmlformats.org/presentationml/2006/main">
-  <p:cSld>
-    <p:spTree>
-      <p:nvGrpSpPr>
-        <p:cNvPr id="1" name="">
-          <a:extLst>
-            <a:ext uri="{FF2B5EF4-FFF2-40B4-BE49-F238E27FC236}">
-              <a16:creationId xmlns:a16="http://schemas.microsoft.com/office/drawing/2014/main" id="{AA586AA9-2389-9FDB-3272-8E3044E14D68}"/>
-            </a:ext>
-          </a:extLst>
-        </p:cNvPr>
-        <p:cNvGrpSpPr/>
-        <p:nvPr/>
-      </p:nvGrpSpPr>
-      <p:grpSpPr>
-        <a:xfrm>
-          <a:off x="0" y="0"/>
-          <a:ext cx="0" cy="0"/>
-          <a:chOff x="0" y="0"/>
-          <a:chExt cx="0" cy="0"/>
-        </a:xfrm>
-      </p:grpSpPr>
-      <p:sp>
-        <p:nvSpPr>
-          <p:cNvPr id="2" name="Titel 1">
-            <a:extLst>
-              <a:ext uri="{FF2B5EF4-FFF2-40B4-BE49-F238E27FC236}">
-                <a16:creationId xmlns:a16="http://schemas.microsoft.com/office/drawing/2014/main" id="{8E6B58A8-F99F-19E1-7107-8230BFA5BFBB}"/>
-              </a:ext>
-            </a:extLst>
-          </p:cNvPr>
-          <p:cNvSpPr>
-            <a:spLocks noGrp="1"/>
-          </p:cNvSpPr>
-          <p:nvPr>
-            <p:ph type="title"/>
-          </p:nvPr>
-        </p:nvSpPr>
-        <p:spPr/>
-        <p:txBody>
-          <a:bodyPr/>
-          <a:lstStyle/>
-          <a:p>
-            <a:r>
-              <a:rPr lang="de-DE" dirty="0"/>
-              <a:t>API Bereitstellung</a:t>
-            </a:r>
-            <a:endParaRPr lang="en-US" dirty="0"/>
-          </a:p>
-        </p:txBody>
-      </p:sp>
-      <p:sp>
-        <p:nvSpPr>
-          <p:cNvPr id="3" name="Inhaltsplatzhalter 2">
-            <a:extLst>
-              <a:ext uri="{FF2B5EF4-FFF2-40B4-BE49-F238E27FC236}">
-                <a16:creationId xmlns:a16="http://schemas.microsoft.com/office/drawing/2014/main" id="{3DCD2ED7-0854-0331-6664-1F5221B1AC88}"/>
-              </a:ext>
-            </a:extLst>
-          </p:cNvPr>
-          <p:cNvSpPr>
-            <a:spLocks noGrp="1"/>
-          </p:cNvSpPr>
-          <p:nvPr>
-            <p:ph idx="1"/>
-          </p:nvPr>
-        </p:nvSpPr>
-        <p:spPr/>
-        <p:txBody>
-          <a:bodyPr/>
-          <a:lstStyle/>
-          <a:p>
-            <a:endParaRPr lang="en-US"/>
-          </a:p>
-        </p:txBody>
-      </p:sp>
-      <p:sp>
-        <p:nvSpPr>
-          <p:cNvPr id="4" name="Foliennummernplatzhalter 3">
-            <a:extLst>
-              <a:ext uri="{FF2B5EF4-FFF2-40B4-BE49-F238E27FC236}">
-                <a16:creationId xmlns:a16="http://schemas.microsoft.com/office/drawing/2014/main" id="{8E46A484-D226-737B-D50C-AEE61DA5874E}"/>
-              </a:ext>
-            </a:extLst>
-          </p:cNvPr>
-          <p:cNvSpPr>
-            <a:spLocks noGrp="1"/>
-          </p:cNvSpPr>
-          <p:nvPr>
-            <p:ph type="sldNum" sz="quarter" idx="12"/>
-          </p:nvPr>
-        </p:nvSpPr>
-        <p:spPr/>
-        <p:txBody>
-          <a:bodyPr/>
-          <a:lstStyle/>
-          <a:p>
-            <a:fld id="{C921D49C-F2C9-4773-B40D-55A32CD1AF58}" type="slidenum">
-              <a:rPr lang="en-US" smtClean="0"/>
-              <a:t>27</a:t>
-            </a:fld>
-            <a:endParaRPr lang="en-US"/>
-          </a:p>
-        </p:txBody>
-      </p:sp>
-    </p:spTree>
-    <p:extLst>
-      <p:ext uri="{BB962C8B-B14F-4D97-AF65-F5344CB8AC3E}">
-        <p14:creationId xmlns:p14="http://schemas.microsoft.com/office/powerpoint/2010/main" val="1967836994"/>
       </p:ext>
     </p:extLst>
   </p:cSld>
@@ -15629,7 +16280,7 @@
           <p:cNvPr id="2" name="Titel 1">
             <a:extLst>
               <a:ext uri="{FF2B5EF4-FFF2-40B4-BE49-F238E27FC236}">
-                <a16:creationId xmlns:a16="http://schemas.microsoft.com/office/drawing/2014/main" id="{BF2165E2-614A-B872-ABC1-8FBD64B11060}"/>
+                <a16:creationId xmlns:a16="http://schemas.microsoft.com/office/drawing/2014/main" id="{64BFFB9A-75D2-56E6-E8C2-10854B10B733}"/>
               </a:ext>
             </a:extLst>
           </p:cNvPr>
@@ -15647,7 +16298,7 @@
           <a:p>
             <a:r>
               <a:rPr lang="de-DE" dirty="0"/>
-              <a:t>Literatur</a:t>
+              <a:t>Parallelisierung</a:t>
             </a:r>
             <a:endParaRPr lang="en-US" dirty="0"/>
           </a:p>
@@ -15658,7 +16309,7 @@
           <p:cNvPr id="3" name="Inhaltsplatzhalter 2">
             <a:extLst>
               <a:ext uri="{FF2B5EF4-FFF2-40B4-BE49-F238E27FC236}">
-                <a16:creationId xmlns:a16="http://schemas.microsoft.com/office/drawing/2014/main" id="{85CDDB84-6F68-5541-3E56-187B5277AF47}"/>
+                <a16:creationId xmlns:a16="http://schemas.microsoft.com/office/drawing/2014/main" id="{CEA0F552-59EE-BA80-877E-91E8A50AA07E}"/>
               </a:ext>
             </a:extLst>
           </p:cNvPr>
@@ -15674,35 +16325,7 @@
           <a:bodyPr/>
           <a:lstStyle/>
           <a:p>
-            <a:pPr marL="0" indent="0">
-              <a:buNone/>
-            </a:pPr>
-            <a:r>
-              <a:rPr lang="de-DE" dirty="0" err="1"/>
-              <a:t>Champman</a:t>
-            </a:r>
-            <a:r>
-              <a:rPr lang="de-DE" dirty="0"/>
-              <a:t> et al.: </a:t>
-            </a:r>
-            <a:r>
-              <a:rPr lang="en-US" dirty="0"/>
-              <a:t>Step-</a:t>
-            </a:r>
-            <a:r>
-              <a:rPr lang="en-US" dirty="0" err="1"/>
-              <a:t>bystep</a:t>
-            </a:r>
-            <a:r>
-              <a:rPr lang="en-US" dirty="0"/>
-              <a:t> data mining guide. SPSS inc. 78, 1–78 (2000)</a:t>
-            </a:r>
-          </a:p>
-          <a:p>
-            <a:pPr marL="0" indent="0">
-              <a:buNone/>
-            </a:pPr>
-            <a:endParaRPr lang="en-US" dirty="0"/>
+            <a:endParaRPr lang="en-US"/>
           </a:p>
         </p:txBody>
       </p:sp>
@@ -15711,7 +16334,7 @@
           <p:cNvPr id="4" name="Foliennummernplatzhalter 3">
             <a:extLst>
               <a:ext uri="{FF2B5EF4-FFF2-40B4-BE49-F238E27FC236}">
-                <a16:creationId xmlns:a16="http://schemas.microsoft.com/office/drawing/2014/main" id="{2C33EF69-815B-B584-8A85-1B82D89CAFD9}"/>
+                <a16:creationId xmlns:a16="http://schemas.microsoft.com/office/drawing/2014/main" id="{27CA22F9-0B4F-BB36-7A77-78EAE7E59BC7}"/>
               </a:ext>
             </a:extLst>
           </p:cNvPr>
@@ -15738,7 +16361,126 @@
     </p:spTree>
     <p:extLst>
       <p:ext uri="{BB962C8B-B14F-4D97-AF65-F5344CB8AC3E}">
-        <p14:creationId xmlns:p14="http://schemas.microsoft.com/office/powerpoint/2010/main" val="3202789402"/>
+        <p14:creationId xmlns:p14="http://schemas.microsoft.com/office/powerpoint/2010/main" val="1750454814"/>
+      </p:ext>
+    </p:extLst>
+  </p:cSld>
+  <p:clrMapOvr>
+    <a:masterClrMapping/>
+  </p:clrMapOvr>
+</p:sld>
+</file>
+
+<file path=ppt/slides/slide29.xml><?xml version="1.0" encoding="utf-8"?>
+<p:sld xmlns:a="http://schemas.openxmlformats.org/drawingml/2006/main" xmlns:r="http://schemas.openxmlformats.org/officeDocument/2006/relationships" xmlns:p="http://schemas.openxmlformats.org/presentationml/2006/main">
+  <p:cSld>
+    <p:spTree>
+      <p:nvGrpSpPr>
+        <p:cNvPr id="1" name="">
+          <a:extLst>
+            <a:ext uri="{FF2B5EF4-FFF2-40B4-BE49-F238E27FC236}">
+              <a16:creationId xmlns:a16="http://schemas.microsoft.com/office/drawing/2014/main" id="{AA586AA9-2389-9FDB-3272-8E3044E14D68}"/>
+            </a:ext>
+          </a:extLst>
+        </p:cNvPr>
+        <p:cNvGrpSpPr/>
+        <p:nvPr/>
+      </p:nvGrpSpPr>
+      <p:grpSpPr>
+        <a:xfrm>
+          <a:off x="0" y="0"/>
+          <a:ext cx="0" cy="0"/>
+          <a:chOff x="0" y="0"/>
+          <a:chExt cx="0" cy="0"/>
+        </a:xfrm>
+      </p:grpSpPr>
+      <p:sp>
+        <p:nvSpPr>
+          <p:cNvPr id="2" name="Titel 1">
+            <a:extLst>
+              <a:ext uri="{FF2B5EF4-FFF2-40B4-BE49-F238E27FC236}">
+                <a16:creationId xmlns:a16="http://schemas.microsoft.com/office/drawing/2014/main" id="{8E6B58A8-F99F-19E1-7107-8230BFA5BFBB}"/>
+              </a:ext>
+            </a:extLst>
+          </p:cNvPr>
+          <p:cNvSpPr>
+            <a:spLocks noGrp="1"/>
+          </p:cNvSpPr>
+          <p:nvPr>
+            <p:ph type="title"/>
+          </p:nvPr>
+        </p:nvSpPr>
+        <p:spPr/>
+        <p:txBody>
+          <a:bodyPr/>
+          <a:lstStyle/>
+          <a:p>
+            <a:r>
+              <a:rPr lang="de-DE" dirty="0"/>
+              <a:t>API Bereitstellung</a:t>
+            </a:r>
+            <a:endParaRPr lang="en-US" dirty="0"/>
+          </a:p>
+        </p:txBody>
+      </p:sp>
+      <p:sp>
+        <p:nvSpPr>
+          <p:cNvPr id="3" name="Inhaltsplatzhalter 2">
+            <a:extLst>
+              <a:ext uri="{FF2B5EF4-FFF2-40B4-BE49-F238E27FC236}">
+                <a16:creationId xmlns:a16="http://schemas.microsoft.com/office/drawing/2014/main" id="{3DCD2ED7-0854-0331-6664-1F5221B1AC88}"/>
+              </a:ext>
+            </a:extLst>
+          </p:cNvPr>
+          <p:cNvSpPr>
+            <a:spLocks noGrp="1"/>
+          </p:cNvSpPr>
+          <p:nvPr>
+            <p:ph idx="1"/>
+          </p:nvPr>
+        </p:nvSpPr>
+        <p:spPr/>
+        <p:txBody>
+          <a:bodyPr/>
+          <a:lstStyle/>
+          <a:p>
+            <a:endParaRPr lang="en-US"/>
+          </a:p>
+        </p:txBody>
+      </p:sp>
+      <p:sp>
+        <p:nvSpPr>
+          <p:cNvPr id="4" name="Foliennummernplatzhalter 3">
+            <a:extLst>
+              <a:ext uri="{FF2B5EF4-FFF2-40B4-BE49-F238E27FC236}">
+                <a16:creationId xmlns:a16="http://schemas.microsoft.com/office/drawing/2014/main" id="{8E46A484-D226-737B-D50C-AEE61DA5874E}"/>
+              </a:ext>
+            </a:extLst>
+          </p:cNvPr>
+          <p:cNvSpPr>
+            <a:spLocks noGrp="1"/>
+          </p:cNvSpPr>
+          <p:nvPr>
+            <p:ph type="sldNum" sz="quarter" idx="12"/>
+          </p:nvPr>
+        </p:nvSpPr>
+        <p:spPr/>
+        <p:txBody>
+          <a:bodyPr/>
+          <a:lstStyle/>
+          <a:p>
+            <a:fld id="{C921D49C-F2C9-4773-B40D-55A32CD1AF58}" type="slidenum">
+              <a:rPr lang="en-US" smtClean="0"/>
+              <a:t>29</a:t>
+            </a:fld>
+            <a:endParaRPr lang="en-US"/>
+          </a:p>
+        </p:txBody>
+      </p:sp>
+    </p:spTree>
+    <p:extLst>
+      <p:ext uri="{BB962C8B-B14F-4D97-AF65-F5344CB8AC3E}">
+        <p14:creationId xmlns:p14="http://schemas.microsoft.com/office/powerpoint/2010/main" val="1967836994"/>
       </p:ext>
     </p:extLst>
   </p:cSld>
@@ -15924,6 +16666,147 @@
     <p:extLst>
       <p:ext uri="{BB962C8B-B14F-4D97-AF65-F5344CB8AC3E}">
         <p14:creationId xmlns:p14="http://schemas.microsoft.com/office/powerpoint/2010/main" val="2422332918"/>
+      </p:ext>
+    </p:extLst>
+  </p:cSld>
+  <p:clrMapOvr>
+    <a:masterClrMapping/>
+  </p:clrMapOvr>
+</p:sld>
+</file>
+
+<file path=ppt/slides/slide30.xml><?xml version="1.0" encoding="utf-8"?>
+<p:sld xmlns:a="http://schemas.openxmlformats.org/drawingml/2006/main" xmlns:r="http://schemas.openxmlformats.org/officeDocument/2006/relationships" xmlns:p="http://schemas.openxmlformats.org/presentationml/2006/main">
+  <p:cSld>
+    <p:spTree>
+      <p:nvGrpSpPr>
+        <p:cNvPr id="1" name=""/>
+        <p:cNvGrpSpPr/>
+        <p:nvPr/>
+      </p:nvGrpSpPr>
+      <p:grpSpPr>
+        <a:xfrm>
+          <a:off x="0" y="0"/>
+          <a:ext cx="0" cy="0"/>
+          <a:chOff x="0" y="0"/>
+          <a:chExt cx="0" cy="0"/>
+        </a:xfrm>
+      </p:grpSpPr>
+      <p:sp>
+        <p:nvSpPr>
+          <p:cNvPr id="2" name="Titel 1">
+            <a:extLst>
+              <a:ext uri="{FF2B5EF4-FFF2-40B4-BE49-F238E27FC236}">
+                <a16:creationId xmlns:a16="http://schemas.microsoft.com/office/drawing/2014/main" id="{BF2165E2-614A-B872-ABC1-8FBD64B11060}"/>
+              </a:ext>
+            </a:extLst>
+          </p:cNvPr>
+          <p:cNvSpPr>
+            <a:spLocks noGrp="1"/>
+          </p:cNvSpPr>
+          <p:nvPr>
+            <p:ph type="title"/>
+          </p:nvPr>
+        </p:nvSpPr>
+        <p:spPr/>
+        <p:txBody>
+          <a:bodyPr/>
+          <a:lstStyle/>
+          <a:p>
+            <a:r>
+              <a:rPr lang="de-DE" dirty="0"/>
+              <a:t>Literatur</a:t>
+            </a:r>
+            <a:endParaRPr lang="en-US" dirty="0"/>
+          </a:p>
+        </p:txBody>
+      </p:sp>
+      <p:sp>
+        <p:nvSpPr>
+          <p:cNvPr id="3" name="Inhaltsplatzhalter 2">
+            <a:extLst>
+              <a:ext uri="{FF2B5EF4-FFF2-40B4-BE49-F238E27FC236}">
+                <a16:creationId xmlns:a16="http://schemas.microsoft.com/office/drawing/2014/main" id="{85CDDB84-6F68-5541-3E56-187B5277AF47}"/>
+              </a:ext>
+            </a:extLst>
+          </p:cNvPr>
+          <p:cNvSpPr>
+            <a:spLocks noGrp="1"/>
+          </p:cNvSpPr>
+          <p:nvPr>
+            <p:ph idx="1"/>
+          </p:nvPr>
+        </p:nvSpPr>
+        <p:spPr/>
+        <p:txBody>
+          <a:bodyPr/>
+          <a:lstStyle/>
+          <a:p>
+            <a:pPr marL="0" indent="0">
+              <a:buNone/>
+            </a:pPr>
+            <a:r>
+              <a:rPr lang="de-DE" dirty="0" err="1"/>
+              <a:t>Champman</a:t>
+            </a:r>
+            <a:r>
+              <a:rPr lang="de-DE" dirty="0"/>
+              <a:t> et al.: </a:t>
+            </a:r>
+            <a:r>
+              <a:rPr lang="en-US" dirty="0"/>
+              <a:t>Step-</a:t>
+            </a:r>
+            <a:r>
+              <a:rPr lang="en-US" dirty="0" err="1"/>
+              <a:t>bystep</a:t>
+            </a:r>
+            <a:r>
+              <a:rPr lang="en-US" dirty="0"/>
+              <a:t> data mining guide. SPSS inc. 78, 1–78 (2000)</a:t>
+            </a:r>
+          </a:p>
+          <a:p>
+            <a:pPr marL="0" indent="0">
+              <a:buNone/>
+            </a:pPr>
+            <a:endParaRPr lang="en-US" dirty="0"/>
+          </a:p>
+        </p:txBody>
+      </p:sp>
+      <p:sp>
+        <p:nvSpPr>
+          <p:cNvPr id="4" name="Foliennummernplatzhalter 3">
+            <a:extLst>
+              <a:ext uri="{FF2B5EF4-FFF2-40B4-BE49-F238E27FC236}">
+                <a16:creationId xmlns:a16="http://schemas.microsoft.com/office/drawing/2014/main" id="{2C33EF69-815B-B584-8A85-1B82D89CAFD9}"/>
+              </a:ext>
+            </a:extLst>
+          </p:cNvPr>
+          <p:cNvSpPr>
+            <a:spLocks noGrp="1"/>
+          </p:cNvSpPr>
+          <p:nvPr>
+            <p:ph type="sldNum" sz="quarter" idx="12"/>
+          </p:nvPr>
+        </p:nvSpPr>
+        <p:spPr/>
+        <p:txBody>
+          <a:bodyPr/>
+          <a:lstStyle/>
+          <a:p>
+            <a:fld id="{C921D49C-F2C9-4773-B40D-55A32CD1AF58}" type="slidenum">
+              <a:rPr lang="en-US" smtClean="0"/>
+              <a:t>30</a:t>
+            </a:fld>
+            <a:endParaRPr lang="en-US"/>
+          </a:p>
+        </p:txBody>
+      </p:sp>
+    </p:spTree>
+    <p:extLst>
+      <p:ext uri="{BB962C8B-B14F-4D97-AF65-F5344CB8AC3E}">
+        <p14:creationId xmlns:p14="http://schemas.microsoft.com/office/powerpoint/2010/main" val="3202789402"/>
       </p:ext>
     </p:extLst>
   </p:cSld>

--- a/Organisational/Dokumentation HHZ Rocket Project.pptx
+++ b/Organisational/Dokumentation HHZ Rocket Project.pptx
@@ -5,42 +5,45 @@
     <p:sldMasterId id="2147483648" r:id="rId1"/>
   </p:sldMasterIdLst>
   <p:notesMasterIdLst>
-    <p:notesMasterId r:id="rId35"/>
+    <p:notesMasterId r:id="rId38"/>
   </p:notesMasterIdLst>
   <p:sldIdLst>
-    <p:sldId id="256" r:id="rId2"/>
-    <p:sldId id="257" r:id="rId3"/>
-    <p:sldId id="269" r:id="rId4"/>
-    <p:sldId id="259" r:id="rId5"/>
-    <p:sldId id="260" r:id="rId6"/>
-    <p:sldId id="261" r:id="rId7"/>
-    <p:sldId id="262" r:id="rId8"/>
-    <p:sldId id="275" r:id="rId9"/>
-    <p:sldId id="270" r:id="rId10"/>
-    <p:sldId id="292" r:id="rId11"/>
-    <p:sldId id="293" r:id="rId12"/>
-    <p:sldId id="264" r:id="rId13"/>
-    <p:sldId id="271" r:id="rId14"/>
-    <p:sldId id="268" r:id="rId15"/>
-    <p:sldId id="273" r:id="rId16"/>
-    <p:sldId id="289" r:id="rId17"/>
-    <p:sldId id="277" r:id="rId18"/>
-    <p:sldId id="274" r:id="rId19"/>
-    <p:sldId id="294" r:id="rId20"/>
-    <p:sldId id="295" r:id="rId21"/>
-    <p:sldId id="296" r:id="rId22"/>
-    <p:sldId id="280" r:id="rId23"/>
-    <p:sldId id="281" r:id="rId24"/>
-    <p:sldId id="285" r:id="rId25"/>
-    <p:sldId id="278" r:id="rId26"/>
-    <p:sldId id="282" r:id="rId27"/>
-    <p:sldId id="283" r:id="rId28"/>
-    <p:sldId id="290" r:id="rId29"/>
-    <p:sldId id="286" r:id="rId30"/>
-    <p:sldId id="287" r:id="rId31"/>
-    <p:sldId id="288" r:id="rId32"/>
-    <p:sldId id="297" r:id="rId33"/>
-    <p:sldId id="291" r:id="rId34"/>
+    <p:sldId id="298" r:id="rId2"/>
+    <p:sldId id="299" r:id="rId3"/>
+    <p:sldId id="300" r:id="rId4"/>
+    <p:sldId id="301" r:id="rId5"/>
+    <p:sldId id="302" r:id="rId6"/>
+    <p:sldId id="303" r:id="rId7"/>
+    <p:sldId id="304" r:id="rId8"/>
+    <p:sldId id="305" r:id="rId9"/>
+    <p:sldId id="306" r:id="rId10"/>
+    <p:sldId id="307" r:id="rId11"/>
+    <p:sldId id="292" r:id="rId12"/>
+    <p:sldId id="293" r:id="rId13"/>
+    <p:sldId id="308" r:id="rId14"/>
+    <p:sldId id="309" r:id="rId15"/>
+    <p:sldId id="268" r:id="rId16"/>
+    <p:sldId id="310" r:id="rId17"/>
+    <p:sldId id="311" r:id="rId18"/>
+    <p:sldId id="277" r:id="rId19"/>
+    <p:sldId id="312" r:id="rId20"/>
+    <p:sldId id="274" r:id="rId21"/>
+    <p:sldId id="294" r:id="rId22"/>
+    <p:sldId id="295" r:id="rId23"/>
+    <p:sldId id="296" r:id="rId24"/>
+    <p:sldId id="313" r:id="rId25"/>
+    <p:sldId id="318" r:id="rId26"/>
+    <p:sldId id="319" r:id="rId27"/>
+    <p:sldId id="278" r:id="rId28"/>
+    <p:sldId id="317" r:id="rId29"/>
+    <p:sldId id="315" r:id="rId30"/>
+    <p:sldId id="316" r:id="rId31"/>
+    <p:sldId id="314" r:id="rId32"/>
+    <p:sldId id="286" r:id="rId33"/>
+    <p:sldId id="287" r:id="rId34"/>
+    <p:sldId id="288" r:id="rId35"/>
+    <p:sldId id="297" r:id="rId36"/>
+    <p:sldId id="291" r:id="rId37"/>
   </p:sldIdLst>
   <p:sldSz cx="12192000" cy="6858000"/>
   <p:notesSz cx="6858000" cy="9144000"/>
@@ -1672,7 +1675,7 @@
         <a:p>
           <a:r>
             <a:rPr lang="de-DE" dirty="0"/>
-            <a:t>1. Daten Zugriff erstellen</a:t>
+            <a:t>1. Datenanbindung erstellen</a:t>
           </a:r>
           <a:endParaRPr lang="en-US" dirty="0"/>
         </a:p>
@@ -1709,7 +1712,11 @@
         <a:p>
           <a:r>
             <a:rPr lang="de-DE" dirty="0"/>
-            <a:t>2. Fehlerhafte Daten werden entfernt</a:t>
+            <a:t>2. Fehlerhafte Daten </a:t>
+          </a:r>
+          <a:r>
+            <a:rPr lang="de-DE" dirty="0" err="1"/>
+            <a:t>enfernen</a:t>
           </a:r>
           <a:endParaRPr lang="en-US" dirty="0"/>
         </a:p>
@@ -1746,7 +1753,7 @@
         <a:p>
           <a:r>
             <a:rPr lang="de-DE" dirty="0"/>
-            <a:t>3. Neue Feature hinzufügen (Zielvariable)</a:t>
+            <a:t>3. Neues Feature hinzufügen (Zielvariable)</a:t>
           </a:r>
           <a:endParaRPr lang="en-US" dirty="0"/>
         </a:p>
@@ -1783,7 +1790,11 @@
         <a:p>
           <a:r>
             <a:rPr lang="de-DE" dirty="0"/>
-            <a:t>4. Nicht relevante Feature werden aus dem Datensatz entfernt</a:t>
+            <a:t>4. Nicht relevante Features aus dem Datensatz </a:t>
+          </a:r>
+          <a:r>
+            <a:rPr lang="de-DE" dirty="0" err="1"/>
+            <a:t>enfernen</a:t>
           </a:r>
           <a:endParaRPr lang="en-US" dirty="0"/>
         </a:p>
@@ -1818,6 +1829,10 @@
         <a:bodyPr/>
         <a:lstStyle/>
         <a:p>
+          <a:r>
+            <a:rPr lang="de-DE" dirty="0"/>
+            <a:t>5. Daten für lineare Regression normalisieren</a:t>
+          </a:r>
           <a:endParaRPr lang="en-US" dirty="0"/>
         </a:p>
       </dgm:t>
@@ -2116,15 +2131,7 @@
         <a:p>
           <a:r>
             <a:rPr lang="de-DE" dirty="0"/>
-            <a:t>4. </a:t>
-          </a:r>
-          <a:r>
-            <a:rPr lang="de-DE" dirty="0" err="1"/>
-            <a:t>Lemmatizierten</a:t>
-          </a:r>
-          <a:r>
-            <a:rPr lang="de-DE" dirty="0"/>
-            <a:t> Text in Wörter zerlegen</a:t>
+            <a:t>4. Lemmatisierten Text in Wörter zerlegen</a:t>
           </a:r>
           <a:endParaRPr lang="en-US" dirty="0"/>
         </a:p>
@@ -2167,7 +2174,10 @@
             <a:rPr lang="de-DE" dirty="0" err="1"/>
             <a:t>Stemming</a:t>
           </a:r>
-          <a:endParaRPr lang="de-DE" dirty="0"/>
+          <a:r>
+            <a:rPr lang="de-DE" dirty="0"/>
+            <a:t> auf die Stammform zurückführen</a:t>
+          </a:r>
         </a:p>
       </dgm:t>
     </dgm:pt>
@@ -2202,7 +2212,7 @@
         <a:p>
           <a:r>
             <a:rPr lang="de-DE" dirty="0"/>
-            <a:t>6. Daten Bereinigen</a:t>
+            <a:t>6. Daten bereinigen</a:t>
           </a:r>
         </a:p>
       </dgm:t>
@@ -2494,7 +2504,7 @@
           </a:pPr>
           <a:r>
             <a:rPr lang="de-DE" sz="2800" kern="1200" dirty="0"/>
-            <a:t>1. Daten Zugriff erstellen</a:t>
+            <a:t>1. Datenanbindung erstellen</a:t>
           </a:r>
           <a:endParaRPr lang="en-US" sz="2800" kern="1200" dirty="0"/>
         </a:p>
@@ -2605,7 +2615,11 @@
           </a:pPr>
           <a:r>
             <a:rPr lang="de-DE" sz="2800" kern="1200" dirty="0"/>
-            <a:t>2. Fehlerhafte Daten werden entfernt</a:t>
+            <a:t>2. Fehlerhafte Daten </a:t>
+          </a:r>
+          <a:r>
+            <a:rPr lang="de-DE" sz="2800" kern="1200" dirty="0" err="1"/>
+            <a:t>enfernen</a:t>
           </a:r>
           <a:endParaRPr lang="en-US" sz="2800" kern="1200" dirty="0"/>
         </a:p>
@@ -2716,7 +2730,7 @@
           </a:pPr>
           <a:r>
             <a:rPr lang="de-DE" sz="2800" kern="1200" dirty="0"/>
-            <a:t>3. Neue Feature hinzufügen (Zielvariable)</a:t>
+            <a:t>3. Neues Feature hinzufügen (Zielvariable)</a:t>
           </a:r>
           <a:endParaRPr lang="en-US" sz="2800" kern="1200" dirty="0"/>
         </a:p>
@@ -2827,7 +2841,11 @@
           </a:pPr>
           <a:r>
             <a:rPr lang="de-DE" sz="2800" kern="1200" dirty="0"/>
-            <a:t>4. Nicht relevante Feature werden aus dem Datensatz entfernt</a:t>
+            <a:t>4. Nicht relevante Features aus dem Datensatz </a:t>
+          </a:r>
+          <a:r>
+            <a:rPr lang="de-DE" sz="2800" kern="1200" dirty="0" err="1"/>
+            <a:t>enfernen</a:t>
           </a:r>
           <a:endParaRPr lang="en-US" sz="2800" kern="1200" dirty="0"/>
         </a:p>
@@ -2936,6 +2954,10 @@
             </a:spcAft>
             <a:buNone/>
           </a:pPr>
+          <a:r>
+            <a:rPr lang="de-DE" sz="2800" kern="1200" dirty="0"/>
+            <a:t>5. Daten für lineare Regression normalisieren</a:t>
+          </a:r>
           <a:endParaRPr lang="en-US" sz="2800" kern="1200" dirty="0"/>
         </a:p>
       </dsp:txBody>
@@ -3394,15 +3416,7 @@
           </a:pPr>
           <a:r>
             <a:rPr lang="de-DE" sz="2300" kern="1200" dirty="0"/>
-            <a:t>4. </a:t>
-          </a:r>
-          <a:r>
-            <a:rPr lang="de-DE" sz="2300" kern="1200" dirty="0" err="1"/>
-            <a:t>Lemmatizierten</a:t>
-          </a:r>
-          <a:r>
-            <a:rPr lang="de-DE" sz="2300" kern="1200" dirty="0"/>
-            <a:t> Text in Wörter zerlegen</a:t>
+            <a:t>4. Lemmatisierten Text in Wörter zerlegen</a:t>
           </a:r>
           <a:endParaRPr lang="en-US" sz="2300" kern="1200" dirty="0"/>
         </a:p>
@@ -3519,7 +3533,10 @@
             <a:rPr lang="de-DE" sz="2300" kern="1200" dirty="0" err="1"/>
             <a:t>Stemming</a:t>
           </a:r>
-          <a:endParaRPr lang="de-DE" sz="2300" kern="1200" dirty="0"/>
+          <a:r>
+            <a:rPr lang="de-DE" sz="2300" kern="1200" dirty="0"/>
+            <a:t> auf die Stammform zurückführen</a:t>
+          </a:r>
         </a:p>
       </dsp:txBody>
       <dsp:txXfrm>
@@ -3628,7 +3645,7 @@
           </a:pPr>
           <a:r>
             <a:rPr lang="de-DE" sz="2300" kern="1200" dirty="0"/>
-            <a:t>6. Daten Bereinigen</a:t>
+            <a:t>6. Daten bereinigen</a:t>
           </a:r>
         </a:p>
       </dsp:txBody>
@@ -7156,7 +7173,7 @@
           <a:p>
             <a:fld id="{D9DD7745-79BD-4570-92F6-045CD7F1EEDB}" type="slidenum">
               <a:rPr lang="en-US" smtClean="0"/>
-              <a:t>6</a:t>
+              <a:t>7</a:t>
             </a:fld>
             <a:endParaRPr lang="en-US"/>
           </a:p>
@@ -7340,7 +7357,7 @@
           <a:p>
             <a:fld id="{D9DD7745-79BD-4570-92F6-045CD7F1EEDB}" type="slidenum">
               <a:rPr lang="en-US" smtClean="0"/>
-              <a:t>13</a:t>
+              <a:t>14</a:t>
             </a:fld>
             <a:endParaRPr lang="en-US"/>
           </a:p>
@@ -10594,6 +10611,45 @@
           <a:chExt cx="0" cy="0"/>
         </a:xfrm>
       </p:grpSpPr>
+      <p:pic>
+        <p:nvPicPr>
+          <p:cNvPr id="11" name="Grafik 10" descr="Ein Bild, das Transport, draußen, Himmel, Rakete enthält.&#10;&#10;Automatisch generierte Beschreibung">
+            <a:extLst>
+              <a:ext uri="{FF2B5EF4-FFF2-40B4-BE49-F238E27FC236}">
+                <a16:creationId xmlns:a16="http://schemas.microsoft.com/office/drawing/2014/main" id="{B042BEA3-B749-9AE4-CA50-1BB86176D99F}"/>
+              </a:ext>
+            </a:extLst>
+          </p:cNvPr>
+          <p:cNvPicPr>
+            <a:picLocks noChangeAspect="1"/>
+          </p:cNvPicPr>
+          <p:nvPr/>
+        </p:nvPicPr>
+        <p:blipFill>
+          <a:blip r:embed="rId2">
+            <a:extLst>
+              <a:ext uri="{28A0092B-C50C-407E-A947-70E740481C1C}">
+                <a14:useLocalDpi xmlns:a14="http://schemas.microsoft.com/office/drawing/2010/main" val="0"/>
+              </a:ext>
+              <a:ext uri="{837473B0-CC2E-450A-ABE3-18F120FF3D39}">
+                <a1611:picAttrSrcUrl xmlns:a1611="http://schemas.microsoft.com/office/drawing/2016/11/main" r:id="rId3"/>
+              </a:ext>
+            </a:extLst>
+          </a:blip>
+          <a:stretch>
+            <a:fillRect/>
+          </a:stretch>
+        </p:blipFill>
+        <p:spPr>
+          <a:xfrm>
+            <a:off x="-478368" y="-814212"/>
+            <a:ext cx="12729634" cy="8486423"/>
+          </a:xfrm>
+          <a:prstGeom prst="rect">
+            <a:avLst/>
+          </a:prstGeom>
+        </p:spPr>
+      </p:pic>
       <p:sp>
         <p:nvSpPr>
           <p:cNvPr id="2" name="Titel 1">
@@ -10612,112 +10668,206 @@
         </p:nvSpPr>
         <p:spPr>
           <a:xfrm>
-            <a:off x="1524000" y="3736350"/>
-            <a:ext cx="9144000" cy="2387600"/>
+            <a:off x="-736600" y="1117599"/>
+            <a:ext cx="7099300" cy="980450"/>
           </a:xfrm>
         </p:spPr>
         <p:txBody>
+          <a:bodyPr>
+            <a:normAutofit fontScale="90000"/>
+          </a:bodyPr>
+          <a:lstStyle/>
+          <a:p>
+            <a:r>
+              <a:rPr lang="de-DE" b="1" dirty="0"/>
+              <a:t>Gruppe </a:t>
+            </a:r>
+            <a:br>
+              <a:rPr lang="de-DE" b="1" dirty="0"/>
+            </a:br>
+            <a:r>
+              <a:rPr lang="de-DE" b="1" dirty="0"/>
+              <a:t>„Rocket Science“</a:t>
+            </a:r>
+            <a:endParaRPr lang="en-US" dirty="0"/>
+          </a:p>
+        </p:txBody>
+      </p:sp>
+      <p:sp>
+        <p:nvSpPr>
+          <p:cNvPr id="5" name="Foliennummernplatzhalter 4">
+            <a:extLst>
+              <a:ext uri="{FF2B5EF4-FFF2-40B4-BE49-F238E27FC236}">
+                <a16:creationId xmlns:a16="http://schemas.microsoft.com/office/drawing/2014/main" id="{71777500-41C4-DBD3-F6CD-938632C54B1C}"/>
+              </a:ext>
+            </a:extLst>
+          </p:cNvPr>
+          <p:cNvSpPr>
+            <a:spLocks noGrp="1"/>
+          </p:cNvSpPr>
+          <p:nvPr>
+            <p:ph type="sldNum" sz="quarter" idx="12"/>
+          </p:nvPr>
+        </p:nvSpPr>
+        <p:spPr/>
+        <p:txBody>
           <a:bodyPr/>
           <a:lstStyle/>
           <a:p>
-            <a:r>
-              <a:rPr lang="de-DE" dirty="0"/>
-              <a:t>Business Understanding</a:t>
-            </a:r>
-            <a:endParaRPr lang="en-US" dirty="0"/>
+            <a:fld id="{C921D49C-F2C9-4773-B40D-55A32CD1AF58}" type="slidenum">
+              <a:rPr lang="en-US" smtClean="0">
+                <a:solidFill>
+                  <a:schemeClr val="bg1"/>
+                </a:solidFill>
+              </a:rPr>
+              <a:t>1</a:t>
+            </a:fld>
+            <a:endParaRPr lang="en-US" dirty="0">
+              <a:solidFill>
+                <a:schemeClr val="bg1"/>
+              </a:solidFill>
+            </a:endParaRPr>
           </a:p>
         </p:txBody>
       </p:sp>
-      <p:pic>
-        <p:nvPicPr>
-          <p:cNvPr id="3" name="Picture 2" descr="What is CRISP DM? - Data Science Process Alliance">
-            <a:extLst>
-              <a:ext uri="{FF2B5EF4-FFF2-40B4-BE49-F238E27FC236}">
-                <a16:creationId xmlns:a16="http://schemas.microsoft.com/office/drawing/2014/main" id="{006800C5-B817-2984-C9FA-BB21FBA26CCF}"/>
-              </a:ext>
-            </a:extLst>
-          </p:cNvPr>
-          <p:cNvPicPr>
-            <a:picLocks noChangeAspect="1" noChangeArrowheads="1"/>
-          </p:cNvPicPr>
+      <p:sp>
+        <p:nvSpPr>
+          <p:cNvPr id="6" name="Titel 1">
+            <a:extLst>
+              <a:ext uri="{FF2B5EF4-FFF2-40B4-BE49-F238E27FC236}">
+                <a16:creationId xmlns:a16="http://schemas.microsoft.com/office/drawing/2014/main" id="{6B23C647-B2D0-F117-5D8C-253BFBE827DA}"/>
+              </a:ext>
+            </a:extLst>
+          </p:cNvPr>
+          <p:cNvSpPr txBox="1">
+            <a:spLocks/>
+          </p:cNvSpPr>
           <p:nvPr/>
-        </p:nvPicPr>
-        <p:blipFill>
-          <a:blip r:embed="rId2">
-            <a:extLst>
-              <a:ext uri="{28A0092B-C50C-407E-A947-70E740481C1C}">
-                <a14:useLocalDpi xmlns:a14="http://schemas.microsoft.com/office/drawing/2010/main" val="0"/>
-              </a:ext>
-            </a:extLst>
-          </a:blip>
-          <a:srcRect/>
-          <a:stretch>
-            <a:fillRect/>
-          </a:stretch>
-        </p:blipFill>
-        <p:spPr bwMode="auto">
+        </p:nvSpPr>
+        <p:spPr>
           <a:xfrm>
-            <a:off x="2725217" y="0"/>
-            <a:ext cx="6381430" cy="5220182"/>
+            <a:off x="55033" y="6264587"/>
+            <a:ext cx="4068233" cy="548650"/>
           </a:xfrm>
           <a:prstGeom prst="rect">
             <a:avLst/>
           </a:prstGeom>
-          <a:noFill/>
-          <a:extLst>
-            <a:ext uri="{909E8E84-426E-40DD-AFC4-6F175D3DCCD1}">
-              <a14:hiddenFill xmlns:a14="http://schemas.microsoft.com/office/drawing/2010/main">
+        </p:spPr>
+        <p:txBody>
+          <a:bodyPr vert="horz" lIns="91440" tIns="45720" rIns="91440" bIns="45720" rtlCol="0" anchor="b">
+            <a:normAutofit/>
+          </a:bodyPr>
+          <a:lstStyle>
+            <a:lvl1pPr algn="ctr" defTabSz="914400" rtl="0" eaLnBrk="1" latinLnBrk="0" hangingPunct="1">
+              <a:lnSpc>
+                <a:spcPct val="90000"/>
+              </a:lnSpc>
+              <a:spcBef>
+                <a:spcPct val="0"/>
+              </a:spcBef>
+              <a:buNone/>
+              <a:defRPr sz="6000" kern="1200">
                 <a:solidFill>
-                  <a:srgbClr val="FFFFFF"/>
+                  <a:schemeClr val="tx1"/>
                 </a:solidFill>
-              </a14:hiddenFill>
-            </a:ext>
-          </a:extLst>
-        </p:spPr>
-      </p:pic>
+                <a:latin typeface="+mj-lt"/>
+                <a:ea typeface="+mj-ea"/>
+                <a:cs typeface="+mj-cs"/>
+              </a:defRPr>
+            </a:lvl1pPr>
+          </a:lstStyle>
+          <a:p>
+            <a:r>
+              <a:rPr lang="de-DE" sz="2000" b="1" dirty="0">
+                <a:solidFill>
+                  <a:schemeClr val="bg1"/>
+                </a:solidFill>
+              </a:rPr>
+              <a:t>DBM22 Modul: Big Data</a:t>
+            </a:r>
+            <a:endParaRPr lang="en-US" sz="2000" dirty="0">
+              <a:solidFill>
+                <a:schemeClr val="bg1"/>
+              </a:solidFill>
+            </a:endParaRPr>
+          </a:p>
+        </p:txBody>
+      </p:sp>
       <p:sp>
         <p:nvSpPr>
-          <p:cNvPr id="4" name="Textfeld 3">
-            <a:extLst>
-              <a:ext uri="{FF2B5EF4-FFF2-40B4-BE49-F238E27FC236}">
-                <a16:creationId xmlns:a16="http://schemas.microsoft.com/office/drawing/2014/main" id="{E040CA9F-D9FD-1E1E-5106-8E4398B91415}"/>
-              </a:ext>
-            </a:extLst>
-          </p:cNvPr>
-          <p:cNvSpPr txBox="1"/>
+          <p:cNvPr id="7" name="Titel 1">
+            <a:extLst>
+              <a:ext uri="{FF2B5EF4-FFF2-40B4-BE49-F238E27FC236}">
+                <a16:creationId xmlns:a16="http://schemas.microsoft.com/office/drawing/2014/main" id="{74AD4FBC-D24F-BCF8-E82C-CECD6C6AA1BA}"/>
+              </a:ext>
+            </a:extLst>
+          </p:cNvPr>
+          <p:cNvSpPr txBox="1">
+            <a:spLocks/>
+          </p:cNvSpPr>
           <p:nvPr/>
         </p:nvSpPr>
         <p:spPr>
           <a:xfrm>
-            <a:off x="4857750" y="5991910"/>
-            <a:ext cx="2324100" cy="369332"/>
+            <a:off x="5560483" y="6172825"/>
+            <a:ext cx="4068233" cy="548650"/>
           </a:xfrm>
           <a:prstGeom prst="rect">
             <a:avLst/>
           </a:prstGeom>
-          <a:noFill/>
         </p:spPr>
         <p:txBody>
-          <a:bodyPr wrap="square">
-            <a:spAutoFit/>
+          <a:bodyPr vert="horz" lIns="91440" tIns="45720" rIns="91440" bIns="45720" rtlCol="0" anchor="b">
+            <a:normAutofit fontScale="70000" lnSpcReduction="20000"/>
           </a:bodyPr>
-          <a:lstStyle/>
-          <a:p>
-            <a:r>
-              <a:rPr lang="en-US" dirty="0" err="1"/>
-              <a:t>Champman</a:t>
-            </a:r>
-            <a:r>
-              <a:rPr lang="en-US" dirty="0"/>
-              <a:t> et al. 2000</a:t>
-            </a:r>
+          <a:lstStyle>
+            <a:lvl1pPr algn="ctr" defTabSz="914400" rtl="0" eaLnBrk="1" latinLnBrk="0" hangingPunct="1">
+              <a:lnSpc>
+                <a:spcPct val="90000"/>
+              </a:lnSpc>
+              <a:spcBef>
+                <a:spcPct val="0"/>
+              </a:spcBef>
+              <a:buNone/>
+              <a:defRPr sz="6000" kern="1200">
+                <a:solidFill>
+                  <a:schemeClr val="tx1"/>
+                </a:solidFill>
+                <a:latin typeface="+mj-lt"/>
+                <a:ea typeface="+mj-ea"/>
+                <a:cs typeface="+mj-cs"/>
+              </a:defRPr>
+            </a:lvl1pPr>
+          </a:lstStyle>
+          <a:p>
+            <a:r>
+              <a:rPr lang="de-DE" sz="2800" b="1" dirty="0">
+                <a:solidFill>
+                  <a:schemeClr val="bg1"/>
+                </a:solidFill>
+              </a:rPr>
+              <a:t>Daniel Betz, Kai Ritter, Felix </a:t>
+            </a:r>
+            <a:r>
+              <a:rPr lang="de-DE" sz="2800" b="1" dirty="0" err="1">
+                <a:solidFill>
+                  <a:schemeClr val="bg1"/>
+                </a:solidFill>
+              </a:rPr>
+              <a:t>Zentowski</a:t>
+            </a:r>
+            <a:endParaRPr lang="en-US" sz="2800" dirty="0">
+              <a:solidFill>
+                <a:schemeClr val="bg1"/>
+              </a:solidFill>
+            </a:endParaRPr>
           </a:p>
         </p:txBody>
       </p:sp>
     </p:spTree>
     <p:extLst>
       <p:ext uri="{BB962C8B-B14F-4D97-AF65-F5344CB8AC3E}">
-        <p14:creationId xmlns:p14="http://schemas.microsoft.com/office/powerpoint/2010/main" val="364164187"/>
+        <p14:creationId xmlns:p14="http://schemas.microsoft.com/office/powerpoint/2010/main" val="1441407465"/>
       </p:ext>
     </p:extLst>
   </p:cSld>
@@ -10728,6 +10878,251 @@
 </file>
 
 <file path=ppt/slides/slide10.xml><?xml version="1.0" encoding="utf-8"?>
+<p:sld xmlns:a="http://schemas.openxmlformats.org/drawingml/2006/main" xmlns:r="http://schemas.openxmlformats.org/officeDocument/2006/relationships" xmlns:p="http://schemas.openxmlformats.org/presentationml/2006/main">
+  <p:cSld>
+    <p:spTree>
+      <p:nvGrpSpPr>
+        <p:cNvPr id="1" name=""/>
+        <p:cNvGrpSpPr/>
+        <p:nvPr/>
+      </p:nvGrpSpPr>
+      <p:grpSpPr>
+        <a:xfrm>
+          <a:off x="0" y="0"/>
+          <a:ext cx="0" cy="0"/>
+          <a:chOff x="0" y="0"/>
+          <a:chExt cx="0" cy="0"/>
+        </a:xfrm>
+      </p:grpSpPr>
+      <p:sp>
+        <p:nvSpPr>
+          <p:cNvPr id="2" name="Titel 1">
+            <a:extLst>
+              <a:ext uri="{FF2B5EF4-FFF2-40B4-BE49-F238E27FC236}">
+                <a16:creationId xmlns:a16="http://schemas.microsoft.com/office/drawing/2014/main" id="{3D12C5CA-E520-8343-6B63-F98E42E089BC}"/>
+              </a:ext>
+            </a:extLst>
+          </p:cNvPr>
+          <p:cNvSpPr>
+            <a:spLocks noGrp="1"/>
+          </p:cNvSpPr>
+          <p:nvPr>
+            <p:ph type="title"/>
+          </p:nvPr>
+        </p:nvSpPr>
+        <p:spPr/>
+        <p:txBody>
+          <a:bodyPr/>
+          <a:lstStyle/>
+          <a:p>
+            <a:r>
+              <a:rPr lang="de-DE" dirty="0"/>
+              <a:t>Strukturierte Daten – Zugriffverfahren</a:t>
+            </a:r>
+            <a:endParaRPr lang="en-US" dirty="0"/>
+          </a:p>
+        </p:txBody>
+      </p:sp>
+      <p:sp>
+        <p:nvSpPr>
+          <p:cNvPr id="3" name="Inhaltsplatzhalter 2">
+            <a:extLst>
+              <a:ext uri="{FF2B5EF4-FFF2-40B4-BE49-F238E27FC236}">
+                <a16:creationId xmlns:a16="http://schemas.microsoft.com/office/drawing/2014/main" id="{B42A4488-4288-36D2-8D40-F4E607B2120E}"/>
+              </a:ext>
+            </a:extLst>
+          </p:cNvPr>
+          <p:cNvSpPr>
+            <a:spLocks noGrp="1"/>
+          </p:cNvSpPr>
+          <p:nvPr>
+            <p:ph idx="1"/>
+          </p:nvPr>
+        </p:nvSpPr>
+        <p:spPr/>
+        <p:txBody>
+          <a:bodyPr/>
+          <a:lstStyle/>
+          <a:p>
+            <a:r>
+              <a:rPr lang="de-DE" dirty="0"/>
+              <a:t>Da die Log Daten strukturiert sind, werden diese in einer relationalen Datenbank gespeichert</a:t>
+            </a:r>
+          </a:p>
+          <a:p>
+            <a:r>
+              <a:rPr lang="de-DE" dirty="0"/>
+              <a:t>Aufgrund der angegebenen Kundenwünsche wurde ein SQL Server für die Datenbank genutzt</a:t>
+            </a:r>
+          </a:p>
+          <a:p>
+            <a:r>
+              <a:rPr lang="de-DE" dirty="0"/>
+              <a:t>Zugriff erfolgt über einen Datenbankzugriff</a:t>
+            </a:r>
+          </a:p>
+          <a:p>
+            <a:r>
+              <a:rPr lang="de-DE" dirty="0"/>
+              <a:t>CSV Datei wurde importiert und dann direkt </a:t>
+            </a:r>
+          </a:p>
+          <a:p>
+            <a:pPr marL="0" indent="0">
+              <a:buNone/>
+            </a:pPr>
+            <a:r>
+              <a:rPr lang="de-DE" dirty="0"/>
+              <a:t>   in das richtige Format überführt</a:t>
+            </a:r>
+            <a:endParaRPr lang="en-US" dirty="0"/>
+          </a:p>
+        </p:txBody>
+      </p:sp>
+      <p:pic>
+        <p:nvPicPr>
+          <p:cNvPr id="6" name="Grafik 5">
+            <a:extLst>
+              <a:ext uri="{FF2B5EF4-FFF2-40B4-BE49-F238E27FC236}">
+                <a16:creationId xmlns:a16="http://schemas.microsoft.com/office/drawing/2014/main" id="{9B934F3E-7A72-9A30-5895-6E42CEB3C080}"/>
+              </a:ext>
+            </a:extLst>
+          </p:cNvPr>
+          <p:cNvPicPr>
+            <a:picLocks noChangeAspect="1"/>
+          </p:cNvPicPr>
+          <p:nvPr/>
+        </p:nvPicPr>
+        <p:blipFill>
+          <a:blip r:embed="rId2"/>
+          <a:stretch>
+            <a:fillRect/>
+          </a:stretch>
+        </p:blipFill>
+        <p:spPr>
+          <a:xfrm>
+            <a:off x="8610498" y="3627066"/>
+            <a:ext cx="3035402" cy="2684834"/>
+          </a:xfrm>
+          <a:prstGeom prst="rect">
+            <a:avLst/>
+          </a:prstGeom>
+        </p:spPr>
+      </p:pic>
+      <p:pic>
+        <p:nvPicPr>
+          <p:cNvPr id="10" name="Grafik 9" descr="Ein Bild, das Text, Schrift, Screenshot, Reihe enthält.&#10;&#10;Automatisch generierte Beschreibung">
+            <a:extLst>
+              <a:ext uri="{FF2B5EF4-FFF2-40B4-BE49-F238E27FC236}">
+                <a16:creationId xmlns:a16="http://schemas.microsoft.com/office/drawing/2014/main" id="{2B7AA795-6BE3-8AC3-E8AC-54767CD25FAB}"/>
+              </a:ext>
+            </a:extLst>
+          </p:cNvPr>
+          <p:cNvPicPr>
+            <a:picLocks noChangeAspect="1"/>
+          </p:cNvPicPr>
+          <p:nvPr/>
+        </p:nvPicPr>
+        <p:blipFill>
+          <a:blip r:embed="rId3">
+            <a:extLst>
+              <a:ext uri="{28A0092B-C50C-407E-A947-70E740481C1C}">
+                <a14:useLocalDpi xmlns:a14="http://schemas.microsoft.com/office/drawing/2010/main" val="0"/>
+              </a:ext>
+            </a:extLst>
+          </a:blip>
+          <a:stretch>
+            <a:fillRect/>
+          </a:stretch>
+        </p:blipFill>
+        <p:spPr>
+          <a:xfrm>
+            <a:off x="1003570" y="5150458"/>
+            <a:ext cx="3610479" cy="628738"/>
+          </a:xfrm>
+          <a:prstGeom prst="rect">
+            <a:avLst/>
+          </a:prstGeom>
+        </p:spPr>
+      </p:pic>
+      <p:sp>
+        <p:nvSpPr>
+          <p:cNvPr id="4" name="Textfeld 3">
+            <a:extLst>
+              <a:ext uri="{FF2B5EF4-FFF2-40B4-BE49-F238E27FC236}">
+                <a16:creationId xmlns:a16="http://schemas.microsoft.com/office/drawing/2014/main" id="{5F48EAA7-CA1F-0694-D99D-2123CE2369E9}"/>
+              </a:ext>
+            </a:extLst>
+          </p:cNvPr>
+          <p:cNvSpPr txBox="1"/>
+          <p:nvPr/>
+        </p:nvSpPr>
+        <p:spPr>
+          <a:xfrm>
+            <a:off x="8593620" y="6339946"/>
+            <a:ext cx="2933700" cy="276999"/>
+          </a:xfrm>
+          <a:prstGeom prst="rect">
+            <a:avLst/>
+          </a:prstGeom>
+          <a:noFill/>
+        </p:spPr>
+        <p:txBody>
+          <a:bodyPr wrap="square" rtlCol="0">
+            <a:spAutoFit/>
+          </a:bodyPr>
+          <a:lstStyle/>
+          <a:p>
+            <a:r>
+              <a:rPr lang="de-DE" sz="1200" i="1" dirty="0"/>
+              <a:t>Implementierung Datenbankzugriff SQL</a:t>
+            </a:r>
+          </a:p>
+        </p:txBody>
+      </p:sp>
+      <p:sp>
+        <p:nvSpPr>
+          <p:cNvPr id="5" name="Foliennummernplatzhalter 4">
+            <a:extLst>
+              <a:ext uri="{FF2B5EF4-FFF2-40B4-BE49-F238E27FC236}">
+                <a16:creationId xmlns:a16="http://schemas.microsoft.com/office/drawing/2014/main" id="{D315BDCB-3768-1073-50A6-BF7B41ED87C4}"/>
+              </a:ext>
+            </a:extLst>
+          </p:cNvPr>
+          <p:cNvSpPr>
+            <a:spLocks noGrp="1"/>
+          </p:cNvSpPr>
+          <p:nvPr>
+            <p:ph type="sldNum" sz="quarter" idx="12"/>
+          </p:nvPr>
+        </p:nvSpPr>
+        <p:spPr/>
+        <p:txBody>
+          <a:bodyPr/>
+          <a:lstStyle/>
+          <a:p>
+            <a:fld id="{C921D49C-F2C9-4773-B40D-55A32CD1AF58}" type="slidenum">
+              <a:rPr lang="en-US" smtClean="0"/>
+              <a:t>10</a:t>
+            </a:fld>
+            <a:endParaRPr lang="en-US" dirty="0"/>
+          </a:p>
+        </p:txBody>
+      </p:sp>
+    </p:spTree>
+    <p:extLst>
+      <p:ext uri="{BB962C8B-B14F-4D97-AF65-F5344CB8AC3E}">
+        <p14:creationId xmlns:p14="http://schemas.microsoft.com/office/powerpoint/2010/main" val="3363871010"/>
+      </p:ext>
+    </p:extLst>
+  </p:cSld>
+  <p:clrMapOvr>
+    <a:masterClrMapping/>
+  </p:clrMapOvr>
+</p:sld>
+</file>
+
+<file path=ppt/slides/slide11.xml><?xml version="1.0" encoding="utf-8"?>
 <p:sld xmlns:a="http://schemas.openxmlformats.org/drawingml/2006/main" xmlns:r="http://schemas.openxmlformats.org/officeDocument/2006/relationships" xmlns:p="http://schemas.openxmlformats.org/presentationml/2006/main">
   <p:cSld>
     <p:bg>
@@ -10896,7 +11291,7 @@
           <a:p>
             <a:r>
               <a:rPr lang="de-DE" sz="2000" dirty="0"/>
-              <a:t>Entfernen von Zeilen bei denen es nicht alle Sensordaten gibt da unter 1% der Daten kein Thema</a:t>
+              <a:t>Entfernen von Zeilen, in denen nicht alle Sensordaten vorhanden sind da unter 1% der Daten kein Thema</a:t>
             </a:r>
           </a:p>
           <a:p>
@@ -11097,7 +11492,7 @@
 </p:sld>
 </file>
 
-<file path=ppt/slides/slide11.xml><?xml version="1.0" encoding="utf-8"?>
+<file path=ppt/slides/slide12.xml><?xml version="1.0" encoding="utf-8"?>
 <p:sld xmlns:a="http://schemas.openxmlformats.org/drawingml/2006/main" xmlns:r="http://schemas.openxmlformats.org/officeDocument/2006/relationships" xmlns:p="http://schemas.openxmlformats.org/presentationml/2006/main">
   <p:cSld>
     <p:bg>
@@ -11325,7 +11720,7 @@
 </p:sld>
 </file>
 
-<file path=ppt/slides/slide12.xml><?xml version="1.0" encoding="utf-8"?>
+<file path=ppt/slides/slide13.xml><?xml version="1.0" encoding="utf-8"?>
 <p:sld xmlns:a="http://schemas.openxmlformats.org/drawingml/2006/main" xmlns:r="http://schemas.openxmlformats.org/officeDocument/2006/relationships" xmlns:p="http://schemas.openxmlformats.org/presentationml/2006/main">
   <p:cSld>
     <p:spTree>
@@ -11356,11 +11751,6 @@
           </p:cNvGraphicFramePr>
           <p:nvPr>
             <p:ph idx="1"/>
-            <p:extLst>
-              <p:ext uri="{D42A27DB-BD31-4B8C-83A1-F6EECF244321}">
-                <p14:modId xmlns:p14="http://schemas.microsoft.com/office/powerpoint/2010/main" val="488679964"/>
-              </p:ext>
-            </p:extLst>
           </p:nvPr>
         </p:nvGraphicFramePr>
         <p:xfrm>
@@ -11406,42 +11796,12 @@
           </a:p>
         </p:txBody>
       </p:sp>
-    </p:spTree>
-    <p:extLst>
-      <p:ext uri="{BB962C8B-B14F-4D97-AF65-F5344CB8AC3E}">
-        <p14:creationId xmlns:p14="http://schemas.microsoft.com/office/powerpoint/2010/main" val="650092607"/>
-      </p:ext>
-    </p:extLst>
-  </p:cSld>
-  <p:clrMapOvr>
-    <a:masterClrMapping/>
-  </p:clrMapOvr>
-</p:sld>
-</file>
-
-<file path=ppt/slides/slide13.xml><?xml version="1.0" encoding="utf-8"?>
-<p:sld xmlns:a="http://schemas.openxmlformats.org/drawingml/2006/main" xmlns:r="http://schemas.openxmlformats.org/officeDocument/2006/relationships" xmlns:p="http://schemas.openxmlformats.org/presentationml/2006/main">
-  <p:cSld>
-    <p:spTree>
-      <p:nvGrpSpPr>
-        <p:cNvPr id="1" name=""/>
-        <p:cNvGrpSpPr/>
-        <p:nvPr/>
-      </p:nvGrpSpPr>
-      <p:grpSpPr>
-        <a:xfrm>
-          <a:off x="0" y="0"/>
-          <a:ext cx="0" cy="0"/>
-          <a:chOff x="0" y="0"/>
-          <a:chExt cx="0" cy="0"/>
-        </a:xfrm>
-      </p:grpSpPr>
       <p:sp>
         <p:nvSpPr>
-          <p:cNvPr id="2" name="Titel 1">
-            <a:extLst>
-              <a:ext uri="{FF2B5EF4-FFF2-40B4-BE49-F238E27FC236}">
-                <a16:creationId xmlns:a16="http://schemas.microsoft.com/office/drawing/2014/main" id="{0C178CFE-FBE8-5935-86EA-A2176B408ED4}"/>
+          <p:cNvPr id="3" name="Foliennummernplatzhalter 2">
+            <a:extLst>
+              <a:ext uri="{FF2B5EF4-FFF2-40B4-BE49-F238E27FC236}">
+                <a16:creationId xmlns:a16="http://schemas.microsoft.com/office/drawing/2014/main" id="{66E82FF0-7C33-EB61-21BC-FE1AE8AC619F}"/>
               </a:ext>
             </a:extLst>
           </p:cNvPr>
@@ -11449,7 +11809,7 @@
             <a:spLocks noGrp="1"/>
           </p:cNvSpPr>
           <p:nvPr>
-            <p:ph type="title"/>
+            <p:ph type="sldNum" sz="quarter" idx="12"/>
           </p:nvPr>
         </p:nvSpPr>
         <p:spPr/>
@@ -11457,235 +11817,18 @@
           <a:bodyPr/>
           <a:lstStyle/>
           <a:p>
-            <a:r>
-              <a:rPr lang="de-DE" dirty="0"/>
-              <a:t>Unstrukturierte Daten – Zugriffverfahren	</a:t>
-            </a:r>
-            <a:endParaRPr lang="en-US" dirty="0"/>
-          </a:p>
-        </p:txBody>
-      </p:sp>
-      <p:sp>
-        <p:nvSpPr>
-          <p:cNvPr id="3" name="Inhaltsplatzhalter 2">
-            <a:extLst>
-              <a:ext uri="{FF2B5EF4-FFF2-40B4-BE49-F238E27FC236}">
-                <a16:creationId xmlns:a16="http://schemas.microsoft.com/office/drawing/2014/main" id="{6C3850A4-35DC-2356-DAB8-91704D667AA0}"/>
-              </a:ext>
-            </a:extLst>
-          </p:cNvPr>
-          <p:cNvSpPr>
-            <a:spLocks noGrp="1"/>
-          </p:cNvSpPr>
-          <p:nvPr>
-            <p:ph idx="1"/>
-          </p:nvPr>
-        </p:nvSpPr>
-        <p:spPr>
-          <a:xfrm>
-            <a:off x="838200" y="1825625"/>
-            <a:ext cx="10515600" cy="3106593"/>
-          </a:xfrm>
-        </p:spPr>
-        <p:txBody>
-          <a:bodyPr>
-            <a:normAutofit/>
-          </a:bodyPr>
-          <a:lstStyle/>
-          <a:p>
-            <a:r>
-              <a:rPr lang="de-DE" sz="2400" dirty="0"/>
-              <a:t>Da die Log Daten unstrukturiert sind, werden diese in einer Mongo DB Datenbank gespeichert</a:t>
-            </a:r>
-          </a:p>
-          <a:p>
-            <a:r>
-              <a:rPr lang="de-DE" sz="2400" dirty="0"/>
-              <a:t>Speicherung erfolgt auf MongoDB Atlas, damit ein Zugriff für externes Analytics Team möglich ist</a:t>
-            </a:r>
-            <a:endParaRPr lang="en-US" sz="2400" dirty="0"/>
-          </a:p>
-          <a:p>
-            <a:r>
-              <a:rPr lang="en-US" sz="2400" dirty="0"/>
-              <a:t>Da es SSL </a:t>
-            </a:r>
-            <a:r>
-              <a:rPr lang="en-US" sz="2400" dirty="0" err="1"/>
-              <a:t>Probleme</a:t>
-            </a:r>
-            <a:r>
-              <a:rPr lang="en-US" sz="2400" dirty="0"/>
-              <a:t> </a:t>
-            </a:r>
-            <a:r>
-              <a:rPr lang="en-US" sz="2400" dirty="0" err="1"/>
-              <a:t>bei</a:t>
-            </a:r>
-            <a:r>
-              <a:rPr lang="en-US" sz="2400" dirty="0"/>
-              <a:t> </a:t>
-            </a:r>
-            <a:r>
-              <a:rPr lang="en-US" sz="2400" dirty="0" err="1"/>
-              <a:t>direktem</a:t>
-            </a:r>
-            <a:r>
-              <a:rPr lang="en-US" sz="2400" dirty="0"/>
-              <a:t> </a:t>
-            </a:r>
-            <a:r>
-              <a:rPr lang="en-US" sz="2400" dirty="0" err="1"/>
-              <a:t>Zugriff</a:t>
-            </a:r>
-            <a:r>
-              <a:rPr lang="en-US" sz="2400" dirty="0"/>
-              <a:t> </a:t>
-            </a:r>
-            <a:r>
-              <a:rPr lang="en-US" sz="2400" dirty="0" err="1"/>
-              <a:t>gibt</a:t>
-            </a:r>
-            <a:r>
-              <a:rPr lang="en-US" sz="2400" dirty="0"/>
-              <a:t>, </a:t>
-            </a:r>
-            <a:r>
-              <a:rPr lang="en-US" sz="2400" dirty="0" err="1"/>
-              <a:t>wurde</a:t>
-            </a:r>
-            <a:r>
-              <a:rPr lang="en-US" sz="2400" dirty="0"/>
-              <a:t> </a:t>
-            </a:r>
-            <a:r>
-              <a:rPr lang="en-US" sz="2400" dirty="0" err="1"/>
-              <a:t>eine</a:t>
-            </a:r>
-            <a:r>
-              <a:rPr lang="en-US" sz="2400" dirty="0"/>
-              <a:t> REST API </a:t>
-            </a:r>
-            <a:r>
-              <a:rPr lang="en-US" sz="2400" dirty="0" err="1"/>
-              <a:t>zu</a:t>
-            </a:r>
-            <a:r>
-              <a:rPr lang="en-US" sz="2400" dirty="0"/>
-              <a:t> der </a:t>
-            </a:r>
-            <a:r>
-              <a:rPr lang="en-US" sz="2400" dirty="0" err="1"/>
-              <a:t>Datenbank</a:t>
-            </a:r>
-            <a:r>
-              <a:rPr lang="en-US" sz="2400" dirty="0"/>
-              <a:t> in Atlas </a:t>
-            </a:r>
-            <a:r>
-              <a:rPr lang="en-US" sz="2400" dirty="0" err="1"/>
-              <a:t>aufgesetzt</a:t>
-            </a:r>
-            <a:r>
-              <a:rPr lang="en-US" sz="2400" dirty="0"/>
-              <a:t> (</a:t>
-            </a:r>
-            <a:r>
-              <a:rPr lang="en-US" sz="2400" dirty="0" err="1"/>
-              <a:t>Berechtigungsstufe</a:t>
-            </a:r>
-            <a:r>
-              <a:rPr lang="en-US" sz="2400" dirty="0"/>
-              <a:t> </a:t>
-            </a:r>
-            <a:r>
-              <a:rPr lang="en-US" sz="2400" dirty="0" err="1"/>
-              <a:t>ist</a:t>
-            </a:r>
-            <a:r>
-              <a:rPr lang="en-US" sz="2400" dirty="0"/>
-              <a:t> “</a:t>
-            </a:r>
-            <a:r>
-              <a:rPr lang="en-US" sz="2400" dirty="0" err="1"/>
-              <a:t>nur</a:t>
-            </a:r>
-            <a:r>
-              <a:rPr lang="en-US" sz="2400" dirty="0"/>
-              <a:t>” lessen)</a:t>
-            </a:r>
-          </a:p>
-        </p:txBody>
-      </p:sp>
-      <p:pic>
-        <p:nvPicPr>
-          <p:cNvPr id="6" name="Grafik 5">
-            <a:extLst>
-              <a:ext uri="{FF2B5EF4-FFF2-40B4-BE49-F238E27FC236}">
-                <a16:creationId xmlns:a16="http://schemas.microsoft.com/office/drawing/2014/main" id="{DC128D4B-4D05-01E5-2B51-6A50879BBB5C}"/>
-              </a:ext>
-            </a:extLst>
-          </p:cNvPr>
-          <p:cNvPicPr>
-            <a:picLocks noChangeAspect="1"/>
-          </p:cNvPicPr>
-          <p:nvPr/>
-        </p:nvPicPr>
-        <p:blipFill>
-          <a:blip r:embed="rId3"/>
-          <a:stretch>
-            <a:fillRect/>
-          </a:stretch>
-        </p:blipFill>
-        <p:spPr>
-          <a:xfrm>
-            <a:off x="1168641" y="4212927"/>
-            <a:ext cx="7413379" cy="2469094"/>
-          </a:xfrm>
-          <a:prstGeom prst="rect">
-            <a:avLst/>
-          </a:prstGeom>
-        </p:spPr>
-      </p:pic>
-      <p:sp>
-        <p:nvSpPr>
-          <p:cNvPr id="5" name="Textfeld 4">
-            <a:extLst>
-              <a:ext uri="{FF2B5EF4-FFF2-40B4-BE49-F238E27FC236}">
-                <a16:creationId xmlns:a16="http://schemas.microsoft.com/office/drawing/2014/main" id="{6826E7FF-C9A1-579A-F49D-A5FFA01A404A}"/>
-              </a:ext>
-            </a:extLst>
-          </p:cNvPr>
-          <p:cNvSpPr txBox="1"/>
-          <p:nvPr/>
-        </p:nvSpPr>
-        <p:spPr>
-          <a:xfrm>
-            <a:off x="1876425" y="6640354"/>
-            <a:ext cx="3600450" cy="246221"/>
-          </a:xfrm>
-          <a:prstGeom prst="rect">
-            <a:avLst/>
-          </a:prstGeom>
-          <a:noFill/>
-        </p:spPr>
-        <p:txBody>
-          <a:bodyPr wrap="square">
-            <a:spAutoFit/>
-          </a:bodyPr>
-          <a:lstStyle/>
-          <a:p>
-            <a:r>
-              <a:rPr lang="en-US" sz="1000" dirty="0"/>
-              <a:t>https://www.mongodb.com/docs/atlas/app-services/data-api/</a:t>
-            </a:r>
+            <a:fld id="{C921D49C-F2C9-4773-B40D-55A32CD1AF58}" type="slidenum">
+              <a:rPr lang="en-US" smtClean="0"/>
+              <a:t>13</a:t>
+            </a:fld>
+            <a:endParaRPr lang="en-US"/>
           </a:p>
         </p:txBody>
       </p:sp>
     </p:spTree>
     <p:extLst>
       <p:ext uri="{BB962C8B-B14F-4D97-AF65-F5344CB8AC3E}">
-        <p14:creationId xmlns:p14="http://schemas.microsoft.com/office/powerpoint/2010/main" val="1897635200"/>
+        <p14:creationId xmlns:p14="http://schemas.microsoft.com/office/powerpoint/2010/main" val="2309664755"/>
       </p:ext>
     </p:extLst>
   </p:cSld>
@@ -11717,6 +11860,346 @@
           <p:cNvPr id="2" name="Titel 1">
             <a:extLst>
               <a:ext uri="{FF2B5EF4-FFF2-40B4-BE49-F238E27FC236}">
+                <a16:creationId xmlns:a16="http://schemas.microsoft.com/office/drawing/2014/main" id="{0C178CFE-FBE8-5935-86EA-A2176B408ED4}"/>
+              </a:ext>
+            </a:extLst>
+          </p:cNvPr>
+          <p:cNvSpPr>
+            <a:spLocks noGrp="1"/>
+          </p:cNvSpPr>
+          <p:nvPr>
+            <p:ph type="title"/>
+          </p:nvPr>
+        </p:nvSpPr>
+        <p:spPr/>
+        <p:txBody>
+          <a:bodyPr/>
+          <a:lstStyle/>
+          <a:p>
+            <a:r>
+              <a:rPr lang="de-DE" dirty="0"/>
+              <a:t>Unstrukturierte Daten – Zugriffverfahren	</a:t>
+            </a:r>
+            <a:endParaRPr lang="en-US" dirty="0"/>
+          </a:p>
+        </p:txBody>
+      </p:sp>
+      <p:sp>
+        <p:nvSpPr>
+          <p:cNvPr id="3" name="Inhaltsplatzhalter 2">
+            <a:extLst>
+              <a:ext uri="{FF2B5EF4-FFF2-40B4-BE49-F238E27FC236}">
+                <a16:creationId xmlns:a16="http://schemas.microsoft.com/office/drawing/2014/main" id="{6C3850A4-35DC-2356-DAB8-91704D667AA0}"/>
+              </a:ext>
+            </a:extLst>
+          </p:cNvPr>
+          <p:cNvSpPr>
+            <a:spLocks noGrp="1"/>
+          </p:cNvSpPr>
+          <p:nvPr>
+            <p:ph idx="1"/>
+          </p:nvPr>
+        </p:nvSpPr>
+        <p:spPr>
+          <a:xfrm>
+            <a:off x="838200" y="1825625"/>
+            <a:ext cx="10515600" cy="3106593"/>
+          </a:xfrm>
+        </p:spPr>
+        <p:txBody>
+          <a:bodyPr>
+            <a:normAutofit/>
+          </a:bodyPr>
+          <a:lstStyle/>
+          <a:p>
+            <a:r>
+              <a:rPr lang="de-DE" sz="2400" dirty="0"/>
+              <a:t>Da die Log Daten unstrukturiert sind, werden diese in einer Mongo DB Datenbank gespeichert</a:t>
+            </a:r>
+          </a:p>
+          <a:p>
+            <a:r>
+              <a:rPr lang="de-DE" sz="2400" dirty="0"/>
+              <a:t>Speicherung erfolgt auf MongoDB Atlas, damit ein Zugriff für externes Analytics Team möglich ist</a:t>
+            </a:r>
+            <a:endParaRPr lang="en-US" sz="2400" dirty="0"/>
+          </a:p>
+          <a:p>
+            <a:r>
+              <a:rPr lang="en-US" sz="2400" dirty="0"/>
+              <a:t>Da es SSL </a:t>
+            </a:r>
+            <a:r>
+              <a:rPr lang="en-US" sz="2400" dirty="0" err="1"/>
+              <a:t>Probleme</a:t>
+            </a:r>
+            <a:r>
+              <a:rPr lang="en-US" sz="2400" dirty="0"/>
+              <a:t> </a:t>
+            </a:r>
+            <a:r>
+              <a:rPr lang="en-US" sz="2400" dirty="0" err="1"/>
+              <a:t>bei</a:t>
+            </a:r>
+            <a:r>
+              <a:rPr lang="en-US" sz="2400" dirty="0"/>
+              <a:t> </a:t>
+            </a:r>
+            <a:r>
+              <a:rPr lang="en-US" sz="2400" dirty="0" err="1"/>
+              <a:t>direktem</a:t>
+            </a:r>
+            <a:r>
+              <a:rPr lang="en-US" sz="2400" dirty="0"/>
+              <a:t> </a:t>
+            </a:r>
+            <a:r>
+              <a:rPr lang="en-US" sz="2400" dirty="0" err="1"/>
+              <a:t>Zugriff</a:t>
+            </a:r>
+            <a:r>
+              <a:rPr lang="en-US" sz="2400" dirty="0"/>
+              <a:t> </a:t>
+            </a:r>
+            <a:r>
+              <a:rPr lang="en-US" sz="2400" dirty="0" err="1"/>
+              <a:t>gibt</a:t>
+            </a:r>
+            <a:r>
+              <a:rPr lang="en-US" sz="2400" dirty="0"/>
+              <a:t>, </a:t>
+            </a:r>
+            <a:r>
+              <a:rPr lang="en-US" sz="2400" dirty="0" err="1"/>
+              <a:t>wurde</a:t>
+            </a:r>
+            <a:r>
+              <a:rPr lang="en-US" sz="2400" dirty="0"/>
+              <a:t> </a:t>
+            </a:r>
+            <a:r>
+              <a:rPr lang="en-US" sz="2400" dirty="0" err="1"/>
+              <a:t>eine</a:t>
+            </a:r>
+            <a:r>
+              <a:rPr lang="en-US" sz="2400" dirty="0"/>
+              <a:t> REST API </a:t>
+            </a:r>
+            <a:r>
+              <a:rPr lang="en-US" sz="2400" dirty="0" err="1"/>
+              <a:t>zu</a:t>
+            </a:r>
+            <a:r>
+              <a:rPr lang="en-US" sz="2400" dirty="0"/>
+              <a:t> der </a:t>
+            </a:r>
+            <a:r>
+              <a:rPr lang="en-US" sz="2400" dirty="0" err="1"/>
+              <a:t>Datenbank</a:t>
+            </a:r>
+            <a:r>
+              <a:rPr lang="en-US" sz="2400" dirty="0"/>
+              <a:t> in Atlas </a:t>
+            </a:r>
+            <a:r>
+              <a:rPr lang="en-US" sz="2400" dirty="0" err="1"/>
+              <a:t>aufgesetzt</a:t>
+            </a:r>
+            <a:r>
+              <a:rPr lang="en-US" sz="2400" dirty="0"/>
+              <a:t> (</a:t>
+            </a:r>
+            <a:r>
+              <a:rPr lang="en-US" sz="2400" dirty="0" err="1"/>
+              <a:t>Berechtigungsstufe</a:t>
+            </a:r>
+            <a:r>
+              <a:rPr lang="en-US" sz="2400" dirty="0"/>
+              <a:t> </a:t>
+            </a:r>
+            <a:r>
+              <a:rPr lang="en-US" sz="2400" dirty="0" err="1"/>
+              <a:t>ist</a:t>
+            </a:r>
+            <a:r>
+              <a:rPr lang="en-US" sz="2400" dirty="0"/>
+              <a:t> “</a:t>
+            </a:r>
+            <a:r>
+              <a:rPr lang="en-US" sz="2400" dirty="0" err="1"/>
+              <a:t>nur</a:t>
+            </a:r>
+            <a:r>
+              <a:rPr lang="en-US" sz="2400" dirty="0"/>
+              <a:t>” lessen)</a:t>
+            </a:r>
+          </a:p>
+        </p:txBody>
+      </p:sp>
+      <p:pic>
+        <p:nvPicPr>
+          <p:cNvPr id="6" name="Grafik 5">
+            <a:extLst>
+              <a:ext uri="{FF2B5EF4-FFF2-40B4-BE49-F238E27FC236}">
+                <a16:creationId xmlns:a16="http://schemas.microsoft.com/office/drawing/2014/main" id="{DC128D4B-4D05-01E5-2B51-6A50879BBB5C}"/>
+              </a:ext>
+            </a:extLst>
+          </p:cNvPr>
+          <p:cNvPicPr>
+            <a:picLocks noChangeAspect="1"/>
+          </p:cNvPicPr>
+          <p:nvPr/>
+        </p:nvPicPr>
+        <p:blipFill>
+          <a:blip r:embed="rId3"/>
+          <a:stretch>
+            <a:fillRect/>
+          </a:stretch>
+        </p:blipFill>
+        <p:spPr>
+          <a:xfrm>
+            <a:off x="1265767" y="4149854"/>
+            <a:ext cx="7312020" cy="2435335"/>
+          </a:xfrm>
+          <a:prstGeom prst="rect">
+            <a:avLst/>
+          </a:prstGeom>
+        </p:spPr>
+      </p:pic>
+      <p:sp>
+        <p:nvSpPr>
+          <p:cNvPr id="5" name="Textfeld 4">
+            <a:extLst>
+              <a:ext uri="{FF2B5EF4-FFF2-40B4-BE49-F238E27FC236}">
+                <a16:creationId xmlns:a16="http://schemas.microsoft.com/office/drawing/2014/main" id="{6826E7FF-C9A1-579A-F49D-A5FFA01A404A}"/>
+              </a:ext>
+            </a:extLst>
+          </p:cNvPr>
+          <p:cNvSpPr txBox="1"/>
+          <p:nvPr/>
+        </p:nvSpPr>
+        <p:spPr>
+          <a:xfrm>
+            <a:off x="4876799" y="6585189"/>
+            <a:ext cx="4033308" cy="246221"/>
+          </a:xfrm>
+          <a:prstGeom prst="rect">
+            <a:avLst/>
+          </a:prstGeom>
+          <a:noFill/>
+        </p:spPr>
+        <p:txBody>
+          <a:bodyPr wrap="square">
+            <a:spAutoFit/>
+          </a:bodyPr>
+          <a:lstStyle/>
+          <a:p>
+            <a:r>
+              <a:rPr lang="en-US" sz="1000" dirty="0"/>
+              <a:t>Quelle: https://www.mongodb.com/docs/atlas/app-services/data-api/</a:t>
+            </a:r>
+          </a:p>
+        </p:txBody>
+      </p:sp>
+      <p:sp>
+        <p:nvSpPr>
+          <p:cNvPr id="4" name="Foliennummernplatzhalter 3">
+            <a:extLst>
+              <a:ext uri="{FF2B5EF4-FFF2-40B4-BE49-F238E27FC236}">
+                <a16:creationId xmlns:a16="http://schemas.microsoft.com/office/drawing/2014/main" id="{B7D0C8AF-75DC-DBF4-3593-B329ACAB56F0}"/>
+              </a:ext>
+            </a:extLst>
+          </p:cNvPr>
+          <p:cNvSpPr>
+            <a:spLocks noGrp="1"/>
+          </p:cNvSpPr>
+          <p:nvPr>
+            <p:ph type="sldNum" sz="quarter" idx="12"/>
+          </p:nvPr>
+        </p:nvSpPr>
+        <p:spPr/>
+        <p:txBody>
+          <a:bodyPr/>
+          <a:lstStyle/>
+          <a:p>
+            <a:fld id="{C921D49C-F2C9-4773-B40D-55A32CD1AF58}" type="slidenum">
+              <a:rPr lang="en-US" smtClean="0"/>
+              <a:t>14</a:t>
+            </a:fld>
+            <a:endParaRPr lang="en-US"/>
+          </a:p>
+        </p:txBody>
+      </p:sp>
+      <p:sp>
+        <p:nvSpPr>
+          <p:cNvPr id="7" name="Textfeld 6">
+            <a:extLst>
+              <a:ext uri="{FF2B5EF4-FFF2-40B4-BE49-F238E27FC236}">
+                <a16:creationId xmlns:a16="http://schemas.microsoft.com/office/drawing/2014/main" id="{AA4919D2-0332-CD35-C986-3D7F30501815}"/>
+              </a:ext>
+            </a:extLst>
+          </p:cNvPr>
+          <p:cNvSpPr txBox="1"/>
+          <p:nvPr/>
+        </p:nvSpPr>
+        <p:spPr>
+          <a:xfrm>
+            <a:off x="1232953" y="6567851"/>
+            <a:ext cx="3216279" cy="276999"/>
+          </a:xfrm>
+          <a:prstGeom prst="rect">
+            <a:avLst/>
+          </a:prstGeom>
+          <a:noFill/>
+        </p:spPr>
+        <p:txBody>
+          <a:bodyPr wrap="square" rtlCol="0">
+            <a:spAutoFit/>
+          </a:bodyPr>
+          <a:lstStyle/>
+          <a:p>
+            <a:r>
+              <a:rPr lang="de-DE" sz="1200" i="1" dirty="0"/>
+              <a:t>Implementierung Datenbankzugriff MongoDB</a:t>
+            </a:r>
+          </a:p>
+        </p:txBody>
+      </p:sp>
+    </p:spTree>
+    <p:extLst>
+      <p:ext uri="{BB962C8B-B14F-4D97-AF65-F5344CB8AC3E}">
+        <p14:creationId xmlns:p14="http://schemas.microsoft.com/office/powerpoint/2010/main" val="2912983910"/>
+      </p:ext>
+    </p:extLst>
+  </p:cSld>
+  <p:clrMapOvr>
+    <a:masterClrMapping/>
+  </p:clrMapOvr>
+</p:sld>
+</file>
+
+<file path=ppt/slides/slide15.xml><?xml version="1.0" encoding="utf-8"?>
+<p:sld xmlns:a="http://schemas.openxmlformats.org/drawingml/2006/main" xmlns:r="http://schemas.openxmlformats.org/officeDocument/2006/relationships" xmlns:p="http://schemas.openxmlformats.org/presentationml/2006/main">
+  <p:cSld>
+    <p:spTree>
+      <p:nvGrpSpPr>
+        <p:cNvPr id="1" name=""/>
+        <p:cNvGrpSpPr/>
+        <p:nvPr/>
+      </p:nvGrpSpPr>
+      <p:grpSpPr>
+        <a:xfrm>
+          <a:off x="0" y="0"/>
+          <a:ext cx="0" cy="0"/>
+          <a:chOff x="0" y="0"/>
+          <a:chExt cx="0" cy="0"/>
+        </a:xfrm>
+      </p:grpSpPr>
+      <p:sp>
+        <p:nvSpPr>
+          <p:cNvPr id="2" name="Titel 1">
+            <a:extLst>
+              <a:ext uri="{FF2B5EF4-FFF2-40B4-BE49-F238E27FC236}">
                 <a16:creationId xmlns:a16="http://schemas.microsoft.com/office/drawing/2014/main" id="{3D12C5CA-E520-8343-6B63-F98E42E089BC}"/>
               </a:ext>
             </a:extLst>
@@ -11856,231 +12339,6 @@
     <p:extLst>
       <p:ext uri="{BB962C8B-B14F-4D97-AF65-F5344CB8AC3E}">
         <p14:creationId xmlns:p14="http://schemas.microsoft.com/office/powerpoint/2010/main" val="1699782304"/>
-      </p:ext>
-    </p:extLst>
-  </p:cSld>
-  <p:clrMapOvr>
-    <a:masterClrMapping/>
-  </p:clrMapOvr>
-</p:sld>
-</file>
-
-<file path=ppt/slides/slide15.xml><?xml version="1.0" encoding="utf-8"?>
-<p:sld xmlns:a="http://schemas.openxmlformats.org/drawingml/2006/main" xmlns:r="http://schemas.openxmlformats.org/officeDocument/2006/relationships" xmlns:p="http://schemas.openxmlformats.org/presentationml/2006/main">
-  <p:cSld>
-    <p:spTree>
-      <p:nvGrpSpPr>
-        <p:cNvPr id="1" name="">
-          <a:extLst>
-            <a:ext uri="{FF2B5EF4-FFF2-40B4-BE49-F238E27FC236}">
-              <a16:creationId xmlns:a16="http://schemas.microsoft.com/office/drawing/2014/main" id="{9B3CAE8B-9483-3A2F-C16F-3369A048B9F8}"/>
-            </a:ext>
-          </a:extLst>
-        </p:cNvPr>
-        <p:cNvGrpSpPr/>
-        <p:nvPr/>
-      </p:nvGrpSpPr>
-      <p:grpSpPr>
-        <a:xfrm>
-          <a:off x="0" y="0"/>
-          <a:ext cx="0" cy="0"/>
-          <a:chOff x="0" y="0"/>
-          <a:chExt cx="0" cy="0"/>
-        </a:xfrm>
-      </p:grpSpPr>
-      <p:sp>
-        <p:nvSpPr>
-          <p:cNvPr id="2" name="Titel 1">
-            <a:extLst>
-              <a:ext uri="{FF2B5EF4-FFF2-40B4-BE49-F238E27FC236}">
-                <a16:creationId xmlns:a16="http://schemas.microsoft.com/office/drawing/2014/main" id="{8BA5D1DF-74B4-2D18-5BCF-0636DE8A0193}"/>
-              </a:ext>
-            </a:extLst>
-          </p:cNvPr>
-          <p:cNvSpPr>
-            <a:spLocks noGrp="1"/>
-          </p:cNvSpPr>
-          <p:nvPr>
-            <p:ph type="title"/>
-          </p:nvPr>
-        </p:nvSpPr>
-        <p:spPr/>
-        <p:txBody>
-          <a:bodyPr/>
-          <a:lstStyle/>
-          <a:p>
-            <a:r>
-              <a:rPr lang="en-US" dirty="0"/>
-              <a:t>Data Preparation </a:t>
-            </a:r>
-            <a:r>
-              <a:rPr lang="de-DE" dirty="0"/>
-              <a:t>– Text aufbereiten</a:t>
-            </a:r>
-            <a:endParaRPr lang="en-US" dirty="0"/>
-          </a:p>
-        </p:txBody>
-      </p:sp>
-      <p:sp>
-        <p:nvSpPr>
-          <p:cNvPr id="3" name="Inhaltsplatzhalter 2">
-            <a:extLst>
-              <a:ext uri="{FF2B5EF4-FFF2-40B4-BE49-F238E27FC236}">
-                <a16:creationId xmlns:a16="http://schemas.microsoft.com/office/drawing/2014/main" id="{A5192265-3A68-2BEB-3DE1-0AA9AD585438}"/>
-              </a:ext>
-            </a:extLst>
-          </p:cNvPr>
-          <p:cNvSpPr>
-            <a:spLocks noGrp="1"/>
-          </p:cNvSpPr>
-          <p:nvPr>
-            <p:ph idx="1"/>
-          </p:nvPr>
-        </p:nvSpPr>
-        <p:spPr/>
-        <p:txBody>
-          <a:bodyPr>
-            <a:normAutofit fontScale="92500"/>
-          </a:bodyPr>
-          <a:lstStyle/>
-          <a:p>
-            <a:r>
-              <a:rPr lang="de-DE" dirty="0"/>
-              <a:t>Der auf die Stammformen reduzierte Text muss anschließend mittels </a:t>
-            </a:r>
-            <a:r>
-              <a:rPr lang="de-DE" dirty="0" err="1"/>
-              <a:t>Tokenization</a:t>
-            </a:r>
-            <a:r>
-              <a:rPr lang="de-DE" dirty="0"/>
-              <a:t> in einzelne Token zerteilt werden</a:t>
-            </a:r>
-          </a:p>
-          <a:p>
-            <a:r>
-              <a:rPr lang="de-DE" dirty="0"/>
-              <a:t>Jeder Token beinhaltet ein Wort – Folglich erfolgt die Trennung anhand von Leerzeichen</a:t>
-            </a:r>
-          </a:p>
-          <a:p>
-            <a:r>
-              <a:rPr lang="de-DE" dirty="0"/>
-              <a:t>Die Token werden anschließend mithilfe von </a:t>
-            </a:r>
-            <a:r>
-              <a:rPr lang="de-DE" dirty="0" err="1"/>
-              <a:t>Lemmatizing</a:t>
-            </a:r>
-            <a:r>
-              <a:rPr lang="de-DE" dirty="0"/>
-              <a:t> überarbeitet, sodass die Worte auf ihre Grundform zurückgeführt werden</a:t>
-            </a:r>
-          </a:p>
-          <a:p>
-            <a:r>
-              <a:rPr lang="de-DE" dirty="0"/>
-              <a:t>Bei der </a:t>
-            </a:r>
-            <a:r>
-              <a:rPr lang="de-DE" dirty="0" err="1"/>
-              <a:t>Lemmatization</a:t>
-            </a:r>
-            <a:r>
-              <a:rPr lang="de-DE" dirty="0"/>
-              <a:t> sind Grammatik und Bedeutung Einflussfaktoren</a:t>
-            </a:r>
-          </a:p>
-          <a:p>
-            <a:r>
-              <a:rPr lang="de-DE" dirty="0"/>
-              <a:t>Der daraus resultierende </a:t>
-            </a:r>
-            <a:r>
-              <a:rPr lang="de-DE" dirty="0" err="1"/>
-              <a:t>Dataflow</a:t>
-            </a:r>
-            <a:r>
-              <a:rPr lang="de-DE" dirty="0"/>
-              <a:t> ist so weit aufbereitet, dass dieser auf ML Learning Modelle angewandt werden kann</a:t>
-            </a:r>
-          </a:p>
-        </p:txBody>
-      </p:sp>
-      <p:sp>
-        <p:nvSpPr>
-          <p:cNvPr id="5" name="Textfeld 4">
-            <a:extLst>
-              <a:ext uri="{FF2B5EF4-FFF2-40B4-BE49-F238E27FC236}">
-                <a16:creationId xmlns:a16="http://schemas.microsoft.com/office/drawing/2014/main" id="{DF743BD2-D508-8EAE-04E2-12638464D8B7}"/>
-              </a:ext>
-            </a:extLst>
-          </p:cNvPr>
-          <p:cNvSpPr txBox="1"/>
-          <p:nvPr/>
-        </p:nvSpPr>
-        <p:spPr>
-          <a:xfrm>
-            <a:off x="3371850" y="6406634"/>
-            <a:ext cx="2781300" cy="253916"/>
-          </a:xfrm>
-          <a:prstGeom prst="rect">
-            <a:avLst/>
-          </a:prstGeom>
-          <a:noFill/>
-        </p:spPr>
-        <p:txBody>
-          <a:bodyPr wrap="square">
-            <a:spAutoFit/>
-          </a:bodyPr>
-          <a:lstStyle/>
-          <a:p>
-            <a:r>
-              <a:rPr lang="en-US" sz="1050" dirty="0"/>
-              <a:t>https://www.nltk.org/api/nltk.tokenize.html</a:t>
-            </a:r>
-          </a:p>
-        </p:txBody>
-      </p:sp>
-      <p:sp>
-        <p:nvSpPr>
-          <p:cNvPr id="9" name="Textfeld 8">
-            <a:extLst>
-              <a:ext uri="{FF2B5EF4-FFF2-40B4-BE49-F238E27FC236}">
-                <a16:creationId xmlns:a16="http://schemas.microsoft.com/office/drawing/2014/main" id="{3C0905C7-8F8B-2699-8329-7627B836D55F}"/>
-              </a:ext>
-            </a:extLst>
-          </p:cNvPr>
-          <p:cNvSpPr txBox="1"/>
-          <p:nvPr/>
-        </p:nvSpPr>
-        <p:spPr>
-          <a:xfrm>
-            <a:off x="6286500" y="6416159"/>
-            <a:ext cx="2828925" cy="246221"/>
-          </a:xfrm>
-          <a:prstGeom prst="rect">
-            <a:avLst/>
-          </a:prstGeom>
-          <a:noFill/>
-        </p:spPr>
-        <p:txBody>
-          <a:bodyPr wrap="square">
-            <a:spAutoFit/>
-          </a:bodyPr>
-          <a:lstStyle/>
-          <a:p>
-            <a:r>
-              <a:rPr lang="en-US" sz="1000" dirty="0"/>
-              <a:t>https://www.nltk.org/api/nltk.stem.wordnet.html</a:t>
-            </a:r>
-          </a:p>
-        </p:txBody>
-      </p:sp>
-    </p:spTree>
-    <p:extLst>
-      <p:ext uri="{BB962C8B-B14F-4D97-AF65-F5344CB8AC3E}">
-        <p14:creationId xmlns:p14="http://schemas.microsoft.com/office/powerpoint/2010/main" val="3098822626"/>
       </p:ext>
     </p:extLst>
   </p:cSld>
@@ -12112,7 +12370,7 @@
           <p:cNvPr id="2" name="Titel 1">
             <a:extLst>
               <a:ext uri="{FF2B5EF4-FFF2-40B4-BE49-F238E27FC236}">
-                <a16:creationId xmlns:a16="http://schemas.microsoft.com/office/drawing/2014/main" id="{C3FED323-3D69-342F-E829-D64987B7031B}"/>
+                <a16:creationId xmlns:a16="http://schemas.microsoft.com/office/drawing/2014/main" id="{3D12C5CA-E520-8343-6B63-F98E42E089BC}"/>
               </a:ext>
             </a:extLst>
           </p:cNvPr>
@@ -12134,7 +12392,7 @@
             </a:r>
             <a:r>
               <a:rPr lang="de-DE" dirty="0"/>
-              <a:t>– Daten bereinigen</a:t>
+              <a:t>– Text aufbereiten</a:t>
             </a:r>
             <a:endParaRPr lang="en-US" dirty="0"/>
           </a:p>
@@ -12145,7 +12403,7 @@
           <p:cNvPr id="3" name="Inhaltsplatzhalter 2">
             <a:extLst>
               <a:ext uri="{FF2B5EF4-FFF2-40B4-BE49-F238E27FC236}">
-                <a16:creationId xmlns:a16="http://schemas.microsoft.com/office/drawing/2014/main" id="{8A15403E-8717-A7BD-3FDF-A663923B7D88}"/>
+                <a16:creationId xmlns:a16="http://schemas.microsoft.com/office/drawing/2014/main" id="{B42A4488-4288-36D2-8D40-F4E607B2120E}"/>
               </a:ext>
             </a:extLst>
           </p:cNvPr>
@@ -12165,6 +12423,197 @@
           <a:p>
             <a:r>
               <a:rPr lang="de-DE" dirty="0"/>
+              <a:t>Die Log Daten werden als JSON Objekt über die API zur Verfügung gestellt</a:t>
+            </a:r>
+          </a:p>
+          <a:p>
+            <a:r>
+              <a:rPr lang="de-DE" dirty="0"/>
+              <a:t>Für die Verwendung der Texte müssen die Objekte in ein Dataframe umgewandelt werden</a:t>
+            </a:r>
+          </a:p>
+          <a:p>
+            <a:r>
+              <a:rPr lang="de-DE" dirty="0"/>
+              <a:t>Das Dataframe muss anschließend in Kleinschreibung überführt werden für die anschließende Nutzung von Normalisierungsverfahren</a:t>
+            </a:r>
+          </a:p>
+          <a:p>
+            <a:r>
+              <a:rPr lang="de-DE" dirty="0"/>
+              <a:t>Anschließend werden die Texte mit </a:t>
+            </a:r>
+            <a:r>
+              <a:rPr lang="de-DE" dirty="0" err="1"/>
+              <a:t>Stemming</a:t>
+            </a:r>
+            <a:r>
+              <a:rPr lang="de-DE" dirty="0"/>
+              <a:t> in ihre Stammform überführt. </a:t>
+            </a:r>
+            <a:r>
+              <a:rPr lang="de-DE" dirty="0" err="1"/>
+              <a:t>Stemming</a:t>
+            </a:r>
+            <a:r>
+              <a:rPr lang="de-DE" dirty="0"/>
+              <a:t> schneidet hierbei die Endungen von Wörtern ab und ermöglicht die Reduzierung auf eindeutige Wörter</a:t>
+            </a:r>
+          </a:p>
+        </p:txBody>
+      </p:sp>
+      <p:sp>
+        <p:nvSpPr>
+          <p:cNvPr id="7" name="Textfeld 6">
+            <a:extLst>
+              <a:ext uri="{FF2B5EF4-FFF2-40B4-BE49-F238E27FC236}">
+                <a16:creationId xmlns:a16="http://schemas.microsoft.com/office/drawing/2014/main" id="{1978FCCC-8A7C-A54E-6783-77D1D0B12A62}"/>
+              </a:ext>
+            </a:extLst>
+          </p:cNvPr>
+          <p:cNvSpPr txBox="1"/>
+          <p:nvPr/>
+        </p:nvSpPr>
+        <p:spPr>
+          <a:xfrm>
+            <a:off x="4819650" y="6507718"/>
+            <a:ext cx="2695575" cy="261610"/>
+          </a:xfrm>
+          <a:prstGeom prst="rect">
+            <a:avLst/>
+          </a:prstGeom>
+          <a:noFill/>
+        </p:spPr>
+        <p:txBody>
+          <a:bodyPr wrap="square">
+            <a:spAutoFit/>
+          </a:bodyPr>
+          <a:lstStyle/>
+          <a:p>
+            <a:r>
+              <a:rPr lang="en-US" sz="1050" dirty="0"/>
+              <a:t>https://www.nltk.org/api/nltk.stem.html</a:t>
+            </a:r>
+          </a:p>
+        </p:txBody>
+      </p:sp>
+      <p:sp>
+        <p:nvSpPr>
+          <p:cNvPr id="4" name="Foliennummernplatzhalter 3">
+            <a:extLst>
+              <a:ext uri="{FF2B5EF4-FFF2-40B4-BE49-F238E27FC236}">
+                <a16:creationId xmlns:a16="http://schemas.microsoft.com/office/drawing/2014/main" id="{DDEE13F7-A8D9-C724-7305-702096AA1558}"/>
+              </a:ext>
+            </a:extLst>
+          </p:cNvPr>
+          <p:cNvSpPr>
+            <a:spLocks noGrp="1"/>
+          </p:cNvSpPr>
+          <p:nvPr>
+            <p:ph type="sldNum" sz="quarter" idx="12"/>
+          </p:nvPr>
+        </p:nvSpPr>
+        <p:spPr/>
+        <p:txBody>
+          <a:bodyPr/>
+          <a:lstStyle/>
+          <a:p>
+            <a:fld id="{C921D49C-F2C9-4773-B40D-55A32CD1AF58}" type="slidenum">
+              <a:rPr lang="en-US" smtClean="0"/>
+              <a:t>16</a:t>
+            </a:fld>
+            <a:endParaRPr lang="en-US"/>
+          </a:p>
+        </p:txBody>
+      </p:sp>
+    </p:spTree>
+    <p:extLst>
+      <p:ext uri="{BB962C8B-B14F-4D97-AF65-F5344CB8AC3E}">
+        <p14:creationId xmlns:p14="http://schemas.microsoft.com/office/powerpoint/2010/main" val="916925445"/>
+      </p:ext>
+    </p:extLst>
+  </p:cSld>
+  <p:clrMapOvr>
+    <a:masterClrMapping/>
+  </p:clrMapOvr>
+</p:sld>
+</file>
+
+<file path=ppt/slides/slide17.xml><?xml version="1.0" encoding="utf-8"?>
+<p:sld xmlns:a="http://schemas.openxmlformats.org/drawingml/2006/main" xmlns:r="http://schemas.openxmlformats.org/officeDocument/2006/relationships" xmlns:p="http://schemas.openxmlformats.org/presentationml/2006/main">
+  <p:cSld>
+    <p:spTree>
+      <p:nvGrpSpPr>
+        <p:cNvPr id="1" name=""/>
+        <p:cNvGrpSpPr/>
+        <p:nvPr/>
+      </p:nvGrpSpPr>
+      <p:grpSpPr>
+        <a:xfrm>
+          <a:off x="0" y="0"/>
+          <a:ext cx="0" cy="0"/>
+          <a:chOff x="0" y="0"/>
+          <a:chExt cx="0" cy="0"/>
+        </a:xfrm>
+      </p:grpSpPr>
+      <p:sp>
+        <p:nvSpPr>
+          <p:cNvPr id="2" name="Titel 1">
+            <a:extLst>
+              <a:ext uri="{FF2B5EF4-FFF2-40B4-BE49-F238E27FC236}">
+                <a16:creationId xmlns:a16="http://schemas.microsoft.com/office/drawing/2014/main" id="{C3FED323-3D69-342F-E829-D64987B7031B}"/>
+              </a:ext>
+            </a:extLst>
+          </p:cNvPr>
+          <p:cNvSpPr>
+            <a:spLocks noGrp="1"/>
+          </p:cNvSpPr>
+          <p:nvPr>
+            <p:ph type="title"/>
+          </p:nvPr>
+        </p:nvSpPr>
+        <p:spPr/>
+        <p:txBody>
+          <a:bodyPr/>
+          <a:lstStyle/>
+          <a:p>
+            <a:r>
+              <a:rPr lang="en-US" dirty="0"/>
+              <a:t>Data Preparation </a:t>
+            </a:r>
+            <a:r>
+              <a:rPr lang="de-DE" dirty="0"/>
+              <a:t>– Daten bereinigen</a:t>
+            </a:r>
+            <a:endParaRPr lang="en-US" dirty="0"/>
+          </a:p>
+        </p:txBody>
+      </p:sp>
+      <p:sp>
+        <p:nvSpPr>
+          <p:cNvPr id="3" name="Inhaltsplatzhalter 2">
+            <a:extLst>
+              <a:ext uri="{FF2B5EF4-FFF2-40B4-BE49-F238E27FC236}">
+                <a16:creationId xmlns:a16="http://schemas.microsoft.com/office/drawing/2014/main" id="{8A15403E-8717-A7BD-3FDF-A663923B7D88}"/>
+              </a:ext>
+            </a:extLst>
+          </p:cNvPr>
+          <p:cNvSpPr>
+            <a:spLocks noGrp="1"/>
+          </p:cNvSpPr>
+          <p:nvPr>
+            <p:ph idx="1"/>
+          </p:nvPr>
+        </p:nvSpPr>
+        <p:spPr/>
+        <p:txBody>
+          <a:bodyPr>
+            <a:normAutofit/>
+          </a:bodyPr>
+          <a:lstStyle/>
+          <a:p>
+            <a:r>
+              <a:rPr lang="de-DE" dirty="0"/>
               <a:t>In den Daten sind Errors ohne eine </a:t>
             </a:r>
             <a:r>
@@ -12253,7 +12702,7 @@
         </p:blipFill>
         <p:spPr>
           <a:xfrm>
-            <a:off x="1149390" y="3041791"/>
+            <a:off x="1145156" y="3033325"/>
             <a:ext cx="6705600" cy="523875"/>
           </a:xfrm>
           <a:prstGeom prst="rect">
@@ -12283,7 +12732,7 @@
         </p:blipFill>
         <p:spPr>
           <a:xfrm>
-            <a:off x="9411423" y="3547700"/>
+            <a:off x="9538423" y="3183633"/>
             <a:ext cx="1399331" cy="1082816"/>
           </a:xfrm>
           <a:prstGeom prst="rect">
@@ -12305,8 +12754,8 @@
         </p:nvSpPr>
         <p:spPr>
           <a:xfrm>
-            <a:off x="3008936" y="6523053"/>
-            <a:ext cx="6094070" cy="261610"/>
+            <a:off x="3008935" y="6523053"/>
+            <a:ext cx="6634597" cy="261610"/>
           </a:xfrm>
           <a:prstGeom prst="rect">
             <a:avLst/>
@@ -12321,15 +12770,44 @@
           <a:p>
             <a:r>
               <a:rPr lang="en-US" sz="1100" dirty="0"/>
-              <a:t>https://imbalanced-learn.org/stable/references/generated/imblearn.over_sampling.SMOTE.html</a:t>
-            </a:r>
+              <a:t>Quelle: https://imbalanced-learn.org/stable/references/generated/imblearn.over_sampling.SMOTE.html</a:t>
+            </a:r>
+          </a:p>
+        </p:txBody>
+      </p:sp>
+      <p:sp>
+        <p:nvSpPr>
+          <p:cNvPr id="4" name="Foliennummernplatzhalter 3">
+            <a:extLst>
+              <a:ext uri="{FF2B5EF4-FFF2-40B4-BE49-F238E27FC236}">
+                <a16:creationId xmlns:a16="http://schemas.microsoft.com/office/drawing/2014/main" id="{D9967BA5-3D54-6B6C-49BD-DB80A3459021}"/>
+              </a:ext>
+            </a:extLst>
+          </p:cNvPr>
+          <p:cNvSpPr>
+            <a:spLocks noGrp="1"/>
+          </p:cNvSpPr>
+          <p:nvPr>
+            <p:ph type="sldNum" sz="quarter" idx="12"/>
+          </p:nvPr>
+        </p:nvSpPr>
+        <p:spPr/>
+        <p:txBody>
+          <a:bodyPr/>
+          <a:lstStyle/>
+          <a:p>
+            <a:fld id="{C921D49C-F2C9-4773-B40D-55A32CD1AF58}" type="slidenum">
+              <a:rPr lang="en-US" smtClean="0"/>
+              <a:t>17</a:t>
+            </a:fld>
+            <a:endParaRPr lang="en-US"/>
           </a:p>
         </p:txBody>
       </p:sp>
     </p:spTree>
     <p:extLst>
       <p:ext uri="{BB962C8B-B14F-4D97-AF65-F5344CB8AC3E}">
-        <p14:creationId xmlns:p14="http://schemas.microsoft.com/office/powerpoint/2010/main" val="916573319"/>
+        <p14:creationId xmlns:p14="http://schemas.microsoft.com/office/powerpoint/2010/main" val="1704763190"/>
       </p:ext>
     </p:extLst>
   </p:cSld>
@@ -12339,7 +12817,7 @@
 </p:sld>
 </file>
 
-<file path=ppt/slides/slide17.xml><?xml version="1.0" encoding="utf-8"?>
+<file path=ppt/slides/slide18.xml><?xml version="1.0" encoding="utf-8"?>
 <p:sld xmlns:a="http://schemas.openxmlformats.org/drawingml/2006/main" xmlns:r="http://schemas.openxmlformats.org/officeDocument/2006/relationships" xmlns:p="http://schemas.openxmlformats.org/presentationml/2006/main">
   <p:cSld>
     <p:spTree>
@@ -12495,7 +12973,849 @@
 </p:sld>
 </file>
 
-<file path=ppt/slides/slide18.xml><?xml version="1.0" encoding="utf-8"?>
+<file path=ppt/slides/slide19.xml><?xml version="1.0" encoding="utf-8"?>
+<p:sld xmlns:a="http://schemas.openxmlformats.org/drawingml/2006/main" xmlns:r="http://schemas.openxmlformats.org/officeDocument/2006/relationships" xmlns:p="http://schemas.openxmlformats.org/presentationml/2006/main" show="0">
+  <p:cSld>
+    <p:spTree>
+      <p:nvGrpSpPr>
+        <p:cNvPr id="1" name=""/>
+        <p:cNvGrpSpPr/>
+        <p:nvPr/>
+      </p:nvGrpSpPr>
+      <p:grpSpPr>
+        <a:xfrm>
+          <a:off x="0" y="0"/>
+          <a:ext cx="0" cy="0"/>
+          <a:chOff x="0" y="0"/>
+          <a:chExt cx="0" cy="0"/>
+        </a:xfrm>
+      </p:grpSpPr>
+      <p:sp>
+        <p:nvSpPr>
+          <p:cNvPr id="2" name="Titel 1">
+            <a:extLst>
+              <a:ext uri="{FF2B5EF4-FFF2-40B4-BE49-F238E27FC236}">
+                <a16:creationId xmlns:a16="http://schemas.microsoft.com/office/drawing/2014/main" id="{840DD05F-0546-D693-AF05-559790649D29}"/>
+              </a:ext>
+            </a:extLst>
+          </p:cNvPr>
+          <p:cNvSpPr>
+            <a:spLocks noGrp="1"/>
+          </p:cNvSpPr>
+          <p:nvPr>
+            <p:ph type="title"/>
+          </p:nvPr>
+        </p:nvSpPr>
+        <p:spPr/>
+        <p:txBody>
+          <a:bodyPr/>
+          <a:lstStyle/>
+          <a:p>
+            <a:r>
+              <a:rPr lang="en-US" dirty="0"/>
+              <a:t>Modeling – </a:t>
+            </a:r>
+            <a:r>
+              <a:rPr lang="en-US" dirty="0" err="1"/>
+              <a:t>Strukt</a:t>
+            </a:r>
+            <a:r>
+              <a:rPr lang="en-US" dirty="0"/>
+              <a:t>. </a:t>
+            </a:r>
+            <a:r>
+              <a:rPr lang="en-US" dirty="0" err="1"/>
+              <a:t>Daten</a:t>
+            </a:r>
+            <a:r>
+              <a:rPr lang="en-US" dirty="0"/>
+              <a:t> </a:t>
+            </a:r>
+            <a:r>
+              <a:rPr lang="en-US" dirty="0" err="1"/>
+              <a:t>Modellauswahl</a:t>
+            </a:r>
+            <a:endParaRPr lang="en-US" dirty="0"/>
+          </a:p>
+        </p:txBody>
+      </p:sp>
+      <p:sp>
+        <p:nvSpPr>
+          <p:cNvPr id="3" name="Inhaltsplatzhalter 2">
+            <a:extLst>
+              <a:ext uri="{FF2B5EF4-FFF2-40B4-BE49-F238E27FC236}">
+                <a16:creationId xmlns:a16="http://schemas.microsoft.com/office/drawing/2014/main" id="{29CDD0D3-B573-FA21-06B1-610EBA7B28DE}"/>
+              </a:ext>
+            </a:extLst>
+          </p:cNvPr>
+          <p:cNvSpPr>
+            <a:spLocks noGrp="1"/>
+          </p:cNvSpPr>
+          <p:nvPr>
+            <p:ph idx="1"/>
+          </p:nvPr>
+        </p:nvSpPr>
+        <p:spPr>
+          <a:xfrm>
+            <a:off x="2768600" y="1644637"/>
+            <a:ext cx="5634567" cy="561974"/>
+          </a:xfrm>
+        </p:spPr>
+        <p:txBody>
+          <a:bodyPr/>
+          <a:lstStyle/>
+          <a:p>
+            <a:pPr marL="0" indent="0">
+              <a:buNone/>
+            </a:pPr>
+            <a:r>
+              <a:rPr lang="en-US" dirty="0" err="1"/>
+              <a:t>Erstellen</a:t>
+            </a:r>
+            <a:r>
+              <a:rPr lang="en-US" dirty="0"/>
+              <a:t> von </a:t>
+            </a:r>
+            <a:r>
+              <a:rPr lang="en-US" dirty="0" err="1"/>
+              <a:t>rollenden</a:t>
+            </a:r>
+            <a:r>
+              <a:rPr lang="en-US" dirty="0"/>
+              <a:t> </a:t>
+            </a:r>
+            <a:r>
+              <a:rPr lang="en-US" dirty="0" err="1"/>
+              <a:t>Mittelwerten</a:t>
+            </a:r>
+            <a:endParaRPr lang="en-US" dirty="0"/>
+          </a:p>
+        </p:txBody>
+      </p:sp>
+      <p:sp>
+        <p:nvSpPr>
+          <p:cNvPr id="4" name="Foliennummernplatzhalter 3">
+            <a:extLst>
+              <a:ext uri="{FF2B5EF4-FFF2-40B4-BE49-F238E27FC236}">
+                <a16:creationId xmlns:a16="http://schemas.microsoft.com/office/drawing/2014/main" id="{954A0D9F-62F1-0915-E630-7FE424BB5DBF}"/>
+              </a:ext>
+            </a:extLst>
+          </p:cNvPr>
+          <p:cNvSpPr>
+            <a:spLocks noGrp="1"/>
+          </p:cNvSpPr>
+          <p:nvPr>
+            <p:ph type="sldNum" sz="quarter" idx="12"/>
+          </p:nvPr>
+        </p:nvSpPr>
+        <p:spPr/>
+        <p:txBody>
+          <a:bodyPr/>
+          <a:lstStyle/>
+          <a:p>
+            <a:fld id="{C921D49C-F2C9-4773-B40D-55A32CD1AF58}" type="slidenum">
+              <a:rPr lang="en-US" smtClean="0"/>
+              <a:t>19</a:t>
+            </a:fld>
+            <a:endParaRPr lang="en-US"/>
+          </a:p>
+        </p:txBody>
+      </p:sp>
+      <p:pic>
+        <p:nvPicPr>
+          <p:cNvPr id="7" name="Grafik 6">
+            <a:extLst>
+              <a:ext uri="{FF2B5EF4-FFF2-40B4-BE49-F238E27FC236}">
+                <a16:creationId xmlns:a16="http://schemas.microsoft.com/office/drawing/2014/main" id="{AC8D75F3-3C81-7B4C-2FDF-DA993B0B7AEB}"/>
+              </a:ext>
+            </a:extLst>
+          </p:cNvPr>
+          <p:cNvPicPr>
+            <a:picLocks noChangeAspect="1"/>
+          </p:cNvPicPr>
+          <p:nvPr/>
+        </p:nvPicPr>
+        <p:blipFill>
+          <a:blip r:embed="rId2"/>
+          <a:stretch>
+            <a:fillRect/>
+          </a:stretch>
+        </p:blipFill>
+        <p:spPr>
+          <a:xfrm>
+            <a:off x="606268" y="3413541"/>
+            <a:ext cx="5162042" cy="1913516"/>
+          </a:xfrm>
+          <a:prstGeom prst="rect">
+            <a:avLst/>
+          </a:prstGeom>
+          <a:ln w="19050">
+            <a:solidFill>
+              <a:schemeClr val="tx1"/>
+            </a:solidFill>
+          </a:ln>
+        </p:spPr>
+      </p:pic>
+      <p:sp>
+        <p:nvSpPr>
+          <p:cNvPr id="8" name="Textfeld 7">
+            <a:extLst>
+              <a:ext uri="{FF2B5EF4-FFF2-40B4-BE49-F238E27FC236}">
+                <a16:creationId xmlns:a16="http://schemas.microsoft.com/office/drawing/2014/main" id="{6120FE39-AE56-C45C-0597-8D65A1A8CA03}"/>
+              </a:ext>
+            </a:extLst>
+          </p:cNvPr>
+          <p:cNvSpPr txBox="1"/>
+          <p:nvPr/>
+        </p:nvSpPr>
+        <p:spPr>
+          <a:xfrm>
+            <a:off x="520948" y="5381669"/>
+            <a:ext cx="2933700" cy="276999"/>
+          </a:xfrm>
+          <a:prstGeom prst="rect">
+            <a:avLst/>
+          </a:prstGeom>
+          <a:noFill/>
+        </p:spPr>
+        <p:txBody>
+          <a:bodyPr wrap="square" rtlCol="0">
+            <a:spAutoFit/>
+          </a:bodyPr>
+          <a:lstStyle/>
+          <a:p>
+            <a:r>
+              <a:rPr lang="de-DE" sz="1200" i="1" dirty="0"/>
+              <a:t>Kennzahlen Logistische Regression</a:t>
+            </a:r>
+          </a:p>
+        </p:txBody>
+      </p:sp>
+      <p:pic>
+        <p:nvPicPr>
+          <p:cNvPr id="5" name="Grafik 4">
+            <a:extLst>
+              <a:ext uri="{FF2B5EF4-FFF2-40B4-BE49-F238E27FC236}">
+                <a16:creationId xmlns:a16="http://schemas.microsoft.com/office/drawing/2014/main" id="{F3D1582A-FD8B-FCF1-1AF1-3E270579D066}"/>
+              </a:ext>
+            </a:extLst>
+          </p:cNvPr>
+          <p:cNvPicPr>
+            <a:picLocks noChangeAspect="1"/>
+          </p:cNvPicPr>
+          <p:nvPr/>
+        </p:nvPicPr>
+        <p:blipFill>
+          <a:blip r:embed="rId3"/>
+          <a:stretch>
+            <a:fillRect/>
+          </a:stretch>
+        </p:blipFill>
+        <p:spPr>
+          <a:xfrm>
+            <a:off x="6574367" y="3413541"/>
+            <a:ext cx="4886954" cy="1910963"/>
+          </a:xfrm>
+          <a:prstGeom prst="rect">
+            <a:avLst/>
+          </a:prstGeom>
+          <a:ln w="19050">
+            <a:solidFill>
+              <a:schemeClr val="tx1"/>
+            </a:solidFill>
+          </a:ln>
+        </p:spPr>
+      </p:pic>
+      <p:sp>
+        <p:nvSpPr>
+          <p:cNvPr id="9" name="Textfeld 8">
+            <a:extLst>
+              <a:ext uri="{FF2B5EF4-FFF2-40B4-BE49-F238E27FC236}">
+                <a16:creationId xmlns:a16="http://schemas.microsoft.com/office/drawing/2014/main" id="{222F6B2E-3F7B-8265-F30C-D1003CFD72A6}"/>
+              </a:ext>
+            </a:extLst>
+          </p:cNvPr>
+          <p:cNvSpPr txBox="1"/>
+          <p:nvPr/>
+        </p:nvSpPr>
+        <p:spPr>
+          <a:xfrm>
+            <a:off x="6489144" y="5381669"/>
+            <a:ext cx="2933700" cy="276999"/>
+          </a:xfrm>
+          <a:prstGeom prst="rect">
+            <a:avLst/>
+          </a:prstGeom>
+          <a:noFill/>
+        </p:spPr>
+        <p:txBody>
+          <a:bodyPr wrap="square" rtlCol="0">
+            <a:spAutoFit/>
+          </a:bodyPr>
+          <a:lstStyle/>
+          <a:p>
+            <a:r>
+              <a:rPr lang="de-DE" sz="1200" i="1" dirty="0"/>
+              <a:t>Kennzahlen Random Forrest</a:t>
+            </a:r>
+          </a:p>
+        </p:txBody>
+      </p:sp>
+      <p:sp>
+        <p:nvSpPr>
+          <p:cNvPr id="10" name="Textfeld 9">
+            <a:extLst>
+              <a:ext uri="{FF2B5EF4-FFF2-40B4-BE49-F238E27FC236}">
+                <a16:creationId xmlns:a16="http://schemas.microsoft.com/office/drawing/2014/main" id="{6CB5EF4E-A9D7-C092-4875-9B601188C5C2}"/>
+              </a:ext>
+            </a:extLst>
+          </p:cNvPr>
+          <p:cNvSpPr txBox="1"/>
+          <p:nvPr/>
+        </p:nvSpPr>
+        <p:spPr>
+          <a:xfrm>
+            <a:off x="1816100" y="2595590"/>
+            <a:ext cx="2404533" cy="369332"/>
+          </a:xfrm>
+          <a:prstGeom prst="rect">
+            <a:avLst/>
+          </a:prstGeom>
+          <a:noFill/>
+        </p:spPr>
+        <p:txBody>
+          <a:bodyPr wrap="square">
+            <a:spAutoFit/>
+          </a:bodyPr>
+          <a:lstStyle/>
+          <a:p>
+            <a:pPr marL="0" indent="0">
+              <a:buNone/>
+            </a:pPr>
+            <a:r>
+              <a:rPr lang="en-US" dirty="0" err="1"/>
+              <a:t>Logistische</a:t>
+            </a:r>
+            <a:r>
+              <a:rPr lang="en-US" dirty="0"/>
+              <a:t> Regression:</a:t>
+            </a:r>
+          </a:p>
+        </p:txBody>
+      </p:sp>
+      <p:sp>
+        <p:nvSpPr>
+          <p:cNvPr id="12" name="Textfeld 11">
+            <a:extLst>
+              <a:ext uri="{FF2B5EF4-FFF2-40B4-BE49-F238E27FC236}">
+                <a16:creationId xmlns:a16="http://schemas.microsoft.com/office/drawing/2014/main" id="{D2BBE6E3-E707-D29F-7395-423D9E5C2C4A}"/>
+              </a:ext>
+            </a:extLst>
+          </p:cNvPr>
+          <p:cNvSpPr txBox="1"/>
+          <p:nvPr/>
+        </p:nvSpPr>
+        <p:spPr>
+          <a:xfrm>
+            <a:off x="6963833" y="2595590"/>
+            <a:ext cx="3018367" cy="369332"/>
+          </a:xfrm>
+          <a:prstGeom prst="rect">
+            <a:avLst/>
+          </a:prstGeom>
+          <a:noFill/>
+        </p:spPr>
+        <p:txBody>
+          <a:bodyPr wrap="square">
+            <a:spAutoFit/>
+          </a:bodyPr>
+          <a:lstStyle/>
+          <a:p>
+            <a:r>
+              <a:rPr lang="en-US" dirty="0"/>
+              <a:t>Random </a:t>
+            </a:r>
+            <a:r>
+              <a:rPr lang="en-US" dirty="0" err="1"/>
+              <a:t>forrest</a:t>
+            </a:r>
+            <a:r>
+              <a:rPr lang="en-US" dirty="0"/>
+              <a:t> </a:t>
+            </a:r>
+            <a:r>
+              <a:rPr lang="en-US" dirty="0" err="1"/>
+              <a:t>Algorithmus</a:t>
+            </a:r>
+            <a:r>
+              <a:rPr lang="en-US" dirty="0"/>
+              <a:t>:</a:t>
+            </a:r>
+          </a:p>
+        </p:txBody>
+      </p:sp>
+      <p:sp>
+        <p:nvSpPr>
+          <p:cNvPr id="13" name="Inhaltsplatzhalter 2">
+            <a:extLst>
+              <a:ext uri="{FF2B5EF4-FFF2-40B4-BE49-F238E27FC236}">
+                <a16:creationId xmlns:a16="http://schemas.microsoft.com/office/drawing/2014/main" id="{5037E51B-7A49-666C-6B52-23FCC37AAE56}"/>
+              </a:ext>
+            </a:extLst>
+          </p:cNvPr>
+          <p:cNvSpPr txBox="1">
+            <a:spLocks/>
+          </p:cNvSpPr>
+          <p:nvPr/>
+        </p:nvSpPr>
+        <p:spPr>
+          <a:xfrm>
+            <a:off x="3619500" y="5969460"/>
+            <a:ext cx="5634567" cy="561974"/>
+          </a:xfrm>
+          <a:prstGeom prst="rect">
+            <a:avLst/>
+          </a:prstGeom>
+        </p:spPr>
+        <p:txBody>
+          <a:bodyPr vert="horz" lIns="91440" tIns="45720" rIns="91440" bIns="45720" rtlCol="0">
+            <a:normAutofit fontScale="70000" lnSpcReduction="20000"/>
+          </a:bodyPr>
+          <a:lstStyle>
+            <a:lvl1pPr marL="228600" indent="-228600" algn="l" defTabSz="914400" rtl="0" eaLnBrk="1" latinLnBrk="0" hangingPunct="1">
+              <a:lnSpc>
+                <a:spcPct val="90000"/>
+              </a:lnSpc>
+              <a:spcBef>
+                <a:spcPts val="1000"/>
+              </a:spcBef>
+              <a:buFont typeface="Arial" panose="020B0604020202020204" pitchFamily="34" charset="0"/>
+              <a:buChar char="•"/>
+              <a:defRPr sz="2800" kern="1200">
+                <a:solidFill>
+                  <a:schemeClr val="tx1"/>
+                </a:solidFill>
+                <a:latin typeface="+mn-lt"/>
+                <a:ea typeface="+mn-ea"/>
+                <a:cs typeface="+mn-cs"/>
+              </a:defRPr>
+            </a:lvl1pPr>
+            <a:lvl2pPr marL="685800" indent="-228600" algn="l" defTabSz="914400" rtl="0" eaLnBrk="1" latinLnBrk="0" hangingPunct="1">
+              <a:lnSpc>
+                <a:spcPct val="90000"/>
+              </a:lnSpc>
+              <a:spcBef>
+                <a:spcPts val="500"/>
+              </a:spcBef>
+              <a:buFont typeface="Arial" panose="020B0604020202020204" pitchFamily="34" charset="0"/>
+              <a:buChar char="•"/>
+              <a:defRPr sz="2400" kern="1200">
+                <a:solidFill>
+                  <a:schemeClr val="tx1"/>
+                </a:solidFill>
+                <a:latin typeface="+mn-lt"/>
+                <a:ea typeface="+mn-ea"/>
+                <a:cs typeface="+mn-cs"/>
+              </a:defRPr>
+            </a:lvl2pPr>
+            <a:lvl3pPr marL="1143000" indent="-228600" algn="l" defTabSz="914400" rtl="0" eaLnBrk="1" latinLnBrk="0" hangingPunct="1">
+              <a:lnSpc>
+                <a:spcPct val="90000"/>
+              </a:lnSpc>
+              <a:spcBef>
+                <a:spcPts val="500"/>
+              </a:spcBef>
+              <a:buFont typeface="Arial" panose="020B0604020202020204" pitchFamily="34" charset="0"/>
+              <a:buChar char="•"/>
+              <a:defRPr sz="2000" kern="1200">
+                <a:solidFill>
+                  <a:schemeClr val="tx1"/>
+                </a:solidFill>
+                <a:latin typeface="+mn-lt"/>
+                <a:ea typeface="+mn-ea"/>
+                <a:cs typeface="+mn-cs"/>
+              </a:defRPr>
+            </a:lvl3pPr>
+            <a:lvl4pPr marL="1600200" indent="-228600" algn="l" defTabSz="914400" rtl="0" eaLnBrk="1" latinLnBrk="0" hangingPunct="1">
+              <a:lnSpc>
+                <a:spcPct val="90000"/>
+              </a:lnSpc>
+              <a:spcBef>
+                <a:spcPts val="500"/>
+              </a:spcBef>
+              <a:buFont typeface="Arial" panose="020B0604020202020204" pitchFamily="34" charset="0"/>
+              <a:buChar char="•"/>
+              <a:defRPr sz="1800" kern="1200">
+                <a:solidFill>
+                  <a:schemeClr val="tx1"/>
+                </a:solidFill>
+                <a:latin typeface="+mn-lt"/>
+                <a:ea typeface="+mn-ea"/>
+                <a:cs typeface="+mn-cs"/>
+              </a:defRPr>
+            </a:lvl4pPr>
+            <a:lvl5pPr marL="2057400" indent="-228600" algn="l" defTabSz="914400" rtl="0" eaLnBrk="1" latinLnBrk="0" hangingPunct="1">
+              <a:lnSpc>
+                <a:spcPct val="90000"/>
+              </a:lnSpc>
+              <a:spcBef>
+                <a:spcPts val="500"/>
+              </a:spcBef>
+              <a:buFont typeface="Arial" panose="020B0604020202020204" pitchFamily="34" charset="0"/>
+              <a:buChar char="•"/>
+              <a:defRPr sz="1800" kern="1200">
+                <a:solidFill>
+                  <a:schemeClr val="tx1"/>
+                </a:solidFill>
+                <a:latin typeface="+mn-lt"/>
+                <a:ea typeface="+mn-ea"/>
+                <a:cs typeface="+mn-cs"/>
+              </a:defRPr>
+            </a:lvl5pPr>
+            <a:lvl6pPr marL="2514600" indent="-228600" algn="l" defTabSz="914400" rtl="0" eaLnBrk="1" latinLnBrk="0" hangingPunct="1">
+              <a:lnSpc>
+                <a:spcPct val="90000"/>
+              </a:lnSpc>
+              <a:spcBef>
+                <a:spcPts val="500"/>
+              </a:spcBef>
+              <a:buFont typeface="Arial" panose="020B0604020202020204" pitchFamily="34" charset="0"/>
+              <a:buChar char="•"/>
+              <a:defRPr sz="1800" kern="1200">
+                <a:solidFill>
+                  <a:schemeClr val="tx1"/>
+                </a:solidFill>
+                <a:latin typeface="+mn-lt"/>
+                <a:ea typeface="+mn-ea"/>
+                <a:cs typeface="+mn-cs"/>
+              </a:defRPr>
+            </a:lvl6pPr>
+            <a:lvl7pPr marL="2971800" indent="-228600" algn="l" defTabSz="914400" rtl="0" eaLnBrk="1" latinLnBrk="0" hangingPunct="1">
+              <a:lnSpc>
+                <a:spcPct val="90000"/>
+              </a:lnSpc>
+              <a:spcBef>
+                <a:spcPts val="500"/>
+              </a:spcBef>
+              <a:buFont typeface="Arial" panose="020B0604020202020204" pitchFamily="34" charset="0"/>
+              <a:buChar char="•"/>
+              <a:defRPr sz="1800" kern="1200">
+                <a:solidFill>
+                  <a:schemeClr val="tx1"/>
+                </a:solidFill>
+                <a:latin typeface="+mn-lt"/>
+                <a:ea typeface="+mn-ea"/>
+                <a:cs typeface="+mn-cs"/>
+              </a:defRPr>
+            </a:lvl7pPr>
+            <a:lvl8pPr marL="3429000" indent="-228600" algn="l" defTabSz="914400" rtl="0" eaLnBrk="1" latinLnBrk="0" hangingPunct="1">
+              <a:lnSpc>
+                <a:spcPct val="90000"/>
+              </a:lnSpc>
+              <a:spcBef>
+                <a:spcPts val="500"/>
+              </a:spcBef>
+              <a:buFont typeface="Arial" panose="020B0604020202020204" pitchFamily="34" charset="0"/>
+              <a:buChar char="•"/>
+              <a:defRPr sz="1800" kern="1200">
+                <a:solidFill>
+                  <a:schemeClr val="tx1"/>
+                </a:solidFill>
+                <a:latin typeface="+mn-lt"/>
+                <a:ea typeface="+mn-ea"/>
+                <a:cs typeface="+mn-cs"/>
+              </a:defRPr>
+            </a:lvl8pPr>
+            <a:lvl9pPr marL="3886200" indent="-228600" algn="l" defTabSz="914400" rtl="0" eaLnBrk="1" latinLnBrk="0" hangingPunct="1">
+              <a:lnSpc>
+                <a:spcPct val="90000"/>
+              </a:lnSpc>
+              <a:spcBef>
+                <a:spcPts val="500"/>
+              </a:spcBef>
+              <a:buFont typeface="Arial" panose="020B0604020202020204" pitchFamily="34" charset="0"/>
+              <a:buChar char="•"/>
+              <a:defRPr sz="1800" kern="1200">
+                <a:solidFill>
+                  <a:schemeClr val="tx1"/>
+                </a:solidFill>
+                <a:latin typeface="+mn-lt"/>
+                <a:ea typeface="+mn-ea"/>
+                <a:cs typeface="+mn-cs"/>
+              </a:defRPr>
+            </a:lvl9pPr>
+          </a:lstStyle>
+          <a:p>
+            <a:pPr marL="0" indent="0">
+              <a:buFont typeface="Arial" panose="020B0604020202020204" pitchFamily="34" charset="0"/>
+              <a:buNone/>
+            </a:pPr>
+            <a:r>
+              <a:rPr lang="en-US" dirty="0"/>
+              <a:t>Es </a:t>
+            </a:r>
+            <a:r>
+              <a:rPr lang="en-US" dirty="0" err="1"/>
+              <a:t>wird</a:t>
+            </a:r>
+            <a:r>
+              <a:rPr lang="en-US" dirty="0"/>
+              <a:t> der Random </a:t>
+            </a:r>
+            <a:r>
+              <a:rPr lang="en-US" dirty="0" err="1"/>
+              <a:t>forrest</a:t>
+            </a:r>
+            <a:r>
+              <a:rPr lang="en-US" dirty="0"/>
+              <a:t> </a:t>
+            </a:r>
+            <a:r>
+              <a:rPr lang="en-US" dirty="0" err="1"/>
+              <a:t>Algorithmus</a:t>
+            </a:r>
+            <a:r>
+              <a:rPr lang="en-US" dirty="0"/>
+              <a:t> </a:t>
+            </a:r>
+            <a:r>
+              <a:rPr lang="en-US" dirty="0" err="1"/>
+              <a:t>gewählt</a:t>
+            </a:r>
+            <a:r>
+              <a:rPr lang="en-US" dirty="0"/>
+              <a:t> </a:t>
+            </a:r>
+            <a:r>
+              <a:rPr lang="en-US" dirty="0" err="1"/>
+              <a:t>wegen</a:t>
+            </a:r>
+            <a:r>
+              <a:rPr lang="en-US" dirty="0"/>
+              <a:t> </a:t>
+            </a:r>
+            <a:r>
+              <a:rPr lang="en-US" dirty="0" err="1"/>
+              <a:t>einer</a:t>
+            </a:r>
+            <a:r>
+              <a:rPr lang="en-US" dirty="0"/>
+              <a:t> </a:t>
+            </a:r>
+            <a:r>
+              <a:rPr lang="en-US" dirty="0" err="1"/>
+              <a:t>besseren</a:t>
+            </a:r>
+            <a:r>
+              <a:rPr lang="en-US" dirty="0"/>
+              <a:t> performance.</a:t>
+            </a:r>
+          </a:p>
+        </p:txBody>
+      </p:sp>
+    </p:spTree>
+    <p:extLst>
+      <p:ext uri="{BB962C8B-B14F-4D97-AF65-F5344CB8AC3E}">
+        <p14:creationId xmlns:p14="http://schemas.microsoft.com/office/powerpoint/2010/main" val="3865825911"/>
+      </p:ext>
+    </p:extLst>
+  </p:cSld>
+  <p:clrMapOvr>
+    <a:masterClrMapping/>
+  </p:clrMapOvr>
+</p:sld>
+</file>
+
+<file path=ppt/slides/slide2.xml><?xml version="1.0" encoding="utf-8"?>
+<p:sld xmlns:a="http://schemas.openxmlformats.org/drawingml/2006/main" xmlns:r="http://schemas.openxmlformats.org/officeDocument/2006/relationships" xmlns:p="http://schemas.openxmlformats.org/presentationml/2006/main">
+  <p:cSld>
+    <p:spTree>
+      <p:nvGrpSpPr>
+        <p:cNvPr id="1" name="">
+          <a:extLst>
+            <a:ext uri="{FF2B5EF4-FFF2-40B4-BE49-F238E27FC236}">
+              <a16:creationId xmlns:a16="http://schemas.microsoft.com/office/drawing/2014/main" id="{AE1EA947-6821-862E-41A1-50E0AC54F0BE}"/>
+            </a:ext>
+          </a:extLst>
+        </p:cNvPr>
+        <p:cNvGrpSpPr/>
+        <p:nvPr/>
+      </p:nvGrpSpPr>
+      <p:grpSpPr>
+        <a:xfrm>
+          <a:off x="0" y="0"/>
+          <a:ext cx="0" cy="0"/>
+          <a:chOff x="0" y="0"/>
+          <a:chExt cx="0" cy="0"/>
+        </a:xfrm>
+      </p:grpSpPr>
+      <p:sp>
+        <p:nvSpPr>
+          <p:cNvPr id="2" name="Titel 1">
+            <a:extLst>
+              <a:ext uri="{FF2B5EF4-FFF2-40B4-BE49-F238E27FC236}">
+                <a16:creationId xmlns:a16="http://schemas.microsoft.com/office/drawing/2014/main" id="{B60B199E-D421-4351-7401-AC6721B4B5D7}"/>
+              </a:ext>
+            </a:extLst>
+          </p:cNvPr>
+          <p:cNvSpPr>
+            <a:spLocks noGrp="1"/>
+          </p:cNvSpPr>
+          <p:nvPr>
+            <p:ph type="ctrTitle"/>
+          </p:nvPr>
+        </p:nvSpPr>
+        <p:spPr>
+          <a:xfrm>
+            <a:off x="1524000" y="3736350"/>
+            <a:ext cx="9144000" cy="2387600"/>
+          </a:xfrm>
+        </p:spPr>
+        <p:txBody>
+          <a:bodyPr/>
+          <a:lstStyle/>
+          <a:p>
+            <a:r>
+              <a:rPr lang="de-DE" b="1" dirty="0"/>
+              <a:t>Business</a:t>
+            </a:r>
+            <a:r>
+              <a:rPr lang="de-DE" dirty="0"/>
+              <a:t> Understanding</a:t>
+            </a:r>
+            <a:endParaRPr lang="en-US" dirty="0"/>
+          </a:p>
+        </p:txBody>
+      </p:sp>
+      <p:pic>
+        <p:nvPicPr>
+          <p:cNvPr id="3" name="Picture 2" descr="What is CRISP DM? - Data Science Process Alliance">
+            <a:extLst>
+              <a:ext uri="{FF2B5EF4-FFF2-40B4-BE49-F238E27FC236}">
+                <a16:creationId xmlns:a16="http://schemas.microsoft.com/office/drawing/2014/main" id="{6A8A96BB-DEBD-8198-030F-D9D7ED25ACC9}"/>
+              </a:ext>
+            </a:extLst>
+          </p:cNvPr>
+          <p:cNvPicPr>
+            <a:picLocks noChangeAspect="1" noChangeArrowheads="1"/>
+          </p:cNvPicPr>
+          <p:nvPr/>
+        </p:nvPicPr>
+        <p:blipFill>
+          <a:blip r:embed="rId2">
+            <a:extLst>
+              <a:ext uri="{28A0092B-C50C-407E-A947-70E740481C1C}">
+                <a14:useLocalDpi xmlns:a14="http://schemas.microsoft.com/office/drawing/2010/main" val="0"/>
+              </a:ext>
+            </a:extLst>
+          </a:blip>
+          <a:srcRect/>
+          <a:stretch>
+            <a:fillRect/>
+          </a:stretch>
+        </p:blipFill>
+        <p:spPr bwMode="auto">
+          <a:xfrm>
+            <a:off x="2725217" y="0"/>
+            <a:ext cx="6381430" cy="5220182"/>
+          </a:xfrm>
+          <a:prstGeom prst="rect">
+            <a:avLst/>
+          </a:prstGeom>
+          <a:noFill/>
+          <a:extLst>
+            <a:ext uri="{909E8E84-426E-40DD-AFC4-6F175D3DCCD1}">
+              <a14:hiddenFill xmlns:a14="http://schemas.microsoft.com/office/drawing/2010/main">
+                <a:solidFill>
+                  <a:srgbClr val="FFFFFF"/>
+                </a:solidFill>
+              </a14:hiddenFill>
+            </a:ext>
+          </a:extLst>
+        </p:spPr>
+      </p:pic>
+      <p:sp>
+        <p:nvSpPr>
+          <p:cNvPr id="4" name="Textfeld 3">
+            <a:extLst>
+              <a:ext uri="{FF2B5EF4-FFF2-40B4-BE49-F238E27FC236}">
+                <a16:creationId xmlns:a16="http://schemas.microsoft.com/office/drawing/2014/main" id="{8E8549F8-2D76-E201-81F3-185EF62FD091}"/>
+              </a:ext>
+            </a:extLst>
+          </p:cNvPr>
+          <p:cNvSpPr txBox="1"/>
+          <p:nvPr/>
+        </p:nvSpPr>
+        <p:spPr>
+          <a:xfrm>
+            <a:off x="4857750" y="5991910"/>
+            <a:ext cx="2324100" cy="369332"/>
+          </a:xfrm>
+          <a:prstGeom prst="rect">
+            <a:avLst/>
+          </a:prstGeom>
+          <a:noFill/>
+        </p:spPr>
+        <p:txBody>
+          <a:bodyPr wrap="square">
+            <a:spAutoFit/>
+          </a:bodyPr>
+          <a:lstStyle/>
+          <a:p>
+            <a:r>
+              <a:rPr lang="en-US" dirty="0" err="1"/>
+              <a:t>Champman</a:t>
+            </a:r>
+            <a:r>
+              <a:rPr lang="en-US" dirty="0"/>
+              <a:t> et al. 2000</a:t>
+            </a:r>
+          </a:p>
+        </p:txBody>
+      </p:sp>
+      <p:sp>
+        <p:nvSpPr>
+          <p:cNvPr id="5" name="Foliennummernplatzhalter 4">
+            <a:extLst>
+              <a:ext uri="{FF2B5EF4-FFF2-40B4-BE49-F238E27FC236}">
+                <a16:creationId xmlns:a16="http://schemas.microsoft.com/office/drawing/2014/main" id="{9069057C-5080-2204-F5D9-21186178F312}"/>
+              </a:ext>
+            </a:extLst>
+          </p:cNvPr>
+          <p:cNvSpPr>
+            <a:spLocks noGrp="1"/>
+          </p:cNvSpPr>
+          <p:nvPr>
+            <p:ph type="sldNum" sz="quarter" idx="12"/>
+          </p:nvPr>
+        </p:nvSpPr>
+        <p:spPr/>
+        <p:txBody>
+          <a:bodyPr/>
+          <a:lstStyle/>
+          <a:p>
+            <a:fld id="{C921D49C-F2C9-4773-B40D-55A32CD1AF58}" type="slidenum">
+              <a:rPr lang="en-US" smtClean="0"/>
+              <a:t>2</a:t>
+            </a:fld>
+            <a:endParaRPr lang="en-US"/>
+          </a:p>
+        </p:txBody>
+      </p:sp>
+    </p:spTree>
+    <p:extLst>
+      <p:ext uri="{BB962C8B-B14F-4D97-AF65-F5344CB8AC3E}">
+        <p14:creationId xmlns:p14="http://schemas.microsoft.com/office/powerpoint/2010/main" val="1404934384"/>
+      </p:ext>
+    </p:extLst>
+  </p:cSld>
+  <p:clrMapOvr>
+    <a:masterClrMapping/>
+  </p:clrMapOvr>
+</p:sld>
+</file>
+
+<file path=ppt/slides/slide20.xml><?xml version="1.0" encoding="utf-8"?>
 <p:sld xmlns:a="http://schemas.openxmlformats.org/drawingml/2006/main" xmlns:r="http://schemas.openxmlformats.org/officeDocument/2006/relationships" xmlns:p="http://schemas.openxmlformats.org/presentationml/2006/main">
   <p:cSld>
     <p:bg>
@@ -12550,7 +13870,23 @@
           <a:p>
             <a:r>
               <a:rPr lang="en-US" sz="4000" dirty="0"/>
-              <a:t>Modeling – Modell </a:t>
+              <a:t>Modeling – </a:t>
+            </a:r>
+            <a:r>
+              <a:rPr lang="en-US" sz="4000" dirty="0" err="1"/>
+              <a:t>Strukt</a:t>
+            </a:r>
+            <a:r>
+              <a:rPr lang="en-US" sz="4000" dirty="0"/>
+              <a:t>. </a:t>
+            </a:r>
+            <a:r>
+              <a:rPr lang="en-US" sz="4000" dirty="0" err="1"/>
+              <a:t>Daten</a:t>
+            </a:r>
+            <a:r>
+              <a:rPr lang="en-US" sz="4000" dirty="0"/>
+              <a:t> Modell </a:t>
             </a:r>
             <a:r>
               <a:rPr lang="en-US" sz="4000" dirty="0" err="1"/>
@@ -13049,7 +14385,7 @@
 </p:sld>
 </file>
 
-<file path=ppt/slides/slide19.xml><?xml version="1.0" encoding="utf-8"?>
+<file path=ppt/slides/slide21.xml><?xml version="1.0" encoding="utf-8"?>
 <p:sld xmlns:a="http://schemas.openxmlformats.org/drawingml/2006/main" xmlns:r="http://schemas.openxmlformats.org/officeDocument/2006/relationships" xmlns:p="http://schemas.openxmlformats.org/presentationml/2006/main">
   <p:cSld>
     <p:bg>
@@ -13104,13 +14440,29 @@
         </p:spPr>
         <p:txBody>
           <a:bodyPr anchor="ctr">
-            <a:normAutofit/>
+            <a:normAutofit fontScale="90000"/>
           </a:bodyPr>
           <a:lstStyle/>
           <a:p>
             <a:r>
               <a:rPr lang="en-US" sz="4000" dirty="0"/>
-              <a:t>Modeling – Modell </a:t>
+              <a:t>Modeling – </a:t>
+            </a:r>
+            <a:r>
+              <a:rPr lang="en-US" sz="4000" dirty="0" err="1"/>
+              <a:t>Strukt</a:t>
+            </a:r>
+            <a:r>
+              <a:rPr lang="en-US" sz="4000" dirty="0"/>
+              <a:t>. </a:t>
+            </a:r>
+            <a:r>
+              <a:rPr lang="en-US" sz="4000" dirty="0" err="1"/>
+              <a:t>Daten</a:t>
+            </a:r>
+            <a:r>
+              <a:rPr lang="en-US" sz="4000" dirty="0"/>
+              <a:t> Modell </a:t>
             </a:r>
             <a:r>
               <a:rPr lang="en-US" sz="4000" dirty="0" err="1"/>
@@ -13691,172 +15043,7 @@
 </p:sld>
 </file>
 
-<file path=ppt/slides/slide2.xml><?xml version="1.0" encoding="utf-8"?>
-<p:sld xmlns:a="http://schemas.openxmlformats.org/drawingml/2006/main" xmlns:r="http://schemas.openxmlformats.org/officeDocument/2006/relationships" xmlns:p="http://schemas.openxmlformats.org/presentationml/2006/main">
-  <p:cSld>
-    <p:spTree>
-      <p:nvGrpSpPr>
-        <p:cNvPr id="1" name=""/>
-        <p:cNvGrpSpPr/>
-        <p:nvPr/>
-      </p:nvGrpSpPr>
-      <p:grpSpPr>
-        <a:xfrm>
-          <a:off x="0" y="0"/>
-          <a:ext cx="0" cy="0"/>
-          <a:chOff x="0" y="0"/>
-          <a:chExt cx="0" cy="0"/>
-        </a:xfrm>
-      </p:grpSpPr>
-      <p:sp>
-        <p:nvSpPr>
-          <p:cNvPr id="2" name="Titel 1">
-            <a:extLst>
-              <a:ext uri="{FF2B5EF4-FFF2-40B4-BE49-F238E27FC236}">
-                <a16:creationId xmlns:a16="http://schemas.microsoft.com/office/drawing/2014/main" id="{EF0A671E-3F0C-E208-A30F-3531121F5CAB}"/>
-              </a:ext>
-            </a:extLst>
-          </p:cNvPr>
-          <p:cNvSpPr>
-            <a:spLocks noGrp="1"/>
-          </p:cNvSpPr>
-          <p:nvPr>
-            <p:ph type="title"/>
-          </p:nvPr>
-        </p:nvSpPr>
-        <p:spPr/>
-        <p:txBody>
-          <a:bodyPr/>
-          <a:lstStyle/>
-          <a:p>
-            <a:r>
-              <a:rPr lang="de-DE" dirty="0"/>
-              <a:t>Business Understanding – Problem</a:t>
-            </a:r>
-            <a:endParaRPr lang="en-US" dirty="0"/>
-          </a:p>
-        </p:txBody>
-      </p:sp>
-      <p:sp>
-        <p:nvSpPr>
-          <p:cNvPr id="3" name="Inhaltsplatzhalter 2">
-            <a:extLst>
-              <a:ext uri="{FF2B5EF4-FFF2-40B4-BE49-F238E27FC236}">
-                <a16:creationId xmlns:a16="http://schemas.microsoft.com/office/drawing/2014/main" id="{FB693121-058C-0414-6A28-F2AF176FF0F7}"/>
-              </a:ext>
-            </a:extLst>
-          </p:cNvPr>
-          <p:cNvSpPr>
-            <a:spLocks noGrp="1"/>
-          </p:cNvSpPr>
-          <p:nvPr>
-            <p:ph idx="1"/>
-          </p:nvPr>
-        </p:nvSpPr>
-        <p:spPr/>
-        <p:txBody>
-          <a:bodyPr>
-            <a:normAutofit/>
-          </a:bodyPr>
-          <a:lstStyle/>
-          <a:p>
-            <a:pPr>
-              <a:buFont typeface="Wingdings" panose="05000000000000000000" pitchFamily="2" charset="2"/>
-              <a:buChar char="à"/>
-            </a:pPr>
-            <a:r>
-              <a:rPr lang="de-DE" dirty="0">
-                <a:sym typeface="Wingdings" panose="05000000000000000000" pitchFamily="2" charset="2"/>
-              </a:rPr>
-              <a:t>Auftraggeber ist ein Unternehmen, welches Raketen herstellt</a:t>
-            </a:r>
-          </a:p>
-          <a:p>
-            <a:pPr marL="0" indent="0">
-              <a:buNone/>
-            </a:pPr>
-            <a:endParaRPr lang="de-DE" dirty="0">
-              <a:sym typeface="Wingdings" panose="05000000000000000000" pitchFamily="2" charset="2"/>
-            </a:endParaRPr>
-          </a:p>
-          <a:p>
-            <a:pPr marL="0" indent="0">
-              <a:buNone/>
-            </a:pPr>
-            <a:r>
-              <a:rPr lang="de-DE" dirty="0">
-                <a:sym typeface="Wingdings" panose="05000000000000000000" pitchFamily="2" charset="2"/>
-              </a:rPr>
-              <a:t>Problem:</a:t>
-            </a:r>
-          </a:p>
-          <a:p>
-            <a:pPr marL="0" indent="0">
-              <a:buNone/>
-            </a:pPr>
-            <a:r>
-              <a:rPr lang="de-DE" dirty="0">
-                <a:sym typeface="Wingdings" panose="05000000000000000000" pitchFamily="2" charset="2"/>
-              </a:rPr>
-              <a:t>Häufige unvorhergesehene Produktionsausfälle</a:t>
-            </a:r>
-          </a:p>
-          <a:p>
-            <a:pPr marL="0" indent="0">
-              <a:buNone/>
-            </a:pPr>
-            <a:r>
-              <a:rPr lang="de-DE" dirty="0">
-                <a:sym typeface="Wingdings" panose="05000000000000000000" pitchFamily="2" charset="2"/>
-              </a:rPr>
-              <a:t>- Produktion verzögert sich</a:t>
-            </a:r>
-          </a:p>
-          <a:p>
-            <a:pPr marL="0" indent="0">
-              <a:buNone/>
-            </a:pPr>
-            <a:r>
-              <a:rPr lang="de-DE" dirty="0">
-                <a:sym typeface="Wingdings" panose="05000000000000000000" pitchFamily="2" charset="2"/>
-              </a:rPr>
-              <a:t>- Hohe Kosten entstehen</a:t>
-            </a:r>
-          </a:p>
-          <a:p>
-            <a:pPr marL="0" indent="0">
-              <a:buNone/>
-            </a:pPr>
-            <a:r>
-              <a:rPr lang="de-DE" dirty="0">
-                <a:sym typeface="Wingdings" panose="05000000000000000000" pitchFamily="2" charset="2"/>
-              </a:rPr>
-              <a:t>Kundenzufriedenheit ist durch die Produktionsausfälle gesunken</a:t>
-            </a:r>
-          </a:p>
-          <a:p>
-            <a:pPr>
-              <a:buFont typeface="Wingdings" panose="05000000000000000000" pitchFamily="2" charset="2"/>
-              <a:buChar char="à"/>
-            </a:pPr>
-            <a:endParaRPr lang="en-US" dirty="0"/>
-          </a:p>
-        </p:txBody>
-      </p:sp>
-    </p:spTree>
-    <p:extLst>
-      <p:ext uri="{BB962C8B-B14F-4D97-AF65-F5344CB8AC3E}">
-        <p14:creationId xmlns:p14="http://schemas.microsoft.com/office/powerpoint/2010/main" val="3479139215"/>
-      </p:ext>
-    </p:extLst>
-  </p:cSld>
-  <p:clrMapOvr>
-    <a:masterClrMapping/>
-  </p:clrMapOvr>
-</p:sld>
-</file>
-
-<file path=ppt/slides/slide20.xml><?xml version="1.0" encoding="utf-8"?>
+<file path=ppt/slides/slide22.xml><?xml version="1.0" encoding="utf-8"?>
 <p:sld xmlns:a="http://schemas.openxmlformats.org/drawingml/2006/main" xmlns:r="http://schemas.openxmlformats.org/officeDocument/2006/relationships" xmlns:p="http://schemas.openxmlformats.org/presentationml/2006/main">
   <p:cSld>
     <p:bg>
@@ -13976,9 +15163,38 @@
           <a:lstStyle/>
           <a:p>
             <a:r>
-              <a:rPr lang="en-US" sz="4000"/>
-              <a:t>Modeling – Modell weiter untersuchen</a:t>
-            </a:r>
+              <a:rPr lang="en-US" sz="4000" dirty="0"/>
+              <a:t>Modeling – </a:t>
+            </a:r>
+            <a:r>
+              <a:rPr lang="en-US" sz="4000" dirty="0" err="1"/>
+              <a:t>Strukt</a:t>
+            </a:r>
+            <a:r>
+              <a:rPr lang="en-US" sz="4000" dirty="0"/>
+              <a:t>. </a:t>
+            </a:r>
+            <a:r>
+              <a:rPr lang="en-US" sz="4000" dirty="0" err="1"/>
+              <a:t>Daten</a:t>
+            </a:r>
+            <a:r>
+              <a:rPr lang="en-US" sz="4000" dirty="0"/>
+              <a:t> Modell </a:t>
+            </a:r>
+            <a:r>
+              <a:rPr lang="en-US" sz="4000" dirty="0" err="1"/>
+              <a:t>weitere</a:t>
+            </a:r>
+            <a:r>
+              <a:rPr lang="en-US" sz="4000" dirty="0"/>
+              <a:t> </a:t>
+            </a:r>
+            <a:r>
+              <a:rPr lang="en-US" sz="4000" dirty="0" err="1"/>
+              <a:t>untersuchungen</a:t>
+            </a:r>
+            <a:endParaRPr lang="en-US" sz="4000" dirty="0"/>
           </a:p>
         </p:txBody>
       </p:sp>
@@ -14366,7 +15582,7 @@
 </p:sld>
 </file>
 
-<file path=ppt/slides/slide21.xml><?xml version="1.0" encoding="utf-8"?>
+<file path=ppt/slides/slide23.xml><?xml version="1.0" encoding="utf-8"?>
 <p:sld xmlns:a="http://schemas.openxmlformats.org/drawingml/2006/main" xmlns:r="http://schemas.openxmlformats.org/officeDocument/2006/relationships" xmlns:p="http://schemas.openxmlformats.org/presentationml/2006/main">
   <p:cSld>
     <p:bg>
@@ -14475,8 +15691,8 @@
         </p:nvSpPr>
         <p:spPr>
           <a:xfrm>
-            <a:off x="838200" y="556337"/>
-            <a:ext cx="6797405" cy="1651404"/>
+            <a:off x="393701" y="352823"/>
+            <a:ext cx="6477000" cy="1651404"/>
           </a:xfrm>
         </p:spPr>
         <p:txBody>
@@ -14487,7 +15703,23 @@
           <a:p>
             <a:r>
               <a:rPr lang="en-US" sz="4000" dirty="0"/>
-              <a:t>Modeling – Modell </a:t>
+              <a:t>Modeling – </a:t>
+            </a:r>
+            <a:r>
+              <a:rPr lang="en-US" sz="4000" dirty="0" err="1"/>
+              <a:t>Strukt</a:t>
+            </a:r>
+            <a:r>
+              <a:rPr lang="en-US" sz="4000" dirty="0"/>
+              <a:t>. </a:t>
+            </a:r>
+            <a:r>
+              <a:rPr lang="en-US" sz="4000" dirty="0" err="1"/>
+              <a:t>Daten</a:t>
+            </a:r>
+            <a:r>
+              <a:rPr lang="en-US" sz="4000" dirty="0"/>
+              <a:t> Modell </a:t>
             </a:r>
             <a:r>
               <a:rPr lang="en-US" sz="4000" dirty="0" err="1"/>
@@ -15231,7 +16463,7 @@
 </p:sld>
 </file>
 
-<file path=ppt/slides/slide22.xml><?xml version="1.0" encoding="utf-8"?>
+<file path=ppt/slides/slide24.xml><?xml version="1.0" encoding="utf-8"?>
 <p:sld xmlns:a="http://schemas.openxmlformats.org/drawingml/2006/main" xmlns:r="http://schemas.openxmlformats.org/officeDocument/2006/relationships" xmlns:p="http://schemas.openxmlformats.org/presentationml/2006/main">
   <p:cSld>
     <p:spTree>
@@ -15277,19 +16509,27 @@
           <a:p>
             <a:r>
               <a:rPr lang="en-US" dirty="0"/>
-              <a:t>Modeling – </a:t>
+              <a:t>Modeling - </a:t>
             </a:r>
             <a:r>
               <a:rPr lang="en-US" dirty="0" err="1"/>
-              <a:t>Betrachtung</a:t>
+              <a:t>Strukt</a:t>
             </a:r>
             <a:r>
               <a:rPr lang="en-US" dirty="0"/>
-              <a:t> der </a:t>
+              <a:t>. </a:t>
             </a:r>
             <a:r>
               <a:rPr lang="en-US" dirty="0" err="1"/>
-              <a:t>Gewichtung</a:t>
+              <a:t>Daten</a:t>
+            </a:r>
+            <a:r>
+              <a:rPr lang="en-US" dirty="0"/>
+              <a:t> </a:t>
+            </a:r>
+            <a:r>
+              <a:rPr lang="en-US" dirty="0" err="1"/>
+              <a:t>Modellauswahl</a:t>
             </a:r>
             <a:endParaRPr lang="en-US" dirty="0"/>
           </a:p>
@@ -15311,33 +16551,67 @@
             <p:ph idx="1"/>
           </p:nvPr>
         </p:nvSpPr>
+        <p:spPr>
+          <a:xfrm>
+            <a:off x="838200" y="1825625"/>
+            <a:ext cx="10515600" cy="436230"/>
+          </a:xfrm>
+        </p:spPr>
+        <p:txBody>
+          <a:bodyPr>
+            <a:normAutofit fontScale="92500" lnSpcReduction="10000"/>
+          </a:bodyPr>
+          <a:lstStyle/>
+          <a:p>
+            <a:pPr marL="0" indent="0">
+              <a:buNone/>
+            </a:pPr>
+            <a:r>
+              <a:rPr lang="en-US" dirty="0" err="1"/>
+              <a:t>Betrachtung</a:t>
+            </a:r>
+            <a:r>
+              <a:rPr lang="en-US" dirty="0"/>
+              <a:t> der Feature Importance:</a:t>
+            </a:r>
+          </a:p>
+        </p:txBody>
+      </p:sp>
+      <p:sp>
+        <p:nvSpPr>
+          <p:cNvPr id="4" name="Foliennummernplatzhalter 3">
+            <a:extLst>
+              <a:ext uri="{FF2B5EF4-FFF2-40B4-BE49-F238E27FC236}">
+                <a16:creationId xmlns:a16="http://schemas.microsoft.com/office/drawing/2014/main" id="{1E5DF504-98E4-CCF4-0877-321D98D2E2A7}"/>
+              </a:ext>
+            </a:extLst>
+          </p:cNvPr>
+          <p:cNvSpPr>
+            <a:spLocks noGrp="1"/>
+          </p:cNvSpPr>
+          <p:nvPr>
+            <p:ph type="sldNum" sz="quarter" idx="12"/>
+          </p:nvPr>
+        </p:nvSpPr>
         <p:spPr/>
         <p:txBody>
           <a:bodyPr/>
           <a:lstStyle/>
           <a:p>
-            <a:r>
-              <a:rPr lang="en-US" dirty="0" err="1"/>
-              <a:t>Betrachtung</a:t>
-            </a:r>
-            <a:r>
-              <a:rPr lang="en-US" dirty="0"/>
-              <a:t> der Feature Importance und </a:t>
-            </a:r>
-            <a:r>
-              <a:rPr lang="en-US" dirty="0" err="1"/>
-              <a:t>Korrelationsmatrix</a:t>
-            </a:r>
-            <a:endParaRPr lang="en-US" dirty="0"/>
+            <a:fld id="{C921D49C-F2C9-4773-B40D-55A32CD1AF58}" type="slidenum">
+              <a:rPr lang="en-US" smtClean="0"/>
+              <a:t>24</a:t>
+            </a:fld>
+            <a:endParaRPr lang="en-US"/>
           </a:p>
         </p:txBody>
       </p:sp>
       <p:pic>
         <p:nvPicPr>
-          <p:cNvPr id="5" name="Grafik 4">
-            <a:extLst>
-              <a:ext uri="{FF2B5EF4-FFF2-40B4-BE49-F238E27FC236}">
-                <a16:creationId xmlns:a16="http://schemas.microsoft.com/office/drawing/2014/main" id="{DF5C88B5-AB86-5056-D2A9-431074548A00}"/>
+          <p:cNvPr id="7" name="Grafik 6">
+            <a:extLst>
+              <a:ext uri="{FF2B5EF4-FFF2-40B4-BE49-F238E27FC236}">
+                <a16:creationId xmlns:a16="http://schemas.microsoft.com/office/drawing/2014/main" id="{02C9BF1E-48E0-0380-41BC-EFADF3F4B626}"/>
               </a:ext>
             </a:extLst>
           </p:cNvPr>
@@ -15354,18 +16628,309 @@
         </p:blipFill>
         <p:spPr>
           <a:xfrm>
-            <a:off x="1824228" y="2415639"/>
-            <a:ext cx="6918600" cy="4013228"/>
+            <a:off x="2700866" y="2261855"/>
+            <a:ext cx="5751653" cy="3478878"/>
           </a:xfrm>
           <a:prstGeom prst="rect">
             <a:avLst/>
           </a:prstGeom>
         </p:spPr>
       </p:pic>
+      <p:sp>
+        <p:nvSpPr>
+          <p:cNvPr id="8" name="Textfeld 7">
+            <a:extLst>
+              <a:ext uri="{FF2B5EF4-FFF2-40B4-BE49-F238E27FC236}">
+                <a16:creationId xmlns:a16="http://schemas.microsoft.com/office/drawing/2014/main" id="{6E9EA181-C938-F3F0-0A84-5711F27F4A9B}"/>
+              </a:ext>
+            </a:extLst>
+          </p:cNvPr>
+          <p:cNvSpPr txBox="1"/>
+          <p:nvPr/>
+        </p:nvSpPr>
+        <p:spPr>
+          <a:xfrm>
+            <a:off x="2785533" y="5691927"/>
+            <a:ext cx="2933700" cy="276999"/>
+          </a:xfrm>
+          <a:prstGeom prst="rect">
+            <a:avLst/>
+          </a:prstGeom>
+          <a:noFill/>
+        </p:spPr>
+        <p:txBody>
+          <a:bodyPr wrap="square" rtlCol="0">
+            <a:spAutoFit/>
+          </a:bodyPr>
+          <a:lstStyle/>
+          <a:p>
+            <a:r>
+              <a:rPr lang="de-DE" sz="1200" i="1" dirty="0"/>
+              <a:t>Feature </a:t>
+            </a:r>
+            <a:r>
+              <a:rPr lang="de-DE" sz="1200" i="1" dirty="0" err="1"/>
+              <a:t>Importance</a:t>
+            </a:r>
+            <a:r>
+              <a:rPr lang="de-DE" sz="1200" i="1" dirty="0"/>
+              <a:t> Random Forrest</a:t>
+            </a:r>
+          </a:p>
+        </p:txBody>
+      </p:sp>
+      <p:sp>
+        <p:nvSpPr>
+          <p:cNvPr id="9" name="Inhaltsplatzhalter 2">
+            <a:extLst>
+              <a:ext uri="{FF2B5EF4-FFF2-40B4-BE49-F238E27FC236}">
+                <a16:creationId xmlns:a16="http://schemas.microsoft.com/office/drawing/2014/main" id="{9A1A05C3-A270-FEFB-AEA1-CE7FC80C3BD7}"/>
+              </a:ext>
+            </a:extLst>
+          </p:cNvPr>
+          <p:cNvSpPr txBox="1">
+            <a:spLocks/>
+          </p:cNvSpPr>
+          <p:nvPr/>
+        </p:nvSpPr>
+        <p:spPr>
+          <a:xfrm>
+            <a:off x="838200" y="6176963"/>
+            <a:ext cx="10515600" cy="436230"/>
+          </a:xfrm>
+          <a:prstGeom prst="rect">
+            <a:avLst/>
+          </a:prstGeom>
+        </p:spPr>
+        <p:txBody>
+          <a:bodyPr vert="horz" lIns="91440" tIns="45720" rIns="91440" bIns="45720" rtlCol="0">
+            <a:normAutofit fontScale="92500" lnSpcReduction="10000"/>
+          </a:bodyPr>
+          <a:lstStyle>
+            <a:lvl1pPr marL="228600" indent="-228600" algn="l" defTabSz="914400" rtl="0" eaLnBrk="1" latinLnBrk="0" hangingPunct="1">
+              <a:lnSpc>
+                <a:spcPct val="90000"/>
+              </a:lnSpc>
+              <a:spcBef>
+                <a:spcPts val="1000"/>
+              </a:spcBef>
+              <a:buFont typeface="Arial" panose="020B0604020202020204" pitchFamily="34" charset="0"/>
+              <a:buChar char="•"/>
+              <a:defRPr sz="2800" kern="1200">
+                <a:solidFill>
+                  <a:schemeClr val="tx1"/>
+                </a:solidFill>
+                <a:latin typeface="+mn-lt"/>
+                <a:ea typeface="+mn-ea"/>
+                <a:cs typeface="+mn-cs"/>
+              </a:defRPr>
+            </a:lvl1pPr>
+            <a:lvl2pPr marL="685800" indent="-228600" algn="l" defTabSz="914400" rtl="0" eaLnBrk="1" latinLnBrk="0" hangingPunct="1">
+              <a:lnSpc>
+                <a:spcPct val="90000"/>
+              </a:lnSpc>
+              <a:spcBef>
+                <a:spcPts val="500"/>
+              </a:spcBef>
+              <a:buFont typeface="Arial" panose="020B0604020202020204" pitchFamily="34" charset="0"/>
+              <a:buChar char="•"/>
+              <a:defRPr sz="2400" kern="1200">
+                <a:solidFill>
+                  <a:schemeClr val="tx1"/>
+                </a:solidFill>
+                <a:latin typeface="+mn-lt"/>
+                <a:ea typeface="+mn-ea"/>
+                <a:cs typeface="+mn-cs"/>
+              </a:defRPr>
+            </a:lvl2pPr>
+            <a:lvl3pPr marL="1143000" indent="-228600" algn="l" defTabSz="914400" rtl="0" eaLnBrk="1" latinLnBrk="0" hangingPunct="1">
+              <a:lnSpc>
+                <a:spcPct val="90000"/>
+              </a:lnSpc>
+              <a:spcBef>
+                <a:spcPts val="500"/>
+              </a:spcBef>
+              <a:buFont typeface="Arial" panose="020B0604020202020204" pitchFamily="34" charset="0"/>
+              <a:buChar char="•"/>
+              <a:defRPr sz="2000" kern="1200">
+                <a:solidFill>
+                  <a:schemeClr val="tx1"/>
+                </a:solidFill>
+                <a:latin typeface="+mn-lt"/>
+                <a:ea typeface="+mn-ea"/>
+                <a:cs typeface="+mn-cs"/>
+              </a:defRPr>
+            </a:lvl3pPr>
+            <a:lvl4pPr marL="1600200" indent="-228600" algn="l" defTabSz="914400" rtl="0" eaLnBrk="1" latinLnBrk="0" hangingPunct="1">
+              <a:lnSpc>
+                <a:spcPct val="90000"/>
+              </a:lnSpc>
+              <a:spcBef>
+                <a:spcPts val="500"/>
+              </a:spcBef>
+              <a:buFont typeface="Arial" panose="020B0604020202020204" pitchFamily="34" charset="0"/>
+              <a:buChar char="•"/>
+              <a:defRPr sz="1800" kern="1200">
+                <a:solidFill>
+                  <a:schemeClr val="tx1"/>
+                </a:solidFill>
+                <a:latin typeface="+mn-lt"/>
+                <a:ea typeface="+mn-ea"/>
+                <a:cs typeface="+mn-cs"/>
+              </a:defRPr>
+            </a:lvl4pPr>
+            <a:lvl5pPr marL="2057400" indent="-228600" algn="l" defTabSz="914400" rtl="0" eaLnBrk="1" latinLnBrk="0" hangingPunct="1">
+              <a:lnSpc>
+                <a:spcPct val="90000"/>
+              </a:lnSpc>
+              <a:spcBef>
+                <a:spcPts val="500"/>
+              </a:spcBef>
+              <a:buFont typeface="Arial" panose="020B0604020202020204" pitchFamily="34" charset="0"/>
+              <a:buChar char="•"/>
+              <a:defRPr sz="1800" kern="1200">
+                <a:solidFill>
+                  <a:schemeClr val="tx1"/>
+                </a:solidFill>
+                <a:latin typeface="+mn-lt"/>
+                <a:ea typeface="+mn-ea"/>
+                <a:cs typeface="+mn-cs"/>
+              </a:defRPr>
+            </a:lvl5pPr>
+            <a:lvl6pPr marL="2514600" indent="-228600" algn="l" defTabSz="914400" rtl="0" eaLnBrk="1" latinLnBrk="0" hangingPunct="1">
+              <a:lnSpc>
+                <a:spcPct val="90000"/>
+              </a:lnSpc>
+              <a:spcBef>
+                <a:spcPts val="500"/>
+              </a:spcBef>
+              <a:buFont typeface="Arial" panose="020B0604020202020204" pitchFamily="34" charset="0"/>
+              <a:buChar char="•"/>
+              <a:defRPr sz="1800" kern="1200">
+                <a:solidFill>
+                  <a:schemeClr val="tx1"/>
+                </a:solidFill>
+                <a:latin typeface="+mn-lt"/>
+                <a:ea typeface="+mn-ea"/>
+                <a:cs typeface="+mn-cs"/>
+              </a:defRPr>
+            </a:lvl6pPr>
+            <a:lvl7pPr marL="2971800" indent="-228600" algn="l" defTabSz="914400" rtl="0" eaLnBrk="1" latinLnBrk="0" hangingPunct="1">
+              <a:lnSpc>
+                <a:spcPct val="90000"/>
+              </a:lnSpc>
+              <a:spcBef>
+                <a:spcPts val="500"/>
+              </a:spcBef>
+              <a:buFont typeface="Arial" panose="020B0604020202020204" pitchFamily="34" charset="0"/>
+              <a:buChar char="•"/>
+              <a:defRPr sz="1800" kern="1200">
+                <a:solidFill>
+                  <a:schemeClr val="tx1"/>
+                </a:solidFill>
+                <a:latin typeface="+mn-lt"/>
+                <a:ea typeface="+mn-ea"/>
+                <a:cs typeface="+mn-cs"/>
+              </a:defRPr>
+            </a:lvl7pPr>
+            <a:lvl8pPr marL="3429000" indent="-228600" algn="l" defTabSz="914400" rtl="0" eaLnBrk="1" latinLnBrk="0" hangingPunct="1">
+              <a:lnSpc>
+                <a:spcPct val="90000"/>
+              </a:lnSpc>
+              <a:spcBef>
+                <a:spcPts val="500"/>
+              </a:spcBef>
+              <a:buFont typeface="Arial" panose="020B0604020202020204" pitchFamily="34" charset="0"/>
+              <a:buChar char="•"/>
+              <a:defRPr sz="1800" kern="1200">
+                <a:solidFill>
+                  <a:schemeClr val="tx1"/>
+                </a:solidFill>
+                <a:latin typeface="+mn-lt"/>
+                <a:ea typeface="+mn-ea"/>
+                <a:cs typeface="+mn-cs"/>
+              </a:defRPr>
+            </a:lvl8pPr>
+            <a:lvl9pPr marL="3886200" indent="-228600" algn="l" defTabSz="914400" rtl="0" eaLnBrk="1" latinLnBrk="0" hangingPunct="1">
+              <a:lnSpc>
+                <a:spcPct val="90000"/>
+              </a:lnSpc>
+              <a:spcBef>
+                <a:spcPts val="500"/>
+              </a:spcBef>
+              <a:buFont typeface="Arial" panose="020B0604020202020204" pitchFamily="34" charset="0"/>
+              <a:buChar char="•"/>
+              <a:defRPr sz="1800" kern="1200">
+                <a:solidFill>
+                  <a:schemeClr val="tx1"/>
+                </a:solidFill>
+                <a:latin typeface="+mn-lt"/>
+                <a:ea typeface="+mn-ea"/>
+                <a:cs typeface="+mn-cs"/>
+              </a:defRPr>
+            </a:lvl9pPr>
+          </a:lstStyle>
+          <a:p>
+            <a:pPr marL="0" indent="0">
+              <a:buFont typeface="Arial" panose="020B0604020202020204" pitchFamily="34" charset="0"/>
+              <a:buNone/>
+            </a:pPr>
+            <a:r>
+              <a:rPr lang="en-US" dirty="0"/>
+              <a:t>Die </a:t>
+            </a:r>
+            <a:r>
+              <a:rPr lang="en-US" dirty="0" err="1"/>
+              <a:t>genutzten</a:t>
+            </a:r>
+            <a:r>
+              <a:rPr lang="en-US" dirty="0"/>
+              <a:t> Features </a:t>
+            </a:r>
+            <a:r>
+              <a:rPr lang="en-US" dirty="0" err="1"/>
+              <a:t>sind</a:t>
+            </a:r>
+            <a:r>
+              <a:rPr lang="en-US" dirty="0"/>
+              <a:t> </a:t>
+            </a:r>
+            <a:r>
+              <a:rPr lang="en-US" dirty="0" err="1"/>
+              <a:t>ähnlich</a:t>
+            </a:r>
+            <a:r>
+              <a:rPr lang="en-US" dirty="0"/>
+              <a:t> </a:t>
+            </a:r>
+            <a:r>
+              <a:rPr lang="en-US" dirty="0" err="1"/>
+              <a:t>wichtig</a:t>
+            </a:r>
+            <a:r>
+              <a:rPr lang="en-US" dirty="0"/>
+              <a:t> -&gt; </a:t>
+            </a:r>
+            <a:r>
+              <a:rPr lang="en-US" dirty="0" err="1"/>
+              <a:t>Werden</a:t>
+            </a:r>
+            <a:r>
+              <a:rPr lang="en-US" dirty="0"/>
+              <a:t> alle </a:t>
+            </a:r>
+            <a:r>
+              <a:rPr lang="en-US" dirty="0" err="1"/>
+              <a:t>berücksichtigt</a:t>
+            </a:r>
+            <a:endParaRPr lang="en-US" dirty="0"/>
+          </a:p>
+        </p:txBody>
+      </p:sp>
     </p:spTree>
     <p:extLst>
       <p:ext uri="{BB962C8B-B14F-4D97-AF65-F5344CB8AC3E}">
-        <p14:creationId xmlns:p14="http://schemas.microsoft.com/office/powerpoint/2010/main" val="82302342"/>
+        <p14:creationId xmlns:p14="http://schemas.microsoft.com/office/powerpoint/2010/main" val="3329159683"/>
       </p:ext>
     </p:extLst>
   </p:cSld>
@@ -15375,7 +16940,7 @@
 </p:sld>
 </file>
 
-<file path=ppt/slides/slide23.xml><?xml version="1.0" encoding="utf-8"?>
+<file path=ppt/slides/slide25.xml><?xml version="1.0" encoding="utf-8"?>
 <p:sld xmlns:a="http://schemas.openxmlformats.org/drawingml/2006/main" xmlns:r="http://schemas.openxmlformats.org/officeDocument/2006/relationships" xmlns:p="http://schemas.openxmlformats.org/presentationml/2006/main">
   <p:cSld>
     <p:spTree>
@@ -15415,6 +16980,26 @@
           <a:p>
             <a:r>
               <a:rPr lang="de-DE" dirty="0"/>
+              <a:t>Modeling - </a:t>
+            </a:r>
+            <a:r>
+              <a:rPr lang="en-US" dirty="0" err="1"/>
+              <a:t>Unstrukt</a:t>
+            </a:r>
+            <a:r>
+              <a:rPr lang="en-US" dirty="0"/>
+              <a:t>. </a:t>
+            </a:r>
+            <a:r>
+              <a:rPr lang="en-US" dirty="0" err="1"/>
+              <a:t>Daten</a:t>
+            </a:r>
+            <a:r>
+              <a:rPr lang="en-US" dirty="0"/>
+              <a:t> </a:t>
+            </a:r>
+            <a:r>
+              <a:rPr lang="de-DE" dirty="0"/>
               <a:t>Log Daten Split</a:t>
             </a:r>
           </a:p>
@@ -15474,15 +17059,7 @@
             </a:r>
             <a:r>
               <a:rPr lang="de-DE" dirty="0"/>
-              <a:t> Spalte Vektorisiert, damit sie in der Analyse </a:t>
-            </a:r>
-            <a:r>
-              <a:rPr lang="de-DE" dirty="0" err="1"/>
-              <a:t>gneutzt</a:t>
-            </a:r>
-            <a:r>
-              <a:rPr lang="de-DE" dirty="0"/>
-              <a:t> werden können</a:t>
+              <a:t> Spalte Vektorisiert, damit sie in der Analyse genutzt werden können</a:t>
             </a:r>
           </a:p>
           <a:p>
@@ -15543,7 +17120,7 @@
         </p:nvSpPr>
         <p:spPr>
           <a:xfrm>
-            <a:off x="1038225" y="6510635"/>
+            <a:off x="1038225" y="6492875"/>
             <a:ext cx="6096000" cy="246221"/>
           </a:xfrm>
           <a:prstGeom prst="rect">
@@ -15559,7 +17136,7 @@
           <a:p>
             <a:r>
               <a:rPr lang="en-US" sz="1000" dirty="0"/>
-              <a:t>https://scikit-learn.org/stable/modules/generated/sklearn.feature_extraction.text.TfidfVectorizer.html</a:t>
+              <a:t>Quelle: https://scikit-learn.org/stable/modules/generated/sklearn.feature_extraction.text.TfidfVectorizer.html</a:t>
             </a:r>
           </a:p>
         </p:txBody>
@@ -15608,7 +17185,7 @@
         </p:nvSpPr>
         <p:spPr>
           <a:xfrm>
-            <a:off x="1200150" y="3968234"/>
+            <a:off x="1095375" y="3981449"/>
             <a:ext cx="6096000" cy="246221"/>
           </a:xfrm>
           <a:prstGeom prst="rect">
@@ -15624,15 +17201,44 @@
           <a:p>
             <a:r>
               <a:rPr lang="en-US" sz="1000" dirty="0"/>
-              <a:t>https://scikit-learn.org/stable/model_selection.html</a:t>
-            </a:r>
+              <a:t>Quelle: https://scikit-learn.org/stable/model_selection.html</a:t>
+            </a:r>
+          </a:p>
+        </p:txBody>
+      </p:sp>
+      <p:sp>
+        <p:nvSpPr>
+          <p:cNvPr id="4" name="Foliennummernplatzhalter 3">
+            <a:extLst>
+              <a:ext uri="{FF2B5EF4-FFF2-40B4-BE49-F238E27FC236}">
+                <a16:creationId xmlns:a16="http://schemas.microsoft.com/office/drawing/2014/main" id="{ED329164-7915-4576-7A41-B2F1F5C3A953}"/>
+              </a:ext>
+            </a:extLst>
+          </p:cNvPr>
+          <p:cNvSpPr>
+            <a:spLocks noGrp="1"/>
+          </p:cNvSpPr>
+          <p:nvPr>
+            <p:ph type="sldNum" sz="quarter" idx="12"/>
+          </p:nvPr>
+        </p:nvSpPr>
+        <p:spPr/>
+        <p:txBody>
+          <a:bodyPr/>
+          <a:lstStyle/>
+          <a:p>
+            <a:fld id="{C921D49C-F2C9-4773-B40D-55A32CD1AF58}" type="slidenum">
+              <a:rPr lang="en-US" smtClean="0"/>
+              <a:t>25</a:t>
+            </a:fld>
+            <a:endParaRPr lang="en-US"/>
           </a:p>
         </p:txBody>
       </p:sp>
     </p:spTree>
     <p:extLst>
       <p:ext uri="{BB962C8B-B14F-4D97-AF65-F5344CB8AC3E}">
-        <p14:creationId xmlns:p14="http://schemas.microsoft.com/office/powerpoint/2010/main" val="1007533382"/>
+        <p14:creationId xmlns:p14="http://schemas.microsoft.com/office/powerpoint/2010/main" val="2016174597"/>
       </p:ext>
     </p:extLst>
   </p:cSld>
@@ -15642,7 +17248,7 @@
 </p:sld>
 </file>
 
-<file path=ppt/slides/slide24.xml><?xml version="1.0" encoding="utf-8"?>
+<file path=ppt/slides/slide26.xml><?xml version="1.0" encoding="utf-8"?>
 <p:sld xmlns:a="http://schemas.openxmlformats.org/drawingml/2006/main" xmlns:r="http://schemas.openxmlformats.org/officeDocument/2006/relationships" xmlns:p="http://schemas.openxmlformats.org/presentationml/2006/main">
   <p:cSld>
     <p:spTree>
@@ -15688,13 +17294,24 @@
           <a:p>
             <a:r>
               <a:rPr lang="en-US" dirty="0"/>
-              <a:t>Modeling – Log </a:t>
+              <a:t>Modeling - </a:t>
+            </a:r>
+            <a:r>
+              <a:rPr lang="en-US" dirty="0" err="1"/>
+              <a:t>Unstrukt</a:t>
+            </a:r>
+            <a:r>
+              <a:rPr lang="en-US" dirty="0"/>
+              <a:t>. </a:t>
             </a:r>
             <a:r>
               <a:rPr lang="en-US" dirty="0" err="1"/>
               <a:t>Daten</a:t>
             </a:r>
-            <a:endParaRPr lang="en-US" dirty="0"/>
+            <a:r>
+              <a:rPr lang="en-US" dirty="0"/>
+              <a:t> Modell</a:t>
+            </a:r>
           </a:p>
         </p:txBody>
       </p:sp>
@@ -15719,34 +17336,14 @@
           <a:bodyPr/>
           <a:lstStyle/>
           <a:p>
-            <a:pPr>
-              <a:buFont typeface="Wingdings" panose="05000000000000000000" pitchFamily="2" charset="2"/>
-              <a:buChar char="à"/>
-            </a:pPr>
             <a:r>
               <a:rPr lang="de-DE" dirty="0">
                 <a:sym typeface="Wingdings" panose="05000000000000000000" pitchFamily="2" charset="2"/>
               </a:rPr>
-              <a:t>In den Log Daten soll eine </a:t>
-            </a:r>
-            <a:r>
-              <a:rPr lang="de-DE" dirty="0" err="1">
-                <a:sym typeface="Wingdings" panose="05000000000000000000" pitchFamily="2" charset="2"/>
-              </a:rPr>
-              <a:t>Prediction</a:t>
-            </a:r>
-            <a:r>
-              <a:rPr lang="de-DE" dirty="0">
-                <a:sym typeface="Wingdings" panose="05000000000000000000" pitchFamily="2" charset="2"/>
-              </a:rPr>
-              <a:t> gemacht werden zu den Log Daten und dem Service Status</a:t>
-            </a:r>
-          </a:p>
-          <a:p>
-            <a:pPr>
-              <a:buFont typeface="Wingdings" panose="05000000000000000000" pitchFamily="2" charset="2"/>
-              <a:buChar char="à"/>
-            </a:pPr>
+              <a:t>Mit den Log Daten soll eine Vorhersage erfolgen zu den Log Daten und dem Service Status</a:t>
+            </a:r>
+          </a:p>
+          <a:p>
             <a:r>
               <a:rPr lang="de-DE" dirty="0">
                 <a:sym typeface="Wingdings" panose="05000000000000000000" pitchFamily="2" charset="2"/>
@@ -15784,7 +17381,7 @@
         </p:blipFill>
         <p:spPr>
           <a:xfrm>
-            <a:off x="936624" y="3581400"/>
+            <a:off x="1139824" y="3530898"/>
             <a:ext cx="6286473" cy="1335087"/>
           </a:xfrm>
           <a:prstGeom prst="rect">
@@ -15814,7 +17411,7 @@
         </p:blipFill>
         <p:spPr>
           <a:xfrm>
-            <a:off x="5268912" y="5103812"/>
+            <a:off x="1139824" y="5086805"/>
             <a:ext cx="5961813" cy="1360488"/>
           </a:xfrm>
           <a:prstGeom prst="rect">
@@ -15836,8 +17433,8 @@
         </p:nvSpPr>
         <p:spPr>
           <a:xfrm>
-            <a:off x="838200" y="4865985"/>
-            <a:ext cx="5168900" cy="246221"/>
+            <a:off x="1084764" y="4867911"/>
+            <a:ext cx="6341533" cy="246221"/>
           </a:xfrm>
           <a:prstGeom prst="rect">
             <a:avLst/>
@@ -15852,7 +17449,7 @@
           <a:p>
             <a:r>
               <a:rPr lang="en-US" sz="1000" dirty="0"/>
-              <a:t>https://scikit-learn.org/stable/modules/generated/sklearn.neighbors.KNeighborsClassifier.html</a:t>
+              <a:t>Quelle: https://scikit-learn.org/stable/modules/generated/sklearn.neighbors.KNeighborsClassifier.html</a:t>
             </a:r>
           </a:p>
         </p:txBody>
@@ -15871,7 +17468,7 @@
         </p:nvSpPr>
         <p:spPr>
           <a:xfrm>
-            <a:off x="5213350" y="6440785"/>
+            <a:off x="1083732" y="6475254"/>
             <a:ext cx="6096000" cy="246221"/>
           </a:xfrm>
           <a:prstGeom prst="rect">
@@ -15887,15 +17484,44 @@
           <a:p>
             <a:r>
               <a:rPr lang="en-US" sz="1000" dirty="0"/>
-              <a:t>https://scikit-learn.org/stable/modules/generated/sklearn.ensemble.RandomForestClassifier.html</a:t>
-            </a:r>
+              <a:t>Quelle: https://scikit-learn.org/stable/modules/generated/sklearn.ensemble.RandomForestClassifier.html</a:t>
+            </a:r>
+          </a:p>
+        </p:txBody>
+      </p:sp>
+      <p:sp>
+        <p:nvSpPr>
+          <p:cNvPr id="4" name="Foliennummernplatzhalter 3">
+            <a:extLst>
+              <a:ext uri="{FF2B5EF4-FFF2-40B4-BE49-F238E27FC236}">
+                <a16:creationId xmlns:a16="http://schemas.microsoft.com/office/drawing/2014/main" id="{81012612-9382-378D-7FFA-589143C07491}"/>
+              </a:ext>
+            </a:extLst>
+          </p:cNvPr>
+          <p:cNvSpPr>
+            <a:spLocks noGrp="1"/>
+          </p:cNvSpPr>
+          <p:nvPr>
+            <p:ph type="sldNum" sz="quarter" idx="12"/>
+          </p:nvPr>
+        </p:nvSpPr>
+        <p:spPr/>
+        <p:txBody>
+          <a:bodyPr/>
+          <a:lstStyle/>
+          <a:p>
+            <a:fld id="{C921D49C-F2C9-4773-B40D-55A32CD1AF58}" type="slidenum">
+              <a:rPr lang="en-US" smtClean="0"/>
+              <a:t>26</a:t>
+            </a:fld>
+            <a:endParaRPr lang="en-US"/>
           </a:p>
         </p:txBody>
       </p:sp>
     </p:spTree>
     <p:extLst>
       <p:ext uri="{BB962C8B-B14F-4D97-AF65-F5344CB8AC3E}">
-        <p14:creationId xmlns:p14="http://schemas.microsoft.com/office/powerpoint/2010/main" val="4203657642"/>
+        <p14:creationId xmlns:p14="http://schemas.microsoft.com/office/powerpoint/2010/main" val="4247338514"/>
       </p:ext>
     </p:extLst>
   </p:cSld>
@@ -15905,7 +17531,7 @@
 </p:sld>
 </file>
 
-<file path=ppt/slides/slide25.xml><?xml version="1.0" encoding="utf-8"?>
+<file path=ppt/slides/slide27.xml><?xml version="1.0" encoding="utf-8"?>
 <p:sld xmlns:a="http://schemas.openxmlformats.org/drawingml/2006/main" xmlns:r="http://schemas.openxmlformats.org/officeDocument/2006/relationships" xmlns:p="http://schemas.openxmlformats.org/presentationml/2006/main">
   <p:cSld>
     <p:spTree>
@@ -15955,10 +17581,10 @@
           <a:lstStyle/>
           <a:p>
             <a:r>
-              <a:rPr lang="de-DE" dirty="0"/>
+              <a:rPr lang="de-DE" b="1" dirty="0"/>
               <a:t>Evaluation</a:t>
             </a:r>
-            <a:endParaRPr lang="en-US" dirty="0"/>
+            <a:endParaRPr lang="en-US" b="1" dirty="0"/>
           </a:p>
         </p:txBody>
       </p:sp>
@@ -16061,7 +17687,7 @@
 </p:sld>
 </file>
 
-<file path=ppt/slides/slide26.xml><?xml version="1.0" encoding="utf-8"?>
+<file path=ppt/slides/slide28.xml><?xml version="1.0" encoding="utf-8"?>
 <p:sld xmlns:a="http://schemas.openxmlformats.org/drawingml/2006/main" xmlns:r="http://schemas.openxmlformats.org/officeDocument/2006/relationships" xmlns:p="http://schemas.openxmlformats.org/presentationml/2006/main">
   <p:cSld>
     <p:spTree>
@@ -16083,7 +17709,7 @@
           <p:cNvPr id="2" name="Titel 1">
             <a:extLst>
               <a:ext uri="{FF2B5EF4-FFF2-40B4-BE49-F238E27FC236}">
-                <a16:creationId xmlns:a16="http://schemas.microsoft.com/office/drawing/2014/main" id="{799B8981-AB9A-B174-B50F-F0701587DD89}"/>
+                <a16:creationId xmlns:a16="http://schemas.microsoft.com/office/drawing/2014/main" id="{BC71253B-FAA0-97E1-7A26-B8DE3971FCBC}"/>
               </a:ext>
             </a:extLst>
           </p:cNvPr>
@@ -16099,6 +17725,149 @@
           <a:bodyPr/>
           <a:lstStyle/>
           <a:p>
+            <a:r>
+              <a:rPr lang="de-DE" dirty="0"/>
+              <a:t>Evaluation-</a:t>
+            </a:r>
+            <a:r>
+              <a:rPr lang="de-DE" dirty="0" err="1"/>
+              <a:t>Strukt</a:t>
+            </a:r>
+            <a:r>
+              <a:rPr lang="de-DE" dirty="0"/>
+              <a:t>. Daten</a:t>
+            </a:r>
+          </a:p>
+        </p:txBody>
+      </p:sp>
+      <p:sp>
+        <p:nvSpPr>
+          <p:cNvPr id="3" name="Inhaltsplatzhalter 2">
+            <a:extLst>
+              <a:ext uri="{FF2B5EF4-FFF2-40B4-BE49-F238E27FC236}">
+                <a16:creationId xmlns:a16="http://schemas.microsoft.com/office/drawing/2014/main" id="{8FA2DEA4-CA8D-0C63-A398-0BB31F70B705}"/>
+              </a:ext>
+            </a:extLst>
+          </p:cNvPr>
+          <p:cNvSpPr>
+            <a:spLocks noGrp="1"/>
+          </p:cNvSpPr>
+          <p:nvPr>
+            <p:ph idx="1"/>
+          </p:nvPr>
+        </p:nvSpPr>
+        <p:spPr/>
+        <p:txBody>
+          <a:bodyPr/>
+          <a:lstStyle/>
+          <a:p>
+            <a:endParaRPr lang="de-DE"/>
+          </a:p>
+        </p:txBody>
+      </p:sp>
+      <p:sp>
+        <p:nvSpPr>
+          <p:cNvPr id="4" name="Foliennummernplatzhalter 3">
+            <a:extLst>
+              <a:ext uri="{FF2B5EF4-FFF2-40B4-BE49-F238E27FC236}">
+                <a16:creationId xmlns:a16="http://schemas.microsoft.com/office/drawing/2014/main" id="{A49AEAC2-77CC-C1DA-2311-D8ACB28E8843}"/>
+              </a:ext>
+            </a:extLst>
+          </p:cNvPr>
+          <p:cNvSpPr>
+            <a:spLocks noGrp="1"/>
+          </p:cNvSpPr>
+          <p:nvPr>
+            <p:ph type="sldNum" sz="quarter" idx="12"/>
+          </p:nvPr>
+        </p:nvSpPr>
+        <p:spPr/>
+        <p:txBody>
+          <a:bodyPr/>
+          <a:lstStyle/>
+          <a:p>
+            <a:fld id="{C921D49C-F2C9-4773-B40D-55A32CD1AF58}" type="slidenum">
+              <a:rPr lang="en-US" smtClean="0"/>
+              <a:t>28</a:t>
+            </a:fld>
+            <a:endParaRPr lang="en-US"/>
+          </a:p>
+        </p:txBody>
+      </p:sp>
+    </p:spTree>
+    <p:extLst>
+      <p:ext uri="{BB962C8B-B14F-4D97-AF65-F5344CB8AC3E}">
+        <p14:creationId xmlns:p14="http://schemas.microsoft.com/office/powerpoint/2010/main" val="447902252"/>
+      </p:ext>
+    </p:extLst>
+  </p:cSld>
+  <p:clrMapOvr>
+    <a:masterClrMapping/>
+  </p:clrMapOvr>
+</p:sld>
+</file>
+
+<file path=ppt/slides/slide29.xml><?xml version="1.0" encoding="utf-8"?>
+<p:sld xmlns:a="http://schemas.openxmlformats.org/drawingml/2006/main" xmlns:r="http://schemas.openxmlformats.org/officeDocument/2006/relationships" xmlns:p="http://schemas.openxmlformats.org/presentationml/2006/main">
+  <p:cSld>
+    <p:spTree>
+      <p:nvGrpSpPr>
+        <p:cNvPr id="1" name=""/>
+        <p:cNvGrpSpPr/>
+        <p:nvPr/>
+      </p:nvGrpSpPr>
+      <p:grpSpPr>
+        <a:xfrm>
+          <a:off x="0" y="0"/>
+          <a:ext cx="0" cy="0"/>
+          <a:chOff x="0" y="0"/>
+          <a:chExt cx="0" cy="0"/>
+        </a:xfrm>
+      </p:grpSpPr>
+      <p:sp>
+        <p:nvSpPr>
+          <p:cNvPr id="2" name="Titel 1">
+            <a:extLst>
+              <a:ext uri="{FF2B5EF4-FFF2-40B4-BE49-F238E27FC236}">
+                <a16:creationId xmlns:a16="http://schemas.microsoft.com/office/drawing/2014/main" id="{799B8981-AB9A-B174-B50F-F0701587DD89}"/>
+              </a:ext>
+            </a:extLst>
+          </p:cNvPr>
+          <p:cNvSpPr>
+            <a:spLocks noGrp="1"/>
+          </p:cNvSpPr>
+          <p:nvPr>
+            <p:ph type="title"/>
+          </p:nvPr>
+        </p:nvSpPr>
+        <p:spPr/>
+        <p:txBody>
+          <a:bodyPr/>
+          <a:lstStyle/>
+          <a:p>
+            <a:r>
+              <a:rPr lang="de-DE" dirty="0"/>
+              <a:t>Evaluation-</a:t>
+            </a:r>
+            <a:r>
+              <a:rPr lang="en-US" dirty="0" err="1"/>
+              <a:t>Unstrukt</a:t>
+            </a:r>
+            <a:r>
+              <a:rPr lang="en-US" dirty="0"/>
+              <a:t>. </a:t>
+            </a:r>
+            <a:r>
+              <a:rPr lang="en-US" dirty="0" err="1"/>
+              <a:t>Daten</a:t>
+            </a:r>
+            <a:r>
+              <a:rPr lang="en-US" dirty="0"/>
+              <a:t> </a:t>
+            </a:r>
+            <a:br>
+              <a:rPr lang="en-US" dirty="0"/>
+            </a:br>
             <a:r>
               <a:rPr lang="de-DE" dirty="0"/>
               <a:t>KNN für Log-Daten</a:t>
@@ -16167,8 +17936,8 @@
         </p:nvSpPr>
         <p:spPr>
           <a:xfrm>
-            <a:off x="7226300" y="6381234"/>
-            <a:ext cx="3473450" cy="246221"/>
+            <a:off x="6515100" y="6348412"/>
+            <a:ext cx="3994150" cy="246221"/>
           </a:xfrm>
           <a:prstGeom prst="rect">
             <a:avLst/>
@@ -16183,7 +17952,7 @@
           <a:p>
             <a:r>
               <a:rPr lang="en-US" sz="1000" dirty="0"/>
-              <a:t>https://seaborn.pydata.org/generated/seaborn.heatmap.html</a:t>
+              <a:t>Quelle: https://seaborn.pydata.org/generated/seaborn.heatmap.html</a:t>
             </a:r>
           </a:p>
         </p:txBody>
@@ -16202,8 +17971,8 @@
         </p:nvSpPr>
         <p:spPr>
           <a:xfrm>
-            <a:off x="831850" y="4662785"/>
-            <a:ext cx="5080000" cy="246221"/>
+            <a:off x="793750" y="4660026"/>
+            <a:ext cx="5594350" cy="246221"/>
           </a:xfrm>
           <a:prstGeom prst="rect">
             <a:avLst/>
@@ -16218,7 +17987,7 @@
           <a:p>
             <a:r>
               <a:rPr lang="en-US" sz="1000" dirty="0"/>
-              <a:t>https://scikit-learn.org/stable/modules/generated/sklearn.metrics.classification_report.html</a:t>
+              <a:t>Quelle: https://scikit-learn.org/stable/modules/generated/sklearn.metrics.classification_report.html</a:t>
             </a:r>
           </a:p>
         </p:txBody>
@@ -16283,10 +18052,39 @@
           </a:prstGeom>
         </p:spPr>
       </p:pic>
+      <p:sp>
+        <p:nvSpPr>
+          <p:cNvPr id="4" name="Foliennummernplatzhalter 3">
+            <a:extLst>
+              <a:ext uri="{FF2B5EF4-FFF2-40B4-BE49-F238E27FC236}">
+                <a16:creationId xmlns:a16="http://schemas.microsoft.com/office/drawing/2014/main" id="{C84265AA-4507-7964-CDFF-FE23A9EF78D4}"/>
+              </a:ext>
+            </a:extLst>
+          </p:cNvPr>
+          <p:cNvSpPr>
+            <a:spLocks noGrp="1"/>
+          </p:cNvSpPr>
+          <p:nvPr>
+            <p:ph type="sldNum" sz="quarter" idx="12"/>
+          </p:nvPr>
+        </p:nvSpPr>
+        <p:spPr/>
+        <p:txBody>
+          <a:bodyPr/>
+          <a:lstStyle/>
+          <a:p>
+            <a:fld id="{C921D49C-F2C9-4773-B40D-55A32CD1AF58}" type="slidenum">
+              <a:rPr lang="en-US" smtClean="0"/>
+              <a:t>29</a:t>
+            </a:fld>
+            <a:endParaRPr lang="en-US"/>
+          </a:p>
+        </p:txBody>
+      </p:sp>
     </p:spTree>
     <p:extLst>
       <p:ext uri="{BB962C8B-B14F-4D97-AF65-F5344CB8AC3E}">
-        <p14:creationId xmlns:p14="http://schemas.microsoft.com/office/powerpoint/2010/main" val="1949397748"/>
+        <p14:creationId xmlns:p14="http://schemas.microsoft.com/office/powerpoint/2010/main" val="1515156805"/>
       </p:ext>
     </p:extLst>
   </p:cSld>
@@ -16296,7 +18094,186 @@
 </p:sld>
 </file>
 
-<file path=ppt/slides/slide27.xml><?xml version="1.0" encoding="utf-8"?>
+<file path=ppt/slides/slide3.xml><?xml version="1.0" encoding="utf-8"?>
+<p:sld xmlns:a="http://schemas.openxmlformats.org/drawingml/2006/main" xmlns:r="http://schemas.openxmlformats.org/officeDocument/2006/relationships" xmlns:p="http://schemas.openxmlformats.org/presentationml/2006/main">
+  <p:cSld>
+    <p:spTree>
+      <p:nvGrpSpPr>
+        <p:cNvPr id="1" name=""/>
+        <p:cNvGrpSpPr/>
+        <p:nvPr/>
+      </p:nvGrpSpPr>
+      <p:grpSpPr>
+        <a:xfrm>
+          <a:off x="0" y="0"/>
+          <a:ext cx="0" cy="0"/>
+          <a:chOff x="0" y="0"/>
+          <a:chExt cx="0" cy="0"/>
+        </a:xfrm>
+      </p:grpSpPr>
+      <p:sp>
+        <p:nvSpPr>
+          <p:cNvPr id="2" name="Titel 1">
+            <a:extLst>
+              <a:ext uri="{FF2B5EF4-FFF2-40B4-BE49-F238E27FC236}">
+                <a16:creationId xmlns:a16="http://schemas.microsoft.com/office/drawing/2014/main" id="{EF0A671E-3F0C-E208-A30F-3531121F5CAB}"/>
+              </a:ext>
+            </a:extLst>
+          </p:cNvPr>
+          <p:cNvSpPr>
+            <a:spLocks noGrp="1"/>
+          </p:cNvSpPr>
+          <p:nvPr>
+            <p:ph type="title"/>
+          </p:nvPr>
+        </p:nvSpPr>
+        <p:spPr/>
+        <p:txBody>
+          <a:bodyPr/>
+          <a:lstStyle/>
+          <a:p>
+            <a:r>
+              <a:rPr lang="de-DE" dirty="0"/>
+              <a:t>Business Understanding – Problem</a:t>
+            </a:r>
+            <a:endParaRPr lang="en-US" dirty="0"/>
+          </a:p>
+        </p:txBody>
+      </p:sp>
+      <p:sp>
+        <p:nvSpPr>
+          <p:cNvPr id="3" name="Inhaltsplatzhalter 2">
+            <a:extLst>
+              <a:ext uri="{FF2B5EF4-FFF2-40B4-BE49-F238E27FC236}">
+                <a16:creationId xmlns:a16="http://schemas.microsoft.com/office/drawing/2014/main" id="{FB693121-058C-0414-6A28-F2AF176FF0F7}"/>
+              </a:ext>
+            </a:extLst>
+          </p:cNvPr>
+          <p:cNvSpPr>
+            <a:spLocks noGrp="1"/>
+          </p:cNvSpPr>
+          <p:nvPr>
+            <p:ph idx="1"/>
+          </p:nvPr>
+        </p:nvSpPr>
+        <p:spPr/>
+        <p:txBody>
+          <a:bodyPr>
+            <a:normAutofit/>
+          </a:bodyPr>
+          <a:lstStyle/>
+          <a:p>
+            <a:pPr marL="0" indent="0">
+              <a:buNone/>
+            </a:pPr>
+            <a:r>
+              <a:rPr lang="de-DE" dirty="0">
+                <a:sym typeface="Wingdings" panose="05000000000000000000" pitchFamily="2" charset="2"/>
+              </a:rPr>
+              <a:t>Der Auftraggeber ist ein produzierendes Unternehmen, welches Raketen herstellt.</a:t>
+            </a:r>
+          </a:p>
+          <a:p>
+            <a:pPr marL="0" indent="0">
+              <a:buNone/>
+            </a:pPr>
+            <a:r>
+              <a:rPr lang="de-DE" b="1" dirty="0">
+                <a:sym typeface="Wingdings" panose="05000000000000000000" pitchFamily="2" charset="2"/>
+              </a:rPr>
+              <a:t>Problem:</a:t>
+            </a:r>
+          </a:p>
+          <a:p>
+            <a:pPr marL="0" indent="0">
+              <a:buNone/>
+            </a:pPr>
+            <a:r>
+              <a:rPr lang="de-DE" dirty="0">
+                <a:sym typeface="Wingdings" panose="05000000000000000000" pitchFamily="2" charset="2"/>
+              </a:rPr>
+              <a:t>Häufige unvorhergesehene Produktionsausfälle</a:t>
+            </a:r>
+          </a:p>
+          <a:p>
+            <a:r>
+              <a:rPr lang="de-DE" dirty="0">
+                <a:sym typeface="Wingdings" panose="05000000000000000000" pitchFamily="2" charset="2"/>
+              </a:rPr>
+              <a:t>Produktion verzögert sich</a:t>
+            </a:r>
+          </a:p>
+          <a:p>
+            <a:r>
+              <a:rPr lang="de-DE" dirty="0">
+                <a:sym typeface="Wingdings" panose="05000000000000000000" pitchFamily="2" charset="2"/>
+              </a:rPr>
+              <a:t>Hohe Kosten entstehen</a:t>
+            </a:r>
+          </a:p>
+          <a:p>
+            <a:pPr marL="0" indent="0">
+              <a:buNone/>
+            </a:pPr>
+            <a:r>
+              <a:rPr lang="de-DE" dirty="0">
+                <a:sym typeface="Wingdings" panose="05000000000000000000" pitchFamily="2" charset="2"/>
+              </a:rPr>
+              <a:t>Kundenzufriedenheit ist durch die Produktionsausfälle gesunken</a:t>
+            </a:r>
+          </a:p>
+          <a:p>
+            <a:pPr>
+              <a:buFont typeface="Wingdings" panose="05000000000000000000" pitchFamily="2" charset="2"/>
+              <a:buChar char="à"/>
+            </a:pPr>
+            <a:endParaRPr lang="en-US" dirty="0"/>
+          </a:p>
+        </p:txBody>
+      </p:sp>
+      <p:sp>
+        <p:nvSpPr>
+          <p:cNvPr id="4" name="Foliennummernplatzhalter 3">
+            <a:extLst>
+              <a:ext uri="{FF2B5EF4-FFF2-40B4-BE49-F238E27FC236}">
+                <a16:creationId xmlns:a16="http://schemas.microsoft.com/office/drawing/2014/main" id="{206A1533-8CC1-D703-D284-898279776981}"/>
+              </a:ext>
+            </a:extLst>
+          </p:cNvPr>
+          <p:cNvSpPr>
+            <a:spLocks noGrp="1"/>
+          </p:cNvSpPr>
+          <p:nvPr>
+            <p:ph type="sldNum" sz="quarter" idx="12"/>
+          </p:nvPr>
+        </p:nvSpPr>
+        <p:spPr/>
+        <p:txBody>
+          <a:bodyPr/>
+          <a:lstStyle/>
+          <a:p>
+            <a:fld id="{C921D49C-F2C9-4773-B40D-55A32CD1AF58}" type="slidenum">
+              <a:rPr lang="en-US" smtClean="0"/>
+              <a:t>3</a:t>
+            </a:fld>
+            <a:endParaRPr lang="en-US"/>
+          </a:p>
+        </p:txBody>
+      </p:sp>
+    </p:spTree>
+    <p:extLst>
+      <p:ext uri="{BB962C8B-B14F-4D97-AF65-F5344CB8AC3E}">
+        <p14:creationId xmlns:p14="http://schemas.microsoft.com/office/powerpoint/2010/main" val="1210625805"/>
+      </p:ext>
+    </p:extLst>
+  </p:cSld>
+  <p:clrMapOvr>
+    <a:masterClrMapping/>
+  </p:clrMapOvr>
+</p:sld>
+</file>
+
+<file path=ppt/slides/slide30.xml><?xml version="1.0" encoding="utf-8"?>
 <p:sld xmlns:a="http://schemas.openxmlformats.org/drawingml/2006/main" xmlns:r="http://schemas.openxmlformats.org/officeDocument/2006/relationships" xmlns:p="http://schemas.openxmlformats.org/presentationml/2006/main">
   <p:cSld>
     <p:spTree>
@@ -16342,6 +18319,33 @@
           <a:p>
             <a:r>
               <a:rPr lang="de-DE" dirty="0"/>
+              <a:t>Evaluation-</a:t>
+            </a:r>
+            <a:r>
+              <a:rPr lang="en-US" dirty="0"/>
+              <a:t> </a:t>
+            </a:r>
+            <a:r>
+              <a:rPr lang="en-US" dirty="0" err="1"/>
+              <a:t>Unstrukt</a:t>
+            </a:r>
+            <a:r>
+              <a:rPr lang="en-US" dirty="0"/>
+              <a:t>. </a:t>
+            </a:r>
+            <a:r>
+              <a:rPr lang="en-US" dirty="0" err="1"/>
+              <a:t>Daten</a:t>
+            </a:r>
+            <a:r>
+              <a:rPr lang="en-US" dirty="0"/>
+              <a:t> </a:t>
+            </a:r>
+            <a:br>
+              <a:rPr lang="en-US" dirty="0"/>
+            </a:br>
+            <a:r>
+              <a:rPr lang="de-DE" dirty="0"/>
               <a:t>Random Forrest für Log-Daten</a:t>
             </a:r>
             <a:endParaRPr lang="en-US" dirty="0"/>
@@ -16408,8 +18412,8 @@
         </p:nvSpPr>
         <p:spPr>
           <a:xfrm>
-            <a:off x="7226300" y="6381234"/>
-            <a:ext cx="3473450" cy="246221"/>
+            <a:off x="6773334" y="6310312"/>
+            <a:ext cx="3807883" cy="246221"/>
           </a:xfrm>
           <a:prstGeom prst="rect">
             <a:avLst/>
@@ -16424,7 +18428,7 @@
           <a:p>
             <a:r>
               <a:rPr lang="en-US" sz="1000" dirty="0"/>
-              <a:t>https://seaborn.pydata.org/generated/seaborn.heatmap.html</a:t>
+              <a:t>Quelle: https://seaborn.pydata.org/generated/seaborn.heatmap.html</a:t>
             </a:r>
           </a:p>
         </p:txBody>
@@ -16443,8 +18447,8 @@
         </p:nvSpPr>
         <p:spPr>
           <a:xfrm>
-            <a:off x="876300" y="4421485"/>
-            <a:ext cx="5080000" cy="246221"/>
+            <a:off x="888999" y="4425979"/>
+            <a:ext cx="6087533" cy="246221"/>
           </a:xfrm>
           <a:prstGeom prst="rect">
             <a:avLst/>
@@ -16459,7 +18463,7 @@
           <a:p>
             <a:r>
               <a:rPr lang="en-US" sz="1000" dirty="0"/>
-              <a:t>https://scikit-learn.org/stable/modules/generated/sklearn.metrics.classification_report.html</a:t>
+              <a:t>Quelle: https://scikit-learn.org/stable/modules/generated/sklearn.metrics.classification_report.html</a:t>
             </a:r>
           </a:p>
         </p:txBody>
@@ -16524,10 +18528,39 @@
           </a:prstGeom>
         </p:spPr>
       </p:pic>
+      <p:sp>
+        <p:nvSpPr>
+          <p:cNvPr id="4" name="Foliennummernplatzhalter 3">
+            <a:extLst>
+              <a:ext uri="{FF2B5EF4-FFF2-40B4-BE49-F238E27FC236}">
+                <a16:creationId xmlns:a16="http://schemas.microsoft.com/office/drawing/2014/main" id="{A992D602-438F-BB16-CA3C-5F6213658BFD}"/>
+              </a:ext>
+            </a:extLst>
+          </p:cNvPr>
+          <p:cNvSpPr>
+            <a:spLocks noGrp="1"/>
+          </p:cNvSpPr>
+          <p:nvPr>
+            <p:ph type="sldNum" sz="quarter" idx="12"/>
+          </p:nvPr>
+        </p:nvSpPr>
+        <p:spPr/>
+        <p:txBody>
+          <a:bodyPr/>
+          <a:lstStyle/>
+          <a:p>
+            <a:fld id="{C921D49C-F2C9-4773-B40D-55A32CD1AF58}" type="slidenum">
+              <a:rPr lang="en-US" smtClean="0"/>
+              <a:t>30</a:t>
+            </a:fld>
+            <a:endParaRPr lang="en-US"/>
+          </a:p>
+        </p:txBody>
+      </p:sp>
     </p:spTree>
     <p:extLst>
       <p:ext uri="{BB962C8B-B14F-4D97-AF65-F5344CB8AC3E}">
-        <p14:creationId xmlns:p14="http://schemas.microsoft.com/office/powerpoint/2010/main" val="3263210723"/>
+        <p14:creationId xmlns:p14="http://schemas.microsoft.com/office/powerpoint/2010/main" val="1454398929"/>
       </p:ext>
     </p:extLst>
   </p:cSld>
@@ -16537,7 +18570,7 @@
 </p:sld>
 </file>
 
-<file path=ppt/slides/slide28.xml><?xml version="1.0" encoding="utf-8"?>
+<file path=ppt/slides/slide31.xml><?xml version="1.0" encoding="utf-8"?>
 <p:sld xmlns:a="http://schemas.openxmlformats.org/drawingml/2006/main" xmlns:r="http://schemas.openxmlformats.org/officeDocument/2006/relationships" xmlns:p="http://schemas.openxmlformats.org/presentationml/2006/main">
   <p:cSld>
     <p:spTree>
@@ -16576,8 +18609,40 @@
           <a:lstStyle/>
           <a:p>
             <a:r>
+              <a:rPr lang="de-DE" dirty="0" err="1"/>
+              <a:t>Evalutation</a:t>
+            </a:r>
+            <a:r>
               <a:rPr lang="de-DE" dirty="0"/>
-              <a:t>Ergebnis Log-Daten</a:t>
+              <a:t>-</a:t>
+            </a:r>
+            <a:r>
+              <a:rPr lang="en-US" dirty="0"/>
+              <a:t> </a:t>
+            </a:r>
+            <a:r>
+              <a:rPr lang="en-US" dirty="0" err="1"/>
+              <a:t>Unstrukt</a:t>
+            </a:r>
+            <a:r>
+              <a:rPr lang="en-US" dirty="0"/>
+              <a:t>. </a:t>
+            </a:r>
+            <a:r>
+              <a:rPr lang="en-US" dirty="0" err="1"/>
+              <a:t>Daten</a:t>
+            </a:r>
+            <a:r>
+              <a:rPr lang="en-US"/>
+              <a:t> </a:t>
+            </a:r>
+            <a:r>
+              <a:rPr lang="de-DE"/>
+              <a:t>Ergebnis </a:t>
+            </a:r>
+            <a:r>
+              <a:rPr lang="de-DE" dirty="0"/>
+              <a:t>Log-Daten</a:t>
             </a:r>
             <a:endParaRPr lang="en-US" dirty="0"/>
           </a:p>
@@ -16674,10 +18739,39 @@
           </a:p>
         </p:txBody>
       </p:sp>
+      <p:sp>
+        <p:nvSpPr>
+          <p:cNvPr id="4" name="Foliennummernplatzhalter 3">
+            <a:extLst>
+              <a:ext uri="{FF2B5EF4-FFF2-40B4-BE49-F238E27FC236}">
+                <a16:creationId xmlns:a16="http://schemas.microsoft.com/office/drawing/2014/main" id="{AF407F52-02AB-F5FF-19F5-468F1C8BF9AE}"/>
+              </a:ext>
+            </a:extLst>
+          </p:cNvPr>
+          <p:cNvSpPr>
+            <a:spLocks noGrp="1"/>
+          </p:cNvSpPr>
+          <p:nvPr>
+            <p:ph type="sldNum" sz="quarter" idx="12"/>
+          </p:nvPr>
+        </p:nvSpPr>
+        <p:spPr/>
+        <p:txBody>
+          <a:bodyPr/>
+          <a:lstStyle/>
+          <a:p>
+            <a:fld id="{C921D49C-F2C9-4773-B40D-55A32CD1AF58}" type="slidenum">
+              <a:rPr lang="en-US" smtClean="0"/>
+              <a:t>31</a:t>
+            </a:fld>
+            <a:endParaRPr lang="en-US"/>
+          </a:p>
+        </p:txBody>
+      </p:sp>
     </p:spTree>
     <p:extLst>
       <p:ext uri="{BB962C8B-B14F-4D97-AF65-F5344CB8AC3E}">
-        <p14:creationId xmlns:p14="http://schemas.microsoft.com/office/powerpoint/2010/main" val="4021444989"/>
+        <p14:creationId xmlns:p14="http://schemas.microsoft.com/office/powerpoint/2010/main" val="1777332838"/>
       </p:ext>
     </p:extLst>
   </p:cSld>
@@ -16687,7 +18781,7 @@
 </p:sld>
 </file>
 
-<file path=ppt/slides/slide29.xml><?xml version="1.0" encoding="utf-8"?>
+<file path=ppt/slides/slide32.xml><?xml version="1.0" encoding="utf-8"?>
 <p:sld xmlns:a="http://schemas.openxmlformats.org/drawingml/2006/main" xmlns:r="http://schemas.openxmlformats.org/officeDocument/2006/relationships" xmlns:p="http://schemas.openxmlformats.org/presentationml/2006/main">
   <p:cSld>
     <p:spTree>
@@ -16737,10 +18831,10 @@
           <a:lstStyle/>
           <a:p>
             <a:r>
-              <a:rPr lang="de-DE" dirty="0"/>
+              <a:rPr lang="de-DE" b="1" dirty="0"/>
               <a:t>Deployment</a:t>
             </a:r>
-            <a:endParaRPr lang="en-US" dirty="0"/>
+            <a:endParaRPr lang="en-US" b="1" dirty="0"/>
           </a:p>
         </p:txBody>
       </p:sp>
@@ -16843,7 +18937,7 @@
 </p:sld>
 </file>
 
-<file path=ppt/slides/slide3.xml><?xml version="1.0" encoding="utf-8"?>
+<file path=ppt/slides/slide33.xml><?xml version="1.0" encoding="utf-8"?>
 <p:sld xmlns:a="http://schemas.openxmlformats.org/drawingml/2006/main" xmlns:r="http://schemas.openxmlformats.org/officeDocument/2006/relationships" xmlns:p="http://schemas.openxmlformats.org/presentationml/2006/main">
   <p:cSld>
     <p:spTree>
@@ -16865,180 +18959,6 @@
           <p:cNvPr id="2" name="Titel 1">
             <a:extLst>
               <a:ext uri="{FF2B5EF4-FFF2-40B4-BE49-F238E27FC236}">
-                <a16:creationId xmlns:a16="http://schemas.microsoft.com/office/drawing/2014/main" id="{EF0A671E-3F0C-E208-A30F-3531121F5CAB}"/>
-              </a:ext>
-            </a:extLst>
-          </p:cNvPr>
-          <p:cNvSpPr>
-            <a:spLocks noGrp="1"/>
-          </p:cNvSpPr>
-          <p:nvPr>
-            <p:ph type="title"/>
-          </p:nvPr>
-        </p:nvSpPr>
-        <p:spPr/>
-        <p:txBody>
-          <a:bodyPr/>
-          <a:lstStyle/>
-          <a:p>
-            <a:r>
-              <a:rPr lang="de-DE" dirty="0"/>
-              <a:t>Business Understanding – Gegebenheiten</a:t>
-            </a:r>
-            <a:endParaRPr lang="en-US" dirty="0"/>
-          </a:p>
-        </p:txBody>
-      </p:sp>
-      <p:sp>
-        <p:nvSpPr>
-          <p:cNvPr id="3" name="Inhaltsplatzhalter 2">
-            <a:extLst>
-              <a:ext uri="{FF2B5EF4-FFF2-40B4-BE49-F238E27FC236}">
-                <a16:creationId xmlns:a16="http://schemas.microsoft.com/office/drawing/2014/main" id="{FB693121-058C-0414-6A28-F2AF176FF0F7}"/>
-              </a:ext>
-            </a:extLst>
-          </p:cNvPr>
-          <p:cNvSpPr>
-            <a:spLocks noGrp="1"/>
-          </p:cNvSpPr>
-          <p:nvPr>
-            <p:ph idx="1"/>
-          </p:nvPr>
-        </p:nvSpPr>
-        <p:spPr/>
-        <p:txBody>
-          <a:bodyPr>
-            <a:normAutofit fontScale="92500" lnSpcReduction="20000"/>
-          </a:bodyPr>
-          <a:lstStyle/>
-          <a:p>
-            <a:pPr>
-              <a:buFont typeface="Wingdings" panose="05000000000000000000" pitchFamily="2" charset="2"/>
-              <a:buChar char="à"/>
-            </a:pPr>
-            <a:r>
-              <a:rPr lang="de-DE" dirty="0">
-                <a:sym typeface="Wingdings" panose="05000000000000000000" pitchFamily="2" charset="2"/>
-              </a:rPr>
-              <a:t>Die Maschinen geben während ihres Betriebs Statusmeldungen ab, welche in Log Files gespeichert werden. Zudem wird alle 5 Minuten der Zustand der Maschine übermittelt. Unteranderem Sensordaten</a:t>
-            </a:r>
-          </a:p>
-          <a:p>
-            <a:pPr>
-              <a:buFont typeface="Wingdings" panose="05000000000000000000" pitchFamily="2" charset="2"/>
-              <a:buChar char="à"/>
-            </a:pPr>
-            <a:endParaRPr lang="de-DE" dirty="0">
-              <a:sym typeface="Wingdings" panose="05000000000000000000" pitchFamily="2" charset="2"/>
-            </a:endParaRPr>
-          </a:p>
-          <a:p>
-            <a:pPr>
-              <a:buFont typeface="Wingdings" panose="05000000000000000000" pitchFamily="2" charset="2"/>
-              <a:buChar char="à"/>
-            </a:pPr>
-            <a:r>
-              <a:rPr lang="de-DE" dirty="0">
-                <a:sym typeface="Wingdings" panose="05000000000000000000" pitchFamily="2" charset="2"/>
-              </a:rPr>
-              <a:t>Meldungen werden in zwei Datenbanken abgespeichert:</a:t>
-            </a:r>
-          </a:p>
-          <a:p>
-            <a:pPr lvl="1">
-              <a:buFont typeface="Wingdings" panose="05000000000000000000" pitchFamily="2" charset="2"/>
-              <a:buChar char="à"/>
-            </a:pPr>
-            <a:r>
-              <a:rPr lang="de-DE" dirty="0">
-                <a:sym typeface="Wingdings" panose="05000000000000000000" pitchFamily="2" charset="2"/>
-              </a:rPr>
-              <a:t>Mongo DB Atlas für unstrukturierte Daten</a:t>
-            </a:r>
-          </a:p>
-          <a:p>
-            <a:pPr lvl="1">
-              <a:buFont typeface="Wingdings" panose="05000000000000000000" pitchFamily="2" charset="2"/>
-              <a:buChar char="à"/>
-            </a:pPr>
-            <a:r>
-              <a:rPr lang="de-DE" dirty="0">
-                <a:sym typeface="Wingdings" panose="05000000000000000000" pitchFamily="2" charset="2"/>
-              </a:rPr>
-              <a:t>SQL Server für Strukturierte Daten</a:t>
-            </a:r>
-          </a:p>
-          <a:p>
-            <a:pPr>
-              <a:buFont typeface="Wingdings" panose="05000000000000000000" pitchFamily="2" charset="2"/>
-              <a:buChar char="à"/>
-            </a:pPr>
-            <a:endParaRPr lang="de-DE" dirty="0">
-              <a:sym typeface="Wingdings" panose="05000000000000000000" pitchFamily="2" charset="2"/>
-            </a:endParaRPr>
-          </a:p>
-          <a:p>
-            <a:pPr>
-              <a:buFont typeface="Wingdings" panose="05000000000000000000" pitchFamily="2" charset="2"/>
-              <a:buChar char="à"/>
-            </a:pPr>
-            <a:r>
-              <a:rPr lang="de-DE" dirty="0">
-                <a:sym typeface="Wingdings" panose="05000000000000000000" pitchFamily="2" charset="2"/>
-              </a:rPr>
-              <a:t>Es gibt eine ganzen Menge an Maschinen Daten der Vergangenheit. Diese sollen genutzt werden, damit ein </a:t>
-            </a:r>
-            <a:r>
-              <a:rPr lang="de-DE" dirty="0" err="1">
-                <a:sym typeface="Wingdings" panose="05000000000000000000" pitchFamily="2" charset="2"/>
-              </a:rPr>
-              <a:t>Frühwarn</a:t>
-            </a:r>
-            <a:r>
-              <a:rPr lang="de-DE" dirty="0">
-                <a:sym typeface="Wingdings" panose="05000000000000000000" pitchFamily="2" charset="2"/>
-              </a:rPr>
-              <a:t> System entwickelt werden kann, sodass Ausfälle vorhergesagt werden können und präventiv verhindert werden können</a:t>
-            </a:r>
-            <a:endParaRPr lang="en-US" dirty="0"/>
-          </a:p>
-        </p:txBody>
-      </p:sp>
-    </p:spTree>
-    <p:extLst>
-      <p:ext uri="{BB962C8B-B14F-4D97-AF65-F5344CB8AC3E}">
-        <p14:creationId xmlns:p14="http://schemas.microsoft.com/office/powerpoint/2010/main" val="2422332918"/>
-      </p:ext>
-    </p:extLst>
-  </p:cSld>
-  <p:clrMapOvr>
-    <a:masterClrMapping/>
-  </p:clrMapOvr>
-</p:sld>
-</file>
-
-<file path=ppt/slides/slide30.xml><?xml version="1.0" encoding="utf-8"?>
-<p:sld xmlns:a="http://schemas.openxmlformats.org/drawingml/2006/main" xmlns:r="http://schemas.openxmlformats.org/officeDocument/2006/relationships" xmlns:p="http://schemas.openxmlformats.org/presentationml/2006/main">
-  <p:cSld>
-    <p:spTree>
-      <p:nvGrpSpPr>
-        <p:cNvPr id="1" name=""/>
-        <p:cNvGrpSpPr/>
-        <p:nvPr/>
-      </p:nvGrpSpPr>
-      <p:grpSpPr>
-        <a:xfrm>
-          <a:off x="0" y="0"/>
-          <a:ext cx="0" cy="0"/>
-          <a:chOff x="0" y="0"/>
-          <a:chExt cx="0" cy="0"/>
-        </a:xfrm>
-      </p:grpSpPr>
-      <p:sp>
-        <p:nvSpPr>
-          <p:cNvPr id="2" name="Titel 1">
-            <a:extLst>
-              <a:ext uri="{FF2B5EF4-FFF2-40B4-BE49-F238E27FC236}">
                 <a16:creationId xmlns:a16="http://schemas.microsoft.com/office/drawing/2014/main" id="{64BFFB9A-75D2-56E6-E8C2-10854B10B733}"/>
               </a:ext>
             </a:extLst>
@@ -17101,7 +19021,7 @@
 </p:sld>
 </file>
 
-<file path=ppt/slides/slide31.xml><?xml version="1.0" encoding="utf-8"?>
+<file path=ppt/slides/slide34.xml><?xml version="1.0" encoding="utf-8"?>
 <p:sld xmlns:a="http://schemas.openxmlformats.org/drawingml/2006/main" xmlns:r="http://schemas.openxmlformats.org/officeDocument/2006/relationships" xmlns:p="http://schemas.openxmlformats.org/presentationml/2006/main">
   <p:cSld>
     <p:bg>
@@ -17333,6 +19253,132 @@
             </a:r>
             <a:r>
               <a:rPr lang="en-US" sz="2000" dirty="0"/>
+              <a:t> warden. Als </a:t>
+            </a:r>
+            <a:r>
+              <a:rPr lang="en-US" sz="2000" dirty="0" err="1"/>
+              <a:t>Antwort</a:t>
+            </a:r>
+            <a:r>
+              <a:rPr lang="en-US" sz="2000" dirty="0"/>
+              <a:t> </a:t>
+            </a:r>
+            <a:r>
+              <a:rPr lang="en-US" sz="2000" dirty="0" err="1"/>
+              <a:t>wird</a:t>
+            </a:r>
+            <a:r>
+              <a:rPr lang="en-US" sz="2000" dirty="0"/>
+              <a:t> </a:t>
+            </a:r>
+            <a:r>
+              <a:rPr lang="en-US" sz="2000" dirty="0" err="1"/>
+              <a:t>zurückgegeben</a:t>
+            </a:r>
+            <a:r>
+              <a:rPr lang="en-US" sz="2000" dirty="0"/>
+              <a:t> </a:t>
+            </a:r>
+            <a:r>
+              <a:rPr lang="en-US" sz="2000" dirty="0" err="1"/>
+              <a:t>ob</a:t>
+            </a:r>
+            <a:r>
+              <a:rPr lang="en-US" sz="2000" dirty="0"/>
+              <a:t> die  </a:t>
+            </a:r>
+            <a:r>
+              <a:rPr lang="en-US" sz="2000" dirty="0" err="1"/>
+              <a:t>Maschine</a:t>
+            </a:r>
+            <a:r>
+              <a:rPr lang="en-US" sz="2000" dirty="0"/>
+              <a:t> </a:t>
+            </a:r>
+            <a:r>
+              <a:rPr lang="en-US" sz="2000" dirty="0" err="1"/>
+              <a:t>ausfällt</a:t>
+            </a:r>
+            <a:r>
+              <a:rPr lang="en-US" sz="2000" dirty="0"/>
+              <a:t> </a:t>
+            </a:r>
+            <a:r>
+              <a:rPr lang="en-US" sz="2000" dirty="0" err="1"/>
+              <a:t>oder</a:t>
+            </a:r>
+            <a:r>
+              <a:rPr lang="en-US" sz="2000" dirty="0"/>
+              <a:t> </a:t>
+            </a:r>
+            <a:r>
+              <a:rPr lang="en-US" sz="2000" dirty="0" err="1"/>
+              <a:t>nicht</a:t>
+            </a:r>
+            <a:r>
+              <a:rPr lang="en-US" sz="2000" dirty="0"/>
+              <a:t>.</a:t>
+            </a:r>
+          </a:p>
+          <a:p>
+            <a:r>
+              <a:rPr lang="en-US" sz="2000" dirty="0"/>
+              <a:t>In der </a:t>
+            </a:r>
+            <a:r>
+              <a:rPr lang="en-US" sz="2000" dirty="0" err="1"/>
+              <a:t>Realität</a:t>
+            </a:r>
+            <a:r>
+              <a:rPr lang="en-US" sz="2000" dirty="0"/>
+              <a:t> </a:t>
+            </a:r>
+            <a:r>
+              <a:rPr lang="en-US" sz="2000" dirty="0" err="1"/>
+              <a:t>müssen</a:t>
+            </a:r>
+            <a:r>
+              <a:rPr lang="en-US" sz="2000" dirty="0"/>
+              <a:t> </a:t>
+            </a:r>
+            <a:r>
+              <a:rPr lang="en-US" sz="2000" dirty="0" err="1"/>
+              <a:t>dann</a:t>
+            </a:r>
+            <a:r>
+              <a:rPr lang="en-US" sz="2000" dirty="0"/>
+              <a:t> die </a:t>
+            </a:r>
+            <a:r>
+              <a:rPr lang="en-US" sz="2000" dirty="0" err="1"/>
+              <a:t>echten</a:t>
+            </a:r>
+            <a:r>
+              <a:rPr lang="en-US" sz="2000" dirty="0"/>
+              <a:t> </a:t>
+            </a:r>
+            <a:r>
+              <a:rPr lang="en-US" sz="2000" dirty="0" err="1"/>
+              <a:t>Maschinendaten</a:t>
+            </a:r>
+            <a:r>
+              <a:rPr lang="en-US" sz="2000" dirty="0"/>
+              <a:t> </a:t>
+            </a:r>
+            <a:r>
+              <a:rPr lang="en-US" sz="2000" dirty="0" err="1"/>
+              <a:t>noch</a:t>
+            </a:r>
+            <a:r>
+              <a:rPr lang="en-US" sz="2000" dirty="0"/>
+              <a:t> </a:t>
+            </a:r>
+            <a:r>
+              <a:rPr lang="en-US" sz="2000" dirty="0" err="1"/>
+              <a:t>umgerechnet</a:t>
+            </a:r>
+            <a:r>
+              <a:rPr lang="en-US" sz="2000" dirty="0"/>
               <a:t> </a:t>
             </a:r>
             <a:r>
@@ -17341,11 +19387,11 @@
             </a:r>
             <a:r>
               <a:rPr lang="en-US" sz="2000" dirty="0"/>
-              <a:t> und </a:t>
+              <a:t> (</a:t>
             </a:r>
             <a:r>
               <a:rPr lang="en-US" sz="2000" dirty="0" err="1"/>
-              <a:t>als</a:t>
+              <a:t>zum</a:t>
             </a:r>
             <a:r>
               <a:rPr lang="en-US" sz="2000" dirty="0"/>
@@ -17353,133 +19399,7 @@
             </a:r>
             <a:r>
               <a:rPr lang="en-US" sz="2000" dirty="0" err="1"/>
-              <a:t>Antwort</a:t>
-            </a:r>
-            <a:r>
-              <a:rPr lang="en-US" sz="2000" dirty="0"/>
-              <a:t> </a:t>
-            </a:r>
-            <a:r>
-              <a:rPr lang="en-US" sz="2000" dirty="0" err="1"/>
-              <a:t>bekommt</a:t>
-            </a:r>
-            <a:r>
-              <a:rPr lang="en-US" sz="2000" dirty="0"/>
-              <a:t> man, </a:t>
-            </a:r>
-            <a:r>
-              <a:rPr lang="en-US" sz="2000" dirty="0" err="1"/>
-              <a:t>ob</a:t>
-            </a:r>
-            <a:r>
-              <a:rPr lang="en-US" sz="2000" dirty="0"/>
-              <a:t> die </a:t>
-            </a:r>
-            <a:r>
-              <a:rPr lang="en-US" sz="2000" dirty="0" err="1"/>
-              <a:t>Maschine</a:t>
-            </a:r>
-            <a:r>
-              <a:rPr lang="en-US" sz="2000" dirty="0"/>
-              <a:t> </a:t>
-            </a:r>
-            <a:r>
-              <a:rPr lang="en-US" sz="2000" dirty="0" err="1"/>
-              <a:t>ausfällt</a:t>
-            </a:r>
-            <a:r>
-              <a:rPr lang="en-US" sz="2000" dirty="0"/>
-              <a:t> </a:t>
-            </a:r>
-            <a:r>
-              <a:rPr lang="en-US" sz="2000" dirty="0" err="1"/>
-              <a:t>oder</a:t>
-            </a:r>
-            <a:r>
-              <a:rPr lang="en-US" sz="2000" dirty="0"/>
-              <a:t> </a:t>
-            </a:r>
-            <a:r>
-              <a:rPr lang="en-US" sz="2000" dirty="0" err="1"/>
-              <a:t>nicht</a:t>
-            </a:r>
-            <a:r>
-              <a:rPr lang="en-US" sz="2000" dirty="0"/>
-              <a:t>.</a:t>
-            </a:r>
-          </a:p>
-          <a:p>
-            <a:r>
-              <a:rPr lang="en-US" sz="2000" dirty="0"/>
-              <a:t>In der </a:t>
-            </a:r>
-            <a:r>
-              <a:rPr lang="en-US" sz="2000" dirty="0" err="1"/>
-              <a:t>Realität</a:t>
-            </a:r>
-            <a:r>
-              <a:rPr lang="en-US" sz="2000" dirty="0"/>
-              <a:t> </a:t>
-            </a:r>
-            <a:r>
-              <a:rPr lang="en-US" sz="2000" dirty="0" err="1"/>
-              <a:t>müssen</a:t>
-            </a:r>
-            <a:r>
-              <a:rPr lang="en-US" sz="2000" dirty="0"/>
-              <a:t> </a:t>
-            </a:r>
-            <a:r>
-              <a:rPr lang="en-US" sz="2000" dirty="0" err="1"/>
-              <a:t>dann</a:t>
-            </a:r>
-            <a:r>
-              <a:rPr lang="en-US" sz="2000" dirty="0"/>
-              <a:t> die </a:t>
-            </a:r>
-            <a:r>
-              <a:rPr lang="en-US" sz="2000" dirty="0" err="1"/>
-              <a:t>echten</a:t>
-            </a:r>
-            <a:r>
-              <a:rPr lang="en-US" sz="2000" dirty="0"/>
-              <a:t> </a:t>
-            </a:r>
-            <a:r>
-              <a:rPr lang="en-US" sz="2000" dirty="0" err="1"/>
-              <a:t>Maschinendaten</a:t>
-            </a:r>
-            <a:r>
-              <a:rPr lang="en-US" sz="2000" dirty="0"/>
-              <a:t> </a:t>
-            </a:r>
-            <a:r>
-              <a:rPr lang="en-US" sz="2000" dirty="0" err="1"/>
-              <a:t>noch</a:t>
-            </a:r>
-            <a:r>
-              <a:rPr lang="en-US" sz="2000" dirty="0"/>
-              <a:t> </a:t>
-            </a:r>
-            <a:r>
-              <a:rPr lang="en-US" sz="2000" dirty="0" err="1"/>
-              <a:t>umgerechnet</a:t>
-            </a:r>
-            <a:r>
-              <a:rPr lang="en-US" sz="2000" dirty="0"/>
-              <a:t> warden (</a:t>
-            </a:r>
-            <a:r>
-              <a:rPr lang="en-US" sz="2000" dirty="0" err="1"/>
-              <a:t>zum</a:t>
-            </a:r>
-            <a:r>
-              <a:rPr lang="en-US" sz="2000" dirty="0"/>
-              <a:t> </a:t>
-            </a:r>
-            <a:r>
-              <a:rPr lang="en-US" sz="2000" dirty="0" err="1"/>
-              <a:t>beispiel</a:t>
+              <a:t>Beispiel</a:t>
             </a:r>
             <a:r>
               <a:rPr lang="en-US" sz="2000" dirty="0"/>
@@ -17576,7 +19496,7 @@
 </p:sld>
 </file>
 
-<file path=ppt/slides/slide32.xml><?xml version="1.0" encoding="utf-8"?>
+<file path=ppt/slides/slide35.xml><?xml version="1.0" encoding="utf-8"?>
 <p:sld xmlns:a="http://schemas.openxmlformats.org/drawingml/2006/main" xmlns:r="http://schemas.openxmlformats.org/officeDocument/2006/relationships" xmlns:p="http://schemas.openxmlformats.org/presentationml/2006/main">
   <p:cSld>
     <p:bg>
@@ -17735,13 +19655,13 @@
           <a:p>
             <a:r>
               <a:rPr lang="de-DE" dirty="0"/>
-              <a:t>Um die Applikation für die Außenwelt verfügbar zu machen, kann das Modell in einem Docker Container bereitgestellt werden</a:t>
+              <a:t>Um die Applikation öffentlich verfügbar zu machen, kann das Modell in einem Docker Container bereitgestellt werden</a:t>
             </a:r>
           </a:p>
           <a:p>
             <a:r>
               <a:rPr lang="de-DE" dirty="0"/>
-              <a:t>Dieser wird auf einem Server erstellt. Auf dem Container läuft dann das Modell und die API App, welche dann eine Antwort gibt wenn man zum Beispiel eine Post Anfrage auf den Server mit dem Port des Container stellt </a:t>
+              <a:t>Dieser wird auf einem Server erstellt. In dem Container läuft dann das Modell und die API App, welche dann eine Antwort sendet, wenn zum Beispiel eine Post Anfrage auf den Server mit dem Port des Container gesendet wird </a:t>
             </a:r>
           </a:p>
         </p:txBody>
@@ -17759,7 +19679,7 @@
 </p:sld>
 </file>
 
-<file path=ppt/slides/slide33.xml><?xml version="1.0" encoding="utf-8"?>
+<file path=ppt/slides/slide36.xml><?xml version="1.0" encoding="utf-8"?>
 <p:sld xmlns:a="http://schemas.openxmlformats.org/drawingml/2006/main" xmlns:r="http://schemas.openxmlformats.org/officeDocument/2006/relationships" xmlns:p="http://schemas.openxmlformats.org/presentationml/2006/main">
   <p:cSld>
     <p:spTree>
@@ -17893,6 +19813,191 @@
           <p:cNvPr id="2" name="Titel 1">
             <a:extLst>
               <a:ext uri="{FF2B5EF4-FFF2-40B4-BE49-F238E27FC236}">
+                <a16:creationId xmlns:a16="http://schemas.microsoft.com/office/drawing/2014/main" id="{EF0A671E-3F0C-E208-A30F-3531121F5CAB}"/>
+              </a:ext>
+            </a:extLst>
+          </p:cNvPr>
+          <p:cNvSpPr>
+            <a:spLocks noGrp="1"/>
+          </p:cNvSpPr>
+          <p:nvPr>
+            <p:ph type="title"/>
+          </p:nvPr>
+        </p:nvSpPr>
+        <p:spPr/>
+        <p:txBody>
+          <a:bodyPr/>
+          <a:lstStyle/>
+          <a:p>
+            <a:r>
+              <a:rPr lang="de-DE" dirty="0"/>
+              <a:t>Business Understanding – Gegebenheiten</a:t>
+            </a:r>
+            <a:endParaRPr lang="en-US" dirty="0"/>
+          </a:p>
+        </p:txBody>
+      </p:sp>
+      <p:sp>
+        <p:nvSpPr>
+          <p:cNvPr id="3" name="Inhaltsplatzhalter 2">
+            <a:extLst>
+              <a:ext uri="{FF2B5EF4-FFF2-40B4-BE49-F238E27FC236}">
+                <a16:creationId xmlns:a16="http://schemas.microsoft.com/office/drawing/2014/main" id="{FB693121-058C-0414-6A28-F2AF176FF0F7}"/>
+              </a:ext>
+            </a:extLst>
+          </p:cNvPr>
+          <p:cNvSpPr>
+            <a:spLocks noGrp="1"/>
+          </p:cNvSpPr>
+          <p:nvPr>
+            <p:ph idx="1"/>
+          </p:nvPr>
+        </p:nvSpPr>
+        <p:spPr/>
+        <p:txBody>
+          <a:bodyPr>
+            <a:normAutofit fontScale="92500" lnSpcReduction="20000"/>
+          </a:bodyPr>
+          <a:lstStyle/>
+          <a:p>
+            <a:r>
+              <a:rPr lang="de-DE" dirty="0">
+                <a:sym typeface="Wingdings" panose="05000000000000000000" pitchFamily="2" charset="2"/>
+              </a:rPr>
+              <a:t>Die Maschinen geben während des Betriebs Statusmeldungen ab, welche in Log Files gespeichert werden. Zudem wird alle 5 Minuten der Zustand der Maschine übermittelt. Unter anderem verschiedene Sensordaten.</a:t>
+            </a:r>
+          </a:p>
+          <a:p>
+            <a:pPr>
+              <a:buFont typeface="Wingdings" panose="05000000000000000000" pitchFamily="2" charset="2"/>
+              <a:buChar char="à"/>
+            </a:pPr>
+            <a:endParaRPr lang="de-DE" dirty="0">
+              <a:sym typeface="Wingdings" panose="05000000000000000000" pitchFamily="2" charset="2"/>
+            </a:endParaRPr>
+          </a:p>
+          <a:p>
+            <a:r>
+              <a:rPr lang="de-DE" dirty="0">
+                <a:sym typeface="Wingdings" panose="05000000000000000000" pitchFamily="2" charset="2"/>
+              </a:rPr>
+              <a:t>Meldungen und Sensorwerte werden in zwei Datenbanken abgespeichert:</a:t>
+            </a:r>
+          </a:p>
+          <a:p>
+            <a:pPr lvl="1"/>
+            <a:r>
+              <a:rPr lang="de-DE" dirty="0">
+                <a:sym typeface="Wingdings" panose="05000000000000000000" pitchFamily="2" charset="2"/>
+              </a:rPr>
+              <a:t>Mongo DB Atlas für unstrukturierte Daten</a:t>
+            </a:r>
+          </a:p>
+          <a:p>
+            <a:pPr lvl="1"/>
+            <a:r>
+              <a:rPr lang="de-DE" dirty="0">
+                <a:sym typeface="Wingdings" panose="05000000000000000000" pitchFamily="2" charset="2"/>
+              </a:rPr>
+              <a:t>SQL Server für Strukturierte Daten</a:t>
+            </a:r>
+          </a:p>
+          <a:p>
+            <a:pPr>
+              <a:buFont typeface="Wingdings" panose="05000000000000000000" pitchFamily="2" charset="2"/>
+              <a:buChar char="à"/>
+            </a:pPr>
+            <a:endParaRPr lang="de-DE" dirty="0">
+              <a:sym typeface="Wingdings" panose="05000000000000000000" pitchFamily="2" charset="2"/>
+            </a:endParaRPr>
+          </a:p>
+          <a:p>
+            <a:r>
+              <a:rPr lang="de-DE" dirty="0">
+                <a:sym typeface="Wingdings" panose="05000000000000000000" pitchFamily="2" charset="2"/>
+              </a:rPr>
+              <a:t>Es gibt eine große Menge an Maschinendaten der Vergangenheit. Diese sollen genutzt werden, damit ein </a:t>
+            </a:r>
+            <a:r>
+              <a:rPr lang="de-DE" dirty="0" err="1">
+                <a:sym typeface="Wingdings" panose="05000000000000000000" pitchFamily="2" charset="2"/>
+              </a:rPr>
+              <a:t>Frühwarn</a:t>
+            </a:r>
+            <a:r>
+              <a:rPr lang="de-DE" dirty="0">
+                <a:sym typeface="Wingdings" panose="05000000000000000000" pitchFamily="2" charset="2"/>
+              </a:rPr>
+              <a:t> System entwickelt werden kann. Mit diesem sollen Ausfälle vorhergesagt werden und präventiv verhindert werden können.</a:t>
+            </a:r>
+            <a:endParaRPr lang="en-US" dirty="0"/>
+          </a:p>
+        </p:txBody>
+      </p:sp>
+      <p:sp>
+        <p:nvSpPr>
+          <p:cNvPr id="4" name="Foliennummernplatzhalter 3">
+            <a:extLst>
+              <a:ext uri="{FF2B5EF4-FFF2-40B4-BE49-F238E27FC236}">
+                <a16:creationId xmlns:a16="http://schemas.microsoft.com/office/drawing/2014/main" id="{C4AF8D50-4E87-F238-2F36-F4EEEA4F90FD}"/>
+              </a:ext>
+            </a:extLst>
+          </p:cNvPr>
+          <p:cNvSpPr>
+            <a:spLocks noGrp="1"/>
+          </p:cNvSpPr>
+          <p:nvPr>
+            <p:ph type="sldNum" sz="quarter" idx="12"/>
+          </p:nvPr>
+        </p:nvSpPr>
+        <p:spPr/>
+        <p:txBody>
+          <a:bodyPr/>
+          <a:lstStyle/>
+          <a:p>
+            <a:fld id="{C921D49C-F2C9-4773-B40D-55A32CD1AF58}" type="slidenum">
+              <a:rPr lang="en-US" smtClean="0"/>
+              <a:t>4</a:t>
+            </a:fld>
+            <a:endParaRPr lang="en-US"/>
+          </a:p>
+        </p:txBody>
+      </p:sp>
+    </p:spTree>
+    <p:extLst>
+      <p:ext uri="{BB962C8B-B14F-4D97-AF65-F5344CB8AC3E}">
+        <p14:creationId xmlns:p14="http://schemas.microsoft.com/office/powerpoint/2010/main" val="4259950913"/>
+      </p:ext>
+    </p:extLst>
+  </p:cSld>
+  <p:clrMapOvr>
+    <a:masterClrMapping/>
+  </p:clrMapOvr>
+</p:sld>
+</file>
+
+<file path=ppt/slides/slide5.xml><?xml version="1.0" encoding="utf-8"?>
+<p:sld xmlns:a="http://schemas.openxmlformats.org/drawingml/2006/main" xmlns:r="http://schemas.openxmlformats.org/officeDocument/2006/relationships" xmlns:p="http://schemas.openxmlformats.org/presentationml/2006/main">
+  <p:cSld>
+    <p:spTree>
+      <p:nvGrpSpPr>
+        <p:cNvPr id="1" name=""/>
+        <p:cNvGrpSpPr/>
+        <p:nvPr/>
+      </p:nvGrpSpPr>
+      <p:grpSpPr>
+        <a:xfrm>
+          <a:off x="0" y="0"/>
+          <a:ext cx="0" cy="0"/>
+          <a:chOff x="0" y="0"/>
+          <a:chExt cx="0" cy="0"/>
+        </a:xfrm>
+      </p:grpSpPr>
+      <p:sp>
+        <p:nvSpPr>
+          <p:cNvPr id="2" name="Titel 1">
+            <a:extLst>
+              <a:ext uri="{FF2B5EF4-FFF2-40B4-BE49-F238E27FC236}">
                 <a16:creationId xmlns:a16="http://schemas.microsoft.com/office/drawing/2014/main" id="{3B588170-E3FA-A39C-C9C4-751CFEED6AD5}"/>
               </a:ext>
             </a:extLst>
@@ -17915,8 +20020,12 @@
           <a:lstStyle/>
           <a:p>
             <a:r>
+              <a:rPr lang="de-DE" b="1" dirty="0"/>
+              <a:t>Data</a:t>
+            </a:r>
+            <a:r>
               <a:rPr lang="de-DE" dirty="0"/>
-              <a:t>Data Understanding</a:t>
+              <a:t> Understanding</a:t>
             </a:r>
             <a:endParaRPr lang="en-US" dirty="0"/>
           </a:p>
@@ -18008,42 +20117,12 @@
           </a:p>
         </p:txBody>
       </p:sp>
-    </p:spTree>
-    <p:extLst>
-      <p:ext uri="{BB962C8B-B14F-4D97-AF65-F5344CB8AC3E}">
-        <p14:creationId xmlns:p14="http://schemas.microsoft.com/office/powerpoint/2010/main" val="4118760493"/>
-      </p:ext>
-    </p:extLst>
-  </p:cSld>
-  <p:clrMapOvr>
-    <a:masterClrMapping/>
-  </p:clrMapOvr>
-</p:sld>
-</file>
-
-<file path=ppt/slides/slide5.xml><?xml version="1.0" encoding="utf-8"?>
-<p:sld xmlns:a="http://schemas.openxmlformats.org/drawingml/2006/main" xmlns:r="http://schemas.openxmlformats.org/officeDocument/2006/relationships" xmlns:p="http://schemas.openxmlformats.org/presentationml/2006/main">
-  <p:cSld>
-    <p:spTree>
-      <p:nvGrpSpPr>
-        <p:cNvPr id="1" name=""/>
-        <p:cNvGrpSpPr/>
-        <p:nvPr/>
-      </p:nvGrpSpPr>
-      <p:grpSpPr>
-        <a:xfrm>
-          <a:off x="0" y="0"/>
-          <a:ext cx="0" cy="0"/>
-          <a:chOff x="0" y="0"/>
-          <a:chExt cx="0" cy="0"/>
-        </a:xfrm>
-      </p:grpSpPr>
       <p:sp>
         <p:nvSpPr>
-          <p:cNvPr id="2" name="Titel 1">
-            <a:extLst>
-              <a:ext uri="{FF2B5EF4-FFF2-40B4-BE49-F238E27FC236}">
-                <a16:creationId xmlns:a16="http://schemas.microsoft.com/office/drawing/2014/main" id="{5E436F31-E41F-508E-B89E-BDABB5C27FB2}"/>
+          <p:cNvPr id="4" name="Foliennummernplatzhalter 3">
+            <a:extLst>
+              <a:ext uri="{FF2B5EF4-FFF2-40B4-BE49-F238E27FC236}">
+                <a16:creationId xmlns:a16="http://schemas.microsoft.com/office/drawing/2014/main" id="{2586E862-FDEE-0A9A-F3FB-A9C83E3EE653}"/>
               </a:ext>
             </a:extLst>
           </p:cNvPr>
@@ -18051,7 +20130,7 @@
             <a:spLocks noGrp="1"/>
           </p:cNvSpPr>
           <p:nvPr>
-            <p:ph type="title"/>
+            <p:ph type="sldNum" sz="quarter" idx="12"/>
           </p:nvPr>
         </p:nvSpPr>
         <p:spPr/>
@@ -18059,187 +20138,18 @@
           <a:bodyPr/>
           <a:lstStyle/>
           <a:p>
-            <a:r>
-              <a:rPr lang="de-DE" dirty="0"/>
-              <a:t>Data Understanding – Strukturierte Daten</a:t>
-            </a:r>
-            <a:endParaRPr lang="en-US" dirty="0"/>
-          </a:p>
-        </p:txBody>
-      </p:sp>
-      <p:sp>
-        <p:nvSpPr>
-          <p:cNvPr id="3" name="Inhaltsplatzhalter 2">
-            <a:extLst>
-              <a:ext uri="{FF2B5EF4-FFF2-40B4-BE49-F238E27FC236}">
-                <a16:creationId xmlns:a16="http://schemas.microsoft.com/office/drawing/2014/main" id="{175ACE1A-70C7-07DB-BE83-F001D6008F84}"/>
-              </a:ext>
-            </a:extLst>
-          </p:cNvPr>
-          <p:cNvSpPr>
-            <a:spLocks noGrp="1"/>
-          </p:cNvSpPr>
-          <p:nvPr>
-            <p:ph idx="1"/>
-          </p:nvPr>
-        </p:nvSpPr>
-        <p:spPr/>
-        <p:txBody>
-          <a:bodyPr>
-            <a:normAutofit fontScale="77500" lnSpcReduction="20000"/>
-          </a:bodyPr>
-          <a:lstStyle/>
-          <a:p>
-            <a:r>
-              <a:rPr lang="de-DE" dirty="0"/>
-              <a:t>Strukturierte Daten über die Sensoren in einer Maschine</a:t>
-            </a:r>
-          </a:p>
-          <a:p>
-            <a:r>
-              <a:rPr lang="de-DE" dirty="0"/>
-              <a:t>Zu jeder Zeitaufnahme gibt es folgende Werte:</a:t>
-            </a:r>
-          </a:p>
-          <a:p>
-            <a:pPr lvl="1"/>
-            <a:r>
-              <a:rPr lang="en-US" dirty="0" err="1"/>
-              <a:t>MesswertID</a:t>
-            </a:r>
-            <a:r>
-              <a:rPr lang="en-US" dirty="0"/>
-              <a:t>: ID der </a:t>
-            </a:r>
-            <a:r>
-              <a:rPr lang="en-US" dirty="0" err="1"/>
-              <a:t>Momentaufnahme</a:t>
-            </a:r>
-            <a:endParaRPr lang="en-US" dirty="0"/>
-          </a:p>
-          <a:p>
-            <a:pPr lvl="1"/>
-            <a:r>
-              <a:rPr lang="en-US" dirty="0" err="1"/>
-              <a:t>SystemID</a:t>
-            </a:r>
-            <a:r>
-              <a:rPr lang="en-US" dirty="0"/>
-              <a:t>: ID des </a:t>
-            </a:r>
-            <a:r>
-              <a:rPr lang="en-US" dirty="0" err="1"/>
-              <a:t>betroffnenen</a:t>
-            </a:r>
-            <a:r>
-              <a:rPr lang="en-US" dirty="0"/>
-              <a:t> Systems</a:t>
-            </a:r>
-          </a:p>
-          <a:p>
-            <a:pPr lvl="1"/>
-            <a:r>
-              <a:rPr lang="en-US" dirty="0"/>
-              <a:t>Datum: Tag der </a:t>
-            </a:r>
-            <a:r>
-              <a:rPr lang="en-US" dirty="0" err="1"/>
-              <a:t>Momentaufnahme</a:t>
-            </a:r>
-            <a:endParaRPr lang="en-US" dirty="0"/>
-          </a:p>
-          <a:p>
-            <a:pPr lvl="1"/>
-            <a:r>
-              <a:rPr lang="en-US" dirty="0"/>
-              <a:t>Zeit: </a:t>
-            </a:r>
-            <a:r>
-              <a:rPr lang="en-US" dirty="0" err="1"/>
-              <a:t>Uhrzeit</a:t>
-            </a:r>
-            <a:r>
-              <a:rPr lang="en-US" dirty="0"/>
-              <a:t> der </a:t>
-            </a:r>
-            <a:r>
-              <a:rPr lang="en-US" dirty="0" err="1"/>
-              <a:t>Momentaufnahme</a:t>
-            </a:r>
-            <a:endParaRPr lang="en-US" dirty="0"/>
-          </a:p>
-          <a:p>
-            <a:pPr lvl="1"/>
-            <a:r>
-              <a:rPr lang="de-DE" dirty="0"/>
-              <a:t>Druck: Sensor Wert des Drucks</a:t>
-            </a:r>
-          </a:p>
-          <a:p>
-            <a:pPr lvl="1"/>
-            <a:r>
-              <a:rPr lang="de-DE" dirty="0"/>
-              <a:t>Temperatur: Sensor Wert der Temperatur</a:t>
-            </a:r>
-          </a:p>
-          <a:p>
-            <a:pPr lvl="1"/>
-            <a:r>
-              <a:rPr lang="de-DE" dirty="0"/>
-              <a:t>Vibration: Sensor Wert der Vibration</a:t>
-            </a:r>
-          </a:p>
-          <a:p>
-            <a:pPr lvl="1"/>
-            <a:r>
-              <a:rPr lang="de-DE" dirty="0" err="1"/>
-              <a:t>Anzahlwarning</a:t>
-            </a:r>
-            <a:r>
-              <a:rPr lang="de-DE" dirty="0"/>
-              <a:t>: Anzahl der Warnungen während der Momentaufnahme</a:t>
-            </a:r>
-          </a:p>
-          <a:p>
-            <a:pPr lvl="1"/>
-            <a:r>
-              <a:rPr lang="de-DE" dirty="0"/>
-              <a:t>Ausschuss: </a:t>
-            </a:r>
-            <a:r>
-              <a:rPr lang="de-DE" dirty="0">
-                <a:sym typeface="Wingdings" panose="05000000000000000000" pitchFamily="2" charset="2"/>
-              </a:rPr>
-              <a:t>Anzahl fehlerbehafteter Produktionsteile</a:t>
-            </a:r>
-            <a:endParaRPr lang="de-DE" dirty="0"/>
-          </a:p>
-          <a:p>
-            <a:pPr lvl="1"/>
-            <a:r>
-              <a:rPr lang="de-DE" dirty="0"/>
-              <a:t>Produktionsindex: Wert über den Status der Maschine laut Mitarbeitender</a:t>
-            </a:r>
-          </a:p>
-          <a:p>
-            <a:r>
-              <a:rPr lang="de-DE" dirty="0"/>
-              <a:t>Wenn alle Sensoren keinen Wert liefern, ist die Maschine ausgefallen</a:t>
-            </a:r>
-          </a:p>
-          <a:p>
-            <a:r>
-              <a:rPr lang="de-DE" dirty="0"/>
-              <a:t>Man müsste einen vorhersagen können, wann eine Maschine ausfällt, im Grunde bei welchem Sensorwert in den nächsten 5 Minuten die Maschine ausfällt</a:t>
-            </a:r>
-            <a:endParaRPr lang="en-US" dirty="0"/>
+            <a:fld id="{C921D49C-F2C9-4773-B40D-55A32CD1AF58}" type="slidenum">
+              <a:rPr lang="en-US" smtClean="0"/>
+              <a:t>5</a:t>
+            </a:fld>
+            <a:endParaRPr lang="en-US"/>
           </a:p>
         </p:txBody>
       </p:sp>
     </p:spTree>
     <p:extLst>
       <p:ext uri="{BB962C8B-B14F-4D97-AF65-F5344CB8AC3E}">
-        <p14:creationId xmlns:p14="http://schemas.microsoft.com/office/powerpoint/2010/main" val="569873471"/>
+        <p14:creationId xmlns:p14="http://schemas.microsoft.com/office/powerpoint/2010/main" val="1475774154"/>
       </p:ext>
     </p:extLst>
   </p:cSld>
@@ -18271,7 +20181,7 @@
           <p:cNvPr id="2" name="Titel 1">
             <a:extLst>
               <a:ext uri="{FF2B5EF4-FFF2-40B4-BE49-F238E27FC236}">
-                <a16:creationId xmlns:a16="http://schemas.microsoft.com/office/drawing/2014/main" id="{0C178CFE-FBE8-5935-86EA-A2176B408ED4}"/>
+                <a16:creationId xmlns:a16="http://schemas.microsoft.com/office/drawing/2014/main" id="{5E436F31-E41F-508E-B89E-BDABB5C27FB2}"/>
               </a:ext>
             </a:extLst>
           </p:cNvPr>
@@ -18289,7 +20199,7 @@
           <a:p>
             <a:r>
               <a:rPr lang="de-DE" dirty="0"/>
-              <a:t>Data Understanding – Unstrukturierte Daten	</a:t>
+              <a:t>Data Understanding – Strukturierte Daten</a:t>
             </a:r>
             <a:endParaRPr lang="en-US" dirty="0"/>
           </a:p>
@@ -18300,7 +20210,7 @@
           <p:cNvPr id="3" name="Inhaltsplatzhalter 2">
             <a:extLst>
               <a:ext uri="{FF2B5EF4-FFF2-40B4-BE49-F238E27FC236}">
-                <a16:creationId xmlns:a16="http://schemas.microsoft.com/office/drawing/2014/main" id="{6C3850A4-35DC-2356-DAB8-91704D667AA0}"/>
+                <a16:creationId xmlns:a16="http://schemas.microsoft.com/office/drawing/2014/main" id="{175ACE1A-70C7-07DB-BE83-F001D6008F84}"/>
               </a:ext>
             </a:extLst>
           </p:cNvPr>
@@ -18314,127 +20224,19 @@
         <p:spPr/>
         <p:txBody>
           <a:bodyPr>
-            <a:normAutofit fontScale="92500"/>
+            <a:normAutofit fontScale="77500" lnSpcReduction="20000"/>
           </a:bodyPr>
           <a:lstStyle/>
           <a:p>
             <a:r>
               <a:rPr lang="de-DE" dirty="0"/>
-              <a:t>Log Daten sind als </a:t>
-            </a:r>
-            <a:r>
-              <a:rPr lang="en-US" dirty="0"/>
-              <a:t>JSON </a:t>
-            </a:r>
-            <a:r>
-              <a:rPr lang="en-US" dirty="0" err="1"/>
-              <a:t>Datei</a:t>
-            </a:r>
-            <a:r>
-              <a:rPr lang="en-US" dirty="0"/>
-              <a:t> </a:t>
-            </a:r>
-            <a:r>
-              <a:rPr lang="en-US" dirty="0" err="1"/>
-              <a:t>vorliegend</a:t>
-            </a:r>
-            <a:r>
-              <a:rPr lang="en-US" dirty="0"/>
-              <a:t> (</a:t>
-            </a:r>
-            <a:r>
-              <a:rPr lang="en-US" dirty="0" err="1"/>
-              <a:t>unstrukturiert</a:t>
-            </a:r>
-            <a:r>
-              <a:rPr lang="en-US" dirty="0"/>
-              <a:t>)</a:t>
-            </a:r>
-          </a:p>
-          <a:p>
-            <a:r>
-              <a:rPr lang="en-US" dirty="0"/>
-              <a:t>Zu </a:t>
-            </a:r>
-            <a:r>
-              <a:rPr lang="en-US" dirty="0" err="1"/>
-              <a:t>jedem</a:t>
-            </a:r>
-            <a:r>
-              <a:rPr lang="en-US" dirty="0"/>
-              <a:t> Event </a:t>
-            </a:r>
-            <a:r>
-              <a:rPr lang="en-US" dirty="0" err="1"/>
-              <a:t>gibt</a:t>
-            </a:r>
-            <a:r>
-              <a:rPr lang="en-US" dirty="0"/>
-              <a:t> es </a:t>
-            </a:r>
-            <a:r>
-              <a:rPr lang="en-US" dirty="0" err="1"/>
-              <a:t>mehrere</a:t>
-            </a:r>
-            <a:r>
-              <a:rPr lang="en-US" dirty="0"/>
-              <a:t> </a:t>
-            </a:r>
-            <a:r>
-              <a:rPr lang="en-US" dirty="0" err="1"/>
-              <a:t>Variablen</a:t>
-            </a:r>
-            <a:r>
-              <a:rPr lang="en-US" dirty="0"/>
-              <a:t>, </a:t>
-            </a:r>
-            <a:r>
-              <a:rPr lang="en-US" dirty="0" err="1"/>
-              <a:t>welche</a:t>
-            </a:r>
-            <a:r>
-              <a:rPr lang="en-US" dirty="0"/>
-              <a:t> den Status der </a:t>
-            </a:r>
-            <a:r>
-              <a:rPr lang="en-US" dirty="0" err="1"/>
-              <a:t>Maschine</a:t>
-            </a:r>
-            <a:r>
-              <a:rPr lang="en-US" dirty="0"/>
-              <a:t> </a:t>
-            </a:r>
-            <a:r>
-              <a:rPr lang="en-US" dirty="0" err="1"/>
-              <a:t>beschrieben</a:t>
-            </a:r>
-            <a:r>
-              <a:rPr lang="en-US" dirty="0"/>
-              <a:t>. </a:t>
-            </a:r>
-            <a:r>
-              <a:rPr lang="en-US" dirty="0" err="1"/>
-              <a:t>Wichtigste</a:t>
-            </a:r>
-            <a:r>
-              <a:rPr lang="en-US" dirty="0"/>
-              <a:t> </a:t>
-            </a:r>
-            <a:r>
-              <a:rPr lang="en-US" dirty="0" err="1"/>
-              <a:t>Werte</a:t>
-            </a:r>
-            <a:r>
-              <a:rPr lang="en-US" dirty="0"/>
-              <a:t> </a:t>
-            </a:r>
-            <a:r>
-              <a:rPr lang="en-US" dirty="0" err="1"/>
-              <a:t>sind</a:t>
-            </a:r>
-            <a:r>
-              <a:rPr lang="en-US" dirty="0"/>
-              <a:t>:</a:t>
+              <a:t>Strukturierte Daten der Sensoren in einer Maschine</a:t>
+            </a:r>
+          </a:p>
+          <a:p>
+            <a:r>
+              <a:rPr lang="de-DE" dirty="0"/>
+              <a:t>Zu jedem Zeitpunkt gibt es folgende Werte:</a:t>
             </a:r>
           </a:p>
           <a:p>
@@ -18507,147 +20309,104 @@
           <a:p>
             <a:pPr lvl="1"/>
             <a:r>
-              <a:rPr lang="en-US" dirty="0" err="1"/>
-              <a:t>LogLevel</a:t>
-            </a:r>
-            <a:r>
-              <a:rPr lang="en-US" dirty="0"/>
-              <a:t>: Status </a:t>
-            </a:r>
-            <a:r>
-              <a:rPr lang="en-US" dirty="0" err="1"/>
-              <a:t>unterteilt</a:t>
-            </a:r>
-            <a:r>
-              <a:rPr lang="en-US" dirty="0"/>
-              <a:t> in “Info”, “Warning”, “Error”</a:t>
+              <a:rPr lang="de-DE" dirty="0"/>
+              <a:t>Druck: Sensor Wert des Drucks</a:t>
             </a:r>
           </a:p>
           <a:p>
             <a:pPr lvl="1"/>
             <a:r>
-              <a:rPr lang="en-US" dirty="0" err="1"/>
-              <a:t>LogMessage</a:t>
-            </a:r>
-            <a:r>
-              <a:rPr lang="en-US" dirty="0"/>
-              <a:t>: Bei Error und Warning </a:t>
-            </a:r>
-            <a:r>
-              <a:rPr lang="en-US" dirty="0" err="1"/>
-              <a:t>wird</a:t>
-            </a:r>
-            <a:r>
-              <a:rPr lang="en-US" dirty="0"/>
-              <a:t> </a:t>
-            </a:r>
-            <a:r>
-              <a:rPr lang="en-US" dirty="0" err="1"/>
-              <a:t>hier</a:t>
-            </a:r>
-            <a:r>
-              <a:rPr lang="en-US" dirty="0"/>
-              <a:t> </a:t>
-            </a:r>
-            <a:r>
-              <a:rPr lang="en-US" dirty="0" err="1"/>
-              <a:t>eine</a:t>
-            </a:r>
-            <a:r>
-              <a:rPr lang="en-US" dirty="0"/>
-              <a:t> </a:t>
-            </a:r>
-            <a:r>
-              <a:rPr lang="en-US" dirty="0" err="1"/>
-              <a:t>detailierte</a:t>
-            </a:r>
-            <a:r>
-              <a:rPr lang="en-US" dirty="0"/>
-              <a:t> Message </a:t>
-            </a:r>
-            <a:r>
-              <a:rPr lang="en-US" dirty="0" err="1"/>
-              <a:t>angegeben</a:t>
+              <a:rPr lang="de-DE" dirty="0"/>
+              <a:t>Temperatur: Sensor Wert der Temperatur</a:t>
+            </a:r>
+          </a:p>
+          <a:p>
+            <a:pPr lvl="1"/>
+            <a:r>
+              <a:rPr lang="de-DE" dirty="0"/>
+              <a:t>Vibration: Sensor Wert der Vibration</a:t>
+            </a:r>
+          </a:p>
+          <a:p>
+            <a:pPr lvl="1"/>
+            <a:r>
+              <a:rPr lang="de-DE" dirty="0" err="1"/>
+              <a:t>Anzahlwarning</a:t>
+            </a:r>
+            <a:r>
+              <a:rPr lang="de-DE" dirty="0"/>
+              <a:t>: Anzahl der Warnungen während der Momentaufnahme</a:t>
+            </a:r>
+          </a:p>
+          <a:p>
+            <a:pPr lvl="1"/>
+            <a:r>
+              <a:rPr lang="de-DE" dirty="0"/>
+              <a:t>Ausschuss: </a:t>
+            </a:r>
+            <a:r>
+              <a:rPr lang="de-DE" dirty="0">
+                <a:sym typeface="Wingdings" panose="05000000000000000000" pitchFamily="2" charset="2"/>
+              </a:rPr>
+              <a:t>Anzahl fehlerbehafteter Produktionsteile</a:t>
+            </a:r>
+            <a:endParaRPr lang="de-DE" dirty="0"/>
+          </a:p>
+          <a:p>
+            <a:pPr lvl="1"/>
+            <a:r>
+              <a:rPr lang="de-DE" dirty="0"/>
+              <a:t>Produktionsindex: Wert über den Status der Maschine laut Mitarbeitender</a:t>
+            </a:r>
+          </a:p>
+          <a:p>
+            <a:r>
+              <a:rPr lang="de-DE" dirty="0"/>
+              <a:t>Wenn alle Sensoren keinen Wert liefern, ist die Maschine ausgefallen.</a:t>
+            </a:r>
+          </a:p>
+          <a:p>
+            <a:r>
+              <a:rPr lang="de-DE" dirty="0"/>
+              <a:t>Man müsste vorhersagen können bei welchem Sensorwert bzw. Werten in den nächsten 5 Minuten die Maschine ausfällt.</a:t>
             </a:r>
             <a:endParaRPr lang="en-US" dirty="0"/>
           </a:p>
-          <a:p>
-            <a:r>
-              <a:rPr lang="en-US" dirty="0" err="1"/>
-              <a:t>Darüber</a:t>
-            </a:r>
-            <a:r>
-              <a:rPr lang="en-US" dirty="0"/>
-              <a:t> </a:t>
-            </a:r>
-            <a:r>
-              <a:rPr lang="en-US" dirty="0" err="1"/>
-              <a:t>hinaus</a:t>
-            </a:r>
-            <a:r>
-              <a:rPr lang="en-US" dirty="0"/>
-              <a:t> </a:t>
-            </a:r>
-            <a:r>
-              <a:rPr lang="en-US" dirty="0" err="1"/>
-              <a:t>gibt</a:t>
-            </a:r>
-            <a:r>
-              <a:rPr lang="en-US" dirty="0"/>
-              <a:t> es </a:t>
-            </a:r>
-            <a:r>
-              <a:rPr lang="en-US" dirty="0" err="1"/>
-              <a:t>weitere</a:t>
-            </a:r>
-            <a:r>
-              <a:rPr lang="en-US" dirty="0"/>
-              <a:t> </a:t>
-            </a:r>
-            <a:r>
-              <a:rPr lang="en-US" dirty="0" err="1"/>
-              <a:t>technische</a:t>
-            </a:r>
-            <a:r>
-              <a:rPr lang="en-US" dirty="0"/>
-              <a:t> </a:t>
-            </a:r>
-            <a:r>
-              <a:rPr lang="en-US" dirty="0" err="1"/>
-              <a:t>Kennzahlen</a:t>
-            </a:r>
-            <a:r>
-              <a:rPr lang="en-US" dirty="0"/>
-              <a:t> </a:t>
-            </a:r>
-            <a:r>
-              <a:rPr lang="en-US" dirty="0" err="1"/>
-              <a:t>zu</a:t>
-            </a:r>
-            <a:r>
-              <a:rPr lang="en-US" dirty="0"/>
-              <a:t> der </a:t>
-            </a:r>
-            <a:r>
-              <a:rPr lang="en-US" dirty="0" err="1"/>
-              <a:t>Maschine</a:t>
-            </a:r>
-            <a:endParaRPr lang="en-US" dirty="0"/>
-          </a:p>
-          <a:p>
-            <a:pPr lvl="1"/>
-            <a:endParaRPr lang="en-US" dirty="0"/>
-          </a:p>
-          <a:p>
-            <a:pPr lvl="1"/>
-            <a:endParaRPr lang="de-DE" dirty="0"/>
+        </p:txBody>
+      </p:sp>
+      <p:sp>
+        <p:nvSpPr>
+          <p:cNvPr id="4" name="Foliennummernplatzhalter 3">
+            <a:extLst>
+              <a:ext uri="{FF2B5EF4-FFF2-40B4-BE49-F238E27FC236}">
+                <a16:creationId xmlns:a16="http://schemas.microsoft.com/office/drawing/2014/main" id="{F28180A7-8751-1020-0704-3A488335BCA0}"/>
+              </a:ext>
+            </a:extLst>
+          </p:cNvPr>
+          <p:cNvSpPr>
+            <a:spLocks noGrp="1"/>
+          </p:cNvSpPr>
+          <p:nvPr>
+            <p:ph type="sldNum" sz="quarter" idx="12"/>
+          </p:nvPr>
+        </p:nvSpPr>
+        <p:spPr/>
+        <p:txBody>
+          <a:bodyPr/>
+          <a:lstStyle/>
+          <a:p>
+            <a:fld id="{C921D49C-F2C9-4773-B40D-55A32CD1AF58}" type="slidenum">
+              <a:rPr lang="en-US" smtClean="0"/>
+              <a:t>6</a:t>
+            </a:fld>
+            <a:endParaRPr lang="en-US"/>
           </a:p>
         </p:txBody>
       </p:sp>
     </p:spTree>
     <p:extLst>
       <p:ext uri="{BB962C8B-B14F-4D97-AF65-F5344CB8AC3E}">
-        <p14:creationId xmlns:p14="http://schemas.microsoft.com/office/powerpoint/2010/main" val="1727471641"/>
+        <p14:creationId xmlns:p14="http://schemas.microsoft.com/office/powerpoint/2010/main" val="2904924984"/>
       </p:ext>
     </p:extLst>
   </p:cSld>
@@ -18679,6 +20438,451 @@
           <p:cNvPr id="2" name="Titel 1">
             <a:extLst>
               <a:ext uri="{FF2B5EF4-FFF2-40B4-BE49-F238E27FC236}">
+                <a16:creationId xmlns:a16="http://schemas.microsoft.com/office/drawing/2014/main" id="{0C178CFE-FBE8-5935-86EA-A2176B408ED4}"/>
+              </a:ext>
+            </a:extLst>
+          </p:cNvPr>
+          <p:cNvSpPr>
+            <a:spLocks noGrp="1"/>
+          </p:cNvSpPr>
+          <p:nvPr>
+            <p:ph type="title"/>
+          </p:nvPr>
+        </p:nvSpPr>
+        <p:spPr/>
+        <p:txBody>
+          <a:bodyPr/>
+          <a:lstStyle/>
+          <a:p>
+            <a:r>
+              <a:rPr lang="de-DE" dirty="0"/>
+              <a:t>Data Understanding – Unstrukturierte Daten	</a:t>
+            </a:r>
+            <a:endParaRPr lang="en-US" dirty="0"/>
+          </a:p>
+        </p:txBody>
+      </p:sp>
+      <p:sp>
+        <p:nvSpPr>
+          <p:cNvPr id="3" name="Inhaltsplatzhalter 2">
+            <a:extLst>
+              <a:ext uri="{FF2B5EF4-FFF2-40B4-BE49-F238E27FC236}">
+                <a16:creationId xmlns:a16="http://schemas.microsoft.com/office/drawing/2014/main" id="{6C3850A4-35DC-2356-DAB8-91704D667AA0}"/>
+              </a:ext>
+            </a:extLst>
+          </p:cNvPr>
+          <p:cNvSpPr>
+            <a:spLocks noGrp="1"/>
+          </p:cNvSpPr>
+          <p:nvPr>
+            <p:ph idx="1"/>
+          </p:nvPr>
+        </p:nvSpPr>
+        <p:spPr/>
+        <p:txBody>
+          <a:bodyPr>
+            <a:normAutofit fontScale="92500"/>
+          </a:bodyPr>
+          <a:lstStyle/>
+          <a:p>
+            <a:r>
+              <a:rPr lang="de-DE" dirty="0"/>
+              <a:t>Log Daten liegen als </a:t>
+            </a:r>
+            <a:r>
+              <a:rPr lang="en-US" dirty="0"/>
+              <a:t>JSON </a:t>
+            </a:r>
+            <a:r>
+              <a:rPr lang="en-US" dirty="0" err="1"/>
+              <a:t>Datei</a:t>
+            </a:r>
+            <a:r>
+              <a:rPr lang="en-US" dirty="0"/>
+              <a:t> </a:t>
+            </a:r>
+            <a:r>
+              <a:rPr lang="en-US" dirty="0" err="1"/>
+              <a:t>vor</a:t>
+            </a:r>
+            <a:r>
+              <a:rPr lang="en-US" dirty="0"/>
+              <a:t> (</a:t>
+            </a:r>
+            <a:r>
+              <a:rPr lang="en-US" dirty="0" err="1"/>
+              <a:t>unstrukturierte</a:t>
+            </a:r>
+            <a:r>
+              <a:rPr lang="en-US" dirty="0"/>
+              <a:t> </a:t>
+            </a:r>
+            <a:r>
+              <a:rPr lang="en-US" dirty="0" err="1"/>
+              <a:t>Daten</a:t>
+            </a:r>
+            <a:r>
+              <a:rPr lang="en-US" dirty="0"/>
+              <a:t>)</a:t>
+            </a:r>
+          </a:p>
+          <a:p>
+            <a:r>
+              <a:rPr lang="en-US" dirty="0"/>
+              <a:t>Zu </a:t>
+            </a:r>
+            <a:r>
+              <a:rPr lang="en-US" dirty="0" err="1"/>
+              <a:t>jedem</a:t>
+            </a:r>
+            <a:r>
+              <a:rPr lang="en-US" dirty="0"/>
+              <a:t> Event </a:t>
+            </a:r>
+            <a:r>
+              <a:rPr lang="en-US" dirty="0" err="1"/>
+              <a:t>gibt</a:t>
+            </a:r>
+            <a:r>
+              <a:rPr lang="en-US" dirty="0"/>
+              <a:t> es </a:t>
+            </a:r>
+            <a:r>
+              <a:rPr lang="en-US" dirty="0" err="1"/>
+              <a:t>mehrere</a:t>
+            </a:r>
+            <a:r>
+              <a:rPr lang="en-US" dirty="0"/>
+              <a:t> </a:t>
+            </a:r>
+            <a:r>
+              <a:rPr lang="en-US" dirty="0" err="1"/>
+              <a:t>Variablen</a:t>
+            </a:r>
+            <a:r>
+              <a:rPr lang="en-US" dirty="0"/>
+              <a:t>, </a:t>
+            </a:r>
+            <a:r>
+              <a:rPr lang="en-US" dirty="0" err="1"/>
+              <a:t>welche</a:t>
+            </a:r>
+            <a:r>
+              <a:rPr lang="en-US" dirty="0"/>
+              <a:t> den Status der </a:t>
+            </a:r>
+            <a:r>
+              <a:rPr lang="en-US" dirty="0" err="1"/>
+              <a:t>Maschine</a:t>
+            </a:r>
+            <a:r>
+              <a:rPr lang="en-US" dirty="0"/>
+              <a:t> </a:t>
+            </a:r>
+            <a:r>
+              <a:rPr lang="en-US" dirty="0" err="1"/>
+              <a:t>beschreiben</a:t>
+            </a:r>
+            <a:r>
+              <a:rPr lang="en-US" dirty="0"/>
+              <a:t>. Die </a:t>
+            </a:r>
+            <a:r>
+              <a:rPr lang="en-US" dirty="0" err="1"/>
+              <a:t>wichtigsten</a:t>
+            </a:r>
+            <a:r>
+              <a:rPr lang="en-US" dirty="0"/>
+              <a:t> </a:t>
+            </a:r>
+            <a:r>
+              <a:rPr lang="en-US" dirty="0" err="1"/>
+              <a:t>Werte</a:t>
+            </a:r>
+            <a:r>
+              <a:rPr lang="en-US" dirty="0"/>
+              <a:t> </a:t>
+            </a:r>
+            <a:r>
+              <a:rPr lang="en-US" dirty="0" err="1"/>
+              <a:t>sind</a:t>
+            </a:r>
+            <a:r>
+              <a:rPr lang="en-US" dirty="0"/>
+              <a:t>:</a:t>
+            </a:r>
+          </a:p>
+          <a:p>
+            <a:pPr lvl="1"/>
+            <a:r>
+              <a:rPr lang="en-US" dirty="0" err="1"/>
+              <a:t>MesswertID</a:t>
+            </a:r>
+            <a:r>
+              <a:rPr lang="en-US" dirty="0"/>
+              <a:t>: ID der </a:t>
+            </a:r>
+            <a:r>
+              <a:rPr lang="en-US" dirty="0" err="1"/>
+              <a:t>Momentaufnahme</a:t>
+            </a:r>
+            <a:endParaRPr lang="en-US" dirty="0"/>
+          </a:p>
+          <a:p>
+            <a:pPr lvl="1"/>
+            <a:r>
+              <a:rPr lang="en-US" dirty="0" err="1"/>
+              <a:t>SystemID</a:t>
+            </a:r>
+            <a:r>
+              <a:rPr lang="en-US" dirty="0"/>
+              <a:t>: ID des </a:t>
+            </a:r>
+            <a:r>
+              <a:rPr lang="en-US" dirty="0" err="1"/>
+              <a:t>betroffnenen</a:t>
+            </a:r>
+            <a:r>
+              <a:rPr lang="en-US" dirty="0"/>
+              <a:t> Systems</a:t>
+            </a:r>
+          </a:p>
+          <a:p>
+            <a:pPr lvl="1"/>
+            <a:r>
+              <a:rPr lang="en-US" dirty="0"/>
+              <a:t>Datum: Tag der </a:t>
+            </a:r>
+            <a:r>
+              <a:rPr lang="en-US" dirty="0" err="1"/>
+              <a:t>Momentaufnahme</a:t>
+            </a:r>
+            <a:endParaRPr lang="en-US" dirty="0"/>
+          </a:p>
+          <a:p>
+            <a:pPr lvl="1"/>
+            <a:r>
+              <a:rPr lang="en-US" dirty="0"/>
+              <a:t>Zeit: </a:t>
+            </a:r>
+            <a:r>
+              <a:rPr lang="en-US" dirty="0" err="1"/>
+              <a:t>Uhrzeit</a:t>
+            </a:r>
+            <a:r>
+              <a:rPr lang="en-US" dirty="0"/>
+              <a:t> der </a:t>
+            </a:r>
+            <a:r>
+              <a:rPr lang="en-US" dirty="0" err="1"/>
+              <a:t>Momentaufnahme</a:t>
+            </a:r>
+            <a:endParaRPr lang="en-US" dirty="0"/>
+          </a:p>
+          <a:p>
+            <a:pPr lvl="1"/>
+            <a:r>
+              <a:rPr lang="en-US" dirty="0" err="1"/>
+              <a:t>LogLevel</a:t>
+            </a:r>
+            <a:r>
+              <a:rPr lang="en-US" dirty="0"/>
+              <a:t>: Status </a:t>
+            </a:r>
+            <a:r>
+              <a:rPr lang="en-US" dirty="0" err="1"/>
+              <a:t>unterteilt</a:t>
+            </a:r>
+            <a:r>
+              <a:rPr lang="en-US" dirty="0"/>
+              <a:t> in “Info”, “Warning”, “Error”</a:t>
+            </a:r>
+          </a:p>
+          <a:p>
+            <a:pPr lvl="1"/>
+            <a:r>
+              <a:rPr lang="en-US" dirty="0" err="1"/>
+              <a:t>LogMessage</a:t>
+            </a:r>
+            <a:r>
+              <a:rPr lang="en-US" dirty="0"/>
+              <a:t>: Bei Error und Warning </a:t>
+            </a:r>
+            <a:r>
+              <a:rPr lang="en-US" dirty="0" err="1"/>
+              <a:t>wird</a:t>
+            </a:r>
+            <a:r>
+              <a:rPr lang="en-US" dirty="0"/>
+              <a:t> </a:t>
+            </a:r>
+            <a:r>
+              <a:rPr lang="en-US" dirty="0" err="1"/>
+              <a:t>hier</a:t>
+            </a:r>
+            <a:r>
+              <a:rPr lang="en-US" dirty="0"/>
+              <a:t> </a:t>
+            </a:r>
+            <a:r>
+              <a:rPr lang="en-US" dirty="0" err="1"/>
+              <a:t>eine</a:t>
+            </a:r>
+            <a:r>
+              <a:rPr lang="en-US" dirty="0"/>
+              <a:t> </a:t>
+            </a:r>
+            <a:r>
+              <a:rPr lang="en-US" dirty="0" err="1"/>
+              <a:t>detailierte</a:t>
+            </a:r>
+            <a:r>
+              <a:rPr lang="en-US" dirty="0"/>
+              <a:t> Message </a:t>
+            </a:r>
+            <a:r>
+              <a:rPr lang="en-US" dirty="0" err="1"/>
+              <a:t>angegeben</a:t>
+            </a:r>
+            <a:endParaRPr lang="en-US" dirty="0"/>
+          </a:p>
+          <a:p>
+            <a:r>
+              <a:rPr lang="en-US" dirty="0" err="1"/>
+              <a:t>Darüber</a:t>
+            </a:r>
+            <a:r>
+              <a:rPr lang="en-US" dirty="0"/>
+              <a:t> </a:t>
+            </a:r>
+            <a:r>
+              <a:rPr lang="en-US" dirty="0" err="1"/>
+              <a:t>hinaus</a:t>
+            </a:r>
+            <a:r>
+              <a:rPr lang="en-US" dirty="0"/>
+              <a:t> </a:t>
+            </a:r>
+            <a:r>
+              <a:rPr lang="en-US" dirty="0" err="1"/>
+              <a:t>gibt</a:t>
+            </a:r>
+            <a:r>
+              <a:rPr lang="en-US" dirty="0"/>
+              <a:t> es </a:t>
+            </a:r>
+            <a:r>
+              <a:rPr lang="en-US" dirty="0" err="1"/>
+              <a:t>weitere</a:t>
+            </a:r>
+            <a:r>
+              <a:rPr lang="en-US" dirty="0"/>
+              <a:t> </a:t>
+            </a:r>
+            <a:r>
+              <a:rPr lang="en-US" dirty="0" err="1"/>
+              <a:t>technische</a:t>
+            </a:r>
+            <a:r>
+              <a:rPr lang="en-US" dirty="0"/>
+              <a:t> </a:t>
+            </a:r>
+            <a:r>
+              <a:rPr lang="en-US" dirty="0" err="1"/>
+              <a:t>Kennzahlen</a:t>
+            </a:r>
+            <a:r>
+              <a:rPr lang="en-US" dirty="0"/>
+              <a:t> </a:t>
+            </a:r>
+            <a:r>
+              <a:rPr lang="en-US" dirty="0" err="1"/>
+              <a:t>zu</a:t>
+            </a:r>
+            <a:r>
+              <a:rPr lang="en-US" dirty="0"/>
+              <a:t> der </a:t>
+            </a:r>
+            <a:r>
+              <a:rPr lang="en-US" dirty="0" err="1"/>
+              <a:t>Maschine</a:t>
+            </a:r>
+            <a:endParaRPr lang="en-US" dirty="0"/>
+          </a:p>
+          <a:p>
+            <a:pPr lvl="1"/>
+            <a:endParaRPr lang="en-US" dirty="0"/>
+          </a:p>
+          <a:p>
+            <a:pPr lvl="1"/>
+            <a:endParaRPr lang="de-DE" dirty="0"/>
+          </a:p>
+        </p:txBody>
+      </p:sp>
+      <p:sp>
+        <p:nvSpPr>
+          <p:cNvPr id="4" name="Foliennummernplatzhalter 3">
+            <a:extLst>
+              <a:ext uri="{FF2B5EF4-FFF2-40B4-BE49-F238E27FC236}">
+                <a16:creationId xmlns:a16="http://schemas.microsoft.com/office/drawing/2014/main" id="{AFA03D42-33D5-5A0F-ED75-BEF300AF38D5}"/>
+              </a:ext>
+            </a:extLst>
+          </p:cNvPr>
+          <p:cNvSpPr>
+            <a:spLocks noGrp="1"/>
+          </p:cNvSpPr>
+          <p:nvPr>
+            <p:ph type="sldNum" sz="quarter" idx="12"/>
+          </p:nvPr>
+        </p:nvSpPr>
+        <p:spPr/>
+        <p:txBody>
+          <a:bodyPr/>
+          <a:lstStyle/>
+          <a:p>
+            <a:fld id="{C921D49C-F2C9-4773-B40D-55A32CD1AF58}" type="slidenum">
+              <a:rPr lang="en-US" smtClean="0"/>
+              <a:t>7</a:t>
+            </a:fld>
+            <a:endParaRPr lang="en-US"/>
+          </a:p>
+        </p:txBody>
+      </p:sp>
+    </p:spTree>
+    <p:extLst>
+      <p:ext uri="{BB962C8B-B14F-4D97-AF65-F5344CB8AC3E}">
+        <p14:creationId xmlns:p14="http://schemas.microsoft.com/office/powerpoint/2010/main" val="209625342"/>
+      </p:ext>
+    </p:extLst>
+  </p:cSld>
+  <p:clrMapOvr>
+    <a:masterClrMapping/>
+  </p:clrMapOvr>
+</p:sld>
+</file>
+
+<file path=ppt/slides/slide8.xml><?xml version="1.0" encoding="utf-8"?>
+<p:sld xmlns:a="http://schemas.openxmlformats.org/drawingml/2006/main" xmlns:r="http://schemas.openxmlformats.org/officeDocument/2006/relationships" xmlns:p="http://schemas.openxmlformats.org/presentationml/2006/main">
+  <p:cSld>
+    <p:spTree>
+      <p:nvGrpSpPr>
+        <p:cNvPr id="1" name=""/>
+        <p:cNvGrpSpPr/>
+        <p:nvPr/>
+      </p:nvGrpSpPr>
+      <p:grpSpPr>
+        <a:xfrm>
+          <a:off x="0" y="0"/>
+          <a:ext cx="0" cy="0"/>
+          <a:chOff x="0" y="0"/>
+          <a:chExt cx="0" cy="0"/>
+        </a:xfrm>
+      </p:grpSpPr>
+      <p:sp>
+        <p:nvSpPr>
+          <p:cNvPr id="2" name="Titel 1">
+            <a:extLst>
+              <a:ext uri="{FF2B5EF4-FFF2-40B4-BE49-F238E27FC236}">
                 <a16:creationId xmlns:a16="http://schemas.microsoft.com/office/drawing/2014/main" id="{3B588170-E3FA-A39C-C9C4-751CFEED6AD5}"/>
               </a:ext>
             </a:extLst>
@@ -18701,8 +20905,12 @@
           <a:lstStyle/>
           <a:p>
             <a:r>
+              <a:rPr lang="de-DE" b="1" dirty="0"/>
+              <a:t>Data</a:t>
+            </a:r>
+            <a:r>
               <a:rPr lang="de-DE" dirty="0"/>
-              <a:t>Data </a:t>
+              <a:t> </a:t>
             </a:r>
             <a:r>
               <a:rPr lang="de-DE" dirty="0" err="1"/>
@@ -18798,10 +21006,39 @@
           </a:p>
         </p:txBody>
       </p:sp>
+      <p:sp>
+        <p:nvSpPr>
+          <p:cNvPr id="5" name="Foliennummernplatzhalter 4">
+            <a:extLst>
+              <a:ext uri="{FF2B5EF4-FFF2-40B4-BE49-F238E27FC236}">
+                <a16:creationId xmlns:a16="http://schemas.microsoft.com/office/drawing/2014/main" id="{802274E3-C1C4-96CD-1642-98F8BB0A31BC}"/>
+              </a:ext>
+            </a:extLst>
+          </p:cNvPr>
+          <p:cNvSpPr>
+            <a:spLocks noGrp="1"/>
+          </p:cNvSpPr>
+          <p:nvPr>
+            <p:ph type="sldNum" sz="quarter" idx="12"/>
+          </p:nvPr>
+        </p:nvSpPr>
+        <p:spPr/>
+        <p:txBody>
+          <a:bodyPr/>
+          <a:lstStyle/>
+          <a:p>
+            <a:fld id="{C921D49C-F2C9-4773-B40D-55A32CD1AF58}" type="slidenum">
+              <a:rPr lang="en-US" smtClean="0"/>
+              <a:t>8</a:t>
+            </a:fld>
+            <a:endParaRPr lang="en-US"/>
+          </a:p>
+        </p:txBody>
+      </p:sp>
     </p:spTree>
     <p:extLst>
       <p:ext uri="{BB962C8B-B14F-4D97-AF65-F5344CB8AC3E}">
-        <p14:creationId xmlns:p14="http://schemas.microsoft.com/office/powerpoint/2010/main" val="3715185485"/>
+        <p14:creationId xmlns:p14="http://schemas.microsoft.com/office/powerpoint/2010/main" val="3784516069"/>
       </p:ext>
     </p:extLst>
   </p:cSld>
@@ -18811,7 +21048,7 @@
 </p:sld>
 </file>
 
-<file path=ppt/slides/slide8.xml><?xml version="1.0" encoding="utf-8"?>
+<file path=ppt/slides/slide9.xml><?xml version="1.0" encoding="utf-8"?>
 <p:sld xmlns:a="http://schemas.openxmlformats.org/drawingml/2006/main" xmlns:r="http://schemas.openxmlformats.org/officeDocument/2006/relationships" xmlns:p="http://schemas.openxmlformats.org/presentationml/2006/main">
   <p:cSld>
     <p:spTree>
@@ -18848,11 +21085,6 @@
           </p:cNvGraphicFramePr>
           <p:nvPr>
             <p:ph idx="1"/>
-            <p:extLst>
-              <p:ext uri="{D42A27DB-BD31-4B8C-83A1-F6EECF244321}">
-                <p14:modId xmlns:p14="http://schemas.microsoft.com/office/powerpoint/2010/main" val="662229641"/>
-              </p:ext>
-            </p:extLst>
           </p:nvPr>
         </p:nvGraphicFramePr>
         <p:xfrm>
@@ -18898,42 +21130,12 @@
           </a:p>
         </p:txBody>
       </p:sp>
-    </p:spTree>
-    <p:extLst>
-      <p:ext uri="{BB962C8B-B14F-4D97-AF65-F5344CB8AC3E}">
-        <p14:creationId xmlns:p14="http://schemas.microsoft.com/office/powerpoint/2010/main" val="2764976056"/>
-      </p:ext>
-    </p:extLst>
-  </p:cSld>
-  <p:clrMapOvr>
-    <a:masterClrMapping/>
-  </p:clrMapOvr>
-</p:sld>
-</file>
-
-<file path=ppt/slides/slide9.xml><?xml version="1.0" encoding="utf-8"?>
-<p:sld xmlns:a="http://schemas.openxmlformats.org/drawingml/2006/main" xmlns:r="http://schemas.openxmlformats.org/officeDocument/2006/relationships" xmlns:p="http://schemas.openxmlformats.org/presentationml/2006/main">
-  <p:cSld>
-    <p:spTree>
-      <p:nvGrpSpPr>
-        <p:cNvPr id="1" name=""/>
-        <p:cNvGrpSpPr/>
-        <p:nvPr/>
-      </p:nvGrpSpPr>
-      <p:grpSpPr>
-        <a:xfrm>
-          <a:off x="0" y="0"/>
-          <a:ext cx="0" cy="0"/>
-          <a:chOff x="0" y="0"/>
-          <a:chExt cx="0" cy="0"/>
-        </a:xfrm>
-      </p:grpSpPr>
       <p:sp>
         <p:nvSpPr>
-          <p:cNvPr id="2" name="Titel 1">
-            <a:extLst>
-              <a:ext uri="{FF2B5EF4-FFF2-40B4-BE49-F238E27FC236}">
-                <a16:creationId xmlns:a16="http://schemas.microsoft.com/office/drawing/2014/main" id="{3D12C5CA-E520-8343-6B63-F98E42E089BC}"/>
+          <p:cNvPr id="3" name="Foliennummernplatzhalter 2">
+            <a:extLst>
+              <a:ext uri="{FF2B5EF4-FFF2-40B4-BE49-F238E27FC236}">
+                <a16:creationId xmlns:a16="http://schemas.microsoft.com/office/drawing/2014/main" id="{2086696D-358B-A3A8-F759-DA7398194796}"/>
               </a:ext>
             </a:extLst>
           </p:cNvPr>
@@ -18941,7 +21143,7 @@
             <a:spLocks noGrp="1"/>
           </p:cNvSpPr>
           <p:nvPr>
-            <p:ph type="title"/>
+            <p:ph type="sldNum" sz="quarter" idx="12"/>
           </p:nvPr>
         </p:nvSpPr>
         <p:spPr/>
@@ -18949,131 +21151,18 @@
           <a:bodyPr/>
           <a:lstStyle/>
           <a:p>
-            <a:r>
-              <a:rPr lang="de-DE" dirty="0"/>
-              <a:t>Strukturierte Daten – Zugriffverfahren</a:t>
-            </a:r>
-            <a:endParaRPr lang="en-US" dirty="0"/>
+            <a:fld id="{C921D49C-F2C9-4773-B40D-55A32CD1AF58}" type="slidenum">
+              <a:rPr lang="en-US" smtClean="0"/>
+              <a:t>9</a:t>
+            </a:fld>
+            <a:endParaRPr lang="en-US"/>
           </a:p>
         </p:txBody>
       </p:sp>
-      <p:sp>
-        <p:nvSpPr>
-          <p:cNvPr id="3" name="Inhaltsplatzhalter 2">
-            <a:extLst>
-              <a:ext uri="{FF2B5EF4-FFF2-40B4-BE49-F238E27FC236}">
-                <a16:creationId xmlns:a16="http://schemas.microsoft.com/office/drawing/2014/main" id="{B42A4488-4288-36D2-8D40-F4E607B2120E}"/>
-              </a:ext>
-            </a:extLst>
-          </p:cNvPr>
-          <p:cNvSpPr>
-            <a:spLocks noGrp="1"/>
-          </p:cNvSpPr>
-          <p:nvPr>
-            <p:ph idx="1"/>
-          </p:nvPr>
-        </p:nvSpPr>
-        <p:spPr/>
-        <p:txBody>
-          <a:bodyPr/>
-          <a:lstStyle/>
-          <a:p>
-            <a:r>
-              <a:rPr lang="de-DE" dirty="0"/>
-              <a:t>Da die Log Daten strukturiert sind, werden diese in einer relationalen Datenbank gespeichert</a:t>
-            </a:r>
-          </a:p>
-          <a:p>
-            <a:r>
-              <a:rPr lang="de-DE" dirty="0"/>
-              <a:t>Aufgrund der angegebenen Kundenwünsche wurde ein SQL Server für die Datenbank genutzt</a:t>
-            </a:r>
-          </a:p>
-          <a:p>
-            <a:r>
-              <a:rPr lang="de-DE" dirty="0"/>
-              <a:t>Zugriff erfolgt über einen Datenbankzugriff</a:t>
-            </a:r>
-          </a:p>
-          <a:p>
-            <a:r>
-              <a:rPr lang="de-DE" dirty="0"/>
-              <a:t>CSV wurde importiert und dann direkt ins richtige				Format überführt</a:t>
-            </a:r>
-            <a:endParaRPr lang="en-US" dirty="0"/>
-          </a:p>
-        </p:txBody>
-      </p:sp>
-      <p:pic>
-        <p:nvPicPr>
-          <p:cNvPr id="6" name="Grafik 5">
-            <a:extLst>
-              <a:ext uri="{FF2B5EF4-FFF2-40B4-BE49-F238E27FC236}">
-                <a16:creationId xmlns:a16="http://schemas.microsoft.com/office/drawing/2014/main" id="{9B934F3E-7A72-9A30-5895-6E42CEB3C080}"/>
-              </a:ext>
-            </a:extLst>
-          </p:cNvPr>
-          <p:cNvPicPr>
-            <a:picLocks noChangeAspect="1"/>
-          </p:cNvPicPr>
-          <p:nvPr/>
-        </p:nvPicPr>
-        <p:blipFill>
-          <a:blip r:embed="rId2"/>
-          <a:stretch>
-            <a:fillRect/>
-          </a:stretch>
-        </p:blipFill>
-        <p:spPr>
-          <a:xfrm>
-            <a:off x="9156598" y="3808041"/>
-            <a:ext cx="3035402" cy="2684834"/>
-          </a:xfrm>
-          <a:prstGeom prst="rect">
-            <a:avLst/>
-          </a:prstGeom>
-        </p:spPr>
-      </p:pic>
-      <p:pic>
-        <p:nvPicPr>
-          <p:cNvPr id="10" name="Grafik 9" descr="Ein Bild, das Text, Schrift, Screenshot, Reihe enthält.&#10;&#10;Automatisch generierte Beschreibung">
-            <a:extLst>
-              <a:ext uri="{FF2B5EF4-FFF2-40B4-BE49-F238E27FC236}">
-                <a16:creationId xmlns:a16="http://schemas.microsoft.com/office/drawing/2014/main" id="{2B7AA795-6BE3-8AC3-E8AC-54767CD25FAB}"/>
-              </a:ext>
-            </a:extLst>
-          </p:cNvPr>
-          <p:cNvPicPr>
-            <a:picLocks noChangeAspect="1"/>
-          </p:cNvPicPr>
-          <p:nvPr/>
-        </p:nvPicPr>
-        <p:blipFill>
-          <a:blip r:embed="rId3">
-            <a:extLst>
-              <a:ext uri="{28A0092B-C50C-407E-A947-70E740481C1C}">
-                <a14:useLocalDpi xmlns:a14="http://schemas.microsoft.com/office/drawing/2010/main" val="0"/>
-              </a:ext>
-            </a:extLst>
-          </a:blip>
-          <a:stretch>
-            <a:fillRect/>
-          </a:stretch>
-        </p:blipFill>
-        <p:spPr>
-          <a:xfrm>
-            <a:off x="1003570" y="5150458"/>
-            <a:ext cx="3610479" cy="628738"/>
-          </a:xfrm>
-          <a:prstGeom prst="rect">
-            <a:avLst/>
-          </a:prstGeom>
-        </p:spPr>
-      </p:pic>
     </p:spTree>
     <p:extLst>
       <p:ext uri="{BB962C8B-B14F-4D97-AF65-F5344CB8AC3E}">
-        <p14:creationId xmlns:p14="http://schemas.microsoft.com/office/powerpoint/2010/main" val="2018274000"/>
+        <p14:creationId xmlns:p14="http://schemas.microsoft.com/office/powerpoint/2010/main" val="1104853552"/>
       </p:ext>
     </p:extLst>
   </p:cSld>

--- a/Organisational/Dokumentation HHZ Rocket Project.pptx
+++ b/Organisational/Dokumentation HHZ Rocket Project.pptx
@@ -7523,7 +7523,7 @@
           <a:bodyPr/>
           <a:lstStyle/>
           <a:p>
-            <a:fld id="{18DEE92F-2343-460E-A87F-DC2FD6DE70C4}" type="datetimeFigureOut">
+            <a:fld id="{2909ECF2-5F67-4152-A6C0-79A3D2C6051B}" type="datetime1">
               <a:rPr lang="en-US" smtClean="0"/>
               <a:t>2/25/2024</a:t>
             </a:fld>
@@ -7723,7 +7723,7 @@
           <a:bodyPr/>
           <a:lstStyle/>
           <a:p>
-            <a:fld id="{18DEE92F-2343-460E-A87F-DC2FD6DE70C4}" type="datetimeFigureOut">
+            <a:fld id="{2BB31A3C-E4A9-4ACC-8C41-2F80C2F3046E}" type="datetime1">
               <a:rPr lang="en-US" smtClean="0"/>
               <a:t>2/25/2024</a:t>
             </a:fld>
@@ -7933,7 +7933,7 @@
           <a:bodyPr/>
           <a:lstStyle/>
           <a:p>
-            <a:fld id="{18DEE92F-2343-460E-A87F-DC2FD6DE70C4}" type="datetimeFigureOut">
+            <a:fld id="{DEE811F8-498B-4811-98BB-43EABB138C78}" type="datetime1">
               <a:rPr lang="en-US" smtClean="0"/>
               <a:t>2/25/2024</a:t>
             </a:fld>
@@ -8133,7 +8133,7 @@
           <a:bodyPr/>
           <a:lstStyle/>
           <a:p>
-            <a:fld id="{18DEE92F-2343-460E-A87F-DC2FD6DE70C4}" type="datetimeFigureOut">
+            <a:fld id="{CF3B0A26-F3E9-4E77-B169-D429A821D1AD}" type="datetime1">
               <a:rPr lang="en-US" smtClean="0"/>
               <a:t>2/25/2024</a:t>
             </a:fld>
@@ -8409,7 +8409,7 @@
           <a:bodyPr/>
           <a:lstStyle/>
           <a:p>
-            <a:fld id="{18DEE92F-2343-460E-A87F-DC2FD6DE70C4}" type="datetimeFigureOut">
+            <a:fld id="{236C1EA9-B51A-4715-86AD-3DD44EAA0950}" type="datetime1">
               <a:rPr lang="en-US" smtClean="0"/>
               <a:t>2/25/2024</a:t>
             </a:fld>
@@ -8677,7 +8677,7 @@
           <a:bodyPr/>
           <a:lstStyle/>
           <a:p>
-            <a:fld id="{18DEE92F-2343-460E-A87F-DC2FD6DE70C4}" type="datetimeFigureOut">
+            <a:fld id="{69D35D7B-6F95-48D2-BB0C-C5BB9046A3F4}" type="datetime1">
               <a:rPr lang="en-US" smtClean="0"/>
               <a:t>2/25/2024</a:t>
             </a:fld>
@@ -9092,7 +9092,7 @@
           <a:bodyPr/>
           <a:lstStyle/>
           <a:p>
-            <a:fld id="{18DEE92F-2343-460E-A87F-DC2FD6DE70C4}" type="datetimeFigureOut">
+            <a:fld id="{7D989A77-5A6D-428C-857A-D63518F95098}" type="datetime1">
               <a:rPr lang="en-US" smtClean="0"/>
               <a:t>2/25/2024</a:t>
             </a:fld>
@@ -9234,7 +9234,7 @@
           <a:bodyPr/>
           <a:lstStyle/>
           <a:p>
-            <a:fld id="{18DEE92F-2343-460E-A87F-DC2FD6DE70C4}" type="datetimeFigureOut">
+            <a:fld id="{FFDA838D-EAF0-4B9E-848A-C3F42AAEECE0}" type="datetime1">
               <a:rPr lang="en-US" smtClean="0"/>
               <a:t>2/25/2024</a:t>
             </a:fld>
@@ -9347,7 +9347,7 @@
           <a:bodyPr/>
           <a:lstStyle/>
           <a:p>
-            <a:fld id="{18DEE92F-2343-460E-A87F-DC2FD6DE70C4}" type="datetimeFigureOut">
+            <a:fld id="{BC139EDC-50F2-402E-8D6B-2A46008B6598}" type="datetime1">
               <a:rPr lang="en-US" smtClean="0"/>
               <a:t>2/25/2024</a:t>
             </a:fld>
@@ -9660,7 +9660,7 @@
           <a:bodyPr/>
           <a:lstStyle/>
           <a:p>
-            <a:fld id="{18DEE92F-2343-460E-A87F-DC2FD6DE70C4}" type="datetimeFigureOut">
+            <a:fld id="{6BE8A005-C129-4ADD-9DBF-1AFD1A3464B0}" type="datetime1">
               <a:rPr lang="en-US" smtClean="0"/>
               <a:t>2/25/2024</a:t>
             </a:fld>
@@ -9949,7 +9949,7 @@
           <a:bodyPr/>
           <a:lstStyle/>
           <a:p>
-            <a:fld id="{18DEE92F-2343-460E-A87F-DC2FD6DE70C4}" type="datetimeFigureOut">
+            <a:fld id="{5905A16C-49A4-49BE-AE42-91B33F5B4289}" type="datetime1">
               <a:rPr lang="en-US" smtClean="0"/>
               <a:t>2/25/2024</a:t>
             </a:fld>
@@ -10192,7 +10192,7 @@
             </a:lvl1pPr>
           </a:lstStyle>
           <a:p>
-            <a:fld id="{18DEE92F-2343-460E-A87F-DC2FD6DE70C4}" type="datetimeFigureOut">
+            <a:fld id="{1551A73C-2259-49BC-8829-2DD88531266B}" type="datetime1">
               <a:rPr lang="en-US" smtClean="0"/>
               <a:t>2/25/2024</a:t>
             </a:fld>
@@ -10311,6 +10311,7 @@
     <p:sldLayoutId id="2147483658" r:id="rId10"/>
     <p:sldLayoutId id="2147483659" r:id="rId11"/>
   </p:sldLayoutIdLst>
+  <p:hf hdr="0" ftr="0" dt="0"/>
   <p:txStyles>
     <p:titleStyle>
       <a:lvl1pPr algn="l" defTabSz="914400" rtl="0" eaLnBrk="1" latinLnBrk="0" hangingPunct="1">
@@ -11479,6 +11480,35 @@
           </a:p>
         </p:txBody>
       </p:sp>
+      <p:sp>
+        <p:nvSpPr>
+          <p:cNvPr id="4" name="Foliennummernplatzhalter 3">
+            <a:extLst>
+              <a:ext uri="{FF2B5EF4-FFF2-40B4-BE49-F238E27FC236}">
+                <a16:creationId xmlns:a16="http://schemas.microsoft.com/office/drawing/2014/main" id="{852E2BB3-C352-7211-05B3-1C4342C8865D}"/>
+              </a:ext>
+            </a:extLst>
+          </p:cNvPr>
+          <p:cNvSpPr>
+            <a:spLocks noGrp="1"/>
+          </p:cNvSpPr>
+          <p:nvPr>
+            <p:ph type="sldNum" sz="quarter" idx="12"/>
+          </p:nvPr>
+        </p:nvSpPr>
+        <p:spPr/>
+        <p:txBody>
+          <a:bodyPr/>
+          <a:lstStyle/>
+          <a:p>
+            <a:fld id="{C921D49C-F2C9-4773-B40D-55A32CD1AF58}" type="slidenum">
+              <a:rPr lang="en-US" smtClean="0"/>
+              <a:t>11</a:t>
+            </a:fld>
+            <a:endParaRPr lang="en-US"/>
+          </a:p>
+        </p:txBody>
+      </p:sp>
     </p:spTree>
     <p:extLst>
       <p:ext uri="{BB962C8B-B14F-4D97-AF65-F5344CB8AC3E}">
@@ -11707,6 +11737,35 @@
           </a:prstGeom>
         </p:spPr>
       </p:pic>
+      <p:sp>
+        <p:nvSpPr>
+          <p:cNvPr id="4" name="Foliennummernplatzhalter 3">
+            <a:extLst>
+              <a:ext uri="{FF2B5EF4-FFF2-40B4-BE49-F238E27FC236}">
+                <a16:creationId xmlns:a16="http://schemas.microsoft.com/office/drawing/2014/main" id="{429D7524-22CE-D830-CAC7-1E408C064AE2}"/>
+              </a:ext>
+            </a:extLst>
+          </p:cNvPr>
+          <p:cNvSpPr>
+            <a:spLocks noGrp="1"/>
+          </p:cNvSpPr>
+          <p:nvPr>
+            <p:ph type="sldNum" sz="quarter" idx="12"/>
+          </p:nvPr>
+        </p:nvSpPr>
+        <p:spPr/>
+        <p:txBody>
+          <a:bodyPr/>
+          <a:lstStyle/>
+          <a:p>
+            <a:fld id="{C921D49C-F2C9-4773-B40D-55A32CD1AF58}" type="slidenum">
+              <a:rPr lang="en-US" smtClean="0"/>
+              <a:t>12</a:t>
+            </a:fld>
+            <a:endParaRPr lang="en-US"/>
+          </a:p>
+        </p:txBody>
+      </p:sp>
     </p:spTree>
     <p:extLst>
       <p:ext uri="{BB962C8B-B14F-4D97-AF65-F5344CB8AC3E}">
@@ -12332,6 +12391,35 @@
               <a:rPr lang="en-US" sz="1050" dirty="0"/>
               <a:t>https://www.nltk.org/api/nltk.stem.html</a:t>
             </a:r>
+          </a:p>
+        </p:txBody>
+      </p:sp>
+      <p:sp>
+        <p:nvSpPr>
+          <p:cNvPr id="4" name="Foliennummernplatzhalter 3">
+            <a:extLst>
+              <a:ext uri="{FF2B5EF4-FFF2-40B4-BE49-F238E27FC236}">
+                <a16:creationId xmlns:a16="http://schemas.microsoft.com/office/drawing/2014/main" id="{A6E6FA92-3AAC-F044-4930-B11DFA860044}"/>
+              </a:ext>
+            </a:extLst>
+          </p:cNvPr>
+          <p:cNvSpPr>
+            <a:spLocks noGrp="1"/>
+          </p:cNvSpPr>
+          <p:nvPr>
+            <p:ph type="sldNum" sz="quarter" idx="12"/>
+          </p:nvPr>
+        </p:nvSpPr>
+        <p:spPr/>
+        <p:txBody>
+          <a:bodyPr/>
+          <a:lstStyle/>
+          <a:p>
+            <a:fld id="{C921D49C-F2C9-4773-B40D-55A32CD1AF58}" type="slidenum">
+              <a:rPr lang="en-US" smtClean="0"/>
+              <a:t>15</a:t>
+            </a:fld>
+            <a:endParaRPr lang="en-US"/>
           </a:p>
         </p:txBody>
       </p:sp>
@@ -12957,6 +13045,35 @@
               <a:rPr lang="en-US" dirty="0"/>
               <a:t> et al. 2000</a:t>
             </a:r>
+          </a:p>
+        </p:txBody>
+      </p:sp>
+      <p:sp>
+        <p:nvSpPr>
+          <p:cNvPr id="5" name="Foliennummernplatzhalter 4">
+            <a:extLst>
+              <a:ext uri="{FF2B5EF4-FFF2-40B4-BE49-F238E27FC236}">
+                <a16:creationId xmlns:a16="http://schemas.microsoft.com/office/drawing/2014/main" id="{3B593E99-59B1-9469-5810-67BDD831D4B6}"/>
+              </a:ext>
+            </a:extLst>
+          </p:cNvPr>
+          <p:cNvSpPr>
+            <a:spLocks noGrp="1"/>
+          </p:cNvSpPr>
+          <p:nvPr>
+            <p:ph type="sldNum" sz="quarter" idx="12"/>
+          </p:nvPr>
+        </p:nvSpPr>
+        <p:spPr/>
+        <p:txBody>
+          <a:bodyPr/>
+          <a:lstStyle/>
+          <a:p>
+            <a:fld id="{C921D49C-F2C9-4773-B40D-55A32CD1AF58}" type="slidenum">
+              <a:rPr lang="en-US" smtClean="0"/>
+              <a:t>18</a:t>
+            </a:fld>
+            <a:endParaRPr lang="en-US"/>
           </a:p>
         </p:txBody>
       </p:sp>
@@ -13930,7 +14047,31 @@
             </a:r>
             <a:r>
               <a:rPr lang="en-US" sz="2000" dirty="0"/>
-              <a:t> Train Test Split um Trainings und </a:t>
+              <a:t> warden die </a:t>
+            </a:r>
+            <a:r>
+              <a:rPr lang="en-US" sz="2000" dirty="0" err="1"/>
+              <a:t>Daten</a:t>
+            </a:r>
+            <a:r>
+              <a:rPr lang="en-US" sz="2000" dirty="0"/>
+              <a:t> </a:t>
+            </a:r>
+            <a:r>
+              <a:rPr lang="en-US" sz="2000" dirty="0" err="1"/>
+              <a:t>mit</a:t>
+            </a:r>
+            <a:r>
+              <a:rPr lang="en-US" sz="2000" dirty="0"/>
+              <a:t> Train Test Split </a:t>
+            </a:r>
+            <a:r>
+              <a:rPr lang="en-US" sz="2000" dirty="0" err="1"/>
+              <a:t>aufgeteilt</a:t>
+            </a:r>
+            <a:r>
+              <a:rPr lang="en-US" sz="2000" dirty="0"/>
+              <a:t>, um Trainings und </a:t>
             </a:r>
             <a:r>
               <a:rPr lang="en-US" sz="2000" dirty="0" err="1"/>
@@ -14232,116 +14373,6 @@
           </a:prstGeom>
         </p:spPr>
       </p:pic>
-      <p:sp>
-        <p:nvSpPr>
-          <p:cNvPr id="11" name="Textfeld 10">
-            <a:extLst>
-              <a:ext uri="{FF2B5EF4-FFF2-40B4-BE49-F238E27FC236}">
-                <a16:creationId xmlns:a16="http://schemas.microsoft.com/office/drawing/2014/main" id="{4B4E0BAA-97C3-C927-FA12-1B0F0E2A66F4}"/>
-              </a:ext>
-            </a:extLst>
-          </p:cNvPr>
-          <p:cNvSpPr txBox="1"/>
-          <p:nvPr/>
-        </p:nvSpPr>
-        <p:spPr>
-          <a:xfrm>
-            <a:off x="8751203" y="268396"/>
-            <a:ext cx="2274982" cy="369332"/>
-          </a:xfrm>
-          <a:prstGeom prst="rect">
-            <a:avLst/>
-          </a:prstGeom>
-          <a:noFill/>
-        </p:spPr>
-        <p:txBody>
-          <a:bodyPr wrap="none" rtlCol="0">
-            <a:spAutoFit/>
-          </a:bodyPr>
-          <a:lstStyle/>
-          <a:p>
-            <a:r>
-              <a:rPr lang="de-DE" dirty="0"/>
-              <a:t>Logistische Regression</a:t>
-            </a:r>
-          </a:p>
-        </p:txBody>
-      </p:sp>
-      <p:sp>
-        <p:nvSpPr>
-          <p:cNvPr id="12" name="Textfeld 11">
-            <a:extLst>
-              <a:ext uri="{FF2B5EF4-FFF2-40B4-BE49-F238E27FC236}">
-                <a16:creationId xmlns:a16="http://schemas.microsoft.com/office/drawing/2014/main" id="{ABA34D36-F28E-A3CD-E6B5-7E7F89038705}"/>
-              </a:ext>
-            </a:extLst>
-          </p:cNvPr>
-          <p:cNvSpPr txBox="1"/>
-          <p:nvPr/>
-        </p:nvSpPr>
-        <p:spPr>
-          <a:xfrm>
-            <a:off x="8825782" y="2260204"/>
-            <a:ext cx="1684372" cy="369332"/>
-          </a:xfrm>
-          <a:prstGeom prst="rect">
-            <a:avLst/>
-          </a:prstGeom>
-          <a:noFill/>
-        </p:spPr>
-        <p:txBody>
-          <a:bodyPr wrap="none" rtlCol="0">
-            <a:spAutoFit/>
-          </a:bodyPr>
-          <a:lstStyle/>
-          <a:p>
-            <a:r>
-              <a:rPr lang="de-DE" dirty="0"/>
-              <a:t>Random Forrest</a:t>
-            </a:r>
-          </a:p>
-        </p:txBody>
-      </p:sp>
-      <p:sp>
-        <p:nvSpPr>
-          <p:cNvPr id="13" name="Textfeld 12">
-            <a:extLst>
-              <a:ext uri="{FF2B5EF4-FFF2-40B4-BE49-F238E27FC236}">
-                <a16:creationId xmlns:a16="http://schemas.microsoft.com/office/drawing/2014/main" id="{46184E7C-86FF-5C57-9CF1-6701B666EC9F}"/>
-              </a:ext>
-            </a:extLst>
-          </p:cNvPr>
-          <p:cNvSpPr txBox="1"/>
-          <p:nvPr/>
-        </p:nvSpPr>
-        <p:spPr>
-          <a:xfrm>
-            <a:off x="8751203" y="4247803"/>
-            <a:ext cx="1872820" cy="369332"/>
-          </a:xfrm>
-          <a:prstGeom prst="rect">
-            <a:avLst/>
-          </a:prstGeom>
-          <a:noFill/>
-        </p:spPr>
-        <p:txBody>
-          <a:bodyPr wrap="none" rtlCol="0">
-            <a:spAutoFit/>
-          </a:bodyPr>
-          <a:lstStyle/>
-          <a:p>
-            <a:r>
-              <a:rPr lang="de-DE" dirty="0"/>
-              <a:t>Gradient </a:t>
-            </a:r>
-            <a:r>
-              <a:rPr lang="de-DE" dirty="0" err="1"/>
-              <a:t>Boosting</a:t>
-            </a:r>
-            <a:endParaRPr lang="de-DE" dirty="0"/>
-          </a:p>
-        </p:txBody>
-      </p:sp>
       <p:pic>
         <p:nvPicPr>
           <p:cNvPr id="18" name="Grafik 17">
@@ -14372,6 +14403,215 @@
           </a:prstGeom>
         </p:spPr>
       </p:pic>
+      <p:sp>
+        <p:nvSpPr>
+          <p:cNvPr id="4" name="Textfeld 3">
+            <a:extLst>
+              <a:ext uri="{FF2B5EF4-FFF2-40B4-BE49-F238E27FC236}">
+                <a16:creationId xmlns:a16="http://schemas.microsoft.com/office/drawing/2014/main" id="{12C221A0-ECCA-1A40-5484-249AEE335B30}"/>
+              </a:ext>
+            </a:extLst>
+          </p:cNvPr>
+          <p:cNvSpPr txBox="1"/>
+          <p:nvPr/>
+        </p:nvSpPr>
+        <p:spPr>
+          <a:xfrm>
+            <a:off x="636264" y="6515713"/>
+            <a:ext cx="2882652" cy="276999"/>
+          </a:xfrm>
+          <a:prstGeom prst="rect">
+            <a:avLst/>
+          </a:prstGeom>
+          <a:noFill/>
+        </p:spPr>
+        <p:txBody>
+          <a:bodyPr wrap="square" rtlCol="0">
+            <a:spAutoFit/>
+          </a:bodyPr>
+          <a:lstStyle/>
+          <a:p>
+            <a:r>
+              <a:rPr lang="de-DE" sz="1200" i="1" dirty="0"/>
+              <a:t>Konfusionsmatrix Logistische Regression</a:t>
+            </a:r>
+          </a:p>
+        </p:txBody>
+      </p:sp>
+      <p:sp>
+        <p:nvSpPr>
+          <p:cNvPr id="7" name="Textfeld 6">
+            <a:extLst>
+              <a:ext uri="{FF2B5EF4-FFF2-40B4-BE49-F238E27FC236}">
+                <a16:creationId xmlns:a16="http://schemas.microsoft.com/office/drawing/2014/main" id="{7B2821CC-EB80-241B-06C3-124DDE90AC3D}"/>
+              </a:ext>
+            </a:extLst>
+          </p:cNvPr>
+          <p:cNvSpPr txBox="1"/>
+          <p:nvPr/>
+        </p:nvSpPr>
+        <p:spPr>
+          <a:xfrm>
+            <a:off x="3633673" y="6515713"/>
+            <a:ext cx="2882652" cy="276999"/>
+          </a:xfrm>
+          <a:prstGeom prst="rect">
+            <a:avLst/>
+          </a:prstGeom>
+          <a:noFill/>
+        </p:spPr>
+        <p:txBody>
+          <a:bodyPr wrap="square" rtlCol="0">
+            <a:spAutoFit/>
+          </a:bodyPr>
+          <a:lstStyle/>
+          <a:p>
+            <a:r>
+              <a:rPr lang="de-DE" sz="1200" i="1" dirty="0"/>
+              <a:t>Konfusionsmatrix Logistische Regression</a:t>
+            </a:r>
+          </a:p>
+        </p:txBody>
+      </p:sp>
+      <p:sp>
+        <p:nvSpPr>
+          <p:cNvPr id="9" name="Textfeld 8">
+            <a:extLst>
+              <a:ext uri="{FF2B5EF4-FFF2-40B4-BE49-F238E27FC236}">
+                <a16:creationId xmlns:a16="http://schemas.microsoft.com/office/drawing/2014/main" id="{C68D0AE0-D2BF-3DBA-DC2E-191B5D258C1F}"/>
+              </a:ext>
+            </a:extLst>
+          </p:cNvPr>
+          <p:cNvSpPr txBox="1"/>
+          <p:nvPr/>
+        </p:nvSpPr>
+        <p:spPr>
+          <a:xfrm>
+            <a:off x="8143533" y="2026181"/>
+            <a:ext cx="2882652" cy="276999"/>
+          </a:xfrm>
+          <a:prstGeom prst="rect">
+            <a:avLst/>
+          </a:prstGeom>
+          <a:noFill/>
+        </p:spPr>
+        <p:txBody>
+          <a:bodyPr wrap="square" rtlCol="0">
+            <a:spAutoFit/>
+          </a:bodyPr>
+          <a:lstStyle/>
+          <a:p>
+            <a:r>
+              <a:rPr lang="de-DE" sz="1200" i="1" dirty="0"/>
+              <a:t>Kennzahlen Logistische Regression</a:t>
+            </a:r>
+          </a:p>
+        </p:txBody>
+      </p:sp>
+      <p:sp>
+        <p:nvSpPr>
+          <p:cNvPr id="14" name="Textfeld 13">
+            <a:extLst>
+              <a:ext uri="{FF2B5EF4-FFF2-40B4-BE49-F238E27FC236}">
+                <a16:creationId xmlns:a16="http://schemas.microsoft.com/office/drawing/2014/main" id="{243ABB03-7425-32C3-CB69-37E631870586}"/>
+              </a:ext>
+            </a:extLst>
+          </p:cNvPr>
+          <p:cNvSpPr txBox="1"/>
+          <p:nvPr/>
+        </p:nvSpPr>
+        <p:spPr>
+          <a:xfrm>
+            <a:off x="8143533" y="3999526"/>
+            <a:ext cx="2882652" cy="276999"/>
+          </a:xfrm>
+          <a:prstGeom prst="rect">
+            <a:avLst/>
+          </a:prstGeom>
+          <a:noFill/>
+        </p:spPr>
+        <p:txBody>
+          <a:bodyPr wrap="square" rtlCol="0">
+            <a:spAutoFit/>
+          </a:bodyPr>
+          <a:lstStyle/>
+          <a:p>
+            <a:r>
+              <a:rPr lang="de-DE" sz="1200" i="1" dirty="0"/>
+              <a:t>Kennzahlen Random Forrest</a:t>
+            </a:r>
+          </a:p>
+        </p:txBody>
+      </p:sp>
+      <p:sp>
+        <p:nvSpPr>
+          <p:cNvPr id="16" name="Textfeld 15">
+            <a:extLst>
+              <a:ext uri="{FF2B5EF4-FFF2-40B4-BE49-F238E27FC236}">
+                <a16:creationId xmlns:a16="http://schemas.microsoft.com/office/drawing/2014/main" id="{3610483E-64AA-F007-B9F2-C50605C27ABA}"/>
+              </a:ext>
+            </a:extLst>
+          </p:cNvPr>
+          <p:cNvSpPr txBox="1"/>
+          <p:nvPr/>
+        </p:nvSpPr>
+        <p:spPr>
+          <a:xfrm>
+            <a:off x="8143533" y="6068860"/>
+            <a:ext cx="2882652" cy="276999"/>
+          </a:xfrm>
+          <a:prstGeom prst="rect">
+            <a:avLst/>
+          </a:prstGeom>
+          <a:noFill/>
+        </p:spPr>
+        <p:txBody>
+          <a:bodyPr wrap="square" rtlCol="0">
+            <a:spAutoFit/>
+          </a:bodyPr>
+          <a:lstStyle/>
+          <a:p>
+            <a:r>
+              <a:rPr lang="de-DE" sz="1200" i="1" dirty="0"/>
+              <a:t>Kennzahlen Gradient </a:t>
+            </a:r>
+            <a:r>
+              <a:rPr lang="de-DE" sz="1200" i="1" dirty="0" err="1"/>
+              <a:t>Boosting</a:t>
+            </a:r>
+            <a:endParaRPr lang="de-DE" sz="1200" i="1" dirty="0"/>
+          </a:p>
+        </p:txBody>
+      </p:sp>
+      <p:sp>
+        <p:nvSpPr>
+          <p:cNvPr id="17" name="Foliennummernplatzhalter 16">
+            <a:extLst>
+              <a:ext uri="{FF2B5EF4-FFF2-40B4-BE49-F238E27FC236}">
+                <a16:creationId xmlns:a16="http://schemas.microsoft.com/office/drawing/2014/main" id="{B63923FC-2159-9BFE-6257-7B7EE27E763F}"/>
+              </a:ext>
+            </a:extLst>
+          </p:cNvPr>
+          <p:cNvSpPr>
+            <a:spLocks noGrp="1"/>
+          </p:cNvSpPr>
+          <p:nvPr>
+            <p:ph type="sldNum" sz="quarter" idx="12"/>
+          </p:nvPr>
+        </p:nvSpPr>
+        <p:spPr/>
+        <p:txBody>
+          <a:bodyPr/>
+          <a:lstStyle/>
+          <a:p>
+            <a:fld id="{C921D49C-F2C9-4773-B40D-55A32CD1AF58}" type="slidenum">
+              <a:rPr lang="en-US" smtClean="0"/>
+              <a:t>20</a:t>
+            </a:fld>
+            <a:endParaRPr lang="en-US"/>
+          </a:p>
+        </p:txBody>
+      </p:sp>
     </p:spTree>
     <p:extLst>
       <p:ext uri="{BB962C8B-B14F-4D97-AF65-F5344CB8AC3E}">
@@ -14490,7 +14730,7 @@
         </p:nvSpPr>
         <p:spPr>
           <a:xfrm>
-            <a:off x="446206" y="650051"/>
+            <a:off x="450440" y="788114"/>
             <a:ext cx="6070120" cy="2677992"/>
           </a:xfrm>
         </p:spPr>
@@ -14506,6 +14746,22 @@
             </a:r>
             <a:r>
               <a:rPr lang="en-US" sz="2000" dirty="0" err="1"/>
+              <a:t>bei</a:t>
+            </a:r>
+            <a:r>
+              <a:rPr lang="en-US" sz="2000" dirty="0"/>
+              <a:t> dem </a:t>
+            </a:r>
+            <a:r>
+              <a:rPr lang="en-US" sz="2000" b="1" dirty="0"/>
+              <a:t>Gradient Boosting </a:t>
+            </a:r>
+            <a:r>
+              <a:rPr lang="en-US" sz="2000" dirty="0"/>
+              <a:t>Modell </a:t>
+            </a:r>
+            <a:r>
+              <a:rPr lang="en-US" sz="2000" dirty="0" err="1"/>
               <a:t>etwas</a:t>
             </a:r>
             <a:r>
@@ -14522,15 +14778,30 @@
             </a:r>
             <a:r>
               <a:rPr lang="en-US" sz="2000" dirty="0" err="1"/>
-              <a:t>beim</a:t>
+              <a:t>ist</a:t>
             </a:r>
             <a:r>
               <a:rPr lang="en-US" sz="2000" dirty="0"/>
-              <a:t> Gradient Boosting Modell </a:t>
+              <a:t>, </a:t>
             </a:r>
             <a:r>
               <a:rPr lang="en-US" sz="2000" dirty="0" err="1"/>
-              <a:t>besser</a:t>
+              <a:t>wird</a:t>
+            </a:r>
+            <a:r>
+              <a:rPr lang="en-US" sz="2000" dirty="0"/>
+              <a:t> dieses </a:t>
+            </a:r>
+            <a:r>
+              <a:rPr lang="en-US" sz="2000" dirty="0" err="1"/>
+              <a:t>verwendet</a:t>
+            </a:r>
+            <a:endParaRPr lang="en-US" sz="2000" dirty="0"/>
+          </a:p>
+          <a:p>
+            <a:r>
+              <a:rPr lang="en-US" sz="2000" dirty="0" err="1"/>
+              <a:t>Zusätzlich</a:t>
             </a:r>
             <a:r>
               <a:rPr lang="en-US" sz="2000" dirty="0"/>
@@ -14538,15 +14809,23 @@
             </a:r>
             <a:r>
               <a:rPr lang="en-US" sz="2000" dirty="0" err="1"/>
-              <a:t>ist</a:t>
+              <a:t>werden</a:t>
             </a:r>
             <a:r>
               <a:rPr lang="en-US" sz="2000" dirty="0"/>
-              <a:t>, </a:t>
+              <a:t> die ROC </a:t>
             </a:r>
             <a:r>
               <a:rPr lang="en-US" sz="2000" dirty="0" err="1"/>
-              <a:t>wird</a:t>
+              <a:t>Kurven</a:t>
+            </a:r>
+            <a:r>
+              <a:rPr lang="en-US" sz="2000" dirty="0"/>
+              <a:t> und AUC </a:t>
+            </a:r>
+            <a:r>
+              <a:rPr lang="en-US" sz="2000" dirty="0" err="1"/>
+              <a:t>Werte</a:t>
             </a:r>
             <a:r>
               <a:rPr lang="en-US" sz="2000" dirty="0"/>
@@ -14554,7 +14833,15 @@
             </a:r>
             <a:r>
               <a:rPr lang="en-US" sz="2000" dirty="0" err="1"/>
-              <a:t>dieser</a:t>
+              <a:t>Verglichen</a:t>
+            </a:r>
+            <a:r>
+              <a:rPr lang="en-US" sz="2000" dirty="0"/>
+              <a:t>. </a:t>
+            </a:r>
+            <a:r>
+              <a:rPr lang="en-US" sz="2000" dirty="0" err="1"/>
+              <a:t>Dadurch</a:t>
             </a:r>
             <a:r>
               <a:rPr lang="en-US" sz="2000" dirty="0"/>
@@ -14562,30 +14849,7 @@
             </a:r>
             <a:r>
               <a:rPr lang="en-US" sz="2000" dirty="0" err="1"/>
-              <a:t>verwendet</a:t>
-            </a:r>
-            <a:endParaRPr lang="en-US" sz="2000" dirty="0"/>
-          </a:p>
-          <a:p>
-            <a:r>
-              <a:rPr lang="en-US" sz="2000" dirty="0" err="1"/>
-              <a:t>Zusätzlich</a:t>
-            </a:r>
-            <a:r>
-              <a:rPr lang="en-US" sz="2000" dirty="0"/>
-              <a:t> warden die ROC </a:t>
-            </a:r>
-            <a:r>
-              <a:rPr lang="en-US" sz="2000" dirty="0" err="1"/>
-              <a:t>Kurven</a:t>
-            </a:r>
-            <a:r>
-              <a:rPr lang="en-US" sz="2000" dirty="0"/>
-              <a:t> und AUC </a:t>
-            </a:r>
-            <a:r>
-              <a:rPr lang="en-US" sz="2000" dirty="0" err="1"/>
-              <a:t>Werte</a:t>
+              <a:t>lässt</a:t>
             </a:r>
             <a:r>
               <a:rPr lang="en-US" sz="2000" dirty="0"/>
@@ -14593,15 +14857,7 @@
             </a:r>
             <a:r>
               <a:rPr lang="en-US" sz="2000" dirty="0" err="1"/>
-              <a:t>Verglichen</a:t>
-            </a:r>
-            <a:r>
-              <a:rPr lang="en-US" sz="2000" dirty="0"/>
-              <a:t>- </a:t>
-            </a:r>
-            <a:r>
-              <a:rPr lang="en-US" sz="2000" dirty="0" err="1"/>
-              <a:t>dadurch</a:t>
+              <a:t>sich</a:t>
             </a:r>
             <a:r>
               <a:rPr lang="en-US" sz="2000" dirty="0"/>
@@ -14609,11 +14865,11 @@
             </a:r>
             <a:r>
               <a:rPr lang="en-US" sz="2000" dirty="0" err="1"/>
-              <a:t>sieht</a:t>
+              <a:t>feststellen</a:t>
             </a:r>
             <a:r>
               <a:rPr lang="en-US" sz="2000" dirty="0"/>
-              <a:t> man welches Modell </a:t>
+              <a:t>, welches Modell </a:t>
             </a:r>
             <a:r>
               <a:rPr lang="en-US" sz="2000" dirty="0" err="1"/>
@@ -14890,116 +15146,6 @@
           </a:prstGeom>
         </p:spPr>
       </p:pic>
-      <p:sp>
-        <p:nvSpPr>
-          <p:cNvPr id="11" name="Textfeld 10">
-            <a:extLst>
-              <a:ext uri="{FF2B5EF4-FFF2-40B4-BE49-F238E27FC236}">
-                <a16:creationId xmlns:a16="http://schemas.microsoft.com/office/drawing/2014/main" id="{FFC50C27-32DD-ABB9-6A1E-B6BB437CCD40}"/>
-              </a:ext>
-            </a:extLst>
-          </p:cNvPr>
-          <p:cNvSpPr txBox="1"/>
-          <p:nvPr/>
-        </p:nvSpPr>
-        <p:spPr>
-          <a:xfrm>
-            <a:off x="8751203" y="268396"/>
-            <a:ext cx="2274982" cy="369332"/>
-          </a:xfrm>
-          <a:prstGeom prst="rect">
-            <a:avLst/>
-          </a:prstGeom>
-          <a:noFill/>
-        </p:spPr>
-        <p:txBody>
-          <a:bodyPr wrap="none" rtlCol="0">
-            <a:spAutoFit/>
-          </a:bodyPr>
-          <a:lstStyle/>
-          <a:p>
-            <a:r>
-              <a:rPr lang="de-DE" dirty="0"/>
-              <a:t>Logistische Regression</a:t>
-            </a:r>
-          </a:p>
-        </p:txBody>
-      </p:sp>
-      <p:sp>
-        <p:nvSpPr>
-          <p:cNvPr id="12" name="Textfeld 11">
-            <a:extLst>
-              <a:ext uri="{FF2B5EF4-FFF2-40B4-BE49-F238E27FC236}">
-                <a16:creationId xmlns:a16="http://schemas.microsoft.com/office/drawing/2014/main" id="{50C89B30-3B43-CEA8-0F84-3A0AE9FB6947}"/>
-              </a:ext>
-            </a:extLst>
-          </p:cNvPr>
-          <p:cNvSpPr txBox="1"/>
-          <p:nvPr/>
-        </p:nvSpPr>
-        <p:spPr>
-          <a:xfrm>
-            <a:off x="8825782" y="2260204"/>
-            <a:ext cx="1684372" cy="369332"/>
-          </a:xfrm>
-          <a:prstGeom prst="rect">
-            <a:avLst/>
-          </a:prstGeom>
-          <a:noFill/>
-        </p:spPr>
-        <p:txBody>
-          <a:bodyPr wrap="none" rtlCol="0">
-            <a:spAutoFit/>
-          </a:bodyPr>
-          <a:lstStyle/>
-          <a:p>
-            <a:r>
-              <a:rPr lang="de-DE" dirty="0"/>
-              <a:t>Random Forrest</a:t>
-            </a:r>
-          </a:p>
-        </p:txBody>
-      </p:sp>
-      <p:sp>
-        <p:nvSpPr>
-          <p:cNvPr id="13" name="Textfeld 12">
-            <a:extLst>
-              <a:ext uri="{FF2B5EF4-FFF2-40B4-BE49-F238E27FC236}">
-                <a16:creationId xmlns:a16="http://schemas.microsoft.com/office/drawing/2014/main" id="{A37E204C-4E73-14B4-C49A-95D7D1C4F28D}"/>
-              </a:ext>
-            </a:extLst>
-          </p:cNvPr>
-          <p:cNvSpPr txBox="1"/>
-          <p:nvPr/>
-        </p:nvSpPr>
-        <p:spPr>
-          <a:xfrm>
-            <a:off x="8751203" y="4247803"/>
-            <a:ext cx="1872820" cy="369332"/>
-          </a:xfrm>
-          <a:prstGeom prst="rect">
-            <a:avLst/>
-          </a:prstGeom>
-          <a:noFill/>
-        </p:spPr>
-        <p:txBody>
-          <a:bodyPr wrap="none" rtlCol="0">
-            <a:spAutoFit/>
-          </a:bodyPr>
-          <a:lstStyle/>
-          <a:p>
-            <a:r>
-              <a:rPr lang="de-DE" dirty="0"/>
-              <a:t>Gradient </a:t>
-            </a:r>
-            <a:r>
-              <a:rPr lang="de-DE" dirty="0" err="1"/>
-              <a:t>Boosting</a:t>
-            </a:r>
-            <a:endParaRPr lang="de-DE" dirty="0"/>
-          </a:p>
-        </p:txBody>
-      </p:sp>
       <p:pic>
         <p:nvPicPr>
           <p:cNvPr id="5" name="Grafik 4">
@@ -15022,14 +15168,188 @@
         </p:blipFill>
         <p:spPr>
           <a:xfrm>
-            <a:off x="1489391" y="3118103"/>
-            <a:ext cx="4606609" cy="3626310"/>
+            <a:off x="1705878" y="3435632"/>
+            <a:ext cx="4034367" cy="3175843"/>
           </a:xfrm>
           <a:prstGeom prst="rect">
             <a:avLst/>
           </a:prstGeom>
         </p:spPr>
       </p:pic>
+      <p:sp>
+        <p:nvSpPr>
+          <p:cNvPr id="4" name="Textfeld 3">
+            <a:extLst>
+              <a:ext uri="{FF2B5EF4-FFF2-40B4-BE49-F238E27FC236}">
+                <a16:creationId xmlns:a16="http://schemas.microsoft.com/office/drawing/2014/main" id="{C7B2BDAD-6421-6B2A-F0AF-2BC4354EC41C}"/>
+              </a:ext>
+            </a:extLst>
+          </p:cNvPr>
+          <p:cNvSpPr txBox="1"/>
+          <p:nvPr/>
+        </p:nvSpPr>
+        <p:spPr>
+          <a:xfrm>
+            <a:off x="8143533" y="2026181"/>
+            <a:ext cx="2882652" cy="276999"/>
+          </a:xfrm>
+          <a:prstGeom prst="rect">
+            <a:avLst/>
+          </a:prstGeom>
+          <a:noFill/>
+        </p:spPr>
+        <p:txBody>
+          <a:bodyPr wrap="square" rtlCol="0">
+            <a:spAutoFit/>
+          </a:bodyPr>
+          <a:lstStyle/>
+          <a:p>
+            <a:r>
+              <a:rPr lang="de-DE" sz="1200" i="1" dirty="0"/>
+              <a:t>Kennzahlen Logistische Regression</a:t>
+            </a:r>
+          </a:p>
+        </p:txBody>
+      </p:sp>
+      <p:sp>
+        <p:nvSpPr>
+          <p:cNvPr id="7" name="Textfeld 6">
+            <a:extLst>
+              <a:ext uri="{FF2B5EF4-FFF2-40B4-BE49-F238E27FC236}">
+                <a16:creationId xmlns:a16="http://schemas.microsoft.com/office/drawing/2014/main" id="{B0232D27-A9D1-0D44-9996-2AB32E8CAA77}"/>
+              </a:ext>
+            </a:extLst>
+          </p:cNvPr>
+          <p:cNvSpPr txBox="1"/>
+          <p:nvPr/>
+        </p:nvSpPr>
+        <p:spPr>
+          <a:xfrm>
+            <a:off x="8143533" y="3999526"/>
+            <a:ext cx="2882652" cy="276999"/>
+          </a:xfrm>
+          <a:prstGeom prst="rect">
+            <a:avLst/>
+          </a:prstGeom>
+          <a:noFill/>
+        </p:spPr>
+        <p:txBody>
+          <a:bodyPr wrap="square" rtlCol="0">
+            <a:spAutoFit/>
+          </a:bodyPr>
+          <a:lstStyle/>
+          <a:p>
+            <a:r>
+              <a:rPr lang="de-DE" sz="1200" i="1" dirty="0"/>
+              <a:t>Kennzahlen Random Forrest</a:t>
+            </a:r>
+          </a:p>
+        </p:txBody>
+      </p:sp>
+      <p:sp>
+        <p:nvSpPr>
+          <p:cNvPr id="9" name="Textfeld 8">
+            <a:extLst>
+              <a:ext uri="{FF2B5EF4-FFF2-40B4-BE49-F238E27FC236}">
+                <a16:creationId xmlns:a16="http://schemas.microsoft.com/office/drawing/2014/main" id="{F8067E27-BE6C-0BBE-F080-17E61B33BBD1}"/>
+              </a:ext>
+            </a:extLst>
+          </p:cNvPr>
+          <p:cNvSpPr txBox="1"/>
+          <p:nvPr/>
+        </p:nvSpPr>
+        <p:spPr>
+          <a:xfrm>
+            <a:off x="8143533" y="6068860"/>
+            <a:ext cx="2882652" cy="276999"/>
+          </a:xfrm>
+          <a:prstGeom prst="rect">
+            <a:avLst/>
+          </a:prstGeom>
+          <a:noFill/>
+        </p:spPr>
+        <p:txBody>
+          <a:bodyPr wrap="square" rtlCol="0">
+            <a:spAutoFit/>
+          </a:bodyPr>
+          <a:lstStyle/>
+          <a:p>
+            <a:r>
+              <a:rPr lang="de-DE" sz="1200" i="1" dirty="0"/>
+              <a:t>Kennzahlen Gradient </a:t>
+            </a:r>
+            <a:r>
+              <a:rPr lang="de-DE" sz="1200" i="1" dirty="0" err="1"/>
+              <a:t>Boosting</a:t>
+            </a:r>
+            <a:endParaRPr lang="de-DE" sz="1200" i="1" dirty="0"/>
+          </a:p>
+        </p:txBody>
+      </p:sp>
+      <p:sp>
+        <p:nvSpPr>
+          <p:cNvPr id="14" name="Textfeld 13">
+            <a:extLst>
+              <a:ext uri="{FF2B5EF4-FFF2-40B4-BE49-F238E27FC236}">
+                <a16:creationId xmlns:a16="http://schemas.microsoft.com/office/drawing/2014/main" id="{EFF81664-E6E0-00EE-FE63-AE3EE5482EE3}"/>
+              </a:ext>
+            </a:extLst>
+          </p:cNvPr>
+          <p:cNvSpPr txBox="1"/>
+          <p:nvPr/>
+        </p:nvSpPr>
+        <p:spPr>
+          <a:xfrm>
+            <a:off x="1962866" y="6509035"/>
+            <a:ext cx="3455800" cy="276999"/>
+          </a:xfrm>
+          <a:prstGeom prst="rect">
+            <a:avLst/>
+          </a:prstGeom>
+          <a:noFill/>
+        </p:spPr>
+        <p:txBody>
+          <a:bodyPr wrap="square" rtlCol="0">
+            <a:spAutoFit/>
+          </a:bodyPr>
+          <a:lstStyle/>
+          <a:p>
+            <a:r>
+              <a:rPr lang="de-DE" sz="1200" i="1" dirty="0"/>
+              <a:t>Diagramm Random Forrest und Gradient Boost</a:t>
+            </a:r>
+          </a:p>
+        </p:txBody>
+      </p:sp>
+      <p:sp>
+        <p:nvSpPr>
+          <p:cNvPr id="16" name="Foliennummernplatzhalter 15">
+            <a:extLst>
+              <a:ext uri="{FF2B5EF4-FFF2-40B4-BE49-F238E27FC236}">
+                <a16:creationId xmlns:a16="http://schemas.microsoft.com/office/drawing/2014/main" id="{519D0C15-CFEB-F904-265A-8FA4E039E346}"/>
+              </a:ext>
+            </a:extLst>
+          </p:cNvPr>
+          <p:cNvSpPr>
+            <a:spLocks noGrp="1"/>
+          </p:cNvSpPr>
+          <p:nvPr>
+            <p:ph type="sldNum" sz="quarter" idx="12"/>
+          </p:nvPr>
+        </p:nvSpPr>
+        <p:spPr/>
+        <p:txBody>
+          <a:bodyPr/>
+          <a:lstStyle/>
+          <a:p>
+            <a:fld id="{C921D49C-F2C9-4773-B40D-55A32CD1AF58}" type="slidenum">
+              <a:rPr lang="en-US" smtClean="0"/>
+              <a:t>21</a:t>
+            </a:fld>
+            <a:endParaRPr lang="en-US"/>
+          </a:p>
+        </p:txBody>
+      </p:sp>
     </p:spTree>
     <p:extLst>
       <p:ext uri="{BB962C8B-B14F-4D97-AF65-F5344CB8AC3E}">
@@ -15244,7 +15564,7 @@
             </a:r>
             <a:r>
               <a:rPr lang="en-US" sz="2000" dirty="0"/>
-              <a:t> </a:t>
+              <a:t>, </a:t>
             </a:r>
             <a:r>
               <a:rPr lang="en-US" sz="2000" dirty="0" err="1"/>
@@ -15296,6 +15616,14 @@
             </a:r>
             <a:r>
               <a:rPr lang="en-US" sz="2000" dirty="0" err="1"/>
+              <a:t>sind</a:t>
+            </a:r>
+            <a:r>
+              <a:rPr lang="en-US" sz="2000" dirty="0"/>
+              <a:t>, </a:t>
+            </a:r>
+            <a:r>
+              <a:rPr lang="en-US" sz="2000" dirty="0" err="1"/>
               <a:t>kann</a:t>
             </a:r>
             <a:r>
@@ -15399,7 +15727,7 @@
             </a:r>
             <a:r>
               <a:rPr lang="en-US" sz="2000" dirty="0"/>
-              <a:t> um </a:t>
+              <a:t>, um </a:t>
             </a:r>
             <a:r>
               <a:rPr lang="en-US" sz="2000" dirty="0" err="1"/>
@@ -15501,7 +15829,7 @@
         </p:blipFill>
         <p:spPr>
           <a:xfrm>
-            <a:off x="8473806" y="146062"/>
+            <a:off x="8363739" y="47790"/>
             <a:ext cx="2940118" cy="3168155"/>
           </a:xfrm>
           <a:prstGeom prst="rect">
@@ -15531,7 +15859,7 @@
         </p:blipFill>
         <p:spPr>
           <a:xfrm>
-            <a:off x="7914466" y="3362007"/>
+            <a:off x="7914466" y="3271653"/>
             <a:ext cx="3995623" cy="899015"/>
           </a:xfrm>
           <a:prstGeom prst="rect">
@@ -15561,7 +15889,7 @@
         </p:blipFill>
         <p:spPr>
           <a:xfrm>
-            <a:off x="7759082" y="4404332"/>
+            <a:off x="7759082" y="4065510"/>
             <a:ext cx="4306390" cy="2327474"/>
           </a:xfrm>
           <a:prstGeom prst="rect">
@@ -15569,6 +15897,70 @@
           </a:prstGeom>
         </p:spPr>
       </p:pic>
+      <p:sp>
+        <p:nvSpPr>
+          <p:cNvPr id="4" name="Textfeld 3">
+            <a:extLst>
+              <a:ext uri="{FF2B5EF4-FFF2-40B4-BE49-F238E27FC236}">
+                <a16:creationId xmlns:a16="http://schemas.microsoft.com/office/drawing/2014/main" id="{7D208BC0-1393-7510-4B9D-B1408479BD32}"/>
+              </a:ext>
+            </a:extLst>
+          </p:cNvPr>
+          <p:cNvSpPr txBox="1"/>
+          <p:nvPr/>
+        </p:nvSpPr>
+        <p:spPr>
+          <a:xfrm>
+            <a:off x="7728739" y="6451835"/>
+            <a:ext cx="3697100" cy="276999"/>
+          </a:xfrm>
+          <a:prstGeom prst="rect">
+            <a:avLst/>
+          </a:prstGeom>
+          <a:noFill/>
+        </p:spPr>
+        <p:txBody>
+          <a:bodyPr wrap="square" rtlCol="0">
+            <a:spAutoFit/>
+          </a:bodyPr>
+          <a:lstStyle/>
+          <a:p>
+            <a:r>
+              <a:rPr lang="de-DE" sz="1200" i="1" dirty="0"/>
+              <a:t>Verteilung der Zielvariablen</a:t>
+            </a:r>
+          </a:p>
+        </p:txBody>
+      </p:sp>
+      <p:sp>
+        <p:nvSpPr>
+          <p:cNvPr id="5" name="Foliennummernplatzhalter 4">
+            <a:extLst>
+              <a:ext uri="{FF2B5EF4-FFF2-40B4-BE49-F238E27FC236}">
+                <a16:creationId xmlns:a16="http://schemas.microsoft.com/office/drawing/2014/main" id="{6DA1AC9E-A18E-009C-BAC8-950202F76623}"/>
+              </a:ext>
+            </a:extLst>
+          </p:cNvPr>
+          <p:cNvSpPr>
+            <a:spLocks noGrp="1"/>
+          </p:cNvSpPr>
+          <p:nvPr>
+            <p:ph type="sldNum" sz="quarter" idx="12"/>
+          </p:nvPr>
+        </p:nvSpPr>
+        <p:spPr/>
+        <p:txBody>
+          <a:bodyPr/>
+          <a:lstStyle/>
+          <a:p>
+            <a:fld id="{C921D49C-F2C9-4773-B40D-55A32CD1AF58}" type="slidenum">
+              <a:rPr lang="en-US" smtClean="0"/>
+              <a:t>22</a:t>
+            </a:fld>
+            <a:endParaRPr lang="en-US"/>
+          </a:p>
+        </p:txBody>
+      </p:sp>
     </p:spTree>
     <p:extLst>
       <p:ext uri="{BB962C8B-B14F-4D97-AF65-F5344CB8AC3E}">
@@ -15779,13 +16171,13 @@
         </p:nvSpPr>
         <p:spPr>
           <a:xfrm>
-            <a:off x="838200" y="2401330"/>
-            <a:ext cx="3996447" cy="3719384"/>
+            <a:off x="355600" y="2837364"/>
+            <a:ext cx="3996447" cy="3313670"/>
           </a:xfrm>
         </p:spPr>
         <p:txBody>
           <a:bodyPr>
-            <a:normAutofit fontScale="85000" lnSpcReduction="20000"/>
+            <a:normAutofit fontScale="70000" lnSpcReduction="20000"/>
           </a:bodyPr>
           <a:lstStyle/>
           <a:p>
@@ -15803,7 +16195,7 @@
             </a:r>
             <a:r>
               <a:rPr lang="en-US" sz="2000" dirty="0" err="1"/>
-              <a:t>noch</a:t>
+              <a:t>mit</a:t>
             </a:r>
             <a:r>
               <a:rPr lang="en-US" sz="2000" dirty="0"/>
@@ -15811,7 +16203,7 @@
             </a:r>
             <a:r>
               <a:rPr lang="en-US" sz="2000" dirty="0" err="1"/>
-              <a:t>bessere</a:t>
+              <a:t>normalisierten</a:t>
             </a:r>
             <a:r>
               <a:rPr lang="en-US" sz="2000" dirty="0"/>
@@ -15819,9 +16211,36 @@
             </a:r>
             <a:r>
               <a:rPr lang="en-US" sz="2000" dirty="0" err="1"/>
-              <a:t>Werte</a:t>
-            </a:r>
-            <a:endParaRPr lang="en-US" sz="2000" dirty="0"/>
+              <a:t>Werten</a:t>
+            </a:r>
+            <a:r>
+              <a:rPr lang="en-US" sz="2000" dirty="0"/>
+              <a:t> </a:t>
+            </a:r>
+            <a:r>
+              <a:rPr lang="en-US" sz="2000" dirty="0" err="1"/>
+              <a:t>noch</a:t>
+            </a:r>
+            <a:r>
+              <a:rPr lang="en-US" sz="2000" dirty="0"/>
+              <a:t> </a:t>
+            </a:r>
+            <a:r>
+              <a:rPr lang="en-US" sz="2000" dirty="0" err="1"/>
+              <a:t>bessere</a:t>
+            </a:r>
+            <a:r>
+              <a:rPr lang="en-US" sz="2000" dirty="0"/>
+              <a:t> </a:t>
+            </a:r>
+            <a:r>
+              <a:rPr lang="en-US" sz="2000" dirty="0" err="1"/>
+              <a:t>Kennzahlen</a:t>
+            </a:r>
+            <a:r>
+              <a:rPr lang="en-US" sz="2000" dirty="0"/>
+              <a:t> </a:t>
+            </a:r>
           </a:p>
           <a:p>
             <a:r>
@@ -16041,7 +16460,15 @@
             </a:r>
             <a:r>
               <a:rPr lang="en-US" sz="2000" dirty="0"/>
-              <a:t> das auf overfitting </a:t>
+              <a:t> das </a:t>
+            </a:r>
+            <a:r>
+              <a:rPr lang="en-US" sz="2000" dirty="0" err="1"/>
+              <a:t>ein</a:t>
+            </a:r>
+            <a:r>
+              <a:rPr lang="en-US" sz="2000" dirty="0"/>
+              <a:t> overfitting </a:t>
             </a:r>
             <a:r>
               <a:rPr lang="en-US" sz="2000" dirty="0" err="1"/>
@@ -16096,7 +16523,7 @@
             </a:r>
             <a:r>
               <a:rPr lang="en-US" sz="2000" dirty="0"/>
-              <a:t> </a:t>
+              <a:t> dieses </a:t>
             </a:r>
             <a:r>
               <a:rPr lang="en-US" sz="2000" dirty="0" err="1"/>
@@ -16144,7 +16571,7 @@
             </a:r>
             <a:r>
               <a:rPr lang="en-US" sz="2000" dirty="0"/>
-              <a:t> trainings accuracy </a:t>
+              <a:t> die trainings accuracy </a:t>
             </a:r>
             <a:r>
               <a:rPr lang="en-US" sz="2000" dirty="0" err="1"/>
@@ -16156,7 +16583,7 @@
             </a:r>
             <a:r>
               <a:rPr lang="en-US" sz="2000" dirty="0" err="1"/>
-              <a:t>anfang</a:t>
+              <a:t>Anfang</a:t>
             </a:r>
             <a:r>
               <a:rPr lang="en-US" sz="2000" dirty="0"/>
@@ -16230,7 +16657,7 @@
             </a:r>
             <a:r>
               <a:rPr lang="en-US" sz="2000" dirty="0"/>
-              <a:t> </a:t>
+              <a:t>, </a:t>
             </a:r>
             <a:r>
               <a:rPr lang="en-US" sz="2000" dirty="0" err="1"/>
@@ -16368,7 +16795,7 @@
         </p:blipFill>
         <p:spPr>
           <a:xfrm>
-            <a:off x="8665414" y="3195536"/>
+            <a:off x="8539598" y="3012326"/>
             <a:ext cx="3526586" cy="3526586"/>
           </a:xfrm>
           <a:prstGeom prst="rect">
@@ -16378,10 +16805,10 @@
       </p:pic>
       <p:sp>
         <p:nvSpPr>
-          <p:cNvPr id="13" name="Textfeld 12">
-            <a:extLst>
-              <a:ext uri="{FF2B5EF4-FFF2-40B4-BE49-F238E27FC236}">
-                <a16:creationId xmlns:a16="http://schemas.microsoft.com/office/drawing/2014/main" id="{E6ECA4D5-BDDC-8DA7-C35F-8FD02929FA07}"/>
+          <p:cNvPr id="6" name="Textfeld 5">
+            <a:extLst>
+              <a:ext uri="{FF2B5EF4-FFF2-40B4-BE49-F238E27FC236}">
+                <a16:creationId xmlns:a16="http://schemas.microsoft.com/office/drawing/2014/main" id="{C7DF5A49-940B-4545-57BE-5D248E03ACF3}"/>
               </a:ext>
             </a:extLst>
           </p:cNvPr>
@@ -16390,8 +16817,8 @@
         </p:nvSpPr>
         <p:spPr>
           <a:xfrm>
-            <a:off x="5947499" y="2874079"/>
-            <a:ext cx="1605063" cy="369332"/>
+            <a:off x="5044733" y="6505177"/>
+            <a:ext cx="949667" cy="276999"/>
           </a:xfrm>
           <a:prstGeom prst="rect">
             <a:avLst/>
@@ -16405,18 +16832,18 @@
           <a:lstStyle/>
           <a:p>
             <a:r>
-              <a:rPr lang="de-DE" dirty="0"/>
-              <a:t>Real Daten</a:t>
+              <a:rPr lang="de-DE" sz="1200" i="1" dirty="0"/>
+              <a:t>Reale Daten</a:t>
             </a:r>
           </a:p>
         </p:txBody>
       </p:sp>
       <p:sp>
         <p:nvSpPr>
-          <p:cNvPr id="14" name="Textfeld 13">
-            <a:extLst>
-              <a:ext uri="{FF2B5EF4-FFF2-40B4-BE49-F238E27FC236}">
-                <a16:creationId xmlns:a16="http://schemas.microsoft.com/office/drawing/2014/main" id="{DC34114C-9642-84AE-130B-9C71CD7000FB}"/>
+          <p:cNvPr id="7" name="Textfeld 6">
+            <a:extLst>
+              <a:ext uri="{FF2B5EF4-FFF2-40B4-BE49-F238E27FC236}">
+                <a16:creationId xmlns:a16="http://schemas.microsoft.com/office/drawing/2014/main" id="{84EEE938-C17A-7D0C-9555-CFC455AB90B5}"/>
               </a:ext>
             </a:extLst>
           </p:cNvPr>
@@ -16425,8 +16852,8 @@
         </p:nvSpPr>
         <p:spPr>
           <a:xfrm>
-            <a:off x="9669295" y="2826204"/>
-            <a:ext cx="2155331" cy="369332"/>
+            <a:off x="8826628" y="6468675"/>
+            <a:ext cx="2048805" cy="276999"/>
           </a:xfrm>
           <a:prstGeom prst="rect">
             <a:avLst/>
@@ -16440,13 +16867,78 @@
           <a:lstStyle/>
           <a:p>
             <a:r>
-              <a:rPr lang="de-DE" dirty="0" err="1"/>
-              <a:t>Oversampled</a:t>
-            </a:r>
-            <a:r>
-              <a:rPr lang="de-DE" dirty="0"/>
-              <a:t> Daten</a:t>
-            </a:r>
+              <a:rPr lang="de-DE" sz="1200" i="1" dirty="0"/>
+              <a:t>Daten mit </a:t>
+            </a:r>
+            <a:r>
+              <a:rPr lang="de-DE" sz="1200" i="1" dirty="0" err="1"/>
+              <a:t>Oversampling</a:t>
+            </a:r>
+            <a:endParaRPr lang="de-DE" sz="1200" i="1" dirty="0"/>
+          </a:p>
+        </p:txBody>
+      </p:sp>
+      <p:sp>
+        <p:nvSpPr>
+          <p:cNvPr id="8" name="Textfeld 7">
+            <a:extLst>
+              <a:ext uri="{FF2B5EF4-FFF2-40B4-BE49-F238E27FC236}">
+                <a16:creationId xmlns:a16="http://schemas.microsoft.com/office/drawing/2014/main" id="{16547096-1B95-2C8D-85FA-BA7D4E0E5921}"/>
+              </a:ext>
+            </a:extLst>
+          </p:cNvPr>
+          <p:cNvSpPr txBox="1"/>
+          <p:nvPr/>
+        </p:nvSpPr>
+        <p:spPr>
+          <a:xfrm>
+            <a:off x="6767700" y="2782659"/>
+            <a:ext cx="3697100" cy="276999"/>
+          </a:xfrm>
+          <a:prstGeom prst="rect">
+            <a:avLst/>
+          </a:prstGeom>
+          <a:noFill/>
+        </p:spPr>
+        <p:txBody>
+          <a:bodyPr wrap="square" rtlCol="0">
+            <a:spAutoFit/>
+          </a:bodyPr>
+          <a:lstStyle/>
+          <a:p>
+            <a:r>
+              <a:rPr lang="de-DE" sz="1200" i="1" dirty="0"/>
+              <a:t>Implementierung und Kennzahlen Gradient Boost</a:t>
+            </a:r>
+          </a:p>
+        </p:txBody>
+      </p:sp>
+      <p:sp>
+        <p:nvSpPr>
+          <p:cNvPr id="10" name="Foliennummernplatzhalter 9">
+            <a:extLst>
+              <a:ext uri="{FF2B5EF4-FFF2-40B4-BE49-F238E27FC236}">
+                <a16:creationId xmlns:a16="http://schemas.microsoft.com/office/drawing/2014/main" id="{DF168890-4BF6-2BAF-24E5-46BF73113EC2}"/>
+              </a:ext>
+            </a:extLst>
+          </p:cNvPr>
+          <p:cNvSpPr>
+            <a:spLocks noGrp="1"/>
+          </p:cNvSpPr>
+          <p:nvPr>
+            <p:ph type="sldNum" sz="quarter" idx="12"/>
+          </p:nvPr>
+        </p:nvSpPr>
+        <p:spPr/>
+        <p:txBody>
+          <a:bodyPr/>
+          <a:lstStyle/>
+          <a:p>
+            <a:fld id="{C921D49C-F2C9-4773-B40D-55A32CD1AF58}" type="slidenum">
+              <a:rPr lang="en-US" smtClean="0"/>
+              <a:t>23</a:t>
+            </a:fld>
+            <a:endParaRPr lang="en-US"/>
           </a:p>
         </p:txBody>
       </p:sp>
@@ -17674,6 +18166,35 @@
           </a:p>
         </p:txBody>
       </p:sp>
+      <p:sp>
+        <p:nvSpPr>
+          <p:cNvPr id="4" name="Foliennummernplatzhalter 3">
+            <a:extLst>
+              <a:ext uri="{FF2B5EF4-FFF2-40B4-BE49-F238E27FC236}">
+                <a16:creationId xmlns:a16="http://schemas.microsoft.com/office/drawing/2014/main" id="{C0A0558C-8E86-A213-32E0-003E404859C2}"/>
+              </a:ext>
+            </a:extLst>
+          </p:cNvPr>
+          <p:cNvSpPr>
+            <a:spLocks noGrp="1"/>
+          </p:cNvSpPr>
+          <p:nvPr>
+            <p:ph type="sldNum" sz="quarter" idx="12"/>
+          </p:nvPr>
+        </p:nvSpPr>
+        <p:spPr/>
+        <p:txBody>
+          <a:bodyPr/>
+          <a:lstStyle/>
+          <a:p>
+            <a:fld id="{C921D49C-F2C9-4773-B40D-55A32CD1AF58}" type="slidenum">
+              <a:rPr lang="en-US" smtClean="0"/>
+              <a:t>27</a:t>
+            </a:fld>
+            <a:endParaRPr lang="en-US"/>
+          </a:p>
+        </p:txBody>
+      </p:sp>
     </p:spTree>
     <p:extLst>
       <p:ext uri="{BB962C8B-B14F-4D97-AF65-F5344CB8AC3E}">
@@ -18924,6 +19445,35 @@
           </a:p>
         </p:txBody>
       </p:sp>
+      <p:sp>
+        <p:nvSpPr>
+          <p:cNvPr id="5" name="Foliennummernplatzhalter 4">
+            <a:extLst>
+              <a:ext uri="{FF2B5EF4-FFF2-40B4-BE49-F238E27FC236}">
+                <a16:creationId xmlns:a16="http://schemas.microsoft.com/office/drawing/2014/main" id="{EE926337-562A-AA18-7636-28F9F403C42F}"/>
+              </a:ext>
+            </a:extLst>
+          </p:cNvPr>
+          <p:cNvSpPr>
+            <a:spLocks noGrp="1"/>
+          </p:cNvSpPr>
+          <p:nvPr>
+            <p:ph type="sldNum" sz="quarter" idx="12"/>
+          </p:nvPr>
+        </p:nvSpPr>
+        <p:spPr/>
+        <p:txBody>
+          <a:bodyPr/>
+          <a:lstStyle/>
+          <a:p>
+            <a:fld id="{C921D49C-F2C9-4773-B40D-55A32CD1AF58}" type="slidenum">
+              <a:rPr lang="en-US" smtClean="0"/>
+              <a:t>32</a:t>
+            </a:fld>
+            <a:endParaRPr lang="en-US"/>
+          </a:p>
+        </p:txBody>
+      </p:sp>
     </p:spTree>
     <p:extLst>
       <p:ext uri="{BB962C8B-B14F-4D97-AF65-F5344CB8AC3E}">
@@ -19004,6 +19554,35 @@
           <a:bodyPr/>
           <a:lstStyle/>
           <a:p>
+            <a:endParaRPr lang="en-US"/>
+          </a:p>
+        </p:txBody>
+      </p:sp>
+      <p:sp>
+        <p:nvSpPr>
+          <p:cNvPr id="4" name="Foliennummernplatzhalter 3">
+            <a:extLst>
+              <a:ext uri="{FF2B5EF4-FFF2-40B4-BE49-F238E27FC236}">
+                <a16:creationId xmlns:a16="http://schemas.microsoft.com/office/drawing/2014/main" id="{C81B3467-5239-BC7B-7CE6-5C8C280D6F6D}"/>
+              </a:ext>
+            </a:extLst>
+          </p:cNvPr>
+          <p:cNvSpPr>
+            <a:spLocks noGrp="1"/>
+          </p:cNvSpPr>
+          <p:nvPr>
+            <p:ph type="sldNum" sz="quarter" idx="12"/>
+          </p:nvPr>
+        </p:nvSpPr>
+        <p:spPr/>
+        <p:txBody>
+          <a:bodyPr/>
+          <a:lstStyle/>
+          <a:p>
+            <a:fld id="{C921D49C-F2C9-4773-B40D-55A32CD1AF58}" type="slidenum">
+              <a:rPr lang="en-US" smtClean="0"/>
+              <a:t>33</a:t>
+            </a:fld>
             <a:endParaRPr lang="en-US"/>
           </a:p>
         </p:txBody>
@@ -19483,6 +20062,35 @@
           </a:prstGeom>
         </p:spPr>
       </p:pic>
+      <p:sp>
+        <p:nvSpPr>
+          <p:cNvPr id="4" name="Foliennummernplatzhalter 3">
+            <a:extLst>
+              <a:ext uri="{FF2B5EF4-FFF2-40B4-BE49-F238E27FC236}">
+                <a16:creationId xmlns:a16="http://schemas.microsoft.com/office/drawing/2014/main" id="{630B093F-C88C-F7E2-3CC2-54F686326192}"/>
+              </a:ext>
+            </a:extLst>
+          </p:cNvPr>
+          <p:cNvSpPr>
+            <a:spLocks noGrp="1"/>
+          </p:cNvSpPr>
+          <p:nvPr>
+            <p:ph type="sldNum" sz="quarter" idx="12"/>
+          </p:nvPr>
+        </p:nvSpPr>
+        <p:spPr/>
+        <p:txBody>
+          <a:bodyPr/>
+          <a:lstStyle/>
+          <a:p>
+            <a:fld id="{C921D49C-F2C9-4773-B40D-55A32CD1AF58}" type="slidenum">
+              <a:rPr lang="en-US" smtClean="0"/>
+              <a:t>34</a:t>
+            </a:fld>
+            <a:endParaRPr lang="en-US"/>
+          </a:p>
+        </p:txBody>
+      </p:sp>
     </p:spTree>
     <p:extLst>
       <p:ext uri="{BB962C8B-B14F-4D97-AF65-F5344CB8AC3E}">
@@ -19666,6 +20274,35 @@
           </a:p>
         </p:txBody>
       </p:sp>
+      <p:sp>
+        <p:nvSpPr>
+          <p:cNvPr id="3" name="Foliennummernplatzhalter 2">
+            <a:extLst>
+              <a:ext uri="{FF2B5EF4-FFF2-40B4-BE49-F238E27FC236}">
+                <a16:creationId xmlns:a16="http://schemas.microsoft.com/office/drawing/2014/main" id="{68F3B176-5A9A-67B9-B6B8-00387C266E71}"/>
+              </a:ext>
+            </a:extLst>
+          </p:cNvPr>
+          <p:cNvSpPr>
+            <a:spLocks noGrp="1"/>
+          </p:cNvSpPr>
+          <p:nvPr>
+            <p:ph type="sldNum" sz="quarter" idx="12"/>
+          </p:nvPr>
+        </p:nvSpPr>
+        <p:spPr/>
+        <p:txBody>
+          <a:bodyPr/>
+          <a:lstStyle/>
+          <a:p>
+            <a:fld id="{C921D49C-F2C9-4773-B40D-55A32CD1AF58}" type="slidenum">
+              <a:rPr lang="en-US" smtClean="0"/>
+              <a:t>35</a:t>
+            </a:fld>
+            <a:endParaRPr lang="en-US"/>
+          </a:p>
+        </p:txBody>
+      </p:sp>
     </p:spTree>
     <p:extLst>
       <p:ext uri="{BB962C8B-B14F-4D97-AF65-F5344CB8AC3E}">
@@ -19775,6 +20412,35 @@
               <a:buNone/>
             </a:pPr>
             <a:endParaRPr lang="en-US" dirty="0"/>
+          </a:p>
+        </p:txBody>
+      </p:sp>
+      <p:sp>
+        <p:nvSpPr>
+          <p:cNvPr id="4" name="Foliennummernplatzhalter 3">
+            <a:extLst>
+              <a:ext uri="{FF2B5EF4-FFF2-40B4-BE49-F238E27FC236}">
+                <a16:creationId xmlns:a16="http://schemas.microsoft.com/office/drawing/2014/main" id="{50E396E9-4BF8-2309-ACBC-E277BC78DE86}"/>
+              </a:ext>
+            </a:extLst>
+          </p:cNvPr>
+          <p:cNvSpPr>
+            <a:spLocks noGrp="1"/>
+          </p:cNvSpPr>
+          <p:nvPr>
+            <p:ph type="sldNum" sz="quarter" idx="12"/>
+          </p:nvPr>
+        </p:nvSpPr>
+        <p:spPr/>
+        <p:txBody>
+          <a:bodyPr/>
+          <a:lstStyle/>
+          <a:p>
+            <a:fld id="{C921D49C-F2C9-4773-B40D-55A32CD1AF58}" type="slidenum">
+              <a:rPr lang="en-US" smtClean="0"/>
+              <a:t>36</a:t>
+            </a:fld>
+            <a:endParaRPr lang="en-US"/>
           </a:p>
         </p:txBody>
       </p:sp>

--- a/Organisational/Dokumentation HHZ Rocket Project.pptx
+++ b/Organisational/Dokumentation HHZ Rocket Project.pptx
@@ -6740,7 +6740,7 @@
           <a:p>
             <a:fld id="{C3E4802E-3A1F-476D-8C5F-FA8A5493684E}" type="datetimeFigureOut">
               <a:rPr lang="en-US" smtClean="0"/>
-              <a:t>2/25/2024</a:t>
+              <a:t>2/26/2024</a:t>
             </a:fld>
             <a:endParaRPr lang="en-US"/>
           </a:p>
@@ -7525,7 +7525,7 @@
           <a:p>
             <a:fld id="{2909ECF2-5F67-4152-A6C0-79A3D2C6051B}" type="datetime1">
               <a:rPr lang="en-US" smtClean="0"/>
-              <a:t>2/25/2024</a:t>
+              <a:t>2/26/2024</a:t>
             </a:fld>
             <a:endParaRPr lang="en-US"/>
           </a:p>
@@ -7725,7 +7725,7 @@
           <a:p>
             <a:fld id="{2BB31A3C-E4A9-4ACC-8C41-2F80C2F3046E}" type="datetime1">
               <a:rPr lang="en-US" smtClean="0"/>
-              <a:t>2/25/2024</a:t>
+              <a:t>2/26/2024</a:t>
             </a:fld>
             <a:endParaRPr lang="en-US"/>
           </a:p>
@@ -7935,7 +7935,7 @@
           <a:p>
             <a:fld id="{DEE811F8-498B-4811-98BB-43EABB138C78}" type="datetime1">
               <a:rPr lang="en-US" smtClean="0"/>
-              <a:t>2/25/2024</a:t>
+              <a:t>2/26/2024</a:t>
             </a:fld>
             <a:endParaRPr lang="en-US"/>
           </a:p>
@@ -8135,7 +8135,7 @@
           <a:p>
             <a:fld id="{CF3B0A26-F3E9-4E77-B169-D429A821D1AD}" type="datetime1">
               <a:rPr lang="en-US" smtClean="0"/>
-              <a:t>2/25/2024</a:t>
+              <a:t>2/26/2024</a:t>
             </a:fld>
             <a:endParaRPr lang="en-US"/>
           </a:p>
@@ -8411,7 +8411,7 @@
           <a:p>
             <a:fld id="{236C1EA9-B51A-4715-86AD-3DD44EAA0950}" type="datetime1">
               <a:rPr lang="en-US" smtClean="0"/>
-              <a:t>2/25/2024</a:t>
+              <a:t>2/26/2024</a:t>
             </a:fld>
             <a:endParaRPr lang="en-US"/>
           </a:p>
@@ -8679,7 +8679,7 @@
           <a:p>
             <a:fld id="{69D35D7B-6F95-48D2-BB0C-C5BB9046A3F4}" type="datetime1">
               <a:rPr lang="en-US" smtClean="0"/>
-              <a:t>2/25/2024</a:t>
+              <a:t>2/26/2024</a:t>
             </a:fld>
             <a:endParaRPr lang="en-US"/>
           </a:p>
@@ -9094,7 +9094,7 @@
           <a:p>
             <a:fld id="{7D989A77-5A6D-428C-857A-D63518F95098}" type="datetime1">
               <a:rPr lang="en-US" smtClean="0"/>
-              <a:t>2/25/2024</a:t>
+              <a:t>2/26/2024</a:t>
             </a:fld>
             <a:endParaRPr lang="en-US"/>
           </a:p>
@@ -9236,7 +9236,7 @@
           <a:p>
             <a:fld id="{FFDA838D-EAF0-4B9E-848A-C3F42AAEECE0}" type="datetime1">
               <a:rPr lang="en-US" smtClean="0"/>
-              <a:t>2/25/2024</a:t>
+              <a:t>2/26/2024</a:t>
             </a:fld>
             <a:endParaRPr lang="en-US"/>
           </a:p>
@@ -9349,7 +9349,7 @@
           <a:p>
             <a:fld id="{BC139EDC-50F2-402E-8D6B-2A46008B6598}" type="datetime1">
               <a:rPr lang="en-US" smtClean="0"/>
-              <a:t>2/25/2024</a:t>
+              <a:t>2/26/2024</a:t>
             </a:fld>
             <a:endParaRPr lang="en-US"/>
           </a:p>
@@ -9662,7 +9662,7 @@
           <a:p>
             <a:fld id="{6BE8A005-C129-4ADD-9DBF-1AFD1A3464B0}" type="datetime1">
               <a:rPr lang="en-US" smtClean="0"/>
-              <a:t>2/25/2024</a:t>
+              <a:t>2/26/2024</a:t>
             </a:fld>
             <a:endParaRPr lang="en-US"/>
           </a:p>
@@ -9951,7 +9951,7 @@
           <a:p>
             <a:fld id="{5905A16C-49A4-49BE-AE42-91B33F5B4289}" type="datetime1">
               <a:rPr lang="en-US" smtClean="0"/>
-              <a:t>2/25/2024</a:t>
+              <a:t>2/26/2024</a:t>
             </a:fld>
             <a:endParaRPr lang="en-US"/>
           </a:p>
@@ -10194,7 +10194,7 @@
           <a:p>
             <a:fld id="{1551A73C-2259-49BC-8829-2DD88531266B}" type="datetime1">
               <a:rPr lang="en-US" smtClean="0"/>
-              <a:t>2/25/2024</a:t>
+              <a:t>2/26/2024</a:t>
             </a:fld>
             <a:endParaRPr lang="en-US"/>
           </a:p>
@@ -11110,6 +11110,45 @@
           </a:p>
         </p:txBody>
       </p:sp>
+      <p:sp>
+        <p:nvSpPr>
+          <p:cNvPr id="7" name="Textfeld 6">
+            <a:extLst>
+              <a:ext uri="{FF2B5EF4-FFF2-40B4-BE49-F238E27FC236}">
+                <a16:creationId xmlns:a16="http://schemas.microsoft.com/office/drawing/2014/main" id="{0327EB75-1CE8-F999-532B-0496EEC3AAAA}"/>
+              </a:ext>
+            </a:extLst>
+          </p:cNvPr>
+          <p:cNvSpPr txBox="1"/>
+          <p:nvPr/>
+        </p:nvSpPr>
+        <p:spPr>
+          <a:xfrm>
+            <a:off x="956687" y="5775633"/>
+            <a:ext cx="2933700" cy="276999"/>
+          </a:xfrm>
+          <a:prstGeom prst="rect">
+            <a:avLst/>
+          </a:prstGeom>
+          <a:noFill/>
+        </p:spPr>
+        <p:txBody>
+          <a:bodyPr wrap="square" rtlCol="0">
+            <a:spAutoFit/>
+          </a:bodyPr>
+          <a:lstStyle/>
+          <a:p>
+            <a:r>
+              <a:rPr lang="de-DE" sz="1200" i="1" dirty="0" err="1"/>
+              <a:t>Typecast</a:t>
+            </a:r>
+            <a:r>
+              <a:rPr lang="de-DE" sz="1200" i="1" dirty="0"/>
+              <a:t> Daten</a:t>
+            </a:r>
+          </a:p>
+        </p:txBody>
+      </p:sp>
     </p:spTree>
     <p:extLst>
       <p:ext uri="{BB962C8B-B14F-4D97-AF65-F5344CB8AC3E}">
@@ -11372,7 +11411,7 @@
         </p:blipFill>
         <p:spPr>
           <a:xfrm>
-            <a:off x="7657681" y="3925111"/>
+            <a:off x="7117305" y="3560633"/>
             <a:ext cx="3953822" cy="2757791"/>
           </a:xfrm>
           <a:prstGeom prst="rect">
@@ -11402,7 +11441,7 @@
         </p:blipFill>
         <p:spPr>
           <a:xfrm>
-            <a:off x="7629537" y="845321"/>
+            <a:off x="7117305" y="539578"/>
             <a:ext cx="3925679" cy="2757790"/>
           </a:xfrm>
           <a:prstGeom prst="rect">
@@ -11412,10 +11451,39 @@
       </p:pic>
       <p:sp>
         <p:nvSpPr>
-          <p:cNvPr id="9" name="Textfeld 8">
-            <a:extLst>
-              <a:ext uri="{FF2B5EF4-FFF2-40B4-BE49-F238E27FC236}">
-                <a16:creationId xmlns:a16="http://schemas.microsoft.com/office/drawing/2014/main" id="{2874F2C0-5110-DAAC-B57D-091C607A4170}"/>
+          <p:cNvPr id="4" name="Foliennummernplatzhalter 3">
+            <a:extLst>
+              <a:ext uri="{FF2B5EF4-FFF2-40B4-BE49-F238E27FC236}">
+                <a16:creationId xmlns:a16="http://schemas.microsoft.com/office/drawing/2014/main" id="{852E2BB3-C352-7211-05B3-1C4342C8865D}"/>
+              </a:ext>
+            </a:extLst>
+          </p:cNvPr>
+          <p:cNvSpPr>
+            <a:spLocks noGrp="1"/>
+          </p:cNvSpPr>
+          <p:nvPr>
+            <p:ph type="sldNum" sz="quarter" idx="12"/>
+          </p:nvPr>
+        </p:nvSpPr>
+        <p:spPr/>
+        <p:txBody>
+          <a:bodyPr/>
+          <a:lstStyle/>
+          <a:p>
+            <a:fld id="{C921D49C-F2C9-4773-B40D-55A32CD1AF58}" type="slidenum">
+              <a:rPr lang="en-US" smtClean="0"/>
+              <a:t>11</a:t>
+            </a:fld>
+            <a:endParaRPr lang="en-US"/>
+          </a:p>
+        </p:txBody>
+      </p:sp>
+      <p:sp>
+        <p:nvSpPr>
+          <p:cNvPr id="6" name="Textfeld 5">
+            <a:extLst>
+              <a:ext uri="{FF2B5EF4-FFF2-40B4-BE49-F238E27FC236}">
+                <a16:creationId xmlns:a16="http://schemas.microsoft.com/office/drawing/2014/main" id="{ABEC70FE-D88D-B953-A7C5-8DEE1BD81025}"/>
               </a:ext>
             </a:extLst>
           </p:cNvPr>
@@ -11424,8 +11492,8 @@
         </p:nvSpPr>
         <p:spPr>
           <a:xfrm>
-            <a:off x="9192638" y="475989"/>
-            <a:ext cx="1964987" cy="369332"/>
+            <a:off x="7048500" y="3245708"/>
+            <a:ext cx="2933700" cy="276999"/>
           </a:xfrm>
           <a:prstGeom prst="rect">
             <a:avLst/>
@@ -11439,18 +11507,23 @@
           <a:lstStyle/>
           <a:p>
             <a:r>
-              <a:rPr lang="de-DE" dirty="0"/>
-              <a:t>Vorher</a:t>
-            </a:r>
+              <a:rPr lang="de-DE" sz="1200" i="1" dirty="0"/>
+              <a:t>Daten vor </a:t>
+            </a:r>
+            <a:r>
+              <a:rPr lang="de-DE" sz="1200" i="1" dirty="0" err="1"/>
+              <a:t>cleaning</a:t>
+            </a:r>
+            <a:endParaRPr lang="de-DE" sz="1200" i="1" dirty="0"/>
           </a:p>
         </p:txBody>
       </p:sp>
       <p:sp>
         <p:nvSpPr>
-          <p:cNvPr id="11" name="Textfeld 10">
-            <a:extLst>
-              <a:ext uri="{FF2B5EF4-FFF2-40B4-BE49-F238E27FC236}">
-                <a16:creationId xmlns:a16="http://schemas.microsoft.com/office/drawing/2014/main" id="{C3B023C2-997F-3FBC-0692-22F880840E2E}"/>
+          <p:cNvPr id="7" name="Textfeld 6">
+            <a:extLst>
+              <a:ext uri="{FF2B5EF4-FFF2-40B4-BE49-F238E27FC236}">
+                <a16:creationId xmlns:a16="http://schemas.microsoft.com/office/drawing/2014/main" id="{B968761B-A376-A80F-3D89-59A45CDA78ED}"/>
               </a:ext>
             </a:extLst>
           </p:cNvPr>
@@ -11459,8 +11532,8 @@
         </p:nvSpPr>
         <p:spPr>
           <a:xfrm>
-            <a:off x="9192638" y="3505994"/>
-            <a:ext cx="1964987" cy="369332"/>
+            <a:off x="7117305" y="6248187"/>
+            <a:ext cx="2933700" cy="276999"/>
           </a:xfrm>
           <a:prstGeom prst="rect">
             <a:avLst/>
@@ -11474,38 +11547,14 @@
           <a:lstStyle/>
           <a:p>
             <a:r>
-              <a:rPr lang="de-DE" dirty="0"/>
-              <a:t>Nachher</a:t>
-            </a:r>
-          </a:p>
-        </p:txBody>
-      </p:sp>
-      <p:sp>
-        <p:nvSpPr>
-          <p:cNvPr id="4" name="Foliennummernplatzhalter 3">
-            <a:extLst>
-              <a:ext uri="{FF2B5EF4-FFF2-40B4-BE49-F238E27FC236}">
-                <a16:creationId xmlns:a16="http://schemas.microsoft.com/office/drawing/2014/main" id="{852E2BB3-C352-7211-05B3-1C4342C8865D}"/>
-              </a:ext>
-            </a:extLst>
-          </p:cNvPr>
-          <p:cNvSpPr>
-            <a:spLocks noGrp="1"/>
-          </p:cNvSpPr>
-          <p:nvPr>
-            <p:ph type="sldNum" sz="quarter" idx="12"/>
-          </p:nvPr>
-        </p:nvSpPr>
-        <p:spPr/>
-        <p:txBody>
-          <a:bodyPr/>
-          <a:lstStyle/>
-          <a:p>
-            <a:fld id="{C921D49C-F2C9-4773-B40D-55A32CD1AF58}" type="slidenum">
-              <a:rPr lang="en-US" smtClean="0"/>
-              <a:t>11</a:t>
-            </a:fld>
-            <a:endParaRPr lang="en-US"/>
+              <a:rPr lang="de-DE" sz="1200" i="1" dirty="0"/>
+              <a:t>Daten nach </a:t>
+            </a:r>
+            <a:r>
+              <a:rPr lang="de-DE" sz="1200" i="1" dirty="0" err="1"/>
+              <a:t>cleaning</a:t>
+            </a:r>
+            <a:endParaRPr lang="de-DE" sz="1200" i="1" dirty="0"/>
           </a:p>
         </p:txBody>
       </p:sp>
@@ -11766,6 +11815,41 @@
           </a:p>
         </p:txBody>
       </p:sp>
+      <p:sp>
+        <p:nvSpPr>
+          <p:cNvPr id="5" name="Textfeld 4">
+            <a:extLst>
+              <a:ext uri="{FF2B5EF4-FFF2-40B4-BE49-F238E27FC236}">
+                <a16:creationId xmlns:a16="http://schemas.microsoft.com/office/drawing/2014/main" id="{3F1B1092-4ABC-4E2D-C1BE-AF5A1058A9A8}"/>
+              </a:ext>
+            </a:extLst>
+          </p:cNvPr>
+          <p:cNvSpPr txBox="1"/>
+          <p:nvPr/>
+        </p:nvSpPr>
+        <p:spPr>
+          <a:xfrm>
+            <a:off x="6853767" y="5095661"/>
+            <a:ext cx="2933700" cy="461665"/>
+          </a:xfrm>
+          <a:prstGeom prst="rect">
+            <a:avLst/>
+          </a:prstGeom>
+          <a:noFill/>
+        </p:spPr>
+        <p:txBody>
+          <a:bodyPr wrap="square" rtlCol="0">
+            <a:spAutoFit/>
+          </a:bodyPr>
+          <a:lstStyle/>
+          <a:p>
+            <a:r>
+              <a:rPr lang="de-DE" sz="1200" i="1" dirty="0"/>
+              <a:t>Implementierung rollierender Mittelwert und Standardabweichung</a:t>
+            </a:r>
+          </a:p>
+        </p:txBody>
+      </p:sp>
     </p:spTree>
     <p:extLst>
       <p:ext uri="{BB962C8B-B14F-4D97-AF65-F5344CB8AC3E}">
@@ -11810,10 +11894,15 @@
           </p:cNvGraphicFramePr>
           <p:nvPr>
             <p:ph idx="1"/>
+            <p:extLst>
+              <p:ext uri="{D42A27DB-BD31-4B8C-83A1-F6EECF244321}">
+                <p14:modId xmlns:p14="http://schemas.microsoft.com/office/powerpoint/2010/main" val="2156295158"/>
+              </p:ext>
+            </p:extLst>
           </p:nvPr>
         </p:nvGraphicFramePr>
         <p:xfrm>
-          <a:off x="838200" y="1825625"/>
+          <a:off x="838200" y="2470222"/>
           <a:ext cx="10515600" cy="3106593"/>
         </p:xfrm>
         <a:graphic>
@@ -12090,7 +12179,15 @@
             </a:r>
             <a:r>
               <a:rPr lang="en-US" sz="2400" dirty="0"/>
-              <a:t>” lessen)</a:t>
+              <a:t>” </a:t>
+            </a:r>
+            <a:r>
+              <a:rPr lang="en-US" sz="2400" dirty="0" err="1"/>
+              <a:t>lesen</a:t>
+            </a:r>
+            <a:r>
+              <a:rPr lang="en-US" sz="2400" dirty="0"/>
+              <a:t>)</a:t>
             </a:r>
           </a:p>
         </p:txBody>
@@ -14433,7 +14530,7 @@
           <a:p>
             <a:r>
               <a:rPr lang="de-DE" sz="1200" i="1" dirty="0"/>
-              <a:t>Konfusionsmatrix Logistische Regression</a:t>
+              <a:t>Konfusionsmatrix Random Forrest</a:t>
             </a:r>
           </a:p>
         </p:txBody>
@@ -14468,7 +14565,7 @@
           <a:p>
             <a:r>
               <a:rPr lang="de-DE" sz="1200" i="1" dirty="0"/>
-              <a:t>Konfusionsmatrix Logistische Regression</a:t>
+              <a:t>Konfusionsmatrix Gradient Boost</a:t>
             </a:r>
           </a:p>
         </p:txBody>
@@ -16171,8 +16268,8 @@
         </p:nvSpPr>
         <p:spPr>
           <a:xfrm>
-            <a:off x="355600" y="2837364"/>
-            <a:ext cx="3996447" cy="3313670"/>
+            <a:off x="127471" y="2347740"/>
+            <a:ext cx="5364445" cy="4620309"/>
           </a:xfrm>
         </p:spPr>
         <p:txBody>
@@ -16182,534 +16279,528 @@
           <a:lstStyle/>
           <a:p>
             <a:r>
-              <a:rPr lang="en-US" sz="2000" dirty="0"/>
+              <a:rPr lang="en-US" sz="2900" dirty="0"/>
               <a:t>Das Modell </a:t>
             </a:r>
             <a:r>
-              <a:rPr lang="en-US" sz="2000" dirty="0" err="1"/>
+              <a:rPr lang="en-US" sz="2900" dirty="0" err="1"/>
               <a:t>erreicht</a:t>
             </a:r>
             <a:r>
-              <a:rPr lang="en-US" sz="2000" dirty="0"/>
+              <a:rPr lang="en-US" sz="2900" dirty="0"/>
               <a:t> </a:t>
             </a:r>
             <a:r>
-              <a:rPr lang="en-US" sz="2000" dirty="0" err="1"/>
+              <a:rPr lang="en-US" sz="2900" dirty="0" err="1"/>
               <a:t>mit</a:t>
             </a:r>
             <a:r>
-              <a:rPr lang="en-US" sz="2000" dirty="0"/>
+              <a:rPr lang="en-US" sz="2900" dirty="0"/>
               <a:t> </a:t>
             </a:r>
             <a:r>
-              <a:rPr lang="en-US" sz="2000" dirty="0" err="1"/>
+              <a:rPr lang="en-US" sz="2900" dirty="0" err="1"/>
               <a:t>normalisierten</a:t>
             </a:r>
             <a:r>
-              <a:rPr lang="en-US" sz="2000" dirty="0"/>
+              <a:rPr lang="en-US" sz="2900" dirty="0"/>
               <a:t> </a:t>
             </a:r>
             <a:r>
-              <a:rPr lang="en-US" sz="2000" dirty="0" err="1"/>
+              <a:rPr lang="en-US" sz="2900" dirty="0" err="1"/>
               <a:t>Werten</a:t>
             </a:r>
             <a:r>
-              <a:rPr lang="en-US" sz="2000" dirty="0"/>
+              <a:rPr lang="en-US" sz="2900" dirty="0"/>
               <a:t> </a:t>
             </a:r>
             <a:r>
-              <a:rPr lang="en-US" sz="2000" dirty="0" err="1"/>
+              <a:rPr lang="en-US" sz="2900" dirty="0" err="1"/>
               <a:t>noch</a:t>
             </a:r>
             <a:r>
-              <a:rPr lang="en-US" sz="2000" dirty="0"/>
+              <a:rPr lang="en-US" sz="2900" dirty="0"/>
               <a:t> </a:t>
             </a:r>
             <a:r>
-              <a:rPr lang="en-US" sz="2000" dirty="0" err="1"/>
+              <a:rPr lang="en-US" sz="2900" dirty="0" err="1"/>
               <a:t>bessere</a:t>
             </a:r>
             <a:r>
-              <a:rPr lang="en-US" sz="2000" dirty="0"/>
+              <a:rPr lang="en-US" sz="2900" dirty="0"/>
               <a:t> </a:t>
             </a:r>
             <a:r>
-              <a:rPr lang="en-US" sz="2000" dirty="0" err="1"/>
+              <a:rPr lang="en-US" sz="2900" dirty="0" err="1"/>
               <a:t>Kennzahlen</a:t>
             </a:r>
             <a:r>
-              <a:rPr lang="en-US" sz="2000" dirty="0"/>
+              <a:rPr lang="en-US" sz="2900" dirty="0"/>
               <a:t> </a:t>
             </a:r>
           </a:p>
           <a:p>
             <a:r>
-              <a:rPr lang="en-US" sz="2000" dirty="0"/>
+              <a:rPr lang="en-US" sz="2900" dirty="0"/>
               <a:t>Um </a:t>
             </a:r>
             <a:r>
-              <a:rPr lang="en-US" sz="2000" dirty="0" err="1"/>
+              <a:rPr lang="en-US" sz="2900" dirty="0" err="1"/>
               <a:t>zu</a:t>
             </a:r>
             <a:r>
-              <a:rPr lang="en-US" sz="2000" dirty="0"/>
+              <a:rPr lang="en-US" sz="2900" dirty="0"/>
               <a:t> </a:t>
             </a:r>
             <a:r>
-              <a:rPr lang="en-US" sz="2000" dirty="0" err="1"/>
+              <a:rPr lang="en-US" sz="2900" dirty="0" err="1"/>
               <a:t>prüfen</a:t>
             </a:r>
             <a:r>
-              <a:rPr lang="en-US" sz="2000" dirty="0"/>
+              <a:rPr lang="en-US" sz="2900" dirty="0"/>
               <a:t> </a:t>
             </a:r>
             <a:r>
-              <a:rPr lang="en-US" sz="2000" dirty="0" err="1"/>
+              <a:rPr lang="en-US" sz="2900" dirty="0" err="1"/>
               <a:t>ob</a:t>
             </a:r>
             <a:r>
-              <a:rPr lang="en-US" sz="2000" dirty="0"/>
+              <a:rPr lang="en-US" sz="2900" dirty="0"/>
               <a:t> </a:t>
             </a:r>
             <a:r>
-              <a:rPr lang="en-US" sz="2000" dirty="0" err="1"/>
+              <a:rPr lang="en-US" sz="2900" dirty="0" err="1"/>
               <a:t>Modelle</a:t>
             </a:r>
             <a:r>
-              <a:rPr lang="en-US" sz="2000" dirty="0"/>
+              <a:rPr lang="en-US" sz="2900" dirty="0"/>
               <a:t> </a:t>
             </a:r>
             <a:r>
-              <a:rPr lang="en-US" sz="2000" dirty="0" err="1"/>
+              <a:rPr lang="en-US" sz="2900" dirty="0" err="1"/>
               <a:t>overfitten</a:t>
             </a:r>
             <a:r>
-              <a:rPr lang="en-US" sz="2000" dirty="0"/>
+              <a:rPr lang="en-US" sz="2900" dirty="0"/>
               <a:t>, </a:t>
             </a:r>
             <a:r>
-              <a:rPr lang="en-US" sz="2000" dirty="0" err="1"/>
+              <a:rPr lang="en-US" sz="2900" dirty="0" err="1"/>
               <a:t>können</a:t>
             </a:r>
             <a:r>
-              <a:rPr lang="en-US" sz="2000" dirty="0"/>
+              <a:rPr lang="en-US" sz="2900" dirty="0"/>
               <a:t> Learning </a:t>
             </a:r>
             <a:r>
-              <a:rPr lang="en-US" sz="2000" dirty="0" err="1"/>
+              <a:rPr lang="en-US" sz="2900" dirty="0" err="1"/>
               <a:t>Kurven</a:t>
             </a:r>
             <a:r>
-              <a:rPr lang="en-US" sz="2000" dirty="0"/>
+              <a:rPr lang="en-US" sz="2900" dirty="0"/>
               <a:t> </a:t>
             </a:r>
             <a:r>
-              <a:rPr lang="en-US" sz="2000" dirty="0" err="1"/>
+              <a:rPr lang="en-US" sz="2900" dirty="0" err="1"/>
               <a:t>geplottet</a:t>
             </a:r>
             <a:r>
-              <a:rPr lang="en-US" sz="2000" dirty="0"/>
+              <a:rPr lang="en-US" sz="2900" dirty="0"/>
               <a:t> </a:t>
             </a:r>
             <a:r>
-              <a:rPr lang="en-US" sz="2000" dirty="0" err="1"/>
+              <a:rPr lang="en-US" sz="2900" dirty="0" err="1"/>
               <a:t>werden</a:t>
             </a:r>
             <a:r>
-              <a:rPr lang="en-US" sz="2000" dirty="0"/>
+              <a:rPr lang="en-US" sz="2900" dirty="0"/>
               <a:t>. </a:t>
             </a:r>
             <a:r>
-              <a:rPr lang="en-US" sz="2000" dirty="0" err="1"/>
+              <a:rPr lang="en-US" sz="2900" dirty="0" err="1"/>
               <a:t>Diese</a:t>
             </a:r>
             <a:r>
-              <a:rPr lang="en-US" sz="2000" dirty="0"/>
+              <a:rPr lang="en-US" sz="2900" dirty="0"/>
               <a:t> </a:t>
             </a:r>
             <a:r>
-              <a:rPr lang="en-US" sz="2000" dirty="0" err="1"/>
+              <a:rPr lang="en-US" sz="2900" dirty="0" err="1"/>
               <a:t>zeigen</a:t>
             </a:r>
             <a:r>
-              <a:rPr lang="en-US" sz="2000" dirty="0"/>
+              <a:rPr lang="en-US" sz="2900" dirty="0"/>
               <a:t> den </a:t>
             </a:r>
             <a:r>
-              <a:rPr lang="en-US" sz="2000" dirty="0" err="1"/>
+              <a:rPr lang="en-US" sz="2900" dirty="0" err="1"/>
               <a:t>Verlauf</a:t>
             </a:r>
             <a:r>
-              <a:rPr lang="en-US" sz="2000" dirty="0"/>
+              <a:rPr lang="en-US" sz="2900" dirty="0"/>
               <a:t> an </a:t>
             </a:r>
             <a:r>
-              <a:rPr lang="en-US" sz="2000" dirty="0" err="1"/>
+              <a:rPr lang="en-US" sz="2900" dirty="0" err="1"/>
               <a:t>wie</a:t>
             </a:r>
             <a:r>
-              <a:rPr lang="en-US" sz="2000" dirty="0"/>
+              <a:rPr lang="en-US" sz="2900" dirty="0"/>
               <a:t> das Modell </a:t>
             </a:r>
             <a:r>
-              <a:rPr lang="en-US" sz="2000" dirty="0" err="1"/>
+              <a:rPr lang="en-US" sz="2900" dirty="0" err="1"/>
               <a:t>bei</a:t>
             </a:r>
             <a:r>
-              <a:rPr lang="en-US" sz="2000" dirty="0"/>
+              <a:rPr lang="en-US" sz="2900" dirty="0"/>
               <a:t> den </a:t>
             </a:r>
             <a:r>
-              <a:rPr lang="en-US" sz="2000" dirty="0" err="1"/>
+              <a:rPr lang="en-US" sz="2900" dirty="0" err="1"/>
               <a:t>Trainingsdaten</a:t>
             </a:r>
             <a:r>
-              <a:rPr lang="en-US" sz="2000" dirty="0"/>
+              <a:rPr lang="en-US" sz="2900" dirty="0"/>
               <a:t> </a:t>
             </a:r>
             <a:r>
-              <a:rPr lang="en-US" sz="2000" dirty="0" err="1"/>
+              <a:rPr lang="en-US" sz="2900" dirty="0" err="1"/>
               <a:t>lernt</a:t>
             </a:r>
             <a:r>
-              <a:rPr lang="en-US" sz="2000" dirty="0"/>
+              <a:rPr lang="en-US" sz="2900" dirty="0"/>
               <a:t>  und </a:t>
             </a:r>
             <a:r>
-              <a:rPr lang="en-US" sz="2000" dirty="0" err="1"/>
+              <a:rPr lang="en-US" sz="2900" dirty="0" err="1"/>
               <a:t>wie</a:t>
             </a:r>
             <a:r>
-              <a:rPr lang="en-US" sz="2000" dirty="0"/>
+              <a:rPr lang="en-US" sz="2900" dirty="0"/>
               <a:t> die </a:t>
             </a:r>
             <a:r>
-              <a:rPr lang="en-US" sz="2000" dirty="0" err="1"/>
+              <a:rPr lang="en-US" sz="2900" dirty="0" err="1"/>
               <a:t>Testdaten</a:t>
             </a:r>
             <a:r>
-              <a:rPr lang="en-US" sz="2000" dirty="0"/>
+              <a:rPr lang="en-US" sz="2900" dirty="0"/>
               <a:t> </a:t>
             </a:r>
             <a:r>
-              <a:rPr lang="en-US" sz="2000" dirty="0" err="1"/>
+              <a:rPr lang="en-US" sz="2900" dirty="0" err="1"/>
               <a:t>sich</a:t>
             </a:r>
             <a:r>
-              <a:rPr lang="en-US" sz="2000" dirty="0"/>
+              <a:rPr lang="en-US" sz="2900" dirty="0"/>
               <a:t> </a:t>
             </a:r>
             <a:r>
-              <a:rPr lang="en-US" sz="2000" dirty="0" err="1"/>
+              <a:rPr lang="en-US" sz="2900" dirty="0" err="1"/>
               <a:t>entwickeln</a:t>
             </a:r>
-            <a:endParaRPr lang="en-US" sz="2000" dirty="0"/>
-          </a:p>
-          <a:p>
-            <a:r>
-              <a:rPr lang="en-US" sz="2000" dirty="0" err="1"/>
+            <a:endParaRPr lang="en-US" sz="2900" dirty="0"/>
+          </a:p>
+          <a:p>
+            <a:r>
+              <a:rPr lang="en-US" sz="2900" dirty="0" err="1"/>
               <a:t>Wenn</a:t>
             </a:r>
             <a:r>
-              <a:rPr lang="en-US" sz="2000" dirty="0"/>
+              <a:rPr lang="en-US" sz="2900" dirty="0"/>
               <a:t> </a:t>
             </a:r>
             <a:r>
-              <a:rPr lang="en-US" sz="2000" dirty="0" err="1"/>
+              <a:rPr lang="en-US" sz="2900" dirty="0" err="1"/>
               <a:t>beide</a:t>
             </a:r>
             <a:r>
-              <a:rPr lang="en-US" sz="2000" dirty="0"/>
+              <a:rPr lang="en-US" sz="2900" dirty="0"/>
               <a:t> </a:t>
             </a:r>
             <a:r>
-              <a:rPr lang="en-US" sz="2000" dirty="0" err="1"/>
+              <a:rPr lang="en-US" sz="2900" dirty="0" err="1"/>
               <a:t>Kurven</a:t>
             </a:r>
             <a:r>
-              <a:rPr lang="en-US" sz="2000" dirty="0"/>
+              <a:rPr lang="en-US" sz="2900" dirty="0"/>
               <a:t> von </a:t>
             </a:r>
             <a:r>
-              <a:rPr lang="en-US" sz="2000" dirty="0" err="1"/>
+              <a:rPr lang="en-US" sz="2900" dirty="0" err="1"/>
               <a:t>anfang</a:t>
             </a:r>
             <a:r>
-              <a:rPr lang="en-US" sz="2000" dirty="0"/>
+              <a:rPr lang="en-US" sz="2900" dirty="0"/>
               <a:t> an nah </a:t>
             </a:r>
             <a:r>
-              <a:rPr lang="en-US" sz="2000" dirty="0" err="1"/>
+              <a:rPr lang="en-US" sz="2900" dirty="0" err="1"/>
               <a:t>beieinander</a:t>
             </a:r>
             <a:r>
-              <a:rPr lang="en-US" sz="2000" dirty="0"/>
+              <a:rPr lang="en-US" sz="2900" dirty="0"/>
               <a:t> </a:t>
             </a:r>
             <a:r>
-              <a:rPr lang="en-US" sz="2000" dirty="0" err="1"/>
+              <a:rPr lang="en-US" sz="2900" dirty="0" err="1"/>
               <a:t>sind</a:t>
             </a:r>
             <a:r>
-              <a:rPr lang="en-US" sz="2000" dirty="0"/>
+              <a:rPr lang="en-US" sz="2900" dirty="0"/>
               <a:t> </a:t>
             </a:r>
             <a:r>
-              <a:rPr lang="en-US" sz="2000" dirty="0" err="1"/>
+              <a:rPr lang="en-US" sz="2900" dirty="0" err="1"/>
               <a:t>lässt</a:t>
             </a:r>
             <a:r>
-              <a:rPr lang="en-US" sz="2000" dirty="0"/>
+              <a:rPr lang="en-US" sz="2900" dirty="0"/>
               <a:t> das </a:t>
             </a:r>
             <a:r>
-              <a:rPr lang="en-US" sz="2000" dirty="0" err="1"/>
+              <a:rPr lang="en-US" sz="2900" dirty="0" err="1"/>
               <a:t>ein</a:t>
             </a:r>
             <a:r>
-              <a:rPr lang="en-US" sz="2000" dirty="0"/>
+              <a:rPr lang="en-US" sz="2900" dirty="0"/>
               <a:t> overfitting </a:t>
             </a:r>
             <a:r>
-              <a:rPr lang="en-US" sz="2000" dirty="0" err="1"/>
+              <a:rPr lang="en-US" sz="2900" dirty="0" err="1"/>
               <a:t>vermuten</a:t>
             </a:r>
-            <a:endParaRPr lang="en-US" sz="2000" dirty="0"/>
-          </a:p>
-          <a:p>
-            <a:r>
-              <a:rPr lang="en-US" sz="2000" dirty="0" err="1"/>
+            <a:endParaRPr lang="en-US" sz="2900" dirty="0"/>
+          </a:p>
+          <a:p>
+            <a:r>
+              <a:rPr lang="en-US" sz="2900" dirty="0" err="1"/>
               <a:t>Beide</a:t>
             </a:r>
             <a:r>
-              <a:rPr lang="en-US" sz="2000" dirty="0"/>
+              <a:rPr lang="en-US" sz="2900" dirty="0"/>
               <a:t> </a:t>
             </a:r>
             <a:r>
-              <a:rPr lang="en-US" sz="2000" dirty="0" err="1"/>
+              <a:rPr lang="en-US" sz="2900" dirty="0" err="1"/>
               <a:t>Kurven</a:t>
             </a:r>
             <a:r>
-              <a:rPr lang="en-US" sz="2000" dirty="0"/>
+              <a:rPr lang="en-US" sz="2900" dirty="0"/>
               <a:t> </a:t>
             </a:r>
             <a:r>
-              <a:rPr lang="en-US" sz="2000" dirty="0" err="1"/>
+              <a:rPr lang="en-US" sz="2900" dirty="0" err="1"/>
               <a:t>bilden</a:t>
             </a:r>
             <a:r>
-              <a:rPr lang="en-US" sz="2000" dirty="0"/>
+              <a:rPr lang="en-US" sz="2900" dirty="0"/>
               <a:t> </a:t>
             </a:r>
             <a:r>
-              <a:rPr lang="en-US" sz="2000" dirty="0" err="1"/>
+              <a:rPr lang="en-US" sz="2900" dirty="0" err="1"/>
               <a:t>ein</a:t>
             </a:r>
             <a:r>
-              <a:rPr lang="en-US" sz="2000" dirty="0"/>
+              <a:rPr lang="en-US" sz="2900" dirty="0"/>
               <a:t> </a:t>
             </a:r>
             <a:r>
-              <a:rPr lang="en-US" sz="2000" dirty="0" err="1"/>
+              <a:rPr lang="en-US" sz="2900" dirty="0" err="1"/>
               <a:t>gutes</a:t>
             </a:r>
             <a:r>
-              <a:rPr lang="en-US" sz="2000" dirty="0"/>
+              <a:rPr lang="en-US" sz="2900" dirty="0"/>
               <a:t> Modell ab, </a:t>
             </a:r>
             <a:r>
-              <a:rPr lang="en-US" sz="2000" dirty="0" err="1"/>
+              <a:rPr lang="en-US" sz="2900" dirty="0" err="1"/>
               <a:t>wobei</a:t>
             </a:r>
             <a:r>
-              <a:rPr lang="en-US" sz="2000" dirty="0"/>
+              <a:rPr lang="en-US" sz="2900" dirty="0"/>
               <a:t> dieses </a:t>
             </a:r>
             <a:r>
-              <a:rPr lang="en-US" sz="2000" dirty="0" err="1"/>
+              <a:rPr lang="en-US" sz="2900" dirty="0" err="1"/>
               <a:t>rechts</a:t>
             </a:r>
             <a:r>
-              <a:rPr lang="en-US" sz="2000" dirty="0"/>
+              <a:rPr lang="en-US" sz="2900" dirty="0"/>
               <a:t> </a:t>
             </a:r>
             <a:r>
-              <a:rPr lang="en-US" sz="2000" dirty="0" err="1"/>
+              <a:rPr lang="en-US" sz="2900" dirty="0" err="1"/>
               <a:t>etwas</a:t>
             </a:r>
             <a:r>
-              <a:rPr lang="en-US" sz="2000" dirty="0"/>
+              <a:rPr lang="en-US" sz="2900" dirty="0"/>
               <a:t> </a:t>
             </a:r>
             <a:r>
-              <a:rPr lang="en-US" sz="2000" dirty="0" err="1"/>
+              <a:rPr lang="en-US" sz="2900" dirty="0" err="1"/>
               <a:t>besser</a:t>
             </a:r>
             <a:r>
-              <a:rPr lang="en-US" sz="2000" dirty="0"/>
+              <a:rPr lang="en-US" sz="2900" dirty="0"/>
               <a:t> </a:t>
             </a:r>
             <a:r>
-              <a:rPr lang="en-US" sz="2000" dirty="0" err="1"/>
+              <a:rPr lang="en-US" sz="2900" dirty="0" err="1"/>
               <a:t>dargestellt</a:t>
             </a:r>
             <a:r>
-              <a:rPr lang="en-US" sz="2000" dirty="0"/>
+              <a:rPr lang="en-US" sz="2900" dirty="0"/>
               <a:t> </a:t>
             </a:r>
             <a:r>
-              <a:rPr lang="en-US" sz="2000" dirty="0" err="1"/>
+              <a:rPr lang="en-US" sz="2900" dirty="0" err="1"/>
               <a:t>ist</a:t>
             </a:r>
             <a:r>
-              <a:rPr lang="en-US" sz="2000" dirty="0"/>
+              <a:rPr lang="en-US" sz="2900" dirty="0"/>
               <a:t>, </a:t>
             </a:r>
             <a:r>
-              <a:rPr lang="en-US" sz="2000" dirty="0" err="1"/>
+              <a:rPr lang="en-US" sz="2900" dirty="0" err="1"/>
               <a:t>denn</a:t>
             </a:r>
             <a:r>
-              <a:rPr lang="en-US" sz="2000" dirty="0"/>
+              <a:rPr lang="en-US" sz="2900" dirty="0"/>
               <a:t> die trainings accuracy </a:t>
             </a:r>
             <a:r>
-              <a:rPr lang="en-US" sz="2000" dirty="0" err="1"/>
+              <a:rPr lang="en-US" sz="2900" dirty="0" err="1"/>
               <a:t>nimmt</a:t>
             </a:r>
             <a:r>
-              <a:rPr lang="en-US" sz="2000" dirty="0"/>
+              <a:rPr lang="en-US" sz="2900" dirty="0"/>
               <a:t> </a:t>
             </a:r>
             <a:r>
-              <a:rPr lang="en-US" sz="2000" dirty="0" err="1"/>
+              <a:rPr lang="en-US" sz="2900" dirty="0" err="1"/>
               <a:t>Anfang</a:t>
             </a:r>
             <a:r>
-              <a:rPr lang="en-US" sz="2000" dirty="0"/>
+              <a:rPr lang="en-US" sz="2900" dirty="0"/>
               <a:t> ab und Test accuracy </a:t>
             </a:r>
             <a:r>
-              <a:rPr lang="en-US" sz="2000" dirty="0" err="1"/>
+              <a:rPr lang="en-US" sz="2900" dirty="0" err="1"/>
               <a:t>nimmt</a:t>
             </a:r>
             <a:r>
-              <a:rPr lang="en-US" sz="2000" dirty="0"/>
+              <a:rPr lang="en-US" sz="2900" dirty="0"/>
               <a:t> </a:t>
             </a:r>
             <a:r>
-              <a:rPr lang="en-US" sz="2000" dirty="0" err="1"/>
+              <a:rPr lang="en-US" sz="2900" dirty="0" err="1"/>
               <a:t>zu</a:t>
             </a:r>
             <a:r>
-              <a:rPr lang="en-US" sz="2000" dirty="0"/>
+              <a:rPr lang="en-US" sz="2900" dirty="0"/>
               <a:t>. </a:t>
             </a:r>
           </a:p>
           <a:p>
             <a:r>
-              <a:rPr lang="en-US" sz="2000" dirty="0"/>
+              <a:rPr lang="en-US" sz="2900" dirty="0"/>
               <a:t>Da </a:t>
             </a:r>
             <a:r>
-              <a:rPr lang="en-US" sz="2000" dirty="0" err="1"/>
+              <a:rPr lang="en-US" sz="2900" dirty="0" err="1"/>
               <a:t>beide</a:t>
             </a:r>
             <a:r>
-              <a:rPr lang="en-US" sz="2000" dirty="0"/>
+              <a:rPr lang="en-US" sz="2900" dirty="0"/>
               <a:t> </a:t>
             </a:r>
             <a:r>
-              <a:rPr lang="en-US" sz="2000" dirty="0" err="1"/>
+              <a:rPr lang="en-US" sz="2900" dirty="0" err="1"/>
               <a:t>Modelle</a:t>
             </a:r>
             <a:r>
-              <a:rPr lang="en-US" sz="2000" dirty="0"/>
+              <a:rPr lang="en-US" sz="2900" dirty="0"/>
               <a:t> gut </a:t>
             </a:r>
             <a:r>
-              <a:rPr lang="en-US" sz="2000" dirty="0" err="1"/>
+              <a:rPr lang="en-US" sz="2900" dirty="0" err="1"/>
               <a:t>aussehen</a:t>
             </a:r>
             <a:r>
-              <a:rPr lang="en-US" sz="2000" dirty="0"/>
+              <a:rPr lang="en-US" sz="2900" dirty="0"/>
               <a:t> und overfitting </a:t>
             </a:r>
             <a:r>
-              <a:rPr lang="en-US" sz="2000" dirty="0" err="1"/>
+              <a:rPr lang="en-US" sz="2900" dirty="0" err="1"/>
               <a:t>kein</a:t>
             </a:r>
             <a:r>
-              <a:rPr lang="en-US" sz="2000" dirty="0"/>
+              <a:rPr lang="en-US" sz="2900" dirty="0"/>
               <a:t> Thema </a:t>
             </a:r>
             <a:r>
-              <a:rPr lang="en-US" sz="2000" dirty="0" err="1"/>
+              <a:rPr lang="en-US" sz="2900" dirty="0" err="1"/>
               <a:t>zu</a:t>
             </a:r>
             <a:r>
-              <a:rPr lang="en-US" sz="2000" dirty="0"/>
+              <a:rPr lang="en-US" sz="2900" dirty="0"/>
               <a:t> sein </a:t>
             </a:r>
             <a:r>
-              <a:rPr lang="en-US" sz="2000" dirty="0" err="1"/>
+              <a:rPr lang="en-US" sz="2900" dirty="0" err="1"/>
               <a:t>scheint</a:t>
             </a:r>
             <a:r>
-              <a:rPr lang="en-US" sz="2000" dirty="0"/>
+              <a:rPr lang="en-US" sz="2900" dirty="0"/>
               <a:t>, </a:t>
             </a:r>
             <a:r>
-              <a:rPr lang="en-US" sz="2000" dirty="0" err="1"/>
+              <a:rPr lang="en-US" sz="2900" dirty="0" err="1"/>
               <a:t>wird</a:t>
             </a:r>
             <a:r>
-              <a:rPr lang="en-US" sz="2000" dirty="0"/>
+              <a:rPr lang="en-US" sz="2900" dirty="0"/>
               <a:t> </a:t>
             </a:r>
             <a:r>
-              <a:rPr lang="en-US" sz="2000" dirty="0" err="1"/>
+              <a:rPr lang="en-US" sz="2900" dirty="0" err="1"/>
               <a:t>sich</a:t>
             </a:r>
             <a:r>
-              <a:rPr lang="en-US" sz="2000" dirty="0"/>
+              <a:rPr lang="en-US" sz="2900" dirty="0"/>
               <a:t> für das Modell </a:t>
             </a:r>
             <a:r>
-              <a:rPr lang="en-US" sz="2000" dirty="0" err="1"/>
+              <a:rPr lang="en-US" sz="2900" dirty="0" err="1"/>
               <a:t>mit</a:t>
             </a:r>
             <a:r>
-              <a:rPr lang="en-US" sz="2000" dirty="0"/>
+              <a:rPr lang="en-US" sz="2900" dirty="0"/>
               <a:t> </a:t>
             </a:r>
             <a:r>
-              <a:rPr lang="en-US" sz="2000" dirty="0" err="1"/>
+              <a:rPr lang="en-US" sz="2900" dirty="0" err="1"/>
               <a:t>auschließlich</a:t>
             </a:r>
             <a:r>
-              <a:rPr lang="en-US" sz="2000" dirty="0"/>
+              <a:rPr lang="en-US" sz="2900" dirty="0"/>
               <a:t> real </a:t>
             </a:r>
             <a:r>
-              <a:rPr lang="en-US" sz="2000" dirty="0" err="1"/>
+              <a:rPr lang="en-US" sz="2900" dirty="0" err="1"/>
               <a:t>Daten</a:t>
             </a:r>
             <a:r>
-              <a:rPr lang="en-US" sz="2000" dirty="0"/>
+              <a:rPr lang="en-US" sz="2900" dirty="0"/>
               <a:t> </a:t>
             </a:r>
             <a:r>
-              <a:rPr lang="en-US" sz="2000" dirty="0" err="1"/>
+              <a:rPr lang="en-US" sz="2900" dirty="0" err="1"/>
               <a:t>entschieden</a:t>
             </a:r>
-            <a:endParaRPr lang="en-US" sz="2000" dirty="0"/>
-          </a:p>
-          <a:p>
-            <a:endParaRPr lang="en-US" sz="2000" dirty="0"/>
-          </a:p>
-          <a:p>
-            <a:endParaRPr lang="en-US" sz="2000" dirty="0"/>
+            <a:endParaRPr lang="en-US" sz="2900" dirty="0"/>
           </a:p>
         </p:txBody>
       </p:sp>
@@ -16765,8 +16856,8 @@
         </p:blipFill>
         <p:spPr>
           <a:xfrm>
-            <a:off x="4834647" y="3195536"/>
-            <a:ext cx="3392906" cy="3429000"/>
+            <a:off x="5464017" y="3122382"/>
+            <a:ext cx="3038701" cy="3071027"/>
           </a:xfrm>
           <a:prstGeom prst="rect">
             <a:avLst/>
@@ -16795,8 +16886,8 @@
         </p:blipFill>
         <p:spPr>
           <a:xfrm>
-            <a:off x="8539598" y="3012326"/>
-            <a:ext cx="3526586" cy="3526586"/>
+            <a:off x="8610600" y="3074763"/>
+            <a:ext cx="3188884" cy="3188884"/>
           </a:xfrm>
           <a:prstGeom prst="rect">
             <a:avLst/>
@@ -16817,7 +16908,7 @@
         </p:nvSpPr>
         <p:spPr>
           <a:xfrm>
-            <a:off x="5044733" y="6505177"/>
+            <a:off x="5653253" y="6159542"/>
             <a:ext cx="949667" cy="276999"/>
           </a:xfrm>
           <a:prstGeom prst="rect">
@@ -16852,7 +16943,7 @@
         </p:nvSpPr>
         <p:spPr>
           <a:xfrm>
-            <a:off x="8826628" y="6468675"/>
+            <a:off x="8809695" y="6193410"/>
             <a:ext cx="2048805" cy="276999"/>
           </a:xfrm>
           <a:prstGeom prst="rect">
@@ -17051,7 +17142,7 @@
         </p:spPr>
         <p:txBody>
           <a:bodyPr>
-            <a:normAutofit fontScale="92500" lnSpcReduction="10000"/>
+            <a:normAutofit/>
           </a:bodyPr>
           <a:lstStyle/>
           <a:p>
@@ -17059,11 +17150,11 @@
               <a:buNone/>
             </a:pPr>
             <a:r>
-              <a:rPr lang="en-US" dirty="0" err="1"/>
+              <a:rPr lang="en-US" sz="2000" dirty="0" err="1"/>
               <a:t>Betrachtung</a:t>
             </a:r>
             <a:r>
-              <a:rPr lang="en-US" dirty="0"/>
+              <a:rPr lang="en-US" sz="2000" dirty="0"/>
               <a:t> der Feature Importance:</a:t>
             </a:r>
           </a:p>
@@ -17196,7 +17287,7 @@
         </p:spPr>
         <p:txBody>
           <a:bodyPr vert="horz" lIns="91440" tIns="45720" rIns="91440" bIns="45720" rtlCol="0">
-            <a:normAutofit fontScale="92500" lnSpcReduction="10000"/>
+            <a:normAutofit/>
           </a:bodyPr>
           <a:lstStyle>
             <a:lvl1pPr marL="228600" indent="-228600" algn="l" defTabSz="914400" rtl="0" eaLnBrk="1" latinLnBrk="0" hangingPunct="1">
@@ -17368,54 +17459,54 @@
               <a:buNone/>
             </a:pPr>
             <a:r>
-              <a:rPr lang="en-US" dirty="0"/>
+              <a:rPr lang="en-US" sz="2000" dirty="0"/>
               <a:t>Die </a:t>
             </a:r>
             <a:r>
-              <a:rPr lang="en-US" dirty="0" err="1"/>
+              <a:rPr lang="en-US" sz="2000" dirty="0" err="1"/>
               <a:t>genutzten</a:t>
             </a:r>
             <a:r>
-              <a:rPr lang="en-US" dirty="0"/>
+              <a:rPr lang="en-US" sz="2000" dirty="0"/>
               <a:t> Features </a:t>
             </a:r>
             <a:r>
-              <a:rPr lang="en-US" dirty="0" err="1"/>
+              <a:rPr lang="en-US" sz="2000" dirty="0" err="1"/>
               <a:t>sind</a:t>
             </a:r>
             <a:r>
-              <a:rPr lang="en-US" dirty="0"/>
+              <a:rPr lang="en-US" sz="2000" dirty="0"/>
               <a:t> </a:t>
             </a:r>
             <a:r>
-              <a:rPr lang="en-US" dirty="0" err="1"/>
+              <a:rPr lang="en-US" sz="2000" dirty="0" err="1"/>
               <a:t>ähnlich</a:t>
             </a:r>
             <a:r>
-              <a:rPr lang="en-US" dirty="0"/>
+              <a:rPr lang="en-US" sz="2000" dirty="0"/>
               <a:t> </a:t>
             </a:r>
             <a:r>
-              <a:rPr lang="en-US" dirty="0" err="1"/>
+              <a:rPr lang="en-US" sz="2000" dirty="0" err="1"/>
               <a:t>wichtig</a:t>
             </a:r>
             <a:r>
-              <a:rPr lang="en-US" dirty="0"/>
+              <a:rPr lang="en-US" sz="2000" dirty="0"/>
               <a:t> -&gt; </a:t>
             </a:r>
             <a:r>
-              <a:rPr lang="en-US" dirty="0" err="1"/>
+              <a:rPr lang="en-US" sz="2000" dirty="0" err="1"/>
               <a:t>Werden</a:t>
             </a:r>
             <a:r>
-              <a:rPr lang="en-US" dirty="0"/>
+              <a:rPr lang="en-US" sz="2000" dirty="0"/>
               <a:t> alle </a:t>
             </a:r>
             <a:r>
-              <a:rPr lang="en-US" dirty="0" err="1"/>
+              <a:rPr lang="en-US" sz="2000" dirty="0" err="1"/>
               <a:t>berücksichtigt</a:t>
             </a:r>
-            <a:endParaRPr lang="en-US" dirty="0"/>
+            <a:endParaRPr lang="en-US" sz="2000" dirty="0"/>
           </a:p>
         </p:txBody>
       </p:sp>
@@ -18282,7 +18373,19 @@
           <a:bodyPr/>
           <a:lstStyle/>
           <a:p>
-            <a:endParaRPr lang="de-DE"/>
+            <a:r>
+              <a:rPr lang="de-DE" dirty="0"/>
+              <a:t>Es wird ein Modell </a:t>
+            </a:r>
+          </a:p>
+          <a:p>
+            <a:pPr marL="0" indent="0">
+              <a:buNone/>
+            </a:pPr>
+            <a:r>
+              <a:rPr lang="de-DE" dirty="0"/>
+              <a:t>   mit Gradient Boost gewählt </a:t>
+            </a:r>
           </a:p>
         </p:txBody>
       </p:sp>
@@ -18312,6 +18415,70 @@
               <a:t>28</a:t>
             </a:fld>
             <a:endParaRPr lang="en-US"/>
+          </a:p>
+        </p:txBody>
+      </p:sp>
+      <p:pic>
+        <p:nvPicPr>
+          <p:cNvPr id="5" name="Grafik 4">
+            <a:extLst>
+              <a:ext uri="{FF2B5EF4-FFF2-40B4-BE49-F238E27FC236}">
+                <a16:creationId xmlns:a16="http://schemas.microsoft.com/office/drawing/2014/main" id="{684E4FE5-F916-5FF1-50A1-42CFB4B56C8D}"/>
+              </a:ext>
+            </a:extLst>
+          </p:cNvPr>
+          <p:cNvPicPr>
+            <a:picLocks noChangeAspect="1"/>
+          </p:cNvPicPr>
+          <p:nvPr/>
+        </p:nvPicPr>
+        <p:blipFill rotWithShape="1">
+          <a:blip r:embed="rId2"/>
+          <a:srcRect l="3132" t="49000" r="36057"/>
+          <a:stretch/>
+        </p:blipFill>
+        <p:spPr>
+          <a:xfrm>
+            <a:off x="6079392" y="1825625"/>
+            <a:ext cx="5062416" cy="2194816"/>
+          </a:xfrm>
+          <a:prstGeom prst="rect">
+            <a:avLst/>
+          </a:prstGeom>
+        </p:spPr>
+      </p:pic>
+      <p:sp>
+        <p:nvSpPr>
+          <p:cNvPr id="6" name="Textfeld 5">
+            <a:extLst>
+              <a:ext uri="{FF2B5EF4-FFF2-40B4-BE49-F238E27FC236}">
+                <a16:creationId xmlns:a16="http://schemas.microsoft.com/office/drawing/2014/main" id="{6BA40216-03F4-EAE0-3610-11C7F8C8E593}"/>
+              </a:ext>
+            </a:extLst>
+          </p:cNvPr>
+          <p:cNvSpPr txBox="1"/>
+          <p:nvPr/>
+        </p:nvSpPr>
+        <p:spPr>
+          <a:xfrm>
+            <a:off x="6136764" y="4021671"/>
+            <a:ext cx="3697100" cy="276999"/>
+          </a:xfrm>
+          <a:prstGeom prst="rect">
+            <a:avLst/>
+          </a:prstGeom>
+          <a:noFill/>
+        </p:spPr>
+        <p:txBody>
+          <a:bodyPr wrap="square" rtlCol="0">
+            <a:spAutoFit/>
+          </a:bodyPr>
+          <a:lstStyle/>
+          <a:p>
+            <a:r>
+              <a:rPr lang="de-DE" sz="1200" i="1" dirty="0"/>
+              <a:t>Kennzahlen Gradient Boost</a:t>
+            </a:r>
           </a:p>
         </p:txBody>
       </p:sp>
@@ -18691,7 +18858,7 @@
               <a:rPr lang="de-DE" dirty="0">
                 <a:sym typeface="Wingdings" panose="05000000000000000000" pitchFamily="2" charset="2"/>
               </a:rPr>
-              <a:t>Der Auftraggeber ist ein produzierendes Unternehmen, welches Raketen herstellt.</a:t>
+              <a:t>Der Auftraggeber ist ein produzierendes Unternehmen, welches Raketen für die Raumfahrt herstellt.</a:t>
             </a:r>
           </a:p>
           <a:p>
@@ -19488,7 +19655,7 @@
 </file>
 
 <file path=ppt/slides/slide33.xml><?xml version="1.0" encoding="utf-8"?>
-<p:sld xmlns:a="http://schemas.openxmlformats.org/drawingml/2006/main" xmlns:r="http://schemas.openxmlformats.org/officeDocument/2006/relationships" xmlns:p="http://schemas.openxmlformats.org/presentationml/2006/main">
+<p:sld xmlns:a="http://schemas.openxmlformats.org/drawingml/2006/main" xmlns:r="http://schemas.openxmlformats.org/officeDocument/2006/relationships" xmlns:p="http://schemas.openxmlformats.org/presentationml/2006/main" show="0">
   <p:cSld>
     <p:spTree>
       <p:nvGrpSpPr>
@@ -20522,29 +20689,20 @@
         <p:spPr/>
         <p:txBody>
           <a:bodyPr>
-            <a:normAutofit fontScale="92500" lnSpcReduction="20000"/>
+            <a:normAutofit/>
           </a:bodyPr>
           <a:lstStyle/>
           <a:p>
             <a:r>
-              <a:rPr lang="de-DE" dirty="0">
+              <a:rPr lang="de-DE" sz="2400" dirty="0">
                 <a:sym typeface="Wingdings" panose="05000000000000000000" pitchFamily="2" charset="2"/>
               </a:rPr>
               <a:t>Die Maschinen geben während des Betriebs Statusmeldungen ab, welche in Log Files gespeichert werden. Zudem wird alle 5 Minuten der Zustand der Maschine übermittelt. Unter anderem verschiedene Sensordaten.</a:t>
             </a:r>
           </a:p>
           <a:p>
-            <a:pPr>
-              <a:buFont typeface="Wingdings" panose="05000000000000000000" pitchFamily="2" charset="2"/>
-              <a:buChar char="à"/>
-            </a:pPr>
-            <a:endParaRPr lang="de-DE" dirty="0">
-              <a:sym typeface="Wingdings" panose="05000000000000000000" pitchFamily="2" charset="2"/>
-            </a:endParaRPr>
-          </a:p>
-          <a:p>
-            <a:r>
-              <a:rPr lang="de-DE" dirty="0">
+            <a:r>
+              <a:rPr lang="de-DE" sz="2400" dirty="0">
                 <a:sym typeface="Wingdings" panose="05000000000000000000" pitchFamily="2" charset="2"/>
               </a:rPr>
               <a:t>Meldungen und Sensorwerte werden in zwei Datenbanken abgespeichert:</a:t>
@@ -20569,34 +20727,25 @@
             </a:r>
           </a:p>
           <a:p>
-            <a:pPr>
-              <a:buFont typeface="Wingdings" panose="05000000000000000000" pitchFamily="2" charset="2"/>
-              <a:buChar char="à"/>
-            </a:pPr>
-            <a:endParaRPr lang="de-DE" dirty="0">
-              <a:sym typeface="Wingdings" panose="05000000000000000000" pitchFamily="2" charset="2"/>
-            </a:endParaRPr>
-          </a:p>
-          <a:p>
-            <a:r>
-              <a:rPr lang="de-DE" dirty="0">
+            <a:r>
+              <a:rPr lang="de-DE" sz="2600" dirty="0">
                 <a:sym typeface="Wingdings" panose="05000000000000000000" pitchFamily="2" charset="2"/>
               </a:rPr>
               <a:t>Es gibt eine große Menge an Maschinendaten der Vergangenheit. Diese sollen genutzt werden, damit ein </a:t>
             </a:r>
             <a:r>
-              <a:rPr lang="de-DE" dirty="0" err="1">
+              <a:rPr lang="de-DE" sz="2600" dirty="0" err="1">
                 <a:sym typeface="Wingdings" panose="05000000000000000000" pitchFamily="2" charset="2"/>
               </a:rPr>
               <a:t>Frühwarn</a:t>
             </a:r>
             <a:r>
-              <a:rPr lang="de-DE" dirty="0">
+              <a:rPr lang="de-DE" sz="2600" dirty="0">
                 <a:sym typeface="Wingdings" panose="05000000000000000000" pitchFamily="2" charset="2"/>
               </a:rPr>
               <a:t> System entwickelt werden kann. Mit diesem sollen Ausfälle vorhergesagt werden und präventiv verhindert werden können.</a:t>
             </a:r>
-            <a:endParaRPr lang="en-US" dirty="0"/>
+            <a:endParaRPr lang="en-US" sz="2600" dirty="0"/>
           </a:p>
         </p:txBody>
       </p:sp>
@@ -20890,18 +21039,18 @@
         <p:spPr/>
         <p:txBody>
           <a:bodyPr>
-            <a:normAutofit fontScale="77500" lnSpcReduction="20000"/>
+            <a:normAutofit fontScale="70000" lnSpcReduction="20000"/>
           </a:bodyPr>
           <a:lstStyle/>
           <a:p>
             <a:r>
-              <a:rPr lang="de-DE" dirty="0"/>
+              <a:rPr lang="de-DE" sz="3400" dirty="0"/>
               <a:t>Strukturierte Daten der Sensoren in einer Maschine</a:t>
             </a:r>
           </a:p>
           <a:p>
             <a:r>
-              <a:rPr lang="de-DE" dirty="0"/>
+              <a:rPr lang="de-DE" sz="3400" dirty="0"/>
               <a:t>Zu jedem Zeitpunkt gibt es folgende Werte:</a:t>
             </a:r>
           </a:p>
@@ -21027,16 +21176,16 @@
           </a:p>
           <a:p>
             <a:r>
-              <a:rPr lang="de-DE" dirty="0"/>
+              <a:rPr lang="de-DE" sz="3400" dirty="0"/>
               <a:t>Wenn alle Sensoren keinen Wert liefern, ist die Maschine ausgefallen.</a:t>
             </a:r>
           </a:p>
           <a:p>
             <a:r>
-              <a:rPr lang="de-DE" dirty="0"/>
+              <a:rPr lang="de-DE" sz="3400" dirty="0"/>
               <a:t>Man müsste vorhersagen können bei welchem Sensorwert bzw. Werten in den nächsten 5 Minuten die Maschine ausfällt.</a:t>
             </a:r>
-            <a:endParaRPr lang="en-US" dirty="0"/>
+            <a:endParaRPr lang="en-US" sz="3400" dirty="0"/>
           </a:p>
         </p:txBody>
       </p:sp>
@@ -21281,12 +21430,16 @@
           <a:p>
             <a:pPr lvl="1"/>
             <a:r>
-              <a:rPr lang="en-US" dirty="0" err="1"/>
+              <a:rPr lang="en-US" b="1" dirty="0" err="1"/>
               <a:t>MesswertID</a:t>
             </a:r>
             <a:r>
+              <a:rPr lang="en-US" b="1" dirty="0"/>
+              <a:t>: </a:t>
+            </a:r>
+            <a:r>
               <a:rPr lang="en-US" dirty="0"/>
-              <a:t>: ID der </a:t>
+              <a:t>ID der </a:t>
             </a:r>
             <a:r>
               <a:rPr lang="en-US" dirty="0" err="1"/>
@@ -21297,12 +21450,16 @@
           <a:p>
             <a:pPr lvl="1"/>
             <a:r>
-              <a:rPr lang="en-US" dirty="0" err="1"/>
+              <a:rPr lang="en-US" b="1" dirty="0" err="1"/>
               <a:t>SystemID</a:t>
             </a:r>
             <a:r>
+              <a:rPr lang="en-US" b="1" dirty="0"/>
+              <a:t>: </a:t>
+            </a:r>
+            <a:r>
               <a:rPr lang="en-US" dirty="0"/>
-              <a:t>: ID des </a:t>
+              <a:t>ID des </a:t>
             </a:r>
             <a:r>
               <a:rPr lang="en-US" dirty="0" err="1"/>
@@ -21316,8 +21473,12 @@
           <a:p>
             <a:pPr lvl="1"/>
             <a:r>
+              <a:rPr lang="en-US" b="1" dirty="0"/>
+              <a:t>Datum: </a:t>
+            </a:r>
+            <a:r>
               <a:rPr lang="en-US" dirty="0"/>
-              <a:t>Datum: Tag der </a:t>
+              <a:t>Tag der </a:t>
             </a:r>
             <a:r>
               <a:rPr lang="en-US" dirty="0" err="1"/>
@@ -21328,7 +21489,7 @@
           <a:p>
             <a:pPr lvl="1"/>
             <a:r>
-              <a:rPr lang="en-US" dirty="0"/>
+              <a:rPr lang="en-US" b="1" dirty="0"/>
               <a:t>Zeit: </a:t>
             </a:r>
             <a:r>
@@ -21348,12 +21509,16 @@
           <a:p>
             <a:pPr lvl="1"/>
             <a:r>
-              <a:rPr lang="en-US" dirty="0" err="1"/>
+              <a:rPr lang="en-US" b="1" dirty="0" err="1"/>
               <a:t>LogLevel</a:t>
             </a:r>
             <a:r>
+              <a:rPr lang="en-US" b="1" dirty="0"/>
+              <a:t>: </a:t>
+            </a:r>
+            <a:r>
               <a:rPr lang="en-US" dirty="0"/>
-              <a:t>: Status </a:t>
+              <a:t>Status </a:t>
             </a:r>
             <a:r>
               <a:rPr lang="en-US" dirty="0" err="1"/>
@@ -21367,12 +21532,16 @@
           <a:p>
             <a:pPr lvl="1"/>
             <a:r>
-              <a:rPr lang="en-US" dirty="0" err="1"/>
+              <a:rPr lang="en-US" b="1" dirty="0" err="1"/>
               <a:t>LogMessage</a:t>
             </a:r>
             <a:r>
+              <a:rPr lang="en-US" b="1" dirty="0"/>
+              <a:t>: </a:t>
+            </a:r>
+            <a:r>
               <a:rPr lang="en-US" dirty="0"/>
-              <a:t>: Bei Error und Warning </a:t>
+              <a:t>Bei Error und Warning </a:t>
             </a:r>
             <a:r>
               <a:rPr lang="en-US" dirty="0" err="1"/>
@@ -21751,10 +21920,15 @@
           </p:cNvGraphicFramePr>
           <p:nvPr>
             <p:ph idx="1"/>
+            <p:extLst>
+              <p:ext uri="{D42A27DB-BD31-4B8C-83A1-F6EECF244321}">
+                <p14:modId xmlns:p14="http://schemas.microsoft.com/office/powerpoint/2010/main" val="2433841322"/>
+              </p:ext>
+            </p:extLst>
           </p:nvPr>
         </p:nvGraphicFramePr>
         <p:xfrm>
-          <a:off x="838200" y="1825625"/>
+          <a:off x="838200" y="2426758"/>
           <a:ext cx="10515600" cy="3106593"/>
         </p:xfrm>
         <a:graphic>
